--- a/Equip_B/results/S2_Presentacion_Finanzas.pptx
+++ b/Equip_B/results/S2_Presentacion_Finanzas.pptx
@@ -5,10 +5,10 @@
     <p:sldMasterId id="2147483648" r:id="rId4"/>
   </p:sldMasterIdLst>
   <p:notesMasterIdLst>
-    <p:notesMasterId r:id="rId16"/>
+    <p:notesMasterId r:id="rId17"/>
   </p:notesMasterIdLst>
   <p:handoutMasterIdLst>
-    <p:handoutMasterId r:id="rId17"/>
+    <p:handoutMasterId r:id="rId18"/>
   </p:handoutMasterIdLst>
   <p:sldIdLst>
     <p:sldId id="324" r:id="rId5"/>
@@ -19,9 +19,10 @@
     <p:sldId id="330" r:id="rId10"/>
     <p:sldId id="329" r:id="rId11"/>
     <p:sldId id="332" r:id="rId12"/>
-    <p:sldId id="333" r:id="rId13"/>
-    <p:sldId id="334" r:id="rId14"/>
-    <p:sldId id="335" r:id="rId15"/>
+    <p:sldId id="350" r:id="rId13"/>
+    <p:sldId id="333" r:id="rId14"/>
+    <p:sldId id="334" r:id="rId15"/>
+    <p:sldId id="335" r:id="rId16"/>
   </p:sldIdLst>
   <p:sldSz cx="12192000" cy="6858000"/>
   <p:notesSz cx="6858000" cy="9144000"/>
@@ -797,6 +798,91 @@
   <p:cSld>
     <p:spTree>
       <p:nvGrpSpPr>
+        <p:cNvPr id="1" name=""/>
+        <p:cNvGrpSpPr/>
+        <p:nvPr/>
+      </p:nvGrpSpPr>
+      <p:grpSpPr>
+        <a:xfrm>
+          <a:off x="0" y="0"/>
+          <a:ext cx="0" cy="0"/>
+          <a:chOff x="0" y="0"/>
+          <a:chExt cx="0" cy="0"/>
+        </a:xfrm>
+      </p:grpSpPr>
+      <p:sp>
+        <p:nvSpPr>
+          <p:cNvPr id="2" name="Marcador de imagen de diapositiva 1"/>
+          <p:cNvSpPr>
+            <a:spLocks noGrp="1" noRot="1" noChangeAspect="1"/>
+          </p:cNvSpPr>
+          <p:nvPr>
+            <p:ph type="sldImg"/>
+          </p:nvPr>
+        </p:nvSpPr>
+        <p:spPr/>
+      </p:sp>
+      <p:sp>
+        <p:nvSpPr>
+          <p:cNvPr id="3" name="Marcador de notas 2"/>
+          <p:cNvSpPr>
+            <a:spLocks noGrp="1"/>
+          </p:cNvSpPr>
+          <p:nvPr>
+            <p:ph type="body" idx="1"/>
+          </p:nvPr>
+        </p:nvSpPr>
+        <p:spPr/>
+        <p:txBody>
+          <a:bodyPr/>
+          <a:lstStyle/>
+          <a:p>
+            <a:endParaRPr lang="es-ES" dirty="0"/>
+          </a:p>
+        </p:txBody>
+      </p:sp>
+      <p:sp>
+        <p:nvSpPr>
+          <p:cNvPr id="4" name="Marcador de número de diapositiva 3"/>
+          <p:cNvSpPr>
+            <a:spLocks noGrp="1"/>
+          </p:cNvSpPr>
+          <p:nvPr>
+            <p:ph type="sldNum" sz="quarter" idx="5"/>
+          </p:nvPr>
+        </p:nvSpPr>
+        <p:spPr/>
+        <p:txBody>
+          <a:bodyPr/>
+          <a:lstStyle/>
+          <a:p>
+            <a:pPr rtl="0"/>
+            <a:fld id="{8530193B-564F-4854-8A52-728F3FB19C85}" type="slidenum">
+              <a:rPr lang="es-ES" noProof="0" smtClean="0"/>
+              <a:t>11</a:t>
+            </a:fld>
+            <a:endParaRPr lang="es-ES" noProof="0"/>
+          </a:p>
+        </p:txBody>
+      </p:sp>
+    </p:spTree>
+    <p:extLst>
+      <p:ext uri="{BB962C8B-B14F-4D97-AF65-F5344CB8AC3E}">
+        <p14:creationId xmlns:p14="http://schemas.microsoft.com/office/powerpoint/2010/main" val="306567150"/>
+      </p:ext>
+    </p:extLst>
+  </p:cSld>
+  <p:clrMapOvr>
+    <a:masterClrMapping/>
+  </p:clrMapOvr>
+</p:notes>
+</file>
+
+<file path=ppt/notesSlides/notesSlide11.xml><?xml version="1.0" encoding="utf-8"?>
+<p:notes xmlns:a="http://schemas.openxmlformats.org/drawingml/2006/main" xmlns:r="http://schemas.openxmlformats.org/officeDocument/2006/relationships" xmlns:p="http://schemas.openxmlformats.org/presentationml/2006/main">
+  <p:cSld>
+    <p:spTree>
+      <p:nvGrpSpPr>
         <p:cNvPr id="1" name="">
           <a:extLst>
             <a:ext uri="{FF2B5EF4-FFF2-40B4-BE49-F238E27FC236}">
@@ -883,7 +969,7 @@
             <a:pPr rtl="0"/>
             <a:fld id="{8530193B-564F-4854-8A52-728F3FB19C85}" type="slidenum">
               <a:rPr lang="es-ES" smtClean="0"/>
-              <a:t>11</a:t>
+              <a:t>12</a:t>
             </a:fld>
             <a:endParaRPr lang="es-ES"/>
           </a:p>
@@ -1519,6 +1605,115 @@
         <p:cNvPr id="1" name="">
           <a:extLst>
             <a:ext uri="{FF2B5EF4-FFF2-40B4-BE49-F238E27FC236}">
+              <a16:creationId xmlns:a16="http://schemas.microsoft.com/office/drawing/2014/main" id="{2B09EA46-9462-B071-AED3-25764CFA7FCD}"/>
+            </a:ext>
+          </a:extLst>
+        </p:cNvPr>
+        <p:cNvGrpSpPr/>
+        <p:nvPr/>
+      </p:nvGrpSpPr>
+      <p:grpSpPr>
+        <a:xfrm>
+          <a:off x="0" y="0"/>
+          <a:ext cx="0" cy="0"/>
+          <a:chOff x="0" y="0"/>
+          <a:chExt cx="0" cy="0"/>
+        </a:xfrm>
+      </p:grpSpPr>
+      <p:sp>
+        <p:nvSpPr>
+          <p:cNvPr id="2" name="Marcador de imagen de diapositiva 1">
+            <a:extLst>
+              <a:ext uri="{FF2B5EF4-FFF2-40B4-BE49-F238E27FC236}">
+                <a16:creationId xmlns:a16="http://schemas.microsoft.com/office/drawing/2014/main" id="{2F08F31E-D37D-8C72-E287-CBB35A638442}"/>
+              </a:ext>
+            </a:extLst>
+          </p:cNvPr>
+          <p:cNvSpPr>
+            <a:spLocks noGrp="1" noRot="1" noChangeAspect="1"/>
+          </p:cNvSpPr>
+          <p:nvPr>
+            <p:ph type="sldImg"/>
+          </p:nvPr>
+        </p:nvSpPr>
+        <p:spPr/>
+      </p:sp>
+      <p:sp>
+        <p:nvSpPr>
+          <p:cNvPr id="3" name="Marcador de notas 2">
+            <a:extLst>
+              <a:ext uri="{FF2B5EF4-FFF2-40B4-BE49-F238E27FC236}">
+                <a16:creationId xmlns:a16="http://schemas.microsoft.com/office/drawing/2014/main" id="{3957BCDF-9FC8-D962-8DCF-A4D70FD1F20E}"/>
+              </a:ext>
+            </a:extLst>
+          </p:cNvPr>
+          <p:cNvSpPr>
+            <a:spLocks noGrp="1"/>
+          </p:cNvSpPr>
+          <p:nvPr>
+            <p:ph type="body" idx="1"/>
+          </p:nvPr>
+        </p:nvSpPr>
+        <p:spPr/>
+        <p:txBody>
+          <a:bodyPr/>
+          <a:lstStyle/>
+          <a:p>
+            <a:endParaRPr lang="es-ES" dirty="0"/>
+          </a:p>
+        </p:txBody>
+      </p:sp>
+      <p:sp>
+        <p:nvSpPr>
+          <p:cNvPr id="4" name="Marcador de número de diapositiva 3">
+            <a:extLst>
+              <a:ext uri="{FF2B5EF4-FFF2-40B4-BE49-F238E27FC236}">
+                <a16:creationId xmlns:a16="http://schemas.microsoft.com/office/drawing/2014/main" id="{AADDC00D-2B44-6888-881B-99EC9317C682}"/>
+              </a:ext>
+            </a:extLst>
+          </p:cNvPr>
+          <p:cNvSpPr>
+            <a:spLocks noGrp="1"/>
+          </p:cNvSpPr>
+          <p:nvPr>
+            <p:ph type="sldNum" sz="quarter" idx="5"/>
+          </p:nvPr>
+        </p:nvSpPr>
+        <p:spPr/>
+        <p:txBody>
+          <a:bodyPr/>
+          <a:lstStyle/>
+          <a:p>
+            <a:pPr rtl="0"/>
+            <a:fld id="{8530193B-564F-4854-8A52-728F3FB19C85}" type="slidenum">
+              <a:rPr lang="es-ES" noProof="0" smtClean="0"/>
+              <a:t>9</a:t>
+            </a:fld>
+            <a:endParaRPr lang="es-ES" noProof="0"/>
+          </a:p>
+        </p:txBody>
+      </p:sp>
+    </p:spTree>
+    <p:extLst>
+      <p:ext uri="{BB962C8B-B14F-4D97-AF65-F5344CB8AC3E}">
+        <p14:creationId xmlns:p14="http://schemas.microsoft.com/office/powerpoint/2010/main" val="2993063409"/>
+      </p:ext>
+    </p:extLst>
+  </p:cSld>
+  <p:clrMapOvr>
+    <a:masterClrMapping/>
+  </p:clrMapOvr>
+</p:notes>
+</file>
+
+<file path=ppt/notesSlides/notesSlide9.xml><?xml version="1.0" encoding="utf-8"?>
+<p:notes xmlns:a="http://schemas.openxmlformats.org/drawingml/2006/main" xmlns:r="http://schemas.openxmlformats.org/officeDocument/2006/relationships" xmlns:p="http://schemas.openxmlformats.org/presentationml/2006/main">
+  <p:cSld>
+    <p:spTree>
+      <p:nvGrpSpPr>
+        <p:cNvPr id="1" name="">
+          <a:extLst>
+            <a:ext uri="{FF2B5EF4-FFF2-40B4-BE49-F238E27FC236}">
               <a16:creationId xmlns:a16="http://schemas.microsoft.com/office/drawing/2014/main" id="{246A2E04-9098-256E-0AEF-45FD09FAF858}"/>
             </a:ext>
           </a:extLst>
@@ -1601,7 +1796,7 @@
             <a:pPr rtl="0"/>
             <a:fld id="{8530193B-564F-4854-8A52-728F3FB19C85}" type="slidenum">
               <a:rPr lang="es-ES" noProof="0" smtClean="0"/>
-              <a:t>9</a:t>
+              <a:t>10</a:t>
             </a:fld>
             <a:endParaRPr lang="es-ES" noProof="0"/>
           </a:p>
@@ -1611,91 +1806,6 @@
     <p:extLst>
       <p:ext uri="{BB962C8B-B14F-4D97-AF65-F5344CB8AC3E}">
         <p14:creationId xmlns:p14="http://schemas.microsoft.com/office/powerpoint/2010/main" val="3486366538"/>
-      </p:ext>
-    </p:extLst>
-  </p:cSld>
-  <p:clrMapOvr>
-    <a:masterClrMapping/>
-  </p:clrMapOvr>
-</p:notes>
-</file>
-
-<file path=ppt/notesSlides/notesSlide9.xml><?xml version="1.0" encoding="utf-8"?>
-<p:notes xmlns:a="http://schemas.openxmlformats.org/drawingml/2006/main" xmlns:r="http://schemas.openxmlformats.org/officeDocument/2006/relationships" xmlns:p="http://schemas.openxmlformats.org/presentationml/2006/main">
-  <p:cSld>
-    <p:spTree>
-      <p:nvGrpSpPr>
-        <p:cNvPr id="1" name=""/>
-        <p:cNvGrpSpPr/>
-        <p:nvPr/>
-      </p:nvGrpSpPr>
-      <p:grpSpPr>
-        <a:xfrm>
-          <a:off x="0" y="0"/>
-          <a:ext cx="0" cy="0"/>
-          <a:chOff x="0" y="0"/>
-          <a:chExt cx="0" cy="0"/>
-        </a:xfrm>
-      </p:grpSpPr>
-      <p:sp>
-        <p:nvSpPr>
-          <p:cNvPr id="2" name="Marcador de imagen de diapositiva 1"/>
-          <p:cNvSpPr>
-            <a:spLocks noGrp="1" noRot="1" noChangeAspect="1"/>
-          </p:cNvSpPr>
-          <p:nvPr>
-            <p:ph type="sldImg"/>
-          </p:nvPr>
-        </p:nvSpPr>
-        <p:spPr/>
-      </p:sp>
-      <p:sp>
-        <p:nvSpPr>
-          <p:cNvPr id="3" name="Marcador de notas 2"/>
-          <p:cNvSpPr>
-            <a:spLocks noGrp="1"/>
-          </p:cNvSpPr>
-          <p:nvPr>
-            <p:ph type="body" idx="1"/>
-          </p:nvPr>
-        </p:nvSpPr>
-        <p:spPr/>
-        <p:txBody>
-          <a:bodyPr/>
-          <a:lstStyle/>
-          <a:p>
-            <a:endParaRPr lang="es-ES" dirty="0"/>
-          </a:p>
-        </p:txBody>
-      </p:sp>
-      <p:sp>
-        <p:nvSpPr>
-          <p:cNvPr id="4" name="Marcador de número de diapositiva 3"/>
-          <p:cNvSpPr>
-            <a:spLocks noGrp="1"/>
-          </p:cNvSpPr>
-          <p:nvPr>
-            <p:ph type="sldNum" sz="quarter" idx="5"/>
-          </p:nvPr>
-        </p:nvSpPr>
-        <p:spPr/>
-        <p:txBody>
-          <a:bodyPr/>
-          <a:lstStyle/>
-          <a:p>
-            <a:pPr rtl="0"/>
-            <a:fld id="{8530193B-564F-4854-8A52-728F3FB19C85}" type="slidenum">
-              <a:rPr lang="es-ES" noProof="0" smtClean="0"/>
-              <a:t>10</a:t>
-            </a:fld>
-            <a:endParaRPr lang="es-ES" noProof="0"/>
-          </a:p>
-        </p:txBody>
-      </p:sp>
-    </p:spTree>
-    <p:extLst>
-      <p:ext uri="{BB962C8B-B14F-4D97-AF65-F5344CB8AC3E}">
-        <p14:creationId xmlns:p14="http://schemas.microsoft.com/office/powerpoint/2010/main" val="306567150"/>
       </p:ext>
     </p:extLst>
   </p:cSld>
@@ -9549,6 +9659,1626 @@
   <p:cSld>
     <p:spTree>
       <p:nvGrpSpPr>
+        <p:cNvPr id="1" name="">
+          <a:extLst>
+            <a:ext uri="{FF2B5EF4-FFF2-40B4-BE49-F238E27FC236}">
+              <a16:creationId xmlns:a16="http://schemas.microsoft.com/office/drawing/2014/main" id="{AE19A732-23A2-928F-1707-5BE147632C57}"/>
+            </a:ext>
+          </a:extLst>
+        </p:cNvPr>
+        <p:cNvGrpSpPr/>
+        <p:nvPr/>
+      </p:nvGrpSpPr>
+      <p:grpSpPr>
+        <a:xfrm>
+          <a:off x="0" y="0"/>
+          <a:ext cx="0" cy="0"/>
+          <a:chOff x="0" y="0"/>
+          <a:chExt cx="0" cy="0"/>
+        </a:xfrm>
+      </p:grpSpPr>
+      <p:sp>
+        <p:nvSpPr>
+          <p:cNvPr id="8" name="QuadreDeText 3">
+            <a:extLst>
+              <a:ext uri="{FF2B5EF4-FFF2-40B4-BE49-F238E27FC236}">
+                <a16:creationId xmlns:a16="http://schemas.microsoft.com/office/drawing/2014/main" id="{0993D80F-3972-6FB3-DF7A-E234A6A536B0}"/>
+              </a:ext>
+            </a:extLst>
+          </p:cNvPr>
+          <p:cNvSpPr txBox="1"/>
+          <p:nvPr/>
+        </p:nvSpPr>
+        <p:spPr>
+          <a:xfrm>
+            <a:off x="505958" y="250347"/>
+            <a:ext cx="11230211" cy="677108"/>
+          </a:xfrm>
+          <a:prstGeom prst="rect">
+            <a:avLst/>
+          </a:prstGeom>
+          <a:noFill/>
+        </p:spPr>
+        <p:txBody>
+          <a:bodyPr wrap="square">
+            <a:spAutoFit/>
+          </a:bodyPr>
+          <a:lstStyle/>
+          <a:p>
+            <a:r>
+              <a:rPr lang="es-ES" sz="2400" b="1" dirty="0">
+                <a:solidFill>
+                  <a:schemeClr val="accent3">
+                    <a:lumMod val="50000"/>
+                  </a:schemeClr>
+                </a:solidFill>
+                <a:effectLst/>
+                <a:latin typeface="+mj-lt"/>
+              </a:rPr>
+              <a:t>CUANTIFICACIÓN DE LA RELACIÓN ENTRE VARIABLES</a:t>
+            </a:r>
+          </a:p>
+          <a:p>
+            <a:r>
+              <a:rPr lang="es-ES" sz="1400" b="1" dirty="0" err="1"/>
+              <a:t>xxxx</a:t>
+            </a:r>
+            <a:endParaRPr lang="es-ES" sz="1400" b="1" dirty="0"/>
+          </a:p>
+        </p:txBody>
+      </p:sp>
+      <p:graphicFrame>
+        <p:nvGraphicFramePr>
+          <p:cNvPr id="7" name="Taula 6">
+            <a:extLst>
+              <a:ext uri="{FF2B5EF4-FFF2-40B4-BE49-F238E27FC236}">
+                <a16:creationId xmlns:a16="http://schemas.microsoft.com/office/drawing/2014/main" id="{6CC86CBB-F038-1700-F2FA-81797C03E4E3}"/>
+              </a:ext>
+            </a:extLst>
+          </p:cNvPr>
+          <p:cNvGraphicFramePr>
+            <a:graphicFrameLocks noGrp="1"/>
+          </p:cNvGraphicFramePr>
+          <p:nvPr>
+            <p:extLst>
+              <p:ext uri="{D42A27DB-BD31-4B8C-83A1-F6EECF244321}">
+                <p14:modId xmlns:p14="http://schemas.microsoft.com/office/powerpoint/2010/main" val="2662134172"/>
+              </p:ext>
+            </p:extLst>
+          </p:nvPr>
+        </p:nvGraphicFramePr>
+        <p:xfrm>
+          <a:off x="505958" y="1349187"/>
+          <a:ext cx="3420582" cy="2079814"/>
+        </p:xfrm>
+        <a:graphic>
+          <a:graphicData uri="http://schemas.openxmlformats.org/drawingml/2006/table">
+            <a:tbl>
+              <a:tblPr firstRow="1" bandRow="1">
+                <a:tableStyleId>{6E25E649-3F16-4E02-A733-19D2CDBF48F0}</a:tableStyleId>
+              </a:tblPr>
+              <a:tblGrid>
+                <a:gridCol w="1140194">
+                  <a:extLst>
+                    <a:ext uri="{9D8B030D-6E8A-4147-A177-3AD203B41FA5}">
+                      <a16:colId xmlns:a16="http://schemas.microsoft.com/office/drawing/2014/main" val="1184834251"/>
+                    </a:ext>
+                  </a:extLst>
+                </a:gridCol>
+                <a:gridCol w="1140194">
+                  <a:extLst>
+                    <a:ext uri="{9D8B030D-6E8A-4147-A177-3AD203B41FA5}">
+                      <a16:colId xmlns:a16="http://schemas.microsoft.com/office/drawing/2014/main" val="192274667"/>
+                    </a:ext>
+                  </a:extLst>
+                </a:gridCol>
+                <a:gridCol w="1140194">
+                  <a:extLst>
+                    <a:ext uri="{9D8B030D-6E8A-4147-A177-3AD203B41FA5}">
+                      <a16:colId xmlns:a16="http://schemas.microsoft.com/office/drawing/2014/main" val="3922078841"/>
+                    </a:ext>
+                  </a:extLst>
+                </a:gridCol>
+              </a:tblGrid>
+              <a:tr h="857254">
+                <a:tc>
+                  <a:txBody>
+                    <a:bodyPr/>
+                    <a:lstStyle/>
+                    <a:p>
+                      <a:pPr algn="ctr"/>
+                      <a:r>
+                        <a:rPr lang="ca-ES" sz="1000" dirty="0">
+                          <a:solidFill>
+                            <a:schemeClr val="tx1"/>
+                          </a:solidFill>
+                        </a:rPr>
+                        <a:t>SALDO MEDIO</a:t>
+                      </a:r>
+                    </a:p>
+                    <a:p>
+                      <a:pPr algn="ctr"/>
+                      <a:r>
+                        <a:rPr lang="ca-ES" sz="1000" dirty="0" err="1">
+                          <a:solidFill>
+                            <a:schemeClr val="tx1"/>
+                          </a:solidFill>
+                        </a:rPr>
+                        <a:t>Vs</a:t>
+                      </a:r>
+                      <a:endParaRPr lang="ca-ES" sz="1000" dirty="0">
+                        <a:solidFill>
+                          <a:schemeClr val="tx1"/>
+                        </a:solidFill>
+                      </a:endParaRPr>
+                    </a:p>
+                    <a:p>
+                      <a:pPr algn="ctr"/>
+                      <a:r>
+                        <a:rPr lang="ca-ES" sz="1000" dirty="0">
+                          <a:solidFill>
+                            <a:schemeClr val="tx1"/>
+                          </a:solidFill>
+                        </a:rPr>
+                        <a:t>PRESTAMO E HIPOTECA</a:t>
+                      </a:r>
+                    </a:p>
+                  </a:txBody>
+                  <a:tcPr>
+                    <a:lnL w="12700" cap="flat" cmpd="sng" algn="ctr">
+                      <a:solidFill>
+                        <a:schemeClr val="tx1"/>
+                      </a:solidFill>
+                      <a:prstDash val="solid"/>
+                      <a:round/>
+                      <a:headEnd type="none" w="med" len="med"/>
+                      <a:tailEnd type="none" w="med" len="med"/>
+                    </a:lnL>
+                    <a:lnR w="12700" cap="flat" cmpd="sng" algn="ctr">
+                      <a:solidFill>
+                        <a:schemeClr val="tx1"/>
+                      </a:solidFill>
+                      <a:prstDash val="solid"/>
+                      <a:round/>
+                      <a:headEnd type="none" w="med" len="med"/>
+                      <a:tailEnd type="none" w="med" len="med"/>
+                    </a:lnR>
+                    <a:lnT w="12700" cap="flat" cmpd="sng" algn="ctr">
+                      <a:solidFill>
+                        <a:schemeClr val="tx1"/>
+                      </a:solidFill>
+                      <a:prstDash val="solid"/>
+                      <a:round/>
+                      <a:headEnd type="none" w="med" len="med"/>
+                      <a:tailEnd type="none" w="med" len="med"/>
+                    </a:lnT>
+                    <a:lnB w="12700" cap="flat" cmpd="sng" algn="ctr">
+                      <a:solidFill>
+                        <a:schemeClr val="tx1"/>
+                      </a:solidFill>
+                      <a:prstDash val="solid"/>
+                      <a:round/>
+                      <a:headEnd type="none" w="med" len="med"/>
+                      <a:tailEnd type="none" w="med" len="med"/>
+                    </a:lnB>
+                    <a:lnTlToBr w="12700" cmpd="sng">
+                      <a:noFill/>
+                      <a:prstDash val="solid"/>
+                    </a:lnTlToBr>
+                    <a:lnBlToTr w="12700" cmpd="sng">
+                      <a:noFill/>
+                      <a:prstDash val="solid"/>
+                    </a:lnBlToTr>
+                    <a:solidFill>
+                      <a:schemeClr val="bg1"/>
+                    </a:solidFill>
+                  </a:tcPr>
+                </a:tc>
+                <a:tc>
+                  <a:txBody>
+                    <a:bodyPr/>
+                    <a:lstStyle/>
+                    <a:p>
+                      <a:pPr algn="ctr"/>
+                      <a:r>
+                        <a:rPr lang="ca-ES" sz="1000" dirty="0"/>
+                        <a:t>CON PRESTAMO</a:t>
+                      </a:r>
+                    </a:p>
+                  </a:txBody>
+                  <a:tcPr anchor="ctr">
+                    <a:lnL w="12700" cap="flat" cmpd="sng" algn="ctr">
+                      <a:solidFill>
+                        <a:schemeClr val="tx1"/>
+                      </a:solidFill>
+                      <a:prstDash val="solid"/>
+                      <a:round/>
+                      <a:headEnd type="none" w="med" len="med"/>
+                      <a:tailEnd type="none" w="med" len="med"/>
+                    </a:lnL>
+                    <a:lnR w="12700" cap="flat" cmpd="sng" algn="ctr">
+                      <a:solidFill>
+                        <a:schemeClr val="tx1"/>
+                      </a:solidFill>
+                      <a:prstDash val="solid"/>
+                      <a:round/>
+                      <a:headEnd type="none" w="med" len="med"/>
+                      <a:tailEnd type="none" w="med" len="med"/>
+                    </a:lnR>
+                    <a:lnT w="12700" cap="flat" cmpd="sng" algn="ctr">
+                      <a:solidFill>
+                        <a:schemeClr val="tx1"/>
+                      </a:solidFill>
+                      <a:prstDash val="solid"/>
+                      <a:round/>
+                      <a:headEnd type="none" w="med" len="med"/>
+                      <a:tailEnd type="none" w="med" len="med"/>
+                    </a:lnT>
+                    <a:lnB w="12700" cap="flat" cmpd="sng" algn="ctr">
+                      <a:solidFill>
+                        <a:schemeClr val="tx1"/>
+                      </a:solidFill>
+                      <a:prstDash val="solid"/>
+                      <a:round/>
+                      <a:headEnd type="none" w="med" len="med"/>
+                      <a:tailEnd type="none" w="med" len="med"/>
+                    </a:lnB>
+                    <a:lnTlToBr w="12700" cmpd="sng">
+                      <a:noFill/>
+                      <a:prstDash val="solid"/>
+                    </a:lnTlToBr>
+                    <a:lnBlToTr w="12700" cmpd="sng">
+                      <a:noFill/>
+                      <a:prstDash val="solid"/>
+                    </a:lnBlToTr>
+                  </a:tcPr>
+                </a:tc>
+                <a:tc>
+                  <a:txBody>
+                    <a:bodyPr/>
+                    <a:lstStyle/>
+                    <a:p>
+                      <a:pPr algn="ctr"/>
+                      <a:r>
+                        <a:rPr lang="ca-ES" sz="1000" dirty="0"/>
+                        <a:t>SIN PRESTAMO</a:t>
+                      </a:r>
+                    </a:p>
+                  </a:txBody>
+                  <a:tcPr anchor="ctr">
+                    <a:lnL w="12700" cap="flat" cmpd="sng" algn="ctr">
+                      <a:solidFill>
+                        <a:schemeClr val="tx1"/>
+                      </a:solidFill>
+                      <a:prstDash val="solid"/>
+                      <a:round/>
+                      <a:headEnd type="none" w="med" len="med"/>
+                      <a:tailEnd type="none" w="med" len="med"/>
+                    </a:lnL>
+                    <a:lnR w="12700" cap="flat" cmpd="sng" algn="ctr">
+                      <a:solidFill>
+                        <a:schemeClr val="tx1"/>
+                      </a:solidFill>
+                      <a:prstDash val="solid"/>
+                      <a:round/>
+                      <a:headEnd type="none" w="med" len="med"/>
+                      <a:tailEnd type="none" w="med" len="med"/>
+                    </a:lnR>
+                    <a:lnT w="12700" cap="flat" cmpd="sng" algn="ctr">
+                      <a:solidFill>
+                        <a:schemeClr val="tx1"/>
+                      </a:solidFill>
+                      <a:prstDash val="solid"/>
+                      <a:round/>
+                      <a:headEnd type="none" w="med" len="med"/>
+                      <a:tailEnd type="none" w="med" len="med"/>
+                    </a:lnT>
+                    <a:lnB w="12700" cap="flat" cmpd="sng" algn="ctr">
+                      <a:solidFill>
+                        <a:schemeClr val="tx1"/>
+                      </a:solidFill>
+                      <a:prstDash val="solid"/>
+                      <a:round/>
+                      <a:headEnd type="none" w="med" len="med"/>
+                      <a:tailEnd type="none" w="med" len="med"/>
+                    </a:lnB>
+                    <a:lnTlToBr w="12700" cmpd="sng">
+                      <a:noFill/>
+                      <a:prstDash val="solid"/>
+                    </a:lnTlToBr>
+                    <a:lnBlToTr w="12700" cmpd="sng">
+                      <a:noFill/>
+                      <a:prstDash val="solid"/>
+                    </a:lnBlToTr>
+                  </a:tcPr>
+                </a:tc>
+                <a:extLst>
+                  <a:ext uri="{0D108BD9-81ED-4DB2-BD59-A6C34878D82A}">
+                    <a16:rowId xmlns:a16="http://schemas.microsoft.com/office/drawing/2014/main" val="343259582"/>
+                  </a:ext>
+                </a:extLst>
+              </a:tr>
+              <a:tr h="611280">
+                <a:tc>
+                  <a:txBody>
+                    <a:bodyPr/>
+                    <a:lstStyle/>
+                    <a:p>
+                      <a:pPr marL="0" algn="ctr" defTabSz="914400" rtl="0" eaLnBrk="1" latinLnBrk="0" hangingPunct="1"/>
+                      <a:r>
+                        <a:rPr lang="ca-ES" sz="1000" b="1" kern="1200" dirty="0">
+                          <a:solidFill>
+                            <a:schemeClr val="lt1"/>
+                          </a:solidFill>
+                          <a:latin typeface="+mn-lt"/>
+                          <a:ea typeface="+mn-ea"/>
+                          <a:cs typeface="+mn-cs"/>
+                        </a:rPr>
+                        <a:t>CON HIPOTECA</a:t>
+                      </a:r>
+                    </a:p>
+                  </a:txBody>
+                  <a:tcPr anchor="ctr">
+                    <a:lnL w="12700" cap="flat" cmpd="sng" algn="ctr">
+                      <a:solidFill>
+                        <a:schemeClr val="tx1"/>
+                      </a:solidFill>
+                      <a:prstDash val="solid"/>
+                      <a:round/>
+                      <a:headEnd type="none" w="med" len="med"/>
+                      <a:tailEnd type="none" w="med" len="med"/>
+                    </a:lnL>
+                    <a:lnR w="12700" cap="flat" cmpd="sng" algn="ctr">
+                      <a:solidFill>
+                        <a:schemeClr val="tx1"/>
+                      </a:solidFill>
+                      <a:prstDash val="solid"/>
+                      <a:round/>
+                      <a:headEnd type="none" w="med" len="med"/>
+                      <a:tailEnd type="none" w="med" len="med"/>
+                    </a:lnR>
+                    <a:lnT w="12700" cap="flat" cmpd="sng" algn="ctr">
+                      <a:solidFill>
+                        <a:schemeClr val="tx1"/>
+                      </a:solidFill>
+                      <a:prstDash val="solid"/>
+                      <a:round/>
+                      <a:headEnd type="none" w="med" len="med"/>
+                      <a:tailEnd type="none" w="med" len="med"/>
+                    </a:lnT>
+                    <a:lnB w="12700" cap="flat" cmpd="sng" algn="ctr">
+                      <a:solidFill>
+                        <a:schemeClr val="tx1"/>
+                      </a:solidFill>
+                      <a:prstDash val="solid"/>
+                      <a:round/>
+                      <a:headEnd type="none" w="med" len="med"/>
+                      <a:tailEnd type="none" w="med" len="med"/>
+                    </a:lnB>
+                    <a:lnTlToBr w="12700" cmpd="sng">
+                      <a:noFill/>
+                      <a:prstDash val="solid"/>
+                    </a:lnTlToBr>
+                    <a:lnBlToTr w="12700" cmpd="sng">
+                      <a:noFill/>
+                      <a:prstDash val="solid"/>
+                    </a:lnBlToTr>
+                    <a:solidFill>
+                      <a:schemeClr val="accent1"/>
+                    </a:solidFill>
+                  </a:tcPr>
+                </a:tc>
+                <a:tc>
+                  <a:txBody>
+                    <a:bodyPr/>
+                    <a:lstStyle/>
+                    <a:p>
+                      <a:pPr algn="ctr"/>
+                      <a:r>
+                        <a:rPr lang="ca-ES" sz="1400" b="1" dirty="0">
+                          <a:solidFill>
+                            <a:schemeClr val="tx1"/>
+                          </a:solidFill>
+                        </a:rPr>
+                        <a:t>113,25</a:t>
+                      </a:r>
+                    </a:p>
+                  </a:txBody>
+                  <a:tcPr anchor="ctr">
+                    <a:lnL w="12700" cap="flat" cmpd="sng" algn="ctr">
+                      <a:solidFill>
+                        <a:schemeClr val="tx1"/>
+                      </a:solidFill>
+                      <a:prstDash val="solid"/>
+                      <a:round/>
+                      <a:headEnd type="none" w="med" len="med"/>
+                      <a:tailEnd type="none" w="med" len="med"/>
+                    </a:lnL>
+                    <a:lnR w="12700" cap="flat" cmpd="sng" algn="ctr">
+                      <a:solidFill>
+                        <a:schemeClr val="tx1"/>
+                      </a:solidFill>
+                      <a:prstDash val="solid"/>
+                      <a:round/>
+                      <a:headEnd type="none" w="med" len="med"/>
+                      <a:tailEnd type="none" w="med" len="med"/>
+                    </a:lnR>
+                    <a:lnT w="12700" cap="flat" cmpd="sng" algn="ctr">
+                      <a:solidFill>
+                        <a:schemeClr val="tx1"/>
+                      </a:solidFill>
+                      <a:prstDash val="solid"/>
+                      <a:round/>
+                      <a:headEnd type="none" w="med" len="med"/>
+                      <a:tailEnd type="none" w="med" len="med"/>
+                    </a:lnT>
+                    <a:lnB w="12700" cap="flat" cmpd="sng" algn="ctr">
+                      <a:solidFill>
+                        <a:schemeClr val="tx1"/>
+                      </a:solidFill>
+                      <a:prstDash val="solid"/>
+                      <a:round/>
+                      <a:headEnd type="none" w="med" len="med"/>
+                      <a:tailEnd type="none" w="med" len="med"/>
+                    </a:lnB>
+                    <a:lnTlToBr w="12700" cmpd="sng">
+                      <a:noFill/>
+                      <a:prstDash val="solid"/>
+                    </a:lnTlToBr>
+                    <a:lnBlToTr w="12700" cmpd="sng">
+                      <a:noFill/>
+                      <a:prstDash val="solid"/>
+                    </a:lnBlToTr>
+                    <a:solidFill>
+                      <a:schemeClr val="bg1"/>
+                    </a:solidFill>
+                  </a:tcPr>
+                </a:tc>
+                <a:tc>
+                  <a:txBody>
+                    <a:bodyPr/>
+                    <a:lstStyle/>
+                    <a:p>
+                      <a:pPr algn="ctr"/>
+                      <a:r>
+                        <a:rPr lang="ca-ES" sz="1400" b="1" dirty="0">
+                          <a:solidFill>
+                            <a:schemeClr val="tx1"/>
+                          </a:solidFill>
+                        </a:rPr>
+                        <a:t>5555,25</a:t>
+                      </a:r>
+                    </a:p>
+                  </a:txBody>
+                  <a:tcPr anchor="ctr">
+                    <a:lnL w="12700" cap="flat" cmpd="sng" algn="ctr">
+                      <a:solidFill>
+                        <a:schemeClr val="tx1"/>
+                      </a:solidFill>
+                      <a:prstDash val="solid"/>
+                      <a:round/>
+                      <a:headEnd type="none" w="med" len="med"/>
+                      <a:tailEnd type="none" w="med" len="med"/>
+                    </a:lnL>
+                    <a:lnR w="12700" cap="flat" cmpd="sng" algn="ctr">
+                      <a:solidFill>
+                        <a:schemeClr val="tx1"/>
+                      </a:solidFill>
+                      <a:prstDash val="solid"/>
+                      <a:round/>
+                      <a:headEnd type="none" w="med" len="med"/>
+                      <a:tailEnd type="none" w="med" len="med"/>
+                    </a:lnR>
+                    <a:lnT w="12700" cap="flat" cmpd="sng" algn="ctr">
+                      <a:solidFill>
+                        <a:schemeClr val="tx1"/>
+                      </a:solidFill>
+                      <a:prstDash val="solid"/>
+                      <a:round/>
+                      <a:headEnd type="none" w="med" len="med"/>
+                      <a:tailEnd type="none" w="med" len="med"/>
+                    </a:lnT>
+                    <a:lnB w="12700" cap="flat" cmpd="sng" algn="ctr">
+                      <a:solidFill>
+                        <a:schemeClr val="tx1"/>
+                      </a:solidFill>
+                      <a:prstDash val="solid"/>
+                      <a:round/>
+                      <a:headEnd type="none" w="med" len="med"/>
+                      <a:tailEnd type="none" w="med" len="med"/>
+                    </a:lnB>
+                    <a:lnTlToBr w="12700" cmpd="sng">
+                      <a:noFill/>
+                      <a:prstDash val="solid"/>
+                    </a:lnTlToBr>
+                    <a:lnBlToTr w="12700" cmpd="sng">
+                      <a:noFill/>
+                      <a:prstDash val="solid"/>
+                    </a:lnBlToTr>
+                    <a:solidFill>
+                      <a:schemeClr val="bg1"/>
+                    </a:solidFill>
+                  </a:tcPr>
+                </a:tc>
+                <a:extLst>
+                  <a:ext uri="{0D108BD9-81ED-4DB2-BD59-A6C34878D82A}">
+                    <a16:rowId xmlns:a16="http://schemas.microsoft.com/office/drawing/2014/main" val="1134799246"/>
+                  </a:ext>
+                </a:extLst>
+              </a:tr>
+              <a:tr h="611280">
+                <a:tc>
+                  <a:txBody>
+                    <a:bodyPr/>
+                    <a:lstStyle/>
+                    <a:p>
+                      <a:pPr marL="0" algn="ctr" defTabSz="914400" rtl="0" eaLnBrk="1" latinLnBrk="0" hangingPunct="1"/>
+                      <a:r>
+                        <a:rPr lang="ca-ES" sz="1000" b="1" kern="1200" dirty="0">
+                          <a:solidFill>
+                            <a:schemeClr val="lt1"/>
+                          </a:solidFill>
+                          <a:latin typeface="+mn-lt"/>
+                          <a:ea typeface="+mn-ea"/>
+                          <a:cs typeface="+mn-cs"/>
+                        </a:rPr>
+                        <a:t>SIN HIPOTECA</a:t>
+                      </a:r>
+                    </a:p>
+                  </a:txBody>
+                  <a:tcPr anchor="ctr">
+                    <a:lnL w="12700" cap="flat" cmpd="sng" algn="ctr">
+                      <a:solidFill>
+                        <a:schemeClr val="tx1"/>
+                      </a:solidFill>
+                      <a:prstDash val="solid"/>
+                      <a:round/>
+                      <a:headEnd type="none" w="med" len="med"/>
+                      <a:tailEnd type="none" w="med" len="med"/>
+                    </a:lnL>
+                    <a:lnR w="12700" cap="flat" cmpd="sng" algn="ctr">
+                      <a:solidFill>
+                        <a:schemeClr val="tx1"/>
+                      </a:solidFill>
+                      <a:prstDash val="solid"/>
+                      <a:round/>
+                      <a:headEnd type="none" w="med" len="med"/>
+                      <a:tailEnd type="none" w="med" len="med"/>
+                    </a:lnR>
+                    <a:lnT w="12700" cap="flat" cmpd="sng" algn="ctr">
+                      <a:solidFill>
+                        <a:schemeClr val="tx1"/>
+                      </a:solidFill>
+                      <a:prstDash val="solid"/>
+                      <a:round/>
+                      <a:headEnd type="none" w="med" len="med"/>
+                      <a:tailEnd type="none" w="med" len="med"/>
+                    </a:lnT>
+                    <a:lnB w="12700" cap="flat" cmpd="sng" algn="ctr">
+                      <a:solidFill>
+                        <a:schemeClr val="tx1"/>
+                      </a:solidFill>
+                      <a:prstDash val="solid"/>
+                      <a:round/>
+                      <a:headEnd type="none" w="med" len="med"/>
+                      <a:tailEnd type="none" w="med" len="med"/>
+                    </a:lnB>
+                    <a:lnTlToBr w="12700" cmpd="sng">
+                      <a:noFill/>
+                      <a:prstDash val="solid"/>
+                    </a:lnTlToBr>
+                    <a:lnBlToTr w="12700" cmpd="sng">
+                      <a:noFill/>
+                      <a:prstDash val="solid"/>
+                    </a:lnBlToTr>
+                    <a:solidFill>
+                      <a:schemeClr val="accent1"/>
+                    </a:solidFill>
+                  </a:tcPr>
+                </a:tc>
+                <a:tc>
+                  <a:txBody>
+                    <a:bodyPr/>
+                    <a:lstStyle/>
+                    <a:p>
+                      <a:pPr algn="ctr"/>
+                      <a:r>
+                        <a:rPr lang="ca-ES" sz="1400" b="1" dirty="0">
+                          <a:solidFill>
+                            <a:schemeClr val="tx1"/>
+                          </a:solidFill>
+                        </a:rPr>
+                        <a:t>223,55</a:t>
+                      </a:r>
+                    </a:p>
+                  </a:txBody>
+                  <a:tcPr anchor="ctr">
+                    <a:lnL w="12700" cap="flat" cmpd="sng" algn="ctr">
+                      <a:solidFill>
+                        <a:schemeClr val="tx1"/>
+                      </a:solidFill>
+                      <a:prstDash val="solid"/>
+                      <a:round/>
+                      <a:headEnd type="none" w="med" len="med"/>
+                      <a:tailEnd type="none" w="med" len="med"/>
+                    </a:lnL>
+                    <a:lnR w="12700" cap="flat" cmpd="sng" algn="ctr">
+                      <a:solidFill>
+                        <a:schemeClr val="tx1"/>
+                      </a:solidFill>
+                      <a:prstDash val="solid"/>
+                      <a:round/>
+                      <a:headEnd type="none" w="med" len="med"/>
+                      <a:tailEnd type="none" w="med" len="med"/>
+                    </a:lnR>
+                    <a:lnT w="12700" cap="flat" cmpd="sng" algn="ctr">
+                      <a:solidFill>
+                        <a:schemeClr val="tx1"/>
+                      </a:solidFill>
+                      <a:prstDash val="solid"/>
+                      <a:round/>
+                      <a:headEnd type="none" w="med" len="med"/>
+                      <a:tailEnd type="none" w="med" len="med"/>
+                    </a:lnT>
+                    <a:lnB w="12700" cap="flat" cmpd="sng" algn="ctr">
+                      <a:solidFill>
+                        <a:schemeClr val="tx1"/>
+                      </a:solidFill>
+                      <a:prstDash val="solid"/>
+                      <a:round/>
+                      <a:headEnd type="none" w="med" len="med"/>
+                      <a:tailEnd type="none" w="med" len="med"/>
+                    </a:lnB>
+                    <a:lnTlToBr w="12700" cmpd="sng">
+                      <a:noFill/>
+                      <a:prstDash val="solid"/>
+                    </a:lnTlToBr>
+                    <a:lnBlToTr w="12700" cmpd="sng">
+                      <a:noFill/>
+                      <a:prstDash val="solid"/>
+                    </a:lnBlToTr>
+                    <a:solidFill>
+                      <a:schemeClr val="bg1"/>
+                    </a:solidFill>
+                  </a:tcPr>
+                </a:tc>
+                <a:tc>
+                  <a:txBody>
+                    <a:bodyPr/>
+                    <a:lstStyle/>
+                    <a:p>
+                      <a:pPr algn="ctr"/>
+                      <a:r>
+                        <a:rPr lang="ca-ES" sz="1400" b="1" dirty="0">
+                          <a:solidFill>
+                            <a:schemeClr val="tx1"/>
+                          </a:solidFill>
+                        </a:rPr>
+                        <a:t>13000,26</a:t>
+                      </a:r>
+                    </a:p>
+                  </a:txBody>
+                  <a:tcPr anchor="ctr">
+                    <a:lnL w="12700" cap="flat" cmpd="sng" algn="ctr">
+                      <a:solidFill>
+                        <a:schemeClr val="tx1"/>
+                      </a:solidFill>
+                      <a:prstDash val="solid"/>
+                      <a:round/>
+                      <a:headEnd type="none" w="med" len="med"/>
+                      <a:tailEnd type="none" w="med" len="med"/>
+                    </a:lnL>
+                    <a:lnR w="12700" cap="flat" cmpd="sng" algn="ctr">
+                      <a:solidFill>
+                        <a:schemeClr val="tx1"/>
+                      </a:solidFill>
+                      <a:prstDash val="solid"/>
+                      <a:round/>
+                      <a:headEnd type="none" w="med" len="med"/>
+                      <a:tailEnd type="none" w="med" len="med"/>
+                    </a:lnR>
+                    <a:lnT w="12700" cap="flat" cmpd="sng" algn="ctr">
+                      <a:solidFill>
+                        <a:schemeClr val="tx1"/>
+                      </a:solidFill>
+                      <a:prstDash val="solid"/>
+                      <a:round/>
+                      <a:headEnd type="none" w="med" len="med"/>
+                      <a:tailEnd type="none" w="med" len="med"/>
+                    </a:lnT>
+                    <a:lnB w="12700" cap="flat" cmpd="sng" algn="ctr">
+                      <a:solidFill>
+                        <a:schemeClr val="tx1"/>
+                      </a:solidFill>
+                      <a:prstDash val="solid"/>
+                      <a:round/>
+                      <a:headEnd type="none" w="med" len="med"/>
+                      <a:tailEnd type="none" w="med" len="med"/>
+                    </a:lnB>
+                    <a:lnTlToBr w="12700" cmpd="sng">
+                      <a:noFill/>
+                      <a:prstDash val="solid"/>
+                    </a:lnTlToBr>
+                    <a:lnBlToTr w="12700" cmpd="sng">
+                      <a:noFill/>
+                      <a:prstDash val="solid"/>
+                    </a:lnBlToTr>
+                    <a:solidFill>
+                      <a:schemeClr val="bg1"/>
+                    </a:solidFill>
+                  </a:tcPr>
+                </a:tc>
+                <a:extLst>
+                  <a:ext uri="{0D108BD9-81ED-4DB2-BD59-A6C34878D82A}">
+                    <a16:rowId xmlns:a16="http://schemas.microsoft.com/office/drawing/2014/main" val="578657590"/>
+                  </a:ext>
+                </a:extLst>
+              </a:tr>
+            </a:tbl>
+          </a:graphicData>
+        </a:graphic>
+      </p:graphicFrame>
+      <p:graphicFrame>
+        <p:nvGraphicFramePr>
+          <p:cNvPr id="9" name="Taula 8">
+            <a:extLst>
+              <a:ext uri="{FF2B5EF4-FFF2-40B4-BE49-F238E27FC236}">
+                <a16:creationId xmlns:a16="http://schemas.microsoft.com/office/drawing/2014/main" id="{532A9336-A071-DC83-5B2A-2DC9E0C1BE49}"/>
+              </a:ext>
+            </a:extLst>
+          </p:cNvPr>
+          <p:cNvGraphicFramePr>
+            <a:graphicFrameLocks noGrp="1"/>
+          </p:cNvGraphicFramePr>
+          <p:nvPr>
+            <p:extLst>
+              <p:ext uri="{D42A27DB-BD31-4B8C-83A1-F6EECF244321}">
+                <p14:modId xmlns:p14="http://schemas.microsoft.com/office/powerpoint/2010/main" val="3983675821"/>
+              </p:ext>
+            </p:extLst>
+          </p:nvPr>
+        </p:nvGraphicFramePr>
+        <p:xfrm>
+          <a:off x="505959" y="3975846"/>
+          <a:ext cx="3420582" cy="2048436"/>
+        </p:xfrm>
+        <a:graphic>
+          <a:graphicData uri="http://schemas.openxmlformats.org/drawingml/2006/table">
+            <a:tbl>
+              <a:tblPr firstRow="1" bandRow="1">
+                <a:tableStyleId>{6E25E649-3F16-4E02-A733-19D2CDBF48F0}</a:tableStyleId>
+              </a:tblPr>
+              <a:tblGrid>
+                <a:gridCol w="1140194">
+                  <a:extLst>
+                    <a:ext uri="{9D8B030D-6E8A-4147-A177-3AD203B41FA5}">
+                      <a16:colId xmlns:a16="http://schemas.microsoft.com/office/drawing/2014/main" val="1184834251"/>
+                    </a:ext>
+                  </a:extLst>
+                </a:gridCol>
+                <a:gridCol w="1140194">
+                  <a:extLst>
+                    <a:ext uri="{9D8B030D-6E8A-4147-A177-3AD203B41FA5}">
+                      <a16:colId xmlns:a16="http://schemas.microsoft.com/office/drawing/2014/main" val="192274667"/>
+                    </a:ext>
+                  </a:extLst>
+                </a:gridCol>
+                <a:gridCol w="1140194">
+                  <a:extLst>
+                    <a:ext uri="{9D8B030D-6E8A-4147-A177-3AD203B41FA5}">
+                      <a16:colId xmlns:a16="http://schemas.microsoft.com/office/drawing/2014/main" val="3922078841"/>
+                    </a:ext>
+                  </a:extLst>
+                </a:gridCol>
+              </a:tblGrid>
+              <a:tr h="1012110">
+                <a:tc>
+                  <a:txBody>
+                    <a:bodyPr/>
+                    <a:lstStyle/>
+                    <a:p>
+                      <a:pPr algn="ctr"/>
+                      <a:r>
+                        <a:rPr lang="ca-ES" sz="1000" dirty="0">
+                          <a:solidFill>
+                            <a:schemeClr val="tx1"/>
+                          </a:solidFill>
+                        </a:rPr>
+                        <a:t>% INCUMPLIMIENTO</a:t>
+                      </a:r>
+                    </a:p>
+                    <a:p>
+                      <a:pPr algn="ctr"/>
+                      <a:r>
+                        <a:rPr lang="ca-ES" sz="1000" dirty="0" err="1">
+                          <a:solidFill>
+                            <a:schemeClr val="tx1"/>
+                          </a:solidFill>
+                        </a:rPr>
+                        <a:t>Vs</a:t>
+                      </a:r>
+                      <a:endParaRPr lang="ca-ES" sz="1000" dirty="0">
+                        <a:solidFill>
+                          <a:schemeClr val="tx1"/>
+                        </a:solidFill>
+                      </a:endParaRPr>
+                    </a:p>
+                    <a:p>
+                      <a:pPr algn="ctr"/>
+                      <a:r>
+                        <a:rPr lang="ca-ES" sz="1000" dirty="0">
+                          <a:solidFill>
+                            <a:schemeClr val="tx1"/>
+                          </a:solidFill>
+                        </a:rPr>
+                        <a:t>PRESTAMO E HIPOTECA</a:t>
+                      </a:r>
+                    </a:p>
+                  </a:txBody>
+                  <a:tcPr>
+                    <a:lnL w="12700" cap="flat" cmpd="sng" algn="ctr">
+                      <a:solidFill>
+                        <a:schemeClr val="tx1"/>
+                      </a:solidFill>
+                      <a:prstDash val="solid"/>
+                      <a:round/>
+                      <a:headEnd type="none" w="med" len="med"/>
+                      <a:tailEnd type="none" w="med" len="med"/>
+                    </a:lnL>
+                    <a:lnR w="12700" cap="flat" cmpd="sng" algn="ctr">
+                      <a:solidFill>
+                        <a:schemeClr val="tx1"/>
+                      </a:solidFill>
+                      <a:prstDash val="solid"/>
+                      <a:round/>
+                      <a:headEnd type="none" w="med" len="med"/>
+                      <a:tailEnd type="none" w="med" len="med"/>
+                    </a:lnR>
+                    <a:lnT w="12700" cap="flat" cmpd="sng" algn="ctr">
+                      <a:solidFill>
+                        <a:schemeClr val="tx1"/>
+                      </a:solidFill>
+                      <a:prstDash val="solid"/>
+                      <a:round/>
+                      <a:headEnd type="none" w="med" len="med"/>
+                      <a:tailEnd type="none" w="med" len="med"/>
+                    </a:lnT>
+                    <a:lnB w="12700" cap="flat" cmpd="sng" algn="ctr">
+                      <a:solidFill>
+                        <a:schemeClr val="tx1"/>
+                      </a:solidFill>
+                      <a:prstDash val="solid"/>
+                      <a:round/>
+                      <a:headEnd type="none" w="med" len="med"/>
+                      <a:tailEnd type="none" w="med" len="med"/>
+                    </a:lnB>
+                    <a:lnTlToBr w="12700" cmpd="sng">
+                      <a:noFill/>
+                      <a:prstDash val="solid"/>
+                    </a:lnTlToBr>
+                    <a:lnBlToTr w="12700" cmpd="sng">
+                      <a:noFill/>
+                      <a:prstDash val="solid"/>
+                    </a:lnBlToTr>
+                    <a:solidFill>
+                      <a:schemeClr val="bg1"/>
+                    </a:solidFill>
+                  </a:tcPr>
+                </a:tc>
+                <a:tc>
+                  <a:txBody>
+                    <a:bodyPr/>
+                    <a:lstStyle/>
+                    <a:p>
+                      <a:pPr algn="ctr"/>
+                      <a:r>
+                        <a:rPr lang="ca-ES" sz="1000" dirty="0"/>
+                        <a:t>CON PRESTAMO</a:t>
+                      </a:r>
+                    </a:p>
+                  </a:txBody>
+                  <a:tcPr anchor="ctr">
+                    <a:lnL w="12700" cap="flat" cmpd="sng" algn="ctr">
+                      <a:solidFill>
+                        <a:schemeClr val="tx1"/>
+                      </a:solidFill>
+                      <a:prstDash val="solid"/>
+                      <a:round/>
+                      <a:headEnd type="none" w="med" len="med"/>
+                      <a:tailEnd type="none" w="med" len="med"/>
+                    </a:lnL>
+                    <a:lnR w="12700" cap="flat" cmpd="sng" algn="ctr">
+                      <a:solidFill>
+                        <a:schemeClr val="tx1"/>
+                      </a:solidFill>
+                      <a:prstDash val="solid"/>
+                      <a:round/>
+                      <a:headEnd type="none" w="med" len="med"/>
+                      <a:tailEnd type="none" w="med" len="med"/>
+                    </a:lnR>
+                    <a:lnT w="12700" cap="flat" cmpd="sng" algn="ctr">
+                      <a:solidFill>
+                        <a:schemeClr val="tx1"/>
+                      </a:solidFill>
+                      <a:prstDash val="solid"/>
+                      <a:round/>
+                      <a:headEnd type="none" w="med" len="med"/>
+                      <a:tailEnd type="none" w="med" len="med"/>
+                    </a:lnT>
+                    <a:lnB w="12700" cap="flat" cmpd="sng" algn="ctr">
+                      <a:solidFill>
+                        <a:schemeClr val="tx1"/>
+                      </a:solidFill>
+                      <a:prstDash val="solid"/>
+                      <a:round/>
+                      <a:headEnd type="none" w="med" len="med"/>
+                      <a:tailEnd type="none" w="med" len="med"/>
+                    </a:lnB>
+                    <a:lnTlToBr w="12700" cmpd="sng">
+                      <a:noFill/>
+                      <a:prstDash val="solid"/>
+                    </a:lnTlToBr>
+                    <a:lnBlToTr w="12700" cmpd="sng">
+                      <a:noFill/>
+                      <a:prstDash val="solid"/>
+                    </a:lnBlToTr>
+                  </a:tcPr>
+                </a:tc>
+                <a:tc>
+                  <a:txBody>
+                    <a:bodyPr/>
+                    <a:lstStyle/>
+                    <a:p>
+                      <a:pPr algn="ctr"/>
+                      <a:r>
+                        <a:rPr lang="ca-ES" sz="1000" dirty="0"/>
+                        <a:t>SIN PRESTAMO</a:t>
+                      </a:r>
+                    </a:p>
+                  </a:txBody>
+                  <a:tcPr anchor="ctr">
+                    <a:lnL w="12700" cap="flat" cmpd="sng" algn="ctr">
+                      <a:solidFill>
+                        <a:schemeClr val="tx1"/>
+                      </a:solidFill>
+                      <a:prstDash val="solid"/>
+                      <a:round/>
+                      <a:headEnd type="none" w="med" len="med"/>
+                      <a:tailEnd type="none" w="med" len="med"/>
+                    </a:lnL>
+                    <a:lnR w="12700" cap="flat" cmpd="sng" algn="ctr">
+                      <a:solidFill>
+                        <a:schemeClr val="tx1"/>
+                      </a:solidFill>
+                      <a:prstDash val="solid"/>
+                      <a:round/>
+                      <a:headEnd type="none" w="med" len="med"/>
+                      <a:tailEnd type="none" w="med" len="med"/>
+                    </a:lnR>
+                    <a:lnT w="12700" cap="flat" cmpd="sng" algn="ctr">
+                      <a:solidFill>
+                        <a:schemeClr val="tx1"/>
+                      </a:solidFill>
+                      <a:prstDash val="solid"/>
+                      <a:round/>
+                      <a:headEnd type="none" w="med" len="med"/>
+                      <a:tailEnd type="none" w="med" len="med"/>
+                    </a:lnT>
+                    <a:lnB w="12700" cap="flat" cmpd="sng" algn="ctr">
+                      <a:solidFill>
+                        <a:schemeClr val="tx1"/>
+                      </a:solidFill>
+                      <a:prstDash val="solid"/>
+                      <a:round/>
+                      <a:headEnd type="none" w="med" len="med"/>
+                      <a:tailEnd type="none" w="med" len="med"/>
+                    </a:lnB>
+                    <a:lnTlToBr w="12700" cmpd="sng">
+                      <a:noFill/>
+                      <a:prstDash val="solid"/>
+                    </a:lnTlToBr>
+                    <a:lnBlToTr w="12700" cmpd="sng">
+                      <a:noFill/>
+                      <a:prstDash val="solid"/>
+                    </a:lnBlToTr>
+                  </a:tcPr>
+                </a:tc>
+                <a:extLst>
+                  <a:ext uri="{0D108BD9-81ED-4DB2-BD59-A6C34878D82A}">
+                    <a16:rowId xmlns:a16="http://schemas.microsoft.com/office/drawing/2014/main" val="343259582"/>
+                  </a:ext>
+                </a:extLst>
+              </a:tr>
+              <a:tr h="518163">
+                <a:tc>
+                  <a:txBody>
+                    <a:bodyPr/>
+                    <a:lstStyle/>
+                    <a:p>
+                      <a:pPr marL="0" algn="ctr" defTabSz="914400" rtl="0" eaLnBrk="1" latinLnBrk="0" hangingPunct="1"/>
+                      <a:r>
+                        <a:rPr lang="ca-ES" sz="1000" b="1" kern="1200" dirty="0">
+                          <a:solidFill>
+                            <a:schemeClr val="lt1"/>
+                          </a:solidFill>
+                          <a:latin typeface="+mn-lt"/>
+                          <a:ea typeface="+mn-ea"/>
+                          <a:cs typeface="+mn-cs"/>
+                        </a:rPr>
+                        <a:t>CON HIPOTECA</a:t>
+                      </a:r>
+                    </a:p>
+                  </a:txBody>
+                  <a:tcPr anchor="ctr">
+                    <a:lnL w="12700" cap="flat" cmpd="sng" algn="ctr">
+                      <a:solidFill>
+                        <a:schemeClr val="tx1"/>
+                      </a:solidFill>
+                      <a:prstDash val="solid"/>
+                      <a:round/>
+                      <a:headEnd type="none" w="med" len="med"/>
+                      <a:tailEnd type="none" w="med" len="med"/>
+                    </a:lnL>
+                    <a:lnR w="12700" cap="flat" cmpd="sng" algn="ctr">
+                      <a:solidFill>
+                        <a:schemeClr val="tx1"/>
+                      </a:solidFill>
+                      <a:prstDash val="solid"/>
+                      <a:round/>
+                      <a:headEnd type="none" w="med" len="med"/>
+                      <a:tailEnd type="none" w="med" len="med"/>
+                    </a:lnR>
+                    <a:lnT w="12700" cap="flat" cmpd="sng" algn="ctr">
+                      <a:solidFill>
+                        <a:schemeClr val="tx1"/>
+                      </a:solidFill>
+                      <a:prstDash val="solid"/>
+                      <a:round/>
+                      <a:headEnd type="none" w="med" len="med"/>
+                      <a:tailEnd type="none" w="med" len="med"/>
+                    </a:lnT>
+                    <a:lnB w="12700" cap="flat" cmpd="sng" algn="ctr">
+                      <a:solidFill>
+                        <a:schemeClr val="tx1"/>
+                      </a:solidFill>
+                      <a:prstDash val="solid"/>
+                      <a:round/>
+                      <a:headEnd type="none" w="med" len="med"/>
+                      <a:tailEnd type="none" w="med" len="med"/>
+                    </a:lnB>
+                    <a:lnTlToBr w="12700" cmpd="sng">
+                      <a:noFill/>
+                      <a:prstDash val="solid"/>
+                    </a:lnTlToBr>
+                    <a:lnBlToTr w="12700" cmpd="sng">
+                      <a:noFill/>
+                      <a:prstDash val="solid"/>
+                    </a:lnBlToTr>
+                    <a:solidFill>
+                      <a:schemeClr val="accent1"/>
+                    </a:solidFill>
+                  </a:tcPr>
+                </a:tc>
+                <a:tc>
+                  <a:txBody>
+                    <a:bodyPr/>
+                    <a:lstStyle/>
+                    <a:p>
+                      <a:pPr algn="ctr"/>
+                      <a:r>
+                        <a:rPr lang="ca-ES" sz="1400" b="1" dirty="0">
+                          <a:solidFill>
+                            <a:schemeClr val="tx1"/>
+                          </a:solidFill>
+                        </a:rPr>
+                        <a:t>113,25</a:t>
+                      </a:r>
+                    </a:p>
+                  </a:txBody>
+                  <a:tcPr anchor="ctr">
+                    <a:lnL w="12700" cap="flat" cmpd="sng" algn="ctr">
+                      <a:solidFill>
+                        <a:schemeClr val="tx1"/>
+                      </a:solidFill>
+                      <a:prstDash val="solid"/>
+                      <a:round/>
+                      <a:headEnd type="none" w="med" len="med"/>
+                      <a:tailEnd type="none" w="med" len="med"/>
+                    </a:lnL>
+                    <a:lnR w="12700" cap="flat" cmpd="sng" algn="ctr">
+                      <a:solidFill>
+                        <a:schemeClr val="tx1"/>
+                      </a:solidFill>
+                      <a:prstDash val="solid"/>
+                      <a:round/>
+                      <a:headEnd type="none" w="med" len="med"/>
+                      <a:tailEnd type="none" w="med" len="med"/>
+                    </a:lnR>
+                    <a:lnT w="12700" cap="flat" cmpd="sng" algn="ctr">
+                      <a:solidFill>
+                        <a:schemeClr val="tx1"/>
+                      </a:solidFill>
+                      <a:prstDash val="solid"/>
+                      <a:round/>
+                      <a:headEnd type="none" w="med" len="med"/>
+                      <a:tailEnd type="none" w="med" len="med"/>
+                    </a:lnT>
+                    <a:lnB w="12700" cap="flat" cmpd="sng" algn="ctr">
+                      <a:solidFill>
+                        <a:schemeClr val="tx1"/>
+                      </a:solidFill>
+                      <a:prstDash val="solid"/>
+                      <a:round/>
+                      <a:headEnd type="none" w="med" len="med"/>
+                      <a:tailEnd type="none" w="med" len="med"/>
+                    </a:lnB>
+                    <a:lnTlToBr w="12700" cmpd="sng">
+                      <a:noFill/>
+                      <a:prstDash val="solid"/>
+                    </a:lnTlToBr>
+                    <a:lnBlToTr w="12700" cmpd="sng">
+                      <a:noFill/>
+                      <a:prstDash val="solid"/>
+                    </a:lnBlToTr>
+                    <a:solidFill>
+                      <a:schemeClr val="bg1"/>
+                    </a:solidFill>
+                  </a:tcPr>
+                </a:tc>
+                <a:tc>
+                  <a:txBody>
+                    <a:bodyPr/>
+                    <a:lstStyle/>
+                    <a:p>
+                      <a:pPr algn="ctr"/>
+                      <a:r>
+                        <a:rPr lang="ca-ES" sz="1400" b="1" dirty="0">
+                          <a:solidFill>
+                            <a:schemeClr val="tx1"/>
+                          </a:solidFill>
+                        </a:rPr>
+                        <a:t>5555,25</a:t>
+                      </a:r>
+                    </a:p>
+                  </a:txBody>
+                  <a:tcPr anchor="ctr">
+                    <a:lnL w="12700" cap="flat" cmpd="sng" algn="ctr">
+                      <a:solidFill>
+                        <a:schemeClr val="tx1"/>
+                      </a:solidFill>
+                      <a:prstDash val="solid"/>
+                      <a:round/>
+                      <a:headEnd type="none" w="med" len="med"/>
+                      <a:tailEnd type="none" w="med" len="med"/>
+                    </a:lnL>
+                    <a:lnR w="12700" cap="flat" cmpd="sng" algn="ctr">
+                      <a:solidFill>
+                        <a:schemeClr val="tx1"/>
+                      </a:solidFill>
+                      <a:prstDash val="solid"/>
+                      <a:round/>
+                      <a:headEnd type="none" w="med" len="med"/>
+                      <a:tailEnd type="none" w="med" len="med"/>
+                    </a:lnR>
+                    <a:lnT w="12700" cap="flat" cmpd="sng" algn="ctr">
+                      <a:solidFill>
+                        <a:schemeClr val="tx1"/>
+                      </a:solidFill>
+                      <a:prstDash val="solid"/>
+                      <a:round/>
+                      <a:headEnd type="none" w="med" len="med"/>
+                      <a:tailEnd type="none" w="med" len="med"/>
+                    </a:lnT>
+                    <a:lnB w="12700" cap="flat" cmpd="sng" algn="ctr">
+                      <a:solidFill>
+                        <a:schemeClr val="tx1"/>
+                      </a:solidFill>
+                      <a:prstDash val="solid"/>
+                      <a:round/>
+                      <a:headEnd type="none" w="med" len="med"/>
+                      <a:tailEnd type="none" w="med" len="med"/>
+                    </a:lnB>
+                    <a:lnTlToBr w="12700" cmpd="sng">
+                      <a:noFill/>
+                      <a:prstDash val="solid"/>
+                    </a:lnTlToBr>
+                    <a:lnBlToTr w="12700" cmpd="sng">
+                      <a:noFill/>
+                      <a:prstDash val="solid"/>
+                    </a:lnBlToTr>
+                    <a:solidFill>
+                      <a:schemeClr val="bg1"/>
+                    </a:solidFill>
+                  </a:tcPr>
+                </a:tc>
+                <a:extLst>
+                  <a:ext uri="{0D108BD9-81ED-4DB2-BD59-A6C34878D82A}">
+                    <a16:rowId xmlns:a16="http://schemas.microsoft.com/office/drawing/2014/main" val="1134799246"/>
+                  </a:ext>
+                </a:extLst>
+              </a:tr>
+              <a:tr h="518163">
+                <a:tc>
+                  <a:txBody>
+                    <a:bodyPr/>
+                    <a:lstStyle/>
+                    <a:p>
+                      <a:pPr marL="0" algn="ctr" defTabSz="914400" rtl="0" eaLnBrk="1" latinLnBrk="0" hangingPunct="1"/>
+                      <a:r>
+                        <a:rPr lang="ca-ES" sz="1000" b="1" kern="1200" dirty="0">
+                          <a:solidFill>
+                            <a:schemeClr val="lt1"/>
+                          </a:solidFill>
+                          <a:latin typeface="+mn-lt"/>
+                          <a:ea typeface="+mn-ea"/>
+                          <a:cs typeface="+mn-cs"/>
+                        </a:rPr>
+                        <a:t>SIN HIPOTECA</a:t>
+                      </a:r>
+                    </a:p>
+                  </a:txBody>
+                  <a:tcPr anchor="ctr">
+                    <a:lnL w="12700" cap="flat" cmpd="sng" algn="ctr">
+                      <a:solidFill>
+                        <a:schemeClr val="tx1"/>
+                      </a:solidFill>
+                      <a:prstDash val="solid"/>
+                      <a:round/>
+                      <a:headEnd type="none" w="med" len="med"/>
+                      <a:tailEnd type="none" w="med" len="med"/>
+                    </a:lnL>
+                    <a:lnR w="12700" cap="flat" cmpd="sng" algn="ctr">
+                      <a:solidFill>
+                        <a:schemeClr val="tx1"/>
+                      </a:solidFill>
+                      <a:prstDash val="solid"/>
+                      <a:round/>
+                      <a:headEnd type="none" w="med" len="med"/>
+                      <a:tailEnd type="none" w="med" len="med"/>
+                    </a:lnR>
+                    <a:lnT w="12700" cap="flat" cmpd="sng" algn="ctr">
+                      <a:solidFill>
+                        <a:schemeClr val="tx1"/>
+                      </a:solidFill>
+                      <a:prstDash val="solid"/>
+                      <a:round/>
+                      <a:headEnd type="none" w="med" len="med"/>
+                      <a:tailEnd type="none" w="med" len="med"/>
+                    </a:lnT>
+                    <a:lnB w="12700" cap="flat" cmpd="sng" algn="ctr">
+                      <a:solidFill>
+                        <a:schemeClr val="tx1"/>
+                      </a:solidFill>
+                      <a:prstDash val="solid"/>
+                      <a:round/>
+                      <a:headEnd type="none" w="med" len="med"/>
+                      <a:tailEnd type="none" w="med" len="med"/>
+                    </a:lnB>
+                    <a:lnTlToBr w="12700" cmpd="sng">
+                      <a:noFill/>
+                      <a:prstDash val="solid"/>
+                    </a:lnTlToBr>
+                    <a:lnBlToTr w="12700" cmpd="sng">
+                      <a:noFill/>
+                      <a:prstDash val="solid"/>
+                    </a:lnBlToTr>
+                    <a:solidFill>
+                      <a:schemeClr val="accent1"/>
+                    </a:solidFill>
+                  </a:tcPr>
+                </a:tc>
+                <a:tc>
+                  <a:txBody>
+                    <a:bodyPr/>
+                    <a:lstStyle/>
+                    <a:p>
+                      <a:pPr algn="ctr"/>
+                      <a:r>
+                        <a:rPr lang="ca-ES" sz="1400" b="1" dirty="0">
+                          <a:solidFill>
+                            <a:schemeClr val="tx1"/>
+                          </a:solidFill>
+                        </a:rPr>
+                        <a:t>223,55</a:t>
+                      </a:r>
+                    </a:p>
+                  </a:txBody>
+                  <a:tcPr anchor="ctr">
+                    <a:lnL w="12700" cap="flat" cmpd="sng" algn="ctr">
+                      <a:solidFill>
+                        <a:schemeClr val="tx1"/>
+                      </a:solidFill>
+                      <a:prstDash val="solid"/>
+                      <a:round/>
+                      <a:headEnd type="none" w="med" len="med"/>
+                      <a:tailEnd type="none" w="med" len="med"/>
+                    </a:lnL>
+                    <a:lnR w="12700" cap="flat" cmpd="sng" algn="ctr">
+                      <a:solidFill>
+                        <a:schemeClr val="tx1"/>
+                      </a:solidFill>
+                      <a:prstDash val="solid"/>
+                      <a:round/>
+                      <a:headEnd type="none" w="med" len="med"/>
+                      <a:tailEnd type="none" w="med" len="med"/>
+                    </a:lnR>
+                    <a:lnT w="12700" cap="flat" cmpd="sng" algn="ctr">
+                      <a:solidFill>
+                        <a:schemeClr val="tx1"/>
+                      </a:solidFill>
+                      <a:prstDash val="solid"/>
+                      <a:round/>
+                      <a:headEnd type="none" w="med" len="med"/>
+                      <a:tailEnd type="none" w="med" len="med"/>
+                    </a:lnT>
+                    <a:lnB w="12700" cap="flat" cmpd="sng" algn="ctr">
+                      <a:solidFill>
+                        <a:schemeClr val="tx1"/>
+                      </a:solidFill>
+                      <a:prstDash val="solid"/>
+                      <a:round/>
+                      <a:headEnd type="none" w="med" len="med"/>
+                      <a:tailEnd type="none" w="med" len="med"/>
+                    </a:lnB>
+                    <a:lnTlToBr w="12700" cmpd="sng">
+                      <a:noFill/>
+                      <a:prstDash val="solid"/>
+                    </a:lnTlToBr>
+                    <a:lnBlToTr w="12700" cmpd="sng">
+                      <a:noFill/>
+                      <a:prstDash val="solid"/>
+                    </a:lnBlToTr>
+                    <a:solidFill>
+                      <a:schemeClr val="bg1"/>
+                    </a:solidFill>
+                  </a:tcPr>
+                </a:tc>
+                <a:tc>
+                  <a:txBody>
+                    <a:bodyPr/>
+                    <a:lstStyle/>
+                    <a:p>
+                      <a:pPr algn="ctr"/>
+                      <a:r>
+                        <a:rPr lang="ca-ES" sz="1400" b="1" dirty="0">
+                          <a:solidFill>
+                            <a:schemeClr val="tx1"/>
+                          </a:solidFill>
+                        </a:rPr>
+                        <a:t>13000,26</a:t>
+                      </a:r>
+                    </a:p>
+                  </a:txBody>
+                  <a:tcPr anchor="ctr">
+                    <a:lnL w="12700" cap="flat" cmpd="sng" algn="ctr">
+                      <a:solidFill>
+                        <a:schemeClr val="tx1"/>
+                      </a:solidFill>
+                      <a:prstDash val="solid"/>
+                      <a:round/>
+                      <a:headEnd type="none" w="med" len="med"/>
+                      <a:tailEnd type="none" w="med" len="med"/>
+                    </a:lnL>
+                    <a:lnR w="12700" cap="flat" cmpd="sng" algn="ctr">
+                      <a:solidFill>
+                        <a:schemeClr val="tx1"/>
+                      </a:solidFill>
+                      <a:prstDash val="solid"/>
+                      <a:round/>
+                      <a:headEnd type="none" w="med" len="med"/>
+                      <a:tailEnd type="none" w="med" len="med"/>
+                    </a:lnR>
+                    <a:lnT w="12700" cap="flat" cmpd="sng" algn="ctr">
+                      <a:solidFill>
+                        <a:schemeClr val="tx1"/>
+                      </a:solidFill>
+                      <a:prstDash val="solid"/>
+                      <a:round/>
+                      <a:headEnd type="none" w="med" len="med"/>
+                      <a:tailEnd type="none" w="med" len="med"/>
+                    </a:lnT>
+                    <a:lnB w="12700" cap="flat" cmpd="sng" algn="ctr">
+                      <a:solidFill>
+                        <a:schemeClr val="tx1"/>
+                      </a:solidFill>
+                      <a:prstDash val="solid"/>
+                      <a:round/>
+                      <a:headEnd type="none" w="med" len="med"/>
+                      <a:tailEnd type="none" w="med" len="med"/>
+                    </a:lnB>
+                    <a:lnTlToBr w="12700" cmpd="sng">
+                      <a:noFill/>
+                      <a:prstDash val="solid"/>
+                    </a:lnTlToBr>
+                    <a:lnBlToTr w="12700" cmpd="sng">
+                      <a:noFill/>
+                      <a:prstDash val="solid"/>
+                    </a:lnBlToTr>
+                    <a:solidFill>
+                      <a:schemeClr val="bg1"/>
+                    </a:solidFill>
+                  </a:tcPr>
+                </a:tc>
+                <a:extLst>
+                  <a:ext uri="{0D108BD9-81ED-4DB2-BD59-A6C34878D82A}">
+                    <a16:rowId xmlns:a16="http://schemas.microsoft.com/office/drawing/2014/main" val="578657590"/>
+                  </a:ext>
+                </a:extLst>
+              </a:tr>
+            </a:tbl>
+          </a:graphicData>
+        </a:graphic>
+      </p:graphicFrame>
+      <p:pic>
+        <p:nvPicPr>
+          <p:cNvPr id="11" name="Imatge 10">
+            <a:extLst>
+              <a:ext uri="{FF2B5EF4-FFF2-40B4-BE49-F238E27FC236}">
+                <a16:creationId xmlns:a16="http://schemas.microsoft.com/office/drawing/2014/main" id="{43E4E525-49B1-9BDF-05FB-D260227C996D}"/>
+              </a:ext>
+            </a:extLst>
+          </p:cNvPr>
+          <p:cNvPicPr>
+            <a:picLocks noChangeAspect="1"/>
+          </p:cNvPicPr>
+          <p:nvPr/>
+        </p:nvPicPr>
+        <p:blipFill>
+          <a:blip r:embed="rId3"/>
+          <a:stretch>
+            <a:fillRect/>
+          </a:stretch>
+        </p:blipFill>
+        <p:spPr>
+          <a:xfrm>
+            <a:off x="8078804" y="3973997"/>
+            <a:ext cx="1702222" cy="2048436"/>
+          </a:xfrm>
+          <a:prstGeom prst="rect">
+            <a:avLst/>
+          </a:prstGeom>
+        </p:spPr>
+      </p:pic>
+      <p:pic>
+        <p:nvPicPr>
+          <p:cNvPr id="13" name="Imatge 12">
+            <a:extLst>
+              <a:ext uri="{FF2B5EF4-FFF2-40B4-BE49-F238E27FC236}">
+                <a16:creationId xmlns:a16="http://schemas.microsoft.com/office/drawing/2014/main" id="{5722C7E0-813C-75DA-2442-CB4A462438F2}"/>
+              </a:ext>
+            </a:extLst>
+          </p:cNvPr>
+          <p:cNvPicPr>
+            <a:picLocks noChangeAspect="1"/>
+          </p:cNvPicPr>
+          <p:nvPr/>
+        </p:nvPicPr>
+        <p:blipFill>
+          <a:blip r:embed="rId3"/>
+          <a:stretch>
+            <a:fillRect/>
+          </a:stretch>
+        </p:blipFill>
+        <p:spPr>
+          <a:xfrm>
+            <a:off x="8104096" y="1294528"/>
+            <a:ext cx="1676930" cy="2189132"/>
+          </a:xfrm>
+          <a:prstGeom prst="rect">
+            <a:avLst/>
+          </a:prstGeom>
+        </p:spPr>
+      </p:pic>
+      <p:sp>
+        <p:nvSpPr>
+          <p:cNvPr id="16" name="QuadreDeText 16">
+            <a:extLst>
+              <a:ext uri="{FF2B5EF4-FFF2-40B4-BE49-F238E27FC236}">
+                <a16:creationId xmlns:a16="http://schemas.microsoft.com/office/drawing/2014/main" id="{E527841E-EE94-3483-E33C-22B1D43C59A9}"/>
+              </a:ext>
+            </a:extLst>
+          </p:cNvPr>
+          <p:cNvSpPr txBox="1"/>
+          <p:nvPr/>
+        </p:nvSpPr>
+        <p:spPr>
+          <a:xfrm>
+            <a:off x="4823514" y="1357084"/>
+            <a:ext cx="2186885" cy="1208842"/>
+          </a:xfrm>
+          <a:prstGeom prst="roundRect">
+            <a:avLst/>
+          </a:prstGeom>
+          <a:solidFill>
+            <a:schemeClr val="accent5">
+              <a:lumMod val="25000"/>
+              <a:lumOff val="75000"/>
+            </a:schemeClr>
+          </a:solidFill>
+          <a:ln>
+            <a:solidFill>
+              <a:schemeClr val="bg1"/>
+            </a:solidFill>
+          </a:ln>
+        </p:spPr>
+        <p:txBody>
+          <a:bodyPr wrap="square">
+            <a:spAutoFit/>
+          </a:bodyPr>
+          <a:lstStyle/>
+          <a:p>
+            <a:pPr algn="ctr"/>
+            <a:r>
+              <a:rPr lang="es-ES" sz="1300" dirty="0"/>
+              <a:t>xxxxxxxxxxxxxxxxxxxxxxxxxxxxxxxxxxxxxxxxxxxxxxxxxxxxxxxxxxxxxxxxxxxxxxxxxxxxxxxxxxxxxxxxxxxxxxxxxxxxxxxxxxxxxxxx.</a:t>
+            </a:r>
+          </a:p>
+        </p:txBody>
+      </p:sp>
+      <p:sp>
+        <p:nvSpPr>
+          <p:cNvPr id="19" name="QuadreDeText 16">
+            <a:extLst>
+              <a:ext uri="{FF2B5EF4-FFF2-40B4-BE49-F238E27FC236}">
+                <a16:creationId xmlns:a16="http://schemas.microsoft.com/office/drawing/2014/main" id="{8357148E-8755-3F47-94F0-1A7F261AD548}"/>
+              </a:ext>
+            </a:extLst>
+          </p:cNvPr>
+          <p:cNvSpPr txBox="1"/>
+          <p:nvPr/>
+        </p:nvSpPr>
+        <p:spPr>
+          <a:xfrm>
+            <a:off x="4823514" y="3975846"/>
+            <a:ext cx="2186885" cy="1208842"/>
+          </a:xfrm>
+          <a:prstGeom prst="roundRect">
+            <a:avLst/>
+          </a:prstGeom>
+          <a:solidFill>
+            <a:schemeClr val="accent5">
+              <a:lumMod val="25000"/>
+              <a:lumOff val="75000"/>
+            </a:schemeClr>
+          </a:solidFill>
+          <a:ln>
+            <a:solidFill>
+              <a:schemeClr val="bg1"/>
+            </a:solidFill>
+          </a:ln>
+        </p:spPr>
+        <p:txBody>
+          <a:bodyPr wrap="square">
+            <a:spAutoFit/>
+          </a:bodyPr>
+          <a:lstStyle/>
+          <a:p>
+            <a:pPr algn="ctr"/>
+            <a:r>
+              <a:rPr lang="es-ES" sz="1300" dirty="0"/>
+              <a:t>xxxxxxxxxxxxxxxxxxxxxxxxxxxxxxxxxxxxxxxxxxxxxxxxxxxxxxxxxxxxxxxxxxxxxxxxxxxxxxxxxxxxxxxxxxxxxxxxxxxxxxxxxxxxxxxx.</a:t>
+            </a:r>
+          </a:p>
+        </p:txBody>
+      </p:sp>
+    </p:spTree>
+    <p:extLst>
+      <p:ext uri="{BB962C8B-B14F-4D97-AF65-F5344CB8AC3E}">
+        <p14:creationId xmlns:p14="http://schemas.microsoft.com/office/powerpoint/2010/main" val="3613401054"/>
+      </p:ext>
+    </p:extLst>
+  </p:cSld>
+  <p:clrMapOvr>
+    <a:masterClrMapping/>
+  </p:clrMapOvr>
+</p:sld>
+</file>
+
+<file path=ppt/slides/slide11.xml><?xml version="1.0" encoding="utf-8"?>
+<p:sld xmlns:a="http://schemas.openxmlformats.org/drawingml/2006/main" xmlns:r="http://schemas.openxmlformats.org/officeDocument/2006/relationships" xmlns:p="http://schemas.openxmlformats.org/presentationml/2006/main">
+  <p:cSld>
+    <p:spTree>
+      <p:nvGrpSpPr>
         <p:cNvPr id="1" name=""/>
         <p:cNvGrpSpPr/>
         <p:nvPr/>
@@ -9599,7 +11329,7 @@
                 <a:effectLst/>
                 <a:latin typeface="+mj-lt"/>
               </a:rPr>
-              <a:t>CATEGORÍAS DE RIESGO Y PROPUESTAS DE AJUSTE</a:t>
+              <a:t>PROPUESTAS 2º parte pregunta</a:t>
             </a:r>
           </a:p>
           <a:p>
@@ -9623,7 +11353,7 @@
 </p:sld>
 </file>
 
-<file path=ppt/slides/slide11.xml><?xml version="1.0" encoding="utf-8"?>
+<file path=ppt/slides/slide12.xml><?xml version="1.0" encoding="utf-8"?>
 <p:sld xmlns:a="http://schemas.openxmlformats.org/drawingml/2006/main" xmlns:r="http://schemas.openxmlformats.org/officeDocument/2006/relationships" xmlns:p="http://schemas.openxmlformats.org/presentationml/2006/main">
   <p:cSld>
     <p:bg>
@@ -12720,7 +14450,7 @@
         </p:blipFill>
         <p:spPr>
           <a:xfrm>
-            <a:off x="9631452" y="154175"/>
+            <a:off x="7743201" y="1215597"/>
             <a:ext cx="5506983" cy="2448530"/>
           </a:xfrm>
           <a:prstGeom prst="rect">
@@ -12776,10 +14506,10 @@
       </p:sp>
       <p:pic>
         <p:nvPicPr>
-          <p:cNvPr id="33" name="Imatge 32">
-            <a:extLst>
-              <a:ext uri="{FF2B5EF4-FFF2-40B4-BE49-F238E27FC236}">
-                <a16:creationId xmlns:a16="http://schemas.microsoft.com/office/drawing/2014/main" id="{A2108CC9-ED25-FA7E-F7A1-ACBFE95B4609}"/>
+          <p:cNvPr id="38" name="Imatge 37">
+            <a:extLst>
+              <a:ext uri="{FF2B5EF4-FFF2-40B4-BE49-F238E27FC236}">
+                <a16:creationId xmlns:a16="http://schemas.microsoft.com/office/drawing/2014/main" id="{0629B78E-28D3-A2F6-5AB5-968273B61CAC}"/>
               </a:ext>
             </a:extLst>
           </p:cNvPr>
@@ -12796,8 +14526,8 @@
         </p:blipFill>
         <p:spPr>
           <a:xfrm>
-            <a:off x="5103239" y="4277955"/>
-            <a:ext cx="4638082" cy="2122845"/>
+            <a:off x="4546128" y="1232543"/>
+            <a:ext cx="2092753" cy="2214576"/>
           </a:xfrm>
           <a:prstGeom prst="rect">
             <a:avLst/>
@@ -12806,10 +14536,10 @@
       </p:pic>
       <p:pic>
         <p:nvPicPr>
-          <p:cNvPr id="38" name="Imatge 37">
-            <a:extLst>
-              <a:ext uri="{FF2B5EF4-FFF2-40B4-BE49-F238E27FC236}">
-                <a16:creationId xmlns:a16="http://schemas.microsoft.com/office/drawing/2014/main" id="{0629B78E-28D3-A2F6-5AB5-968273B61CAC}"/>
+          <p:cNvPr id="3" name="Imatge 2">
+            <a:extLst>
+              <a:ext uri="{FF2B5EF4-FFF2-40B4-BE49-F238E27FC236}">
+                <a16:creationId xmlns:a16="http://schemas.microsoft.com/office/drawing/2014/main" id="{49D93354-FF93-8AEA-0553-6618F5BAC77A}"/>
               </a:ext>
             </a:extLst>
           </p:cNvPr>
@@ -12826,8 +14556,8 @@
         </p:blipFill>
         <p:spPr>
           <a:xfrm>
-            <a:off x="4546128" y="1232543"/>
-            <a:ext cx="2092753" cy="2214576"/>
+            <a:off x="5782255" y="4277955"/>
+            <a:ext cx="4714438" cy="2157793"/>
           </a:xfrm>
           <a:prstGeom prst="rect">
             <a:avLst/>
@@ -12921,6 +14651,36 @@
           </a:p>
         </p:txBody>
       </p:sp>
+      <p:pic>
+        <p:nvPicPr>
+          <p:cNvPr id="3" name="Imatge 2">
+            <a:extLst>
+              <a:ext uri="{FF2B5EF4-FFF2-40B4-BE49-F238E27FC236}">
+                <a16:creationId xmlns:a16="http://schemas.microsoft.com/office/drawing/2014/main" id="{FB3103D1-E2AF-3B36-C9CC-E6E3D33C9C81}"/>
+              </a:ext>
+            </a:extLst>
+          </p:cNvPr>
+          <p:cNvPicPr>
+            <a:picLocks noChangeAspect="1"/>
+          </p:cNvPicPr>
+          <p:nvPr/>
+        </p:nvPicPr>
+        <p:blipFill>
+          <a:blip r:embed="rId3"/>
+          <a:stretch>
+            <a:fillRect/>
+          </a:stretch>
+        </p:blipFill>
+        <p:spPr>
+          <a:xfrm>
+            <a:off x="2298899" y="1706928"/>
+            <a:ext cx="6947090" cy="2990578"/>
+          </a:xfrm>
+          <a:prstGeom prst="rect">
+            <a:avLst/>
+          </a:prstGeom>
+        </p:spPr>
+      </p:pic>
     </p:spTree>
     <p:extLst>
       <p:ext uri="{BB962C8B-B14F-4D97-AF65-F5344CB8AC3E}">
@@ -12971,8 +14731,8 @@
         </p:nvSpPr>
         <p:spPr>
           <a:xfrm>
-            <a:off x="505958" y="250347"/>
-            <a:ext cx="11230211" cy="677108"/>
+            <a:off x="466166" y="250347"/>
+            <a:ext cx="11270004" cy="1046440"/>
           </a:xfrm>
           <a:prstGeom prst="rect">
             <a:avLst/>
@@ -12995,19 +14755,10 @@
                 <a:effectLst/>
                 <a:latin typeface="+mj-lt"/>
               </a:rPr>
-              <a:t>RELACIÓN ENTRE LAS </a:t>
-            </a:r>
-            <a:r>
-              <a:rPr lang="es-ES" sz="2400" b="1" dirty="0">
-                <a:solidFill>
-                  <a:schemeClr val="accent3">
-                    <a:lumMod val="50000"/>
-                  </a:schemeClr>
-                </a:solidFill>
-                <a:latin typeface="+mj-lt"/>
-              </a:rPr>
-              <a:t>CUATRO</a:t>
-            </a:r>
+              <a:t>RELACIÓN ENTRE VARIABLES:  </a:t>
+            </a:r>
+          </a:p>
+          <a:p>
             <a:r>
               <a:rPr lang="es-ES" sz="2400" b="1" dirty="0">
                 <a:solidFill>
@@ -13018,7 +14769,7 @@
                 <a:effectLst/>
                 <a:latin typeface="+mj-lt"/>
               </a:rPr>
-              <a:t> VARIABLES</a:t>
+              <a:t>SALDO vs CATEGORIAS DE PRÉSTAMOS/HIPOTECA</a:t>
             </a:r>
           </a:p>
           <a:p>
@@ -13091,6 +14842,66 @@
           </a:p>
         </p:txBody>
       </p:sp>
+      <p:pic>
+        <p:nvPicPr>
+          <p:cNvPr id="4" name="Imatge 3">
+            <a:extLst>
+              <a:ext uri="{FF2B5EF4-FFF2-40B4-BE49-F238E27FC236}">
+                <a16:creationId xmlns:a16="http://schemas.microsoft.com/office/drawing/2014/main" id="{BBC6EBBB-7BA2-EEC7-3704-9636D56FFE94}"/>
+              </a:ext>
+            </a:extLst>
+          </p:cNvPr>
+          <p:cNvPicPr>
+            <a:picLocks noChangeAspect="1"/>
+          </p:cNvPicPr>
+          <p:nvPr/>
+        </p:nvPicPr>
+        <p:blipFill>
+          <a:blip r:embed="rId3"/>
+          <a:stretch>
+            <a:fillRect/>
+          </a:stretch>
+        </p:blipFill>
+        <p:spPr>
+          <a:xfrm>
+            <a:off x="1144400" y="4776407"/>
+            <a:ext cx="8946776" cy="1852993"/>
+          </a:xfrm>
+          <a:prstGeom prst="rect">
+            <a:avLst/>
+          </a:prstGeom>
+        </p:spPr>
+      </p:pic>
+      <p:pic>
+        <p:nvPicPr>
+          <p:cNvPr id="6" name="Imatge 5">
+            <a:extLst>
+              <a:ext uri="{FF2B5EF4-FFF2-40B4-BE49-F238E27FC236}">
+                <a16:creationId xmlns:a16="http://schemas.microsoft.com/office/drawing/2014/main" id="{3BDEC8E5-7303-128A-4A27-00C37B5DBA8B}"/>
+              </a:ext>
+            </a:extLst>
+          </p:cNvPr>
+          <p:cNvPicPr>
+            <a:picLocks noChangeAspect="1"/>
+          </p:cNvPicPr>
+          <p:nvPr/>
+        </p:nvPicPr>
+        <p:blipFill>
+          <a:blip r:embed="rId4"/>
+          <a:stretch>
+            <a:fillRect/>
+          </a:stretch>
+        </p:blipFill>
+        <p:spPr>
+          <a:xfrm>
+            <a:off x="1144400" y="2136121"/>
+            <a:ext cx="4234423" cy="2321785"/>
+          </a:xfrm>
+          <a:prstGeom prst="rect">
+            <a:avLst/>
+          </a:prstGeom>
+        </p:spPr>
+      </p:pic>
     </p:spTree>
     <p:extLst>
       <p:ext uri="{BB962C8B-B14F-4D97-AF65-F5344CB8AC3E}">
@@ -13112,7 +14923,7 @@
         <p:cNvPr id="1" name="">
           <a:extLst>
             <a:ext uri="{FF2B5EF4-FFF2-40B4-BE49-F238E27FC236}">
-              <a16:creationId xmlns:a16="http://schemas.microsoft.com/office/drawing/2014/main" id="{AE19A732-23A2-928F-1707-5BE147632C57}"/>
+              <a16:creationId xmlns:a16="http://schemas.microsoft.com/office/drawing/2014/main" id="{072FEC47-BBC4-E00E-94A8-A030AC2D1A82}"/>
             </a:ext>
           </a:extLst>
         </p:cNvPr>
@@ -13132,7 +14943,7 @@
           <p:cNvPr id="8" name="QuadreDeText 3">
             <a:extLst>
               <a:ext uri="{FF2B5EF4-FFF2-40B4-BE49-F238E27FC236}">
-                <a16:creationId xmlns:a16="http://schemas.microsoft.com/office/drawing/2014/main" id="{0993D80F-3972-6FB3-DF7A-E234A6A536B0}"/>
+                <a16:creationId xmlns:a16="http://schemas.microsoft.com/office/drawing/2014/main" id="{0B9963A2-303C-C0E0-3B8A-E49DF8308095}"/>
               </a:ext>
             </a:extLst>
           </p:cNvPr>
@@ -13141,8 +14952,8 @@
         </p:nvSpPr>
         <p:spPr>
           <a:xfrm>
-            <a:off x="505958" y="250347"/>
-            <a:ext cx="11230211" cy="677108"/>
+            <a:off x="466166" y="250347"/>
+            <a:ext cx="11270004" cy="1046440"/>
           </a:xfrm>
           <a:prstGeom prst="rect">
             <a:avLst/>
@@ -13165,21 +14976,138 @@
                 <a:effectLst/>
                 <a:latin typeface="+mj-lt"/>
               </a:rPr>
-              <a:t>CUANTIFICACIÓN DE LA RELACIÓN ENTRE BALANCE E INCUMPLIMIENTO</a:t>
+              <a:t>RELACIÓN ENTRE VARIABLES:  </a:t>
+            </a:r>
+          </a:p>
+          <a:p>
+            <a:r>
+              <a:rPr lang="es-ES" sz="2400" b="1" dirty="0">
+                <a:solidFill>
+                  <a:schemeClr val="accent3">
+                    <a:lumMod val="50000"/>
+                  </a:schemeClr>
+                </a:solidFill>
+                <a:latin typeface="+mj-lt"/>
+              </a:rPr>
+              <a:t>INCUMPLIMIENTO</a:t>
+            </a:r>
+            <a:r>
+              <a:rPr lang="es-ES" sz="2400" b="1" dirty="0">
+                <a:solidFill>
+                  <a:schemeClr val="accent3">
+                    <a:lumMod val="50000"/>
+                  </a:schemeClr>
+                </a:solidFill>
+                <a:effectLst/>
+                <a:latin typeface="+mj-lt"/>
+              </a:rPr>
+              <a:t> vs CATEGORIAS DE PRÉSTAMOS/HIPOTECA</a:t>
             </a:r>
           </a:p>
           <a:p>
             <a:r>
               <a:rPr lang="es-ES" sz="1400" b="1" dirty="0"/>
-              <a:t>¿En qué medida los clientes con saldos más bajos están en mayor riesgo de incumplimiento de crédito?</a:t>
-            </a:r>
-          </a:p>
-        </p:txBody>
-      </p:sp>
+              <a:t>Tras categorizar </a:t>
+            </a:r>
+            <a:r>
+              <a:rPr lang="es-ES" sz="1400" b="1" dirty="0" err="1"/>
+              <a:t>x,x,x,x</a:t>
+            </a:r>
+            <a:r>
+              <a:rPr lang="es-ES" sz="1400" b="1" dirty="0"/>
+              <a:t> relacionamos las dos variables</a:t>
+            </a:r>
+          </a:p>
+        </p:txBody>
+      </p:sp>
+      <p:sp>
+        <p:nvSpPr>
+          <p:cNvPr id="2" name="Rectángulo 1">
+            <a:extLst>
+              <a:ext uri="{FF2B5EF4-FFF2-40B4-BE49-F238E27FC236}">
+                <a16:creationId xmlns:a16="http://schemas.microsoft.com/office/drawing/2014/main" id="{ECF82D00-1CE3-D38C-B1F1-F735E1902DAD}"/>
+              </a:ext>
+            </a:extLst>
+          </p:cNvPr>
+          <p:cNvSpPr/>
+          <p:nvPr/>
+        </p:nvSpPr>
+        <p:spPr>
+          <a:xfrm>
+            <a:off x="0" y="6400800"/>
+            <a:ext cx="2557670" cy="457200"/>
+          </a:xfrm>
+          <a:prstGeom prst="rect">
+            <a:avLst/>
+          </a:prstGeom>
+          <a:solidFill>
+            <a:schemeClr val="bg1">
+              <a:lumMod val="95000"/>
+            </a:schemeClr>
+          </a:solidFill>
+          <a:ln>
+            <a:noFill/>
+          </a:ln>
+        </p:spPr>
+        <p:style>
+          <a:lnRef idx="2">
+            <a:schemeClr val="accent1">
+              <a:shade val="50000"/>
+            </a:schemeClr>
+          </a:lnRef>
+          <a:fillRef idx="1">
+            <a:schemeClr val="accent1"/>
+          </a:fillRef>
+          <a:effectRef idx="0">
+            <a:schemeClr val="accent1"/>
+          </a:effectRef>
+          <a:fontRef idx="minor">
+            <a:schemeClr val="lt1"/>
+          </a:fontRef>
+        </p:style>
+        <p:txBody>
+          <a:bodyPr rtlCol="0" anchor="ctr"/>
+          <a:lstStyle/>
+          <a:p>
+            <a:pPr algn="ctr"/>
+            <a:endParaRPr lang="es-ES"/>
+          </a:p>
+        </p:txBody>
+      </p:sp>
+      <p:pic>
+        <p:nvPicPr>
+          <p:cNvPr id="3" name="Imatge 2">
+            <a:extLst>
+              <a:ext uri="{FF2B5EF4-FFF2-40B4-BE49-F238E27FC236}">
+                <a16:creationId xmlns:a16="http://schemas.microsoft.com/office/drawing/2014/main" id="{4D972B1F-FC8E-E7EE-E400-05721EA86A7F}"/>
+              </a:ext>
+            </a:extLst>
+          </p:cNvPr>
+          <p:cNvPicPr>
+            <a:picLocks noChangeAspect="1"/>
+          </p:cNvPicPr>
+          <p:nvPr/>
+        </p:nvPicPr>
+        <p:blipFill>
+          <a:blip r:embed="rId3"/>
+          <a:stretch>
+            <a:fillRect/>
+          </a:stretch>
+        </p:blipFill>
+        <p:spPr>
+          <a:xfrm>
+            <a:off x="748271" y="1709037"/>
+            <a:ext cx="4308041" cy="2435879"/>
+          </a:xfrm>
+          <a:prstGeom prst="rect">
+            <a:avLst/>
+          </a:prstGeom>
+        </p:spPr>
+      </p:pic>
     </p:spTree>
     <p:extLst>
       <p:ext uri="{BB962C8B-B14F-4D97-AF65-F5344CB8AC3E}">
-        <p14:creationId xmlns:p14="http://schemas.microsoft.com/office/powerpoint/2010/main" val="3613401054"/>
+        <p14:creationId xmlns:p14="http://schemas.microsoft.com/office/powerpoint/2010/main" val="2242814331"/>
       </p:ext>
     </p:extLst>
   </p:cSld>
@@ -14011,15 +15939,6 @@
 </file>
 
 <file path=customXml/item1.xml><?xml version="1.0" encoding="utf-8"?>
-<?mso-contentType ?>
-<FormTemplates xmlns="http://schemas.microsoft.com/sharepoint/v3/contenttype/forms">
-  <Display>DocumentLibraryForm</Display>
-  <Edit>DocumentLibraryForm</Edit>
-  <New>DocumentLibraryForm</New>
-</FormTemplates>
-</file>
-
-<file path=customXml/item2.xml><?xml version="1.0" encoding="utf-8"?>
 <ct:contentTypeSchema xmlns:ct="http://schemas.microsoft.com/office/2006/metadata/contentType" xmlns:ma="http://schemas.microsoft.com/office/2006/metadata/properties/metaAttributes" ct:_="" ma:_="" ma:contentTypeName="Document" ma:contentTypeID="0x01010079F111ED35F8CC479449609E8A0923A6" ma:contentTypeVersion="12" ma:contentTypeDescription="Create a new document." ma:contentTypeScope="" ma:versionID="426e97fa315356fffbdcd9876fe988c2">
   <xsd:schema xmlns:xsd="http://www.w3.org/2001/XMLSchema" xmlns:xs="http://www.w3.org/2001/XMLSchema" xmlns:p="http://schemas.microsoft.com/office/2006/metadata/properties" xmlns:ns2="71af3243-3dd4-4a8d-8c0d-dd76da1f02a5" xmlns:ns3="16c05727-aa75-4e4a-9b5f-8a80a1165891" targetNamespace="http://schemas.microsoft.com/office/2006/metadata/properties" ma:root="true" ma:fieldsID="14b8f0def80e6d70ce3def20c90759ae" ns2:_="" ns3:_="">
     <xsd:import namespace="71af3243-3dd4-4a8d-8c0d-dd76da1f02a5"/>
@@ -14240,6 +16159,15 @@
 </ct:contentTypeSchema>
 </file>
 
+<file path=customXml/item2.xml><?xml version="1.0" encoding="utf-8"?>
+<?mso-contentType ?>
+<FormTemplates xmlns="http://schemas.microsoft.com/sharepoint/v3/contenttype/forms">
+  <Display>DocumentLibraryForm</Display>
+  <Edit>DocumentLibraryForm</Edit>
+  <New>DocumentLibraryForm</New>
+</FormTemplates>
+</file>
+
 <file path=customXml/item3.xml><?xml version="1.0" encoding="utf-8"?>
 <p:properties xmlns:p="http://schemas.microsoft.com/office/2006/metadata/properties" xmlns:xsi="http://www.w3.org/2001/XMLSchema-instance" xmlns:pc="http://schemas.microsoft.com/office/infopath/2007/PartnerControls">
   <documentManagement>
@@ -14250,14 +16178,6 @@
 </file>
 
 <file path=customXml/itemProps1.xml><?xml version="1.0" encoding="utf-8"?>
-<ds:datastoreItem xmlns:ds="http://schemas.openxmlformats.org/officeDocument/2006/customXml" ds:itemID="{05D99ABA-76CE-4A8E-B5F0-C051B96628DE}">
-  <ds:schemaRefs>
-    <ds:schemaRef ds:uri="http://schemas.microsoft.com/sharepoint/v3/contenttype/forms"/>
-  </ds:schemaRefs>
-</ds:datastoreItem>
-</file>
-
-<file path=customXml/itemProps2.xml><?xml version="1.0" encoding="utf-8"?>
 <ds:datastoreItem xmlns:ds="http://schemas.openxmlformats.org/officeDocument/2006/customXml" ds:itemID="{B19EB750-A6DA-4BE8-B87B-FC499FE73360}">
   <ds:schemaRefs>
     <ds:schemaRef ds:uri="http://schemas.microsoft.com/office/2006/metadata/contentType"/>
@@ -14276,6 +16196,14 @@
 </ds:datastoreItem>
 </file>
 
+<file path=customXml/itemProps2.xml><?xml version="1.0" encoding="utf-8"?>
+<ds:datastoreItem xmlns:ds="http://schemas.openxmlformats.org/officeDocument/2006/customXml" ds:itemID="{05D99ABA-76CE-4A8E-B5F0-C051B96628DE}">
+  <ds:schemaRefs>
+    <ds:schemaRef ds:uri="http://schemas.microsoft.com/sharepoint/v3/contenttype/forms"/>
+  </ds:schemaRefs>
+</ds:datastoreItem>
+</file>
+
 <file path=customXml/itemProps3.xml><?xml version="1.0" encoding="utf-8"?>
 <ds:datastoreItem xmlns:ds="http://schemas.openxmlformats.org/officeDocument/2006/customXml" ds:itemID="{4DEA9014-ED64-4558-B1E1-D03F0EE32BEB}">
   <ds:schemaRefs>

--- a/Equip_B/results/S2_Presentacion_Finanzas.pptx
+++ b/Equip_B/results/S2_Presentacion_Finanzas.pptx
@@ -5,24 +5,22 @@
     <p:sldMasterId id="2147483648" r:id="rId4"/>
   </p:sldMasterIdLst>
   <p:notesMasterIdLst>
-    <p:notesMasterId r:id="rId17"/>
+    <p:notesMasterId r:id="rId15"/>
   </p:notesMasterIdLst>
   <p:handoutMasterIdLst>
-    <p:handoutMasterId r:id="rId18"/>
+    <p:handoutMasterId r:id="rId16"/>
   </p:handoutMasterIdLst>
   <p:sldIdLst>
     <p:sldId id="324" r:id="rId5"/>
-    <p:sldId id="302" r:id="rId6"/>
-    <p:sldId id="327" r:id="rId7"/>
-    <p:sldId id="349" r:id="rId8"/>
-    <p:sldId id="328" r:id="rId9"/>
-    <p:sldId id="330" r:id="rId10"/>
-    <p:sldId id="329" r:id="rId11"/>
-    <p:sldId id="332" r:id="rId12"/>
-    <p:sldId id="350" r:id="rId13"/>
-    <p:sldId id="333" r:id="rId14"/>
-    <p:sldId id="334" r:id="rId15"/>
-    <p:sldId id="335" r:id="rId16"/>
+    <p:sldId id="328" r:id="rId6"/>
+    <p:sldId id="330" r:id="rId7"/>
+    <p:sldId id="329" r:id="rId8"/>
+    <p:sldId id="332" r:id="rId9"/>
+    <p:sldId id="350" r:id="rId10"/>
+    <p:sldId id="333" r:id="rId11"/>
+    <p:sldId id="334" r:id="rId12"/>
+    <p:sldId id="349" r:id="rId13"/>
+    <p:sldId id="335" r:id="rId14"/>
   </p:sldIdLst>
   <p:sldSz cx="12192000" cy="6858000"/>
   <p:notesSz cx="6858000" cy="9144000"/>
@@ -793,7 +791,117 @@
 </p:notes>
 </file>
 
-<file path=ppt/notesSlides/notesSlide10.xml><?xml version="1.0" encoding="utf-8"?>
+<file path=ppt/notesSlides/notesSlide2.xml><?xml version="1.0" encoding="utf-8"?>
+<p:notes xmlns:a="http://schemas.openxmlformats.org/drawingml/2006/main" xmlns:r="http://schemas.openxmlformats.org/officeDocument/2006/relationships" xmlns:p="http://schemas.openxmlformats.org/presentationml/2006/main">
+  <p:cSld>
+    <p:spTree>
+      <p:nvGrpSpPr>
+        <p:cNvPr id="1" name="">
+          <a:extLst>
+            <a:ext uri="{FF2B5EF4-FFF2-40B4-BE49-F238E27FC236}">
+              <a16:creationId xmlns:a16="http://schemas.microsoft.com/office/drawing/2014/main" id="{9DF00017-33F2-412C-1854-7A09F665AC92}"/>
+            </a:ext>
+          </a:extLst>
+        </p:cNvPr>
+        <p:cNvGrpSpPr/>
+        <p:nvPr/>
+      </p:nvGrpSpPr>
+      <p:grpSpPr>
+        <a:xfrm>
+          <a:off x="0" y="0"/>
+          <a:ext cx="0" cy="0"/>
+          <a:chOff x="0" y="0"/>
+          <a:chExt cx="0" cy="0"/>
+        </a:xfrm>
+      </p:grpSpPr>
+      <p:sp>
+        <p:nvSpPr>
+          <p:cNvPr id="2" name="Marcador de imagen de diapositiva 1">
+            <a:extLst>
+              <a:ext uri="{FF2B5EF4-FFF2-40B4-BE49-F238E27FC236}">
+                <a16:creationId xmlns:a16="http://schemas.microsoft.com/office/drawing/2014/main" id="{92F3EA81-C122-FBE8-1C8D-279D57A5116B}"/>
+              </a:ext>
+            </a:extLst>
+          </p:cNvPr>
+          <p:cNvSpPr>
+            <a:spLocks noGrp="1" noRot="1" noChangeAspect="1"/>
+          </p:cNvSpPr>
+          <p:nvPr>
+            <p:ph type="sldImg"/>
+          </p:nvPr>
+        </p:nvSpPr>
+        <p:spPr/>
+      </p:sp>
+      <p:sp>
+        <p:nvSpPr>
+          <p:cNvPr id="3" name="Marcador de notas 2">
+            <a:extLst>
+              <a:ext uri="{FF2B5EF4-FFF2-40B4-BE49-F238E27FC236}">
+                <a16:creationId xmlns:a16="http://schemas.microsoft.com/office/drawing/2014/main" id="{6B0EA864-363F-25FE-C2EE-1714F76C1466}"/>
+              </a:ext>
+            </a:extLst>
+          </p:cNvPr>
+          <p:cNvSpPr>
+            <a:spLocks noGrp="1"/>
+          </p:cNvSpPr>
+          <p:nvPr>
+            <p:ph type="body" idx="1"/>
+          </p:nvPr>
+        </p:nvSpPr>
+        <p:spPr/>
+        <p:txBody>
+          <a:bodyPr rtlCol="0"/>
+          <a:lstStyle/>
+          <a:p>
+            <a:pPr rtl="0"/>
+            <a:endParaRPr lang="es-ES"/>
+          </a:p>
+        </p:txBody>
+      </p:sp>
+      <p:sp>
+        <p:nvSpPr>
+          <p:cNvPr id="4" name="Marcador de número de diapositiva 3">
+            <a:extLst>
+              <a:ext uri="{FF2B5EF4-FFF2-40B4-BE49-F238E27FC236}">
+                <a16:creationId xmlns:a16="http://schemas.microsoft.com/office/drawing/2014/main" id="{C3F3647A-B7CE-5539-7577-C001475F3EBA}"/>
+              </a:ext>
+            </a:extLst>
+          </p:cNvPr>
+          <p:cNvSpPr>
+            <a:spLocks noGrp="1"/>
+          </p:cNvSpPr>
+          <p:nvPr>
+            <p:ph type="sldNum" sz="quarter" idx="5"/>
+          </p:nvPr>
+        </p:nvSpPr>
+        <p:spPr/>
+        <p:txBody>
+          <a:bodyPr rtlCol="0"/>
+          <a:lstStyle/>
+          <a:p>
+            <a:pPr rtl="0"/>
+            <a:fld id="{8530193B-564F-4854-8A52-728F3FB19C85}" type="slidenum">
+              <a:rPr lang="es-ES" smtClean="0"/>
+              <a:t>2</a:t>
+            </a:fld>
+            <a:endParaRPr lang="es-ES"/>
+          </a:p>
+        </p:txBody>
+      </p:sp>
+    </p:spTree>
+    <p:extLst>
+      <p:ext uri="{BB962C8B-B14F-4D97-AF65-F5344CB8AC3E}">
+        <p14:creationId xmlns:p14="http://schemas.microsoft.com/office/powerpoint/2010/main" val="2370279700"/>
+      </p:ext>
+    </p:extLst>
+  </p:cSld>
+  <p:clrMapOvr>
+    <a:masterClrMapping/>
+  </p:clrMapOvr>
+</p:notes>
+</file>
+
+<file path=ppt/notesSlides/notesSlide3.xml><?xml version="1.0" encoding="utf-8"?>
 <p:notes xmlns:a="http://schemas.openxmlformats.org/drawingml/2006/main" xmlns:r="http://schemas.openxmlformats.org/officeDocument/2006/relationships" xmlns:p="http://schemas.openxmlformats.org/presentationml/2006/main">
   <p:cSld>
     <p:spTree>
@@ -859,7 +967,419 @@
             <a:pPr rtl="0"/>
             <a:fld id="{8530193B-564F-4854-8A52-728F3FB19C85}" type="slidenum">
               <a:rPr lang="es-ES" noProof="0" smtClean="0"/>
-              <a:t>11</a:t>
+              <a:t>4</a:t>
+            </a:fld>
+            <a:endParaRPr lang="es-ES" noProof="0"/>
+          </a:p>
+        </p:txBody>
+      </p:sp>
+    </p:spTree>
+    <p:extLst>
+      <p:ext uri="{BB962C8B-B14F-4D97-AF65-F5344CB8AC3E}">
+        <p14:creationId xmlns:p14="http://schemas.microsoft.com/office/powerpoint/2010/main" val="3770405997"/>
+      </p:ext>
+    </p:extLst>
+  </p:cSld>
+  <p:clrMapOvr>
+    <a:masterClrMapping/>
+  </p:clrMapOvr>
+</p:notes>
+</file>
+
+<file path=ppt/notesSlides/notesSlide4.xml><?xml version="1.0" encoding="utf-8"?>
+<p:notes xmlns:a="http://schemas.openxmlformats.org/drawingml/2006/main" xmlns:r="http://schemas.openxmlformats.org/officeDocument/2006/relationships" xmlns:p="http://schemas.openxmlformats.org/presentationml/2006/main">
+  <p:cSld>
+    <p:spTree>
+      <p:nvGrpSpPr>
+        <p:cNvPr id="1" name="">
+          <a:extLst>
+            <a:ext uri="{FF2B5EF4-FFF2-40B4-BE49-F238E27FC236}">
+              <a16:creationId xmlns:a16="http://schemas.microsoft.com/office/drawing/2014/main" id="{FC6F9210-6D20-19EF-DA13-72C56BAE23DE}"/>
+            </a:ext>
+          </a:extLst>
+        </p:cNvPr>
+        <p:cNvGrpSpPr/>
+        <p:nvPr/>
+      </p:nvGrpSpPr>
+      <p:grpSpPr>
+        <a:xfrm>
+          <a:off x="0" y="0"/>
+          <a:ext cx="0" cy="0"/>
+          <a:chOff x="0" y="0"/>
+          <a:chExt cx="0" cy="0"/>
+        </a:xfrm>
+      </p:grpSpPr>
+      <p:sp>
+        <p:nvSpPr>
+          <p:cNvPr id="2" name="Marcador de imagen de diapositiva 1">
+            <a:extLst>
+              <a:ext uri="{FF2B5EF4-FFF2-40B4-BE49-F238E27FC236}">
+                <a16:creationId xmlns:a16="http://schemas.microsoft.com/office/drawing/2014/main" id="{185DFB2B-4DC6-A4AC-C311-C2F9EBABF1B0}"/>
+              </a:ext>
+            </a:extLst>
+          </p:cNvPr>
+          <p:cNvSpPr>
+            <a:spLocks noGrp="1" noRot="1" noChangeAspect="1"/>
+          </p:cNvSpPr>
+          <p:nvPr>
+            <p:ph type="sldImg"/>
+          </p:nvPr>
+        </p:nvSpPr>
+        <p:spPr/>
+      </p:sp>
+      <p:sp>
+        <p:nvSpPr>
+          <p:cNvPr id="3" name="Marcador de notas 2">
+            <a:extLst>
+              <a:ext uri="{FF2B5EF4-FFF2-40B4-BE49-F238E27FC236}">
+                <a16:creationId xmlns:a16="http://schemas.microsoft.com/office/drawing/2014/main" id="{749BC6DC-3D61-C40D-308A-D98F4E4B90CA}"/>
+              </a:ext>
+            </a:extLst>
+          </p:cNvPr>
+          <p:cNvSpPr>
+            <a:spLocks noGrp="1"/>
+          </p:cNvSpPr>
+          <p:nvPr>
+            <p:ph type="body" idx="1"/>
+          </p:nvPr>
+        </p:nvSpPr>
+        <p:spPr/>
+        <p:txBody>
+          <a:bodyPr/>
+          <a:lstStyle/>
+          <a:p>
+            <a:endParaRPr lang="es-ES" dirty="0"/>
+          </a:p>
+        </p:txBody>
+      </p:sp>
+      <p:sp>
+        <p:nvSpPr>
+          <p:cNvPr id="4" name="Marcador de número de diapositiva 3">
+            <a:extLst>
+              <a:ext uri="{FF2B5EF4-FFF2-40B4-BE49-F238E27FC236}">
+                <a16:creationId xmlns:a16="http://schemas.microsoft.com/office/drawing/2014/main" id="{B309D8CD-035A-94D5-0CA5-4DEC8D69E4A4}"/>
+              </a:ext>
+            </a:extLst>
+          </p:cNvPr>
+          <p:cNvSpPr>
+            <a:spLocks noGrp="1"/>
+          </p:cNvSpPr>
+          <p:nvPr>
+            <p:ph type="sldNum" sz="quarter" idx="5"/>
+          </p:nvPr>
+        </p:nvSpPr>
+        <p:spPr/>
+        <p:txBody>
+          <a:bodyPr/>
+          <a:lstStyle/>
+          <a:p>
+            <a:pPr rtl="0"/>
+            <a:fld id="{8530193B-564F-4854-8A52-728F3FB19C85}" type="slidenum">
+              <a:rPr lang="es-ES" noProof="0" smtClean="0"/>
+              <a:t>5</a:t>
+            </a:fld>
+            <a:endParaRPr lang="es-ES" noProof="0"/>
+          </a:p>
+        </p:txBody>
+      </p:sp>
+    </p:spTree>
+    <p:extLst>
+      <p:ext uri="{BB962C8B-B14F-4D97-AF65-F5344CB8AC3E}">
+        <p14:creationId xmlns:p14="http://schemas.microsoft.com/office/powerpoint/2010/main" val="522672786"/>
+      </p:ext>
+    </p:extLst>
+  </p:cSld>
+  <p:clrMapOvr>
+    <a:masterClrMapping/>
+  </p:clrMapOvr>
+</p:notes>
+</file>
+
+<file path=ppt/notesSlides/notesSlide5.xml><?xml version="1.0" encoding="utf-8"?>
+<p:notes xmlns:a="http://schemas.openxmlformats.org/drawingml/2006/main" xmlns:r="http://schemas.openxmlformats.org/officeDocument/2006/relationships" xmlns:p="http://schemas.openxmlformats.org/presentationml/2006/main">
+  <p:cSld>
+    <p:spTree>
+      <p:nvGrpSpPr>
+        <p:cNvPr id="1" name="">
+          <a:extLst>
+            <a:ext uri="{FF2B5EF4-FFF2-40B4-BE49-F238E27FC236}">
+              <a16:creationId xmlns:a16="http://schemas.microsoft.com/office/drawing/2014/main" id="{2B09EA46-9462-B071-AED3-25764CFA7FCD}"/>
+            </a:ext>
+          </a:extLst>
+        </p:cNvPr>
+        <p:cNvGrpSpPr/>
+        <p:nvPr/>
+      </p:nvGrpSpPr>
+      <p:grpSpPr>
+        <a:xfrm>
+          <a:off x="0" y="0"/>
+          <a:ext cx="0" cy="0"/>
+          <a:chOff x="0" y="0"/>
+          <a:chExt cx="0" cy="0"/>
+        </a:xfrm>
+      </p:grpSpPr>
+      <p:sp>
+        <p:nvSpPr>
+          <p:cNvPr id="2" name="Marcador de imagen de diapositiva 1">
+            <a:extLst>
+              <a:ext uri="{FF2B5EF4-FFF2-40B4-BE49-F238E27FC236}">
+                <a16:creationId xmlns:a16="http://schemas.microsoft.com/office/drawing/2014/main" id="{2F08F31E-D37D-8C72-E287-CBB35A638442}"/>
+              </a:ext>
+            </a:extLst>
+          </p:cNvPr>
+          <p:cNvSpPr>
+            <a:spLocks noGrp="1" noRot="1" noChangeAspect="1"/>
+          </p:cNvSpPr>
+          <p:nvPr>
+            <p:ph type="sldImg"/>
+          </p:nvPr>
+        </p:nvSpPr>
+        <p:spPr/>
+      </p:sp>
+      <p:sp>
+        <p:nvSpPr>
+          <p:cNvPr id="3" name="Marcador de notas 2">
+            <a:extLst>
+              <a:ext uri="{FF2B5EF4-FFF2-40B4-BE49-F238E27FC236}">
+                <a16:creationId xmlns:a16="http://schemas.microsoft.com/office/drawing/2014/main" id="{3957BCDF-9FC8-D962-8DCF-A4D70FD1F20E}"/>
+              </a:ext>
+            </a:extLst>
+          </p:cNvPr>
+          <p:cNvSpPr>
+            <a:spLocks noGrp="1"/>
+          </p:cNvSpPr>
+          <p:nvPr>
+            <p:ph type="body" idx="1"/>
+          </p:nvPr>
+        </p:nvSpPr>
+        <p:spPr/>
+        <p:txBody>
+          <a:bodyPr/>
+          <a:lstStyle/>
+          <a:p>
+            <a:endParaRPr lang="es-ES" dirty="0"/>
+          </a:p>
+        </p:txBody>
+      </p:sp>
+      <p:sp>
+        <p:nvSpPr>
+          <p:cNvPr id="4" name="Marcador de número de diapositiva 3">
+            <a:extLst>
+              <a:ext uri="{FF2B5EF4-FFF2-40B4-BE49-F238E27FC236}">
+                <a16:creationId xmlns:a16="http://schemas.microsoft.com/office/drawing/2014/main" id="{AADDC00D-2B44-6888-881B-99EC9317C682}"/>
+              </a:ext>
+            </a:extLst>
+          </p:cNvPr>
+          <p:cNvSpPr>
+            <a:spLocks noGrp="1"/>
+          </p:cNvSpPr>
+          <p:nvPr>
+            <p:ph type="sldNum" sz="quarter" idx="5"/>
+          </p:nvPr>
+        </p:nvSpPr>
+        <p:spPr/>
+        <p:txBody>
+          <a:bodyPr/>
+          <a:lstStyle/>
+          <a:p>
+            <a:pPr rtl="0"/>
+            <a:fld id="{8530193B-564F-4854-8A52-728F3FB19C85}" type="slidenum">
+              <a:rPr lang="es-ES" noProof="0" smtClean="0"/>
+              <a:t>6</a:t>
+            </a:fld>
+            <a:endParaRPr lang="es-ES" noProof="0"/>
+          </a:p>
+        </p:txBody>
+      </p:sp>
+    </p:spTree>
+    <p:extLst>
+      <p:ext uri="{BB962C8B-B14F-4D97-AF65-F5344CB8AC3E}">
+        <p14:creationId xmlns:p14="http://schemas.microsoft.com/office/powerpoint/2010/main" val="2993063409"/>
+      </p:ext>
+    </p:extLst>
+  </p:cSld>
+  <p:clrMapOvr>
+    <a:masterClrMapping/>
+  </p:clrMapOvr>
+</p:notes>
+</file>
+
+<file path=ppt/notesSlides/notesSlide6.xml><?xml version="1.0" encoding="utf-8"?>
+<p:notes xmlns:a="http://schemas.openxmlformats.org/drawingml/2006/main" xmlns:r="http://schemas.openxmlformats.org/officeDocument/2006/relationships" xmlns:p="http://schemas.openxmlformats.org/presentationml/2006/main">
+  <p:cSld>
+    <p:spTree>
+      <p:nvGrpSpPr>
+        <p:cNvPr id="1" name="">
+          <a:extLst>
+            <a:ext uri="{FF2B5EF4-FFF2-40B4-BE49-F238E27FC236}">
+              <a16:creationId xmlns:a16="http://schemas.microsoft.com/office/drawing/2014/main" id="{246A2E04-9098-256E-0AEF-45FD09FAF858}"/>
+            </a:ext>
+          </a:extLst>
+        </p:cNvPr>
+        <p:cNvGrpSpPr/>
+        <p:nvPr/>
+      </p:nvGrpSpPr>
+      <p:grpSpPr>
+        <a:xfrm>
+          <a:off x="0" y="0"/>
+          <a:ext cx="0" cy="0"/>
+          <a:chOff x="0" y="0"/>
+          <a:chExt cx="0" cy="0"/>
+        </a:xfrm>
+      </p:grpSpPr>
+      <p:sp>
+        <p:nvSpPr>
+          <p:cNvPr id="2" name="Marcador de imagen de diapositiva 1">
+            <a:extLst>
+              <a:ext uri="{FF2B5EF4-FFF2-40B4-BE49-F238E27FC236}">
+                <a16:creationId xmlns:a16="http://schemas.microsoft.com/office/drawing/2014/main" id="{75803E53-BAE5-92A8-23C3-9060C5D6D10B}"/>
+              </a:ext>
+            </a:extLst>
+          </p:cNvPr>
+          <p:cNvSpPr>
+            <a:spLocks noGrp="1" noRot="1" noChangeAspect="1"/>
+          </p:cNvSpPr>
+          <p:nvPr>
+            <p:ph type="sldImg"/>
+          </p:nvPr>
+        </p:nvSpPr>
+        <p:spPr/>
+      </p:sp>
+      <p:sp>
+        <p:nvSpPr>
+          <p:cNvPr id="3" name="Marcador de notas 2">
+            <a:extLst>
+              <a:ext uri="{FF2B5EF4-FFF2-40B4-BE49-F238E27FC236}">
+                <a16:creationId xmlns:a16="http://schemas.microsoft.com/office/drawing/2014/main" id="{B09468F9-3F2C-E6B1-EFE6-C2AC2BF0C1B1}"/>
+              </a:ext>
+            </a:extLst>
+          </p:cNvPr>
+          <p:cNvSpPr>
+            <a:spLocks noGrp="1"/>
+          </p:cNvSpPr>
+          <p:nvPr>
+            <p:ph type="body" idx="1"/>
+          </p:nvPr>
+        </p:nvSpPr>
+        <p:spPr/>
+        <p:txBody>
+          <a:bodyPr/>
+          <a:lstStyle/>
+          <a:p>
+            <a:endParaRPr lang="es-ES" dirty="0"/>
+          </a:p>
+        </p:txBody>
+      </p:sp>
+      <p:sp>
+        <p:nvSpPr>
+          <p:cNvPr id="4" name="Marcador de número de diapositiva 3">
+            <a:extLst>
+              <a:ext uri="{FF2B5EF4-FFF2-40B4-BE49-F238E27FC236}">
+                <a16:creationId xmlns:a16="http://schemas.microsoft.com/office/drawing/2014/main" id="{061FBE25-B251-38E9-FDEE-80F929DCD046}"/>
+              </a:ext>
+            </a:extLst>
+          </p:cNvPr>
+          <p:cNvSpPr>
+            <a:spLocks noGrp="1"/>
+          </p:cNvSpPr>
+          <p:nvPr>
+            <p:ph type="sldNum" sz="quarter" idx="5"/>
+          </p:nvPr>
+        </p:nvSpPr>
+        <p:spPr/>
+        <p:txBody>
+          <a:bodyPr/>
+          <a:lstStyle/>
+          <a:p>
+            <a:pPr rtl="0"/>
+            <a:fld id="{8530193B-564F-4854-8A52-728F3FB19C85}" type="slidenum">
+              <a:rPr lang="es-ES" noProof="0" smtClean="0"/>
+              <a:t>7</a:t>
+            </a:fld>
+            <a:endParaRPr lang="es-ES" noProof="0"/>
+          </a:p>
+        </p:txBody>
+      </p:sp>
+    </p:spTree>
+    <p:extLst>
+      <p:ext uri="{BB962C8B-B14F-4D97-AF65-F5344CB8AC3E}">
+        <p14:creationId xmlns:p14="http://schemas.microsoft.com/office/powerpoint/2010/main" val="3486366538"/>
+      </p:ext>
+    </p:extLst>
+  </p:cSld>
+  <p:clrMapOvr>
+    <a:masterClrMapping/>
+  </p:clrMapOvr>
+</p:notes>
+</file>
+
+<file path=ppt/notesSlides/notesSlide7.xml><?xml version="1.0" encoding="utf-8"?>
+<p:notes xmlns:a="http://schemas.openxmlformats.org/drawingml/2006/main" xmlns:r="http://schemas.openxmlformats.org/officeDocument/2006/relationships" xmlns:p="http://schemas.openxmlformats.org/presentationml/2006/main">
+  <p:cSld>
+    <p:spTree>
+      <p:nvGrpSpPr>
+        <p:cNvPr id="1" name=""/>
+        <p:cNvGrpSpPr/>
+        <p:nvPr/>
+      </p:nvGrpSpPr>
+      <p:grpSpPr>
+        <a:xfrm>
+          <a:off x="0" y="0"/>
+          <a:ext cx="0" cy="0"/>
+          <a:chOff x="0" y="0"/>
+          <a:chExt cx="0" cy="0"/>
+        </a:xfrm>
+      </p:grpSpPr>
+      <p:sp>
+        <p:nvSpPr>
+          <p:cNvPr id="2" name="Marcador de imagen de diapositiva 1"/>
+          <p:cNvSpPr>
+            <a:spLocks noGrp="1" noRot="1" noChangeAspect="1"/>
+          </p:cNvSpPr>
+          <p:nvPr>
+            <p:ph type="sldImg"/>
+          </p:nvPr>
+        </p:nvSpPr>
+        <p:spPr/>
+      </p:sp>
+      <p:sp>
+        <p:nvSpPr>
+          <p:cNvPr id="3" name="Marcador de notas 2"/>
+          <p:cNvSpPr>
+            <a:spLocks noGrp="1"/>
+          </p:cNvSpPr>
+          <p:nvPr>
+            <p:ph type="body" idx="1"/>
+          </p:nvPr>
+        </p:nvSpPr>
+        <p:spPr/>
+        <p:txBody>
+          <a:bodyPr/>
+          <a:lstStyle/>
+          <a:p>
+            <a:endParaRPr lang="es-ES" dirty="0"/>
+          </a:p>
+        </p:txBody>
+      </p:sp>
+      <p:sp>
+        <p:nvSpPr>
+          <p:cNvPr id="4" name="Marcador de número de diapositiva 3"/>
+          <p:cNvSpPr>
+            <a:spLocks noGrp="1"/>
+          </p:cNvSpPr>
+          <p:nvPr>
+            <p:ph type="sldNum" sz="quarter" idx="5"/>
+          </p:nvPr>
+        </p:nvSpPr>
+        <p:spPr/>
+        <p:txBody>
+          <a:bodyPr/>
+          <a:lstStyle/>
+          <a:p>
+            <a:pPr rtl="0"/>
+            <a:fld id="{8530193B-564F-4854-8A52-728F3FB19C85}" type="slidenum">
+              <a:rPr lang="es-ES" noProof="0" smtClean="0"/>
+              <a:t>8</a:t>
             </a:fld>
             <a:endParaRPr lang="es-ES" noProof="0"/>
           </a:p>
@@ -878,7 +1398,116 @@
 </p:notes>
 </file>
 
-<file path=ppt/notesSlides/notesSlide11.xml><?xml version="1.0" encoding="utf-8"?>
+<file path=ppt/notesSlides/notesSlide8.xml><?xml version="1.0" encoding="utf-8"?>
+<p:notes xmlns:a="http://schemas.openxmlformats.org/drawingml/2006/main" xmlns:r="http://schemas.openxmlformats.org/officeDocument/2006/relationships" xmlns:p="http://schemas.openxmlformats.org/presentationml/2006/main">
+  <p:cSld>
+    <p:spTree>
+      <p:nvGrpSpPr>
+        <p:cNvPr id="1" name="">
+          <a:extLst>
+            <a:ext uri="{FF2B5EF4-FFF2-40B4-BE49-F238E27FC236}">
+              <a16:creationId xmlns:a16="http://schemas.microsoft.com/office/drawing/2014/main" id="{05DB5F8B-C47F-E364-FF4F-0710957ADB2F}"/>
+            </a:ext>
+          </a:extLst>
+        </p:cNvPr>
+        <p:cNvGrpSpPr/>
+        <p:nvPr/>
+      </p:nvGrpSpPr>
+      <p:grpSpPr>
+        <a:xfrm>
+          <a:off x="0" y="0"/>
+          <a:ext cx="0" cy="0"/>
+          <a:chOff x="0" y="0"/>
+          <a:chExt cx="0" cy="0"/>
+        </a:xfrm>
+      </p:grpSpPr>
+      <p:sp>
+        <p:nvSpPr>
+          <p:cNvPr id="2" name="Marcador de imagen de diapositiva 1">
+            <a:extLst>
+              <a:ext uri="{FF2B5EF4-FFF2-40B4-BE49-F238E27FC236}">
+                <a16:creationId xmlns:a16="http://schemas.microsoft.com/office/drawing/2014/main" id="{B43889D0-0E6B-1C3E-A08A-481B08938A4E}"/>
+              </a:ext>
+            </a:extLst>
+          </p:cNvPr>
+          <p:cNvSpPr>
+            <a:spLocks noGrp="1" noRot="1" noChangeAspect="1"/>
+          </p:cNvSpPr>
+          <p:nvPr>
+            <p:ph type="sldImg"/>
+          </p:nvPr>
+        </p:nvSpPr>
+        <p:spPr/>
+      </p:sp>
+      <p:sp>
+        <p:nvSpPr>
+          <p:cNvPr id="3" name="Marcador de notas 2">
+            <a:extLst>
+              <a:ext uri="{FF2B5EF4-FFF2-40B4-BE49-F238E27FC236}">
+                <a16:creationId xmlns:a16="http://schemas.microsoft.com/office/drawing/2014/main" id="{F62FB440-6DD3-AE5B-8243-49CB15AF8730}"/>
+              </a:ext>
+            </a:extLst>
+          </p:cNvPr>
+          <p:cNvSpPr>
+            <a:spLocks noGrp="1"/>
+          </p:cNvSpPr>
+          <p:nvPr>
+            <p:ph type="body" idx="1"/>
+          </p:nvPr>
+        </p:nvSpPr>
+        <p:spPr/>
+        <p:txBody>
+          <a:bodyPr/>
+          <a:lstStyle/>
+          <a:p>
+            <a:endParaRPr lang="es-ES" dirty="0"/>
+          </a:p>
+        </p:txBody>
+      </p:sp>
+      <p:sp>
+        <p:nvSpPr>
+          <p:cNvPr id="4" name="Marcador de número de diapositiva 3">
+            <a:extLst>
+              <a:ext uri="{FF2B5EF4-FFF2-40B4-BE49-F238E27FC236}">
+                <a16:creationId xmlns:a16="http://schemas.microsoft.com/office/drawing/2014/main" id="{95581750-F2D6-8825-E734-274E3CA2386C}"/>
+              </a:ext>
+            </a:extLst>
+          </p:cNvPr>
+          <p:cNvSpPr>
+            <a:spLocks noGrp="1"/>
+          </p:cNvSpPr>
+          <p:nvPr>
+            <p:ph type="sldNum" sz="quarter" idx="5"/>
+          </p:nvPr>
+        </p:nvSpPr>
+        <p:spPr/>
+        <p:txBody>
+          <a:bodyPr/>
+          <a:lstStyle/>
+          <a:p>
+            <a:pPr rtl="0"/>
+            <a:fld id="{8530193B-564F-4854-8A52-728F3FB19C85}" type="slidenum">
+              <a:rPr lang="es-ES" noProof="0" smtClean="0"/>
+              <a:t>9</a:t>
+            </a:fld>
+            <a:endParaRPr lang="es-ES" noProof="0"/>
+          </a:p>
+        </p:txBody>
+      </p:sp>
+    </p:spTree>
+    <p:extLst>
+      <p:ext uri="{BB962C8B-B14F-4D97-AF65-F5344CB8AC3E}">
+        <p14:creationId xmlns:p14="http://schemas.microsoft.com/office/powerpoint/2010/main" val="746271655"/>
+      </p:ext>
+    </p:extLst>
+  </p:cSld>
+  <p:clrMapOvr>
+    <a:masterClrMapping/>
+  </p:clrMapOvr>
+</p:notes>
+</file>
+
+<file path=ppt/notesSlides/notesSlide9.xml><?xml version="1.0" encoding="utf-8"?>
 <p:notes xmlns:a="http://schemas.openxmlformats.org/drawingml/2006/main" xmlns:r="http://schemas.openxmlformats.org/officeDocument/2006/relationships" xmlns:p="http://schemas.openxmlformats.org/presentationml/2006/main">
   <p:cSld>
     <p:spTree>
@@ -969,7 +1598,7 @@
             <a:pPr rtl="0"/>
             <a:fld id="{8530193B-564F-4854-8A52-728F3FB19C85}" type="slidenum">
               <a:rPr lang="es-ES" smtClean="0"/>
-              <a:t>12</a:t>
+              <a:t>10</a:t>
             </a:fld>
             <a:endParaRPr lang="es-ES"/>
           </a:p>
@@ -979,833 +1608,6 @@
     <p:extLst>
       <p:ext uri="{BB962C8B-B14F-4D97-AF65-F5344CB8AC3E}">
         <p14:creationId xmlns:p14="http://schemas.microsoft.com/office/powerpoint/2010/main" val="78472006"/>
-      </p:ext>
-    </p:extLst>
-  </p:cSld>
-  <p:clrMapOvr>
-    <a:masterClrMapping/>
-  </p:clrMapOvr>
-</p:notes>
-</file>
-
-<file path=ppt/notesSlides/notesSlide2.xml><?xml version="1.0" encoding="utf-8"?>
-<p:notes xmlns:a="http://schemas.openxmlformats.org/drawingml/2006/main" xmlns:r="http://schemas.openxmlformats.org/officeDocument/2006/relationships" xmlns:p="http://schemas.openxmlformats.org/presentationml/2006/main">
-  <p:cSld>
-    <p:spTree>
-      <p:nvGrpSpPr>
-        <p:cNvPr id="1" name=""/>
-        <p:cNvGrpSpPr/>
-        <p:nvPr/>
-      </p:nvGrpSpPr>
-      <p:grpSpPr>
-        <a:xfrm>
-          <a:off x="0" y="0"/>
-          <a:ext cx="0" cy="0"/>
-          <a:chOff x="0" y="0"/>
-          <a:chExt cx="0" cy="0"/>
-        </a:xfrm>
-      </p:grpSpPr>
-      <p:sp>
-        <p:nvSpPr>
-          <p:cNvPr id="2" name="Marcador de imagen de diapositiva 1"/>
-          <p:cNvSpPr>
-            <a:spLocks noGrp="1" noRot="1" noChangeAspect="1"/>
-          </p:cNvSpPr>
-          <p:nvPr>
-            <p:ph type="sldImg"/>
-          </p:nvPr>
-        </p:nvSpPr>
-        <p:spPr/>
-      </p:sp>
-      <p:sp>
-        <p:nvSpPr>
-          <p:cNvPr id="3" name="Marcador de notas 2"/>
-          <p:cNvSpPr>
-            <a:spLocks noGrp="1"/>
-          </p:cNvSpPr>
-          <p:nvPr>
-            <p:ph type="body" idx="1"/>
-          </p:nvPr>
-        </p:nvSpPr>
-        <p:spPr/>
-        <p:txBody>
-          <a:bodyPr rtlCol="0"/>
-          <a:lstStyle/>
-          <a:p>
-            <a:pPr rtl="0"/>
-            <a:endParaRPr lang="es-ES"/>
-          </a:p>
-        </p:txBody>
-      </p:sp>
-      <p:sp>
-        <p:nvSpPr>
-          <p:cNvPr id="4" name="Marcador de número de diapositiva 3"/>
-          <p:cNvSpPr>
-            <a:spLocks noGrp="1"/>
-          </p:cNvSpPr>
-          <p:nvPr>
-            <p:ph type="sldNum" sz="quarter" idx="5"/>
-          </p:nvPr>
-        </p:nvSpPr>
-        <p:spPr/>
-        <p:txBody>
-          <a:bodyPr rtlCol="0"/>
-          <a:lstStyle/>
-          <a:p>
-            <a:pPr rtl="0"/>
-            <a:fld id="{8530193B-564F-4854-8A52-728F3FB19C85}" type="slidenum">
-              <a:rPr lang="es-ES" smtClean="0"/>
-              <a:t>2</a:t>
-            </a:fld>
-            <a:endParaRPr lang="es-ES"/>
-          </a:p>
-        </p:txBody>
-      </p:sp>
-    </p:spTree>
-    <p:extLst>
-      <p:ext uri="{BB962C8B-B14F-4D97-AF65-F5344CB8AC3E}">
-        <p14:creationId xmlns:p14="http://schemas.microsoft.com/office/powerpoint/2010/main" val="2507912230"/>
-      </p:ext>
-    </p:extLst>
-  </p:cSld>
-  <p:clrMapOvr>
-    <a:masterClrMapping/>
-  </p:clrMapOvr>
-</p:notes>
-</file>
-
-<file path=ppt/notesSlides/notesSlide3.xml><?xml version="1.0" encoding="utf-8"?>
-<p:notes xmlns:a="http://schemas.openxmlformats.org/drawingml/2006/main" xmlns:r="http://schemas.openxmlformats.org/officeDocument/2006/relationships" xmlns:p="http://schemas.openxmlformats.org/presentationml/2006/main">
-  <p:cSld>
-    <p:spTree>
-      <p:nvGrpSpPr>
-        <p:cNvPr id="1" name="">
-          <a:extLst>
-            <a:ext uri="{FF2B5EF4-FFF2-40B4-BE49-F238E27FC236}">
-              <a16:creationId xmlns:a16="http://schemas.microsoft.com/office/drawing/2014/main" id="{FD1C1542-2F6F-8339-5B04-09EBEB6F89AD}"/>
-            </a:ext>
-          </a:extLst>
-        </p:cNvPr>
-        <p:cNvGrpSpPr/>
-        <p:nvPr/>
-      </p:nvGrpSpPr>
-      <p:grpSpPr>
-        <a:xfrm>
-          <a:off x="0" y="0"/>
-          <a:ext cx="0" cy="0"/>
-          <a:chOff x="0" y="0"/>
-          <a:chExt cx="0" cy="0"/>
-        </a:xfrm>
-      </p:grpSpPr>
-      <p:sp>
-        <p:nvSpPr>
-          <p:cNvPr id="2" name="Marcador de imagen de diapositiva 1">
-            <a:extLst>
-              <a:ext uri="{FF2B5EF4-FFF2-40B4-BE49-F238E27FC236}">
-                <a16:creationId xmlns:a16="http://schemas.microsoft.com/office/drawing/2014/main" id="{BCE4BF95-B6D9-70EA-5FB7-3ACAE190637B}"/>
-              </a:ext>
-            </a:extLst>
-          </p:cNvPr>
-          <p:cNvSpPr>
-            <a:spLocks noGrp="1" noRot="1" noChangeAspect="1"/>
-          </p:cNvSpPr>
-          <p:nvPr>
-            <p:ph type="sldImg"/>
-          </p:nvPr>
-        </p:nvSpPr>
-        <p:spPr/>
-      </p:sp>
-      <p:sp>
-        <p:nvSpPr>
-          <p:cNvPr id="3" name="Marcador de notas 2">
-            <a:extLst>
-              <a:ext uri="{FF2B5EF4-FFF2-40B4-BE49-F238E27FC236}">
-                <a16:creationId xmlns:a16="http://schemas.microsoft.com/office/drawing/2014/main" id="{8ECBC7F2-46C7-0BCC-8135-DDA803EDA3E6}"/>
-              </a:ext>
-            </a:extLst>
-          </p:cNvPr>
-          <p:cNvSpPr>
-            <a:spLocks noGrp="1"/>
-          </p:cNvSpPr>
-          <p:nvPr>
-            <p:ph type="body" idx="1"/>
-          </p:nvPr>
-        </p:nvSpPr>
-        <p:spPr/>
-        <p:txBody>
-          <a:bodyPr rtlCol="0"/>
-          <a:lstStyle/>
-          <a:p>
-            <a:pPr rtl="0"/>
-            <a:endParaRPr lang="es-ES"/>
-          </a:p>
-        </p:txBody>
-      </p:sp>
-      <p:sp>
-        <p:nvSpPr>
-          <p:cNvPr id="4" name="Marcador de número de diapositiva 3">
-            <a:extLst>
-              <a:ext uri="{FF2B5EF4-FFF2-40B4-BE49-F238E27FC236}">
-                <a16:creationId xmlns:a16="http://schemas.microsoft.com/office/drawing/2014/main" id="{259C90F5-F2E3-1426-624D-69C3024A32FC}"/>
-              </a:ext>
-            </a:extLst>
-          </p:cNvPr>
-          <p:cNvSpPr>
-            <a:spLocks noGrp="1"/>
-          </p:cNvSpPr>
-          <p:nvPr>
-            <p:ph type="sldNum" sz="quarter" idx="5"/>
-          </p:nvPr>
-        </p:nvSpPr>
-        <p:spPr/>
-        <p:txBody>
-          <a:bodyPr rtlCol="0"/>
-          <a:lstStyle/>
-          <a:p>
-            <a:pPr rtl="0"/>
-            <a:fld id="{8530193B-564F-4854-8A52-728F3FB19C85}" type="slidenum">
-              <a:rPr lang="es-ES" smtClean="0"/>
-              <a:t>3</a:t>
-            </a:fld>
-            <a:endParaRPr lang="es-ES"/>
-          </a:p>
-        </p:txBody>
-      </p:sp>
-    </p:spTree>
-    <p:extLst>
-      <p:ext uri="{BB962C8B-B14F-4D97-AF65-F5344CB8AC3E}">
-        <p14:creationId xmlns:p14="http://schemas.microsoft.com/office/powerpoint/2010/main" val="2236013390"/>
-      </p:ext>
-    </p:extLst>
-  </p:cSld>
-  <p:clrMapOvr>
-    <a:masterClrMapping/>
-  </p:clrMapOvr>
-</p:notes>
-</file>
-
-<file path=ppt/notesSlides/notesSlide4.xml><?xml version="1.0" encoding="utf-8"?>
-<p:notes xmlns:a="http://schemas.openxmlformats.org/drawingml/2006/main" xmlns:r="http://schemas.openxmlformats.org/officeDocument/2006/relationships" xmlns:p="http://schemas.openxmlformats.org/presentationml/2006/main">
-  <p:cSld>
-    <p:spTree>
-      <p:nvGrpSpPr>
-        <p:cNvPr id="1" name="">
-          <a:extLst>
-            <a:ext uri="{FF2B5EF4-FFF2-40B4-BE49-F238E27FC236}">
-              <a16:creationId xmlns:a16="http://schemas.microsoft.com/office/drawing/2014/main" id="{05DB5F8B-C47F-E364-FF4F-0710957ADB2F}"/>
-            </a:ext>
-          </a:extLst>
-        </p:cNvPr>
-        <p:cNvGrpSpPr/>
-        <p:nvPr/>
-      </p:nvGrpSpPr>
-      <p:grpSpPr>
-        <a:xfrm>
-          <a:off x="0" y="0"/>
-          <a:ext cx="0" cy="0"/>
-          <a:chOff x="0" y="0"/>
-          <a:chExt cx="0" cy="0"/>
-        </a:xfrm>
-      </p:grpSpPr>
-      <p:sp>
-        <p:nvSpPr>
-          <p:cNvPr id="2" name="Marcador de imagen de diapositiva 1">
-            <a:extLst>
-              <a:ext uri="{FF2B5EF4-FFF2-40B4-BE49-F238E27FC236}">
-                <a16:creationId xmlns:a16="http://schemas.microsoft.com/office/drawing/2014/main" id="{B43889D0-0E6B-1C3E-A08A-481B08938A4E}"/>
-              </a:ext>
-            </a:extLst>
-          </p:cNvPr>
-          <p:cNvSpPr>
-            <a:spLocks noGrp="1" noRot="1" noChangeAspect="1"/>
-          </p:cNvSpPr>
-          <p:nvPr>
-            <p:ph type="sldImg"/>
-          </p:nvPr>
-        </p:nvSpPr>
-        <p:spPr/>
-      </p:sp>
-      <p:sp>
-        <p:nvSpPr>
-          <p:cNvPr id="3" name="Marcador de notas 2">
-            <a:extLst>
-              <a:ext uri="{FF2B5EF4-FFF2-40B4-BE49-F238E27FC236}">
-                <a16:creationId xmlns:a16="http://schemas.microsoft.com/office/drawing/2014/main" id="{F62FB440-6DD3-AE5B-8243-49CB15AF8730}"/>
-              </a:ext>
-            </a:extLst>
-          </p:cNvPr>
-          <p:cNvSpPr>
-            <a:spLocks noGrp="1"/>
-          </p:cNvSpPr>
-          <p:nvPr>
-            <p:ph type="body" idx="1"/>
-          </p:nvPr>
-        </p:nvSpPr>
-        <p:spPr/>
-        <p:txBody>
-          <a:bodyPr/>
-          <a:lstStyle/>
-          <a:p>
-            <a:endParaRPr lang="es-ES" dirty="0"/>
-          </a:p>
-        </p:txBody>
-      </p:sp>
-      <p:sp>
-        <p:nvSpPr>
-          <p:cNvPr id="4" name="Marcador de número de diapositiva 3">
-            <a:extLst>
-              <a:ext uri="{FF2B5EF4-FFF2-40B4-BE49-F238E27FC236}">
-                <a16:creationId xmlns:a16="http://schemas.microsoft.com/office/drawing/2014/main" id="{95581750-F2D6-8825-E734-274E3CA2386C}"/>
-              </a:ext>
-            </a:extLst>
-          </p:cNvPr>
-          <p:cNvSpPr>
-            <a:spLocks noGrp="1"/>
-          </p:cNvSpPr>
-          <p:nvPr>
-            <p:ph type="sldNum" sz="quarter" idx="5"/>
-          </p:nvPr>
-        </p:nvSpPr>
-        <p:spPr/>
-        <p:txBody>
-          <a:bodyPr/>
-          <a:lstStyle/>
-          <a:p>
-            <a:pPr rtl="0"/>
-            <a:fld id="{8530193B-564F-4854-8A52-728F3FB19C85}" type="slidenum">
-              <a:rPr lang="es-ES" noProof="0" smtClean="0"/>
-              <a:t>4</a:t>
-            </a:fld>
-            <a:endParaRPr lang="es-ES" noProof="0"/>
-          </a:p>
-        </p:txBody>
-      </p:sp>
-    </p:spTree>
-    <p:extLst>
-      <p:ext uri="{BB962C8B-B14F-4D97-AF65-F5344CB8AC3E}">
-        <p14:creationId xmlns:p14="http://schemas.microsoft.com/office/powerpoint/2010/main" val="746271655"/>
-      </p:ext>
-    </p:extLst>
-  </p:cSld>
-  <p:clrMapOvr>
-    <a:masterClrMapping/>
-  </p:clrMapOvr>
-</p:notes>
-</file>
-
-<file path=ppt/notesSlides/notesSlide5.xml><?xml version="1.0" encoding="utf-8"?>
-<p:notes xmlns:a="http://schemas.openxmlformats.org/drawingml/2006/main" xmlns:r="http://schemas.openxmlformats.org/officeDocument/2006/relationships" xmlns:p="http://schemas.openxmlformats.org/presentationml/2006/main">
-  <p:cSld>
-    <p:spTree>
-      <p:nvGrpSpPr>
-        <p:cNvPr id="1" name="">
-          <a:extLst>
-            <a:ext uri="{FF2B5EF4-FFF2-40B4-BE49-F238E27FC236}">
-              <a16:creationId xmlns:a16="http://schemas.microsoft.com/office/drawing/2014/main" id="{9DF00017-33F2-412C-1854-7A09F665AC92}"/>
-            </a:ext>
-          </a:extLst>
-        </p:cNvPr>
-        <p:cNvGrpSpPr/>
-        <p:nvPr/>
-      </p:nvGrpSpPr>
-      <p:grpSpPr>
-        <a:xfrm>
-          <a:off x="0" y="0"/>
-          <a:ext cx="0" cy="0"/>
-          <a:chOff x="0" y="0"/>
-          <a:chExt cx="0" cy="0"/>
-        </a:xfrm>
-      </p:grpSpPr>
-      <p:sp>
-        <p:nvSpPr>
-          <p:cNvPr id="2" name="Marcador de imagen de diapositiva 1">
-            <a:extLst>
-              <a:ext uri="{FF2B5EF4-FFF2-40B4-BE49-F238E27FC236}">
-                <a16:creationId xmlns:a16="http://schemas.microsoft.com/office/drawing/2014/main" id="{92F3EA81-C122-FBE8-1C8D-279D57A5116B}"/>
-              </a:ext>
-            </a:extLst>
-          </p:cNvPr>
-          <p:cNvSpPr>
-            <a:spLocks noGrp="1" noRot="1" noChangeAspect="1"/>
-          </p:cNvSpPr>
-          <p:nvPr>
-            <p:ph type="sldImg"/>
-          </p:nvPr>
-        </p:nvSpPr>
-        <p:spPr/>
-      </p:sp>
-      <p:sp>
-        <p:nvSpPr>
-          <p:cNvPr id="3" name="Marcador de notas 2">
-            <a:extLst>
-              <a:ext uri="{FF2B5EF4-FFF2-40B4-BE49-F238E27FC236}">
-                <a16:creationId xmlns:a16="http://schemas.microsoft.com/office/drawing/2014/main" id="{6B0EA864-363F-25FE-C2EE-1714F76C1466}"/>
-              </a:ext>
-            </a:extLst>
-          </p:cNvPr>
-          <p:cNvSpPr>
-            <a:spLocks noGrp="1"/>
-          </p:cNvSpPr>
-          <p:nvPr>
-            <p:ph type="body" idx="1"/>
-          </p:nvPr>
-        </p:nvSpPr>
-        <p:spPr/>
-        <p:txBody>
-          <a:bodyPr rtlCol="0"/>
-          <a:lstStyle/>
-          <a:p>
-            <a:pPr rtl="0"/>
-            <a:endParaRPr lang="es-ES"/>
-          </a:p>
-        </p:txBody>
-      </p:sp>
-      <p:sp>
-        <p:nvSpPr>
-          <p:cNvPr id="4" name="Marcador de número de diapositiva 3">
-            <a:extLst>
-              <a:ext uri="{FF2B5EF4-FFF2-40B4-BE49-F238E27FC236}">
-                <a16:creationId xmlns:a16="http://schemas.microsoft.com/office/drawing/2014/main" id="{C3F3647A-B7CE-5539-7577-C001475F3EBA}"/>
-              </a:ext>
-            </a:extLst>
-          </p:cNvPr>
-          <p:cNvSpPr>
-            <a:spLocks noGrp="1"/>
-          </p:cNvSpPr>
-          <p:nvPr>
-            <p:ph type="sldNum" sz="quarter" idx="5"/>
-          </p:nvPr>
-        </p:nvSpPr>
-        <p:spPr/>
-        <p:txBody>
-          <a:bodyPr rtlCol="0"/>
-          <a:lstStyle/>
-          <a:p>
-            <a:pPr rtl="0"/>
-            <a:fld id="{8530193B-564F-4854-8A52-728F3FB19C85}" type="slidenum">
-              <a:rPr lang="es-ES" smtClean="0"/>
-              <a:t>5</a:t>
-            </a:fld>
-            <a:endParaRPr lang="es-ES"/>
-          </a:p>
-        </p:txBody>
-      </p:sp>
-    </p:spTree>
-    <p:extLst>
-      <p:ext uri="{BB962C8B-B14F-4D97-AF65-F5344CB8AC3E}">
-        <p14:creationId xmlns:p14="http://schemas.microsoft.com/office/powerpoint/2010/main" val="2370279700"/>
-      </p:ext>
-    </p:extLst>
-  </p:cSld>
-  <p:clrMapOvr>
-    <a:masterClrMapping/>
-  </p:clrMapOvr>
-</p:notes>
-</file>
-
-<file path=ppt/notesSlides/notesSlide6.xml><?xml version="1.0" encoding="utf-8"?>
-<p:notes xmlns:a="http://schemas.openxmlformats.org/drawingml/2006/main" xmlns:r="http://schemas.openxmlformats.org/officeDocument/2006/relationships" xmlns:p="http://schemas.openxmlformats.org/presentationml/2006/main">
-  <p:cSld>
-    <p:spTree>
-      <p:nvGrpSpPr>
-        <p:cNvPr id="1" name=""/>
-        <p:cNvGrpSpPr/>
-        <p:nvPr/>
-      </p:nvGrpSpPr>
-      <p:grpSpPr>
-        <a:xfrm>
-          <a:off x="0" y="0"/>
-          <a:ext cx="0" cy="0"/>
-          <a:chOff x="0" y="0"/>
-          <a:chExt cx="0" cy="0"/>
-        </a:xfrm>
-      </p:grpSpPr>
-      <p:sp>
-        <p:nvSpPr>
-          <p:cNvPr id="2" name="Marcador de imagen de diapositiva 1"/>
-          <p:cNvSpPr>
-            <a:spLocks noGrp="1" noRot="1" noChangeAspect="1"/>
-          </p:cNvSpPr>
-          <p:nvPr>
-            <p:ph type="sldImg"/>
-          </p:nvPr>
-        </p:nvSpPr>
-        <p:spPr/>
-      </p:sp>
-      <p:sp>
-        <p:nvSpPr>
-          <p:cNvPr id="3" name="Marcador de notas 2"/>
-          <p:cNvSpPr>
-            <a:spLocks noGrp="1"/>
-          </p:cNvSpPr>
-          <p:nvPr>
-            <p:ph type="body" idx="1"/>
-          </p:nvPr>
-        </p:nvSpPr>
-        <p:spPr/>
-        <p:txBody>
-          <a:bodyPr/>
-          <a:lstStyle/>
-          <a:p>
-            <a:endParaRPr lang="es-ES" dirty="0"/>
-          </a:p>
-        </p:txBody>
-      </p:sp>
-      <p:sp>
-        <p:nvSpPr>
-          <p:cNvPr id="4" name="Marcador de número de diapositiva 3"/>
-          <p:cNvSpPr>
-            <a:spLocks noGrp="1"/>
-          </p:cNvSpPr>
-          <p:nvPr>
-            <p:ph type="sldNum" sz="quarter" idx="5"/>
-          </p:nvPr>
-        </p:nvSpPr>
-        <p:spPr/>
-        <p:txBody>
-          <a:bodyPr/>
-          <a:lstStyle/>
-          <a:p>
-            <a:pPr rtl="0"/>
-            <a:fld id="{8530193B-564F-4854-8A52-728F3FB19C85}" type="slidenum">
-              <a:rPr lang="es-ES" noProof="0" smtClean="0"/>
-              <a:t>7</a:t>
-            </a:fld>
-            <a:endParaRPr lang="es-ES" noProof="0"/>
-          </a:p>
-        </p:txBody>
-      </p:sp>
-    </p:spTree>
-    <p:extLst>
-      <p:ext uri="{BB962C8B-B14F-4D97-AF65-F5344CB8AC3E}">
-        <p14:creationId xmlns:p14="http://schemas.microsoft.com/office/powerpoint/2010/main" val="3770405997"/>
-      </p:ext>
-    </p:extLst>
-  </p:cSld>
-  <p:clrMapOvr>
-    <a:masterClrMapping/>
-  </p:clrMapOvr>
-</p:notes>
-</file>
-
-<file path=ppt/notesSlides/notesSlide7.xml><?xml version="1.0" encoding="utf-8"?>
-<p:notes xmlns:a="http://schemas.openxmlformats.org/drawingml/2006/main" xmlns:r="http://schemas.openxmlformats.org/officeDocument/2006/relationships" xmlns:p="http://schemas.openxmlformats.org/presentationml/2006/main">
-  <p:cSld>
-    <p:spTree>
-      <p:nvGrpSpPr>
-        <p:cNvPr id="1" name="">
-          <a:extLst>
-            <a:ext uri="{FF2B5EF4-FFF2-40B4-BE49-F238E27FC236}">
-              <a16:creationId xmlns:a16="http://schemas.microsoft.com/office/drawing/2014/main" id="{FC6F9210-6D20-19EF-DA13-72C56BAE23DE}"/>
-            </a:ext>
-          </a:extLst>
-        </p:cNvPr>
-        <p:cNvGrpSpPr/>
-        <p:nvPr/>
-      </p:nvGrpSpPr>
-      <p:grpSpPr>
-        <a:xfrm>
-          <a:off x="0" y="0"/>
-          <a:ext cx="0" cy="0"/>
-          <a:chOff x="0" y="0"/>
-          <a:chExt cx="0" cy="0"/>
-        </a:xfrm>
-      </p:grpSpPr>
-      <p:sp>
-        <p:nvSpPr>
-          <p:cNvPr id="2" name="Marcador de imagen de diapositiva 1">
-            <a:extLst>
-              <a:ext uri="{FF2B5EF4-FFF2-40B4-BE49-F238E27FC236}">
-                <a16:creationId xmlns:a16="http://schemas.microsoft.com/office/drawing/2014/main" id="{185DFB2B-4DC6-A4AC-C311-C2F9EBABF1B0}"/>
-              </a:ext>
-            </a:extLst>
-          </p:cNvPr>
-          <p:cNvSpPr>
-            <a:spLocks noGrp="1" noRot="1" noChangeAspect="1"/>
-          </p:cNvSpPr>
-          <p:nvPr>
-            <p:ph type="sldImg"/>
-          </p:nvPr>
-        </p:nvSpPr>
-        <p:spPr/>
-      </p:sp>
-      <p:sp>
-        <p:nvSpPr>
-          <p:cNvPr id="3" name="Marcador de notas 2">
-            <a:extLst>
-              <a:ext uri="{FF2B5EF4-FFF2-40B4-BE49-F238E27FC236}">
-                <a16:creationId xmlns:a16="http://schemas.microsoft.com/office/drawing/2014/main" id="{749BC6DC-3D61-C40D-308A-D98F4E4B90CA}"/>
-              </a:ext>
-            </a:extLst>
-          </p:cNvPr>
-          <p:cNvSpPr>
-            <a:spLocks noGrp="1"/>
-          </p:cNvSpPr>
-          <p:nvPr>
-            <p:ph type="body" idx="1"/>
-          </p:nvPr>
-        </p:nvSpPr>
-        <p:spPr/>
-        <p:txBody>
-          <a:bodyPr/>
-          <a:lstStyle/>
-          <a:p>
-            <a:endParaRPr lang="es-ES" dirty="0"/>
-          </a:p>
-        </p:txBody>
-      </p:sp>
-      <p:sp>
-        <p:nvSpPr>
-          <p:cNvPr id="4" name="Marcador de número de diapositiva 3">
-            <a:extLst>
-              <a:ext uri="{FF2B5EF4-FFF2-40B4-BE49-F238E27FC236}">
-                <a16:creationId xmlns:a16="http://schemas.microsoft.com/office/drawing/2014/main" id="{B309D8CD-035A-94D5-0CA5-4DEC8D69E4A4}"/>
-              </a:ext>
-            </a:extLst>
-          </p:cNvPr>
-          <p:cNvSpPr>
-            <a:spLocks noGrp="1"/>
-          </p:cNvSpPr>
-          <p:nvPr>
-            <p:ph type="sldNum" sz="quarter" idx="5"/>
-          </p:nvPr>
-        </p:nvSpPr>
-        <p:spPr/>
-        <p:txBody>
-          <a:bodyPr/>
-          <a:lstStyle/>
-          <a:p>
-            <a:pPr rtl="0"/>
-            <a:fld id="{8530193B-564F-4854-8A52-728F3FB19C85}" type="slidenum">
-              <a:rPr lang="es-ES" noProof="0" smtClean="0"/>
-              <a:t>8</a:t>
-            </a:fld>
-            <a:endParaRPr lang="es-ES" noProof="0"/>
-          </a:p>
-        </p:txBody>
-      </p:sp>
-    </p:spTree>
-    <p:extLst>
-      <p:ext uri="{BB962C8B-B14F-4D97-AF65-F5344CB8AC3E}">
-        <p14:creationId xmlns:p14="http://schemas.microsoft.com/office/powerpoint/2010/main" val="522672786"/>
-      </p:ext>
-    </p:extLst>
-  </p:cSld>
-  <p:clrMapOvr>
-    <a:masterClrMapping/>
-  </p:clrMapOvr>
-</p:notes>
-</file>
-
-<file path=ppt/notesSlides/notesSlide8.xml><?xml version="1.0" encoding="utf-8"?>
-<p:notes xmlns:a="http://schemas.openxmlformats.org/drawingml/2006/main" xmlns:r="http://schemas.openxmlformats.org/officeDocument/2006/relationships" xmlns:p="http://schemas.openxmlformats.org/presentationml/2006/main">
-  <p:cSld>
-    <p:spTree>
-      <p:nvGrpSpPr>
-        <p:cNvPr id="1" name="">
-          <a:extLst>
-            <a:ext uri="{FF2B5EF4-FFF2-40B4-BE49-F238E27FC236}">
-              <a16:creationId xmlns:a16="http://schemas.microsoft.com/office/drawing/2014/main" id="{2B09EA46-9462-B071-AED3-25764CFA7FCD}"/>
-            </a:ext>
-          </a:extLst>
-        </p:cNvPr>
-        <p:cNvGrpSpPr/>
-        <p:nvPr/>
-      </p:nvGrpSpPr>
-      <p:grpSpPr>
-        <a:xfrm>
-          <a:off x="0" y="0"/>
-          <a:ext cx="0" cy="0"/>
-          <a:chOff x="0" y="0"/>
-          <a:chExt cx="0" cy="0"/>
-        </a:xfrm>
-      </p:grpSpPr>
-      <p:sp>
-        <p:nvSpPr>
-          <p:cNvPr id="2" name="Marcador de imagen de diapositiva 1">
-            <a:extLst>
-              <a:ext uri="{FF2B5EF4-FFF2-40B4-BE49-F238E27FC236}">
-                <a16:creationId xmlns:a16="http://schemas.microsoft.com/office/drawing/2014/main" id="{2F08F31E-D37D-8C72-E287-CBB35A638442}"/>
-              </a:ext>
-            </a:extLst>
-          </p:cNvPr>
-          <p:cNvSpPr>
-            <a:spLocks noGrp="1" noRot="1" noChangeAspect="1"/>
-          </p:cNvSpPr>
-          <p:nvPr>
-            <p:ph type="sldImg"/>
-          </p:nvPr>
-        </p:nvSpPr>
-        <p:spPr/>
-      </p:sp>
-      <p:sp>
-        <p:nvSpPr>
-          <p:cNvPr id="3" name="Marcador de notas 2">
-            <a:extLst>
-              <a:ext uri="{FF2B5EF4-FFF2-40B4-BE49-F238E27FC236}">
-                <a16:creationId xmlns:a16="http://schemas.microsoft.com/office/drawing/2014/main" id="{3957BCDF-9FC8-D962-8DCF-A4D70FD1F20E}"/>
-              </a:ext>
-            </a:extLst>
-          </p:cNvPr>
-          <p:cNvSpPr>
-            <a:spLocks noGrp="1"/>
-          </p:cNvSpPr>
-          <p:nvPr>
-            <p:ph type="body" idx="1"/>
-          </p:nvPr>
-        </p:nvSpPr>
-        <p:spPr/>
-        <p:txBody>
-          <a:bodyPr/>
-          <a:lstStyle/>
-          <a:p>
-            <a:endParaRPr lang="es-ES" dirty="0"/>
-          </a:p>
-        </p:txBody>
-      </p:sp>
-      <p:sp>
-        <p:nvSpPr>
-          <p:cNvPr id="4" name="Marcador de número de diapositiva 3">
-            <a:extLst>
-              <a:ext uri="{FF2B5EF4-FFF2-40B4-BE49-F238E27FC236}">
-                <a16:creationId xmlns:a16="http://schemas.microsoft.com/office/drawing/2014/main" id="{AADDC00D-2B44-6888-881B-99EC9317C682}"/>
-              </a:ext>
-            </a:extLst>
-          </p:cNvPr>
-          <p:cNvSpPr>
-            <a:spLocks noGrp="1"/>
-          </p:cNvSpPr>
-          <p:nvPr>
-            <p:ph type="sldNum" sz="quarter" idx="5"/>
-          </p:nvPr>
-        </p:nvSpPr>
-        <p:spPr/>
-        <p:txBody>
-          <a:bodyPr/>
-          <a:lstStyle/>
-          <a:p>
-            <a:pPr rtl="0"/>
-            <a:fld id="{8530193B-564F-4854-8A52-728F3FB19C85}" type="slidenum">
-              <a:rPr lang="es-ES" noProof="0" smtClean="0"/>
-              <a:t>9</a:t>
-            </a:fld>
-            <a:endParaRPr lang="es-ES" noProof="0"/>
-          </a:p>
-        </p:txBody>
-      </p:sp>
-    </p:spTree>
-    <p:extLst>
-      <p:ext uri="{BB962C8B-B14F-4D97-AF65-F5344CB8AC3E}">
-        <p14:creationId xmlns:p14="http://schemas.microsoft.com/office/powerpoint/2010/main" val="2993063409"/>
-      </p:ext>
-    </p:extLst>
-  </p:cSld>
-  <p:clrMapOvr>
-    <a:masterClrMapping/>
-  </p:clrMapOvr>
-</p:notes>
-</file>
-
-<file path=ppt/notesSlides/notesSlide9.xml><?xml version="1.0" encoding="utf-8"?>
-<p:notes xmlns:a="http://schemas.openxmlformats.org/drawingml/2006/main" xmlns:r="http://schemas.openxmlformats.org/officeDocument/2006/relationships" xmlns:p="http://schemas.openxmlformats.org/presentationml/2006/main">
-  <p:cSld>
-    <p:spTree>
-      <p:nvGrpSpPr>
-        <p:cNvPr id="1" name="">
-          <a:extLst>
-            <a:ext uri="{FF2B5EF4-FFF2-40B4-BE49-F238E27FC236}">
-              <a16:creationId xmlns:a16="http://schemas.microsoft.com/office/drawing/2014/main" id="{246A2E04-9098-256E-0AEF-45FD09FAF858}"/>
-            </a:ext>
-          </a:extLst>
-        </p:cNvPr>
-        <p:cNvGrpSpPr/>
-        <p:nvPr/>
-      </p:nvGrpSpPr>
-      <p:grpSpPr>
-        <a:xfrm>
-          <a:off x="0" y="0"/>
-          <a:ext cx="0" cy="0"/>
-          <a:chOff x="0" y="0"/>
-          <a:chExt cx="0" cy="0"/>
-        </a:xfrm>
-      </p:grpSpPr>
-      <p:sp>
-        <p:nvSpPr>
-          <p:cNvPr id="2" name="Marcador de imagen de diapositiva 1">
-            <a:extLst>
-              <a:ext uri="{FF2B5EF4-FFF2-40B4-BE49-F238E27FC236}">
-                <a16:creationId xmlns:a16="http://schemas.microsoft.com/office/drawing/2014/main" id="{75803E53-BAE5-92A8-23C3-9060C5D6D10B}"/>
-              </a:ext>
-            </a:extLst>
-          </p:cNvPr>
-          <p:cNvSpPr>
-            <a:spLocks noGrp="1" noRot="1" noChangeAspect="1"/>
-          </p:cNvSpPr>
-          <p:nvPr>
-            <p:ph type="sldImg"/>
-          </p:nvPr>
-        </p:nvSpPr>
-        <p:spPr/>
-      </p:sp>
-      <p:sp>
-        <p:nvSpPr>
-          <p:cNvPr id="3" name="Marcador de notas 2">
-            <a:extLst>
-              <a:ext uri="{FF2B5EF4-FFF2-40B4-BE49-F238E27FC236}">
-                <a16:creationId xmlns:a16="http://schemas.microsoft.com/office/drawing/2014/main" id="{B09468F9-3F2C-E6B1-EFE6-C2AC2BF0C1B1}"/>
-              </a:ext>
-            </a:extLst>
-          </p:cNvPr>
-          <p:cNvSpPr>
-            <a:spLocks noGrp="1"/>
-          </p:cNvSpPr>
-          <p:nvPr>
-            <p:ph type="body" idx="1"/>
-          </p:nvPr>
-        </p:nvSpPr>
-        <p:spPr/>
-        <p:txBody>
-          <a:bodyPr/>
-          <a:lstStyle/>
-          <a:p>
-            <a:endParaRPr lang="es-ES" dirty="0"/>
-          </a:p>
-        </p:txBody>
-      </p:sp>
-      <p:sp>
-        <p:nvSpPr>
-          <p:cNvPr id="4" name="Marcador de número de diapositiva 3">
-            <a:extLst>
-              <a:ext uri="{FF2B5EF4-FFF2-40B4-BE49-F238E27FC236}">
-                <a16:creationId xmlns:a16="http://schemas.microsoft.com/office/drawing/2014/main" id="{061FBE25-B251-38E9-FDEE-80F929DCD046}"/>
-              </a:ext>
-            </a:extLst>
-          </p:cNvPr>
-          <p:cNvSpPr>
-            <a:spLocks noGrp="1"/>
-          </p:cNvSpPr>
-          <p:nvPr>
-            <p:ph type="sldNum" sz="quarter" idx="5"/>
-          </p:nvPr>
-        </p:nvSpPr>
-        <p:spPr/>
-        <p:txBody>
-          <a:bodyPr/>
-          <a:lstStyle/>
-          <a:p>
-            <a:pPr rtl="0"/>
-            <a:fld id="{8530193B-564F-4854-8A52-728F3FB19C85}" type="slidenum">
-              <a:rPr lang="es-ES" noProof="0" smtClean="0"/>
-              <a:t>10</a:t>
-            </a:fld>
-            <a:endParaRPr lang="es-ES" noProof="0"/>
-          </a:p>
-        </p:txBody>
-      </p:sp>
-    </p:spTree>
-    <p:extLst>
-      <p:ext uri="{BB962C8B-B14F-4D97-AF65-F5344CB8AC3E}">
-        <p14:creationId xmlns:p14="http://schemas.microsoft.com/office/powerpoint/2010/main" val="3486366538"/>
       </p:ext>
     </p:extLst>
   </p:cSld>
@@ -9657,1705 +9459,6 @@
 <file path=ppt/slides/slide10.xml><?xml version="1.0" encoding="utf-8"?>
 <p:sld xmlns:a="http://schemas.openxmlformats.org/drawingml/2006/main" xmlns:r="http://schemas.openxmlformats.org/officeDocument/2006/relationships" xmlns:p="http://schemas.openxmlformats.org/presentationml/2006/main">
   <p:cSld>
-    <p:spTree>
-      <p:nvGrpSpPr>
-        <p:cNvPr id="1" name="">
-          <a:extLst>
-            <a:ext uri="{FF2B5EF4-FFF2-40B4-BE49-F238E27FC236}">
-              <a16:creationId xmlns:a16="http://schemas.microsoft.com/office/drawing/2014/main" id="{AE19A732-23A2-928F-1707-5BE147632C57}"/>
-            </a:ext>
-          </a:extLst>
-        </p:cNvPr>
-        <p:cNvGrpSpPr/>
-        <p:nvPr/>
-      </p:nvGrpSpPr>
-      <p:grpSpPr>
-        <a:xfrm>
-          <a:off x="0" y="0"/>
-          <a:ext cx="0" cy="0"/>
-          <a:chOff x="0" y="0"/>
-          <a:chExt cx="0" cy="0"/>
-        </a:xfrm>
-      </p:grpSpPr>
-      <p:sp>
-        <p:nvSpPr>
-          <p:cNvPr id="8" name="QuadreDeText 3">
-            <a:extLst>
-              <a:ext uri="{FF2B5EF4-FFF2-40B4-BE49-F238E27FC236}">
-                <a16:creationId xmlns:a16="http://schemas.microsoft.com/office/drawing/2014/main" id="{0993D80F-3972-6FB3-DF7A-E234A6A536B0}"/>
-              </a:ext>
-            </a:extLst>
-          </p:cNvPr>
-          <p:cNvSpPr txBox="1"/>
-          <p:nvPr/>
-        </p:nvSpPr>
-        <p:spPr>
-          <a:xfrm>
-            <a:off x="505958" y="250347"/>
-            <a:ext cx="11230211" cy="677108"/>
-          </a:xfrm>
-          <a:prstGeom prst="rect">
-            <a:avLst/>
-          </a:prstGeom>
-          <a:noFill/>
-        </p:spPr>
-        <p:txBody>
-          <a:bodyPr wrap="square">
-            <a:spAutoFit/>
-          </a:bodyPr>
-          <a:lstStyle/>
-          <a:p>
-            <a:r>
-              <a:rPr lang="es-ES" sz="2400" b="1" dirty="0">
-                <a:solidFill>
-                  <a:schemeClr val="accent3">
-                    <a:lumMod val="50000"/>
-                  </a:schemeClr>
-                </a:solidFill>
-                <a:effectLst/>
-                <a:latin typeface="+mj-lt"/>
-              </a:rPr>
-              <a:t>CUANTIFICACIÓN DE LA RELACIÓN ENTRE VARIABLES</a:t>
-            </a:r>
-          </a:p>
-          <a:p>
-            <a:r>
-              <a:rPr lang="es-ES" sz="1400" b="1" dirty="0" err="1"/>
-              <a:t>xxxx</a:t>
-            </a:r>
-            <a:endParaRPr lang="es-ES" sz="1400" b="1" dirty="0"/>
-          </a:p>
-        </p:txBody>
-      </p:sp>
-      <p:graphicFrame>
-        <p:nvGraphicFramePr>
-          <p:cNvPr id="7" name="Taula 6">
-            <a:extLst>
-              <a:ext uri="{FF2B5EF4-FFF2-40B4-BE49-F238E27FC236}">
-                <a16:creationId xmlns:a16="http://schemas.microsoft.com/office/drawing/2014/main" id="{6CC86CBB-F038-1700-F2FA-81797C03E4E3}"/>
-              </a:ext>
-            </a:extLst>
-          </p:cNvPr>
-          <p:cNvGraphicFramePr>
-            <a:graphicFrameLocks noGrp="1"/>
-          </p:cNvGraphicFramePr>
-          <p:nvPr>
-            <p:extLst>
-              <p:ext uri="{D42A27DB-BD31-4B8C-83A1-F6EECF244321}">
-                <p14:modId xmlns:p14="http://schemas.microsoft.com/office/powerpoint/2010/main" val="2662134172"/>
-              </p:ext>
-            </p:extLst>
-          </p:nvPr>
-        </p:nvGraphicFramePr>
-        <p:xfrm>
-          <a:off x="505958" y="1349187"/>
-          <a:ext cx="3420582" cy="2079814"/>
-        </p:xfrm>
-        <a:graphic>
-          <a:graphicData uri="http://schemas.openxmlformats.org/drawingml/2006/table">
-            <a:tbl>
-              <a:tblPr firstRow="1" bandRow="1">
-                <a:tableStyleId>{6E25E649-3F16-4E02-A733-19D2CDBF48F0}</a:tableStyleId>
-              </a:tblPr>
-              <a:tblGrid>
-                <a:gridCol w="1140194">
-                  <a:extLst>
-                    <a:ext uri="{9D8B030D-6E8A-4147-A177-3AD203B41FA5}">
-                      <a16:colId xmlns:a16="http://schemas.microsoft.com/office/drawing/2014/main" val="1184834251"/>
-                    </a:ext>
-                  </a:extLst>
-                </a:gridCol>
-                <a:gridCol w="1140194">
-                  <a:extLst>
-                    <a:ext uri="{9D8B030D-6E8A-4147-A177-3AD203B41FA5}">
-                      <a16:colId xmlns:a16="http://schemas.microsoft.com/office/drawing/2014/main" val="192274667"/>
-                    </a:ext>
-                  </a:extLst>
-                </a:gridCol>
-                <a:gridCol w="1140194">
-                  <a:extLst>
-                    <a:ext uri="{9D8B030D-6E8A-4147-A177-3AD203B41FA5}">
-                      <a16:colId xmlns:a16="http://schemas.microsoft.com/office/drawing/2014/main" val="3922078841"/>
-                    </a:ext>
-                  </a:extLst>
-                </a:gridCol>
-              </a:tblGrid>
-              <a:tr h="857254">
-                <a:tc>
-                  <a:txBody>
-                    <a:bodyPr/>
-                    <a:lstStyle/>
-                    <a:p>
-                      <a:pPr algn="ctr"/>
-                      <a:r>
-                        <a:rPr lang="ca-ES" sz="1000" dirty="0">
-                          <a:solidFill>
-                            <a:schemeClr val="tx1"/>
-                          </a:solidFill>
-                        </a:rPr>
-                        <a:t>SALDO MEDIO</a:t>
-                      </a:r>
-                    </a:p>
-                    <a:p>
-                      <a:pPr algn="ctr"/>
-                      <a:r>
-                        <a:rPr lang="ca-ES" sz="1000" dirty="0" err="1">
-                          <a:solidFill>
-                            <a:schemeClr val="tx1"/>
-                          </a:solidFill>
-                        </a:rPr>
-                        <a:t>Vs</a:t>
-                      </a:r>
-                      <a:endParaRPr lang="ca-ES" sz="1000" dirty="0">
-                        <a:solidFill>
-                          <a:schemeClr val="tx1"/>
-                        </a:solidFill>
-                      </a:endParaRPr>
-                    </a:p>
-                    <a:p>
-                      <a:pPr algn="ctr"/>
-                      <a:r>
-                        <a:rPr lang="ca-ES" sz="1000" dirty="0">
-                          <a:solidFill>
-                            <a:schemeClr val="tx1"/>
-                          </a:solidFill>
-                        </a:rPr>
-                        <a:t>PRESTAMO E HIPOTECA</a:t>
-                      </a:r>
-                    </a:p>
-                  </a:txBody>
-                  <a:tcPr>
-                    <a:lnL w="12700" cap="flat" cmpd="sng" algn="ctr">
-                      <a:solidFill>
-                        <a:schemeClr val="tx1"/>
-                      </a:solidFill>
-                      <a:prstDash val="solid"/>
-                      <a:round/>
-                      <a:headEnd type="none" w="med" len="med"/>
-                      <a:tailEnd type="none" w="med" len="med"/>
-                    </a:lnL>
-                    <a:lnR w="12700" cap="flat" cmpd="sng" algn="ctr">
-                      <a:solidFill>
-                        <a:schemeClr val="tx1"/>
-                      </a:solidFill>
-                      <a:prstDash val="solid"/>
-                      <a:round/>
-                      <a:headEnd type="none" w="med" len="med"/>
-                      <a:tailEnd type="none" w="med" len="med"/>
-                    </a:lnR>
-                    <a:lnT w="12700" cap="flat" cmpd="sng" algn="ctr">
-                      <a:solidFill>
-                        <a:schemeClr val="tx1"/>
-                      </a:solidFill>
-                      <a:prstDash val="solid"/>
-                      <a:round/>
-                      <a:headEnd type="none" w="med" len="med"/>
-                      <a:tailEnd type="none" w="med" len="med"/>
-                    </a:lnT>
-                    <a:lnB w="12700" cap="flat" cmpd="sng" algn="ctr">
-                      <a:solidFill>
-                        <a:schemeClr val="tx1"/>
-                      </a:solidFill>
-                      <a:prstDash val="solid"/>
-                      <a:round/>
-                      <a:headEnd type="none" w="med" len="med"/>
-                      <a:tailEnd type="none" w="med" len="med"/>
-                    </a:lnB>
-                    <a:lnTlToBr w="12700" cmpd="sng">
-                      <a:noFill/>
-                      <a:prstDash val="solid"/>
-                    </a:lnTlToBr>
-                    <a:lnBlToTr w="12700" cmpd="sng">
-                      <a:noFill/>
-                      <a:prstDash val="solid"/>
-                    </a:lnBlToTr>
-                    <a:solidFill>
-                      <a:schemeClr val="bg1"/>
-                    </a:solidFill>
-                  </a:tcPr>
-                </a:tc>
-                <a:tc>
-                  <a:txBody>
-                    <a:bodyPr/>
-                    <a:lstStyle/>
-                    <a:p>
-                      <a:pPr algn="ctr"/>
-                      <a:r>
-                        <a:rPr lang="ca-ES" sz="1000" dirty="0"/>
-                        <a:t>CON PRESTAMO</a:t>
-                      </a:r>
-                    </a:p>
-                  </a:txBody>
-                  <a:tcPr anchor="ctr">
-                    <a:lnL w="12700" cap="flat" cmpd="sng" algn="ctr">
-                      <a:solidFill>
-                        <a:schemeClr val="tx1"/>
-                      </a:solidFill>
-                      <a:prstDash val="solid"/>
-                      <a:round/>
-                      <a:headEnd type="none" w="med" len="med"/>
-                      <a:tailEnd type="none" w="med" len="med"/>
-                    </a:lnL>
-                    <a:lnR w="12700" cap="flat" cmpd="sng" algn="ctr">
-                      <a:solidFill>
-                        <a:schemeClr val="tx1"/>
-                      </a:solidFill>
-                      <a:prstDash val="solid"/>
-                      <a:round/>
-                      <a:headEnd type="none" w="med" len="med"/>
-                      <a:tailEnd type="none" w="med" len="med"/>
-                    </a:lnR>
-                    <a:lnT w="12700" cap="flat" cmpd="sng" algn="ctr">
-                      <a:solidFill>
-                        <a:schemeClr val="tx1"/>
-                      </a:solidFill>
-                      <a:prstDash val="solid"/>
-                      <a:round/>
-                      <a:headEnd type="none" w="med" len="med"/>
-                      <a:tailEnd type="none" w="med" len="med"/>
-                    </a:lnT>
-                    <a:lnB w="12700" cap="flat" cmpd="sng" algn="ctr">
-                      <a:solidFill>
-                        <a:schemeClr val="tx1"/>
-                      </a:solidFill>
-                      <a:prstDash val="solid"/>
-                      <a:round/>
-                      <a:headEnd type="none" w="med" len="med"/>
-                      <a:tailEnd type="none" w="med" len="med"/>
-                    </a:lnB>
-                    <a:lnTlToBr w="12700" cmpd="sng">
-                      <a:noFill/>
-                      <a:prstDash val="solid"/>
-                    </a:lnTlToBr>
-                    <a:lnBlToTr w="12700" cmpd="sng">
-                      <a:noFill/>
-                      <a:prstDash val="solid"/>
-                    </a:lnBlToTr>
-                  </a:tcPr>
-                </a:tc>
-                <a:tc>
-                  <a:txBody>
-                    <a:bodyPr/>
-                    <a:lstStyle/>
-                    <a:p>
-                      <a:pPr algn="ctr"/>
-                      <a:r>
-                        <a:rPr lang="ca-ES" sz="1000" dirty="0"/>
-                        <a:t>SIN PRESTAMO</a:t>
-                      </a:r>
-                    </a:p>
-                  </a:txBody>
-                  <a:tcPr anchor="ctr">
-                    <a:lnL w="12700" cap="flat" cmpd="sng" algn="ctr">
-                      <a:solidFill>
-                        <a:schemeClr val="tx1"/>
-                      </a:solidFill>
-                      <a:prstDash val="solid"/>
-                      <a:round/>
-                      <a:headEnd type="none" w="med" len="med"/>
-                      <a:tailEnd type="none" w="med" len="med"/>
-                    </a:lnL>
-                    <a:lnR w="12700" cap="flat" cmpd="sng" algn="ctr">
-                      <a:solidFill>
-                        <a:schemeClr val="tx1"/>
-                      </a:solidFill>
-                      <a:prstDash val="solid"/>
-                      <a:round/>
-                      <a:headEnd type="none" w="med" len="med"/>
-                      <a:tailEnd type="none" w="med" len="med"/>
-                    </a:lnR>
-                    <a:lnT w="12700" cap="flat" cmpd="sng" algn="ctr">
-                      <a:solidFill>
-                        <a:schemeClr val="tx1"/>
-                      </a:solidFill>
-                      <a:prstDash val="solid"/>
-                      <a:round/>
-                      <a:headEnd type="none" w="med" len="med"/>
-                      <a:tailEnd type="none" w="med" len="med"/>
-                    </a:lnT>
-                    <a:lnB w="12700" cap="flat" cmpd="sng" algn="ctr">
-                      <a:solidFill>
-                        <a:schemeClr val="tx1"/>
-                      </a:solidFill>
-                      <a:prstDash val="solid"/>
-                      <a:round/>
-                      <a:headEnd type="none" w="med" len="med"/>
-                      <a:tailEnd type="none" w="med" len="med"/>
-                    </a:lnB>
-                    <a:lnTlToBr w="12700" cmpd="sng">
-                      <a:noFill/>
-                      <a:prstDash val="solid"/>
-                    </a:lnTlToBr>
-                    <a:lnBlToTr w="12700" cmpd="sng">
-                      <a:noFill/>
-                      <a:prstDash val="solid"/>
-                    </a:lnBlToTr>
-                  </a:tcPr>
-                </a:tc>
-                <a:extLst>
-                  <a:ext uri="{0D108BD9-81ED-4DB2-BD59-A6C34878D82A}">
-                    <a16:rowId xmlns:a16="http://schemas.microsoft.com/office/drawing/2014/main" val="343259582"/>
-                  </a:ext>
-                </a:extLst>
-              </a:tr>
-              <a:tr h="611280">
-                <a:tc>
-                  <a:txBody>
-                    <a:bodyPr/>
-                    <a:lstStyle/>
-                    <a:p>
-                      <a:pPr marL="0" algn="ctr" defTabSz="914400" rtl="0" eaLnBrk="1" latinLnBrk="0" hangingPunct="1"/>
-                      <a:r>
-                        <a:rPr lang="ca-ES" sz="1000" b="1" kern="1200" dirty="0">
-                          <a:solidFill>
-                            <a:schemeClr val="lt1"/>
-                          </a:solidFill>
-                          <a:latin typeface="+mn-lt"/>
-                          <a:ea typeface="+mn-ea"/>
-                          <a:cs typeface="+mn-cs"/>
-                        </a:rPr>
-                        <a:t>CON HIPOTECA</a:t>
-                      </a:r>
-                    </a:p>
-                  </a:txBody>
-                  <a:tcPr anchor="ctr">
-                    <a:lnL w="12700" cap="flat" cmpd="sng" algn="ctr">
-                      <a:solidFill>
-                        <a:schemeClr val="tx1"/>
-                      </a:solidFill>
-                      <a:prstDash val="solid"/>
-                      <a:round/>
-                      <a:headEnd type="none" w="med" len="med"/>
-                      <a:tailEnd type="none" w="med" len="med"/>
-                    </a:lnL>
-                    <a:lnR w="12700" cap="flat" cmpd="sng" algn="ctr">
-                      <a:solidFill>
-                        <a:schemeClr val="tx1"/>
-                      </a:solidFill>
-                      <a:prstDash val="solid"/>
-                      <a:round/>
-                      <a:headEnd type="none" w="med" len="med"/>
-                      <a:tailEnd type="none" w="med" len="med"/>
-                    </a:lnR>
-                    <a:lnT w="12700" cap="flat" cmpd="sng" algn="ctr">
-                      <a:solidFill>
-                        <a:schemeClr val="tx1"/>
-                      </a:solidFill>
-                      <a:prstDash val="solid"/>
-                      <a:round/>
-                      <a:headEnd type="none" w="med" len="med"/>
-                      <a:tailEnd type="none" w="med" len="med"/>
-                    </a:lnT>
-                    <a:lnB w="12700" cap="flat" cmpd="sng" algn="ctr">
-                      <a:solidFill>
-                        <a:schemeClr val="tx1"/>
-                      </a:solidFill>
-                      <a:prstDash val="solid"/>
-                      <a:round/>
-                      <a:headEnd type="none" w="med" len="med"/>
-                      <a:tailEnd type="none" w="med" len="med"/>
-                    </a:lnB>
-                    <a:lnTlToBr w="12700" cmpd="sng">
-                      <a:noFill/>
-                      <a:prstDash val="solid"/>
-                    </a:lnTlToBr>
-                    <a:lnBlToTr w="12700" cmpd="sng">
-                      <a:noFill/>
-                      <a:prstDash val="solid"/>
-                    </a:lnBlToTr>
-                    <a:solidFill>
-                      <a:schemeClr val="accent1"/>
-                    </a:solidFill>
-                  </a:tcPr>
-                </a:tc>
-                <a:tc>
-                  <a:txBody>
-                    <a:bodyPr/>
-                    <a:lstStyle/>
-                    <a:p>
-                      <a:pPr algn="ctr"/>
-                      <a:r>
-                        <a:rPr lang="ca-ES" sz="1400" b="1" dirty="0">
-                          <a:solidFill>
-                            <a:schemeClr val="tx1"/>
-                          </a:solidFill>
-                        </a:rPr>
-                        <a:t>113,25</a:t>
-                      </a:r>
-                    </a:p>
-                  </a:txBody>
-                  <a:tcPr anchor="ctr">
-                    <a:lnL w="12700" cap="flat" cmpd="sng" algn="ctr">
-                      <a:solidFill>
-                        <a:schemeClr val="tx1"/>
-                      </a:solidFill>
-                      <a:prstDash val="solid"/>
-                      <a:round/>
-                      <a:headEnd type="none" w="med" len="med"/>
-                      <a:tailEnd type="none" w="med" len="med"/>
-                    </a:lnL>
-                    <a:lnR w="12700" cap="flat" cmpd="sng" algn="ctr">
-                      <a:solidFill>
-                        <a:schemeClr val="tx1"/>
-                      </a:solidFill>
-                      <a:prstDash val="solid"/>
-                      <a:round/>
-                      <a:headEnd type="none" w="med" len="med"/>
-                      <a:tailEnd type="none" w="med" len="med"/>
-                    </a:lnR>
-                    <a:lnT w="12700" cap="flat" cmpd="sng" algn="ctr">
-                      <a:solidFill>
-                        <a:schemeClr val="tx1"/>
-                      </a:solidFill>
-                      <a:prstDash val="solid"/>
-                      <a:round/>
-                      <a:headEnd type="none" w="med" len="med"/>
-                      <a:tailEnd type="none" w="med" len="med"/>
-                    </a:lnT>
-                    <a:lnB w="12700" cap="flat" cmpd="sng" algn="ctr">
-                      <a:solidFill>
-                        <a:schemeClr val="tx1"/>
-                      </a:solidFill>
-                      <a:prstDash val="solid"/>
-                      <a:round/>
-                      <a:headEnd type="none" w="med" len="med"/>
-                      <a:tailEnd type="none" w="med" len="med"/>
-                    </a:lnB>
-                    <a:lnTlToBr w="12700" cmpd="sng">
-                      <a:noFill/>
-                      <a:prstDash val="solid"/>
-                    </a:lnTlToBr>
-                    <a:lnBlToTr w="12700" cmpd="sng">
-                      <a:noFill/>
-                      <a:prstDash val="solid"/>
-                    </a:lnBlToTr>
-                    <a:solidFill>
-                      <a:schemeClr val="bg1"/>
-                    </a:solidFill>
-                  </a:tcPr>
-                </a:tc>
-                <a:tc>
-                  <a:txBody>
-                    <a:bodyPr/>
-                    <a:lstStyle/>
-                    <a:p>
-                      <a:pPr algn="ctr"/>
-                      <a:r>
-                        <a:rPr lang="ca-ES" sz="1400" b="1" dirty="0">
-                          <a:solidFill>
-                            <a:schemeClr val="tx1"/>
-                          </a:solidFill>
-                        </a:rPr>
-                        <a:t>5555,25</a:t>
-                      </a:r>
-                    </a:p>
-                  </a:txBody>
-                  <a:tcPr anchor="ctr">
-                    <a:lnL w="12700" cap="flat" cmpd="sng" algn="ctr">
-                      <a:solidFill>
-                        <a:schemeClr val="tx1"/>
-                      </a:solidFill>
-                      <a:prstDash val="solid"/>
-                      <a:round/>
-                      <a:headEnd type="none" w="med" len="med"/>
-                      <a:tailEnd type="none" w="med" len="med"/>
-                    </a:lnL>
-                    <a:lnR w="12700" cap="flat" cmpd="sng" algn="ctr">
-                      <a:solidFill>
-                        <a:schemeClr val="tx1"/>
-                      </a:solidFill>
-                      <a:prstDash val="solid"/>
-                      <a:round/>
-                      <a:headEnd type="none" w="med" len="med"/>
-                      <a:tailEnd type="none" w="med" len="med"/>
-                    </a:lnR>
-                    <a:lnT w="12700" cap="flat" cmpd="sng" algn="ctr">
-                      <a:solidFill>
-                        <a:schemeClr val="tx1"/>
-                      </a:solidFill>
-                      <a:prstDash val="solid"/>
-                      <a:round/>
-                      <a:headEnd type="none" w="med" len="med"/>
-                      <a:tailEnd type="none" w="med" len="med"/>
-                    </a:lnT>
-                    <a:lnB w="12700" cap="flat" cmpd="sng" algn="ctr">
-                      <a:solidFill>
-                        <a:schemeClr val="tx1"/>
-                      </a:solidFill>
-                      <a:prstDash val="solid"/>
-                      <a:round/>
-                      <a:headEnd type="none" w="med" len="med"/>
-                      <a:tailEnd type="none" w="med" len="med"/>
-                    </a:lnB>
-                    <a:lnTlToBr w="12700" cmpd="sng">
-                      <a:noFill/>
-                      <a:prstDash val="solid"/>
-                    </a:lnTlToBr>
-                    <a:lnBlToTr w="12700" cmpd="sng">
-                      <a:noFill/>
-                      <a:prstDash val="solid"/>
-                    </a:lnBlToTr>
-                    <a:solidFill>
-                      <a:schemeClr val="bg1"/>
-                    </a:solidFill>
-                  </a:tcPr>
-                </a:tc>
-                <a:extLst>
-                  <a:ext uri="{0D108BD9-81ED-4DB2-BD59-A6C34878D82A}">
-                    <a16:rowId xmlns:a16="http://schemas.microsoft.com/office/drawing/2014/main" val="1134799246"/>
-                  </a:ext>
-                </a:extLst>
-              </a:tr>
-              <a:tr h="611280">
-                <a:tc>
-                  <a:txBody>
-                    <a:bodyPr/>
-                    <a:lstStyle/>
-                    <a:p>
-                      <a:pPr marL="0" algn="ctr" defTabSz="914400" rtl="0" eaLnBrk="1" latinLnBrk="0" hangingPunct="1"/>
-                      <a:r>
-                        <a:rPr lang="ca-ES" sz="1000" b="1" kern="1200" dirty="0">
-                          <a:solidFill>
-                            <a:schemeClr val="lt1"/>
-                          </a:solidFill>
-                          <a:latin typeface="+mn-lt"/>
-                          <a:ea typeface="+mn-ea"/>
-                          <a:cs typeface="+mn-cs"/>
-                        </a:rPr>
-                        <a:t>SIN HIPOTECA</a:t>
-                      </a:r>
-                    </a:p>
-                  </a:txBody>
-                  <a:tcPr anchor="ctr">
-                    <a:lnL w="12700" cap="flat" cmpd="sng" algn="ctr">
-                      <a:solidFill>
-                        <a:schemeClr val="tx1"/>
-                      </a:solidFill>
-                      <a:prstDash val="solid"/>
-                      <a:round/>
-                      <a:headEnd type="none" w="med" len="med"/>
-                      <a:tailEnd type="none" w="med" len="med"/>
-                    </a:lnL>
-                    <a:lnR w="12700" cap="flat" cmpd="sng" algn="ctr">
-                      <a:solidFill>
-                        <a:schemeClr val="tx1"/>
-                      </a:solidFill>
-                      <a:prstDash val="solid"/>
-                      <a:round/>
-                      <a:headEnd type="none" w="med" len="med"/>
-                      <a:tailEnd type="none" w="med" len="med"/>
-                    </a:lnR>
-                    <a:lnT w="12700" cap="flat" cmpd="sng" algn="ctr">
-                      <a:solidFill>
-                        <a:schemeClr val="tx1"/>
-                      </a:solidFill>
-                      <a:prstDash val="solid"/>
-                      <a:round/>
-                      <a:headEnd type="none" w="med" len="med"/>
-                      <a:tailEnd type="none" w="med" len="med"/>
-                    </a:lnT>
-                    <a:lnB w="12700" cap="flat" cmpd="sng" algn="ctr">
-                      <a:solidFill>
-                        <a:schemeClr val="tx1"/>
-                      </a:solidFill>
-                      <a:prstDash val="solid"/>
-                      <a:round/>
-                      <a:headEnd type="none" w="med" len="med"/>
-                      <a:tailEnd type="none" w="med" len="med"/>
-                    </a:lnB>
-                    <a:lnTlToBr w="12700" cmpd="sng">
-                      <a:noFill/>
-                      <a:prstDash val="solid"/>
-                    </a:lnTlToBr>
-                    <a:lnBlToTr w="12700" cmpd="sng">
-                      <a:noFill/>
-                      <a:prstDash val="solid"/>
-                    </a:lnBlToTr>
-                    <a:solidFill>
-                      <a:schemeClr val="accent1"/>
-                    </a:solidFill>
-                  </a:tcPr>
-                </a:tc>
-                <a:tc>
-                  <a:txBody>
-                    <a:bodyPr/>
-                    <a:lstStyle/>
-                    <a:p>
-                      <a:pPr algn="ctr"/>
-                      <a:r>
-                        <a:rPr lang="ca-ES" sz="1400" b="1" dirty="0">
-                          <a:solidFill>
-                            <a:schemeClr val="tx1"/>
-                          </a:solidFill>
-                        </a:rPr>
-                        <a:t>223,55</a:t>
-                      </a:r>
-                    </a:p>
-                  </a:txBody>
-                  <a:tcPr anchor="ctr">
-                    <a:lnL w="12700" cap="flat" cmpd="sng" algn="ctr">
-                      <a:solidFill>
-                        <a:schemeClr val="tx1"/>
-                      </a:solidFill>
-                      <a:prstDash val="solid"/>
-                      <a:round/>
-                      <a:headEnd type="none" w="med" len="med"/>
-                      <a:tailEnd type="none" w="med" len="med"/>
-                    </a:lnL>
-                    <a:lnR w="12700" cap="flat" cmpd="sng" algn="ctr">
-                      <a:solidFill>
-                        <a:schemeClr val="tx1"/>
-                      </a:solidFill>
-                      <a:prstDash val="solid"/>
-                      <a:round/>
-                      <a:headEnd type="none" w="med" len="med"/>
-                      <a:tailEnd type="none" w="med" len="med"/>
-                    </a:lnR>
-                    <a:lnT w="12700" cap="flat" cmpd="sng" algn="ctr">
-                      <a:solidFill>
-                        <a:schemeClr val="tx1"/>
-                      </a:solidFill>
-                      <a:prstDash val="solid"/>
-                      <a:round/>
-                      <a:headEnd type="none" w="med" len="med"/>
-                      <a:tailEnd type="none" w="med" len="med"/>
-                    </a:lnT>
-                    <a:lnB w="12700" cap="flat" cmpd="sng" algn="ctr">
-                      <a:solidFill>
-                        <a:schemeClr val="tx1"/>
-                      </a:solidFill>
-                      <a:prstDash val="solid"/>
-                      <a:round/>
-                      <a:headEnd type="none" w="med" len="med"/>
-                      <a:tailEnd type="none" w="med" len="med"/>
-                    </a:lnB>
-                    <a:lnTlToBr w="12700" cmpd="sng">
-                      <a:noFill/>
-                      <a:prstDash val="solid"/>
-                    </a:lnTlToBr>
-                    <a:lnBlToTr w="12700" cmpd="sng">
-                      <a:noFill/>
-                      <a:prstDash val="solid"/>
-                    </a:lnBlToTr>
-                    <a:solidFill>
-                      <a:schemeClr val="bg1"/>
-                    </a:solidFill>
-                  </a:tcPr>
-                </a:tc>
-                <a:tc>
-                  <a:txBody>
-                    <a:bodyPr/>
-                    <a:lstStyle/>
-                    <a:p>
-                      <a:pPr algn="ctr"/>
-                      <a:r>
-                        <a:rPr lang="ca-ES" sz="1400" b="1" dirty="0">
-                          <a:solidFill>
-                            <a:schemeClr val="tx1"/>
-                          </a:solidFill>
-                        </a:rPr>
-                        <a:t>13000,26</a:t>
-                      </a:r>
-                    </a:p>
-                  </a:txBody>
-                  <a:tcPr anchor="ctr">
-                    <a:lnL w="12700" cap="flat" cmpd="sng" algn="ctr">
-                      <a:solidFill>
-                        <a:schemeClr val="tx1"/>
-                      </a:solidFill>
-                      <a:prstDash val="solid"/>
-                      <a:round/>
-                      <a:headEnd type="none" w="med" len="med"/>
-                      <a:tailEnd type="none" w="med" len="med"/>
-                    </a:lnL>
-                    <a:lnR w="12700" cap="flat" cmpd="sng" algn="ctr">
-                      <a:solidFill>
-                        <a:schemeClr val="tx1"/>
-                      </a:solidFill>
-                      <a:prstDash val="solid"/>
-                      <a:round/>
-                      <a:headEnd type="none" w="med" len="med"/>
-                      <a:tailEnd type="none" w="med" len="med"/>
-                    </a:lnR>
-                    <a:lnT w="12700" cap="flat" cmpd="sng" algn="ctr">
-                      <a:solidFill>
-                        <a:schemeClr val="tx1"/>
-                      </a:solidFill>
-                      <a:prstDash val="solid"/>
-                      <a:round/>
-                      <a:headEnd type="none" w="med" len="med"/>
-                      <a:tailEnd type="none" w="med" len="med"/>
-                    </a:lnT>
-                    <a:lnB w="12700" cap="flat" cmpd="sng" algn="ctr">
-                      <a:solidFill>
-                        <a:schemeClr val="tx1"/>
-                      </a:solidFill>
-                      <a:prstDash val="solid"/>
-                      <a:round/>
-                      <a:headEnd type="none" w="med" len="med"/>
-                      <a:tailEnd type="none" w="med" len="med"/>
-                    </a:lnB>
-                    <a:lnTlToBr w="12700" cmpd="sng">
-                      <a:noFill/>
-                      <a:prstDash val="solid"/>
-                    </a:lnTlToBr>
-                    <a:lnBlToTr w="12700" cmpd="sng">
-                      <a:noFill/>
-                      <a:prstDash val="solid"/>
-                    </a:lnBlToTr>
-                    <a:solidFill>
-                      <a:schemeClr val="bg1"/>
-                    </a:solidFill>
-                  </a:tcPr>
-                </a:tc>
-                <a:extLst>
-                  <a:ext uri="{0D108BD9-81ED-4DB2-BD59-A6C34878D82A}">
-                    <a16:rowId xmlns:a16="http://schemas.microsoft.com/office/drawing/2014/main" val="578657590"/>
-                  </a:ext>
-                </a:extLst>
-              </a:tr>
-            </a:tbl>
-          </a:graphicData>
-        </a:graphic>
-      </p:graphicFrame>
-      <p:graphicFrame>
-        <p:nvGraphicFramePr>
-          <p:cNvPr id="9" name="Taula 8">
-            <a:extLst>
-              <a:ext uri="{FF2B5EF4-FFF2-40B4-BE49-F238E27FC236}">
-                <a16:creationId xmlns:a16="http://schemas.microsoft.com/office/drawing/2014/main" id="{532A9336-A071-DC83-5B2A-2DC9E0C1BE49}"/>
-              </a:ext>
-            </a:extLst>
-          </p:cNvPr>
-          <p:cNvGraphicFramePr>
-            <a:graphicFrameLocks noGrp="1"/>
-          </p:cNvGraphicFramePr>
-          <p:nvPr>
-            <p:extLst>
-              <p:ext uri="{D42A27DB-BD31-4B8C-83A1-F6EECF244321}">
-                <p14:modId xmlns:p14="http://schemas.microsoft.com/office/powerpoint/2010/main" val="3983675821"/>
-              </p:ext>
-            </p:extLst>
-          </p:nvPr>
-        </p:nvGraphicFramePr>
-        <p:xfrm>
-          <a:off x="505959" y="3975846"/>
-          <a:ext cx="3420582" cy="2048436"/>
-        </p:xfrm>
-        <a:graphic>
-          <a:graphicData uri="http://schemas.openxmlformats.org/drawingml/2006/table">
-            <a:tbl>
-              <a:tblPr firstRow="1" bandRow="1">
-                <a:tableStyleId>{6E25E649-3F16-4E02-A733-19D2CDBF48F0}</a:tableStyleId>
-              </a:tblPr>
-              <a:tblGrid>
-                <a:gridCol w="1140194">
-                  <a:extLst>
-                    <a:ext uri="{9D8B030D-6E8A-4147-A177-3AD203B41FA5}">
-                      <a16:colId xmlns:a16="http://schemas.microsoft.com/office/drawing/2014/main" val="1184834251"/>
-                    </a:ext>
-                  </a:extLst>
-                </a:gridCol>
-                <a:gridCol w="1140194">
-                  <a:extLst>
-                    <a:ext uri="{9D8B030D-6E8A-4147-A177-3AD203B41FA5}">
-                      <a16:colId xmlns:a16="http://schemas.microsoft.com/office/drawing/2014/main" val="192274667"/>
-                    </a:ext>
-                  </a:extLst>
-                </a:gridCol>
-                <a:gridCol w="1140194">
-                  <a:extLst>
-                    <a:ext uri="{9D8B030D-6E8A-4147-A177-3AD203B41FA5}">
-                      <a16:colId xmlns:a16="http://schemas.microsoft.com/office/drawing/2014/main" val="3922078841"/>
-                    </a:ext>
-                  </a:extLst>
-                </a:gridCol>
-              </a:tblGrid>
-              <a:tr h="1012110">
-                <a:tc>
-                  <a:txBody>
-                    <a:bodyPr/>
-                    <a:lstStyle/>
-                    <a:p>
-                      <a:pPr algn="ctr"/>
-                      <a:r>
-                        <a:rPr lang="ca-ES" sz="1000" dirty="0">
-                          <a:solidFill>
-                            <a:schemeClr val="tx1"/>
-                          </a:solidFill>
-                        </a:rPr>
-                        <a:t>% INCUMPLIMIENTO</a:t>
-                      </a:r>
-                    </a:p>
-                    <a:p>
-                      <a:pPr algn="ctr"/>
-                      <a:r>
-                        <a:rPr lang="ca-ES" sz="1000" dirty="0" err="1">
-                          <a:solidFill>
-                            <a:schemeClr val="tx1"/>
-                          </a:solidFill>
-                        </a:rPr>
-                        <a:t>Vs</a:t>
-                      </a:r>
-                      <a:endParaRPr lang="ca-ES" sz="1000" dirty="0">
-                        <a:solidFill>
-                          <a:schemeClr val="tx1"/>
-                        </a:solidFill>
-                      </a:endParaRPr>
-                    </a:p>
-                    <a:p>
-                      <a:pPr algn="ctr"/>
-                      <a:r>
-                        <a:rPr lang="ca-ES" sz="1000" dirty="0">
-                          <a:solidFill>
-                            <a:schemeClr val="tx1"/>
-                          </a:solidFill>
-                        </a:rPr>
-                        <a:t>PRESTAMO E HIPOTECA</a:t>
-                      </a:r>
-                    </a:p>
-                  </a:txBody>
-                  <a:tcPr>
-                    <a:lnL w="12700" cap="flat" cmpd="sng" algn="ctr">
-                      <a:solidFill>
-                        <a:schemeClr val="tx1"/>
-                      </a:solidFill>
-                      <a:prstDash val="solid"/>
-                      <a:round/>
-                      <a:headEnd type="none" w="med" len="med"/>
-                      <a:tailEnd type="none" w="med" len="med"/>
-                    </a:lnL>
-                    <a:lnR w="12700" cap="flat" cmpd="sng" algn="ctr">
-                      <a:solidFill>
-                        <a:schemeClr val="tx1"/>
-                      </a:solidFill>
-                      <a:prstDash val="solid"/>
-                      <a:round/>
-                      <a:headEnd type="none" w="med" len="med"/>
-                      <a:tailEnd type="none" w="med" len="med"/>
-                    </a:lnR>
-                    <a:lnT w="12700" cap="flat" cmpd="sng" algn="ctr">
-                      <a:solidFill>
-                        <a:schemeClr val="tx1"/>
-                      </a:solidFill>
-                      <a:prstDash val="solid"/>
-                      <a:round/>
-                      <a:headEnd type="none" w="med" len="med"/>
-                      <a:tailEnd type="none" w="med" len="med"/>
-                    </a:lnT>
-                    <a:lnB w="12700" cap="flat" cmpd="sng" algn="ctr">
-                      <a:solidFill>
-                        <a:schemeClr val="tx1"/>
-                      </a:solidFill>
-                      <a:prstDash val="solid"/>
-                      <a:round/>
-                      <a:headEnd type="none" w="med" len="med"/>
-                      <a:tailEnd type="none" w="med" len="med"/>
-                    </a:lnB>
-                    <a:lnTlToBr w="12700" cmpd="sng">
-                      <a:noFill/>
-                      <a:prstDash val="solid"/>
-                    </a:lnTlToBr>
-                    <a:lnBlToTr w="12700" cmpd="sng">
-                      <a:noFill/>
-                      <a:prstDash val="solid"/>
-                    </a:lnBlToTr>
-                    <a:solidFill>
-                      <a:schemeClr val="bg1"/>
-                    </a:solidFill>
-                  </a:tcPr>
-                </a:tc>
-                <a:tc>
-                  <a:txBody>
-                    <a:bodyPr/>
-                    <a:lstStyle/>
-                    <a:p>
-                      <a:pPr algn="ctr"/>
-                      <a:r>
-                        <a:rPr lang="ca-ES" sz="1000" dirty="0"/>
-                        <a:t>CON PRESTAMO</a:t>
-                      </a:r>
-                    </a:p>
-                  </a:txBody>
-                  <a:tcPr anchor="ctr">
-                    <a:lnL w="12700" cap="flat" cmpd="sng" algn="ctr">
-                      <a:solidFill>
-                        <a:schemeClr val="tx1"/>
-                      </a:solidFill>
-                      <a:prstDash val="solid"/>
-                      <a:round/>
-                      <a:headEnd type="none" w="med" len="med"/>
-                      <a:tailEnd type="none" w="med" len="med"/>
-                    </a:lnL>
-                    <a:lnR w="12700" cap="flat" cmpd="sng" algn="ctr">
-                      <a:solidFill>
-                        <a:schemeClr val="tx1"/>
-                      </a:solidFill>
-                      <a:prstDash val="solid"/>
-                      <a:round/>
-                      <a:headEnd type="none" w="med" len="med"/>
-                      <a:tailEnd type="none" w="med" len="med"/>
-                    </a:lnR>
-                    <a:lnT w="12700" cap="flat" cmpd="sng" algn="ctr">
-                      <a:solidFill>
-                        <a:schemeClr val="tx1"/>
-                      </a:solidFill>
-                      <a:prstDash val="solid"/>
-                      <a:round/>
-                      <a:headEnd type="none" w="med" len="med"/>
-                      <a:tailEnd type="none" w="med" len="med"/>
-                    </a:lnT>
-                    <a:lnB w="12700" cap="flat" cmpd="sng" algn="ctr">
-                      <a:solidFill>
-                        <a:schemeClr val="tx1"/>
-                      </a:solidFill>
-                      <a:prstDash val="solid"/>
-                      <a:round/>
-                      <a:headEnd type="none" w="med" len="med"/>
-                      <a:tailEnd type="none" w="med" len="med"/>
-                    </a:lnB>
-                    <a:lnTlToBr w="12700" cmpd="sng">
-                      <a:noFill/>
-                      <a:prstDash val="solid"/>
-                    </a:lnTlToBr>
-                    <a:lnBlToTr w="12700" cmpd="sng">
-                      <a:noFill/>
-                      <a:prstDash val="solid"/>
-                    </a:lnBlToTr>
-                  </a:tcPr>
-                </a:tc>
-                <a:tc>
-                  <a:txBody>
-                    <a:bodyPr/>
-                    <a:lstStyle/>
-                    <a:p>
-                      <a:pPr algn="ctr"/>
-                      <a:r>
-                        <a:rPr lang="ca-ES" sz="1000" dirty="0"/>
-                        <a:t>SIN PRESTAMO</a:t>
-                      </a:r>
-                    </a:p>
-                  </a:txBody>
-                  <a:tcPr anchor="ctr">
-                    <a:lnL w="12700" cap="flat" cmpd="sng" algn="ctr">
-                      <a:solidFill>
-                        <a:schemeClr val="tx1"/>
-                      </a:solidFill>
-                      <a:prstDash val="solid"/>
-                      <a:round/>
-                      <a:headEnd type="none" w="med" len="med"/>
-                      <a:tailEnd type="none" w="med" len="med"/>
-                    </a:lnL>
-                    <a:lnR w="12700" cap="flat" cmpd="sng" algn="ctr">
-                      <a:solidFill>
-                        <a:schemeClr val="tx1"/>
-                      </a:solidFill>
-                      <a:prstDash val="solid"/>
-                      <a:round/>
-                      <a:headEnd type="none" w="med" len="med"/>
-                      <a:tailEnd type="none" w="med" len="med"/>
-                    </a:lnR>
-                    <a:lnT w="12700" cap="flat" cmpd="sng" algn="ctr">
-                      <a:solidFill>
-                        <a:schemeClr val="tx1"/>
-                      </a:solidFill>
-                      <a:prstDash val="solid"/>
-                      <a:round/>
-                      <a:headEnd type="none" w="med" len="med"/>
-                      <a:tailEnd type="none" w="med" len="med"/>
-                    </a:lnT>
-                    <a:lnB w="12700" cap="flat" cmpd="sng" algn="ctr">
-                      <a:solidFill>
-                        <a:schemeClr val="tx1"/>
-                      </a:solidFill>
-                      <a:prstDash val="solid"/>
-                      <a:round/>
-                      <a:headEnd type="none" w="med" len="med"/>
-                      <a:tailEnd type="none" w="med" len="med"/>
-                    </a:lnB>
-                    <a:lnTlToBr w="12700" cmpd="sng">
-                      <a:noFill/>
-                      <a:prstDash val="solid"/>
-                    </a:lnTlToBr>
-                    <a:lnBlToTr w="12700" cmpd="sng">
-                      <a:noFill/>
-                      <a:prstDash val="solid"/>
-                    </a:lnBlToTr>
-                  </a:tcPr>
-                </a:tc>
-                <a:extLst>
-                  <a:ext uri="{0D108BD9-81ED-4DB2-BD59-A6C34878D82A}">
-                    <a16:rowId xmlns:a16="http://schemas.microsoft.com/office/drawing/2014/main" val="343259582"/>
-                  </a:ext>
-                </a:extLst>
-              </a:tr>
-              <a:tr h="518163">
-                <a:tc>
-                  <a:txBody>
-                    <a:bodyPr/>
-                    <a:lstStyle/>
-                    <a:p>
-                      <a:pPr marL="0" algn="ctr" defTabSz="914400" rtl="0" eaLnBrk="1" latinLnBrk="0" hangingPunct="1"/>
-                      <a:r>
-                        <a:rPr lang="ca-ES" sz="1000" b="1" kern="1200" dirty="0">
-                          <a:solidFill>
-                            <a:schemeClr val="lt1"/>
-                          </a:solidFill>
-                          <a:latin typeface="+mn-lt"/>
-                          <a:ea typeface="+mn-ea"/>
-                          <a:cs typeface="+mn-cs"/>
-                        </a:rPr>
-                        <a:t>CON HIPOTECA</a:t>
-                      </a:r>
-                    </a:p>
-                  </a:txBody>
-                  <a:tcPr anchor="ctr">
-                    <a:lnL w="12700" cap="flat" cmpd="sng" algn="ctr">
-                      <a:solidFill>
-                        <a:schemeClr val="tx1"/>
-                      </a:solidFill>
-                      <a:prstDash val="solid"/>
-                      <a:round/>
-                      <a:headEnd type="none" w="med" len="med"/>
-                      <a:tailEnd type="none" w="med" len="med"/>
-                    </a:lnL>
-                    <a:lnR w="12700" cap="flat" cmpd="sng" algn="ctr">
-                      <a:solidFill>
-                        <a:schemeClr val="tx1"/>
-                      </a:solidFill>
-                      <a:prstDash val="solid"/>
-                      <a:round/>
-                      <a:headEnd type="none" w="med" len="med"/>
-                      <a:tailEnd type="none" w="med" len="med"/>
-                    </a:lnR>
-                    <a:lnT w="12700" cap="flat" cmpd="sng" algn="ctr">
-                      <a:solidFill>
-                        <a:schemeClr val="tx1"/>
-                      </a:solidFill>
-                      <a:prstDash val="solid"/>
-                      <a:round/>
-                      <a:headEnd type="none" w="med" len="med"/>
-                      <a:tailEnd type="none" w="med" len="med"/>
-                    </a:lnT>
-                    <a:lnB w="12700" cap="flat" cmpd="sng" algn="ctr">
-                      <a:solidFill>
-                        <a:schemeClr val="tx1"/>
-                      </a:solidFill>
-                      <a:prstDash val="solid"/>
-                      <a:round/>
-                      <a:headEnd type="none" w="med" len="med"/>
-                      <a:tailEnd type="none" w="med" len="med"/>
-                    </a:lnB>
-                    <a:lnTlToBr w="12700" cmpd="sng">
-                      <a:noFill/>
-                      <a:prstDash val="solid"/>
-                    </a:lnTlToBr>
-                    <a:lnBlToTr w="12700" cmpd="sng">
-                      <a:noFill/>
-                      <a:prstDash val="solid"/>
-                    </a:lnBlToTr>
-                    <a:solidFill>
-                      <a:schemeClr val="accent1"/>
-                    </a:solidFill>
-                  </a:tcPr>
-                </a:tc>
-                <a:tc>
-                  <a:txBody>
-                    <a:bodyPr/>
-                    <a:lstStyle/>
-                    <a:p>
-                      <a:pPr algn="ctr"/>
-                      <a:r>
-                        <a:rPr lang="ca-ES" sz="1400" b="1" dirty="0">
-                          <a:solidFill>
-                            <a:schemeClr val="tx1"/>
-                          </a:solidFill>
-                        </a:rPr>
-                        <a:t>113,25</a:t>
-                      </a:r>
-                    </a:p>
-                  </a:txBody>
-                  <a:tcPr anchor="ctr">
-                    <a:lnL w="12700" cap="flat" cmpd="sng" algn="ctr">
-                      <a:solidFill>
-                        <a:schemeClr val="tx1"/>
-                      </a:solidFill>
-                      <a:prstDash val="solid"/>
-                      <a:round/>
-                      <a:headEnd type="none" w="med" len="med"/>
-                      <a:tailEnd type="none" w="med" len="med"/>
-                    </a:lnL>
-                    <a:lnR w="12700" cap="flat" cmpd="sng" algn="ctr">
-                      <a:solidFill>
-                        <a:schemeClr val="tx1"/>
-                      </a:solidFill>
-                      <a:prstDash val="solid"/>
-                      <a:round/>
-                      <a:headEnd type="none" w="med" len="med"/>
-                      <a:tailEnd type="none" w="med" len="med"/>
-                    </a:lnR>
-                    <a:lnT w="12700" cap="flat" cmpd="sng" algn="ctr">
-                      <a:solidFill>
-                        <a:schemeClr val="tx1"/>
-                      </a:solidFill>
-                      <a:prstDash val="solid"/>
-                      <a:round/>
-                      <a:headEnd type="none" w="med" len="med"/>
-                      <a:tailEnd type="none" w="med" len="med"/>
-                    </a:lnT>
-                    <a:lnB w="12700" cap="flat" cmpd="sng" algn="ctr">
-                      <a:solidFill>
-                        <a:schemeClr val="tx1"/>
-                      </a:solidFill>
-                      <a:prstDash val="solid"/>
-                      <a:round/>
-                      <a:headEnd type="none" w="med" len="med"/>
-                      <a:tailEnd type="none" w="med" len="med"/>
-                    </a:lnB>
-                    <a:lnTlToBr w="12700" cmpd="sng">
-                      <a:noFill/>
-                      <a:prstDash val="solid"/>
-                    </a:lnTlToBr>
-                    <a:lnBlToTr w="12700" cmpd="sng">
-                      <a:noFill/>
-                      <a:prstDash val="solid"/>
-                    </a:lnBlToTr>
-                    <a:solidFill>
-                      <a:schemeClr val="bg1"/>
-                    </a:solidFill>
-                  </a:tcPr>
-                </a:tc>
-                <a:tc>
-                  <a:txBody>
-                    <a:bodyPr/>
-                    <a:lstStyle/>
-                    <a:p>
-                      <a:pPr algn="ctr"/>
-                      <a:r>
-                        <a:rPr lang="ca-ES" sz="1400" b="1" dirty="0">
-                          <a:solidFill>
-                            <a:schemeClr val="tx1"/>
-                          </a:solidFill>
-                        </a:rPr>
-                        <a:t>5555,25</a:t>
-                      </a:r>
-                    </a:p>
-                  </a:txBody>
-                  <a:tcPr anchor="ctr">
-                    <a:lnL w="12700" cap="flat" cmpd="sng" algn="ctr">
-                      <a:solidFill>
-                        <a:schemeClr val="tx1"/>
-                      </a:solidFill>
-                      <a:prstDash val="solid"/>
-                      <a:round/>
-                      <a:headEnd type="none" w="med" len="med"/>
-                      <a:tailEnd type="none" w="med" len="med"/>
-                    </a:lnL>
-                    <a:lnR w="12700" cap="flat" cmpd="sng" algn="ctr">
-                      <a:solidFill>
-                        <a:schemeClr val="tx1"/>
-                      </a:solidFill>
-                      <a:prstDash val="solid"/>
-                      <a:round/>
-                      <a:headEnd type="none" w="med" len="med"/>
-                      <a:tailEnd type="none" w="med" len="med"/>
-                    </a:lnR>
-                    <a:lnT w="12700" cap="flat" cmpd="sng" algn="ctr">
-                      <a:solidFill>
-                        <a:schemeClr val="tx1"/>
-                      </a:solidFill>
-                      <a:prstDash val="solid"/>
-                      <a:round/>
-                      <a:headEnd type="none" w="med" len="med"/>
-                      <a:tailEnd type="none" w="med" len="med"/>
-                    </a:lnT>
-                    <a:lnB w="12700" cap="flat" cmpd="sng" algn="ctr">
-                      <a:solidFill>
-                        <a:schemeClr val="tx1"/>
-                      </a:solidFill>
-                      <a:prstDash val="solid"/>
-                      <a:round/>
-                      <a:headEnd type="none" w="med" len="med"/>
-                      <a:tailEnd type="none" w="med" len="med"/>
-                    </a:lnB>
-                    <a:lnTlToBr w="12700" cmpd="sng">
-                      <a:noFill/>
-                      <a:prstDash val="solid"/>
-                    </a:lnTlToBr>
-                    <a:lnBlToTr w="12700" cmpd="sng">
-                      <a:noFill/>
-                      <a:prstDash val="solid"/>
-                    </a:lnBlToTr>
-                    <a:solidFill>
-                      <a:schemeClr val="bg1"/>
-                    </a:solidFill>
-                  </a:tcPr>
-                </a:tc>
-                <a:extLst>
-                  <a:ext uri="{0D108BD9-81ED-4DB2-BD59-A6C34878D82A}">
-                    <a16:rowId xmlns:a16="http://schemas.microsoft.com/office/drawing/2014/main" val="1134799246"/>
-                  </a:ext>
-                </a:extLst>
-              </a:tr>
-              <a:tr h="518163">
-                <a:tc>
-                  <a:txBody>
-                    <a:bodyPr/>
-                    <a:lstStyle/>
-                    <a:p>
-                      <a:pPr marL="0" algn="ctr" defTabSz="914400" rtl="0" eaLnBrk="1" latinLnBrk="0" hangingPunct="1"/>
-                      <a:r>
-                        <a:rPr lang="ca-ES" sz="1000" b="1" kern="1200" dirty="0">
-                          <a:solidFill>
-                            <a:schemeClr val="lt1"/>
-                          </a:solidFill>
-                          <a:latin typeface="+mn-lt"/>
-                          <a:ea typeface="+mn-ea"/>
-                          <a:cs typeface="+mn-cs"/>
-                        </a:rPr>
-                        <a:t>SIN HIPOTECA</a:t>
-                      </a:r>
-                    </a:p>
-                  </a:txBody>
-                  <a:tcPr anchor="ctr">
-                    <a:lnL w="12700" cap="flat" cmpd="sng" algn="ctr">
-                      <a:solidFill>
-                        <a:schemeClr val="tx1"/>
-                      </a:solidFill>
-                      <a:prstDash val="solid"/>
-                      <a:round/>
-                      <a:headEnd type="none" w="med" len="med"/>
-                      <a:tailEnd type="none" w="med" len="med"/>
-                    </a:lnL>
-                    <a:lnR w="12700" cap="flat" cmpd="sng" algn="ctr">
-                      <a:solidFill>
-                        <a:schemeClr val="tx1"/>
-                      </a:solidFill>
-                      <a:prstDash val="solid"/>
-                      <a:round/>
-                      <a:headEnd type="none" w="med" len="med"/>
-                      <a:tailEnd type="none" w="med" len="med"/>
-                    </a:lnR>
-                    <a:lnT w="12700" cap="flat" cmpd="sng" algn="ctr">
-                      <a:solidFill>
-                        <a:schemeClr val="tx1"/>
-                      </a:solidFill>
-                      <a:prstDash val="solid"/>
-                      <a:round/>
-                      <a:headEnd type="none" w="med" len="med"/>
-                      <a:tailEnd type="none" w="med" len="med"/>
-                    </a:lnT>
-                    <a:lnB w="12700" cap="flat" cmpd="sng" algn="ctr">
-                      <a:solidFill>
-                        <a:schemeClr val="tx1"/>
-                      </a:solidFill>
-                      <a:prstDash val="solid"/>
-                      <a:round/>
-                      <a:headEnd type="none" w="med" len="med"/>
-                      <a:tailEnd type="none" w="med" len="med"/>
-                    </a:lnB>
-                    <a:lnTlToBr w="12700" cmpd="sng">
-                      <a:noFill/>
-                      <a:prstDash val="solid"/>
-                    </a:lnTlToBr>
-                    <a:lnBlToTr w="12700" cmpd="sng">
-                      <a:noFill/>
-                      <a:prstDash val="solid"/>
-                    </a:lnBlToTr>
-                    <a:solidFill>
-                      <a:schemeClr val="accent1"/>
-                    </a:solidFill>
-                  </a:tcPr>
-                </a:tc>
-                <a:tc>
-                  <a:txBody>
-                    <a:bodyPr/>
-                    <a:lstStyle/>
-                    <a:p>
-                      <a:pPr algn="ctr"/>
-                      <a:r>
-                        <a:rPr lang="ca-ES" sz="1400" b="1" dirty="0">
-                          <a:solidFill>
-                            <a:schemeClr val="tx1"/>
-                          </a:solidFill>
-                        </a:rPr>
-                        <a:t>223,55</a:t>
-                      </a:r>
-                    </a:p>
-                  </a:txBody>
-                  <a:tcPr anchor="ctr">
-                    <a:lnL w="12700" cap="flat" cmpd="sng" algn="ctr">
-                      <a:solidFill>
-                        <a:schemeClr val="tx1"/>
-                      </a:solidFill>
-                      <a:prstDash val="solid"/>
-                      <a:round/>
-                      <a:headEnd type="none" w="med" len="med"/>
-                      <a:tailEnd type="none" w="med" len="med"/>
-                    </a:lnL>
-                    <a:lnR w="12700" cap="flat" cmpd="sng" algn="ctr">
-                      <a:solidFill>
-                        <a:schemeClr val="tx1"/>
-                      </a:solidFill>
-                      <a:prstDash val="solid"/>
-                      <a:round/>
-                      <a:headEnd type="none" w="med" len="med"/>
-                      <a:tailEnd type="none" w="med" len="med"/>
-                    </a:lnR>
-                    <a:lnT w="12700" cap="flat" cmpd="sng" algn="ctr">
-                      <a:solidFill>
-                        <a:schemeClr val="tx1"/>
-                      </a:solidFill>
-                      <a:prstDash val="solid"/>
-                      <a:round/>
-                      <a:headEnd type="none" w="med" len="med"/>
-                      <a:tailEnd type="none" w="med" len="med"/>
-                    </a:lnT>
-                    <a:lnB w="12700" cap="flat" cmpd="sng" algn="ctr">
-                      <a:solidFill>
-                        <a:schemeClr val="tx1"/>
-                      </a:solidFill>
-                      <a:prstDash val="solid"/>
-                      <a:round/>
-                      <a:headEnd type="none" w="med" len="med"/>
-                      <a:tailEnd type="none" w="med" len="med"/>
-                    </a:lnB>
-                    <a:lnTlToBr w="12700" cmpd="sng">
-                      <a:noFill/>
-                      <a:prstDash val="solid"/>
-                    </a:lnTlToBr>
-                    <a:lnBlToTr w="12700" cmpd="sng">
-                      <a:noFill/>
-                      <a:prstDash val="solid"/>
-                    </a:lnBlToTr>
-                    <a:solidFill>
-                      <a:schemeClr val="bg1"/>
-                    </a:solidFill>
-                  </a:tcPr>
-                </a:tc>
-                <a:tc>
-                  <a:txBody>
-                    <a:bodyPr/>
-                    <a:lstStyle/>
-                    <a:p>
-                      <a:pPr algn="ctr"/>
-                      <a:r>
-                        <a:rPr lang="ca-ES" sz="1400" b="1" dirty="0">
-                          <a:solidFill>
-                            <a:schemeClr val="tx1"/>
-                          </a:solidFill>
-                        </a:rPr>
-                        <a:t>13000,26</a:t>
-                      </a:r>
-                    </a:p>
-                  </a:txBody>
-                  <a:tcPr anchor="ctr">
-                    <a:lnL w="12700" cap="flat" cmpd="sng" algn="ctr">
-                      <a:solidFill>
-                        <a:schemeClr val="tx1"/>
-                      </a:solidFill>
-                      <a:prstDash val="solid"/>
-                      <a:round/>
-                      <a:headEnd type="none" w="med" len="med"/>
-                      <a:tailEnd type="none" w="med" len="med"/>
-                    </a:lnL>
-                    <a:lnR w="12700" cap="flat" cmpd="sng" algn="ctr">
-                      <a:solidFill>
-                        <a:schemeClr val="tx1"/>
-                      </a:solidFill>
-                      <a:prstDash val="solid"/>
-                      <a:round/>
-                      <a:headEnd type="none" w="med" len="med"/>
-                      <a:tailEnd type="none" w="med" len="med"/>
-                    </a:lnR>
-                    <a:lnT w="12700" cap="flat" cmpd="sng" algn="ctr">
-                      <a:solidFill>
-                        <a:schemeClr val="tx1"/>
-                      </a:solidFill>
-                      <a:prstDash val="solid"/>
-                      <a:round/>
-                      <a:headEnd type="none" w="med" len="med"/>
-                      <a:tailEnd type="none" w="med" len="med"/>
-                    </a:lnT>
-                    <a:lnB w="12700" cap="flat" cmpd="sng" algn="ctr">
-                      <a:solidFill>
-                        <a:schemeClr val="tx1"/>
-                      </a:solidFill>
-                      <a:prstDash val="solid"/>
-                      <a:round/>
-                      <a:headEnd type="none" w="med" len="med"/>
-                      <a:tailEnd type="none" w="med" len="med"/>
-                    </a:lnB>
-                    <a:lnTlToBr w="12700" cmpd="sng">
-                      <a:noFill/>
-                      <a:prstDash val="solid"/>
-                    </a:lnTlToBr>
-                    <a:lnBlToTr w="12700" cmpd="sng">
-                      <a:noFill/>
-                      <a:prstDash val="solid"/>
-                    </a:lnBlToTr>
-                    <a:solidFill>
-                      <a:schemeClr val="bg1"/>
-                    </a:solidFill>
-                  </a:tcPr>
-                </a:tc>
-                <a:extLst>
-                  <a:ext uri="{0D108BD9-81ED-4DB2-BD59-A6C34878D82A}">
-                    <a16:rowId xmlns:a16="http://schemas.microsoft.com/office/drawing/2014/main" val="578657590"/>
-                  </a:ext>
-                </a:extLst>
-              </a:tr>
-            </a:tbl>
-          </a:graphicData>
-        </a:graphic>
-      </p:graphicFrame>
-      <p:pic>
-        <p:nvPicPr>
-          <p:cNvPr id="11" name="Imatge 10">
-            <a:extLst>
-              <a:ext uri="{FF2B5EF4-FFF2-40B4-BE49-F238E27FC236}">
-                <a16:creationId xmlns:a16="http://schemas.microsoft.com/office/drawing/2014/main" id="{43E4E525-49B1-9BDF-05FB-D260227C996D}"/>
-              </a:ext>
-            </a:extLst>
-          </p:cNvPr>
-          <p:cNvPicPr>
-            <a:picLocks noChangeAspect="1"/>
-          </p:cNvPicPr>
-          <p:nvPr/>
-        </p:nvPicPr>
-        <p:blipFill>
-          <a:blip r:embed="rId3"/>
-          <a:stretch>
-            <a:fillRect/>
-          </a:stretch>
-        </p:blipFill>
-        <p:spPr>
-          <a:xfrm>
-            <a:off x="8078804" y="3973997"/>
-            <a:ext cx="1702222" cy="2048436"/>
-          </a:xfrm>
-          <a:prstGeom prst="rect">
-            <a:avLst/>
-          </a:prstGeom>
-        </p:spPr>
-      </p:pic>
-      <p:pic>
-        <p:nvPicPr>
-          <p:cNvPr id="13" name="Imatge 12">
-            <a:extLst>
-              <a:ext uri="{FF2B5EF4-FFF2-40B4-BE49-F238E27FC236}">
-                <a16:creationId xmlns:a16="http://schemas.microsoft.com/office/drawing/2014/main" id="{5722C7E0-813C-75DA-2442-CB4A462438F2}"/>
-              </a:ext>
-            </a:extLst>
-          </p:cNvPr>
-          <p:cNvPicPr>
-            <a:picLocks noChangeAspect="1"/>
-          </p:cNvPicPr>
-          <p:nvPr/>
-        </p:nvPicPr>
-        <p:blipFill>
-          <a:blip r:embed="rId3"/>
-          <a:stretch>
-            <a:fillRect/>
-          </a:stretch>
-        </p:blipFill>
-        <p:spPr>
-          <a:xfrm>
-            <a:off x="8104096" y="1294528"/>
-            <a:ext cx="1676930" cy="2189132"/>
-          </a:xfrm>
-          <a:prstGeom prst="rect">
-            <a:avLst/>
-          </a:prstGeom>
-        </p:spPr>
-      </p:pic>
-      <p:sp>
-        <p:nvSpPr>
-          <p:cNvPr id="16" name="QuadreDeText 16">
-            <a:extLst>
-              <a:ext uri="{FF2B5EF4-FFF2-40B4-BE49-F238E27FC236}">
-                <a16:creationId xmlns:a16="http://schemas.microsoft.com/office/drawing/2014/main" id="{E527841E-EE94-3483-E33C-22B1D43C59A9}"/>
-              </a:ext>
-            </a:extLst>
-          </p:cNvPr>
-          <p:cNvSpPr txBox="1"/>
-          <p:nvPr/>
-        </p:nvSpPr>
-        <p:spPr>
-          <a:xfrm>
-            <a:off x="4823514" y="1357084"/>
-            <a:ext cx="2186885" cy="1208842"/>
-          </a:xfrm>
-          <a:prstGeom prst="roundRect">
-            <a:avLst/>
-          </a:prstGeom>
-          <a:solidFill>
-            <a:schemeClr val="accent5">
-              <a:lumMod val="25000"/>
-              <a:lumOff val="75000"/>
-            </a:schemeClr>
-          </a:solidFill>
-          <a:ln>
-            <a:solidFill>
-              <a:schemeClr val="bg1"/>
-            </a:solidFill>
-          </a:ln>
-        </p:spPr>
-        <p:txBody>
-          <a:bodyPr wrap="square">
-            <a:spAutoFit/>
-          </a:bodyPr>
-          <a:lstStyle/>
-          <a:p>
-            <a:pPr algn="ctr"/>
-            <a:r>
-              <a:rPr lang="es-ES" sz="1300" dirty="0"/>
-              <a:t>xxxxxxxxxxxxxxxxxxxxxxxxxxxxxxxxxxxxxxxxxxxxxxxxxxxxxxxxxxxxxxxxxxxxxxxxxxxxxxxxxxxxxxxxxxxxxxxxxxxxxxxxxxxxxxxx.</a:t>
-            </a:r>
-          </a:p>
-        </p:txBody>
-      </p:sp>
-      <p:sp>
-        <p:nvSpPr>
-          <p:cNvPr id="19" name="QuadreDeText 16">
-            <a:extLst>
-              <a:ext uri="{FF2B5EF4-FFF2-40B4-BE49-F238E27FC236}">
-                <a16:creationId xmlns:a16="http://schemas.microsoft.com/office/drawing/2014/main" id="{8357148E-8755-3F47-94F0-1A7F261AD548}"/>
-              </a:ext>
-            </a:extLst>
-          </p:cNvPr>
-          <p:cNvSpPr txBox="1"/>
-          <p:nvPr/>
-        </p:nvSpPr>
-        <p:spPr>
-          <a:xfrm>
-            <a:off x="4823514" y="3975846"/>
-            <a:ext cx="2186885" cy="1208842"/>
-          </a:xfrm>
-          <a:prstGeom prst="roundRect">
-            <a:avLst/>
-          </a:prstGeom>
-          <a:solidFill>
-            <a:schemeClr val="accent5">
-              <a:lumMod val="25000"/>
-              <a:lumOff val="75000"/>
-            </a:schemeClr>
-          </a:solidFill>
-          <a:ln>
-            <a:solidFill>
-              <a:schemeClr val="bg1"/>
-            </a:solidFill>
-          </a:ln>
-        </p:spPr>
-        <p:txBody>
-          <a:bodyPr wrap="square">
-            <a:spAutoFit/>
-          </a:bodyPr>
-          <a:lstStyle/>
-          <a:p>
-            <a:pPr algn="ctr"/>
-            <a:r>
-              <a:rPr lang="es-ES" sz="1300" dirty="0"/>
-              <a:t>xxxxxxxxxxxxxxxxxxxxxxxxxxxxxxxxxxxxxxxxxxxxxxxxxxxxxxxxxxxxxxxxxxxxxxxxxxxxxxxxxxxxxxxxxxxxxxxxxxxxxxxxxxxxxxxx.</a:t>
-            </a:r>
-          </a:p>
-        </p:txBody>
-      </p:sp>
-    </p:spTree>
-    <p:extLst>
-      <p:ext uri="{BB962C8B-B14F-4D97-AF65-F5344CB8AC3E}">
-        <p14:creationId xmlns:p14="http://schemas.microsoft.com/office/powerpoint/2010/main" val="3613401054"/>
-      </p:ext>
-    </p:extLst>
-  </p:cSld>
-  <p:clrMapOvr>
-    <a:masterClrMapping/>
-  </p:clrMapOvr>
-</p:sld>
-</file>
-
-<file path=ppt/slides/slide11.xml><?xml version="1.0" encoding="utf-8"?>
-<p:sld xmlns:a="http://schemas.openxmlformats.org/drawingml/2006/main" xmlns:r="http://schemas.openxmlformats.org/officeDocument/2006/relationships" xmlns:p="http://schemas.openxmlformats.org/presentationml/2006/main">
-  <p:cSld>
-    <p:spTree>
-      <p:nvGrpSpPr>
-        <p:cNvPr id="1" name=""/>
-        <p:cNvGrpSpPr/>
-        <p:nvPr/>
-      </p:nvGrpSpPr>
-      <p:grpSpPr>
-        <a:xfrm>
-          <a:off x="0" y="0"/>
-          <a:ext cx="0" cy="0"/>
-          <a:chOff x="0" y="0"/>
-          <a:chExt cx="0" cy="0"/>
-        </a:xfrm>
-      </p:grpSpPr>
-      <p:sp>
-        <p:nvSpPr>
-          <p:cNvPr id="5" name="QuadreDeText 3">
-            <a:extLst>
-              <a:ext uri="{FF2B5EF4-FFF2-40B4-BE49-F238E27FC236}">
-                <a16:creationId xmlns:a16="http://schemas.microsoft.com/office/drawing/2014/main" id="{DB2F1EA4-1C0B-78BF-E2EA-8AB81F4C9702}"/>
-              </a:ext>
-            </a:extLst>
-          </p:cNvPr>
-          <p:cNvSpPr txBox="1"/>
-          <p:nvPr/>
-        </p:nvSpPr>
-        <p:spPr>
-          <a:xfrm>
-            <a:off x="505958" y="250347"/>
-            <a:ext cx="11230211" cy="677108"/>
-          </a:xfrm>
-          <a:prstGeom prst="rect">
-            <a:avLst/>
-          </a:prstGeom>
-          <a:noFill/>
-        </p:spPr>
-        <p:txBody>
-          <a:bodyPr wrap="square">
-            <a:spAutoFit/>
-          </a:bodyPr>
-          <a:lstStyle/>
-          <a:p>
-            <a:r>
-              <a:rPr lang="es-ES" sz="2400" b="1" dirty="0">
-                <a:solidFill>
-                  <a:schemeClr val="accent3">
-                    <a:lumMod val="50000"/>
-                  </a:schemeClr>
-                </a:solidFill>
-                <a:effectLst/>
-                <a:latin typeface="+mj-lt"/>
-              </a:rPr>
-              <a:t>PROPUESTAS 2º parte pregunta</a:t>
-            </a:r>
-          </a:p>
-          <a:p>
-            <a:r>
-              <a:rPr lang="es-ES" sz="1400" b="1" dirty="0"/>
-              <a:t>¿Cómo debemos ajustar nuestras políticas de crédito para mitigar este riesgo?</a:t>
-            </a:r>
-          </a:p>
-        </p:txBody>
-      </p:sp>
-    </p:spTree>
-    <p:extLst>
-      <p:ext uri="{BB962C8B-B14F-4D97-AF65-F5344CB8AC3E}">
-        <p14:creationId xmlns:p14="http://schemas.microsoft.com/office/powerpoint/2010/main" val="2582763781"/>
-      </p:ext>
-    </p:extLst>
-  </p:cSld>
-  <p:clrMapOvr>
-    <a:masterClrMapping/>
-  </p:clrMapOvr>
-</p:sld>
-</file>
-
-<file path=ppt/slides/slide12.xml><?xml version="1.0" encoding="utf-8"?>
-<p:sld xmlns:a="http://schemas.openxmlformats.org/drawingml/2006/main" xmlns:r="http://schemas.openxmlformats.org/officeDocument/2006/relationships" xmlns:p="http://schemas.openxmlformats.org/presentationml/2006/main">
-  <p:cSld>
     <p:bg>
       <p:bgPr>
         <a:blipFill dpi="0" rotWithShape="1">
@@ -11931,7 +10034,13 @@
   <p:cSld>
     <p:spTree>
       <p:nvGrpSpPr>
-        <p:cNvPr id="1" name=""/>
+        <p:cNvPr id="1" name="">
+          <a:extLst>
+            <a:ext uri="{FF2B5EF4-FFF2-40B4-BE49-F238E27FC236}">
+              <a16:creationId xmlns:a16="http://schemas.microsoft.com/office/drawing/2014/main" id="{B2B799B9-448C-0FD7-25BC-9ABD37883FA0}"/>
+            </a:ext>
+          </a:extLst>
+        </p:cNvPr>
         <p:cNvGrpSpPr/>
         <p:nvPr/>
       </p:nvGrpSpPr>
@@ -11943,12 +10052,154 @@
           <a:chExt cx="0" cy="0"/>
         </a:xfrm>
       </p:grpSpPr>
+      <p:sp>
+        <p:nvSpPr>
+          <p:cNvPr id="9" name="Título 8">
+            <a:extLst>
+              <a:ext uri="{FF2B5EF4-FFF2-40B4-BE49-F238E27FC236}">
+                <a16:creationId xmlns:a16="http://schemas.microsoft.com/office/drawing/2014/main" id="{B86CC458-3511-DCEB-4984-A03B63009489}"/>
+              </a:ext>
+            </a:extLst>
+          </p:cNvPr>
+          <p:cNvSpPr>
+            <a:spLocks noGrp="1"/>
+          </p:cNvSpPr>
+          <p:nvPr>
+            <p:ph type="title"/>
+          </p:nvPr>
+        </p:nvSpPr>
+        <p:spPr>
+          <a:xfrm>
+            <a:off x="602830" y="513074"/>
+            <a:ext cx="4826000" cy="1907507"/>
+          </a:xfrm>
+        </p:spPr>
+        <p:txBody>
+          <a:bodyPr rtlCol="0">
+            <a:normAutofit/>
+          </a:bodyPr>
+          <a:lstStyle/>
+          <a:p>
+            <a:pPr rtl="0"/>
+            <a:r>
+              <a:rPr lang="es-ES" sz="4300" dirty="0"/>
+              <a:t>Análisis de Finanzas y </a:t>
+            </a:r>
+            <a:br>
+              <a:rPr lang="es-ES" sz="4300" dirty="0"/>
+            </a:br>
+            <a:r>
+              <a:rPr lang="es-ES" sz="4300" dirty="0"/>
+              <a:t>Riesgo Crediticio</a:t>
+            </a:r>
+          </a:p>
+        </p:txBody>
+      </p:sp>
+      <p:sp>
+        <p:nvSpPr>
+          <p:cNvPr id="8" name="Marcador de texto 7">
+            <a:extLst>
+              <a:ext uri="{FF2B5EF4-FFF2-40B4-BE49-F238E27FC236}">
+                <a16:creationId xmlns:a16="http://schemas.microsoft.com/office/drawing/2014/main" id="{E8C296D5-76A8-C6EB-F4D2-7C19CBF6EA3F}"/>
+              </a:ext>
+            </a:extLst>
+          </p:cNvPr>
+          <p:cNvSpPr>
+            <a:spLocks noGrp="1"/>
+          </p:cNvSpPr>
+          <p:nvPr>
+            <p:ph type="body" sz="quarter" idx="12"/>
+          </p:nvPr>
+        </p:nvSpPr>
+        <p:spPr>
+          <a:xfrm>
+            <a:off x="602830" y="2605254"/>
+            <a:ext cx="4275138" cy="4145280"/>
+          </a:xfrm>
+        </p:spPr>
+        <p:txBody>
+          <a:bodyPr/>
+          <a:lstStyle/>
+          <a:p>
+            <a:r>
+              <a:rPr lang="es-ES" altLang="es-ES" dirty="0"/>
+              <a:t>Los clientes con préstamos e hipotecas tienden a tener un ¿saldo medio más bajo o más riesgo de incumplimiento? </a:t>
+            </a:r>
+          </a:p>
+          <a:p>
+            <a:r>
+              <a:rPr lang="es-ES" altLang="es-ES" dirty="0"/>
+              <a:t>¿Cómo deberíamos ajustar nuestras ofertas y estrategias de gestión de riesgos en función de estos hallazgos? </a:t>
+            </a:r>
+          </a:p>
+          <a:p>
+            <a:pPr marL="0" indent="0">
+              <a:buNone/>
+            </a:pPr>
+            <a:endParaRPr lang="es-ES" dirty="0"/>
+          </a:p>
+        </p:txBody>
+      </p:sp>
+      <p:sp>
+        <p:nvSpPr>
+          <p:cNvPr id="2" name="Rectángulo 1">
+            <a:extLst>
+              <a:ext uri="{FF2B5EF4-FFF2-40B4-BE49-F238E27FC236}">
+                <a16:creationId xmlns:a16="http://schemas.microsoft.com/office/drawing/2014/main" id="{17172CB6-CCD5-281B-B6E2-7C07D0E6D909}"/>
+              </a:ext>
+            </a:extLst>
+          </p:cNvPr>
+          <p:cNvSpPr/>
+          <p:nvPr/>
+        </p:nvSpPr>
+        <p:spPr>
+          <a:xfrm>
+            <a:off x="0" y="6400800"/>
+            <a:ext cx="2557670" cy="457200"/>
+          </a:xfrm>
+          <a:prstGeom prst="rect">
+            <a:avLst/>
+          </a:prstGeom>
+          <a:solidFill>
+            <a:schemeClr val="bg1">
+              <a:lumMod val="95000"/>
+            </a:schemeClr>
+          </a:solidFill>
+          <a:ln>
+            <a:noFill/>
+          </a:ln>
+        </p:spPr>
+        <p:style>
+          <a:lnRef idx="2">
+            <a:schemeClr val="accent1">
+              <a:shade val="50000"/>
+            </a:schemeClr>
+          </a:lnRef>
+          <a:fillRef idx="1">
+            <a:schemeClr val="accent1"/>
+          </a:fillRef>
+          <a:effectRef idx="0">
+            <a:schemeClr val="accent1"/>
+          </a:effectRef>
+          <a:fontRef idx="minor">
+            <a:schemeClr val="lt1"/>
+          </a:fontRef>
+        </p:style>
+        <p:txBody>
+          <a:bodyPr rtlCol="0" anchor="ctr"/>
+          <a:lstStyle/>
+          <a:p>
+            <a:pPr algn="ctr"/>
+            <a:endParaRPr lang="es-ES"/>
+          </a:p>
+        </p:txBody>
+      </p:sp>
       <p:pic>
         <p:nvPicPr>
-          <p:cNvPr id="5" name="Marcador de posición de imagen 4" descr="Interfaz de usuario gráfica&#10;&#10;Descripción generada automáticamente">
-            <a:extLst>
-              <a:ext uri="{FF2B5EF4-FFF2-40B4-BE49-F238E27FC236}">
-                <a16:creationId xmlns:a16="http://schemas.microsoft.com/office/drawing/2014/main" id="{E07E29FC-6D83-1A79-1C5C-645031368BD0}"/>
+          <p:cNvPr id="6" name="Marcador de posición de imagen 4">
+            <a:extLst>
+              <a:ext uri="{FF2B5EF4-FFF2-40B4-BE49-F238E27FC236}">
+                <a16:creationId xmlns:a16="http://schemas.microsoft.com/office/drawing/2014/main" id="{18F28745-A367-4CFD-1BE9-E20282CF20D9}"/>
               </a:ext>
             </a:extLst>
           </p:cNvPr>
@@ -11961,7 +10212,7 @@
         </p:nvPicPr>
         <p:blipFill>
           <a:blip r:embed="rId3"/>
-          <a:srcRect l="17672" r="12921"/>
+          <a:srcRect l="5033" t="196" r="42379" b="-196"/>
           <a:stretch/>
         </p:blipFill>
         <p:spPr>
@@ -12119,79 +10370,129 @@
       </p:pic>
       <p:sp>
         <p:nvSpPr>
-          <p:cNvPr id="7" name="Marcador de texto 6">
-            <a:extLst>
-              <a:ext uri="{FF2B5EF4-FFF2-40B4-BE49-F238E27FC236}">
-                <a16:creationId xmlns:a16="http://schemas.microsoft.com/office/drawing/2014/main" id="{B21C28F5-3CA3-4B78-B5C9-550C00BB3174}"/>
+          <p:cNvPr id="7" name="Rectangle 4">
+            <a:extLst>
+              <a:ext uri="{FF2B5EF4-FFF2-40B4-BE49-F238E27FC236}">
+                <a16:creationId xmlns:a16="http://schemas.microsoft.com/office/drawing/2014/main" id="{985F4877-9E0C-E090-B705-69DF4829BCC0}"/>
               </a:ext>
             </a:extLst>
           </p:cNvPr>
           <p:cNvSpPr>
-            <a:spLocks noGrp="1"/>
+            <a:spLocks noChangeArrowheads="1"/>
           </p:cNvSpPr>
-          <p:nvPr>
-            <p:ph type="body" sz="quarter" idx="12"/>
-          </p:nvPr>
-        </p:nvSpPr>
-        <p:spPr>
-          <a:xfrm>
-            <a:off x="660400" y="3460025"/>
-            <a:ext cx="4275138" cy="1525450"/>
-          </a:xfrm>
-        </p:spPr>
-        <p:txBody>
-          <a:bodyPr rtlCol="0">
-            <a:normAutofit/>
+          <p:nvPr/>
+        </p:nvSpPr>
+        <p:spPr bwMode="auto">
+          <a:xfrm>
+            <a:off x="0" y="109330"/>
+            <a:ext cx="65" cy="238539"/>
+          </a:xfrm>
+          <a:prstGeom prst="rect">
+            <a:avLst/>
+          </a:prstGeom>
+          <a:solidFill>
+            <a:srgbClr val="303134"/>
+          </a:solidFill>
+          <a:ln>
+            <a:noFill/>
+          </a:ln>
+          <a:effectLst/>
+          <a:extLst>
+            <a:ext uri="{91240B29-F687-4F45-9708-019B960494DF}">
+              <a14:hiddenLine xmlns:a14="http://schemas.microsoft.com/office/drawing/2010/main" w="9525">
+                <a:solidFill>
+                  <a:schemeClr val="tx1"/>
+                </a:solidFill>
+                <a:miter lim="800000"/>
+                <a:headEnd/>
+                <a:tailEnd/>
+              </a14:hiddenLine>
+            </a:ext>
+            <a:ext uri="{AF507438-7753-43E0-B8FC-AC1667EBCBE1}">
+              <a14:hiddenEffects xmlns:a14="http://schemas.microsoft.com/office/drawing/2010/main">
+                <a:effectLst>
+                  <a:outerShdw dist="35921" dir="2700000" algn="ctr" rotWithShape="0">
+                    <a:schemeClr val="bg2"/>
+                  </a:outerShdw>
+                </a:effectLst>
+              </a14:hiddenEffects>
+            </a:ext>
+          </a:extLst>
+        </p:spPr>
+        <p:txBody>
+          <a:bodyPr vert="horz" wrap="none" lIns="0" tIns="-19044" rIns="0" bIns="-19044" numCol="1" anchor="ctr" anchorCtr="0" compatLnSpc="1">
+            <a:prstTxWarp prst="textNoShape">
+              <a:avLst/>
+            </a:prstTxWarp>
+            <a:spAutoFit/>
           </a:bodyPr>
           <a:lstStyle/>
           <a:p>
-            <a:pPr rtl="0"/>
-            <a:endParaRPr lang="es-ES" sz="2400" dirty="0"/>
-          </a:p>
-        </p:txBody>
-      </p:sp>
-      <p:sp>
-        <p:nvSpPr>
-          <p:cNvPr id="9" name="Título 8">
-            <a:extLst>
-              <a:ext uri="{FF2B5EF4-FFF2-40B4-BE49-F238E27FC236}">
-                <a16:creationId xmlns:a16="http://schemas.microsoft.com/office/drawing/2014/main" id="{FEF304F5-32C5-4869-B185-859B567855A8}"/>
-              </a:ext>
-            </a:extLst>
-          </p:cNvPr>
-          <p:cNvSpPr>
-            <a:spLocks noGrp="1"/>
-          </p:cNvSpPr>
-          <p:nvPr>
-            <p:ph type="title"/>
-          </p:nvPr>
-        </p:nvSpPr>
-        <p:spPr>
-          <a:xfrm>
-            <a:off x="660400" y="805213"/>
-            <a:ext cx="3340100" cy="1239487"/>
-          </a:xfrm>
-        </p:spPr>
-        <p:txBody>
-          <a:bodyPr rtlCol="0">
-            <a:normAutofit fontScale="90000"/>
-          </a:bodyPr>
-          <a:lstStyle/>
-          <a:p>
-            <a:pPr rtl="0"/>
-            <a:r>
-              <a:rPr lang="es-ES" dirty="0"/>
-              <a:t>Análisis del Perfil de Cliente</a:t>
-            </a:r>
-          </a:p>
-        </p:txBody>
-      </p:sp>
-      <p:sp>
-        <p:nvSpPr>
-          <p:cNvPr id="6" name="Rectángulo 5">
-            <a:extLst>
-              <a:ext uri="{FF2B5EF4-FFF2-40B4-BE49-F238E27FC236}">
-                <a16:creationId xmlns:a16="http://schemas.microsoft.com/office/drawing/2014/main" id="{8510AAA5-B1F0-C3F6-303F-BF6AE2BB66B9}"/>
+            <a:pPr marL="0" marR="0" lvl="0" indent="0" algn="l" defTabSz="914400" rtl="0" eaLnBrk="0" fontAlgn="base" latinLnBrk="0" hangingPunct="0">
+              <a:lnSpc>
+                <a:spcPct val="100000"/>
+              </a:lnSpc>
+              <a:spcBef>
+                <a:spcPct val="0"/>
+              </a:spcBef>
+              <a:spcAft>
+                <a:spcPct val="0"/>
+              </a:spcAft>
+              <a:buClrTx/>
+              <a:buSzTx/>
+              <a:buFontTx/>
+              <a:buNone/>
+              <a:tabLst/>
+            </a:pPr>
+            <a:endParaRPr kumimoji="0" lang="es-ES" altLang="es-ES" sz="1800" b="0" i="0" u="none" strike="noStrike" cap="none" normalizeH="0" baseline="0" dirty="0">
+              <a:ln>
+                <a:noFill/>
+              </a:ln>
+              <a:solidFill>
+                <a:schemeClr val="tx1"/>
+              </a:solidFill>
+              <a:effectLst/>
+              <a:latin typeface="Arial" panose="020B0604020202020204" pitchFamily="34" charset="0"/>
+            </a:endParaRPr>
+          </a:p>
+        </p:txBody>
+      </p:sp>
+    </p:spTree>
+    <p:extLst>
+      <p:ext uri="{BB962C8B-B14F-4D97-AF65-F5344CB8AC3E}">
+        <p14:creationId xmlns:p14="http://schemas.microsoft.com/office/powerpoint/2010/main" val="2936915573"/>
+      </p:ext>
+    </p:extLst>
+  </p:cSld>
+  <p:clrMapOvr>
+    <a:masterClrMapping/>
+  </p:clrMapOvr>
+</p:sld>
+</file>
+
+<file path=ppt/slides/slide3.xml><?xml version="1.0" encoding="utf-8"?>
+<p:sld xmlns:a="http://schemas.openxmlformats.org/drawingml/2006/main" xmlns:r="http://schemas.openxmlformats.org/officeDocument/2006/relationships" xmlns:p="http://schemas.openxmlformats.org/presentationml/2006/main">
+  <p:cSld>
+    <p:spTree>
+      <p:nvGrpSpPr>
+        <p:cNvPr id="1" name=""/>
+        <p:cNvGrpSpPr/>
+        <p:nvPr/>
+      </p:nvGrpSpPr>
+      <p:grpSpPr>
+        <a:xfrm>
+          <a:off x="0" y="0"/>
+          <a:ext cx="0" cy="0"/>
+          <a:chOff x="0" y="0"/>
+          <a:chExt cx="0" cy="0"/>
+        </a:xfrm>
+      </p:grpSpPr>
+      <p:sp>
+        <p:nvSpPr>
+          <p:cNvPr id="5" name="Rectángulo 4">
+            <a:extLst>
+              <a:ext uri="{FF2B5EF4-FFF2-40B4-BE49-F238E27FC236}">
+                <a16:creationId xmlns:a16="http://schemas.microsoft.com/office/drawing/2014/main" id="{895C9FE2-B074-D064-504E-A89066AF19B7}"/>
               </a:ext>
             </a:extLst>
           </p:cNvPr>
@@ -12240,10 +10541,365 @@
           </a:p>
         </p:txBody>
       </p:sp>
+      <p:sp>
+        <p:nvSpPr>
+          <p:cNvPr id="9" name="QuadreDeText 3">
+            <a:extLst>
+              <a:ext uri="{FF2B5EF4-FFF2-40B4-BE49-F238E27FC236}">
+                <a16:creationId xmlns:a16="http://schemas.microsoft.com/office/drawing/2014/main" id="{CA77EBFC-AF66-46F0-A052-741393D2923C}"/>
+              </a:ext>
+            </a:extLst>
+          </p:cNvPr>
+          <p:cNvSpPr txBox="1"/>
+          <p:nvPr/>
+        </p:nvSpPr>
+        <p:spPr>
+          <a:xfrm>
+            <a:off x="505958" y="250347"/>
+            <a:ext cx="11230211" cy="677108"/>
+          </a:xfrm>
+          <a:prstGeom prst="rect">
+            <a:avLst/>
+          </a:prstGeom>
+          <a:noFill/>
+        </p:spPr>
+        <p:txBody>
+          <a:bodyPr wrap="square">
+            <a:spAutoFit/>
+          </a:bodyPr>
+          <a:lstStyle/>
+          <a:p>
+            <a:r>
+              <a:rPr lang="es-ES" sz="2400" b="1" dirty="0">
+                <a:solidFill>
+                  <a:schemeClr val="accent3">
+                    <a:lumMod val="50000"/>
+                  </a:schemeClr>
+                </a:solidFill>
+                <a:effectLst/>
+                <a:latin typeface="+mj-lt"/>
+              </a:rPr>
+              <a:t>ANÁLISIS EXPLORATORI</a:t>
+            </a:r>
+            <a:r>
+              <a:rPr lang="es-ES" sz="2400" b="1" dirty="0">
+                <a:solidFill>
+                  <a:schemeClr val="accent3">
+                    <a:lumMod val="50000"/>
+                  </a:schemeClr>
+                </a:solidFill>
+                <a:latin typeface="+mj-lt"/>
+              </a:rPr>
+              <a:t>O</a:t>
+            </a:r>
+            <a:endParaRPr lang="es-ES" sz="2400" b="1" i="1" dirty="0">
+              <a:solidFill>
+                <a:schemeClr val="accent3">
+                  <a:lumMod val="50000"/>
+                </a:schemeClr>
+              </a:solidFill>
+              <a:effectLst/>
+              <a:latin typeface="+mj-lt"/>
+            </a:endParaRPr>
+          </a:p>
+          <a:p>
+            <a:r>
+              <a:rPr lang="es-ES" sz="1400" b="1" dirty="0"/>
+              <a:t>Examinamos las variables “</a:t>
+            </a:r>
+            <a:r>
+              <a:rPr lang="es-ES" sz="1400" b="1" i="1" dirty="0"/>
+              <a:t>default”</a:t>
+            </a:r>
+            <a:r>
+              <a:rPr lang="es-ES" sz="1400" b="1" dirty="0"/>
+              <a:t> , “</a:t>
+            </a:r>
+            <a:r>
+              <a:rPr lang="es-ES" sz="1400" b="1" i="1" dirty="0"/>
+              <a:t>balance”, ”loan” y “</a:t>
+            </a:r>
+            <a:r>
+              <a:rPr lang="es-ES" sz="1400" b="1" i="1" dirty="0" err="1"/>
+              <a:t>housing</a:t>
+            </a:r>
+            <a:r>
+              <a:rPr lang="es-ES" sz="1400" b="1" i="1" dirty="0"/>
+              <a:t>”</a:t>
+            </a:r>
+            <a:endParaRPr lang="es-ES" sz="1400" b="1" dirty="0"/>
+          </a:p>
+        </p:txBody>
+      </p:sp>
+      <p:pic>
+        <p:nvPicPr>
+          <p:cNvPr id="15" name="Imatge 14">
+            <a:extLst>
+              <a:ext uri="{FF2B5EF4-FFF2-40B4-BE49-F238E27FC236}">
+                <a16:creationId xmlns:a16="http://schemas.microsoft.com/office/drawing/2014/main" id="{28742E00-0B0A-FFC4-17B6-109CB7A9F6C0}"/>
+              </a:ext>
+            </a:extLst>
+          </p:cNvPr>
+          <p:cNvPicPr>
+            <a:picLocks noChangeAspect="1"/>
+          </p:cNvPicPr>
+          <p:nvPr/>
+        </p:nvPicPr>
+        <p:blipFill>
+          <a:blip r:embed="rId2"/>
+          <a:stretch>
+            <a:fillRect/>
+          </a:stretch>
+        </p:blipFill>
+        <p:spPr>
+          <a:xfrm>
+            <a:off x="697606" y="4277955"/>
+            <a:ext cx="6544235" cy="2177438"/>
+          </a:xfrm>
+          <a:prstGeom prst="rect">
+            <a:avLst/>
+          </a:prstGeom>
+        </p:spPr>
+      </p:pic>
+      <p:sp>
+        <p:nvSpPr>
+          <p:cNvPr id="22" name="QuadreDeText 16">
+            <a:extLst>
+              <a:ext uri="{FF2B5EF4-FFF2-40B4-BE49-F238E27FC236}">
+                <a16:creationId xmlns:a16="http://schemas.microsoft.com/office/drawing/2014/main" id="{FEEEFDAB-1983-DF47-545A-7C120A15950F}"/>
+              </a:ext>
+            </a:extLst>
+          </p:cNvPr>
+          <p:cNvSpPr txBox="1"/>
+          <p:nvPr/>
+        </p:nvSpPr>
+        <p:spPr>
+          <a:xfrm>
+            <a:off x="2790359" y="1232543"/>
+            <a:ext cx="1297548" cy="2214324"/>
+          </a:xfrm>
+          <a:prstGeom prst="roundRect">
+            <a:avLst/>
+          </a:prstGeom>
+          <a:solidFill>
+            <a:schemeClr val="accent5">
+              <a:lumMod val="25000"/>
+              <a:lumOff val="75000"/>
+            </a:schemeClr>
+          </a:solidFill>
+          <a:ln>
+            <a:solidFill>
+              <a:schemeClr val="bg1"/>
+            </a:solidFill>
+          </a:ln>
+        </p:spPr>
+        <p:txBody>
+          <a:bodyPr wrap="square">
+            <a:spAutoFit/>
+          </a:bodyPr>
+          <a:lstStyle/>
+          <a:p>
+            <a:pPr algn="ctr"/>
+            <a:r>
+              <a:rPr lang="es-ES" sz="1300" dirty="0"/>
+              <a:t>Distribución asimétrica entre los dos estados. </a:t>
+            </a:r>
+          </a:p>
+          <a:p>
+            <a:pPr algn="ctr"/>
+            <a:r>
+              <a:rPr lang="es-ES" sz="1300" dirty="0"/>
+              <a:t>El </a:t>
+            </a:r>
+            <a:r>
+              <a:rPr lang="es-ES" sz="1300" b="1" dirty="0"/>
+              <a:t>1,5%</a:t>
+            </a:r>
+            <a:r>
+              <a:rPr lang="es-ES" sz="1300" dirty="0"/>
+              <a:t> de los clientes se encuentran </a:t>
+            </a:r>
+            <a:r>
+              <a:rPr lang="es-ES" sz="1300" b="1" dirty="0"/>
+              <a:t>en estado de morosidad</a:t>
+            </a:r>
+            <a:r>
+              <a:rPr lang="es-ES" sz="1300" dirty="0"/>
+              <a:t> con el banco.</a:t>
+            </a:r>
+          </a:p>
+        </p:txBody>
+      </p:sp>
+      <p:pic>
+        <p:nvPicPr>
+          <p:cNvPr id="25" name="Imatge 24">
+            <a:extLst>
+              <a:ext uri="{FF2B5EF4-FFF2-40B4-BE49-F238E27FC236}">
+                <a16:creationId xmlns:a16="http://schemas.microsoft.com/office/drawing/2014/main" id="{39E2D32D-3D58-8845-0C35-67F559BD10A3}"/>
+              </a:ext>
+            </a:extLst>
+          </p:cNvPr>
+          <p:cNvPicPr>
+            <a:picLocks noChangeAspect="1"/>
+          </p:cNvPicPr>
+          <p:nvPr/>
+        </p:nvPicPr>
+        <p:blipFill>
+          <a:blip r:embed="rId3"/>
+          <a:stretch>
+            <a:fillRect/>
+          </a:stretch>
+        </p:blipFill>
+        <p:spPr>
+          <a:xfrm>
+            <a:off x="697606" y="1263219"/>
+            <a:ext cx="2092753" cy="2214324"/>
+          </a:xfrm>
+          <a:prstGeom prst="rect">
+            <a:avLst/>
+          </a:prstGeom>
+        </p:spPr>
+      </p:pic>
+      <p:pic>
+        <p:nvPicPr>
+          <p:cNvPr id="28" name="Imatge 27">
+            <a:extLst>
+              <a:ext uri="{FF2B5EF4-FFF2-40B4-BE49-F238E27FC236}">
+                <a16:creationId xmlns:a16="http://schemas.microsoft.com/office/drawing/2014/main" id="{7EC74F6E-D518-9000-7686-D600982DC003}"/>
+              </a:ext>
+            </a:extLst>
+          </p:cNvPr>
+          <p:cNvPicPr>
+            <a:picLocks noChangeAspect="1"/>
+          </p:cNvPicPr>
+          <p:nvPr/>
+        </p:nvPicPr>
+        <p:blipFill>
+          <a:blip r:embed="rId4"/>
+          <a:stretch>
+            <a:fillRect/>
+          </a:stretch>
+        </p:blipFill>
+        <p:spPr>
+          <a:xfrm>
+            <a:off x="7743201" y="1215597"/>
+            <a:ext cx="5506983" cy="2448530"/>
+          </a:xfrm>
+          <a:prstGeom prst="rect">
+            <a:avLst/>
+          </a:prstGeom>
+        </p:spPr>
+      </p:pic>
+      <p:sp>
+        <p:nvSpPr>
+          <p:cNvPr id="29" name="QuadreDeText 16">
+            <a:extLst>
+              <a:ext uri="{FF2B5EF4-FFF2-40B4-BE49-F238E27FC236}">
+                <a16:creationId xmlns:a16="http://schemas.microsoft.com/office/drawing/2014/main" id="{2A4AE940-CAEA-F640-4537-42F9EEC610C9}"/>
+              </a:ext>
+            </a:extLst>
+          </p:cNvPr>
+          <p:cNvSpPr txBox="1"/>
+          <p:nvPr/>
+        </p:nvSpPr>
+        <p:spPr>
+          <a:xfrm>
+            <a:off x="8524456" y="1378507"/>
+            <a:ext cx="1297548" cy="323493"/>
+          </a:xfrm>
+          <a:prstGeom prst="roundRect">
+            <a:avLst/>
+          </a:prstGeom>
+          <a:solidFill>
+            <a:schemeClr val="accent5">
+              <a:lumMod val="25000"/>
+              <a:lumOff val="75000"/>
+            </a:schemeClr>
+          </a:solidFill>
+          <a:ln>
+            <a:solidFill>
+              <a:schemeClr val="bg1"/>
+            </a:solidFill>
+          </a:ln>
+        </p:spPr>
+        <p:txBody>
+          <a:bodyPr wrap="square">
+            <a:spAutoFit/>
+          </a:bodyPr>
+          <a:lstStyle/>
+          <a:p>
+            <a:pPr algn="ctr"/>
+            <a:r>
+              <a:rPr lang="es-ES" sz="1300" dirty="0"/>
+              <a:t>Distribución</a:t>
+            </a:r>
+          </a:p>
+        </p:txBody>
+      </p:sp>
+      <p:pic>
+        <p:nvPicPr>
+          <p:cNvPr id="38" name="Imatge 37">
+            <a:extLst>
+              <a:ext uri="{FF2B5EF4-FFF2-40B4-BE49-F238E27FC236}">
+                <a16:creationId xmlns:a16="http://schemas.microsoft.com/office/drawing/2014/main" id="{0629B78E-28D3-A2F6-5AB5-968273B61CAC}"/>
+              </a:ext>
+            </a:extLst>
+          </p:cNvPr>
+          <p:cNvPicPr>
+            <a:picLocks noChangeAspect="1"/>
+          </p:cNvPicPr>
+          <p:nvPr/>
+        </p:nvPicPr>
+        <p:blipFill>
+          <a:blip r:embed="rId5"/>
+          <a:stretch>
+            <a:fillRect/>
+          </a:stretch>
+        </p:blipFill>
+        <p:spPr>
+          <a:xfrm>
+            <a:off x="4546128" y="1232543"/>
+            <a:ext cx="2092753" cy="2214576"/>
+          </a:xfrm>
+          <a:prstGeom prst="rect">
+            <a:avLst/>
+          </a:prstGeom>
+        </p:spPr>
+      </p:pic>
+      <p:pic>
+        <p:nvPicPr>
+          <p:cNvPr id="3" name="Imatge 2">
+            <a:extLst>
+              <a:ext uri="{FF2B5EF4-FFF2-40B4-BE49-F238E27FC236}">
+                <a16:creationId xmlns:a16="http://schemas.microsoft.com/office/drawing/2014/main" id="{49D93354-FF93-8AEA-0553-6618F5BAC77A}"/>
+              </a:ext>
+            </a:extLst>
+          </p:cNvPr>
+          <p:cNvPicPr>
+            <a:picLocks noChangeAspect="1"/>
+          </p:cNvPicPr>
+          <p:nvPr/>
+        </p:nvPicPr>
+        <p:blipFill>
+          <a:blip r:embed="rId6"/>
+          <a:stretch>
+            <a:fillRect/>
+          </a:stretch>
+        </p:blipFill>
+        <p:spPr>
+          <a:xfrm>
+            <a:off x="5782255" y="4277955"/>
+            <a:ext cx="4714438" cy="2157793"/>
+          </a:xfrm>
+          <a:prstGeom prst="rect">
+            <a:avLst/>
+          </a:prstGeom>
+        </p:spPr>
+      </p:pic>
     </p:spTree>
     <p:extLst>
       <p:ext uri="{BB962C8B-B14F-4D97-AF65-F5344CB8AC3E}">
-        <p14:creationId xmlns:p14="http://schemas.microsoft.com/office/powerpoint/2010/main" val="1341901065"/>
+        <p14:creationId xmlns:p14="http://schemas.microsoft.com/office/powerpoint/2010/main" val="1100531008"/>
       </p:ext>
     </p:extLst>
   </p:cSld>
@@ -12253,7 +10909,124 @@
 </p:sld>
 </file>
 
-<file path=ppt/slides/slide3.xml><?xml version="1.0" encoding="utf-8"?>
+<file path=ppt/slides/slide4.xml><?xml version="1.0" encoding="utf-8"?>
+<p:sld xmlns:a="http://schemas.openxmlformats.org/drawingml/2006/main" xmlns:r="http://schemas.openxmlformats.org/officeDocument/2006/relationships" xmlns:p="http://schemas.openxmlformats.org/presentationml/2006/main">
+  <p:cSld>
+    <p:spTree>
+      <p:nvGrpSpPr>
+        <p:cNvPr id="1" name=""/>
+        <p:cNvGrpSpPr/>
+        <p:nvPr/>
+      </p:nvGrpSpPr>
+      <p:grpSpPr>
+        <a:xfrm>
+          <a:off x="0" y="0"/>
+          <a:ext cx="0" cy="0"/>
+          <a:chOff x="0" y="0"/>
+          <a:chExt cx="0" cy="0"/>
+        </a:xfrm>
+      </p:grpSpPr>
+      <p:sp>
+        <p:nvSpPr>
+          <p:cNvPr id="8" name="QuadreDeText 3">
+            <a:extLst>
+              <a:ext uri="{FF2B5EF4-FFF2-40B4-BE49-F238E27FC236}">
+                <a16:creationId xmlns:a16="http://schemas.microsoft.com/office/drawing/2014/main" id="{78D010E2-8BBA-ADEF-B461-AD829F6EB078}"/>
+              </a:ext>
+            </a:extLst>
+          </p:cNvPr>
+          <p:cNvSpPr txBox="1"/>
+          <p:nvPr/>
+        </p:nvSpPr>
+        <p:spPr>
+          <a:xfrm>
+            <a:off x="505958" y="250347"/>
+            <a:ext cx="11230211" cy="677108"/>
+          </a:xfrm>
+          <a:prstGeom prst="rect">
+            <a:avLst/>
+          </a:prstGeom>
+          <a:noFill/>
+        </p:spPr>
+        <p:txBody>
+          <a:bodyPr wrap="square">
+            <a:spAutoFit/>
+          </a:bodyPr>
+          <a:lstStyle/>
+          <a:p>
+            <a:r>
+              <a:rPr lang="es-ES" sz="2400" b="1" i="1" dirty="0">
+                <a:solidFill>
+                  <a:schemeClr val="accent3">
+                    <a:lumMod val="50000"/>
+                  </a:schemeClr>
+                </a:solidFill>
+                <a:latin typeface="+mj-lt"/>
+              </a:rPr>
+              <a:t>CATEGORIZACIÓN DE LAS VARIABLES</a:t>
+            </a:r>
+            <a:endParaRPr lang="es-ES" sz="2400" b="1" i="1" dirty="0">
+              <a:solidFill>
+                <a:schemeClr val="accent3">
+                  <a:lumMod val="50000"/>
+                </a:schemeClr>
+              </a:solidFill>
+              <a:effectLst/>
+              <a:latin typeface="+mj-lt"/>
+            </a:endParaRPr>
+          </a:p>
+          <a:p>
+            <a:r>
+              <a:rPr lang="es-ES" sz="1400" b="1" dirty="0"/>
+              <a:t>Definimos 4 categorías para clasificar los clientes</a:t>
+            </a:r>
+          </a:p>
+        </p:txBody>
+      </p:sp>
+      <p:pic>
+        <p:nvPicPr>
+          <p:cNvPr id="3" name="Imatge 2">
+            <a:extLst>
+              <a:ext uri="{FF2B5EF4-FFF2-40B4-BE49-F238E27FC236}">
+                <a16:creationId xmlns:a16="http://schemas.microsoft.com/office/drawing/2014/main" id="{FB3103D1-E2AF-3B36-C9CC-E6E3D33C9C81}"/>
+              </a:ext>
+            </a:extLst>
+          </p:cNvPr>
+          <p:cNvPicPr>
+            <a:picLocks noChangeAspect="1"/>
+          </p:cNvPicPr>
+          <p:nvPr/>
+        </p:nvPicPr>
+        <p:blipFill>
+          <a:blip r:embed="rId3"/>
+          <a:stretch>
+            <a:fillRect/>
+          </a:stretch>
+        </p:blipFill>
+        <p:spPr>
+          <a:xfrm>
+            <a:off x="900404" y="1760717"/>
+            <a:ext cx="8654736" cy="3725684"/>
+          </a:xfrm>
+          <a:prstGeom prst="rect">
+            <a:avLst/>
+          </a:prstGeom>
+        </p:spPr>
+      </p:pic>
+    </p:spTree>
+    <p:extLst>
+      <p:ext uri="{BB962C8B-B14F-4D97-AF65-F5344CB8AC3E}">
+        <p14:creationId xmlns:p14="http://schemas.microsoft.com/office/powerpoint/2010/main" val="3206714674"/>
+      </p:ext>
+    </p:extLst>
+  </p:cSld>
+  <p:clrMapOvr>
+    <a:masterClrMapping/>
+  </p:clrMapOvr>
+</p:sld>
+</file>
+
+<file path=ppt/slides/slide5.xml><?xml version="1.0" encoding="utf-8"?>
 <p:sld xmlns:a="http://schemas.openxmlformats.org/drawingml/2006/main" xmlns:r="http://schemas.openxmlformats.org/officeDocument/2006/relationships" xmlns:p="http://schemas.openxmlformats.org/presentationml/2006/main">
   <p:cSld>
     <p:spTree>
@@ -12261,7 +11034,7 @@
         <p:cNvPr id="1" name="">
           <a:extLst>
             <a:ext uri="{FF2B5EF4-FFF2-40B4-BE49-F238E27FC236}">
-              <a16:creationId xmlns:a16="http://schemas.microsoft.com/office/drawing/2014/main" id="{C8852164-F10B-CC91-621B-2B7336455415}"/>
+              <a16:creationId xmlns:a16="http://schemas.microsoft.com/office/drawing/2014/main" id="{9C4EBEF4-5A07-3988-9B63-7F937FF02C71}"/>
             </a:ext>
           </a:extLst>
         </p:cNvPr>
@@ -12278,85 +11051,81 @@
       </p:grpSpPr>
       <p:sp>
         <p:nvSpPr>
-          <p:cNvPr id="9" name="Título 8">
-            <a:extLst>
-              <a:ext uri="{FF2B5EF4-FFF2-40B4-BE49-F238E27FC236}">
-                <a16:creationId xmlns:a16="http://schemas.microsoft.com/office/drawing/2014/main" id="{8EB76A2E-EF62-7065-BBF3-C53C3CF56321}"/>
-              </a:ext>
-            </a:extLst>
-          </p:cNvPr>
-          <p:cNvSpPr>
-            <a:spLocks noGrp="1"/>
-          </p:cNvSpPr>
-          <p:nvPr>
-            <p:ph type="title"/>
-          </p:nvPr>
-        </p:nvSpPr>
-        <p:spPr>
-          <a:xfrm>
-            <a:off x="660400" y="805213"/>
-            <a:ext cx="5073016" cy="1907507"/>
-          </a:xfrm>
-        </p:spPr>
-        <p:txBody>
-          <a:bodyPr rtlCol="0">
-            <a:normAutofit/>
+          <p:cNvPr id="8" name="QuadreDeText 3">
+            <a:extLst>
+              <a:ext uri="{FF2B5EF4-FFF2-40B4-BE49-F238E27FC236}">
+                <a16:creationId xmlns:a16="http://schemas.microsoft.com/office/drawing/2014/main" id="{66399F4B-15E9-BE41-EAE5-3BE6E2DD57B6}"/>
+              </a:ext>
+            </a:extLst>
+          </p:cNvPr>
+          <p:cNvSpPr txBox="1"/>
+          <p:nvPr/>
+        </p:nvSpPr>
+        <p:spPr>
+          <a:xfrm>
+            <a:off x="466166" y="250347"/>
+            <a:ext cx="11270004" cy="1046440"/>
+          </a:xfrm>
+          <a:prstGeom prst="rect">
+            <a:avLst/>
+          </a:prstGeom>
+          <a:noFill/>
+        </p:spPr>
+        <p:txBody>
+          <a:bodyPr wrap="square">
+            <a:spAutoFit/>
           </a:bodyPr>
           <a:lstStyle/>
           <a:p>
-            <a:pPr rtl="0"/>
-            <a:r>
-              <a:rPr lang="es-ES" sz="4300" dirty="0"/>
-              <a:t>Análisis de Márketing y Comunicación</a:t>
-            </a:r>
-          </a:p>
-        </p:txBody>
-      </p:sp>
-      <p:sp>
-        <p:nvSpPr>
-          <p:cNvPr id="8" name="Marcador de texto 7">
-            <a:extLst>
-              <a:ext uri="{FF2B5EF4-FFF2-40B4-BE49-F238E27FC236}">
-                <a16:creationId xmlns:a16="http://schemas.microsoft.com/office/drawing/2014/main" id="{2BA8DE2C-B8B5-DBFB-2FC1-B49CB2E5A312}"/>
-              </a:ext>
-            </a:extLst>
-          </p:cNvPr>
-          <p:cNvSpPr>
-            <a:spLocks noGrp="1"/>
-          </p:cNvSpPr>
-          <p:nvPr>
-            <p:ph type="body" sz="quarter" idx="12"/>
-          </p:nvPr>
-        </p:nvSpPr>
-        <p:spPr>
-          <a:xfrm>
-            <a:off x="660400" y="2712720"/>
-            <a:ext cx="4275138" cy="3560763"/>
-          </a:xfrm>
-        </p:spPr>
-        <p:txBody>
-          <a:bodyPr/>
-          <a:lstStyle/>
-          <a:p>
-            <a:r>
-              <a:rPr lang="es-ES" dirty="0"/>
-              <a:t>¿Cómo afecta la duración de las llamadas de contacto a la probabilidad de que un cliente se suscriba a un depósito a plazo?</a:t>
-            </a:r>
-          </a:p>
-          <a:p>
-            <a:r>
-              <a:rPr lang="es-ES" dirty="0"/>
-              <a:t>¿Qué ajustes podríamos realizar a nuestros métodos de contacto para mejorar la tasa de respuesta?</a:t>
-            </a:r>
-          </a:p>
-        </p:txBody>
-      </p:sp>
-      <p:sp>
-        <p:nvSpPr>
-          <p:cNvPr id="14" name="Rectángulo 13">
-            <a:extLst>
-              <a:ext uri="{FF2B5EF4-FFF2-40B4-BE49-F238E27FC236}">
-                <a16:creationId xmlns:a16="http://schemas.microsoft.com/office/drawing/2014/main" id="{164334DF-601F-551D-64A8-3A2D67128484}"/>
+            <a:r>
+              <a:rPr lang="es-ES" sz="2400" b="1" dirty="0">
+                <a:solidFill>
+                  <a:schemeClr val="accent3">
+                    <a:lumMod val="50000"/>
+                  </a:schemeClr>
+                </a:solidFill>
+                <a:effectLst/>
+                <a:latin typeface="+mj-lt"/>
+              </a:rPr>
+              <a:t>RELACIÓN ENTRE VARIABLES:  </a:t>
+            </a:r>
+          </a:p>
+          <a:p>
+            <a:r>
+              <a:rPr lang="es-ES" sz="2400" b="1" dirty="0">
+                <a:solidFill>
+                  <a:schemeClr val="accent3">
+                    <a:lumMod val="50000"/>
+                  </a:schemeClr>
+                </a:solidFill>
+                <a:effectLst/>
+                <a:latin typeface="+mj-lt"/>
+              </a:rPr>
+              <a:t>SALDO vs CATEGORIAS DE PRÉSTAMOS/HIPOTECA</a:t>
+            </a:r>
+          </a:p>
+          <a:p>
+            <a:r>
+              <a:rPr lang="es-ES" sz="1400" b="1" dirty="0"/>
+              <a:t>Tras categorizar </a:t>
+            </a:r>
+            <a:r>
+              <a:rPr lang="es-ES" sz="1400" b="1" dirty="0" err="1"/>
+              <a:t>x,x,x,x</a:t>
+            </a:r>
+            <a:r>
+              <a:rPr lang="es-ES" sz="1400" b="1" dirty="0"/>
+              <a:t> relacionamos las dos variables</a:t>
+            </a:r>
+          </a:p>
+        </p:txBody>
+      </p:sp>
+      <p:sp>
+        <p:nvSpPr>
+          <p:cNvPr id="2" name="Rectángulo 1">
+            <a:extLst>
+              <a:ext uri="{FF2B5EF4-FFF2-40B4-BE49-F238E27FC236}">
+                <a16:creationId xmlns:a16="http://schemas.microsoft.com/office/drawing/2014/main" id="{C18A3694-FB59-3C0D-1F38-5ECD7FBFF4CD}"/>
               </a:ext>
             </a:extLst>
           </p:cNvPr>
@@ -12407,182 +11176,68 @@
       </p:sp>
       <p:pic>
         <p:nvPicPr>
-          <p:cNvPr id="11" name="Marcador de posición de imagen 4">
-            <a:extLst>
-              <a:ext uri="{FF2B5EF4-FFF2-40B4-BE49-F238E27FC236}">
-                <a16:creationId xmlns:a16="http://schemas.microsoft.com/office/drawing/2014/main" id="{5D8DCF94-73ED-5E32-6743-B88F2B732844}"/>
+          <p:cNvPr id="4" name="Imatge 3">
+            <a:extLst>
+              <a:ext uri="{FF2B5EF4-FFF2-40B4-BE49-F238E27FC236}">
+                <a16:creationId xmlns:a16="http://schemas.microsoft.com/office/drawing/2014/main" id="{BBC6EBBB-7BA2-EEC7-3704-9636D56FFE94}"/>
               </a:ext>
             </a:extLst>
           </p:cNvPr>
           <p:cNvPicPr>
-            <a:picLocks noGrp="1" noChangeAspect="1"/>
+            <a:picLocks noChangeAspect="1"/>
           </p:cNvPicPr>
-          <p:nvPr>
-            <p:ph type="pic" sz="quarter" idx="10"/>
-          </p:nvPr>
+          <p:nvPr/>
         </p:nvPicPr>
         <p:blipFill>
           <a:blip r:embed="rId3"/>
-          <a:srcRect l="10556" t="705" r="24457" b="-705"/>
-          <a:stretch/>
+          <a:stretch>
+            <a:fillRect/>
+          </a:stretch>
         </p:blipFill>
         <p:spPr>
           <a:xfrm>
-            <a:off x="5733416" y="624239"/>
-            <a:ext cx="5855754" cy="5631571"/>
-          </a:xfrm>
-          <a:custGeom>
-            <a:avLst/>
-            <a:gdLst>
-              <a:gd name="connsiteX0" fmla="*/ 0 w 4441372"/>
-              <a:gd name="connsiteY0" fmla="*/ 3188969 h 5393036"/>
-              <a:gd name="connsiteX1" fmla="*/ 2173516 w 4441372"/>
-              <a:gd name="connsiteY1" fmla="*/ 3188969 h 5393036"/>
-              <a:gd name="connsiteX2" fmla="*/ 2173516 w 4441372"/>
-              <a:gd name="connsiteY2" fmla="*/ 5393036 h 5393036"/>
-              <a:gd name="connsiteX3" fmla="*/ 0 w 4441372"/>
-              <a:gd name="connsiteY3" fmla="*/ 5393036 h 5393036"/>
-              <a:gd name="connsiteX4" fmla="*/ 2267856 w 4441372"/>
-              <a:gd name="connsiteY4" fmla="*/ 2293018 h 5393036"/>
-              <a:gd name="connsiteX5" fmla="*/ 4441372 w 4441372"/>
-              <a:gd name="connsiteY5" fmla="*/ 2293018 h 5393036"/>
-              <a:gd name="connsiteX6" fmla="*/ 4441372 w 4441372"/>
-              <a:gd name="connsiteY6" fmla="*/ 4497085 h 5393036"/>
-              <a:gd name="connsiteX7" fmla="*/ 2267856 w 4441372"/>
-              <a:gd name="connsiteY7" fmla="*/ 4497085 h 5393036"/>
-              <a:gd name="connsiteX8" fmla="*/ 0 w 4441372"/>
-              <a:gd name="connsiteY8" fmla="*/ 906837 h 5393036"/>
-              <a:gd name="connsiteX9" fmla="*/ 2173516 w 4441372"/>
-              <a:gd name="connsiteY9" fmla="*/ 906837 h 5393036"/>
-              <a:gd name="connsiteX10" fmla="*/ 2173516 w 4441372"/>
-              <a:gd name="connsiteY10" fmla="*/ 3110904 h 5393036"/>
-              <a:gd name="connsiteX11" fmla="*/ 0 w 4441372"/>
-              <a:gd name="connsiteY11" fmla="*/ 3110904 h 5393036"/>
-              <a:gd name="connsiteX12" fmla="*/ 2267856 w 4441372"/>
-              <a:gd name="connsiteY12" fmla="*/ 0 h 5393036"/>
-              <a:gd name="connsiteX13" fmla="*/ 4441372 w 4441372"/>
-              <a:gd name="connsiteY13" fmla="*/ 0 h 5393036"/>
-              <a:gd name="connsiteX14" fmla="*/ 4441372 w 4441372"/>
-              <a:gd name="connsiteY14" fmla="*/ 2204067 h 5393036"/>
-              <a:gd name="connsiteX15" fmla="*/ 2267856 w 4441372"/>
-              <a:gd name="connsiteY15" fmla="*/ 2204067 h 5393036"/>
-            </a:gdLst>
-            <a:ahLst/>
-            <a:cxnLst>
-              <a:cxn ang="0">
-                <a:pos x="connsiteX0" y="connsiteY0"/>
-              </a:cxn>
-              <a:cxn ang="0">
-                <a:pos x="connsiteX1" y="connsiteY1"/>
-              </a:cxn>
-              <a:cxn ang="0">
-                <a:pos x="connsiteX2" y="connsiteY2"/>
-              </a:cxn>
-              <a:cxn ang="0">
-                <a:pos x="connsiteX3" y="connsiteY3"/>
-              </a:cxn>
-              <a:cxn ang="0">
-                <a:pos x="connsiteX4" y="connsiteY4"/>
-              </a:cxn>
-              <a:cxn ang="0">
-                <a:pos x="connsiteX5" y="connsiteY5"/>
-              </a:cxn>
-              <a:cxn ang="0">
-                <a:pos x="connsiteX6" y="connsiteY6"/>
-              </a:cxn>
-              <a:cxn ang="0">
-                <a:pos x="connsiteX7" y="connsiteY7"/>
-              </a:cxn>
-              <a:cxn ang="0">
-                <a:pos x="connsiteX8" y="connsiteY8"/>
-              </a:cxn>
-              <a:cxn ang="0">
-                <a:pos x="connsiteX9" y="connsiteY9"/>
-              </a:cxn>
-              <a:cxn ang="0">
-                <a:pos x="connsiteX10" y="connsiteY10"/>
-              </a:cxn>
-              <a:cxn ang="0">
-                <a:pos x="connsiteX11" y="connsiteY11"/>
-              </a:cxn>
-              <a:cxn ang="0">
-                <a:pos x="connsiteX12" y="connsiteY12"/>
-              </a:cxn>
-              <a:cxn ang="0">
-                <a:pos x="connsiteX13" y="connsiteY13"/>
-              </a:cxn>
-              <a:cxn ang="0">
-                <a:pos x="connsiteX14" y="connsiteY14"/>
-              </a:cxn>
-              <a:cxn ang="0">
-                <a:pos x="connsiteX15" y="connsiteY15"/>
-              </a:cxn>
-            </a:cxnLst>
-            <a:rect l="l" t="t" r="r" b="b"/>
-            <a:pathLst>
-              <a:path w="4441372" h="5393036">
-                <a:moveTo>
-                  <a:pt x="0" y="3188969"/>
-                </a:moveTo>
-                <a:lnTo>
-                  <a:pt x="2173516" y="3188969"/>
-                </a:lnTo>
-                <a:lnTo>
-                  <a:pt x="2173516" y="5393036"/>
-                </a:lnTo>
-                <a:lnTo>
-                  <a:pt x="0" y="5393036"/>
-                </a:lnTo>
-                <a:close/>
-                <a:moveTo>
-                  <a:pt x="2267856" y="2293018"/>
-                </a:moveTo>
-                <a:lnTo>
-                  <a:pt x="4441372" y="2293018"/>
-                </a:lnTo>
-                <a:lnTo>
-                  <a:pt x="4441372" y="4497085"/>
-                </a:lnTo>
-                <a:lnTo>
-                  <a:pt x="2267856" y="4497085"/>
-                </a:lnTo>
-                <a:close/>
-                <a:moveTo>
-                  <a:pt x="0" y="906837"/>
-                </a:moveTo>
-                <a:lnTo>
-                  <a:pt x="2173516" y="906837"/>
-                </a:lnTo>
-                <a:lnTo>
-                  <a:pt x="2173516" y="3110904"/>
-                </a:lnTo>
-                <a:lnTo>
-                  <a:pt x="0" y="3110904"/>
-                </a:lnTo>
-                <a:close/>
-                <a:moveTo>
-                  <a:pt x="2267856" y="0"/>
-                </a:moveTo>
-                <a:lnTo>
-                  <a:pt x="4441372" y="0"/>
-                </a:lnTo>
-                <a:lnTo>
-                  <a:pt x="4441372" y="2204067"/>
-                </a:lnTo>
-                <a:lnTo>
-                  <a:pt x="2267856" y="2204067"/>
-                </a:lnTo>
-                <a:close/>
-              </a:path>
-            </a:pathLst>
-          </a:custGeom>
-          <a:noFill/>
+            <a:off x="1144400" y="4776407"/>
+            <a:ext cx="8946776" cy="1852993"/>
+          </a:xfrm>
+          <a:prstGeom prst="rect">
+            <a:avLst/>
+          </a:prstGeom>
+        </p:spPr>
+      </p:pic>
+      <p:pic>
+        <p:nvPicPr>
+          <p:cNvPr id="6" name="Imatge 5">
+            <a:extLst>
+              <a:ext uri="{FF2B5EF4-FFF2-40B4-BE49-F238E27FC236}">
+                <a16:creationId xmlns:a16="http://schemas.microsoft.com/office/drawing/2014/main" id="{3BDEC8E5-7303-128A-4A27-00C37B5DBA8B}"/>
+              </a:ext>
+            </a:extLst>
+          </p:cNvPr>
+          <p:cNvPicPr>
+            <a:picLocks noChangeAspect="1"/>
+          </p:cNvPicPr>
+          <p:nvPr/>
+        </p:nvPicPr>
+        <p:blipFill>
+          <a:blip r:embed="rId4"/>
+          <a:stretch>
+            <a:fillRect/>
+          </a:stretch>
+        </p:blipFill>
+        <p:spPr>
+          <a:xfrm>
+            <a:off x="1144400" y="2136121"/>
+            <a:ext cx="4234423" cy="2321785"/>
+          </a:xfrm>
+          <a:prstGeom prst="rect">
+            <a:avLst/>
+          </a:prstGeom>
         </p:spPr>
       </p:pic>
     </p:spTree>
     <p:extLst>
       <p:ext uri="{BB962C8B-B14F-4D97-AF65-F5344CB8AC3E}">
-        <p14:creationId xmlns:p14="http://schemas.microsoft.com/office/powerpoint/2010/main" val="3577812841"/>
+        <p14:creationId xmlns:p14="http://schemas.microsoft.com/office/powerpoint/2010/main" val="2926737237"/>
       </p:ext>
     </p:extLst>
   </p:cSld>
@@ -12592,7 +11247,2390 @@
 </p:sld>
 </file>
 
-<file path=ppt/slides/slide4.xml><?xml version="1.0" encoding="utf-8"?>
+<file path=ppt/slides/slide6.xml><?xml version="1.0" encoding="utf-8"?>
+<p:sld xmlns:a="http://schemas.openxmlformats.org/drawingml/2006/main" xmlns:r="http://schemas.openxmlformats.org/officeDocument/2006/relationships" xmlns:p="http://schemas.openxmlformats.org/presentationml/2006/main">
+  <p:cSld>
+    <p:spTree>
+      <p:nvGrpSpPr>
+        <p:cNvPr id="1" name="">
+          <a:extLst>
+            <a:ext uri="{FF2B5EF4-FFF2-40B4-BE49-F238E27FC236}">
+              <a16:creationId xmlns:a16="http://schemas.microsoft.com/office/drawing/2014/main" id="{072FEC47-BBC4-E00E-94A8-A030AC2D1A82}"/>
+            </a:ext>
+          </a:extLst>
+        </p:cNvPr>
+        <p:cNvGrpSpPr/>
+        <p:nvPr/>
+      </p:nvGrpSpPr>
+      <p:grpSpPr>
+        <a:xfrm>
+          <a:off x="0" y="0"/>
+          <a:ext cx="0" cy="0"/>
+          <a:chOff x="0" y="0"/>
+          <a:chExt cx="0" cy="0"/>
+        </a:xfrm>
+      </p:grpSpPr>
+      <p:sp>
+        <p:nvSpPr>
+          <p:cNvPr id="8" name="QuadreDeText 3">
+            <a:extLst>
+              <a:ext uri="{FF2B5EF4-FFF2-40B4-BE49-F238E27FC236}">
+                <a16:creationId xmlns:a16="http://schemas.microsoft.com/office/drawing/2014/main" id="{0B9963A2-303C-C0E0-3B8A-E49DF8308095}"/>
+              </a:ext>
+            </a:extLst>
+          </p:cNvPr>
+          <p:cNvSpPr txBox="1"/>
+          <p:nvPr/>
+        </p:nvSpPr>
+        <p:spPr>
+          <a:xfrm>
+            <a:off x="466166" y="250347"/>
+            <a:ext cx="11270004" cy="1046440"/>
+          </a:xfrm>
+          <a:prstGeom prst="rect">
+            <a:avLst/>
+          </a:prstGeom>
+          <a:noFill/>
+        </p:spPr>
+        <p:txBody>
+          <a:bodyPr wrap="square">
+            <a:spAutoFit/>
+          </a:bodyPr>
+          <a:lstStyle/>
+          <a:p>
+            <a:r>
+              <a:rPr lang="es-ES" sz="2400" b="1" dirty="0">
+                <a:solidFill>
+                  <a:schemeClr val="accent3">
+                    <a:lumMod val="50000"/>
+                  </a:schemeClr>
+                </a:solidFill>
+                <a:effectLst/>
+                <a:latin typeface="+mj-lt"/>
+              </a:rPr>
+              <a:t>RELACIÓN ENTRE VARIABLES:  </a:t>
+            </a:r>
+          </a:p>
+          <a:p>
+            <a:r>
+              <a:rPr lang="es-ES" sz="2400" b="1" dirty="0">
+                <a:solidFill>
+                  <a:schemeClr val="accent3">
+                    <a:lumMod val="50000"/>
+                  </a:schemeClr>
+                </a:solidFill>
+                <a:latin typeface="+mj-lt"/>
+              </a:rPr>
+              <a:t>INCUMPLIMIENTO</a:t>
+            </a:r>
+            <a:r>
+              <a:rPr lang="es-ES" sz="2400" b="1" dirty="0">
+                <a:solidFill>
+                  <a:schemeClr val="accent3">
+                    <a:lumMod val="50000"/>
+                  </a:schemeClr>
+                </a:solidFill>
+                <a:effectLst/>
+                <a:latin typeface="+mj-lt"/>
+              </a:rPr>
+              <a:t> vs CATEGORIAS DE PRÉSTAMOS/HIPOTECA</a:t>
+            </a:r>
+          </a:p>
+          <a:p>
+            <a:r>
+              <a:rPr lang="es-ES" sz="1400" b="1" dirty="0"/>
+              <a:t>Tras categorizar </a:t>
+            </a:r>
+            <a:r>
+              <a:rPr lang="es-ES" sz="1400" b="1" dirty="0" err="1"/>
+              <a:t>x,x,x,x</a:t>
+            </a:r>
+            <a:r>
+              <a:rPr lang="es-ES" sz="1400" b="1" dirty="0"/>
+              <a:t> relacionamos las dos variables</a:t>
+            </a:r>
+          </a:p>
+        </p:txBody>
+      </p:sp>
+      <p:sp>
+        <p:nvSpPr>
+          <p:cNvPr id="2" name="Rectángulo 1">
+            <a:extLst>
+              <a:ext uri="{FF2B5EF4-FFF2-40B4-BE49-F238E27FC236}">
+                <a16:creationId xmlns:a16="http://schemas.microsoft.com/office/drawing/2014/main" id="{ECF82D00-1CE3-D38C-B1F1-F735E1902DAD}"/>
+              </a:ext>
+            </a:extLst>
+          </p:cNvPr>
+          <p:cNvSpPr/>
+          <p:nvPr/>
+        </p:nvSpPr>
+        <p:spPr>
+          <a:xfrm>
+            <a:off x="0" y="6400800"/>
+            <a:ext cx="2557670" cy="457200"/>
+          </a:xfrm>
+          <a:prstGeom prst="rect">
+            <a:avLst/>
+          </a:prstGeom>
+          <a:solidFill>
+            <a:schemeClr val="bg1">
+              <a:lumMod val="95000"/>
+            </a:schemeClr>
+          </a:solidFill>
+          <a:ln>
+            <a:noFill/>
+          </a:ln>
+        </p:spPr>
+        <p:style>
+          <a:lnRef idx="2">
+            <a:schemeClr val="accent1">
+              <a:shade val="50000"/>
+            </a:schemeClr>
+          </a:lnRef>
+          <a:fillRef idx="1">
+            <a:schemeClr val="accent1"/>
+          </a:fillRef>
+          <a:effectRef idx="0">
+            <a:schemeClr val="accent1"/>
+          </a:effectRef>
+          <a:fontRef idx="minor">
+            <a:schemeClr val="lt1"/>
+          </a:fontRef>
+        </p:style>
+        <p:txBody>
+          <a:bodyPr rtlCol="0" anchor="ctr"/>
+          <a:lstStyle/>
+          <a:p>
+            <a:pPr algn="ctr"/>
+            <a:endParaRPr lang="es-ES"/>
+          </a:p>
+        </p:txBody>
+      </p:sp>
+      <p:pic>
+        <p:nvPicPr>
+          <p:cNvPr id="3" name="Imatge 2">
+            <a:extLst>
+              <a:ext uri="{FF2B5EF4-FFF2-40B4-BE49-F238E27FC236}">
+                <a16:creationId xmlns:a16="http://schemas.microsoft.com/office/drawing/2014/main" id="{4D972B1F-FC8E-E7EE-E400-05721EA86A7F}"/>
+              </a:ext>
+            </a:extLst>
+          </p:cNvPr>
+          <p:cNvPicPr>
+            <a:picLocks noChangeAspect="1"/>
+          </p:cNvPicPr>
+          <p:nvPr/>
+        </p:nvPicPr>
+        <p:blipFill>
+          <a:blip r:embed="rId3"/>
+          <a:stretch>
+            <a:fillRect/>
+          </a:stretch>
+        </p:blipFill>
+        <p:spPr>
+          <a:xfrm>
+            <a:off x="748271" y="1709037"/>
+            <a:ext cx="4720200" cy="2668924"/>
+          </a:xfrm>
+          <a:prstGeom prst="rect">
+            <a:avLst/>
+          </a:prstGeom>
+        </p:spPr>
+      </p:pic>
+    </p:spTree>
+    <p:extLst>
+      <p:ext uri="{BB962C8B-B14F-4D97-AF65-F5344CB8AC3E}">
+        <p14:creationId xmlns:p14="http://schemas.microsoft.com/office/powerpoint/2010/main" val="2242814331"/>
+      </p:ext>
+    </p:extLst>
+  </p:cSld>
+  <p:clrMapOvr>
+    <a:masterClrMapping/>
+  </p:clrMapOvr>
+</p:sld>
+</file>
+
+<file path=ppt/slides/slide7.xml><?xml version="1.0" encoding="utf-8"?>
+<p:sld xmlns:a="http://schemas.openxmlformats.org/drawingml/2006/main" xmlns:r="http://schemas.openxmlformats.org/officeDocument/2006/relationships" xmlns:p="http://schemas.openxmlformats.org/presentationml/2006/main">
+  <p:cSld>
+    <p:spTree>
+      <p:nvGrpSpPr>
+        <p:cNvPr id="1" name="">
+          <a:extLst>
+            <a:ext uri="{FF2B5EF4-FFF2-40B4-BE49-F238E27FC236}">
+              <a16:creationId xmlns:a16="http://schemas.microsoft.com/office/drawing/2014/main" id="{AE19A732-23A2-928F-1707-5BE147632C57}"/>
+            </a:ext>
+          </a:extLst>
+        </p:cNvPr>
+        <p:cNvGrpSpPr/>
+        <p:nvPr/>
+      </p:nvGrpSpPr>
+      <p:grpSpPr>
+        <a:xfrm>
+          <a:off x="0" y="0"/>
+          <a:ext cx="0" cy="0"/>
+          <a:chOff x="0" y="0"/>
+          <a:chExt cx="0" cy="0"/>
+        </a:xfrm>
+      </p:grpSpPr>
+      <p:sp>
+        <p:nvSpPr>
+          <p:cNvPr id="8" name="QuadreDeText 3">
+            <a:extLst>
+              <a:ext uri="{FF2B5EF4-FFF2-40B4-BE49-F238E27FC236}">
+                <a16:creationId xmlns:a16="http://schemas.microsoft.com/office/drawing/2014/main" id="{0993D80F-3972-6FB3-DF7A-E234A6A536B0}"/>
+              </a:ext>
+            </a:extLst>
+          </p:cNvPr>
+          <p:cNvSpPr txBox="1"/>
+          <p:nvPr/>
+        </p:nvSpPr>
+        <p:spPr>
+          <a:xfrm>
+            <a:off x="505958" y="250347"/>
+            <a:ext cx="11230211" cy="707886"/>
+          </a:xfrm>
+          <a:prstGeom prst="rect">
+            <a:avLst/>
+          </a:prstGeom>
+          <a:noFill/>
+        </p:spPr>
+        <p:txBody>
+          <a:bodyPr wrap="square">
+            <a:spAutoFit/>
+          </a:bodyPr>
+          <a:lstStyle/>
+          <a:p>
+            <a:r>
+              <a:rPr lang="es-ES" sz="2400" b="1" dirty="0">
+                <a:solidFill>
+                  <a:schemeClr val="accent3">
+                    <a:lumMod val="50000"/>
+                  </a:schemeClr>
+                </a:solidFill>
+                <a:effectLst/>
+                <a:latin typeface="+mj-lt"/>
+              </a:rPr>
+              <a:t>CUANTIFICACIÓN DE LA</a:t>
+            </a:r>
+            <a:r>
+              <a:rPr lang="es-ES" sz="2400" b="1" dirty="0">
+                <a:solidFill>
+                  <a:schemeClr val="accent3">
+                    <a:lumMod val="50000"/>
+                  </a:schemeClr>
+                </a:solidFill>
+                <a:latin typeface="+mj-lt"/>
+              </a:rPr>
+              <a:t>S</a:t>
+            </a:r>
+            <a:r>
+              <a:rPr lang="es-ES" sz="2400" b="1" dirty="0">
+                <a:solidFill>
+                  <a:schemeClr val="accent3">
+                    <a:lumMod val="50000"/>
+                  </a:schemeClr>
+                </a:solidFill>
+                <a:effectLst/>
+                <a:latin typeface="+mj-lt"/>
+              </a:rPr>
+              <a:t> RELACIONES ENTRE VARIABLES</a:t>
+            </a:r>
+          </a:p>
+          <a:p>
+            <a:r>
+              <a:rPr lang="es-ES" altLang="es-ES" sz="1600" dirty="0"/>
+              <a:t>¿Los clientes con préstamos e hipotecas tienden a tener un ¿saldo medio más bajo o más riesgo de incumplimiento? </a:t>
+            </a:r>
+          </a:p>
+        </p:txBody>
+      </p:sp>
+      <p:graphicFrame>
+        <p:nvGraphicFramePr>
+          <p:cNvPr id="7" name="Taula 6">
+            <a:extLst>
+              <a:ext uri="{FF2B5EF4-FFF2-40B4-BE49-F238E27FC236}">
+                <a16:creationId xmlns:a16="http://schemas.microsoft.com/office/drawing/2014/main" id="{6CC86CBB-F038-1700-F2FA-81797C03E4E3}"/>
+              </a:ext>
+            </a:extLst>
+          </p:cNvPr>
+          <p:cNvGraphicFramePr>
+            <a:graphicFrameLocks noGrp="1"/>
+          </p:cNvGraphicFramePr>
+          <p:nvPr>
+            <p:extLst>
+              <p:ext uri="{D42A27DB-BD31-4B8C-83A1-F6EECF244321}">
+                <p14:modId xmlns:p14="http://schemas.microsoft.com/office/powerpoint/2010/main" val="3404877017"/>
+              </p:ext>
+            </p:extLst>
+          </p:nvPr>
+        </p:nvGraphicFramePr>
+        <p:xfrm>
+          <a:off x="505958" y="1349187"/>
+          <a:ext cx="3420582" cy="1923600"/>
+        </p:xfrm>
+        <a:graphic>
+          <a:graphicData uri="http://schemas.openxmlformats.org/drawingml/2006/table">
+            <a:tbl>
+              <a:tblPr firstRow="1" bandRow="1">
+                <a:tableStyleId>{6E25E649-3F16-4E02-A733-19D2CDBF48F0}</a:tableStyleId>
+              </a:tblPr>
+              <a:tblGrid>
+                <a:gridCol w="1140194">
+                  <a:extLst>
+                    <a:ext uri="{9D8B030D-6E8A-4147-A177-3AD203B41FA5}">
+                      <a16:colId xmlns:a16="http://schemas.microsoft.com/office/drawing/2014/main" val="1184834251"/>
+                    </a:ext>
+                  </a:extLst>
+                </a:gridCol>
+                <a:gridCol w="1140194">
+                  <a:extLst>
+                    <a:ext uri="{9D8B030D-6E8A-4147-A177-3AD203B41FA5}">
+                      <a16:colId xmlns:a16="http://schemas.microsoft.com/office/drawing/2014/main" val="192274667"/>
+                    </a:ext>
+                  </a:extLst>
+                </a:gridCol>
+                <a:gridCol w="1140194">
+                  <a:extLst>
+                    <a:ext uri="{9D8B030D-6E8A-4147-A177-3AD203B41FA5}">
+                      <a16:colId xmlns:a16="http://schemas.microsoft.com/office/drawing/2014/main" val="3922078841"/>
+                    </a:ext>
+                  </a:extLst>
+                </a:gridCol>
+              </a:tblGrid>
+              <a:tr h="676837">
+                <a:tc>
+                  <a:txBody>
+                    <a:bodyPr/>
+                    <a:lstStyle/>
+                    <a:p>
+                      <a:pPr algn="ctr"/>
+                      <a:r>
+                        <a:rPr lang="ca-ES" sz="1000" dirty="0">
+                          <a:solidFill>
+                            <a:schemeClr val="tx1"/>
+                          </a:solidFill>
+                        </a:rPr>
+                        <a:t>SALDO MEDIO</a:t>
+                      </a:r>
+                    </a:p>
+                    <a:p>
+                      <a:pPr algn="ctr"/>
+                      <a:r>
+                        <a:rPr lang="ca-ES" sz="1000" dirty="0" err="1">
+                          <a:solidFill>
+                            <a:schemeClr val="tx1"/>
+                          </a:solidFill>
+                        </a:rPr>
+                        <a:t>Vs</a:t>
+                      </a:r>
+                      <a:endParaRPr lang="ca-ES" sz="1000" dirty="0">
+                        <a:solidFill>
+                          <a:schemeClr val="tx1"/>
+                        </a:solidFill>
+                      </a:endParaRPr>
+                    </a:p>
+                    <a:p>
+                      <a:pPr algn="ctr"/>
+                      <a:r>
+                        <a:rPr lang="ca-ES" sz="1000" dirty="0">
+                          <a:solidFill>
+                            <a:schemeClr val="tx1"/>
+                          </a:solidFill>
+                        </a:rPr>
+                        <a:t>PRESTAMO E HIPOTECA</a:t>
+                      </a:r>
+                    </a:p>
+                  </a:txBody>
+                  <a:tcPr>
+                    <a:lnL w="12700" cap="flat" cmpd="sng" algn="ctr">
+                      <a:solidFill>
+                        <a:schemeClr val="tx1"/>
+                      </a:solidFill>
+                      <a:prstDash val="solid"/>
+                      <a:round/>
+                      <a:headEnd type="none" w="med" len="med"/>
+                      <a:tailEnd type="none" w="med" len="med"/>
+                    </a:lnL>
+                    <a:lnR w="12700" cap="flat" cmpd="sng" algn="ctr">
+                      <a:solidFill>
+                        <a:schemeClr val="tx1"/>
+                      </a:solidFill>
+                      <a:prstDash val="solid"/>
+                      <a:round/>
+                      <a:headEnd type="none" w="med" len="med"/>
+                      <a:tailEnd type="none" w="med" len="med"/>
+                    </a:lnR>
+                    <a:lnT w="12700" cap="flat" cmpd="sng" algn="ctr">
+                      <a:solidFill>
+                        <a:schemeClr val="tx1"/>
+                      </a:solidFill>
+                      <a:prstDash val="solid"/>
+                      <a:round/>
+                      <a:headEnd type="none" w="med" len="med"/>
+                      <a:tailEnd type="none" w="med" len="med"/>
+                    </a:lnT>
+                    <a:lnB w="12700" cap="flat" cmpd="sng" algn="ctr">
+                      <a:solidFill>
+                        <a:schemeClr val="tx1"/>
+                      </a:solidFill>
+                      <a:prstDash val="solid"/>
+                      <a:round/>
+                      <a:headEnd type="none" w="med" len="med"/>
+                      <a:tailEnd type="none" w="med" len="med"/>
+                    </a:lnB>
+                    <a:lnTlToBr w="12700" cmpd="sng">
+                      <a:noFill/>
+                      <a:prstDash val="solid"/>
+                    </a:lnTlToBr>
+                    <a:lnBlToTr w="12700" cmpd="sng">
+                      <a:noFill/>
+                      <a:prstDash val="solid"/>
+                    </a:lnBlToTr>
+                    <a:solidFill>
+                      <a:schemeClr val="bg1"/>
+                    </a:solidFill>
+                  </a:tcPr>
+                </a:tc>
+                <a:tc>
+                  <a:txBody>
+                    <a:bodyPr/>
+                    <a:lstStyle/>
+                    <a:p>
+                      <a:pPr algn="ctr"/>
+                      <a:r>
+                        <a:rPr lang="ca-ES" sz="1000" dirty="0"/>
+                        <a:t>SIN PRESTAMO</a:t>
+                      </a:r>
+                    </a:p>
+                  </a:txBody>
+                  <a:tcPr anchor="ctr">
+                    <a:lnL w="12700" cap="flat" cmpd="sng" algn="ctr">
+                      <a:solidFill>
+                        <a:schemeClr val="tx1"/>
+                      </a:solidFill>
+                      <a:prstDash val="solid"/>
+                      <a:round/>
+                      <a:headEnd type="none" w="med" len="med"/>
+                      <a:tailEnd type="none" w="med" len="med"/>
+                    </a:lnL>
+                    <a:lnR w="12700" cap="flat" cmpd="sng" algn="ctr">
+                      <a:solidFill>
+                        <a:schemeClr val="tx1"/>
+                      </a:solidFill>
+                      <a:prstDash val="solid"/>
+                      <a:round/>
+                      <a:headEnd type="none" w="med" len="med"/>
+                      <a:tailEnd type="none" w="med" len="med"/>
+                    </a:lnR>
+                    <a:lnT w="12700" cap="flat" cmpd="sng" algn="ctr">
+                      <a:solidFill>
+                        <a:schemeClr val="tx1"/>
+                      </a:solidFill>
+                      <a:prstDash val="solid"/>
+                      <a:round/>
+                      <a:headEnd type="none" w="med" len="med"/>
+                      <a:tailEnd type="none" w="med" len="med"/>
+                    </a:lnT>
+                    <a:lnB w="12700" cap="flat" cmpd="sng" algn="ctr">
+                      <a:solidFill>
+                        <a:schemeClr val="tx1"/>
+                      </a:solidFill>
+                      <a:prstDash val="solid"/>
+                      <a:round/>
+                      <a:headEnd type="none" w="med" len="med"/>
+                      <a:tailEnd type="none" w="med" len="med"/>
+                    </a:lnB>
+                    <a:lnTlToBr w="12700" cmpd="sng">
+                      <a:noFill/>
+                      <a:prstDash val="solid"/>
+                    </a:lnTlToBr>
+                    <a:lnBlToTr w="12700" cmpd="sng">
+                      <a:noFill/>
+                      <a:prstDash val="solid"/>
+                    </a:lnBlToTr>
+                  </a:tcPr>
+                </a:tc>
+                <a:tc>
+                  <a:txBody>
+                    <a:bodyPr/>
+                    <a:lstStyle/>
+                    <a:p>
+                      <a:pPr algn="ctr"/>
+                      <a:r>
+                        <a:rPr lang="ca-ES" sz="1000" dirty="0"/>
+                        <a:t>CON PRESTAMO</a:t>
+                      </a:r>
+                    </a:p>
+                  </a:txBody>
+                  <a:tcPr anchor="ctr">
+                    <a:lnL w="12700" cap="flat" cmpd="sng" algn="ctr">
+                      <a:solidFill>
+                        <a:schemeClr val="tx1"/>
+                      </a:solidFill>
+                      <a:prstDash val="solid"/>
+                      <a:round/>
+                      <a:headEnd type="none" w="med" len="med"/>
+                      <a:tailEnd type="none" w="med" len="med"/>
+                    </a:lnL>
+                    <a:lnR w="12700" cap="flat" cmpd="sng" algn="ctr">
+                      <a:solidFill>
+                        <a:schemeClr val="tx1"/>
+                      </a:solidFill>
+                      <a:prstDash val="solid"/>
+                      <a:round/>
+                      <a:headEnd type="none" w="med" len="med"/>
+                      <a:tailEnd type="none" w="med" len="med"/>
+                    </a:lnR>
+                    <a:lnT w="12700" cap="flat" cmpd="sng" algn="ctr">
+                      <a:solidFill>
+                        <a:schemeClr val="tx1"/>
+                      </a:solidFill>
+                      <a:prstDash val="solid"/>
+                      <a:round/>
+                      <a:headEnd type="none" w="med" len="med"/>
+                      <a:tailEnd type="none" w="med" len="med"/>
+                    </a:lnT>
+                    <a:lnB w="12700" cap="flat" cmpd="sng" algn="ctr">
+                      <a:solidFill>
+                        <a:schemeClr val="tx1"/>
+                      </a:solidFill>
+                      <a:prstDash val="solid"/>
+                      <a:round/>
+                      <a:headEnd type="none" w="med" len="med"/>
+                      <a:tailEnd type="none" w="med" len="med"/>
+                    </a:lnB>
+                    <a:lnTlToBr w="12700" cmpd="sng">
+                      <a:noFill/>
+                      <a:prstDash val="solid"/>
+                    </a:lnTlToBr>
+                    <a:lnBlToTr w="12700" cmpd="sng">
+                      <a:noFill/>
+                      <a:prstDash val="solid"/>
+                    </a:lnBlToTr>
+                  </a:tcPr>
+                </a:tc>
+                <a:extLst>
+                  <a:ext uri="{0D108BD9-81ED-4DB2-BD59-A6C34878D82A}">
+                    <a16:rowId xmlns:a16="http://schemas.microsoft.com/office/drawing/2014/main" val="343259582"/>
+                  </a:ext>
+                </a:extLst>
+              </a:tr>
+              <a:tr h="611280">
+                <a:tc>
+                  <a:txBody>
+                    <a:bodyPr/>
+                    <a:lstStyle/>
+                    <a:p>
+                      <a:pPr marL="0" algn="ctr" defTabSz="914400" rtl="0" eaLnBrk="1" latinLnBrk="0" hangingPunct="1"/>
+                      <a:r>
+                        <a:rPr lang="ca-ES" sz="1000" b="1" kern="1200" dirty="0">
+                          <a:solidFill>
+                            <a:schemeClr val="lt1"/>
+                          </a:solidFill>
+                          <a:latin typeface="+mn-lt"/>
+                          <a:ea typeface="+mn-ea"/>
+                          <a:cs typeface="+mn-cs"/>
+                        </a:rPr>
+                        <a:t>SIN HIPOTECA</a:t>
+                      </a:r>
+                    </a:p>
+                  </a:txBody>
+                  <a:tcPr anchor="ctr">
+                    <a:lnL w="12700" cap="flat" cmpd="sng" algn="ctr">
+                      <a:solidFill>
+                        <a:schemeClr val="tx1"/>
+                      </a:solidFill>
+                      <a:prstDash val="solid"/>
+                      <a:round/>
+                      <a:headEnd type="none" w="med" len="med"/>
+                      <a:tailEnd type="none" w="med" len="med"/>
+                    </a:lnL>
+                    <a:lnR w="12700" cap="flat" cmpd="sng" algn="ctr">
+                      <a:solidFill>
+                        <a:schemeClr val="tx1"/>
+                      </a:solidFill>
+                      <a:prstDash val="solid"/>
+                      <a:round/>
+                      <a:headEnd type="none" w="med" len="med"/>
+                      <a:tailEnd type="none" w="med" len="med"/>
+                    </a:lnR>
+                    <a:lnT w="12700" cap="flat" cmpd="sng" algn="ctr">
+                      <a:solidFill>
+                        <a:schemeClr val="tx1"/>
+                      </a:solidFill>
+                      <a:prstDash val="solid"/>
+                      <a:round/>
+                      <a:headEnd type="none" w="med" len="med"/>
+                      <a:tailEnd type="none" w="med" len="med"/>
+                    </a:lnT>
+                    <a:lnB w="12700" cap="flat" cmpd="sng" algn="ctr">
+                      <a:solidFill>
+                        <a:schemeClr val="tx1"/>
+                      </a:solidFill>
+                      <a:prstDash val="solid"/>
+                      <a:round/>
+                      <a:headEnd type="none" w="med" len="med"/>
+                      <a:tailEnd type="none" w="med" len="med"/>
+                    </a:lnB>
+                    <a:lnTlToBr w="12700" cmpd="sng">
+                      <a:noFill/>
+                      <a:prstDash val="solid"/>
+                    </a:lnTlToBr>
+                    <a:lnBlToTr w="12700" cmpd="sng">
+                      <a:noFill/>
+                      <a:prstDash val="solid"/>
+                    </a:lnBlToTr>
+                    <a:solidFill>
+                      <a:schemeClr val="accent1"/>
+                    </a:solidFill>
+                  </a:tcPr>
+                </a:tc>
+                <a:tc>
+                  <a:txBody>
+                    <a:bodyPr/>
+                    <a:lstStyle/>
+                    <a:p>
+                      <a:pPr algn="ctr"/>
+                      <a:r>
+                        <a:rPr lang="ca-ES" sz="1400" b="1" dirty="0">
+                          <a:solidFill>
+                            <a:schemeClr val="tx1"/>
+                          </a:solidFill>
+                        </a:rPr>
+                        <a:t>1868,09</a:t>
+                      </a:r>
+                    </a:p>
+                  </a:txBody>
+                  <a:tcPr anchor="ctr">
+                    <a:lnL w="12700" cap="flat" cmpd="sng" algn="ctr">
+                      <a:solidFill>
+                        <a:schemeClr val="tx1"/>
+                      </a:solidFill>
+                      <a:prstDash val="solid"/>
+                      <a:round/>
+                      <a:headEnd type="none" w="med" len="med"/>
+                      <a:tailEnd type="none" w="med" len="med"/>
+                    </a:lnL>
+                    <a:lnR w="12700" cap="flat" cmpd="sng" algn="ctr">
+                      <a:solidFill>
+                        <a:schemeClr val="tx1"/>
+                      </a:solidFill>
+                      <a:prstDash val="solid"/>
+                      <a:round/>
+                      <a:headEnd type="none" w="med" len="med"/>
+                      <a:tailEnd type="none" w="med" len="med"/>
+                    </a:lnR>
+                    <a:lnT w="12700" cap="flat" cmpd="sng" algn="ctr">
+                      <a:solidFill>
+                        <a:schemeClr val="tx1"/>
+                      </a:solidFill>
+                      <a:prstDash val="solid"/>
+                      <a:round/>
+                      <a:headEnd type="none" w="med" len="med"/>
+                      <a:tailEnd type="none" w="med" len="med"/>
+                    </a:lnT>
+                    <a:lnB w="12700" cap="flat" cmpd="sng" algn="ctr">
+                      <a:solidFill>
+                        <a:schemeClr val="tx1"/>
+                      </a:solidFill>
+                      <a:prstDash val="solid"/>
+                      <a:round/>
+                      <a:headEnd type="none" w="med" len="med"/>
+                      <a:tailEnd type="none" w="med" len="med"/>
+                    </a:lnB>
+                    <a:lnTlToBr w="12700" cmpd="sng">
+                      <a:noFill/>
+                      <a:prstDash val="solid"/>
+                    </a:lnTlToBr>
+                    <a:lnBlToTr w="12700" cmpd="sng">
+                      <a:noFill/>
+                      <a:prstDash val="solid"/>
+                    </a:lnBlToTr>
+                    <a:solidFill>
+                      <a:schemeClr val="bg1"/>
+                    </a:solidFill>
+                  </a:tcPr>
+                </a:tc>
+                <a:tc>
+                  <a:txBody>
+                    <a:bodyPr/>
+                    <a:lstStyle/>
+                    <a:p>
+                      <a:pPr algn="ctr"/>
+                      <a:r>
+                        <a:rPr lang="ca-ES" sz="1400" b="1" dirty="0">
+                          <a:solidFill>
+                            <a:schemeClr val="tx1"/>
+                          </a:solidFill>
+                        </a:rPr>
+                        <a:t>877,98</a:t>
+                      </a:r>
+                    </a:p>
+                    <a:p>
+                      <a:pPr algn="ctr"/>
+                      <a:r>
+                        <a:rPr lang="ca-ES" sz="1200" b="1" dirty="0">
+                          <a:solidFill>
+                            <a:srgbClr val="FF0000"/>
+                          </a:solidFill>
+                        </a:rPr>
+                        <a:t>-53%</a:t>
+                      </a:r>
+                    </a:p>
+                  </a:txBody>
+                  <a:tcPr anchor="ctr">
+                    <a:lnL w="12700" cap="flat" cmpd="sng" algn="ctr">
+                      <a:solidFill>
+                        <a:schemeClr val="tx1"/>
+                      </a:solidFill>
+                      <a:prstDash val="solid"/>
+                      <a:round/>
+                      <a:headEnd type="none" w="med" len="med"/>
+                      <a:tailEnd type="none" w="med" len="med"/>
+                    </a:lnL>
+                    <a:lnR w="12700" cap="flat" cmpd="sng" algn="ctr">
+                      <a:solidFill>
+                        <a:schemeClr val="tx1"/>
+                      </a:solidFill>
+                      <a:prstDash val="solid"/>
+                      <a:round/>
+                      <a:headEnd type="none" w="med" len="med"/>
+                      <a:tailEnd type="none" w="med" len="med"/>
+                    </a:lnR>
+                    <a:lnT w="12700" cap="flat" cmpd="sng" algn="ctr">
+                      <a:solidFill>
+                        <a:schemeClr val="tx1"/>
+                      </a:solidFill>
+                      <a:prstDash val="solid"/>
+                      <a:round/>
+                      <a:headEnd type="none" w="med" len="med"/>
+                      <a:tailEnd type="none" w="med" len="med"/>
+                    </a:lnT>
+                    <a:lnB w="12700" cap="flat" cmpd="sng" algn="ctr">
+                      <a:solidFill>
+                        <a:schemeClr val="tx1"/>
+                      </a:solidFill>
+                      <a:prstDash val="solid"/>
+                      <a:round/>
+                      <a:headEnd type="none" w="med" len="med"/>
+                      <a:tailEnd type="none" w="med" len="med"/>
+                    </a:lnB>
+                    <a:lnTlToBr w="12700" cmpd="sng">
+                      <a:noFill/>
+                      <a:prstDash val="solid"/>
+                    </a:lnTlToBr>
+                    <a:lnBlToTr w="12700" cmpd="sng">
+                      <a:noFill/>
+                      <a:prstDash val="solid"/>
+                    </a:lnBlToTr>
+                    <a:solidFill>
+                      <a:schemeClr val="bg1"/>
+                    </a:solidFill>
+                  </a:tcPr>
+                </a:tc>
+                <a:extLst>
+                  <a:ext uri="{0D108BD9-81ED-4DB2-BD59-A6C34878D82A}">
+                    <a16:rowId xmlns:a16="http://schemas.microsoft.com/office/drawing/2014/main" val="1134799246"/>
+                  </a:ext>
+                </a:extLst>
+              </a:tr>
+              <a:tr h="611280">
+                <a:tc>
+                  <a:txBody>
+                    <a:bodyPr/>
+                    <a:lstStyle/>
+                    <a:p>
+                      <a:pPr marL="0" algn="ctr" defTabSz="914400" rtl="0" eaLnBrk="1" latinLnBrk="0" hangingPunct="1"/>
+                      <a:r>
+                        <a:rPr lang="ca-ES" sz="1000" b="1" kern="1200" dirty="0">
+                          <a:solidFill>
+                            <a:schemeClr val="lt1"/>
+                          </a:solidFill>
+                          <a:latin typeface="+mn-lt"/>
+                          <a:ea typeface="+mn-ea"/>
+                          <a:cs typeface="+mn-cs"/>
+                        </a:rPr>
+                        <a:t>CON HIPOTECA</a:t>
+                      </a:r>
+                    </a:p>
+                  </a:txBody>
+                  <a:tcPr anchor="ctr">
+                    <a:lnL w="12700" cap="flat" cmpd="sng" algn="ctr">
+                      <a:solidFill>
+                        <a:schemeClr val="tx1"/>
+                      </a:solidFill>
+                      <a:prstDash val="solid"/>
+                      <a:round/>
+                      <a:headEnd type="none" w="med" len="med"/>
+                      <a:tailEnd type="none" w="med" len="med"/>
+                    </a:lnL>
+                    <a:lnR w="12700" cap="flat" cmpd="sng" algn="ctr">
+                      <a:solidFill>
+                        <a:schemeClr val="tx1"/>
+                      </a:solidFill>
+                      <a:prstDash val="solid"/>
+                      <a:round/>
+                      <a:headEnd type="none" w="med" len="med"/>
+                      <a:tailEnd type="none" w="med" len="med"/>
+                    </a:lnR>
+                    <a:lnT w="12700" cap="flat" cmpd="sng" algn="ctr">
+                      <a:solidFill>
+                        <a:schemeClr val="tx1"/>
+                      </a:solidFill>
+                      <a:prstDash val="solid"/>
+                      <a:round/>
+                      <a:headEnd type="none" w="med" len="med"/>
+                      <a:tailEnd type="none" w="med" len="med"/>
+                    </a:lnT>
+                    <a:lnB w="12700" cap="flat" cmpd="sng" algn="ctr">
+                      <a:solidFill>
+                        <a:schemeClr val="tx1"/>
+                      </a:solidFill>
+                      <a:prstDash val="solid"/>
+                      <a:round/>
+                      <a:headEnd type="none" w="med" len="med"/>
+                      <a:tailEnd type="none" w="med" len="med"/>
+                    </a:lnB>
+                    <a:lnTlToBr w="12700" cmpd="sng">
+                      <a:noFill/>
+                      <a:prstDash val="solid"/>
+                    </a:lnTlToBr>
+                    <a:lnBlToTr w="12700" cmpd="sng">
+                      <a:noFill/>
+                      <a:prstDash val="solid"/>
+                    </a:lnBlToTr>
+                    <a:solidFill>
+                      <a:schemeClr val="accent1"/>
+                    </a:solidFill>
+                  </a:tcPr>
+                </a:tc>
+                <a:tc>
+                  <a:txBody>
+                    <a:bodyPr/>
+                    <a:lstStyle/>
+                    <a:p>
+                      <a:pPr algn="ctr"/>
+                      <a:r>
+                        <a:rPr lang="ca-ES" sz="1400" b="1" dirty="0">
+                          <a:solidFill>
+                            <a:schemeClr val="tx1"/>
+                          </a:solidFill>
+                        </a:rPr>
+                        <a:t>1359,35</a:t>
+                      </a:r>
+                    </a:p>
+                    <a:p>
+                      <a:pPr algn="ctr"/>
+                      <a:r>
+                        <a:rPr lang="ca-ES" sz="1200" b="1" dirty="0">
+                          <a:solidFill>
+                            <a:srgbClr val="FF0000"/>
+                          </a:solidFill>
+                        </a:rPr>
+                        <a:t>-27,2%</a:t>
+                      </a:r>
+                    </a:p>
+                  </a:txBody>
+                  <a:tcPr anchor="ctr">
+                    <a:lnL w="12700" cap="flat" cmpd="sng" algn="ctr">
+                      <a:solidFill>
+                        <a:schemeClr val="tx1"/>
+                      </a:solidFill>
+                      <a:prstDash val="solid"/>
+                      <a:round/>
+                      <a:headEnd type="none" w="med" len="med"/>
+                      <a:tailEnd type="none" w="med" len="med"/>
+                    </a:lnL>
+                    <a:lnR w="12700" cap="flat" cmpd="sng" algn="ctr">
+                      <a:solidFill>
+                        <a:schemeClr val="tx1"/>
+                      </a:solidFill>
+                      <a:prstDash val="solid"/>
+                      <a:round/>
+                      <a:headEnd type="none" w="med" len="med"/>
+                      <a:tailEnd type="none" w="med" len="med"/>
+                    </a:lnR>
+                    <a:lnT w="12700" cap="flat" cmpd="sng" algn="ctr">
+                      <a:solidFill>
+                        <a:schemeClr val="tx1"/>
+                      </a:solidFill>
+                      <a:prstDash val="solid"/>
+                      <a:round/>
+                      <a:headEnd type="none" w="med" len="med"/>
+                      <a:tailEnd type="none" w="med" len="med"/>
+                    </a:lnT>
+                    <a:lnB w="12700" cap="flat" cmpd="sng" algn="ctr">
+                      <a:solidFill>
+                        <a:schemeClr val="tx1"/>
+                      </a:solidFill>
+                      <a:prstDash val="solid"/>
+                      <a:round/>
+                      <a:headEnd type="none" w="med" len="med"/>
+                      <a:tailEnd type="none" w="med" len="med"/>
+                    </a:lnB>
+                    <a:lnTlToBr w="12700" cmpd="sng">
+                      <a:noFill/>
+                      <a:prstDash val="solid"/>
+                    </a:lnTlToBr>
+                    <a:lnBlToTr w="12700" cmpd="sng">
+                      <a:noFill/>
+                      <a:prstDash val="solid"/>
+                    </a:lnBlToTr>
+                    <a:solidFill>
+                      <a:schemeClr val="bg1"/>
+                    </a:solidFill>
+                  </a:tcPr>
+                </a:tc>
+                <a:tc>
+                  <a:txBody>
+                    <a:bodyPr/>
+                    <a:lstStyle/>
+                    <a:p>
+                      <a:pPr algn="ctr"/>
+                      <a:r>
+                        <a:rPr lang="ca-ES" sz="1400" b="1" dirty="0">
+                          <a:solidFill>
+                            <a:schemeClr val="tx1"/>
+                          </a:solidFill>
+                        </a:rPr>
+                        <a:t>783,29</a:t>
+                      </a:r>
+                    </a:p>
+                    <a:p>
+                      <a:pPr algn="ctr"/>
+                      <a:r>
+                        <a:rPr lang="ca-ES" sz="1200" b="1" dirty="0">
+                          <a:solidFill>
+                            <a:srgbClr val="FF0000"/>
+                          </a:solidFill>
+                        </a:rPr>
+                        <a:t>-58,1%</a:t>
+                      </a:r>
+                    </a:p>
+                  </a:txBody>
+                  <a:tcPr anchor="ctr">
+                    <a:lnL w="12700" cap="flat" cmpd="sng" algn="ctr">
+                      <a:solidFill>
+                        <a:schemeClr val="tx1"/>
+                      </a:solidFill>
+                      <a:prstDash val="solid"/>
+                      <a:round/>
+                      <a:headEnd type="none" w="med" len="med"/>
+                      <a:tailEnd type="none" w="med" len="med"/>
+                    </a:lnL>
+                    <a:lnR w="12700" cap="flat" cmpd="sng" algn="ctr">
+                      <a:solidFill>
+                        <a:schemeClr val="tx1"/>
+                      </a:solidFill>
+                      <a:prstDash val="solid"/>
+                      <a:round/>
+                      <a:headEnd type="none" w="med" len="med"/>
+                      <a:tailEnd type="none" w="med" len="med"/>
+                    </a:lnR>
+                    <a:lnT w="12700" cap="flat" cmpd="sng" algn="ctr">
+                      <a:solidFill>
+                        <a:schemeClr val="tx1"/>
+                      </a:solidFill>
+                      <a:prstDash val="solid"/>
+                      <a:round/>
+                      <a:headEnd type="none" w="med" len="med"/>
+                      <a:tailEnd type="none" w="med" len="med"/>
+                    </a:lnT>
+                    <a:lnB w="12700" cap="flat" cmpd="sng" algn="ctr">
+                      <a:solidFill>
+                        <a:schemeClr val="tx1"/>
+                      </a:solidFill>
+                      <a:prstDash val="solid"/>
+                      <a:round/>
+                      <a:headEnd type="none" w="med" len="med"/>
+                      <a:tailEnd type="none" w="med" len="med"/>
+                    </a:lnB>
+                    <a:lnTlToBr w="12700" cmpd="sng">
+                      <a:noFill/>
+                      <a:prstDash val="solid"/>
+                    </a:lnTlToBr>
+                    <a:lnBlToTr w="12700" cmpd="sng">
+                      <a:noFill/>
+                      <a:prstDash val="solid"/>
+                    </a:lnBlToTr>
+                    <a:solidFill>
+                      <a:schemeClr val="bg1"/>
+                    </a:solidFill>
+                  </a:tcPr>
+                </a:tc>
+                <a:extLst>
+                  <a:ext uri="{0D108BD9-81ED-4DB2-BD59-A6C34878D82A}">
+                    <a16:rowId xmlns:a16="http://schemas.microsoft.com/office/drawing/2014/main" val="578657590"/>
+                  </a:ext>
+                </a:extLst>
+              </a:tr>
+            </a:tbl>
+          </a:graphicData>
+        </a:graphic>
+      </p:graphicFrame>
+      <p:graphicFrame>
+        <p:nvGraphicFramePr>
+          <p:cNvPr id="9" name="Taula 8">
+            <a:extLst>
+              <a:ext uri="{FF2B5EF4-FFF2-40B4-BE49-F238E27FC236}">
+                <a16:creationId xmlns:a16="http://schemas.microsoft.com/office/drawing/2014/main" id="{532A9336-A071-DC83-5B2A-2DC9E0C1BE49}"/>
+              </a:ext>
+            </a:extLst>
+          </p:cNvPr>
+          <p:cNvGraphicFramePr>
+            <a:graphicFrameLocks noGrp="1"/>
+          </p:cNvGraphicFramePr>
+          <p:nvPr>
+            <p:extLst>
+              <p:ext uri="{D42A27DB-BD31-4B8C-83A1-F6EECF244321}">
+                <p14:modId xmlns:p14="http://schemas.microsoft.com/office/powerpoint/2010/main" val="303346833"/>
+              </p:ext>
+            </p:extLst>
+          </p:nvPr>
+        </p:nvGraphicFramePr>
+        <p:xfrm>
+          <a:off x="505959" y="3975846"/>
+          <a:ext cx="3420582" cy="2255520"/>
+        </p:xfrm>
+        <a:graphic>
+          <a:graphicData uri="http://schemas.openxmlformats.org/drawingml/2006/table">
+            <a:tbl>
+              <a:tblPr firstRow="1" bandRow="1">
+                <a:tableStyleId>{6E25E649-3F16-4E02-A733-19D2CDBF48F0}</a:tableStyleId>
+              </a:tblPr>
+              <a:tblGrid>
+                <a:gridCol w="1140194">
+                  <a:extLst>
+                    <a:ext uri="{9D8B030D-6E8A-4147-A177-3AD203B41FA5}">
+                      <a16:colId xmlns:a16="http://schemas.microsoft.com/office/drawing/2014/main" val="1184834251"/>
+                    </a:ext>
+                  </a:extLst>
+                </a:gridCol>
+                <a:gridCol w="1140194">
+                  <a:extLst>
+                    <a:ext uri="{9D8B030D-6E8A-4147-A177-3AD203B41FA5}">
+                      <a16:colId xmlns:a16="http://schemas.microsoft.com/office/drawing/2014/main" val="192274667"/>
+                    </a:ext>
+                  </a:extLst>
+                </a:gridCol>
+                <a:gridCol w="1140194">
+                  <a:extLst>
+                    <a:ext uri="{9D8B030D-6E8A-4147-A177-3AD203B41FA5}">
+                      <a16:colId xmlns:a16="http://schemas.microsoft.com/office/drawing/2014/main" val="3922078841"/>
+                    </a:ext>
+                  </a:extLst>
+                </a:gridCol>
+              </a:tblGrid>
+              <a:tr h="793378">
+                <a:tc>
+                  <a:txBody>
+                    <a:bodyPr/>
+                    <a:lstStyle/>
+                    <a:p>
+                      <a:pPr algn="ctr"/>
+                      <a:r>
+                        <a:rPr lang="ca-ES" sz="1000" dirty="0">
+                          <a:solidFill>
+                            <a:schemeClr val="tx1"/>
+                          </a:solidFill>
+                        </a:rPr>
+                        <a:t>% INCUMPLIMIENTO</a:t>
+                      </a:r>
+                    </a:p>
+                    <a:p>
+                      <a:pPr algn="ctr"/>
+                      <a:r>
+                        <a:rPr lang="ca-ES" sz="1000" dirty="0" err="1">
+                          <a:solidFill>
+                            <a:schemeClr val="tx1"/>
+                          </a:solidFill>
+                        </a:rPr>
+                        <a:t>Vs</a:t>
+                      </a:r>
+                      <a:endParaRPr lang="ca-ES" sz="1000" dirty="0">
+                        <a:solidFill>
+                          <a:schemeClr val="tx1"/>
+                        </a:solidFill>
+                      </a:endParaRPr>
+                    </a:p>
+                    <a:p>
+                      <a:pPr algn="ctr"/>
+                      <a:r>
+                        <a:rPr lang="ca-ES" sz="1000" dirty="0">
+                          <a:solidFill>
+                            <a:schemeClr val="tx1"/>
+                          </a:solidFill>
+                        </a:rPr>
+                        <a:t>PRESTAMO E HIPOTECA</a:t>
+                      </a:r>
+                    </a:p>
+                  </a:txBody>
+                  <a:tcPr>
+                    <a:lnL w="12700" cap="flat" cmpd="sng" algn="ctr">
+                      <a:solidFill>
+                        <a:schemeClr val="tx1"/>
+                      </a:solidFill>
+                      <a:prstDash val="solid"/>
+                      <a:round/>
+                      <a:headEnd type="none" w="med" len="med"/>
+                      <a:tailEnd type="none" w="med" len="med"/>
+                    </a:lnL>
+                    <a:lnR w="12700" cap="flat" cmpd="sng" algn="ctr">
+                      <a:solidFill>
+                        <a:schemeClr val="tx1"/>
+                      </a:solidFill>
+                      <a:prstDash val="solid"/>
+                      <a:round/>
+                      <a:headEnd type="none" w="med" len="med"/>
+                      <a:tailEnd type="none" w="med" len="med"/>
+                    </a:lnR>
+                    <a:lnT w="12700" cap="flat" cmpd="sng" algn="ctr">
+                      <a:solidFill>
+                        <a:schemeClr val="tx1"/>
+                      </a:solidFill>
+                      <a:prstDash val="solid"/>
+                      <a:round/>
+                      <a:headEnd type="none" w="med" len="med"/>
+                      <a:tailEnd type="none" w="med" len="med"/>
+                    </a:lnT>
+                    <a:lnB w="12700" cap="flat" cmpd="sng" algn="ctr">
+                      <a:solidFill>
+                        <a:schemeClr val="tx1"/>
+                      </a:solidFill>
+                      <a:prstDash val="solid"/>
+                      <a:round/>
+                      <a:headEnd type="none" w="med" len="med"/>
+                      <a:tailEnd type="none" w="med" len="med"/>
+                    </a:lnB>
+                    <a:lnTlToBr w="12700" cmpd="sng">
+                      <a:noFill/>
+                      <a:prstDash val="solid"/>
+                    </a:lnTlToBr>
+                    <a:lnBlToTr w="12700" cmpd="sng">
+                      <a:noFill/>
+                      <a:prstDash val="solid"/>
+                    </a:lnBlToTr>
+                    <a:solidFill>
+                      <a:schemeClr val="bg1"/>
+                    </a:solidFill>
+                  </a:tcPr>
+                </a:tc>
+                <a:tc>
+                  <a:txBody>
+                    <a:bodyPr/>
+                    <a:lstStyle/>
+                    <a:p>
+                      <a:pPr algn="ctr"/>
+                      <a:r>
+                        <a:rPr lang="ca-ES" sz="1000" dirty="0"/>
+                        <a:t>SIN PRESTAMO</a:t>
+                      </a:r>
+                    </a:p>
+                  </a:txBody>
+                  <a:tcPr anchor="ctr">
+                    <a:lnL w="12700" cap="flat" cmpd="sng" algn="ctr">
+                      <a:solidFill>
+                        <a:schemeClr val="tx1"/>
+                      </a:solidFill>
+                      <a:prstDash val="solid"/>
+                      <a:round/>
+                      <a:headEnd type="none" w="med" len="med"/>
+                      <a:tailEnd type="none" w="med" len="med"/>
+                    </a:lnL>
+                    <a:lnR w="12700" cap="flat" cmpd="sng" algn="ctr">
+                      <a:solidFill>
+                        <a:schemeClr val="tx1"/>
+                      </a:solidFill>
+                      <a:prstDash val="solid"/>
+                      <a:round/>
+                      <a:headEnd type="none" w="med" len="med"/>
+                      <a:tailEnd type="none" w="med" len="med"/>
+                    </a:lnR>
+                    <a:lnT w="12700" cap="flat" cmpd="sng" algn="ctr">
+                      <a:solidFill>
+                        <a:schemeClr val="tx1"/>
+                      </a:solidFill>
+                      <a:prstDash val="solid"/>
+                      <a:round/>
+                      <a:headEnd type="none" w="med" len="med"/>
+                      <a:tailEnd type="none" w="med" len="med"/>
+                    </a:lnT>
+                    <a:lnB w="12700" cap="flat" cmpd="sng" algn="ctr">
+                      <a:solidFill>
+                        <a:schemeClr val="tx1"/>
+                      </a:solidFill>
+                      <a:prstDash val="solid"/>
+                      <a:round/>
+                      <a:headEnd type="none" w="med" len="med"/>
+                      <a:tailEnd type="none" w="med" len="med"/>
+                    </a:lnB>
+                    <a:lnTlToBr w="12700" cmpd="sng">
+                      <a:noFill/>
+                      <a:prstDash val="solid"/>
+                    </a:lnTlToBr>
+                    <a:lnBlToTr w="12700" cmpd="sng">
+                      <a:noFill/>
+                      <a:prstDash val="solid"/>
+                    </a:lnBlToTr>
+                  </a:tcPr>
+                </a:tc>
+                <a:tc>
+                  <a:txBody>
+                    <a:bodyPr/>
+                    <a:lstStyle/>
+                    <a:p>
+                      <a:pPr algn="ctr"/>
+                      <a:r>
+                        <a:rPr lang="ca-ES" sz="1000" dirty="0"/>
+                        <a:t>CON PRESTAMO</a:t>
+                      </a:r>
+                    </a:p>
+                  </a:txBody>
+                  <a:tcPr anchor="ctr">
+                    <a:lnL w="12700" cap="flat" cmpd="sng" algn="ctr">
+                      <a:solidFill>
+                        <a:schemeClr val="tx1"/>
+                      </a:solidFill>
+                      <a:prstDash val="solid"/>
+                      <a:round/>
+                      <a:headEnd type="none" w="med" len="med"/>
+                      <a:tailEnd type="none" w="med" len="med"/>
+                    </a:lnL>
+                    <a:lnR w="12700" cap="flat" cmpd="sng" algn="ctr">
+                      <a:solidFill>
+                        <a:schemeClr val="tx1"/>
+                      </a:solidFill>
+                      <a:prstDash val="solid"/>
+                      <a:round/>
+                      <a:headEnd type="none" w="med" len="med"/>
+                      <a:tailEnd type="none" w="med" len="med"/>
+                    </a:lnR>
+                    <a:lnT w="12700" cap="flat" cmpd="sng" algn="ctr">
+                      <a:solidFill>
+                        <a:schemeClr val="tx1"/>
+                      </a:solidFill>
+                      <a:prstDash val="solid"/>
+                      <a:round/>
+                      <a:headEnd type="none" w="med" len="med"/>
+                      <a:tailEnd type="none" w="med" len="med"/>
+                    </a:lnT>
+                    <a:lnB w="12700" cap="flat" cmpd="sng" algn="ctr">
+                      <a:solidFill>
+                        <a:schemeClr val="tx1"/>
+                      </a:solidFill>
+                      <a:prstDash val="solid"/>
+                      <a:round/>
+                      <a:headEnd type="none" w="med" len="med"/>
+                      <a:tailEnd type="none" w="med" len="med"/>
+                    </a:lnB>
+                    <a:lnTlToBr w="12700" cmpd="sng">
+                      <a:noFill/>
+                      <a:prstDash val="solid"/>
+                    </a:lnTlToBr>
+                    <a:lnBlToTr w="12700" cmpd="sng">
+                      <a:noFill/>
+                      <a:prstDash val="solid"/>
+                    </a:lnBlToTr>
+                  </a:tcPr>
+                </a:tc>
+                <a:extLst>
+                  <a:ext uri="{0D108BD9-81ED-4DB2-BD59-A6C34878D82A}">
+                    <a16:rowId xmlns:a16="http://schemas.microsoft.com/office/drawing/2014/main" val="343259582"/>
+                  </a:ext>
+                </a:extLst>
+              </a:tr>
+              <a:tr h="518163">
+                <a:tc>
+                  <a:txBody>
+                    <a:bodyPr/>
+                    <a:lstStyle/>
+                    <a:p>
+                      <a:pPr marL="0" algn="ctr" defTabSz="914400" rtl="0" eaLnBrk="1" latinLnBrk="0" hangingPunct="1"/>
+                      <a:r>
+                        <a:rPr lang="ca-ES" sz="1000" b="1" kern="1200" dirty="0">
+                          <a:solidFill>
+                            <a:schemeClr val="lt1"/>
+                          </a:solidFill>
+                          <a:latin typeface="+mn-lt"/>
+                          <a:ea typeface="+mn-ea"/>
+                          <a:cs typeface="+mn-cs"/>
+                        </a:rPr>
+                        <a:t>SIN HIPOTECA</a:t>
+                      </a:r>
+                    </a:p>
+                  </a:txBody>
+                  <a:tcPr anchor="ctr">
+                    <a:lnL w="12700" cap="flat" cmpd="sng" algn="ctr">
+                      <a:solidFill>
+                        <a:schemeClr val="tx1"/>
+                      </a:solidFill>
+                      <a:prstDash val="solid"/>
+                      <a:round/>
+                      <a:headEnd type="none" w="med" len="med"/>
+                      <a:tailEnd type="none" w="med" len="med"/>
+                    </a:lnL>
+                    <a:lnR w="12700" cap="flat" cmpd="sng" algn="ctr">
+                      <a:solidFill>
+                        <a:schemeClr val="tx1"/>
+                      </a:solidFill>
+                      <a:prstDash val="solid"/>
+                      <a:round/>
+                      <a:headEnd type="none" w="med" len="med"/>
+                      <a:tailEnd type="none" w="med" len="med"/>
+                    </a:lnR>
+                    <a:lnT w="12700" cap="flat" cmpd="sng" algn="ctr">
+                      <a:solidFill>
+                        <a:schemeClr val="tx1"/>
+                      </a:solidFill>
+                      <a:prstDash val="solid"/>
+                      <a:round/>
+                      <a:headEnd type="none" w="med" len="med"/>
+                      <a:tailEnd type="none" w="med" len="med"/>
+                    </a:lnT>
+                    <a:lnB w="12700" cap="flat" cmpd="sng" algn="ctr">
+                      <a:solidFill>
+                        <a:schemeClr val="tx1"/>
+                      </a:solidFill>
+                      <a:prstDash val="solid"/>
+                      <a:round/>
+                      <a:headEnd type="none" w="med" len="med"/>
+                      <a:tailEnd type="none" w="med" len="med"/>
+                    </a:lnB>
+                    <a:lnTlToBr w="12700" cmpd="sng">
+                      <a:noFill/>
+                      <a:prstDash val="solid"/>
+                    </a:lnTlToBr>
+                    <a:lnBlToTr w="12700" cmpd="sng">
+                      <a:noFill/>
+                      <a:prstDash val="solid"/>
+                    </a:lnBlToTr>
+                    <a:solidFill>
+                      <a:schemeClr val="accent1"/>
+                    </a:solidFill>
+                  </a:tcPr>
+                </a:tc>
+                <a:tc>
+                  <a:txBody>
+                    <a:bodyPr/>
+                    <a:lstStyle/>
+                    <a:p>
+                      <a:pPr algn="ctr"/>
+                      <a:r>
+                        <a:rPr lang="ca-ES" sz="1400" b="1" dirty="0">
+                          <a:solidFill>
+                            <a:schemeClr val="tx1"/>
+                          </a:solidFill>
+                        </a:rPr>
+                        <a:t>0,92%</a:t>
+                      </a:r>
+                    </a:p>
+                  </a:txBody>
+                  <a:tcPr anchor="ctr">
+                    <a:lnL w="12700" cap="flat" cmpd="sng" algn="ctr">
+                      <a:solidFill>
+                        <a:schemeClr val="tx1"/>
+                      </a:solidFill>
+                      <a:prstDash val="solid"/>
+                      <a:round/>
+                      <a:headEnd type="none" w="med" len="med"/>
+                      <a:tailEnd type="none" w="med" len="med"/>
+                    </a:lnL>
+                    <a:lnR w="12700" cap="flat" cmpd="sng" algn="ctr">
+                      <a:solidFill>
+                        <a:schemeClr val="tx1"/>
+                      </a:solidFill>
+                      <a:prstDash val="solid"/>
+                      <a:round/>
+                      <a:headEnd type="none" w="med" len="med"/>
+                      <a:tailEnd type="none" w="med" len="med"/>
+                    </a:lnR>
+                    <a:lnT w="12700" cap="flat" cmpd="sng" algn="ctr">
+                      <a:solidFill>
+                        <a:schemeClr val="tx1"/>
+                      </a:solidFill>
+                      <a:prstDash val="solid"/>
+                      <a:round/>
+                      <a:headEnd type="none" w="med" len="med"/>
+                      <a:tailEnd type="none" w="med" len="med"/>
+                    </a:lnT>
+                    <a:lnB w="12700" cap="flat" cmpd="sng" algn="ctr">
+                      <a:solidFill>
+                        <a:schemeClr val="tx1"/>
+                      </a:solidFill>
+                      <a:prstDash val="solid"/>
+                      <a:round/>
+                      <a:headEnd type="none" w="med" len="med"/>
+                      <a:tailEnd type="none" w="med" len="med"/>
+                    </a:lnB>
+                    <a:lnTlToBr w="12700" cmpd="sng">
+                      <a:noFill/>
+                      <a:prstDash val="solid"/>
+                    </a:lnTlToBr>
+                    <a:lnBlToTr w="12700" cmpd="sng">
+                      <a:noFill/>
+                      <a:prstDash val="solid"/>
+                    </a:lnBlToTr>
+                    <a:solidFill>
+                      <a:schemeClr val="bg1"/>
+                    </a:solidFill>
+                  </a:tcPr>
+                </a:tc>
+                <a:tc>
+                  <a:txBody>
+                    <a:bodyPr/>
+                    <a:lstStyle/>
+                    <a:p>
+                      <a:pPr algn="ctr"/>
+                      <a:r>
+                        <a:rPr lang="ca-ES" sz="1400" b="1" dirty="0">
+                          <a:solidFill>
+                            <a:schemeClr val="tx1"/>
+                          </a:solidFill>
+                        </a:rPr>
+                        <a:t>5,27%</a:t>
+                      </a:r>
+                    </a:p>
+                    <a:p>
+                      <a:pPr marL="0" marR="0" lvl="0" indent="0" algn="ctr" defTabSz="914400" rtl="0" eaLnBrk="1" fontAlgn="auto" latinLnBrk="0" hangingPunct="1">
+                        <a:lnSpc>
+                          <a:spcPct val="100000"/>
+                        </a:lnSpc>
+                        <a:spcBef>
+                          <a:spcPts val="0"/>
+                        </a:spcBef>
+                        <a:spcAft>
+                          <a:spcPts val="0"/>
+                        </a:spcAft>
+                        <a:buClrTx/>
+                        <a:buSzTx/>
+                        <a:buFontTx/>
+                        <a:buNone/>
+                        <a:tabLst/>
+                        <a:defRPr/>
+                      </a:pPr>
+                      <a:r>
+                        <a:rPr lang="ca-ES" sz="1200" b="1" dirty="0">
+                          <a:solidFill>
+                            <a:srgbClr val="00B050"/>
+                          </a:solidFill>
+                        </a:rPr>
+                        <a:t>+472,8%</a:t>
+                      </a:r>
+                    </a:p>
+                    <a:p>
+                      <a:pPr algn="ctr"/>
+                      <a:endParaRPr lang="ca-ES" sz="1400" b="1" dirty="0">
+                        <a:solidFill>
+                          <a:schemeClr val="tx1"/>
+                        </a:solidFill>
+                      </a:endParaRPr>
+                    </a:p>
+                  </a:txBody>
+                  <a:tcPr anchor="ctr">
+                    <a:lnL w="12700" cap="flat" cmpd="sng" algn="ctr">
+                      <a:solidFill>
+                        <a:schemeClr val="tx1"/>
+                      </a:solidFill>
+                      <a:prstDash val="solid"/>
+                      <a:round/>
+                      <a:headEnd type="none" w="med" len="med"/>
+                      <a:tailEnd type="none" w="med" len="med"/>
+                    </a:lnL>
+                    <a:lnR w="12700" cap="flat" cmpd="sng" algn="ctr">
+                      <a:solidFill>
+                        <a:schemeClr val="tx1"/>
+                      </a:solidFill>
+                      <a:prstDash val="solid"/>
+                      <a:round/>
+                      <a:headEnd type="none" w="med" len="med"/>
+                      <a:tailEnd type="none" w="med" len="med"/>
+                    </a:lnR>
+                    <a:lnT w="12700" cap="flat" cmpd="sng" algn="ctr">
+                      <a:solidFill>
+                        <a:schemeClr val="tx1"/>
+                      </a:solidFill>
+                      <a:prstDash val="solid"/>
+                      <a:round/>
+                      <a:headEnd type="none" w="med" len="med"/>
+                      <a:tailEnd type="none" w="med" len="med"/>
+                    </a:lnT>
+                    <a:lnB w="12700" cap="flat" cmpd="sng" algn="ctr">
+                      <a:solidFill>
+                        <a:schemeClr val="tx1"/>
+                      </a:solidFill>
+                      <a:prstDash val="solid"/>
+                      <a:round/>
+                      <a:headEnd type="none" w="med" len="med"/>
+                      <a:tailEnd type="none" w="med" len="med"/>
+                    </a:lnB>
+                    <a:lnTlToBr w="12700" cmpd="sng">
+                      <a:noFill/>
+                      <a:prstDash val="solid"/>
+                    </a:lnTlToBr>
+                    <a:lnBlToTr w="12700" cmpd="sng">
+                      <a:noFill/>
+                      <a:prstDash val="solid"/>
+                    </a:lnBlToTr>
+                    <a:solidFill>
+                      <a:schemeClr val="bg1"/>
+                    </a:solidFill>
+                  </a:tcPr>
+                </a:tc>
+                <a:extLst>
+                  <a:ext uri="{0D108BD9-81ED-4DB2-BD59-A6C34878D82A}">
+                    <a16:rowId xmlns:a16="http://schemas.microsoft.com/office/drawing/2014/main" val="1134799246"/>
+                  </a:ext>
+                </a:extLst>
+              </a:tr>
+              <a:tr h="518163">
+                <a:tc>
+                  <a:txBody>
+                    <a:bodyPr/>
+                    <a:lstStyle/>
+                    <a:p>
+                      <a:pPr marL="0" algn="ctr" defTabSz="914400" rtl="0" eaLnBrk="1" latinLnBrk="0" hangingPunct="1"/>
+                      <a:r>
+                        <a:rPr lang="ca-ES" sz="1000" b="1" kern="1200" dirty="0">
+                          <a:solidFill>
+                            <a:schemeClr val="lt1"/>
+                          </a:solidFill>
+                          <a:latin typeface="+mn-lt"/>
+                          <a:ea typeface="+mn-ea"/>
+                          <a:cs typeface="+mn-cs"/>
+                        </a:rPr>
+                        <a:t>CON HIPOTECA</a:t>
+                      </a:r>
+                    </a:p>
+                  </a:txBody>
+                  <a:tcPr anchor="ctr">
+                    <a:lnL w="12700" cap="flat" cmpd="sng" algn="ctr">
+                      <a:solidFill>
+                        <a:schemeClr val="tx1"/>
+                      </a:solidFill>
+                      <a:prstDash val="solid"/>
+                      <a:round/>
+                      <a:headEnd type="none" w="med" len="med"/>
+                      <a:tailEnd type="none" w="med" len="med"/>
+                    </a:lnL>
+                    <a:lnR w="12700" cap="flat" cmpd="sng" algn="ctr">
+                      <a:solidFill>
+                        <a:schemeClr val="tx1"/>
+                      </a:solidFill>
+                      <a:prstDash val="solid"/>
+                      <a:round/>
+                      <a:headEnd type="none" w="med" len="med"/>
+                      <a:tailEnd type="none" w="med" len="med"/>
+                    </a:lnR>
+                    <a:lnT w="12700" cap="flat" cmpd="sng" algn="ctr">
+                      <a:solidFill>
+                        <a:schemeClr val="tx1"/>
+                      </a:solidFill>
+                      <a:prstDash val="solid"/>
+                      <a:round/>
+                      <a:headEnd type="none" w="med" len="med"/>
+                      <a:tailEnd type="none" w="med" len="med"/>
+                    </a:lnT>
+                    <a:lnB w="12700" cap="flat" cmpd="sng" algn="ctr">
+                      <a:solidFill>
+                        <a:schemeClr val="tx1"/>
+                      </a:solidFill>
+                      <a:prstDash val="solid"/>
+                      <a:round/>
+                      <a:headEnd type="none" w="med" len="med"/>
+                      <a:tailEnd type="none" w="med" len="med"/>
+                    </a:lnB>
+                    <a:lnTlToBr w="12700" cmpd="sng">
+                      <a:noFill/>
+                      <a:prstDash val="solid"/>
+                    </a:lnTlToBr>
+                    <a:lnBlToTr w="12700" cmpd="sng">
+                      <a:noFill/>
+                      <a:prstDash val="solid"/>
+                    </a:lnBlToTr>
+                    <a:solidFill>
+                      <a:schemeClr val="accent1"/>
+                    </a:solidFill>
+                  </a:tcPr>
+                </a:tc>
+                <a:tc>
+                  <a:txBody>
+                    <a:bodyPr/>
+                    <a:lstStyle/>
+                    <a:p>
+                      <a:pPr algn="ctr"/>
+                      <a:r>
+                        <a:rPr lang="ca-ES" sz="1400" b="1" dirty="0">
+                          <a:solidFill>
+                            <a:schemeClr val="tx1"/>
+                          </a:solidFill>
+                        </a:rPr>
+                        <a:t>1,37%</a:t>
+                      </a:r>
+                    </a:p>
+                    <a:p>
+                      <a:pPr marL="0" marR="0" lvl="0" indent="0" algn="ctr" defTabSz="914400" rtl="0" eaLnBrk="1" fontAlgn="auto" latinLnBrk="0" hangingPunct="1">
+                        <a:lnSpc>
+                          <a:spcPct val="100000"/>
+                        </a:lnSpc>
+                        <a:spcBef>
+                          <a:spcPts val="0"/>
+                        </a:spcBef>
+                        <a:spcAft>
+                          <a:spcPts val="0"/>
+                        </a:spcAft>
+                        <a:buClrTx/>
+                        <a:buSzTx/>
+                        <a:buFontTx/>
+                        <a:buNone/>
+                        <a:tabLst/>
+                        <a:defRPr/>
+                      </a:pPr>
+                      <a:r>
+                        <a:rPr lang="ca-ES" sz="1200" b="1" dirty="0">
+                          <a:solidFill>
+                            <a:srgbClr val="00B050"/>
+                          </a:solidFill>
+                        </a:rPr>
+                        <a:t>+48,9%</a:t>
+                      </a:r>
+                    </a:p>
+                    <a:p>
+                      <a:pPr algn="ctr"/>
+                      <a:endParaRPr lang="ca-ES" sz="1400" b="1" dirty="0">
+                        <a:solidFill>
+                          <a:schemeClr val="tx1"/>
+                        </a:solidFill>
+                      </a:endParaRPr>
+                    </a:p>
+                  </a:txBody>
+                  <a:tcPr anchor="ctr">
+                    <a:lnL w="12700" cap="flat" cmpd="sng" algn="ctr">
+                      <a:solidFill>
+                        <a:schemeClr val="tx1"/>
+                      </a:solidFill>
+                      <a:prstDash val="solid"/>
+                      <a:round/>
+                      <a:headEnd type="none" w="med" len="med"/>
+                      <a:tailEnd type="none" w="med" len="med"/>
+                    </a:lnL>
+                    <a:lnR w="12700" cap="flat" cmpd="sng" algn="ctr">
+                      <a:solidFill>
+                        <a:schemeClr val="tx1"/>
+                      </a:solidFill>
+                      <a:prstDash val="solid"/>
+                      <a:round/>
+                      <a:headEnd type="none" w="med" len="med"/>
+                      <a:tailEnd type="none" w="med" len="med"/>
+                    </a:lnR>
+                    <a:lnT w="12700" cap="flat" cmpd="sng" algn="ctr">
+                      <a:solidFill>
+                        <a:schemeClr val="tx1"/>
+                      </a:solidFill>
+                      <a:prstDash val="solid"/>
+                      <a:round/>
+                      <a:headEnd type="none" w="med" len="med"/>
+                      <a:tailEnd type="none" w="med" len="med"/>
+                    </a:lnT>
+                    <a:lnB w="12700" cap="flat" cmpd="sng" algn="ctr">
+                      <a:solidFill>
+                        <a:schemeClr val="tx1"/>
+                      </a:solidFill>
+                      <a:prstDash val="solid"/>
+                      <a:round/>
+                      <a:headEnd type="none" w="med" len="med"/>
+                      <a:tailEnd type="none" w="med" len="med"/>
+                    </a:lnB>
+                    <a:lnTlToBr w="12700" cmpd="sng">
+                      <a:noFill/>
+                      <a:prstDash val="solid"/>
+                    </a:lnTlToBr>
+                    <a:lnBlToTr w="12700" cmpd="sng">
+                      <a:noFill/>
+                      <a:prstDash val="solid"/>
+                    </a:lnBlToTr>
+                    <a:solidFill>
+                      <a:schemeClr val="bg1"/>
+                    </a:solidFill>
+                  </a:tcPr>
+                </a:tc>
+                <a:tc>
+                  <a:txBody>
+                    <a:bodyPr/>
+                    <a:lstStyle/>
+                    <a:p>
+                      <a:pPr algn="ctr"/>
+                      <a:r>
+                        <a:rPr lang="ca-ES" sz="1400" b="1" dirty="0">
+                          <a:solidFill>
+                            <a:schemeClr val="tx1"/>
+                          </a:solidFill>
+                        </a:rPr>
+                        <a:t>2,79%</a:t>
+                      </a:r>
+                    </a:p>
+                    <a:p>
+                      <a:pPr algn="ctr"/>
+                      <a:r>
+                        <a:rPr lang="ca-ES" sz="1200" b="1" dirty="0">
+                          <a:solidFill>
+                            <a:srgbClr val="00B050"/>
+                          </a:solidFill>
+                        </a:rPr>
+                        <a:t>+203,3%</a:t>
+                      </a:r>
+                    </a:p>
+                    <a:p>
+                      <a:pPr algn="ctr"/>
+                      <a:endParaRPr lang="ca-ES" sz="1400" b="1" dirty="0">
+                        <a:solidFill>
+                          <a:schemeClr val="tx1"/>
+                        </a:solidFill>
+                      </a:endParaRPr>
+                    </a:p>
+                  </a:txBody>
+                  <a:tcPr anchor="ctr">
+                    <a:lnL w="12700" cap="flat" cmpd="sng" algn="ctr">
+                      <a:solidFill>
+                        <a:schemeClr val="tx1"/>
+                      </a:solidFill>
+                      <a:prstDash val="solid"/>
+                      <a:round/>
+                      <a:headEnd type="none" w="med" len="med"/>
+                      <a:tailEnd type="none" w="med" len="med"/>
+                    </a:lnL>
+                    <a:lnR w="12700" cap="flat" cmpd="sng" algn="ctr">
+                      <a:solidFill>
+                        <a:schemeClr val="tx1"/>
+                      </a:solidFill>
+                      <a:prstDash val="solid"/>
+                      <a:round/>
+                      <a:headEnd type="none" w="med" len="med"/>
+                      <a:tailEnd type="none" w="med" len="med"/>
+                    </a:lnR>
+                    <a:lnT w="12700" cap="flat" cmpd="sng" algn="ctr">
+                      <a:solidFill>
+                        <a:schemeClr val="tx1"/>
+                      </a:solidFill>
+                      <a:prstDash val="solid"/>
+                      <a:round/>
+                      <a:headEnd type="none" w="med" len="med"/>
+                      <a:tailEnd type="none" w="med" len="med"/>
+                    </a:lnT>
+                    <a:lnB w="12700" cap="flat" cmpd="sng" algn="ctr">
+                      <a:solidFill>
+                        <a:schemeClr val="tx1"/>
+                      </a:solidFill>
+                      <a:prstDash val="solid"/>
+                      <a:round/>
+                      <a:headEnd type="none" w="med" len="med"/>
+                      <a:tailEnd type="none" w="med" len="med"/>
+                    </a:lnB>
+                    <a:lnTlToBr w="12700" cmpd="sng">
+                      <a:noFill/>
+                      <a:prstDash val="solid"/>
+                    </a:lnTlToBr>
+                    <a:lnBlToTr w="12700" cmpd="sng">
+                      <a:noFill/>
+                      <a:prstDash val="solid"/>
+                    </a:lnBlToTr>
+                    <a:solidFill>
+                      <a:schemeClr val="bg1"/>
+                    </a:solidFill>
+                  </a:tcPr>
+                </a:tc>
+                <a:extLst>
+                  <a:ext uri="{0D108BD9-81ED-4DB2-BD59-A6C34878D82A}">
+                    <a16:rowId xmlns:a16="http://schemas.microsoft.com/office/drawing/2014/main" val="578657590"/>
+                  </a:ext>
+                </a:extLst>
+              </a:tr>
+            </a:tbl>
+          </a:graphicData>
+        </a:graphic>
+      </p:graphicFrame>
+      <p:pic>
+        <p:nvPicPr>
+          <p:cNvPr id="11" name="Imatge 10">
+            <a:extLst>
+              <a:ext uri="{FF2B5EF4-FFF2-40B4-BE49-F238E27FC236}">
+                <a16:creationId xmlns:a16="http://schemas.microsoft.com/office/drawing/2014/main" id="{43E4E525-49B1-9BDF-05FB-D260227C996D}"/>
+              </a:ext>
+            </a:extLst>
+          </p:cNvPr>
+          <p:cNvPicPr>
+            <a:picLocks noChangeAspect="1"/>
+          </p:cNvPicPr>
+          <p:nvPr/>
+        </p:nvPicPr>
+        <p:blipFill>
+          <a:blip r:embed="rId3"/>
+          <a:stretch>
+            <a:fillRect/>
+          </a:stretch>
+        </p:blipFill>
+        <p:spPr>
+          <a:xfrm>
+            <a:off x="7223520" y="3975846"/>
+            <a:ext cx="1702222" cy="2048436"/>
+          </a:xfrm>
+          <a:prstGeom prst="rect">
+            <a:avLst/>
+          </a:prstGeom>
+        </p:spPr>
+      </p:pic>
+      <p:pic>
+        <p:nvPicPr>
+          <p:cNvPr id="13" name="Imatge 12">
+            <a:extLst>
+              <a:ext uri="{FF2B5EF4-FFF2-40B4-BE49-F238E27FC236}">
+                <a16:creationId xmlns:a16="http://schemas.microsoft.com/office/drawing/2014/main" id="{5722C7E0-813C-75DA-2442-CB4A462438F2}"/>
+              </a:ext>
+            </a:extLst>
+          </p:cNvPr>
+          <p:cNvPicPr>
+            <a:picLocks noChangeAspect="1"/>
+          </p:cNvPicPr>
+          <p:nvPr/>
+        </p:nvPicPr>
+        <p:blipFill>
+          <a:blip r:embed="rId3"/>
+          <a:stretch>
+            <a:fillRect/>
+          </a:stretch>
+        </p:blipFill>
+        <p:spPr>
+          <a:xfrm>
+            <a:off x="7219789" y="1281048"/>
+            <a:ext cx="1676930" cy="2189132"/>
+          </a:xfrm>
+          <a:prstGeom prst="rect">
+            <a:avLst/>
+          </a:prstGeom>
+        </p:spPr>
+      </p:pic>
+      <p:sp>
+        <p:nvSpPr>
+          <p:cNvPr id="16" name="QuadreDeText 16">
+            <a:extLst>
+              <a:ext uri="{FF2B5EF4-FFF2-40B4-BE49-F238E27FC236}">
+                <a16:creationId xmlns:a16="http://schemas.microsoft.com/office/drawing/2014/main" id="{E527841E-EE94-3483-E33C-22B1D43C59A9}"/>
+              </a:ext>
+            </a:extLst>
+          </p:cNvPr>
+          <p:cNvSpPr txBox="1"/>
+          <p:nvPr/>
+        </p:nvSpPr>
+        <p:spPr>
+          <a:xfrm>
+            <a:off x="4411984" y="958233"/>
+            <a:ext cx="2186885" cy="2685871"/>
+          </a:xfrm>
+          <a:prstGeom prst="roundRect">
+            <a:avLst/>
+          </a:prstGeom>
+          <a:solidFill>
+            <a:schemeClr val="accent5">
+              <a:lumMod val="25000"/>
+              <a:lumOff val="75000"/>
+            </a:schemeClr>
+          </a:solidFill>
+          <a:ln>
+            <a:solidFill>
+              <a:schemeClr val="bg1"/>
+            </a:solidFill>
+          </a:ln>
+        </p:spPr>
+        <p:txBody>
+          <a:bodyPr wrap="square">
+            <a:spAutoFit/>
+          </a:bodyPr>
+          <a:lstStyle/>
+          <a:p>
+            <a:pPr marL="285750" indent="-285750">
+              <a:buFont typeface="Wingdings" panose="05000000000000000000" pitchFamily="2" charset="2"/>
+              <a:buChar char="§"/>
+            </a:pPr>
+            <a:r>
+              <a:rPr lang="es-ES" sz="1300" dirty="0"/>
+              <a:t>Los clientes sin préstamo ni hipoteca son los que mayor saldo tienen</a:t>
+            </a:r>
+          </a:p>
+          <a:p>
+            <a:pPr marL="285750" indent="-285750">
+              <a:buFont typeface="Wingdings" panose="05000000000000000000" pitchFamily="2" charset="2"/>
+              <a:buChar char="§"/>
+            </a:pPr>
+            <a:r>
+              <a:rPr lang="es-ES" sz="1300" dirty="0"/>
+              <a:t>Le siguen con un -27,2% los que tienen hipoteca pero no préstamo </a:t>
+            </a:r>
+          </a:p>
+          <a:p>
+            <a:pPr marL="285750" indent="-285750">
+              <a:buFont typeface="Wingdings" panose="05000000000000000000" pitchFamily="2" charset="2"/>
+              <a:buChar char="§"/>
+            </a:pPr>
+            <a:r>
+              <a:rPr lang="es-ES" sz="1300" dirty="0"/>
+              <a:t>Cierran, con menos de la mitad de saldo las categorías con préstamo</a:t>
+            </a:r>
+          </a:p>
+        </p:txBody>
+      </p:sp>
+      <p:sp>
+        <p:nvSpPr>
+          <p:cNvPr id="19" name="QuadreDeText 16">
+            <a:extLst>
+              <a:ext uri="{FF2B5EF4-FFF2-40B4-BE49-F238E27FC236}">
+                <a16:creationId xmlns:a16="http://schemas.microsoft.com/office/drawing/2014/main" id="{8357148E-8755-3F47-94F0-1A7F261AD548}"/>
+              </a:ext>
+            </a:extLst>
+          </p:cNvPr>
+          <p:cNvSpPr txBox="1"/>
+          <p:nvPr/>
+        </p:nvSpPr>
+        <p:spPr>
+          <a:xfrm>
+            <a:off x="4411984" y="3673755"/>
+            <a:ext cx="2186885" cy="3088958"/>
+          </a:xfrm>
+          <a:prstGeom prst="roundRect">
+            <a:avLst/>
+          </a:prstGeom>
+          <a:solidFill>
+            <a:schemeClr val="accent5">
+              <a:lumMod val="25000"/>
+              <a:lumOff val="75000"/>
+            </a:schemeClr>
+          </a:solidFill>
+          <a:ln>
+            <a:solidFill>
+              <a:schemeClr val="bg1"/>
+            </a:solidFill>
+          </a:ln>
+        </p:spPr>
+        <p:txBody>
+          <a:bodyPr wrap="square">
+            <a:spAutoFit/>
+          </a:bodyPr>
+          <a:lstStyle/>
+          <a:p>
+            <a:pPr marL="285750" indent="-285750">
+              <a:buFont typeface="Wingdings" panose="05000000000000000000" pitchFamily="2" charset="2"/>
+              <a:buChar char="§"/>
+            </a:pPr>
+            <a:r>
+              <a:rPr lang="es-ES" sz="1300" dirty="0"/>
+              <a:t>Los clientes sin préstamo ni hipoteca son los que menor incumplimiento tienen</a:t>
+            </a:r>
+          </a:p>
+          <a:p>
+            <a:pPr marL="285750" indent="-285750">
+              <a:buFont typeface="Wingdings" panose="05000000000000000000" pitchFamily="2" charset="2"/>
+              <a:buChar char="§"/>
+            </a:pPr>
+            <a:r>
+              <a:rPr lang="es-ES" sz="1300" dirty="0"/>
+              <a:t>Le siguen con +48,9% los que tienen hipoteca pero no préstamo </a:t>
+            </a:r>
+          </a:p>
+          <a:p>
+            <a:pPr marL="285750" indent="-285750">
+              <a:buFont typeface="Wingdings" panose="05000000000000000000" pitchFamily="2" charset="2"/>
+              <a:buChar char="§"/>
+            </a:pPr>
+            <a:r>
+              <a:rPr lang="es-ES" sz="1300" dirty="0"/>
+              <a:t>Las categorías con préstamo incumplen 2 veces más (con Hipoteca) y casi 5 veces más (sin hipoteca)</a:t>
+            </a:r>
+          </a:p>
+        </p:txBody>
+      </p:sp>
+      <p:pic>
+        <p:nvPicPr>
+          <p:cNvPr id="3" name="Imatge 2">
+            <a:extLst>
+              <a:ext uri="{FF2B5EF4-FFF2-40B4-BE49-F238E27FC236}">
+                <a16:creationId xmlns:a16="http://schemas.microsoft.com/office/drawing/2014/main" id="{00A598EB-D5CB-2466-4CCD-18D1E4CAB4C8}"/>
+              </a:ext>
+            </a:extLst>
+          </p:cNvPr>
+          <p:cNvPicPr>
+            <a:picLocks noChangeAspect="1"/>
+          </p:cNvPicPr>
+          <p:nvPr/>
+        </p:nvPicPr>
+        <p:blipFill>
+          <a:blip r:embed="rId4"/>
+          <a:stretch>
+            <a:fillRect/>
+          </a:stretch>
+        </p:blipFill>
+        <p:spPr>
+          <a:xfrm>
+            <a:off x="11152681" y="86307"/>
+            <a:ext cx="1676930" cy="657688"/>
+          </a:xfrm>
+          <a:prstGeom prst="rect">
+            <a:avLst/>
+          </a:prstGeom>
+        </p:spPr>
+      </p:pic>
+      <p:pic>
+        <p:nvPicPr>
+          <p:cNvPr id="5" name="Imatge 4">
+            <a:extLst>
+              <a:ext uri="{FF2B5EF4-FFF2-40B4-BE49-F238E27FC236}">
+                <a16:creationId xmlns:a16="http://schemas.microsoft.com/office/drawing/2014/main" id="{17414A71-537B-8B38-74BA-38A392A4C888}"/>
+              </a:ext>
+            </a:extLst>
+          </p:cNvPr>
+          <p:cNvPicPr>
+            <a:picLocks noChangeAspect="1"/>
+          </p:cNvPicPr>
+          <p:nvPr/>
+        </p:nvPicPr>
+        <p:blipFill>
+          <a:blip r:embed="rId5"/>
+          <a:stretch>
+            <a:fillRect/>
+          </a:stretch>
+        </p:blipFill>
+        <p:spPr>
+          <a:xfrm>
+            <a:off x="11152681" y="1013924"/>
+            <a:ext cx="2186885" cy="605199"/>
+          </a:xfrm>
+          <a:prstGeom prst="rect">
+            <a:avLst/>
+          </a:prstGeom>
+        </p:spPr>
+      </p:pic>
+      <p:sp>
+        <p:nvSpPr>
+          <p:cNvPr id="6" name="QuadreDeText 16">
+            <a:extLst>
+              <a:ext uri="{FF2B5EF4-FFF2-40B4-BE49-F238E27FC236}">
+                <a16:creationId xmlns:a16="http://schemas.microsoft.com/office/drawing/2014/main" id="{EF99FA2A-F60F-BE70-6E49-2ACDF671DFA1}"/>
+              </a:ext>
+            </a:extLst>
+          </p:cNvPr>
+          <p:cNvSpPr txBox="1"/>
+          <p:nvPr/>
+        </p:nvSpPr>
+        <p:spPr>
+          <a:xfrm>
+            <a:off x="9505384" y="958233"/>
+            <a:ext cx="2473508" cy="2734092"/>
+          </a:xfrm>
+          <a:prstGeom prst="roundRect">
+            <a:avLst/>
+          </a:prstGeom>
+          <a:solidFill>
+            <a:schemeClr val="accent5">
+              <a:lumMod val="25000"/>
+              <a:lumOff val="75000"/>
+            </a:schemeClr>
+          </a:solidFill>
+          <a:ln>
+            <a:solidFill>
+              <a:schemeClr val="bg1"/>
+            </a:solidFill>
+          </a:ln>
+        </p:spPr>
+        <p:txBody>
+          <a:bodyPr wrap="square">
+            <a:spAutoFit/>
+          </a:bodyPr>
+          <a:lstStyle/>
+          <a:p>
+            <a:pPr marL="285750" indent="-285750">
+              <a:buFont typeface="Wingdings" panose="05000000000000000000" pitchFamily="2" charset="2"/>
+              <a:buChar char="§"/>
+            </a:pPr>
+            <a:r>
+              <a:rPr lang="es-ES" sz="1300" dirty="0"/>
+              <a:t>A MAYOR NUMERO DE PRODUCTOS CONTRATADOS MAYOR SALDO</a:t>
+            </a:r>
+          </a:p>
+          <a:p>
+            <a:pPr marL="285750" indent="-285750">
+              <a:buFont typeface="Wingdings" panose="05000000000000000000" pitchFamily="2" charset="2"/>
+              <a:buChar char="§"/>
+            </a:pPr>
+            <a:r>
+              <a:rPr lang="es-ES" sz="1300" dirty="0"/>
+              <a:t>LOS CLIENTES SIN PRÉSTAMO TIENEN EL DOBLE DE SALDO </a:t>
+            </a:r>
+          </a:p>
+          <a:p>
+            <a:pPr marL="285750" indent="-285750">
+              <a:buFont typeface="Wingdings" panose="05000000000000000000" pitchFamily="2" charset="2"/>
+              <a:buChar char="§"/>
+            </a:pPr>
+            <a:r>
+              <a:rPr lang="es-ES" sz="1300" dirty="0"/>
+              <a:t>LOS QUE TIENEN HIPOTECA  TIENEN TAMBIEN MENOR SALDO PERO EN MENOR MEDIDA(-10,8% Y -27,2%)</a:t>
+            </a:r>
+          </a:p>
+        </p:txBody>
+      </p:sp>
+      <p:sp>
+        <p:nvSpPr>
+          <p:cNvPr id="10" name="QuadreDeText 16">
+            <a:extLst>
+              <a:ext uri="{FF2B5EF4-FFF2-40B4-BE49-F238E27FC236}">
+                <a16:creationId xmlns:a16="http://schemas.microsoft.com/office/drawing/2014/main" id="{D713CB26-A822-A73F-B004-5F330F89EDD0}"/>
+              </a:ext>
+            </a:extLst>
+          </p:cNvPr>
+          <p:cNvSpPr txBox="1"/>
+          <p:nvPr/>
+        </p:nvSpPr>
+        <p:spPr>
+          <a:xfrm>
+            <a:off x="9550393" y="3748016"/>
+            <a:ext cx="2473508" cy="2315528"/>
+          </a:xfrm>
+          <a:prstGeom prst="roundRect">
+            <a:avLst/>
+          </a:prstGeom>
+          <a:solidFill>
+            <a:schemeClr val="accent5">
+              <a:lumMod val="25000"/>
+              <a:lumOff val="75000"/>
+            </a:schemeClr>
+          </a:solidFill>
+          <a:ln>
+            <a:solidFill>
+              <a:schemeClr val="bg1"/>
+            </a:solidFill>
+          </a:ln>
+        </p:spPr>
+        <p:txBody>
+          <a:bodyPr wrap="square">
+            <a:spAutoFit/>
+          </a:bodyPr>
+          <a:lstStyle/>
+          <a:p>
+            <a:pPr marL="285750" indent="-285750">
+              <a:buFont typeface="Wingdings" panose="05000000000000000000" pitchFamily="2" charset="2"/>
+              <a:buChar char="§"/>
+            </a:pPr>
+            <a:r>
+              <a:rPr lang="es-ES" sz="1300" dirty="0"/>
+              <a:t>LOS CLIENTES CON PRÉSTAMO  INCUMPLEN ENTRE UN 50,9% Y 472,8% MÁS</a:t>
+            </a:r>
+          </a:p>
+          <a:p>
+            <a:pPr marL="285750" indent="-285750">
+              <a:buFont typeface="Wingdings" panose="05000000000000000000" pitchFamily="2" charset="2"/>
+              <a:buChar char="§"/>
+            </a:pPr>
+            <a:r>
+              <a:rPr lang="es-ES" sz="1300" dirty="0"/>
+              <a:t>EL FACTOR HIPOTECA AUMENTA EL RIESGO EN UN 48,9% EN LOS SIN PRÉSTAMO  PERO LO DECRECE -47,1% EN LOS QUE TIENEN PRESTAMO</a:t>
+            </a:r>
+          </a:p>
+        </p:txBody>
+      </p:sp>
+    </p:spTree>
+    <p:extLst>
+      <p:ext uri="{BB962C8B-B14F-4D97-AF65-F5344CB8AC3E}">
+        <p14:creationId xmlns:p14="http://schemas.microsoft.com/office/powerpoint/2010/main" val="3613401054"/>
+      </p:ext>
+    </p:extLst>
+  </p:cSld>
+  <p:clrMapOvr>
+    <a:masterClrMapping/>
+  </p:clrMapOvr>
+</p:sld>
+</file>
+
+<file path=ppt/slides/slide8.xml><?xml version="1.0" encoding="utf-8"?>
+<p:sld xmlns:a="http://schemas.openxmlformats.org/drawingml/2006/main" xmlns:r="http://schemas.openxmlformats.org/officeDocument/2006/relationships" xmlns:p="http://schemas.openxmlformats.org/presentationml/2006/main">
+  <p:cSld>
+    <p:spTree>
+      <p:nvGrpSpPr>
+        <p:cNvPr id="1" name=""/>
+        <p:cNvGrpSpPr/>
+        <p:nvPr/>
+      </p:nvGrpSpPr>
+      <p:grpSpPr>
+        <a:xfrm>
+          <a:off x="0" y="0"/>
+          <a:ext cx="0" cy="0"/>
+          <a:chOff x="0" y="0"/>
+          <a:chExt cx="0" cy="0"/>
+        </a:xfrm>
+      </p:grpSpPr>
+      <p:sp>
+        <p:nvSpPr>
+          <p:cNvPr id="5" name="QuadreDeText 3">
+            <a:extLst>
+              <a:ext uri="{FF2B5EF4-FFF2-40B4-BE49-F238E27FC236}">
+                <a16:creationId xmlns:a16="http://schemas.microsoft.com/office/drawing/2014/main" id="{DB2F1EA4-1C0B-78BF-E2EA-8AB81F4C9702}"/>
+              </a:ext>
+            </a:extLst>
+          </p:cNvPr>
+          <p:cNvSpPr txBox="1"/>
+          <p:nvPr/>
+        </p:nvSpPr>
+        <p:spPr>
+          <a:xfrm>
+            <a:off x="505958" y="250347"/>
+            <a:ext cx="11230211" cy="677108"/>
+          </a:xfrm>
+          <a:prstGeom prst="rect">
+            <a:avLst/>
+          </a:prstGeom>
+          <a:noFill/>
+        </p:spPr>
+        <p:txBody>
+          <a:bodyPr wrap="square">
+            <a:spAutoFit/>
+          </a:bodyPr>
+          <a:lstStyle/>
+          <a:p>
+            <a:r>
+              <a:rPr lang="es-ES" sz="2400" b="1" dirty="0">
+                <a:solidFill>
+                  <a:schemeClr val="accent3">
+                    <a:lumMod val="50000"/>
+                  </a:schemeClr>
+                </a:solidFill>
+                <a:latin typeface="+mj-lt"/>
+              </a:rPr>
+              <a:t>RESPUESTAS</a:t>
+            </a:r>
+          </a:p>
+          <a:p>
+            <a:r>
+              <a:rPr lang="es-ES" altLang="es-ES" sz="1400" dirty="0"/>
+              <a:t>¿</a:t>
+            </a:r>
+            <a:r>
+              <a:rPr lang="es-ES" altLang="es-ES" sz="1400" b="1" dirty="0"/>
+              <a:t>Los clientes con préstamos e hipotecas tienden a tener un ¿saldo medio más bajo o más riesgo de incumplimiento? </a:t>
+            </a:r>
+          </a:p>
+        </p:txBody>
+      </p:sp>
+      <p:sp>
+        <p:nvSpPr>
+          <p:cNvPr id="14" name="QuadreDeText 13">
+            <a:extLst>
+              <a:ext uri="{FF2B5EF4-FFF2-40B4-BE49-F238E27FC236}">
+                <a16:creationId xmlns:a16="http://schemas.microsoft.com/office/drawing/2014/main" id="{25E84E95-7FB0-143A-D04B-1F6F4040721D}"/>
+              </a:ext>
+            </a:extLst>
+          </p:cNvPr>
+          <p:cNvSpPr txBox="1"/>
+          <p:nvPr/>
+        </p:nvSpPr>
+        <p:spPr>
+          <a:xfrm>
+            <a:off x="505958" y="1662385"/>
+            <a:ext cx="6669740" cy="2585323"/>
+          </a:xfrm>
+          <a:prstGeom prst="rect">
+            <a:avLst/>
+          </a:prstGeom>
+          <a:noFill/>
+        </p:spPr>
+        <p:txBody>
+          <a:bodyPr wrap="square">
+            <a:spAutoFit/>
+          </a:bodyPr>
+          <a:lstStyle/>
+          <a:p>
+            <a:r>
+              <a:rPr lang="es-ES" altLang="es-ES" sz="1800" dirty="0"/>
+              <a:t>Los clientes con </a:t>
+            </a:r>
+            <a:r>
+              <a:rPr lang="es-ES" altLang="es-ES" sz="1800" b="1" dirty="0"/>
+              <a:t>préstamos</a:t>
+            </a:r>
+            <a:r>
+              <a:rPr lang="es-ES" altLang="es-ES" dirty="0"/>
+              <a:t>:</a:t>
+            </a:r>
+          </a:p>
+          <a:p>
+            <a:r>
+              <a:rPr lang="es-ES" altLang="es-ES" sz="1800" dirty="0"/>
+              <a:t>Tienden a tener mucho menor saldo</a:t>
+            </a:r>
+          </a:p>
+          <a:p>
+            <a:r>
+              <a:rPr lang="es-ES" altLang="es-ES" dirty="0"/>
+              <a:t>Tienden a tener mucho más riesgo de incumplimiento</a:t>
+            </a:r>
+            <a:endParaRPr lang="es-ES" altLang="es-ES" sz="1800" dirty="0"/>
+          </a:p>
+          <a:p>
+            <a:endParaRPr lang="es-ES" altLang="es-ES" dirty="0"/>
+          </a:p>
+          <a:p>
+            <a:r>
+              <a:rPr lang="es-ES" altLang="es-ES" sz="1800" dirty="0"/>
+              <a:t>Los clientes con </a:t>
+            </a:r>
+            <a:r>
+              <a:rPr lang="es-ES" altLang="es-ES" sz="1800" b="1" dirty="0"/>
+              <a:t>hipotecas</a:t>
+            </a:r>
+            <a:r>
+              <a:rPr lang="es-ES" altLang="es-ES" sz="1800" dirty="0"/>
+              <a:t>: </a:t>
+            </a:r>
+          </a:p>
+          <a:p>
+            <a:r>
+              <a:rPr lang="es-ES" altLang="es-ES" dirty="0"/>
+              <a:t>T</a:t>
+            </a:r>
+            <a:r>
+              <a:rPr lang="es-ES" altLang="es-ES" sz="1800" dirty="0"/>
+              <a:t>ienden a tener un saldo un poco menor</a:t>
+            </a:r>
+          </a:p>
+          <a:p>
+            <a:r>
+              <a:rPr lang="es-ES" altLang="es-ES" dirty="0"/>
+              <a:t>Tienden a tener un poco más de riesgo en los que no tienen préstamo</a:t>
+            </a:r>
+          </a:p>
+          <a:p>
+            <a:r>
+              <a:rPr lang="es-ES" altLang="es-ES" dirty="0"/>
+              <a:t>Tienden a tener menor riesgo en los que tienen también préstamo</a:t>
+            </a:r>
+          </a:p>
+          <a:p>
+            <a:r>
+              <a:rPr lang="es-ES" altLang="es-ES" sz="1800" dirty="0"/>
+              <a:t> </a:t>
+            </a:r>
+          </a:p>
+        </p:txBody>
+      </p:sp>
+    </p:spTree>
+    <p:extLst>
+      <p:ext uri="{BB962C8B-B14F-4D97-AF65-F5344CB8AC3E}">
+        <p14:creationId xmlns:p14="http://schemas.microsoft.com/office/powerpoint/2010/main" val="2582763781"/>
+      </p:ext>
+    </p:extLst>
+  </p:cSld>
+  <p:clrMapOvr>
+    <a:masterClrMapping/>
+  </p:clrMapOvr>
+</p:sld>
+</file>
+
+<file path=ppt/slides/slide9.xml><?xml version="1.0" encoding="utf-8"?>
 <p:sld xmlns:a="http://schemas.openxmlformats.org/drawingml/2006/main" xmlns:r="http://schemas.openxmlformats.org/officeDocument/2006/relationships" xmlns:p="http://schemas.openxmlformats.org/presentationml/2006/main">
   <p:cSld>
     <p:spTree>
@@ -12761,13 +13799,13 @@
                 <a:effectLst/>
                 <a:latin typeface="+mj-lt"/>
               </a:rPr>
-              <a:t>PROPUESTAS DE AJUSTE DE LOS MÉTODOS DE CONTACTO</a:t>
+              <a:t>PROPUESTAS DE XXXX</a:t>
             </a:r>
           </a:p>
           <a:p>
             <a:r>
               <a:rPr lang="es-ES" sz="1400" b="1" dirty="0"/>
-              <a:t>¿Qué ajustes podríamos realizar a nuestros métodos de contacto para mejorar la tasa de respuesta?</a:t>
+              <a:t>¿XXXXXXXXXX?</a:t>
             </a:r>
           </a:p>
         </p:txBody>
@@ -12787,7 +13825,7 @@
         <p:spPr>
           <a:xfrm>
             <a:off x="642280" y="1237507"/>
-            <a:ext cx="5041470" cy="276999"/>
+            <a:ext cx="5041470" cy="646331"/>
           </a:xfrm>
           <a:prstGeom prst="rect">
             <a:avLst/>
@@ -12801,12 +13839,28 @@
           <a:lstStyle/>
           <a:p>
             <a:r>
-              <a:rPr lang="es-ES" sz="1200" b="1" dirty="0"/>
-              <a:t>1</a:t>
-            </a:r>
-            <a:r>
-              <a:rPr lang="es-ES" sz="1200" dirty="0"/>
-              <a:t>. Llamadas muy cortas (0 - 138s)</a:t>
+              <a:rPr lang="es-ES" altLang="es-ES" sz="1200" dirty="0"/>
+              <a:t>Los clientes con </a:t>
+            </a:r>
+            <a:r>
+              <a:rPr lang="es-ES" altLang="es-ES" sz="1200" b="1" dirty="0"/>
+              <a:t>préstamos</a:t>
+            </a:r>
+            <a:r>
+              <a:rPr lang="es-ES" altLang="es-ES" sz="1200" dirty="0"/>
+              <a:t>:</a:t>
+            </a:r>
+          </a:p>
+          <a:p>
+            <a:r>
+              <a:rPr lang="es-ES" altLang="es-ES" sz="1200" dirty="0"/>
+              <a:t>Tienden a tener mucho menor saldo</a:t>
+            </a:r>
+          </a:p>
+          <a:p>
+            <a:r>
+              <a:rPr lang="es-ES" altLang="es-ES" sz="1200" dirty="0"/>
+              <a:t>Tienden a tener mucho más riesgo de incumplimiento</a:t>
             </a:r>
           </a:p>
         </p:txBody>
@@ -12825,8 +13879,8 @@
         </p:nvSpPr>
         <p:spPr>
           <a:xfrm>
-            <a:off x="1939560" y="1783848"/>
-            <a:ext cx="3874361" cy="2281476"/>
+            <a:off x="1967779" y="2159980"/>
+            <a:ext cx="3874361" cy="1455718"/>
           </a:xfrm>
           <a:prstGeom prst="roundRect">
             <a:avLst/>
@@ -12854,7 +13908,7 @@
             </a:pPr>
             <a:r>
               <a:rPr lang="es-ES" sz="1200" dirty="0"/>
-              <a:t>Llamadas en días festivos o fines de semana</a:t>
+              <a:t>Se piden más préstamos por necesidad que para artículos de lujo o para emprender</a:t>
             </a:r>
           </a:p>
           <a:p>
@@ -12865,10 +13919,7 @@
               <a:buFont typeface="Arial" panose="020B0604020202020204" pitchFamily="34" charset="0"/>
               <a:buChar char="•"/>
             </a:pPr>
-            <a:r>
-              <a:rPr lang="es-ES" sz="1200" dirty="0"/>
-              <a:t>Llamadas en horarios inadecuados</a:t>
-            </a:r>
+            <a:endParaRPr lang="es-ES" sz="1200" dirty="0"/>
           </a:p>
           <a:p>
             <a:pPr marL="171450" indent="-171450" algn="just">
@@ -12880,7 +13931,7 @@
             </a:pPr>
             <a:r>
               <a:rPr lang="es-ES" sz="1200" dirty="0"/>
-              <a:t>Interrupción durante el trabajo</a:t>
+              <a:t>Su flujo de efectivo es más frágil, al no tener mayor saldo  pueden incumplir con facilidad.</a:t>
             </a:r>
           </a:p>
           <a:p>
@@ -12891,75 +13942,7 @@
               <a:buFont typeface="Arial" panose="020B0604020202020204" pitchFamily="34" charset="0"/>
               <a:buChar char="•"/>
             </a:pPr>
-            <a:r>
-              <a:rPr lang="es-ES" sz="1200" dirty="0"/>
-              <a:t>Llamadas en momentos inapropiados</a:t>
-            </a:r>
-          </a:p>
-          <a:p>
-            <a:pPr marL="171450" indent="-171450" algn="just">
-              <a:spcBef>
-                <a:spcPts val="300"/>
-              </a:spcBef>
-              <a:buFont typeface="Arial" panose="020B0604020202020204" pitchFamily="34" charset="0"/>
-              <a:buChar char="•"/>
-            </a:pPr>
-            <a:r>
-              <a:rPr lang="es-ES" sz="1200" dirty="0"/>
-              <a:t>Ofertas o mensajes genéricos</a:t>
-            </a:r>
-          </a:p>
-          <a:p>
-            <a:pPr marL="171450" indent="-171450" algn="just">
-              <a:spcBef>
-                <a:spcPts val="300"/>
-              </a:spcBef>
-              <a:buFont typeface="Arial" panose="020B0604020202020204" pitchFamily="34" charset="0"/>
-              <a:buChar char="•"/>
-            </a:pPr>
-            <a:r>
-              <a:rPr lang="es-ES" sz="1200" dirty="0"/>
-              <a:t>Falta de confianza o desconfianza inicial</a:t>
-            </a:r>
-          </a:p>
-          <a:p>
-            <a:pPr marL="171450" indent="-171450" algn="just">
-              <a:spcBef>
-                <a:spcPts val="300"/>
-              </a:spcBef>
-              <a:buFont typeface="Arial" panose="020B0604020202020204" pitchFamily="34" charset="0"/>
-              <a:buChar char="•"/>
-            </a:pPr>
-            <a:r>
-              <a:rPr lang="es-ES" sz="1200" dirty="0"/>
-              <a:t>Demasiado enfoque en la venta rápida</a:t>
-            </a:r>
-          </a:p>
-          <a:p>
-            <a:pPr marL="171450" indent="-171450" algn="just">
-              <a:spcBef>
-                <a:spcPts val="300"/>
-              </a:spcBef>
-              <a:buFont typeface="Arial" panose="020B0604020202020204" pitchFamily="34" charset="0"/>
-              <a:buChar char="•"/>
-            </a:pPr>
-            <a:r>
-              <a:rPr lang="es-ES" sz="1200" dirty="0"/>
-              <a:t>Problemas técnicos o de audio</a:t>
-            </a:r>
-          </a:p>
-          <a:p>
-            <a:pPr marL="171450" indent="-171450" algn="just">
-              <a:spcBef>
-                <a:spcPts val="300"/>
-              </a:spcBef>
-              <a:buFont typeface="Arial" panose="020B0604020202020204" pitchFamily="34" charset="0"/>
-              <a:buChar char="•"/>
-            </a:pPr>
-            <a:r>
-              <a:rPr lang="es-ES" sz="1200" dirty="0"/>
-              <a:t>Falta de preparación del agente</a:t>
-            </a:r>
+            <a:endParaRPr lang="es-ES" sz="1200" dirty="0"/>
           </a:p>
         </p:txBody>
       </p:sp>
@@ -12978,7 +13961,7 @@
         <p:spPr>
           <a:xfrm>
             <a:off x="1939561" y="4529914"/>
-            <a:ext cx="3874360" cy="1540847"/>
+            <a:ext cx="3874360" cy="1660029"/>
           </a:xfrm>
           <a:prstGeom prst="roundRect">
             <a:avLst/>
@@ -13006,7 +13989,15 @@
             </a:pPr>
             <a:r>
               <a:rPr lang="es-ES" sz="1200" dirty="0"/>
-              <a:t>Segmentar a los clientes por horarios y días</a:t>
+              <a:t>Incentivar los préstamos para coches, </a:t>
+            </a:r>
+            <a:r>
+              <a:rPr lang="es-ES" sz="1200" dirty="0" err="1"/>
+              <a:t>etc</a:t>
+            </a:r>
+            <a:r>
+              <a:rPr lang="es-ES" sz="1200" dirty="0"/>
+              <a:t> entre los que tienen mayor saldo con intereses menores</a:t>
             </a:r>
           </a:p>
           <a:p>
@@ -13017,10 +14008,7 @@
               <a:buFont typeface="Arial" panose="020B0604020202020204" pitchFamily="34" charset="0"/>
               <a:buChar char="•"/>
             </a:pPr>
-            <a:r>
-              <a:rPr lang="es-ES" sz="1200" dirty="0"/>
-              <a:t>Optimizar el mensaje inicial</a:t>
-            </a:r>
+            <a:endParaRPr lang="es-ES" sz="1200" dirty="0"/>
           </a:p>
           <a:p>
             <a:pPr marL="171450" indent="-171450" algn="just">
@@ -13032,7 +14020,7 @@
             </a:pPr>
             <a:r>
               <a:rPr lang="es-ES" sz="1200" dirty="0"/>
-              <a:t>Verificar la disponibilidad del cliente</a:t>
+              <a:t>Revisar las condiciones de acceso a los préstamos:  Revisar el histórico de saldo del cliente y darle más o menos préstamo en función de eso.</a:t>
             </a:r>
           </a:p>
           <a:p>
@@ -13043,36 +14031,7 @@
               <a:buFont typeface="Arial" panose="020B0604020202020204" pitchFamily="34" charset="0"/>
               <a:buChar char="•"/>
             </a:pPr>
-            <a:r>
-              <a:rPr lang="es-ES" sz="1200" dirty="0"/>
-              <a:t>Personalización de la oferta</a:t>
-            </a:r>
-          </a:p>
-          <a:p>
-            <a:pPr marL="171450" indent="-171450" algn="just">
-              <a:spcBef>
-                <a:spcPts val="300"/>
-              </a:spcBef>
-              <a:buFont typeface="Arial" panose="020B0604020202020204" pitchFamily="34" charset="0"/>
-              <a:buChar char="•"/>
-            </a:pPr>
-            <a:r>
-              <a:rPr lang="es-ES" sz="1200" dirty="0"/>
-              <a:t>Capacitar a los agentes en manejo de objeciones</a:t>
-            </a:r>
-          </a:p>
-          <a:p>
-            <a:pPr marL="171450" indent="-171450" algn="just">
-              <a:spcBef>
-                <a:spcPts val="300"/>
-              </a:spcBef>
-              <a:buFont typeface="Arial" panose="020B0604020202020204" pitchFamily="34" charset="0"/>
-              <a:buChar char="•"/>
-            </a:pPr>
-            <a:r>
-              <a:rPr lang="es-ES" sz="1200" dirty="0"/>
-              <a:t>Reducir la presión en la venta</a:t>
-            </a:r>
+            <a:endParaRPr lang="es-ES" sz="1200" dirty="0"/>
           </a:p>
         </p:txBody>
       </p:sp>
@@ -13145,7 +14104,7 @@
         <p:spPr>
           <a:xfrm>
             <a:off x="6539829" y="1237507"/>
-            <a:ext cx="5041470" cy="276999"/>
+            <a:ext cx="5041470" cy="1015663"/>
           </a:xfrm>
           <a:prstGeom prst="rect">
             <a:avLst/>
@@ -13159,13 +14118,38 @@
           <a:lstStyle/>
           <a:p>
             <a:r>
-              <a:rPr lang="es-ES" sz="1200" b="1" dirty="0"/>
-              <a:t>2</a:t>
-            </a:r>
-            <a:r>
-              <a:rPr lang="es-ES" sz="1200" dirty="0"/>
-              <a:t>. Llamadas muy largas y extremadamente larga (&gt;1034s)</a:t>
-            </a:r>
+              <a:rPr lang="es-ES" altLang="es-ES" sz="1200" dirty="0"/>
+              <a:t>Los clientes con </a:t>
+            </a:r>
+            <a:r>
+              <a:rPr lang="es-ES" altLang="es-ES" sz="1200" b="1" dirty="0"/>
+              <a:t>hipotecas</a:t>
+            </a:r>
+            <a:r>
+              <a:rPr lang="es-ES" altLang="es-ES" sz="1200" dirty="0"/>
+              <a:t>: </a:t>
+            </a:r>
+          </a:p>
+          <a:p>
+            <a:r>
+              <a:rPr lang="es-ES" altLang="es-ES" sz="1200" dirty="0"/>
+              <a:t>Tienden a tener un saldo un poco menor</a:t>
+            </a:r>
+          </a:p>
+          <a:p>
+            <a:r>
+              <a:rPr lang="es-ES" altLang="es-ES" sz="1200" dirty="0"/>
+              <a:t>Tienden a tener un poco más de riesgo en los que no tienen préstamo</a:t>
+            </a:r>
+          </a:p>
+          <a:p>
+            <a:r>
+              <a:rPr lang="es-ES" altLang="es-ES" sz="1200" dirty="0"/>
+              <a:t>Tienden a tener menor riesgo en los que tienen también préstamo</a:t>
+            </a:r>
+          </a:p>
+          <a:p>
+            <a:endParaRPr lang="es-ES" sz="1200" dirty="0"/>
           </a:p>
         </p:txBody>
       </p:sp>
@@ -13183,8 +14167,8 @@
         </p:nvSpPr>
         <p:spPr>
           <a:xfrm>
-            <a:off x="7688970" y="1647642"/>
-            <a:ext cx="3873600" cy="2553891"/>
+            <a:off x="7779443" y="2159980"/>
+            <a:ext cx="3873600" cy="2145268"/>
           </a:xfrm>
           <a:prstGeom prst="roundRect">
             <a:avLst/>
@@ -13222,7 +14206,7 @@
             </a:pPr>
             <a:r>
               <a:rPr lang="es-ES" b="0" dirty="0"/>
-              <a:t>Problemas técnicos durante la llamada</a:t>
+              <a:t>Los clientes con hipotecas destinan gran parte de sus ingresos a estas y por ello su saldo es menor y tienen mayor peligro de incumplimiento</a:t>
             </a:r>
           </a:p>
           <a:p>
@@ -13233,10 +14217,7 @@
               <a:buFont typeface="Arial" panose="020B0604020202020204" pitchFamily="34" charset="0"/>
               <a:buChar char="•"/>
             </a:pPr>
-            <a:r>
-              <a:rPr lang="es-ES" b="0" dirty="0"/>
-              <a:t>Audio deficiente Fallo en la conexión</a:t>
-            </a:r>
+            <a:endParaRPr lang="es-ES" b="0" dirty="0"/>
           </a:p>
           <a:p>
             <a:pPr marL="171450" indent="-171450">
@@ -13246,10 +14227,7 @@
               <a:buFont typeface="Arial" panose="020B0604020202020204" pitchFamily="34" charset="0"/>
               <a:buChar char="•"/>
             </a:pPr>
-            <a:r>
-              <a:rPr lang="es-ES" b="0" dirty="0"/>
-              <a:t>Problemas con las herramientas del agente</a:t>
-            </a:r>
+            <a:endParaRPr lang="es-ES" b="0" dirty="0"/>
           </a:p>
           <a:p>
             <a:pPr marL="171450" indent="-171450">
@@ -13261,7 +14239,7 @@
             </a:pPr>
             <a:r>
               <a:rPr lang="es-ES" b="0" dirty="0"/>
-              <a:t>Lentitud en las plataformas</a:t>
+              <a:t>Los que también tienen préstamo puede que lo hayan pedido para reformar la casa y eso sea una señal de que tienen más ingresos</a:t>
             </a:r>
           </a:p>
           <a:p>
@@ -13272,10 +14250,7 @@
               <a:buFont typeface="Arial" panose="020B0604020202020204" pitchFamily="34" charset="0"/>
               <a:buChar char="•"/>
             </a:pPr>
-            <a:r>
-              <a:rPr lang="es-ES" b="0" dirty="0"/>
-              <a:t>Errores al cambiar de pantallas</a:t>
-            </a:r>
+            <a:endParaRPr lang="es-ES" b="0" dirty="0"/>
           </a:p>
           <a:p>
             <a:pPr marL="171450" indent="-171450">
@@ -13285,88 +14260,7 @@
               <a:buFont typeface="Arial" panose="020B0604020202020204" pitchFamily="34" charset="0"/>
               <a:buChar char="•"/>
             </a:pPr>
-            <a:r>
-              <a:rPr lang="es-ES" b="0" dirty="0"/>
-              <a:t>Problemas de comunicación del cliente</a:t>
-            </a:r>
-          </a:p>
-          <a:p>
-            <a:pPr marL="171450" indent="-171450">
-              <a:spcBef>
-                <a:spcPts val="0"/>
-              </a:spcBef>
-              <a:buFont typeface="Arial" panose="020B0604020202020204" pitchFamily="34" charset="0"/>
-              <a:buChar char="•"/>
-            </a:pPr>
-            <a:r>
-              <a:rPr lang="es-ES" b="0" dirty="0"/>
-              <a:t>Demoras por parte del agente</a:t>
-            </a:r>
-          </a:p>
-          <a:p>
-            <a:pPr marL="171450" indent="-171450">
-              <a:spcBef>
-                <a:spcPts val="0"/>
-              </a:spcBef>
-              <a:buFont typeface="Arial" panose="020B0604020202020204" pitchFamily="34" charset="0"/>
-              <a:buChar char="•"/>
-            </a:pPr>
-            <a:r>
-              <a:rPr lang="es-ES" b="0" dirty="0"/>
-              <a:t>Falta de formación del agente</a:t>
-            </a:r>
-          </a:p>
-          <a:p>
-            <a:pPr marL="171450" indent="-171450">
-              <a:spcBef>
-                <a:spcPts val="0"/>
-              </a:spcBef>
-              <a:buFont typeface="Arial" panose="020B0604020202020204" pitchFamily="34" charset="0"/>
-              <a:buChar char="•"/>
-            </a:pPr>
-            <a:r>
-              <a:rPr lang="es-ES" b="0" dirty="0"/>
-              <a:t>Desconocimiento de productos o procesos</a:t>
-            </a:r>
-          </a:p>
-          <a:p>
-            <a:pPr marL="171450" indent="-171450">
-              <a:spcBef>
-                <a:spcPts val="0"/>
-              </a:spcBef>
-              <a:buFont typeface="Arial" panose="020B0604020202020204" pitchFamily="34" charset="0"/>
-              <a:buChar char="•"/>
-            </a:pPr>
-            <a:r>
-              <a:rPr lang="es-ES" b="0" dirty="0"/>
-              <a:t>Cliente indeciso</a:t>
-            </a:r>
-          </a:p>
-          <a:p>
-            <a:pPr marL="171450" indent="-171450">
-              <a:spcBef>
-                <a:spcPts val="0"/>
-              </a:spcBef>
-              <a:buFont typeface="Arial" panose="020B0604020202020204" pitchFamily="34" charset="0"/>
-              <a:buChar char="•"/>
-            </a:pPr>
-            <a:r>
-              <a:rPr lang="es-ES" b="0" dirty="0"/>
-              <a:t>Demasiada información innecesaria</a:t>
-            </a:r>
-          </a:p>
-          <a:p>
-            <a:pPr marL="171450" indent="-171450">
-              <a:spcBef>
-                <a:spcPts val="0"/>
-              </a:spcBef>
-              <a:buFont typeface="Arial" panose="020B0604020202020204" pitchFamily="34" charset="0"/>
-              <a:buChar char="•"/>
-            </a:pPr>
-            <a:r>
-              <a:rPr lang="es-ES" b="0" dirty="0"/>
-              <a:t>Falta de preparación del cliente</a:t>
-            </a:r>
+            <a:endParaRPr lang="es-ES" b="0" dirty="0"/>
           </a:p>
         </p:txBody>
       </p:sp>
@@ -13385,7 +14279,7 @@
         <p:spPr>
           <a:xfrm>
             <a:off x="7688970" y="4453401"/>
-            <a:ext cx="3873600" cy="1736646"/>
+            <a:ext cx="3873600" cy="1532334"/>
           </a:xfrm>
           <a:prstGeom prst="roundRect">
             <a:avLst/>
@@ -13423,7 +14317,7 @@
             </a:pPr>
             <a:r>
               <a:rPr lang="es-ES" b="0" dirty="0"/>
-              <a:t>Mejora de las herramientas tecnológicas</a:t>
+              <a:t>Ajustar las condiciones de las hipotecas a los ingresos reales de los clientes</a:t>
             </a:r>
           </a:p>
           <a:p>
@@ -13434,10 +14328,7 @@
               <a:buFont typeface="Arial" panose="020B0604020202020204" pitchFamily="34" charset="0"/>
               <a:buChar char="•"/>
             </a:pPr>
-            <a:r>
-              <a:rPr lang="es-ES" b="0" dirty="0"/>
-              <a:t>Capacitación adicional para los agentes</a:t>
-            </a:r>
+            <a:endParaRPr lang="es-ES" b="0" dirty="0"/>
           </a:p>
           <a:p>
             <a:pPr marL="171450" indent="-171450">
@@ -13449,72 +14340,7 @@
             </a:pPr>
             <a:r>
               <a:rPr lang="es-ES" b="0" dirty="0"/>
-              <a:t>Optimización de la infraestructura técnica</a:t>
-            </a:r>
-          </a:p>
-          <a:p>
-            <a:pPr marL="171450" indent="-171450">
-              <a:spcBef>
-                <a:spcPts val="0"/>
-              </a:spcBef>
-              <a:buFont typeface="Arial" panose="020B0604020202020204" pitchFamily="34" charset="0"/>
-              <a:buChar char="•"/>
-            </a:pPr>
-            <a:r>
-              <a:rPr lang="es-ES" b="0" dirty="0"/>
-              <a:t>Uso de guiones de llamada bien estructurados</a:t>
-            </a:r>
-          </a:p>
-          <a:p>
-            <a:pPr marL="171450" indent="-171450">
-              <a:spcBef>
-                <a:spcPts val="0"/>
-              </a:spcBef>
-              <a:buFont typeface="Arial" panose="020B0604020202020204" pitchFamily="34" charset="0"/>
-              <a:buChar char="•"/>
-            </a:pPr>
-            <a:r>
-              <a:rPr lang="es-ES" b="0" dirty="0"/>
-              <a:t>Gestión del tiempo de la llamada</a:t>
-            </a:r>
-          </a:p>
-          <a:p>
-            <a:pPr marL="171450" indent="-171450">
-              <a:spcBef>
-                <a:spcPts val="0"/>
-              </a:spcBef>
-              <a:buFont typeface="Arial" panose="020B0604020202020204" pitchFamily="34" charset="0"/>
-              <a:buChar char="•"/>
-            </a:pPr>
-            <a:r>
-              <a:rPr lang="es-ES" b="0" dirty="0"/>
-              <a:t>Preparación previa del cliente</a:t>
-            </a:r>
-          </a:p>
-          <a:p>
-            <a:pPr marL="171450" indent="-171450">
-              <a:spcBef>
-                <a:spcPts val="0"/>
-              </a:spcBef>
-              <a:buFont typeface="Arial" panose="020B0604020202020204" pitchFamily="34" charset="0"/>
-              <a:buChar char="•"/>
-            </a:pPr>
-            <a:r>
-              <a:rPr lang="es-ES" b="0" dirty="0"/>
-              <a:t>Desarrollar habilidades de escucha activa</a:t>
-            </a:r>
-          </a:p>
-          <a:p>
-            <a:pPr marL="171450" indent="-171450">
-              <a:spcBef>
-                <a:spcPts val="0"/>
-              </a:spcBef>
-              <a:buFont typeface="Arial" panose="020B0604020202020204" pitchFamily="34" charset="0"/>
-              <a:buChar char="•"/>
-            </a:pPr>
-            <a:r>
-              <a:rPr lang="es-ES" b="0" dirty="0"/>
-              <a:t>Optimización del flujo de trabajo</a:t>
+              <a:t>Poder suavizar las condiciones puntualmente en caso de necesidad para que no caigan en impago: Congelar el pago de intereses y así bajar las cuotas por un determinado tiempo o alargar el periodo de pago.</a:t>
             </a:r>
           </a:p>
         </p:txBody>
@@ -13533,7 +14359,7 @@
         </p:nvSpPr>
         <p:spPr>
           <a:xfrm>
-            <a:off x="6371770" y="2338721"/>
+            <a:off x="6391631" y="2646748"/>
             <a:ext cx="1173600" cy="1171731"/>
           </a:xfrm>
           <a:prstGeom prst="ellipse">
@@ -13724,7 +14550,7 @@
         </p:nvSpPr>
         <p:spPr>
           <a:xfrm>
-            <a:off x="622361" y="2338721"/>
+            <a:off x="642280" y="2607742"/>
             <a:ext cx="1173600" cy="1171731"/>
           </a:xfrm>
           <a:prstGeom prst="ellipse">
@@ -13783,1331 +14609,6 @@
     <p:extLst>
       <p:ext uri="{BB962C8B-B14F-4D97-AF65-F5344CB8AC3E}">
         <p14:creationId xmlns:p14="http://schemas.microsoft.com/office/powerpoint/2010/main" val="1135837949"/>
-      </p:ext>
-    </p:extLst>
-  </p:cSld>
-  <p:clrMapOvr>
-    <a:masterClrMapping/>
-  </p:clrMapOvr>
-</p:sld>
-</file>
-
-<file path=ppt/slides/slide5.xml><?xml version="1.0" encoding="utf-8"?>
-<p:sld xmlns:a="http://schemas.openxmlformats.org/drawingml/2006/main" xmlns:r="http://schemas.openxmlformats.org/officeDocument/2006/relationships" xmlns:p="http://schemas.openxmlformats.org/presentationml/2006/main">
-  <p:cSld>
-    <p:spTree>
-      <p:nvGrpSpPr>
-        <p:cNvPr id="1" name="">
-          <a:extLst>
-            <a:ext uri="{FF2B5EF4-FFF2-40B4-BE49-F238E27FC236}">
-              <a16:creationId xmlns:a16="http://schemas.microsoft.com/office/drawing/2014/main" id="{B2B799B9-448C-0FD7-25BC-9ABD37883FA0}"/>
-            </a:ext>
-          </a:extLst>
-        </p:cNvPr>
-        <p:cNvGrpSpPr/>
-        <p:nvPr/>
-      </p:nvGrpSpPr>
-      <p:grpSpPr>
-        <a:xfrm>
-          <a:off x="0" y="0"/>
-          <a:ext cx="0" cy="0"/>
-          <a:chOff x="0" y="0"/>
-          <a:chExt cx="0" cy="0"/>
-        </a:xfrm>
-      </p:grpSpPr>
-      <p:sp>
-        <p:nvSpPr>
-          <p:cNvPr id="9" name="Título 8">
-            <a:extLst>
-              <a:ext uri="{FF2B5EF4-FFF2-40B4-BE49-F238E27FC236}">
-                <a16:creationId xmlns:a16="http://schemas.microsoft.com/office/drawing/2014/main" id="{B86CC458-3511-DCEB-4984-A03B63009489}"/>
-              </a:ext>
-            </a:extLst>
-          </p:cNvPr>
-          <p:cNvSpPr>
-            <a:spLocks noGrp="1"/>
-          </p:cNvSpPr>
-          <p:nvPr>
-            <p:ph type="title"/>
-          </p:nvPr>
-        </p:nvSpPr>
-        <p:spPr>
-          <a:xfrm>
-            <a:off x="660400" y="805213"/>
-            <a:ext cx="4826000" cy="1907507"/>
-          </a:xfrm>
-        </p:spPr>
-        <p:txBody>
-          <a:bodyPr rtlCol="0">
-            <a:normAutofit/>
-          </a:bodyPr>
-          <a:lstStyle/>
-          <a:p>
-            <a:pPr rtl="0"/>
-            <a:r>
-              <a:rPr lang="es-ES" sz="4300" dirty="0"/>
-              <a:t>Análisis de Finanzas y </a:t>
-            </a:r>
-            <a:br>
-              <a:rPr lang="es-ES" sz="4300" dirty="0"/>
-            </a:br>
-            <a:r>
-              <a:rPr lang="es-ES" sz="4300" dirty="0"/>
-              <a:t>Riesgo Crediticio</a:t>
-            </a:r>
-          </a:p>
-        </p:txBody>
-      </p:sp>
-      <p:sp>
-        <p:nvSpPr>
-          <p:cNvPr id="8" name="Marcador de texto 7">
-            <a:extLst>
-              <a:ext uri="{FF2B5EF4-FFF2-40B4-BE49-F238E27FC236}">
-                <a16:creationId xmlns:a16="http://schemas.microsoft.com/office/drawing/2014/main" id="{E8C296D5-76A8-C6EB-F4D2-7C19CBF6EA3F}"/>
-              </a:ext>
-            </a:extLst>
-          </p:cNvPr>
-          <p:cNvSpPr>
-            <a:spLocks noGrp="1"/>
-          </p:cNvSpPr>
-          <p:nvPr>
-            <p:ph type="body" sz="quarter" idx="12"/>
-          </p:nvPr>
-        </p:nvSpPr>
-        <p:spPr>
-          <a:xfrm>
-            <a:off x="660400" y="2712720"/>
-            <a:ext cx="4275138" cy="3560763"/>
-          </a:xfrm>
-        </p:spPr>
-        <p:txBody>
-          <a:bodyPr/>
-          <a:lstStyle/>
-          <a:p>
-            <a:r>
-              <a:rPr lang="es-ES" dirty="0"/>
-              <a:t>¿En qué medida los clientes con saldos más bajos están en más riesgo de incumplimiento de crédito?</a:t>
-            </a:r>
-          </a:p>
-          <a:p>
-            <a:r>
-              <a:rPr lang="es-ES" dirty="0"/>
-              <a:t>¿Cómo debemos ajustar nuestras políticas de crédito para mitigar este riesgo?</a:t>
-            </a:r>
-          </a:p>
-        </p:txBody>
-      </p:sp>
-      <p:sp>
-        <p:nvSpPr>
-          <p:cNvPr id="2" name="Rectángulo 1">
-            <a:extLst>
-              <a:ext uri="{FF2B5EF4-FFF2-40B4-BE49-F238E27FC236}">
-                <a16:creationId xmlns:a16="http://schemas.microsoft.com/office/drawing/2014/main" id="{17172CB6-CCD5-281B-B6E2-7C07D0E6D909}"/>
-              </a:ext>
-            </a:extLst>
-          </p:cNvPr>
-          <p:cNvSpPr/>
-          <p:nvPr/>
-        </p:nvSpPr>
-        <p:spPr>
-          <a:xfrm>
-            <a:off x="0" y="6400800"/>
-            <a:ext cx="2557670" cy="457200"/>
-          </a:xfrm>
-          <a:prstGeom prst="rect">
-            <a:avLst/>
-          </a:prstGeom>
-          <a:solidFill>
-            <a:schemeClr val="bg1">
-              <a:lumMod val="95000"/>
-            </a:schemeClr>
-          </a:solidFill>
-          <a:ln>
-            <a:noFill/>
-          </a:ln>
-        </p:spPr>
-        <p:style>
-          <a:lnRef idx="2">
-            <a:schemeClr val="accent1">
-              <a:shade val="50000"/>
-            </a:schemeClr>
-          </a:lnRef>
-          <a:fillRef idx="1">
-            <a:schemeClr val="accent1"/>
-          </a:fillRef>
-          <a:effectRef idx="0">
-            <a:schemeClr val="accent1"/>
-          </a:effectRef>
-          <a:fontRef idx="minor">
-            <a:schemeClr val="lt1"/>
-          </a:fontRef>
-        </p:style>
-        <p:txBody>
-          <a:bodyPr rtlCol="0" anchor="ctr"/>
-          <a:lstStyle/>
-          <a:p>
-            <a:pPr algn="ctr"/>
-            <a:endParaRPr lang="es-ES"/>
-          </a:p>
-        </p:txBody>
-      </p:sp>
-      <p:pic>
-        <p:nvPicPr>
-          <p:cNvPr id="6" name="Marcador de posición de imagen 4">
-            <a:extLst>
-              <a:ext uri="{FF2B5EF4-FFF2-40B4-BE49-F238E27FC236}">
-                <a16:creationId xmlns:a16="http://schemas.microsoft.com/office/drawing/2014/main" id="{18F28745-A367-4CFD-1BE9-E20282CF20D9}"/>
-              </a:ext>
-            </a:extLst>
-          </p:cNvPr>
-          <p:cNvPicPr>
-            <a:picLocks noGrp="1" noChangeAspect="1"/>
-          </p:cNvPicPr>
-          <p:nvPr>
-            <p:ph type="pic" sz="quarter" idx="10"/>
-          </p:nvPr>
-        </p:nvPicPr>
-        <p:blipFill>
-          <a:blip r:embed="rId3"/>
-          <a:srcRect l="5033" t="196" r="42379" b="-196"/>
-          <a:stretch/>
-        </p:blipFill>
-        <p:spPr>
-          <a:xfrm>
-            <a:off x="5733416" y="624239"/>
-            <a:ext cx="5855754" cy="5631571"/>
-          </a:xfrm>
-          <a:custGeom>
-            <a:avLst/>
-            <a:gdLst>
-              <a:gd name="connsiteX0" fmla="*/ 0 w 4441372"/>
-              <a:gd name="connsiteY0" fmla="*/ 3188969 h 5393036"/>
-              <a:gd name="connsiteX1" fmla="*/ 2173516 w 4441372"/>
-              <a:gd name="connsiteY1" fmla="*/ 3188969 h 5393036"/>
-              <a:gd name="connsiteX2" fmla="*/ 2173516 w 4441372"/>
-              <a:gd name="connsiteY2" fmla="*/ 5393036 h 5393036"/>
-              <a:gd name="connsiteX3" fmla="*/ 0 w 4441372"/>
-              <a:gd name="connsiteY3" fmla="*/ 5393036 h 5393036"/>
-              <a:gd name="connsiteX4" fmla="*/ 2267856 w 4441372"/>
-              <a:gd name="connsiteY4" fmla="*/ 2293018 h 5393036"/>
-              <a:gd name="connsiteX5" fmla="*/ 4441372 w 4441372"/>
-              <a:gd name="connsiteY5" fmla="*/ 2293018 h 5393036"/>
-              <a:gd name="connsiteX6" fmla="*/ 4441372 w 4441372"/>
-              <a:gd name="connsiteY6" fmla="*/ 4497085 h 5393036"/>
-              <a:gd name="connsiteX7" fmla="*/ 2267856 w 4441372"/>
-              <a:gd name="connsiteY7" fmla="*/ 4497085 h 5393036"/>
-              <a:gd name="connsiteX8" fmla="*/ 0 w 4441372"/>
-              <a:gd name="connsiteY8" fmla="*/ 906837 h 5393036"/>
-              <a:gd name="connsiteX9" fmla="*/ 2173516 w 4441372"/>
-              <a:gd name="connsiteY9" fmla="*/ 906837 h 5393036"/>
-              <a:gd name="connsiteX10" fmla="*/ 2173516 w 4441372"/>
-              <a:gd name="connsiteY10" fmla="*/ 3110904 h 5393036"/>
-              <a:gd name="connsiteX11" fmla="*/ 0 w 4441372"/>
-              <a:gd name="connsiteY11" fmla="*/ 3110904 h 5393036"/>
-              <a:gd name="connsiteX12" fmla="*/ 2267856 w 4441372"/>
-              <a:gd name="connsiteY12" fmla="*/ 0 h 5393036"/>
-              <a:gd name="connsiteX13" fmla="*/ 4441372 w 4441372"/>
-              <a:gd name="connsiteY13" fmla="*/ 0 h 5393036"/>
-              <a:gd name="connsiteX14" fmla="*/ 4441372 w 4441372"/>
-              <a:gd name="connsiteY14" fmla="*/ 2204067 h 5393036"/>
-              <a:gd name="connsiteX15" fmla="*/ 2267856 w 4441372"/>
-              <a:gd name="connsiteY15" fmla="*/ 2204067 h 5393036"/>
-            </a:gdLst>
-            <a:ahLst/>
-            <a:cxnLst>
-              <a:cxn ang="0">
-                <a:pos x="connsiteX0" y="connsiteY0"/>
-              </a:cxn>
-              <a:cxn ang="0">
-                <a:pos x="connsiteX1" y="connsiteY1"/>
-              </a:cxn>
-              <a:cxn ang="0">
-                <a:pos x="connsiteX2" y="connsiteY2"/>
-              </a:cxn>
-              <a:cxn ang="0">
-                <a:pos x="connsiteX3" y="connsiteY3"/>
-              </a:cxn>
-              <a:cxn ang="0">
-                <a:pos x="connsiteX4" y="connsiteY4"/>
-              </a:cxn>
-              <a:cxn ang="0">
-                <a:pos x="connsiteX5" y="connsiteY5"/>
-              </a:cxn>
-              <a:cxn ang="0">
-                <a:pos x="connsiteX6" y="connsiteY6"/>
-              </a:cxn>
-              <a:cxn ang="0">
-                <a:pos x="connsiteX7" y="connsiteY7"/>
-              </a:cxn>
-              <a:cxn ang="0">
-                <a:pos x="connsiteX8" y="connsiteY8"/>
-              </a:cxn>
-              <a:cxn ang="0">
-                <a:pos x="connsiteX9" y="connsiteY9"/>
-              </a:cxn>
-              <a:cxn ang="0">
-                <a:pos x="connsiteX10" y="connsiteY10"/>
-              </a:cxn>
-              <a:cxn ang="0">
-                <a:pos x="connsiteX11" y="connsiteY11"/>
-              </a:cxn>
-              <a:cxn ang="0">
-                <a:pos x="connsiteX12" y="connsiteY12"/>
-              </a:cxn>
-              <a:cxn ang="0">
-                <a:pos x="connsiteX13" y="connsiteY13"/>
-              </a:cxn>
-              <a:cxn ang="0">
-                <a:pos x="connsiteX14" y="connsiteY14"/>
-              </a:cxn>
-              <a:cxn ang="0">
-                <a:pos x="connsiteX15" y="connsiteY15"/>
-              </a:cxn>
-            </a:cxnLst>
-            <a:rect l="l" t="t" r="r" b="b"/>
-            <a:pathLst>
-              <a:path w="4441372" h="5393036">
-                <a:moveTo>
-                  <a:pt x="0" y="3188969"/>
-                </a:moveTo>
-                <a:lnTo>
-                  <a:pt x="2173516" y="3188969"/>
-                </a:lnTo>
-                <a:lnTo>
-                  <a:pt x="2173516" y="5393036"/>
-                </a:lnTo>
-                <a:lnTo>
-                  <a:pt x="0" y="5393036"/>
-                </a:lnTo>
-                <a:close/>
-                <a:moveTo>
-                  <a:pt x="2267856" y="2293018"/>
-                </a:moveTo>
-                <a:lnTo>
-                  <a:pt x="4441372" y="2293018"/>
-                </a:lnTo>
-                <a:lnTo>
-                  <a:pt x="4441372" y="4497085"/>
-                </a:lnTo>
-                <a:lnTo>
-                  <a:pt x="2267856" y="4497085"/>
-                </a:lnTo>
-                <a:close/>
-                <a:moveTo>
-                  <a:pt x="0" y="906837"/>
-                </a:moveTo>
-                <a:lnTo>
-                  <a:pt x="2173516" y="906837"/>
-                </a:lnTo>
-                <a:lnTo>
-                  <a:pt x="2173516" y="3110904"/>
-                </a:lnTo>
-                <a:lnTo>
-                  <a:pt x="0" y="3110904"/>
-                </a:lnTo>
-                <a:close/>
-                <a:moveTo>
-                  <a:pt x="2267856" y="0"/>
-                </a:moveTo>
-                <a:lnTo>
-                  <a:pt x="4441372" y="0"/>
-                </a:lnTo>
-                <a:lnTo>
-                  <a:pt x="4441372" y="2204067"/>
-                </a:lnTo>
-                <a:lnTo>
-                  <a:pt x="2267856" y="2204067"/>
-                </a:lnTo>
-                <a:close/>
-              </a:path>
-            </a:pathLst>
-          </a:custGeom>
-          <a:noFill/>
-        </p:spPr>
-      </p:pic>
-    </p:spTree>
-    <p:extLst>
-      <p:ext uri="{BB962C8B-B14F-4D97-AF65-F5344CB8AC3E}">
-        <p14:creationId xmlns:p14="http://schemas.microsoft.com/office/powerpoint/2010/main" val="2936915573"/>
-      </p:ext>
-    </p:extLst>
-  </p:cSld>
-  <p:clrMapOvr>
-    <a:masterClrMapping/>
-  </p:clrMapOvr>
-</p:sld>
-</file>
-
-<file path=ppt/slides/slide6.xml><?xml version="1.0" encoding="utf-8"?>
-<p:sld xmlns:a="http://schemas.openxmlformats.org/drawingml/2006/main" xmlns:r="http://schemas.openxmlformats.org/officeDocument/2006/relationships" xmlns:p="http://schemas.openxmlformats.org/presentationml/2006/main">
-  <p:cSld>
-    <p:spTree>
-      <p:nvGrpSpPr>
-        <p:cNvPr id="1" name=""/>
-        <p:cNvGrpSpPr/>
-        <p:nvPr/>
-      </p:nvGrpSpPr>
-      <p:grpSpPr>
-        <a:xfrm>
-          <a:off x="0" y="0"/>
-          <a:ext cx="0" cy="0"/>
-          <a:chOff x="0" y="0"/>
-          <a:chExt cx="0" cy="0"/>
-        </a:xfrm>
-      </p:grpSpPr>
-      <p:sp>
-        <p:nvSpPr>
-          <p:cNvPr id="5" name="Rectángulo 4">
-            <a:extLst>
-              <a:ext uri="{FF2B5EF4-FFF2-40B4-BE49-F238E27FC236}">
-                <a16:creationId xmlns:a16="http://schemas.microsoft.com/office/drawing/2014/main" id="{895C9FE2-B074-D064-504E-A89066AF19B7}"/>
-              </a:ext>
-            </a:extLst>
-          </p:cNvPr>
-          <p:cNvSpPr/>
-          <p:nvPr/>
-        </p:nvSpPr>
-        <p:spPr>
-          <a:xfrm>
-            <a:off x="0" y="6400800"/>
-            <a:ext cx="2557670" cy="457200"/>
-          </a:xfrm>
-          <a:prstGeom prst="rect">
-            <a:avLst/>
-          </a:prstGeom>
-          <a:solidFill>
-            <a:schemeClr val="bg1">
-              <a:lumMod val="95000"/>
-            </a:schemeClr>
-          </a:solidFill>
-          <a:ln>
-            <a:noFill/>
-          </a:ln>
-        </p:spPr>
-        <p:style>
-          <a:lnRef idx="2">
-            <a:schemeClr val="accent1">
-              <a:shade val="50000"/>
-            </a:schemeClr>
-          </a:lnRef>
-          <a:fillRef idx="1">
-            <a:schemeClr val="accent1"/>
-          </a:fillRef>
-          <a:effectRef idx="0">
-            <a:schemeClr val="accent1"/>
-          </a:effectRef>
-          <a:fontRef idx="minor">
-            <a:schemeClr val="lt1"/>
-          </a:fontRef>
-        </p:style>
-        <p:txBody>
-          <a:bodyPr rtlCol="0" anchor="ctr"/>
-          <a:lstStyle/>
-          <a:p>
-            <a:pPr algn="ctr"/>
-            <a:endParaRPr lang="es-ES"/>
-          </a:p>
-        </p:txBody>
-      </p:sp>
-      <p:sp>
-        <p:nvSpPr>
-          <p:cNvPr id="9" name="QuadreDeText 3">
-            <a:extLst>
-              <a:ext uri="{FF2B5EF4-FFF2-40B4-BE49-F238E27FC236}">
-                <a16:creationId xmlns:a16="http://schemas.microsoft.com/office/drawing/2014/main" id="{CA77EBFC-AF66-46F0-A052-741393D2923C}"/>
-              </a:ext>
-            </a:extLst>
-          </p:cNvPr>
-          <p:cNvSpPr txBox="1"/>
-          <p:nvPr/>
-        </p:nvSpPr>
-        <p:spPr>
-          <a:xfrm>
-            <a:off x="505958" y="250347"/>
-            <a:ext cx="11230211" cy="677108"/>
-          </a:xfrm>
-          <a:prstGeom prst="rect">
-            <a:avLst/>
-          </a:prstGeom>
-          <a:noFill/>
-        </p:spPr>
-        <p:txBody>
-          <a:bodyPr wrap="square">
-            <a:spAutoFit/>
-          </a:bodyPr>
-          <a:lstStyle/>
-          <a:p>
-            <a:r>
-              <a:rPr lang="es-ES" sz="2400" b="1" dirty="0">
-                <a:solidFill>
-                  <a:schemeClr val="accent3">
-                    <a:lumMod val="50000"/>
-                  </a:schemeClr>
-                </a:solidFill>
-                <a:effectLst/>
-                <a:latin typeface="+mj-lt"/>
-              </a:rPr>
-              <a:t>ANÁLISIS EXPLORATORI</a:t>
-            </a:r>
-            <a:r>
-              <a:rPr lang="es-ES" sz="2400" b="1" dirty="0">
-                <a:solidFill>
-                  <a:schemeClr val="accent3">
-                    <a:lumMod val="50000"/>
-                  </a:schemeClr>
-                </a:solidFill>
-                <a:latin typeface="+mj-lt"/>
-              </a:rPr>
-              <a:t>O</a:t>
-            </a:r>
-            <a:endParaRPr lang="es-ES" sz="2400" b="1" i="1" dirty="0">
-              <a:solidFill>
-                <a:schemeClr val="accent3">
-                  <a:lumMod val="50000"/>
-                </a:schemeClr>
-              </a:solidFill>
-              <a:effectLst/>
-              <a:latin typeface="+mj-lt"/>
-            </a:endParaRPr>
-          </a:p>
-          <a:p>
-            <a:r>
-              <a:rPr lang="es-ES" sz="1400" b="1" dirty="0"/>
-              <a:t>Examinamos las variables “</a:t>
-            </a:r>
-            <a:r>
-              <a:rPr lang="es-ES" sz="1400" b="1" i="1" dirty="0"/>
-              <a:t>default”</a:t>
-            </a:r>
-            <a:r>
-              <a:rPr lang="es-ES" sz="1400" b="1" dirty="0"/>
-              <a:t> , “</a:t>
-            </a:r>
-            <a:r>
-              <a:rPr lang="es-ES" sz="1400" b="1" i="1" dirty="0"/>
-              <a:t>balance”, ”loan” y “</a:t>
-            </a:r>
-            <a:r>
-              <a:rPr lang="es-ES" sz="1400" b="1" i="1" dirty="0" err="1"/>
-              <a:t>housing</a:t>
-            </a:r>
-            <a:r>
-              <a:rPr lang="es-ES" sz="1400" b="1" i="1" dirty="0"/>
-              <a:t>”</a:t>
-            </a:r>
-            <a:endParaRPr lang="es-ES" sz="1400" b="1" dirty="0"/>
-          </a:p>
-        </p:txBody>
-      </p:sp>
-      <p:pic>
-        <p:nvPicPr>
-          <p:cNvPr id="15" name="Imatge 14">
-            <a:extLst>
-              <a:ext uri="{FF2B5EF4-FFF2-40B4-BE49-F238E27FC236}">
-                <a16:creationId xmlns:a16="http://schemas.microsoft.com/office/drawing/2014/main" id="{28742E00-0B0A-FFC4-17B6-109CB7A9F6C0}"/>
-              </a:ext>
-            </a:extLst>
-          </p:cNvPr>
-          <p:cNvPicPr>
-            <a:picLocks noChangeAspect="1"/>
-          </p:cNvPicPr>
-          <p:nvPr/>
-        </p:nvPicPr>
-        <p:blipFill>
-          <a:blip r:embed="rId2"/>
-          <a:stretch>
-            <a:fillRect/>
-          </a:stretch>
-        </p:blipFill>
-        <p:spPr>
-          <a:xfrm>
-            <a:off x="697606" y="4277955"/>
-            <a:ext cx="6544235" cy="2177438"/>
-          </a:xfrm>
-          <a:prstGeom prst="rect">
-            <a:avLst/>
-          </a:prstGeom>
-        </p:spPr>
-      </p:pic>
-      <p:sp>
-        <p:nvSpPr>
-          <p:cNvPr id="22" name="QuadreDeText 16">
-            <a:extLst>
-              <a:ext uri="{FF2B5EF4-FFF2-40B4-BE49-F238E27FC236}">
-                <a16:creationId xmlns:a16="http://schemas.microsoft.com/office/drawing/2014/main" id="{FEEEFDAB-1983-DF47-545A-7C120A15950F}"/>
-              </a:ext>
-            </a:extLst>
-          </p:cNvPr>
-          <p:cNvSpPr txBox="1"/>
-          <p:nvPr/>
-        </p:nvSpPr>
-        <p:spPr>
-          <a:xfrm>
-            <a:off x="2790359" y="1232543"/>
-            <a:ext cx="1297548" cy="2214324"/>
-          </a:xfrm>
-          <a:prstGeom prst="roundRect">
-            <a:avLst/>
-          </a:prstGeom>
-          <a:solidFill>
-            <a:schemeClr val="accent5">
-              <a:lumMod val="25000"/>
-              <a:lumOff val="75000"/>
-            </a:schemeClr>
-          </a:solidFill>
-          <a:ln>
-            <a:solidFill>
-              <a:schemeClr val="bg1"/>
-            </a:solidFill>
-          </a:ln>
-        </p:spPr>
-        <p:txBody>
-          <a:bodyPr wrap="square">
-            <a:spAutoFit/>
-          </a:bodyPr>
-          <a:lstStyle/>
-          <a:p>
-            <a:pPr algn="ctr"/>
-            <a:r>
-              <a:rPr lang="es-ES" sz="1300" dirty="0"/>
-              <a:t>Distribución asimétrica entre los dos estados. </a:t>
-            </a:r>
-          </a:p>
-          <a:p>
-            <a:pPr algn="ctr"/>
-            <a:r>
-              <a:rPr lang="es-ES" sz="1300" dirty="0"/>
-              <a:t>El </a:t>
-            </a:r>
-            <a:r>
-              <a:rPr lang="es-ES" sz="1300" b="1" dirty="0"/>
-              <a:t>1,5%</a:t>
-            </a:r>
-            <a:r>
-              <a:rPr lang="es-ES" sz="1300" dirty="0"/>
-              <a:t> de los clientes se encuentran </a:t>
-            </a:r>
-            <a:r>
-              <a:rPr lang="es-ES" sz="1300" b="1" dirty="0"/>
-              <a:t>en estado de morosidad</a:t>
-            </a:r>
-            <a:r>
-              <a:rPr lang="es-ES" sz="1300" dirty="0"/>
-              <a:t> con el banco.</a:t>
-            </a:r>
-          </a:p>
-        </p:txBody>
-      </p:sp>
-      <p:pic>
-        <p:nvPicPr>
-          <p:cNvPr id="25" name="Imatge 24">
-            <a:extLst>
-              <a:ext uri="{FF2B5EF4-FFF2-40B4-BE49-F238E27FC236}">
-                <a16:creationId xmlns:a16="http://schemas.microsoft.com/office/drawing/2014/main" id="{39E2D32D-3D58-8845-0C35-67F559BD10A3}"/>
-              </a:ext>
-            </a:extLst>
-          </p:cNvPr>
-          <p:cNvPicPr>
-            <a:picLocks noChangeAspect="1"/>
-          </p:cNvPicPr>
-          <p:nvPr/>
-        </p:nvPicPr>
-        <p:blipFill>
-          <a:blip r:embed="rId3"/>
-          <a:stretch>
-            <a:fillRect/>
-          </a:stretch>
-        </p:blipFill>
-        <p:spPr>
-          <a:xfrm>
-            <a:off x="697606" y="1263219"/>
-            <a:ext cx="2092753" cy="2214324"/>
-          </a:xfrm>
-          <a:prstGeom prst="rect">
-            <a:avLst/>
-          </a:prstGeom>
-        </p:spPr>
-      </p:pic>
-      <p:pic>
-        <p:nvPicPr>
-          <p:cNvPr id="28" name="Imatge 27">
-            <a:extLst>
-              <a:ext uri="{FF2B5EF4-FFF2-40B4-BE49-F238E27FC236}">
-                <a16:creationId xmlns:a16="http://schemas.microsoft.com/office/drawing/2014/main" id="{7EC74F6E-D518-9000-7686-D600982DC003}"/>
-              </a:ext>
-            </a:extLst>
-          </p:cNvPr>
-          <p:cNvPicPr>
-            <a:picLocks noChangeAspect="1"/>
-          </p:cNvPicPr>
-          <p:nvPr/>
-        </p:nvPicPr>
-        <p:blipFill>
-          <a:blip r:embed="rId4"/>
-          <a:stretch>
-            <a:fillRect/>
-          </a:stretch>
-        </p:blipFill>
-        <p:spPr>
-          <a:xfrm>
-            <a:off x="7743201" y="1215597"/>
-            <a:ext cx="5506983" cy="2448530"/>
-          </a:xfrm>
-          <a:prstGeom prst="rect">
-            <a:avLst/>
-          </a:prstGeom>
-        </p:spPr>
-      </p:pic>
-      <p:sp>
-        <p:nvSpPr>
-          <p:cNvPr id="29" name="QuadreDeText 16">
-            <a:extLst>
-              <a:ext uri="{FF2B5EF4-FFF2-40B4-BE49-F238E27FC236}">
-                <a16:creationId xmlns:a16="http://schemas.microsoft.com/office/drawing/2014/main" id="{2A4AE940-CAEA-F640-4537-42F9EEC610C9}"/>
-              </a:ext>
-            </a:extLst>
-          </p:cNvPr>
-          <p:cNvSpPr txBox="1"/>
-          <p:nvPr/>
-        </p:nvSpPr>
-        <p:spPr>
-          <a:xfrm>
-            <a:off x="8524456" y="1378507"/>
-            <a:ext cx="1297548" cy="323493"/>
-          </a:xfrm>
-          <a:prstGeom prst="roundRect">
-            <a:avLst/>
-          </a:prstGeom>
-          <a:solidFill>
-            <a:schemeClr val="accent5">
-              <a:lumMod val="25000"/>
-              <a:lumOff val="75000"/>
-            </a:schemeClr>
-          </a:solidFill>
-          <a:ln>
-            <a:solidFill>
-              <a:schemeClr val="bg1"/>
-            </a:solidFill>
-          </a:ln>
-        </p:spPr>
-        <p:txBody>
-          <a:bodyPr wrap="square">
-            <a:spAutoFit/>
-          </a:bodyPr>
-          <a:lstStyle/>
-          <a:p>
-            <a:pPr algn="ctr"/>
-            <a:r>
-              <a:rPr lang="es-ES" sz="1300" dirty="0"/>
-              <a:t>Distribución</a:t>
-            </a:r>
-          </a:p>
-        </p:txBody>
-      </p:sp>
-      <p:pic>
-        <p:nvPicPr>
-          <p:cNvPr id="38" name="Imatge 37">
-            <a:extLst>
-              <a:ext uri="{FF2B5EF4-FFF2-40B4-BE49-F238E27FC236}">
-                <a16:creationId xmlns:a16="http://schemas.microsoft.com/office/drawing/2014/main" id="{0629B78E-28D3-A2F6-5AB5-968273B61CAC}"/>
-              </a:ext>
-            </a:extLst>
-          </p:cNvPr>
-          <p:cNvPicPr>
-            <a:picLocks noChangeAspect="1"/>
-          </p:cNvPicPr>
-          <p:nvPr/>
-        </p:nvPicPr>
-        <p:blipFill>
-          <a:blip r:embed="rId5"/>
-          <a:stretch>
-            <a:fillRect/>
-          </a:stretch>
-        </p:blipFill>
-        <p:spPr>
-          <a:xfrm>
-            <a:off x="4546128" y="1232543"/>
-            <a:ext cx="2092753" cy="2214576"/>
-          </a:xfrm>
-          <a:prstGeom prst="rect">
-            <a:avLst/>
-          </a:prstGeom>
-        </p:spPr>
-      </p:pic>
-      <p:pic>
-        <p:nvPicPr>
-          <p:cNvPr id="3" name="Imatge 2">
-            <a:extLst>
-              <a:ext uri="{FF2B5EF4-FFF2-40B4-BE49-F238E27FC236}">
-                <a16:creationId xmlns:a16="http://schemas.microsoft.com/office/drawing/2014/main" id="{49D93354-FF93-8AEA-0553-6618F5BAC77A}"/>
-              </a:ext>
-            </a:extLst>
-          </p:cNvPr>
-          <p:cNvPicPr>
-            <a:picLocks noChangeAspect="1"/>
-          </p:cNvPicPr>
-          <p:nvPr/>
-        </p:nvPicPr>
-        <p:blipFill>
-          <a:blip r:embed="rId6"/>
-          <a:stretch>
-            <a:fillRect/>
-          </a:stretch>
-        </p:blipFill>
-        <p:spPr>
-          <a:xfrm>
-            <a:off x="5782255" y="4277955"/>
-            <a:ext cx="4714438" cy="2157793"/>
-          </a:xfrm>
-          <a:prstGeom prst="rect">
-            <a:avLst/>
-          </a:prstGeom>
-        </p:spPr>
-      </p:pic>
-    </p:spTree>
-    <p:extLst>
-      <p:ext uri="{BB962C8B-B14F-4D97-AF65-F5344CB8AC3E}">
-        <p14:creationId xmlns:p14="http://schemas.microsoft.com/office/powerpoint/2010/main" val="1100531008"/>
-      </p:ext>
-    </p:extLst>
-  </p:cSld>
-  <p:clrMapOvr>
-    <a:masterClrMapping/>
-  </p:clrMapOvr>
-</p:sld>
-</file>
-
-<file path=ppt/slides/slide7.xml><?xml version="1.0" encoding="utf-8"?>
-<p:sld xmlns:a="http://schemas.openxmlformats.org/drawingml/2006/main" xmlns:r="http://schemas.openxmlformats.org/officeDocument/2006/relationships" xmlns:p="http://schemas.openxmlformats.org/presentationml/2006/main">
-  <p:cSld>
-    <p:spTree>
-      <p:nvGrpSpPr>
-        <p:cNvPr id="1" name=""/>
-        <p:cNvGrpSpPr/>
-        <p:nvPr/>
-      </p:nvGrpSpPr>
-      <p:grpSpPr>
-        <a:xfrm>
-          <a:off x="0" y="0"/>
-          <a:ext cx="0" cy="0"/>
-          <a:chOff x="0" y="0"/>
-          <a:chExt cx="0" cy="0"/>
-        </a:xfrm>
-      </p:grpSpPr>
-      <p:sp>
-        <p:nvSpPr>
-          <p:cNvPr id="8" name="QuadreDeText 3">
-            <a:extLst>
-              <a:ext uri="{FF2B5EF4-FFF2-40B4-BE49-F238E27FC236}">
-                <a16:creationId xmlns:a16="http://schemas.microsoft.com/office/drawing/2014/main" id="{78D010E2-8BBA-ADEF-B461-AD829F6EB078}"/>
-              </a:ext>
-            </a:extLst>
-          </p:cNvPr>
-          <p:cNvSpPr txBox="1"/>
-          <p:nvPr/>
-        </p:nvSpPr>
-        <p:spPr>
-          <a:xfrm>
-            <a:off x="505958" y="250347"/>
-            <a:ext cx="11230211" cy="677108"/>
-          </a:xfrm>
-          <a:prstGeom prst="rect">
-            <a:avLst/>
-          </a:prstGeom>
-          <a:noFill/>
-        </p:spPr>
-        <p:txBody>
-          <a:bodyPr wrap="square">
-            <a:spAutoFit/>
-          </a:bodyPr>
-          <a:lstStyle/>
-          <a:p>
-            <a:r>
-              <a:rPr lang="es-ES" sz="2400" b="1" i="1" dirty="0">
-                <a:solidFill>
-                  <a:schemeClr val="accent3">
-                    <a:lumMod val="50000"/>
-                  </a:schemeClr>
-                </a:solidFill>
-                <a:latin typeface="+mj-lt"/>
-              </a:rPr>
-              <a:t>CATEGORIZACIÓN DE LAS VARIABLES</a:t>
-            </a:r>
-            <a:endParaRPr lang="es-ES" sz="2400" b="1" i="1" dirty="0">
-              <a:solidFill>
-                <a:schemeClr val="accent3">
-                  <a:lumMod val="50000"/>
-                </a:schemeClr>
-              </a:solidFill>
-              <a:effectLst/>
-              <a:latin typeface="+mj-lt"/>
-            </a:endParaRPr>
-          </a:p>
-          <a:p>
-            <a:r>
-              <a:rPr lang="es-ES" sz="1400" b="1" dirty="0"/>
-              <a:t>Definimos 4 categorías para clasificar los clientes</a:t>
-            </a:r>
-          </a:p>
-        </p:txBody>
-      </p:sp>
-      <p:pic>
-        <p:nvPicPr>
-          <p:cNvPr id="3" name="Imatge 2">
-            <a:extLst>
-              <a:ext uri="{FF2B5EF4-FFF2-40B4-BE49-F238E27FC236}">
-                <a16:creationId xmlns:a16="http://schemas.microsoft.com/office/drawing/2014/main" id="{FB3103D1-E2AF-3B36-C9CC-E6E3D33C9C81}"/>
-              </a:ext>
-            </a:extLst>
-          </p:cNvPr>
-          <p:cNvPicPr>
-            <a:picLocks noChangeAspect="1"/>
-          </p:cNvPicPr>
-          <p:nvPr/>
-        </p:nvPicPr>
-        <p:blipFill>
-          <a:blip r:embed="rId3"/>
-          <a:stretch>
-            <a:fillRect/>
-          </a:stretch>
-        </p:blipFill>
-        <p:spPr>
-          <a:xfrm>
-            <a:off x="2298899" y="1706928"/>
-            <a:ext cx="6947090" cy="2990578"/>
-          </a:xfrm>
-          <a:prstGeom prst="rect">
-            <a:avLst/>
-          </a:prstGeom>
-        </p:spPr>
-      </p:pic>
-    </p:spTree>
-    <p:extLst>
-      <p:ext uri="{BB962C8B-B14F-4D97-AF65-F5344CB8AC3E}">
-        <p14:creationId xmlns:p14="http://schemas.microsoft.com/office/powerpoint/2010/main" val="3206714674"/>
-      </p:ext>
-    </p:extLst>
-  </p:cSld>
-  <p:clrMapOvr>
-    <a:masterClrMapping/>
-  </p:clrMapOvr>
-</p:sld>
-</file>
-
-<file path=ppt/slides/slide8.xml><?xml version="1.0" encoding="utf-8"?>
-<p:sld xmlns:a="http://schemas.openxmlformats.org/drawingml/2006/main" xmlns:r="http://schemas.openxmlformats.org/officeDocument/2006/relationships" xmlns:p="http://schemas.openxmlformats.org/presentationml/2006/main">
-  <p:cSld>
-    <p:spTree>
-      <p:nvGrpSpPr>
-        <p:cNvPr id="1" name="">
-          <a:extLst>
-            <a:ext uri="{FF2B5EF4-FFF2-40B4-BE49-F238E27FC236}">
-              <a16:creationId xmlns:a16="http://schemas.microsoft.com/office/drawing/2014/main" id="{9C4EBEF4-5A07-3988-9B63-7F937FF02C71}"/>
-            </a:ext>
-          </a:extLst>
-        </p:cNvPr>
-        <p:cNvGrpSpPr/>
-        <p:nvPr/>
-      </p:nvGrpSpPr>
-      <p:grpSpPr>
-        <a:xfrm>
-          <a:off x="0" y="0"/>
-          <a:ext cx="0" cy="0"/>
-          <a:chOff x="0" y="0"/>
-          <a:chExt cx="0" cy="0"/>
-        </a:xfrm>
-      </p:grpSpPr>
-      <p:sp>
-        <p:nvSpPr>
-          <p:cNvPr id="8" name="QuadreDeText 3">
-            <a:extLst>
-              <a:ext uri="{FF2B5EF4-FFF2-40B4-BE49-F238E27FC236}">
-                <a16:creationId xmlns:a16="http://schemas.microsoft.com/office/drawing/2014/main" id="{66399F4B-15E9-BE41-EAE5-3BE6E2DD57B6}"/>
-              </a:ext>
-            </a:extLst>
-          </p:cNvPr>
-          <p:cNvSpPr txBox="1"/>
-          <p:nvPr/>
-        </p:nvSpPr>
-        <p:spPr>
-          <a:xfrm>
-            <a:off x="466166" y="250347"/>
-            <a:ext cx="11270004" cy="1046440"/>
-          </a:xfrm>
-          <a:prstGeom prst="rect">
-            <a:avLst/>
-          </a:prstGeom>
-          <a:noFill/>
-        </p:spPr>
-        <p:txBody>
-          <a:bodyPr wrap="square">
-            <a:spAutoFit/>
-          </a:bodyPr>
-          <a:lstStyle/>
-          <a:p>
-            <a:r>
-              <a:rPr lang="es-ES" sz="2400" b="1" dirty="0">
-                <a:solidFill>
-                  <a:schemeClr val="accent3">
-                    <a:lumMod val="50000"/>
-                  </a:schemeClr>
-                </a:solidFill>
-                <a:effectLst/>
-                <a:latin typeface="+mj-lt"/>
-              </a:rPr>
-              <a:t>RELACIÓN ENTRE VARIABLES:  </a:t>
-            </a:r>
-          </a:p>
-          <a:p>
-            <a:r>
-              <a:rPr lang="es-ES" sz="2400" b="1" dirty="0">
-                <a:solidFill>
-                  <a:schemeClr val="accent3">
-                    <a:lumMod val="50000"/>
-                  </a:schemeClr>
-                </a:solidFill>
-                <a:effectLst/>
-                <a:latin typeface="+mj-lt"/>
-              </a:rPr>
-              <a:t>SALDO vs CATEGORIAS DE PRÉSTAMOS/HIPOTECA</a:t>
-            </a:r>
-          </a:p>
-          <a:p>
-            <a:r>
-              <a:rPr lang="es-ES" sz="1400" b="1" dirty="0"/>
-              <a:t>Tras categorizar </a:t>
-            </a:r>
-            <a:r>
-              <a:rPr lang="es-ES" sz="1400" b="1" dirty="0" err="1"/>
-              <a:t>x,x,x,x</a:t>
-            </a:r>
-            <a:r>
-              <a:rPr lang="es-ES" sz="1400" b="1" dirty="0"/>
-              <a:t> relacionamos las dos variables</a:t>
-            </a:r>
-          </a:p>
-        </p:txBody>
-      </p:sp>
-      <p:sp>
-        <p:nvSpPr>
-          <p:cNvPr id="2" name="Rectángulo 1">
-            <a:extLst>
-              <a:ext uri="{FF2B5EF4-FFF2-40B4-BE49-F238E27FC236}">
-                <a16:creationId xmlns:a16="http://schemas.microsoft.com/office/drawing/2014/main" id="{C18A3694-FB59-3C0D-1F38-5ECD7FBFF4CD}"/>
-              </a:ext>
-            </a:extLst>
-          </p:cNvPr>
-          <p:cNvSpPr/>
-          <p:nvPr/>
-        </p:nvSpPr>
-        <p:spPr>
-          <a:xfrm>
-            <a:off x="0" y="6400800"/>
-            <a:ext cx="2557670" cy="457200"/>
-          </a:xfrm>
-          <a:prstGeom prst="rect">
-            <a:avLst/>
-          </a:prstGeom>
-          <a:solidFill>
-            <a:schemeClr val="bg1">
-              <a:lumMod val="95000"/>
-            </a:schemeClr>
-          </a:solidFill>
-          <a:ln>
-            <a:noFill/>
-          </a:ln>
-        </p:spPr>
-        <p:style>
-          <a:lnRef idx="2">
-            <a:schemeClr val="accent1">
-              <a:shade val="50000"/>
-            </a:schemeClr>
-          </a:lnRef>
-          <a:fillRef idx="1">
-            <a:schemeClr val="accent1"/>
-          </a:fillRef>
-          <a:effectRef idx="0">
-            <a:schemeClr val="accent1"/>
-          </a:effectRef>
-          <a:fontRef idx="minor">
-            <a:schemeClr val="lt1"/>
-          </a:fontRef>
-        </p:style>
-        <p:txBody>
-          <a:bodyPr rtlCol="0" anchor="ctr"/>
-          <a:lstStyle/>
-          <a:p>
-            <a:pPr algn="ctr"/>
-            <a:endParaRPr lang="es-ES"/>
-          </a:p>
-        </p:txBody>
-      </p:sp>
-      <p:pic>
-        <p:nvPicPr>
-          <p:cNvPr id="4" name="Imatge 3">
-            <a:extLst>
-              <a:ext uri="{FF2B5EF4-FFF2-40B4-BE49-F238E27FC236}">
-                <a16:creationId xmlns:a16="http://schemas.microsoft.com/office/drawing/2014/main" id="{BBC6EBBB-7BA2-EEC7-3704-9636D56FFE94}"/>
-              </a:ext>
-            </a:extLst>
-          </p:cNvPr>
-          <p:cNvPicPr>
-            <a:picLocks noChangeAspect="1"/>
-          </p:cNvPicPr>
-          <p:nvPr/>
-        </p:nvPicPr>
-        <p:blipFill>
-          <a:blip r:embed="rId3"/>
-          <a:stretch>
-            <a:fillRect/>
-          </a:stretch>
-        </p:blipFill>
-        <p:spPr>
-          <a:xfrm>
-            <a:off x="1144400" y="4776407"/>
-            <a:ext cx="8946776" cy="1852993"/>
-          </a:xfrm>
-          <a:prstGeom prst="rect">
-            <a:avLst/>
-          </a:prstGeom>
-        </p:spPr>
-      </p:pic>
-      <p:pic>
-        <p:nvPicPr>
-          <p:cNvPr id="6" name="Imatge 5">
-            <a:extLst>
-              <a:ext uri="{FF2B5EF4-FFF2-40B4-BE49-F238E27FC236}">
-                <a16:creationId xmlns:a16="http://schemas.microsoft.com/office/drawing/2014/main" id="{3BDEC8E5-7303-128A-4A27-00C37B5DBA8B}"/>
-              </a:ext>
-            </a:extLst>
-          </p:cNvPr>
-          <p:cNvPicPr>
-            <a:picLocks noChangeAspect="1"/>
-          </p:cNvPicPr>
-          <p:nvPr/>
-        </p:nvPicPr>
-        <p:blipFill>
-          <a:blip r:embed="rId4"/>
-          <a:stretch>
-            <a:fillRect/>
-          </a:stretch>
-        </p:blipFill>
-        <p:spPr>
-          <a:xfrm>
-            <a:off x="1144400" y="2136121"/>
-            <a:ext cx="4234423" cy="2321785"/>
-          </a:xfrm>
-          <a:prstGeom prst="rect">
-            <a:avLst/>
-          </a:prstGeom>
-        </p:spPr>
-      </p:pic>
-    </p:spTree>
-    <p:extLst>
-      <p:ext uri="{BB962C8B-B14F-4D97-AF65-F5344CB8AC3E}">
-        <p14:creationId xmlns:p14="http://schemas.microsoft.com/office/powerpoint/2010/main" val="2926737237"/>
-      </p:ext>
-    </p:extLst>
-  </p:cSld>
-  <p:clrMapOvr>
-    <a:masterClrMapping/>
-  </p:clrMapOvr>
-</p:sld>
-</file>
-
-<file path=ppt/slides/slide9.xml><?xml version="1.0" encoding="utf-8"?>
-<p:sld xmlns:a="http://schemas.openxmlformats.org/drawingml/2006/main" xmlns:r="http://schemas.openxmlformats.org/officeDocument/2006/relationships" xmlns:p="http://schemas.openxmlformats.org/presentationml/2006/main">
-  <p:cSld>
-    <p:spTree>
-      <p:nvGrpSpPr>
-        <p:cNvPr id="1" name="">
-          <a:extLst>
-            <a:ext uri="{FF2B5EF4-FFF2-40B4-BE49-F238E27FC236}">
-              <a16:creationId xmlns:a16="http://schemas.microsoft.com/office/drawing/2014/main" id="{072FEC47-BBC4-E00E-94A8-A030AC2D1A82}"/>
-            </a:ext>
-          </a:extLst>
-        </p:cNvPr>
-        <p:cNvGrpSpPr/>
-        <p:nvPr/>
-      </p:nvGrpSpPr>
-      <p:grpSpPr>
-        <a:xfrm>
-          <a:off x="0" y="0"/>
-          <a:ext cx="0" cy="0"/>
-          <a:chOff x="0" y="0"/>
-          <a:chExt cx="0" cy="0"/>
-        </a:xfrm>
-      </p:grpSpPr>
-      <p:sp>
-        <p:nvSpPr>
-          <p:cNvPr id="8" name="QuadreDeText 3">
-            <a:extLst>
-              <a:ext uri="{FF2B5EF4-FFF2-40B4-BE49-F238E27FC236}">
-                <a16:creationId xmlns:a16="http://schemas.microsoft.com/office/drawing/2014/main" id="{0B9963A2-303C-C0E0-3B8A-E49DF8308095}"/>
-              </a:ext>
-            </a:extLst>
-          </p:cNvPr>
-          <p:cNvSpPr txBox="1"/>
-          <p:nvPr/>
-        </p:nvSpPr>
-        <p:spPr>
-          <a:xfrm>
-            <a:off x="466166" y="250347"/>
-            <a:ext cx="11270004" cy="1046440"/>
-          </a:xfrm>
-          <a:prstGeom prst="rect">
-            <a:avLst/>
-          </a:prstGeom>
-          <a:noFill/>
-        </p:spPr>
-        <p:txBody>
-          <a:bodyPr wrap="square">
-            <a:spAutoFit/>
-          </a:bodyPr>
-          <a:lstStyle/>
-          <a:p>
-            <a:r>
-              <a:rPr lang="es-ES" sz="2400" b="1" dirty="0">
-                <a:solidFill>
-                  <a:schemeClr val="accent3">
-                    <a:lumMod val="50000"/>
-                  </a:schemeClr>
-                </a:solidFill>
-                <a:effectLst/>
-                <a:latin typeface="+mj-lt"/>
-              </a:rPr>
-              <a:t>RELACIÓN ENTRE VARIABLES:  </a:t>
-            </a:r>
-          </a:p>
-          <a:p>
-            <a:r>
-              <a:rPr lang="es-ES" sz="2400" b="1" dirty="0">
-                <a:solidFill>
-                  <a:schemeClr val="accent3">
-                    <a:lumMod val="50000"/>
-                  </a:schemeClr>
-                </a:solidFill>
-                <a:latin typeface="+mj-lt"/>
-              </a:rPr>
-              <a:t>INCUMPLIMIENTO</a:t>
-            </a:r>
-            <a:r>
-              <a:rPr lang="es-ES" sz="2400" b="1" dirty="0">
-                <a:solidFill>
-                  <a:schemeClr val="accent3">
-                    <a:lumMod val="50000"/>
-                  </a:schemeClr>
-                </a:solidFill>
-                <a:effectLst/>
-                <a:latin typeface="+mj-lt"/>
-              </a:rPr>
-              <a:t> vs CATEGORIAS DE PRÉSTAMOS/HIPOTECA</a:t>
-            </a:r>
-          </a:p>
-          <a:p>
-            <a:r>
-              <a:rPr lang="es-ES" sz="1400" b="1" dirty="0"/>
-              <a:t>Tras categorizar </a:t>
-            </a:r>
-            <a:r>
-              <a:rPr lang="es-ES" sz="1400" b="1" dirty="0" err="1"/>
-              <a:t>x,x,x,x</a:t>
-            </a:r>
-            <a:r>
-              <a:rPr lang="es-ES" sz="1400" b="1" dirty="0"/>
-              <a:t> relacionamos las dos variables</a:t>
-            </a:r>
-          </a:p>
-        </p:txBody>
-      </p:sp>
-      <p:sp>
-        <p:nvSpPr>
-          <p:cNvPr id="2" name="Rectángulo 1">
-            <a:extLst>
-              <a:ext uri="{FF2B5EF4-FFF2-40B4-BE49-F238E27FC236}">
-                <a16:creationId xmlns:a16="http://schemas.microsoft.com/office/drawing/2014/main" id="{ECF82D00-1CE3-D38C-B1F1-F735E1902DAD}"/>
-              </a:ext>
-            </a:extLst>
-          </p:cNvPr>
-          <p:cNvSpPr/>
-          <p:nvPr/>
-        </p:nvSpPr>
-        <p:spPr>
-          <a:xfrm>
-            <a:off x="0" y="6400800"/>
-            <a:ext cx="2557670" cy="457200"/>
-          </a:xfrm>
-          <a:prstGeom prst="rect">
-            <a:avLst/>
-          </a:prstGeom>
-          <a:solidFill>
-            <a:schemeClr val="bg1">
-              <a:lumMod val="95000"/>
-            </a:schemeClr>
-          </a:solidFill>
-          <a:ln>
-            <a:noFill/>
-          </a:ln>
-        </p:spPr>
-        <p:style>
-          <a:lnRef idx="2">
-            <a:schemeClr val="accent1">
-              <a:shade val="50000"/>
-            </a:schemeClr>
-          </a:lnRef>
-          <a:fillRef idx="1">
-            <a:schemeClr val="accent1"/>
-          </a:fillRef>
-          <a:effectRef idx="0">
-            <a:schemeClr val="accent1"/>
-          </a:effectRef>
-          <a:fontRef idx="minor">
-            <a:schemeClr val="lt1"/>
-          </a:fontRef>
-        </p:style>
-        <p:txBody>
-          <a:bodyPr rtlCol="0" anchor="ctr"/>
-          <a:lstStyle/>
-          <a:p>
-            <a:pPr algn="ctr"/>
-            <a:endParaRPr lang="es-ES"/>
-          </a:p>
-        </p:txBody>
-      </p:sp>
-      <p:pic>
-        <p:nvPicPr>
-          <p:cNvPr id="3" name="Imatge 2">
-            <a:extLst>
-              <a:ext uri="{FF2B5EF4-FFF2-40B4-BE49-F238E27FC236}">
-                <a16:creationId xmlns:a16="http://schemas.microsoft.com/office/drawing/2014/main" id="{4D972B1F-FC8E-E7EE-E400-05721EA86A7F}"/>
-              </a:ext>
-            </a:extLst>
-          </p:cNvPr>
-          <p:cNvPicPr>
-            <a:picLocks noChangeAspect="1"/>
-          </p:cNvPicPr>
-          <p:nvPr/>
-        </p:nvPicPr>
-        <p:blipFill>
-          <a:blip r:embed="rId3"/>
-          <a:stretch>
-            <a:fillRect/>
-          </a:stretch>
-        </p:blipFill>
-        <p:spPr>
-          <a:xfrm>
-            <a:off x="748271" y="1709037"/>
-            <a:ext cx="4308041" cy="2435879"/>
-          </a:xfrm>
-          <a:prstGeom prst="rect">
-            <a:avLst/>
-          </a:prstGeom>
-        </p:spPr>
-      </p:pic>
-    </p:spTree>
-    <p:extLst>
-      <p:ext uri="{BB962C8B-B14F-4D97-AF65-F5344CB8AC3E}">
-        <p14:creationId xmlns:p14="http://schemas.microsoft.com/office/powerpoint/2010/main" val="2242814331"/>
       </p:ext>
     </p:extLst>
   </p:cSld>
@@ -15939,6 +15440,15 @@
 </file>
 
 <file path=customXml/item1.xml><?xml version="1.0" encoding="utf-8"?>
+<?mso-contentType ?>
+<FormTemplates xmlns="http://schemas.microsoft.com/sharepoint/v3/contenttype/forms">
+  <Display>DocumentLibraryForm</Display>
+  <Edit>DocumentLibraryForm</Edit>
+  <New>DocumentLibraryForm</New>
+</FormTemplates>
+</file>
+
+<file path=customXml/item2.xml><?xml version="1.0" encoding="utf-8"?>
 <ct:contentTypeSchema xmlns:ct="http://schemas.microsoft.com/office/2006/metadata/contentType" xmlns:ma="http://schemas.microsoft.com/office/2006/metadata/properties/metaAttributes" ct:_="" ma:_="" ma:contentTypeName="Document" ma:contentTypeID="0x01010079F111ED35F8CC479449609E8A0923A6" ma:contentTypeVersion="12" ma:contentTypeDescription="Create a new document." ma:contentTypeScope="" ma:versionID="426e97fa315356fffbdcd9876fe988c2">
   <xsd:schema xmlns:xsd="http://www.w3.org/2001/XMLSchema" xmlns:xs="http://www.w3.org/2001/XMLSchema" xmlns:p="http://schemas.microsoft.com/office/2006/metadata/properties" xmlns:ns2="71af3243-3dd4-4a8d-8c0d-dd76da1f02a5" xmlns:ns3="16c05727-aa75-4e4a-9b5f-8a80a1165891" targetNamespace="http://schemas.microsoft.com/office/2006/metadata/properties" ma:root="true" ma:fieldsID="14b8f0def80e6d70ce3def20c90759ae" ns2:_="" ns3:_="">
     <xsd:import namespace="71af3243-3dd4-4a8d-8c0d-dd76da1f02a5"/>
@@ -16159,15 +15669,6 @@
 </ct:contentTypeSchema>
 </file>
 
-<file path=customXml/item2.xml><?xml version="1.0" encoding="utf-8"?>
-<?mso-contentType ?>
-<FormTemplates xmlns="http://schemas.microsoft.com/sharepoint/v3/contenttype/forms">
-  <Display>DocumentLibraryForm</Display>
-  <Edit>DocumentLibraryForm</Edit>
-  <New>DocumentLibraryForm</New>
-</FormTemplates>
-</file>
-
 <file path=customXml/item3.xml><?xml version="1.0" encoding="utf-8"?>
 <p:properties xmlns:p="http://schemas.microsoft.com/office/2006/metadata/properties" xmlns:xsi="http://www.w3.org/2001/XMLSchema-instance" xmlns:pc="http://schemas.microsoft.com/office/infopath/2007/PartnerControls">
   <documentManagement>
@@ -16178,6 +15679,14 @@
 </file>
 
 <file path=customXml/itemProps1.xml><?xml version="1.0" encoding="utf-8"?>
+<ds:datastoreItem xmlns:ds="http://schemas.openxmlformats.org/officeDocument/2006/customXml" ds:itemID="{05D99ABA-76CE-4A8E-B5F0-C051B96628DE}">
+  <ds:schemaRefs>
+    <ds:schemaRef ds:uri="http://schemas.microsoft.com/sharepoint/v3/contenttype/forms"/>
+  </ds:schemaRefs>
+</ds:datastoreItem>
+</file>
+
+<file path=customXml/itemProps2.xml><?xml version="1.0" encoding="utf-8"?>
 <ds:datastoreItem xmlns:ds="http://schemas.openxmlformats.org/officeDocument/2006/customXml" ds:itemID="{B19EB750-A6DA-4BE8-B87B-FC499FE73360}">
   <ds:schemaRefs>
     <ds:schemaRef ds:uri="http://schemas.microsoft.com/office/2006/metadata/contentType"/>
@@ -16196,14 +15705,6 @@
 </ds:datastoreItem>
 </file>
 
-<file path=customXml/itemProps2.xml><?xml version="1.0" encoding="utf-8"?>
-<ds:datastoreItem xmlns:ds="http://schemas.openxmlformats.org/officeDocument/2006/customXml" ds:itemID="{05D99ABA-76CE-4A8E-B5F0-C051B96628DE}">
-  <ds:schemaRefs>
-    <ds:schemaRef ds:uri="http://schemas.microsoft.com/sharepoint/v3/contenttype/forms"/>
-  </ds:schemaRefs>
-</ds:datastoreItem>
-</file>
-
 <file path=customXml/itemProps3.xml><?xml version="1.0" encoding="utf-8"?>
 <ds:datastoreItem xmlns:ds="http://schemas.openxmlformats.org/officeDocument/2006/customXml" ds:itemID="{4DEA9014-ED64-4558-B1E1-D03F0EE32BEB}">
   <ds:schemaRefs>

--- a/Equip_B/results/S2_Presentacion_Finanzas.pptx
+++ b/Equip_B/results/S2_Presentacion_Finanzas.pptx
@@ -5,22 +5,23 @@
     <p:sldMasterId id="2147483648" r:id="rId4"/>
   </p:sldMasterIdLst>
   <p:notesMasterIdLst>
-    <p:notesMasterId r:id="rId15"/>
+    <p:notesMasterId r:id="rId16"/>
   </p:notesMasterIdLst>
   <p:handoutMasterIdLst>
-    <p:handoutMasterId r:id="rId16"/>
+    <p:handoutMasterId r:id="rId17"/>
   </p:handoutMasterIdLst>
   <p:sldIdLst>
     <p:sldId id="324" r:id="rId5"/>
     <p:sldId id="328" r:id="rId6"/>
     <p:sldId id="330" r:id="rId7"/>
-    <p:sldId id="329" r:id="rId8"/>
-    <p:sldId id="332" r:id="rId9"/>
-    <p:sldId id="350" r:id="rId10"/>
-    <p:sldId id="333" r:id="rId11"/>
-    <p:sldId id="334" r:id="rId12"/>
-    <p:sldId id="349" r:id="rId13"/>
-    <p:sldId id="335" r:id="rId14"/>
+    <p:sldId id="351" r:id="rId8"/>
+    <p:sldId id="329" r:id="rId9"/>
+    <p:sldId id="332" r:id="rId10"/>
+    <p:sldId id="350" r:id="rId11"/>
+    <p:sldId id="333" r:id="rId12"/>
+    <p:sldId id="334" r:id="rId13"/>
+    <p:sldId id="349" r:id="rId14"/>
+    <p:sldId id="335" r:id="rId15"/>
   </p:sldIdLst>
   <p:sldSz cx="12192000" cy="6858000"/>
   <p:notesSz cx="6858000" cy="9144000"/>
@@ -252,7 +253,7 @@
             <a:pPr rtl="0"/>
             <a:fld id="{75725A15-8D86-497D-8EAD-2EB1176C54F6}" type="datetime1">
               <a:rPr lang="es-ES" smtClean="0"/>
-              <a:t>16/10/2024</a:t>
+              <a:t>17/10/2024</a:t>
             </a:fld>
             <a:endParaRPr lang="es-ES"/>
           </a:p>
@@ -434,7 +435,7 @@
             <a:fld id="{B958D509-07EE-4A09-900B-403023880868}" type="datetime1">
               <a:rPr lang="es-ES" smtClean="0"/>
               <a:pPr/>
-              <a:t>16/10/2024</a:t>
+              <a:t>17/10/2024</a:t>
             </a:fld>
             <a:endParaRPr lang="es-ES" dirty="0"/>
           </a:p>
@@ -791,6 +792,116 @@
 </p:notes>
 </file>
 
+<file path=ppt/notesSlides/notesSlide10.xml><?xml version="1.0" encoding="utf-8"?>
+<p:notes xmlns:a="http://schemas.openxmlformats.org/drawingml/2006/main" xmlns:r="http://schemas.openxmlformats.org/officeDocument/2006/relationships" xmlns:p="http://schemas.openxmlformats.org/presentationml/2006/main">
+  <p:cSld>
+    <p:spTree>
+      <p:nvGrpSpPr>
+        <p:cNvPr id="1" name="">
+          <a:extLst>
+            <a:ext uri="{FF2B5EF4-FFF2-40B4-BE49-F238E27FC236}">
+              <a16:creationId xmlns:a16="http://schemas.microsoft.com/office/drawing/2014/main" id="{B009C85F-EC1B-CFD1-A657-E7902541FA4B}"/>
+            </a:ext>
+          </a:extLst>
+        </p:cNvPr>
+        <p:cNvGrpSpPr/>
+        <p:nvPr/>
+      </p:nvGrpSpPr>
+      <p:grpSpPr>
+        <a:xfrm>
+          <a:off x="0" y="0"/>
+          <a:ext cx="0" cy="0"/>
+          <a:chOff x="0" y="0"/>
+          <a:chExt cx="0" cy="0"/>
+        </a:xfrm>
+      </p:grpSpPr>
+      <p:sp>
+        <p:nvSpPr>
+          <p:cNvPr id="2" name="Marcador de imagen de diapositiva 1">
+            <a:extLst>
+              <a:ext uri="{FF2B5EF4-FFF2-40B4-BE49-F238E27FC236}">
+                <a16:creationId xmlns:a16="http://schemas.microsoft.com/office/drawing/2014/main" id="{1AFF142F-1FC3-8081-0C22-8E98D74940CE}"/>
+              </a:ext>
+            </a:extLst>
+          </p:cNvPr>
+          <p:cNvSpPr>
+            <a:spLocks noGrp="1" noRot="1" noChangeAspect="1"/>
+          </p:cNvSpPr>
+          <p:nvPr>
+            <p:ph type="sldImg"/>
+          </p:nvPr>
+        </p:nvSpPr>
+        <p:spPr/>
+      </p:sp>
+      <p:sp>
+        <p:nvSpPr>
+          <p:cNvPr id="3" name="Marcador de notas 2">
+            <a:extLst>
+              <a:ext uri="{FF2B5EF4-FFF2-40B4-BE49-F238E27FC236}">
+                <a16:creationId xmlns:a16="http://schemas.microsoft.com/office/drawing/2014/main" id="{546EE938-C74C-25D5-628C-C9B03E86980E}"/>
+              </a:ext>
+            </a:extLst>
+          </p:cNvPr>
+          <p:cNvSpPr>
+            <a:spLocks noGrp="1"/>
+          </p:cNvSpPr>
+          <p:nvPr>
+            <p:ph type="body" idx="1"/>
+          </p:nvPr>
+        </p:nvSpPr>
+        <p:spPr/>
+        <p:txBody>
+          <a:bodyPr rtlCol="0"/>
+          <a:lstStyle/>
+          <a:p>
+            <a:pPr rtl="0"/>
+            <a:endParaRPr lang="es-ES"/>
+          </a:p>
+        </p:txBody>
+      </p:sp>
+      <p:sp>
+        <p:nvSpPr>
+          <p:cNvPr id="4" name="Marcador de número de diapositiva 3">
+            <a:extLst>
+              <a:ext uri="{FF2B5EF4-FFF2-40B4-BE49-F238E27FC236}">
+                <a16:creationId xmlns:a16="http://schemas.microsoft.com/office/drawing/2014/main" id="{0A613478-0ACE-0074-01E5-8217CC3C0DB5}"/>
+              </a:ext>
+            </a:extLst>
+          </p:cNvPr>
+          <p:cNvSpPr>
+            <a:spLocks noGrp="1"/>
+          </p:cNvSpPr>
+          <p:nvPr>
+            <p:ph type="sldNum" sz="quarter" idx="5"/>
+          </p:nvPr>
+        </p:nvSpPr>
+        <p:spPr/>
+        <p:txBody>
+          <a:bodyPr rtlCol="0"/>
+          <a:lstStyle/>
+          <a:p>
+            <a:pPr rtl="0"/>
+            <a:fld id="{8530193B-564F-4854-8A52-728F3FB19C85}" type="slidenum">
+              <a:rPr lang="es-ES" smtClean="0"/>
+              <a:t>11</a:t>
+            </a:fld>
+            <a:endParaRPr lang="es-ES"/>
+          </a:p>
+        </p:txBody>
+      </p:sp>
+    </p:spTree>
+    <p:extLst>
+      <p:ext uri="{BB962C8B-B14F-4D97-AF65-F5344CB8AC3E}">
+        <p14:creationId xmlns:p14="http://schemas.microsoft.com/office/powerpoint/2010/main" val="78472006"/>
+      </p:ext>
+    </p:extLst>
+  </p:cSld>
+  <p:clrMapOvr>
+    <a:masterClrMapping/>
+  </p:clrMapOvr>
+</p:notes>
+</file>
+
 <file path=ppt/notesSlides/notesSlide2.xml><?xml version="1.0" encoding="utf-8"?>
 <p:notes xmlns:a="http://schemas.openxmlformats.org/drawingml/2006/main" xmlns:r="http://schemas.openxmlformats.org/officeDocument/2006/relationships" xmlns:p="http://schemas.openxmlformats.org/presentationml/2006/main">
   <p:cSld>
@@ -920,6 +1031,91 @@
       </p:grpSpPr>
       <p:sp>
         <p:nvSpPr>
+          <p:cNvPr id="2" name="Contenidor d'imatge de diapositiva 1"/>
+          <p:cNvSpPr>
+            <a:spLocks noGrp="1" noRot="1" noChangeAspect="1"/>
+          </p:cNvSpPr>
+          <p:nvPr>
+            <p:ph type="sldImg"/>
+          </p:nvPr>
+        </p:nvSpPr>
+        <p:spPr/>
+      </p:sp>
+      <p:sp>
+        <p:nvSpPr>
+          <p:cNvPr id="3" name="Contenidor de notes 2"/>
+          <p:cNvSpPr>
+            <a:spLocks noGrp="1"/>
+          </p:cNvSpPr>
+          <p:nvPr>
+            <p:ph type="body" idx="1"/>
+          </p:nvPr>
+        </p:nvSpPr>
+        <p:spPr/>
+        <p:txBody>
+          <a:bodyPr/>
+          <a:lstStyle/>
+          <a:p>
+            <a:endParaRPr lang="ca-ES" dirty="0"/>
+          </a:p>
+        </p:txBody>
+      </p:sp>
+      <p:sp>
+        <p:nvSpPr>
+          <p:cNvPr id="4" name="Contenidor de número de diapositiva 3"/>
+          <p:cNvSpPr>
+            <a:spLocks noGrp="1"/>
+          </p:cNvSpPr>
+          <p:nvPr>
+            <p:ph type="sldNum" sz="quarter" idx="5"/>
+          </p:nvPr>
+        </p:nvSpPr>
+        <p:spPr/>
+        <p:txBody>
+          <a:bodyPr/>
+          <a:lstStyle/>
+          <a:p>
+            <a:pPr rtl="0"/>
+            <a:fld id="{8530193B-564F-4854-8A52-728F3FB19C85}" type="slidenum">
+              <a:rPr lang="es-ES" noProof="0" smtClean="0"/>
+              <a:t>4</a:t>
+            </a:fld>
+            <a:endParaRPr lang="es-ES" noProof="0"/>
+          </a:p>
+        </p:txBody>
+      </p:sp>
+    </p:spTree>
+    <p:extLst>
+      <p:ext uri="{BB962C8B-B14F-4D97-AF65-F5344CB8AC3E}">
+        <p14:creationId xmlns:p14="http://schemas.microsoft.com/office/powerpoint/2010/main" val="3037289456"/>
+      </p:ext>
+    </p:extLst>
+  </p:cSld>
+  <p:clrMapOvr>
+    <a:masterClrMapping/>
+  </p:clrMapOvr>
+</p:notes>
+</file>
+
+<file path=ppt/notesSlides/notesSlide4.xml><?xml version="1.0" encoding="utf-8"?>
+<p:notes xmlns:a="http://schemas.openxmlformats.org/drawingml/2006/main" xmlns:r="http://schemas.openxmlformats.org/officeDocument/2006/relationships" xmlns:p="http://schemas.openxmlformats.org/presentationml/2006/main">
+  <p:cSld>
+    <p:spTree>
+      <p:nvGrpSpPr>
+        <p:cNvPr id="1" name=""/>
+        <p:cNvGrpSpPr/>
+        <p:nvPr/>
+      </p:nvGrpSpPr>
+      <p:grpSpPr>
+        <a:xfrm>
+          <a:off x="0" y="0"/>
+          <a:ext cx="0" cy="0"/>
+          <a:chOff x="0" y="0"/>
+          <a:chExt cx="0" cy="0"/>
+        </a:xfrm>
+      </p:grpSpPr>
+      <p:sp>
+        <p:nvSpPr>
           <p:cNvPr id="2" name="Marcador de imagen de diapositiva 1"/>
           <p:cNvSpPr>
             <a:spLocks noGrp="1" noRot="1" noChangeAspect="1"/>
@@ -967,7 +1163,7 @@
             <a:pPr rtl="0"/>
             <a:fld id="{8530193B-564F-4854-8A52-728F3FB19C85}" type="slidenum">
               <a:rPr lang="es-ES" noProof="0" smtClean="0"/>
-              <a:t>4</a:t>
+              <a:t>5</a:t>
             </a:fld>
             <a:endParaRPr lang="es-ES" noProof="0"/>
           </a:p>
@@ -986,7 +1182,7 @@
 </p:notes>
 </file>
 
-<file path=ppt/notesSlides/notesSlide4.xml><?xml version="1.0" encoding="utf-8"?>
+<file path=ppt/notesSlides/notesSlide5.xml><?xml version="1.0" encoding="utf-8"?>
 <p:notes xmlns:a="http://schemas.openxmlformats.org/drawingml/2006/main" xmlns:r="http://schemas.openxmlformats.org/officeDocument/2006/relationships" xmlns:p="http://schemas.openxmlformats.org/presentationml/2006/main">
   <p:cSld>
     <p:spTree>
@@ -1076,7 +1272,7 @@
             <a:pPr rtl="0"/>
             <a:fld id="{8530193B-564F-4854-8A52-728F3FB19C85}" type="slidenum">
               <a:rPr lang="es-ES" noProof="0" smtClean="0"/>
-              <a:t>5</a:t>
+              <a:t>6</a:t>
             </a:fld>
             <a:endParaRPr lang="es-ES" noProof="0"/>
           </a:p>
@@ -1095,7 +1291,7 @@
 </p:notes>
 </file>
 
-<file path=ppt/notesSlides/notesSlide5.xml><?xml version="1.0" encoding="utf-8"?>
+<file path=ppt/notesSlides/notesSlide6.xml><?xml version="1.0" encoding="utf-8"?>
 <p:notes xmlns:a="http://schemas.openxmlformats.org/drawingml/2006/main" xmlns:r="http://schemas.openxmlformats.org/officeDocument/2006/relationships" xmlns:p="http://schemas.openxmlformats.org/presentationml/2006/main">
   <p:cSld>
     <p:spTree>
@@ -1185,7 +1381,7 @@
             <a:pPr rtl="0"/>
             <a:fld id="{8530193B-564F-4854-8A52-728F3FB19C85}" type="slidenum">
               <a:rPr lang="es-ES" noProof="0" smtClean="0"/>
-              <a:t>6</a:t>
+              <a:t>7</a:t>
             </a:fld>
             <a:endParaRPr lang="es-ES" noProof="0"/>
           </a:p>
@@ -1204,7 +1400,7 @@
 </p:notes>
 </file>
 
-<file path=ppt/notesSlides/notesSlide6.xml><?xml version="1.0" encoding="utf-8"?>
+<file path=ppt/notesSlides/notesSlide7.xml><?xml version="1.0" encoding="utf-8"?>
 <p:notes xmlns:a="http://schemas.openxmlformats.org/drawingml/2006/main" xmlns:r="http://schemas.openxmlformats.org/officeDocument/2006/relationships" xmlns:p="http://schemas.openxmlformats.org/presentationml/2006/main">
   <p:cSld>
     <p:spTree>
@@ -1294,7 +1490,7 @@
             <a:pPr rtl="0"/>
             <a:fld id="{8530193B-564F-4854-8A52-728F3FB19C85}" type="slidenum">
               <a:rPr lang="es-ES" noProof="0" smtClean="0"/>
-              <a:t>7</a:t>
+              <a:t>8</a:t>
             </a:fld>
             <a:endParaRPr lang="es-ES" noProof="0"/>
           </a:p>
@@ -1313,7 +1509,7 @@
 </p:notes>
 </file>
 
-<file path=ppt/notesSlides/notesSlide7.xml><?xml version="1.0" encoding="utf-8"?>
+<file path=ppt/notesSlides/notesSlide8.xml><?xml version="1.0" encoding="utf-8"?>
 <p:notes xmlns:a="http://schemas.openxmlformats.org/drawingml/2006/main" xmlns:r="http://schemas.openxmlformats.org/officeDocument/2006/relationships" xmlns:p="http://schemas.openxmlformats.org/presentationml/2006/main">
   <p:cSld>
     <p:spTree>
@@ -1379,7 +1575,7 @@
             <a:pPr rtl="0"/>
             <a:fld id="{8530193B-564F-4854-8A52-728F3FB19C85}" type="slidenum">
               <a:rPr lang="es-ES" noProof="0" smtClean="0"/>
-              <a:t>8</a:t>
+              <a:t>9</a:t>
             </a:fld>
             <a:endParaRPr lang="es-ES" noProof="0"/>
           </a:p>
@@ -1398,7 +1594,7 @@
 </p:notes>
 </file>
 
-<file path=ppt/notesSlides/notesSlide8.xml><?xml version="1.0" encoding="utf-8"?>
+<file path=ppt/notesSlides/notesSlide9.xml><?xml version="1.0" encoding="utf-8"?>
 <p:notes xmlns:a="http://schemas.openxmlformats.org/drawingml/2006/main" xmlns:r="http://schemas.openxmlformats.org/officeDocument/2006/relationships" xmlns:p="http://schemas.openxmlformats.org/presentationml/2006/main">
   <p:cSld>
     <p:spTree>
@@ -1488,7 +1684,7 @@
             <a:pPr rtl="0"/>
             <a:fld id="{8530193B-564F-4854-8A52-728F3FB19C85}" type="slidenum">
               <a:rPr lang="es-ES" noProof="0" smtClean="0"/>
-              <a:t>9</a:t>
+              <a:t>10</a:t>
             </a:fld>
             <a:endParaRPr lang="es-ES" noProof="0"/>
           </a:p>
@@ -1498,116 +1694,6 @@
     <p:extLst>
       <p:ext uri="{BB962C8B-B14F-4D97-AF65-F5344CB8AC3E}">
         <p14:creationId xmlns:p14="http://schemas.microsoft.com/office/powerpoint/2010/main" val="746271655"/>
-      </p:ext>
-    </p:extLst>
-  </p:cSld>
-  <p:clrMapOvr>
-    <a:masterClrMapping/>
-  </p:clrMapOvr>
-</p:notes>
-</file>
-
-<file path=ppt/notesSlides/notesSlide9.xml><?xml version="1.0" encoding="utf-8"?>
-<p:notes xmlns:a="http://schemas.openxmlformats.org/drawingml/2006/main" xmlns:r="http://schemas.openxmlformats.org/officeDocument/2006/relationships" xmlns:p="http://schemas.openxmlformats.org/presentationml/2006/main">
-  <p:cSld>
-    <p:spTree>
-      <p:nvGrpSpPr>
-        <p:cNvPr id="1" name="">
-          <a:extLst>
-            <a:ext uri="{FF2B5EF4-FFF2-40B4-BE49-F238E27FC236}">
-              <a16:creationId xmlns:a16="http://schemas.microsoft.com/office/drawing/2014/main" id="{B009C85F-EC1B-CFD1-A657-E7902541FA4B}"/>
-            </a:ext>
-          </a:extLst>
-        </p:cNvPr>
-        <p:cNvGrpSpPr/>
-        <p:nvPr/>
-      </p:nvGrpSpPr>
-      <p:grpSpPr>
-        <a:xfrm>
-          <a:off x="0" y="0"/>
-          <a:ext cx="0" cy="0"/>
-          <a:chOff x="0" y="0"/>
-          <a:chExt cx="0" cy="0"/>
-        </a:xfrm>
-      </p:grpSpPr>
-      <p:sp>
-        <p:nvSpPr>
-          <p:cNvPr id="2" name="Marcador de imagen de diapositiva 1">
-            <a:extLst>
-              <a:ext uri="{FF2B5EF4-FFF2-40B4-BE49-F238E27FC236}">
-                <a16:creationId xmlns:a16="http://schemas.microsoft.com/office/drawing/2014/main" id="{1AFF142F-1FC3-8081-0C22-8E98D74940CE}"/>
-              </a:ext>
-            </a:extLst>
-          </p:cNvPr>
-          <p:cNvSpPr>
-            <a:spLocks noGrp="1" noRot="1" noChangeAspect="1"/>
-          </p:cNvSpPr>
-          <p:nvPr>
-            <p:ph type="sldImg"/>
-          </p:nvPr>
-        </p:nvSpPr>
-        <p:spPr/>
-      </p:sp>
-      <p:sp>
-        <p:nvSpPr>
-          <p:cNvPr id="3" name="Marcador de notas 2">
-            <a:extLst>
-              <a:ext uri="{FF2B5EF4-FFF2-40B4-BE49-F238E27FC236}">
-                <a16:creationId xmlns:a16="http://schemas.microsoft.com/office/drawing/2014/main" id="{546EE938-C74C-25D5-628C-C9B03E86980E}"/>
-              </a:ext>
-            </a:extLst>
-          </p:cNvPr>
-          <p:cNvSpPr>
-            <a:spLocks noGrp="1"/>
-          </p:cNvSpPr>
-          <p:nvPr>
-            <p:ph type="body" idx="1"/>
-          </p:nvPr>
-        </p:nvSpPr>
-        <p:spPr/>
-        <p:txBody>
-          <a:bodyPr rtlCol="0"/>
-          <a:lstStyle/>
-          <a:p>
-            <a:pPr rtl="0"/>
-            <a:endParaRPr lang="es-ES"/>
-          </a:p>
-        </p:txBody>
-      </p:sp>
-      <p:sp>
-        <p:nvSpPr>
-          <p:cNvPr id="4" name="Marcador de número de diapositiva 3">
-            <a:extLst>
-              <a:ext uri="{FF2B5EF4-FFF2-40B4-BE49-F238E27FC236}">
-                <a16:creationId xmlns:a16="http://schemas.microsoft.com/office/drawing/2014/main" id="{0A613478-0ACE-0074-01E5-8217CC3C0DB5}"/>
-              </a:ext>
-            </a:extLst>
-          </p:cNvPr>
-          <p:cNvSpPr>
-            <a:spLocks noGrp="1"/>
-          </p:cNvSpPr>
-          <p:nvPr>
-            <p:ph type="sldNum" sz="quarter" idx="5"/>
-          </p:nvPr>
-        </p:nvSpPr>
-        <p:spPr/>
-        <p:txBody>
-          <a:bodyPr rtlCol="0"/>
-          <a:lstStyle/>
-          <a:p>
-            <a:pPr rtl="0"/>
-            <a:fld id="{8530193B-564F-4854-8A52-728F3FB19C85}" type="slidenum">
-              <a:rPr lang="es-ES" smtClean="0"/>
-              <a:t>10</a:t>
-            </a:fld>
-            <a:endParaRPr lang="es-ES"/>
-          </a:p>
-        </p:txBody>
-      </p:sp>
-    </p:spTree>
-    <p:extLst>
-      <p:ext uri="{BB962C8B-B14F-4D97-AF65-F5344CB8AC3E}">
-        <p14:creationId xmlns:p14="http://schemas.microsoft.com/office/powerpoint/2010/main" val="78472006"/>
       </p:ext>
     </p:extLst>
   </p:cSld>
@@ -8408,7 +8494,7 @@
                   <a:schemeClr val="accent2"/>
                 </a:solidFill>
               </a:rPr>
-              <a:t>16/10/2024</a:t>
+              <a:t>17/10/2024</a:t>
             </a:fld>
             <a:endParaRPr lang="es-ES" sz="1100" noProof="0" dirty="0">
               <a:solidFill>
@@ -9459,6 +9545,997 @@
 <file path=ppt/slides/slide10.xml><?xml version="1.0" encoding="utf-8"?>
 <p:sld xmlns:a="http://schemas.openxmlformats.org/drawingml/2006/main" xmlns:r="http://schemas.openxmlformats.org/officeDocument/2006/relationships" xmlns:p="http://schemas.openxmlformats.org/presentationml/2006/main">
   <p:cSld>
+    <p:spTree>
+      <p:nvGrpSpPr>
+        <p:cNvPr id="1" name="">
+          <a:extLst>
+            <a:ext uri="{FF2B5EF4-FFF2-40B4-BE49-F238E27FC236}">
+              <a16:creationId xmlns:a16="http://schemas.microsoft.com/office/drawing/2014/main" id="{2E8AFFAE-1245-19B5-3C60-58AC8A5EA54D}"/>
+            </a:ext>
+          </a:extLst>
+        </p:cNvPr>
+        <p:cNvGrpSpPr/>
+        <p:nvPr/>
+      </p:nvGrpSpPr>
+      <p:grpSpPr>
+        <a:xfrm>
+          <a:off x="0" y="0"/>
+          <a:ext cx="0" cy="0"/>
+          <a:chOff x="0" y="0"/>
+          <a:chExt cx="0" cy="0"/>
+        </a:xfrm>
+      </p:grpSpPr>
+      <p:sp>
+        <p:nvSpPr>
+          <p:cNvPr id="6" name="Rectángulo 5">
+            <a:extLst>
+              <a:ext uri="{FF2B5EF4-FFF2-40B4-BE49-F238E27FC236}">
+                <a16:creationId xmlns:a16="http://schemas.microsoft.com/office/drawing/2014/main" id="{82C12619-B1CF-D3F7-B28B-32652C0F05E3}"/>
+              </a:ext>
+            </a:extLst>
+          </p:cNvPr>
+          <p:cNvSpPr/>
+          <p:nvPr/>
+        </p:nvSpPr>
+        <p:spPr>
+          <a:xfrm>
+            <a:off x="0" y="6400800"/>
+            <a:ext cx="2557670" cy="457200"/>
+          </a:xfrm>
+          <a:prstGeom prst="rect">
+            <a:avLst/>
+          </a:prstGeom>
+          <a:solidFill>
+            <a:schemeClr val="bg1">
+              <a:lumMod val="95000"/>
+            </a:schemeClr>
+          </a:solidFill>
+          <a:ln>
+            <a:noFill/>
+          </a:ln>
+        </p:spPr>
+        <p:style>
+          <a:lnRef idx="2">
+            <a:schemeClr val="accent1">
+              <a:shade val="50000"/>
+            </a:schemeClr>
+          </a:lnRef>
+          <a:fillRef idx="1">
+            <a:schemeClr val="accent1"/>
+          </a:fillRef>
+          <a:effectRef idx="0">
+            <a:schemeClr val="accent1"/>
+          </a:effectRef>
+          <a:fontRef idx="minor">
+            <a:schemeClr val="lt1"/>
+          </a:fontRef>
+        </p:style>
+        <p:txBody>
+          <a:bodyPr rtlCol="0" anchor="ctr"/>
+          <a:lstStyle/>
+          <a:p>
+            <a:pPr algn="ctr"/>
+            <a:endParaRPr lang="es-ES"/>
+          </a:p>
+        </p:txBody>
+      </p:sp>
+      <p:sp>
+        <p:nvSpPr>
+          <p:cNvPr id="4" name="Rectángulo: esquinas redondeadas 3">
+            <a:extLst>
+              <a:ext uri="{FF2B5EF4-FFF2-40B4-BE49-F238E27FC236}">
+                <a16:creationId xmlns:a16="http://schemas.microsoft.com/office/drawing/2014/main" id="{0EF04D99-B7F8-3573-2F18-E88215F913F3}"/>
+              </a:ext>
+            </a:extLst>
+          </p:cNvPr>
+          <p:cNvSpPr/>
+          <p:nvPr/>
+        </p:nvSpPr>
+        <p:spPr>
+          <a:xfrm>
+            <a:off x="505958" y="1104371"/>
+            <a:ext cx="5508000" cy="5324706"/>
+          </a:xfrm>
+          <a:prstGeom prst="roundRect">
+            <a:avLst>
+              <a:gd name="adj" fmla="val 7845"/>
+            </a:avLst>
+          </a:prstGeom>
+          <a:solidFill>
+            <a:schemeClr val="bg1"/>
+          </a:solidFill>
+          <a:ln>
+            <a:noFill/>
+          </a:ln>
+        </p:spPr>
+        <p:style>
+          <a:lnRef idx="2">
+            <a:schemeClr val="accent1">
+              <a:shade val="50000"/>
+            </a:schemeClr>
+          </a:lnRef>
+          <a:fillRef idx="1">
+            <a:schemeClr val="accent1"/>
+          </a:fillRef>
+          <a:effectRef idx="0">
+            <a:schemeClr val="accent1"/>
+          </a:effectRef>
+          <a:fontRef idx="minor">
+            <a:schemeClr val="lt1"/>
+          </a:fontRef>
+        </p:style>
+        <p:txBody>
+          <a:bodyPr rtlCol="0" anchor="ctr"/>
+          <a:lstStyle/>
+          <a:p>
+            <a:pPr algn="ctr"/>
+            <a:endParaRPr lang="es-ES"/>
+          </a:p>
+        </p:txBody>
+      </p:sp>
+      <p:sp>
+        <p:nvSpPr>
+          <p:cNvPr id="5" name="QuadreDeText 3">
+            <a:extLst>
+              <a:ext uri="{FF2B5EF4-FFF2-40B4-BE49-F238E27FC236}">
+                <a16:creationId xmlns:a16="http://schemas.microsoft.com/office/drawing/2014/main" id="{8D4C57D9-90FA-1254-9EC5-207A0AEE2D7F}"/>
+              </a:ext>
+            </a:extLst>
+          </p:cNvPr>
+          <p:cNvSpPr txBox="1"/>
+          <p:nvPr/>
+        </p:nvSpPr>
+        <p:spPr>
+          <a:xfrm>
+            <a:off x="505958" y="250347"/>
+            <a:ext cx="11230211" cy="923330"/>
+          </a:xfrm>
+          <a:prstGeom prst="rect">
+            <a:avLst/>
+          </a:prstGeom>
+          <a:noFill/>
+        </p:spPr>
+        <p:txBody>
+          <a:bodyPr wrap="square">
+            <a:spAutoFit/>
+          </a:bodyPr>
+          <a:lstStyle/>
+          <a:p>
+            <a:r>
+              <a:rPr lang="es-ES" sz="2400" b="1" dirty="0">
+                <a:solidFill>
+                  <a:schemeClr val="accent3">
+                    <a:lumMod val="50000"/>
+                  </a:schemeClr>
+                </a:solidFill>
+                <a:effectLst/>
+                <a:latin typeface="+mj-lt"/>
+              </a:rPr>
+              <a:t>PROPUESTAS DE AJUSTES DE GESTIÓN DE RIESGOS</a:t>
+            </a:r>
+          </a:p>
+          <a:p>
+            <a:r>
+              <a:rPr lang="es-ES" altLang="es-ES" sz="1400" b="1" dirty="0"/>
+              <a:t>¿Cómo deberíamos ajustar nuestras ofertas y estrategias de gestión de riesgos en función de estos hallazgos? </a:t>
+            </a:r>
+          </a:p>
+          <a:p>
+            <a:endParaRPr lang="es-ES" sz="1400" b="1" dirty="0"/>
+          </a:p>
+        </p:txBody>
+      </p:sp>
+      <p:sp>
+        <p:nvSpPr>
+          <p:cNvPr id="12" name="QuadreDeText 4">
+            <a:extLst>
+              <a:ext uri="{FF2B5EF4-FFF2-40B4-BE49-F238E27FC236}">
+                <a16:creationId xmlns:a16="http://schemas.microsoft.com/office/drawing/2014/main" id="{F8DAB84A-1803-6DAD-0E57-B92FF80BE70E}"/>
+              </a:ext>
+            </a:extLst>
+          </p:cNvPr>
+          <p:cNvSpPr txBox="1"/>
+          <p:nvPr/>
+        </p:nvSpPr>
+        <p:spPr>
+          <a:xfrm>
+            <a:off x="642280" y="1237507"/>
+            <a:ext cx="5041470" cy="646331"/>
+          </a:xfrm>
+          <a:prstGeom prst="rect">
+            <a:avLst/>
+          </a:prstGeom>
+          <a:noFill/>
+        </p:spPr>
+        <p:txBody>
+          <a:bodyPr wrap="square" rtlCol="0">
+            <a:spAutoFit/>
+          </a:bodyPr>
+          <a:lstStyle/>
+          <a:p>
+            <a:r>
+              <a:rPr lang="es-ES" altLang="es-ES" sz="1200" dirty="0"/>
+              <a:t>Los clientes con </a:t>
+            </a:r>
+            <a:r>
+              <a:rPr lang="es-ES" altLang="es-ES" sz="1200" b="1" dirty="0"/>
+              <a:t>préstamos</a:t>
+            </a:r>
+            <a:r>
+              <a:rPr lang="es-ES" altLang="es-ES" sz="1200" dirty="0"/>
+              <a:t>:</a:t>
+            </a:r>
+          </a:p>
+          <a:p>
+            <a:r>
+              <a:rPr lang="es-ES" altLang="es-ES" sz="1200" dirty="0"/>
+              <a:t>Tienden a tener mucho menor saldo</a:t>
+            </a:r>
+          </a:p>
+          <a:p>
+            <a:r>
+              <a:rPr lang="es-ES" altLang="es-ES" sz="1200" dirty="0"/>
+              <a:t>Tienden a tener mucho más riesgo de incumplimiento</a:t>
+            </a:r>
+          </a:p>
+        </p:txBody>
+      </p:sp>
+      <p:sp>
+        <p:nvSpPr>
+          <p:cNvPr id="20" name="CuadroTexto 19">
+            <a:extLst>
+              <a:ext uri="{FF2B5EF4-FFF2-40B4-BE49-F238E27FC236}">
+                <a16:creationId xmlns:a16="http://schemas.microsoft.com/office/drawing/2014/main" id="{896210D7-3C0F-3AC0-DC70-37297C05C01C}"/>
+              </a:ext>
+            </a:extLst>
+          </p:cNvPr>
+          <p:cNvSpPr txBox="1"/>
+          <p:nvPr/>
+        </p:nvSpPr>
+        <p:spPr>
+          <a:xfrm>
+            <a:off x="1967779" y="2159980"/>
+            <a:ext cx="3874361" cy="1455718"/>
+          </a:xfrm>
+          <a:prstGeom prst="roundRect">
+            <a:avLst/>
+          </a:prstGeom>
+          <a:noFill/>
+          <a:ln w="19050">
+            <a:solidFill>
+              <a:srgbClr val="FF8181"/>
+            </a:solidFill>
+            <a:prstDash val="sysDash"/>
+          </a:ln>
+        </p:spPr>
+        <p:txBody>
+          <a:bodyPr wrap="square">
+            <a:spAutoFit/>
+          </a:bodyPr>
+          <a:lstStyle/>
+          <a:p>
+            <a:pPr marL="171450" indent="-171450" algn="just">
+              <a:spcBef>
+                <a:spcPts val="300"/>
+              </a:spcBef>
+              <a:buFont typeface="Arial" panose="020B0604020202020204" pitchFamily="34" charset="0"/>
+              <a:buChar char="•"/>
+            </a:pPr>
+            <a:r>
+              <a:rPr lang="es-ES" sz="1200" dirty="0"/>
+              <a:t>Se piden más préstamos por necesidad que para artículos de lujo o para emprender</a:t>
+            </a:r>
+          </a:p>
+          <a:p>
+            <a:pPr marL="171450" indent="-171450" algn="just">
+              <a:spcBef>
+                <a:spcPts val="300"/>
+              </a:spcBef>
+              <a:buFont typeface="Arial" panose="020B0604020202020204" pitchFamily="34" charset="0"/>
+              <a:buChar char="•"/>
+            </a:pPr>
+            <a:endParaRPr lang="es-ES" sz="1200" dirty="0"/>
+          </a:p>
+          <a:p>
+            <a:pPr marL="171450" indent="-171450" algn="just">
+              <a:spcBef>
+                <a:spcPts val="300"/>
+              </a:spcBef>
+              <a:buFont typeface="Arial" panose="020B0604020202020204" pitchFamily="34" charset="0"/>
+              <a:buChar char="•"/>
+            </a:pPr>
+            <a:r>
+              <a:rPr lang="es-ES" sz="1200" dirty="0"/>
+              <a:t>Su flujo de efectivo es más frágil, al no tener mayor saldo  pueden incumplir con facilidad.</a:t>
+            </a:r>
+          </a:p>
+          <a:p>
+            <a:pPr marL="171450" indent="-171450" algn="just">
+              <a:spcBef>
+                <a:spcPts val="300"/>
+              </a:spcBef>
+              <a:buFont typeface="Arial" panose="020B0604020202020204" pitchFamily="34" charset="0"/>
+              <a:buChar char="•"/>
+            </a:pPr>
+            <a:endParaRPr lang="es-ES" sz="1200" dirty="0"/>
+          </a:p>
+        </p:txBody>
+      </p:sp>
+      <p:sp>
+        <p:nvSpPr>
+          <p:cNvPr id="30" name="CuadroTexto 29">
+            <a:extLst>
+              <a:ext uri="{FF2B5EF4-FFF2-40B4-BE49-F238E27FC236}">
+                <a16:creationId xmlns:a16="http://schemas.microsoft.com/office/drawing/2014/main" id="{6B0A3DF6-5B8C-C82E-4007-09D066866A92}"/>
+              </a:ext>
+            </a:extLst>
+          </p:cNvPr>
+          <p:cNvSpPr txBox="1"/>
+          <p:nvPr/>
+        </p:nvSpPr>
+        <p:spPr>
+          <a:xfrm>
+            <a:off x="1939561" y="4529914"/>
+            <a:ext cx="3874360" cy="1660029"/>
+          </a:xfrm>
+          <a:prstGeom prst="roundRect">
+            <a:avLst/>
+          </a:prstGeom>
+          <a:noFill/>
+          <a:ln w="19050">
+            <a:solidFill>
+              <a:srgbClr val="92D050"/>
+            </a:solidFill>
+            <a:prstDash val="sysDash"/>
+          </a:ln>
+        </p:spPr>
+        <p:txBody>
+          <a:bodyPr wrap="square">
+            <a:spAutoFit/>
+          </a:bodyPr>
+          <a:lstStyle/>
+          <a:p>
+            <a:pPr marL="171450" indent="-171450" algn="just">
+              <a:spcBef>
+                <a:spcPts val="300"/>
+              </a:spcBef>
+              <a:buFont typeface="Arial" panose="020B0604020202020204" pitchFamily="34" charset="0"/>
+              <a:buChar char="•"/>
+            </a:pPr>
+            <a:r>
+              <a:rPr lang="es-ES" sz="1200" dirty="0"/>
+              <a:t>Incentivar los préstamos para coches, </a:t>
+            </a:r>
+            <a:r>
+              <a:rPr lang="es-ES" sz="1200" dirty="0" err="1"/>
+              <a:t>etc</a:t>
+            </a:r>
+            <a:r>
+              <a:rPr lang="es-ES" sz="1200" dirty="0"/>
+              <a:t> entre los que tienen mayor saldo con intereses menores</a:t>
+            </a:r>
+          </a:p>
+          <a:p>
+            <a:pPr marL="171450" indent="-171450" algn="just">
+              <a:spcBef>
+                <a:spcPts val="300"/>
+              </a:spcBef>
+              <a:buFont typeface="Arial" panose="020B0604020202020204" pitchFamily="34" charset="0"/>
+              <a:buChar char="•"/>
+            </a:pPr>
+            <a:endParaRPr lang="es-ES" sz="1200" dirty="0"/>
+          </a:p>
+          <a:p>
+            <a:pPr marL="171450" indent="-171450" algn="just">
+              <a:spcBef>
+                <a:spcPts val="300"/>
+              </a:spcBef>
+              <a:buFont typeface="Arial" panose="020B0604020202020204" pitchFamily="34" charset="0"/>
+              <a:buChar char="•"/>
+            </a:pPr>
+            <a:r>
+              <a:rPr lang="es-ES" sz="1200" dirty="0"/>
+              <a:t>Revisar las condiciones de acceso a los préstamos:  Revisar el histórico de saldo del cliente y darle más o menos préstamo en función de eso.</a:t>
+            </a:r>
+          </a:p>
+          <a:p>
+            <a:pPr marL="171450" indent="-171450" algn="just">
+              <a:spcBef>
+                <a:spcPts val="300"/>
+              </a:spcBef>
+              <a:buFont typeface="Arial" panose="020B0604020202020204" pitchFamily="34" charset="0"/>
+              <a:buChar char="•"/>
+            </a:pPr>
+            <a:endParaRPr lang="es-ES" sz="1200" dirty="0"/>
+          </a:p>
+        </p:txBody>
+      </p:sp>
+      <p:sp>
+        <p:nvSpPr>
+          <p:cNvPr id="31" name="Rectángulo: esquinas redondeadas 30">
+            <a:extLst>
+              <a:ext uri="{FF2B5EF4-FFF2-40B4-BE49-F238E27FC236}">
+                <a16:creationId xmlns:a16="http://schemas.microsoft.com/office/drawing/2014/main" id="{2A86DF7C-2112-699E-12B5-9B66B3CC713C}"/>
+              </a:ext>
+            </a:extLst>
+          </p:cNvPr>
+          <p:cNvSpPr/>
+          <p:nvPr/>
+        </p:nvSpPr>
+        <p:spPr>
+          <a:xfrm>
+            <a:off x="6228170" y="1104371"/>
+            <a:ext cx="5508000" cy="5324706"/>
+          </a:xfrm>
+          <a:prstGeom prst="roundRect">
+            <a:avLst>
+              <a:gd name="adj" fmla="val 7845"/>
+            </a:avLst>
+          </a:prstGeom>
+          <a:solidFill>
+            <a:schemeClr val="bg1"/>
+          </a:solidFill>
+          <a:ln>
+            <a:noFill/>
+          </a:ln>
+        </p:spPr>
+        <p:style>
+          <a:lnRef idx="2">
+            <a:schemeClr val="accent1">
+              <a:shade val="50000"/>
+            </a:schemeClr>
+          </a:lnRef>
+          <a:fillRef idx="1">
+            <a:schemeClr val="accent1"/>
+          </a:fillRef>
+          <a:effectRef idx="0">
+            <a:schemeClr val="accent1"/>
+          </a:effectRef>
+          <a:fontRef idx="minor">
+            <a:schemeClr val="lt1"/>
+          </a:fontRef>
+        </p:style>
+        <p:txBody>
+          <a:bodyPr rtlCol="0" anchor="ctr"/>
+          <a:lstStyle/>
+          <a:p>
+            <a:pPr algn="ctr"/>
+            <a:endParaRPr lang="es-ES"/>
+          </a:p>
+        </p:txBody>
+      </p:sp>
+      <p:sp>
+        <p:nvSpPr>
+          <p:cNvPr id="34" name="QuadreDeText 4">
+            <a:extLst>
+              <a:ext uri="{FF2B5EF4-FFF2-40B4-BE49-F238E27FC236}">
+                <a16:creationId xmlns:a16="http://schemas.microsoft.com/office/drawing/2014/main" id="{9874C9EE-0936-735C-C6CA-805DA41B69D7}"/>
+              </a:ext>
+            </a:extLst>
+          </p:cNvPr>
+          <p:cNvSpPr txBox="1"/>
+          <p:nvPr/>
+        </p:nvSpPr>
+        <p:spPr>
+          <a:xfrm>
+            <a:off x="6539829" y="1237507"/>
+            <a:ext cx="5041470" cy="1015663"/>
+          </a:xfrm>
+          <a:prstGeom prst="rect">
+            <a:avLst/>
+          </a:prstGeom>
+          <a:noFill/>
+        </p:spPr>
+        <p:txBody>
+          <a:bodyPr wrap="square" rtlCol="0">
+            <a:spAutoFit/>
+          </a:bodyPr>
+          <a:lstStyle/>
+          <a:p>
+            <a:r>
+              <a:rPr lang="es-ES" altLang="es-ES" sz="1200" dirty="0"/>
+              <a:t>Los clientes con </a:t>
+            </a:r>
+            <a:r>
+              <a:rPr lang="es-ES" altLang="es-ES" sz="1200" b="1" dirty="0"/>
+              <a:t>hipotecas</a:t>
+            </a:r>
+            <a:r>
+              <a:rPr lang="es-ES" altLang="es-ES" sz="1200" dirty="0"/>
+              <a:t>: </a:t>
+            </a:r>
+          </a:p>
+          <a:p>
+            <a:r>
+              <a:rPr lang="es-ES" altLang="es-ES" sz="1200" dirty="0"/>
+              <a:t>Tienden a tener un saldo un poco menor</a:t>
+            </a:r>
+          </a:p>
+          <a:p>
+            <a:r>
+              <a:rPr lang="es-ES" altLang="es-ES" sz="1200" dirty="0"/>
+              <a:t>Tienden a tener un poco más de riesgo en los que no tienen préstamo</a:t>
+            </a:r>
+          </a:p>
+          <a:p>
+            <a:r>
+              <a:rPr lang="es-ES" altLang="es-ES" sz="1200" dirty="0"/>
+              <a:t>Tienden a tener menor riesgo en los que tienen también préstamo</a:t>
+            </a:r>
+          </a:p>
+          <a:p>
+            <a:endParaRPr lang="es-ES" sz="1200" dirty="0"/>
+          </a:p>
+        </p:txBody>
+      </p:sp>
+      <p:sp>
+        <p:nvSpPr>
+          <p:cNvPr id="36" name="CuadroTexto 35">
+            <a:extLst>
+              <a:ext uri="{FF2B5EF4-FFF2-40B4-BE49-F238E27FC236}">
+                <a16:creationId xmlns:a16="http://schemas.microsoft.com/office/drawing/2014/main" id="{33B35FA5-2039-2EB9-8968-020B51A4D1FB}"/>
+              </a:ext>
+            </a:extLst>
+          </p:cNvPr>
+          <p:cNvSpPr txBox="1"/>
+          <p:nvPr/>
+        </p:nvSpPr>
+        <p:spPr>
+          <a:xfrm>
+            <a:off x="7779443" y="2159980"/>
+            <a:ext cx="3873600" cy="2145268"/>
+          </a:xfrm>
+          <a:prstGeom prst="roundRect">
+            <a:avLst/>
+          </a:prstGeom>
+          <a:noFill/>
+          <a:ln w="19050">
+            <a:solidFill>
+              <a:srgbClr val="FF8181"/>
+            </a:solidFill>
+            <a:prstDash val="sysDash"/>
+          </a:ln>
+        </p:spPr>
+        <p:txBody>
+          <a:bodyPr wrap="square">
+            <a:spAutoFit/>
+          </a:bodyPr>
+          <a:lstStyle>
+            <a:defPPr rtl="0">
+              <a:defRPr lang="es-es"/>
+            </a:defPPr>
+            <a:lvl1pPr algn="just">
+              <a:spcBef>
+                <a:spcPts val="300"/>
+              </a:spcBef>
+              <a:defRPr sz="1200" b="1"/>
+            </a:lvl1pPr>
+          </a:lstStyle>
+          <a:p>
+            <a:pPr marL="171450" indent="-171450">
+              <a:spcBef>
+                <a:spcPts val="0"/>
+              </a:spcBef>
+              <a:buFont typeface="Arial" panose="020B0604020202020204" pitchFamily="34" charset="0"/>
+              <a:buChar char="•"/>
+            </a:pPr>
+            <a:r>
+              <a:rPr lang="es-ES" b="0" dirty="0"/>
+              <a:t>Los clientes con hipotecas destinan gran parte de sus ingresos a estas y por ello su saldo es menor y tienen mayor peligro de incumplimiento</a:t>
+            </a:r>
+          </a:p>
+          <a:p>
+            <a:pPr marL="171450" indent="-171450">
+              <a:spcBef>
+                <a:spcPts val="0"/>
+              </a:spcBef>
+              <a:buFont typeface="Arial" panose="020B0604020202020204" pitchFamily="34" charset="0"/>
+              <a:buChar char="•"/>
+            </a:pPr>
+            <a:endParaRPr lang="es-ES" b="0" dirty="0"/>
+          </a:p>
+          <a:p>
+            <a:pPr marL="171450" indent="-171450">
+              <a:spcBef>
+                <a:spcPts val="0"/>
+              </a:spcBef>
+              <a:buFont typeface="Arial" panose="020B0604020202020204" pitchFamily="34" charset="0"/>
+              <a:buChar char="•"/>
+            </a:pPr>
+            <a:endParaRPr lang="es-ES" b="0" dirty="0"/>
+          </a:p>
+          <a:p>
+            <a:pPr marL="171450" indent="-171450">
+              <a:spcBef>
+                <a:spcPts val="0"/>
+              </a:spcBef>
+              <a:buFont typeface="Arial" panose="020B0604020202020204" pitchFamily="34" charset="0"/>
+              <a:buChar char="•"/>
+            </a:pPr>
+            <a:r>
+              <a:rPr lang="es-ES" b="0" dirty="0"/>
+              <a:t>Los que también tienen préstamo puede que lo hayan pedido para reformar la casa y eso sea una señal de que tienen más ingresos</a:t>
+            </a:r>
+          </a:p>
+          <a:p>
+            <a:pPr marL="171450" indent="-171450">
+              <a:spcBef>
+                <a:spcPts val="0"/>
+              </a:spcBef>
+              <a:buFont typeface="Arial" panose="020B0604020202020204" pitchFamily="34" charset="0"/>
+              <a:buChar char="•"/>
+            </a:pPr>
+            <a:endParaRPr lang="es-ES" b="0" dirty="0"/>
+          </a:p>
+          <a:p>
+            <a:pPr marL="171450" indent="-171450">
+              <a:spcBef>
+                <a:spcPts val="0"/>
+              </a:spcBef>
+              <a:buFont typeface="Arial" panose="020B0604020202020204" pitchFamily="34" charset="0"/>
+              <a:buChar char="•"/>
+            </a:pPr>
+            <a:endParaRPr lang="es-ES" b="0" dirty="0"/>
+          </a:p>
+        </p:txBody>
+      </p:sp>
+      <p:sp>
+        <p:nvSpPr>
+          <p:cNvPr id="38" name="CuadroTexto 37">
+            <a:extLst>
+              <a:ext uri="{FF2B5EF4-FFF2-40B4-BE49-F238E27FC236}">
+                <a16:creationId xmlns:a16="http://schemas.microsoft.com/office/drawing/2014/main" id="{51C5112F-8DED-1D76-83A1-4C093E8C564D}"/>
+              </a:ext>
+            </a:extLst>
+          </p:cNvPr>
+          <p:cNvSpPr txBox="1"/>
+          <p:nvPr/>
+        </p:nvSpPr>
+        <p:spPr>
+          <a:xfrm>
+            <a:off x="7688970" y="4453401"/>
+            <a:ext cx="3873600" cy="1532334"/>
+          </a:xfrm>
+          <a:prstGeom prst="roundRect">
+            <a:avLst/>
+          </a:prstGeom>
+          <a:noFill/>
+          <a:ln w="19050">
+            <a:solidFill>
+              <a:srgbClr val="92D050"/>
+            </a:solidFill>
+            <a:prstDash val="sysDash"/>
+          </a:ln>
+        </p:spPr>
+        <p:txBody>
+          <a:bodyPr wrap="square">
+            <a:spAutoFit/>
+          </a:bodyPr>
+          <a:lstStyle>
+            <a:defPPr rtl="0">
+              <a:defRPr lang="es-es"/>
+            </a:defPPr>
+            <a:lvl1pPr algn="just">
+              <a:spcBef>
+                <a:spcPts val="300"/>
+              </a:spcBef>
+              <a:defRPr sz="1200" b="1"/>
+            </a:lvl1pPr>
+          </a:lstStyle>
+          <a:p>
+            <a:pPr marL="171450" indent="-171450">
+              <a:spcBef>
+                <a:spcPts val="0"/>
+              </a:spcBef>
+              <a:buFont typeface="Arial" panose="020B0604020202020204" pitchFamily="34" charset="0"/>
+              <a:buChar char="•"/>
+            </a:pPr>
+            <a:r>
+              <a:rPr lang="es-ES" b="0" dirty="0"/>
+              <a:t>Ajustar las condiciones de las hipotecas a los ingresos reales de los clientes</a:t>
+            </a:r>
+          </a:p>
+          <a:p>
+            <a:pPr marL="171450" indent="-171450">
+              <a:spcBef>
+                <a:spcPts val="0"/>
+              </a:spcBef>
+              <a:buFont typeface="Arial" panose="020B0604020202020204" pitchFamily="34" charset="0"/>
+              <a:buChar char="•"/>
+            </a:pPr>
+            <a:endParaRPr lang="es-ES" b="0" dirty="0"/>
+          </a:p>
+          <a:p>
+            <a:pPr marL="171450" indent="-171450">
+              <a:spcBef>
+                <a:spcPts val="0"/>
+              </a:spcBef>
+              <a:buFont typeface="Arial" panose="020B0604020202020204" pitchFamily="34" charset="0"/>
+              <a:buChar char="•"/>
+            </a:pPr>
+            <a:r>
+              <a:rPr lang="es-ES" b="0" dirty="0"/>
+              <a:t>Poder suavizar las condiciones puntualmente en caso de necesidad para que no caigan en impago: Congelar el pago de intereses y así bajar las cuotas por un determinado tiempo o alargar el periodo de pago.</a:t>
+            </a:r>
+          </a:p>
+        </p:txBody>
+      </p:sp>
+      <p:sp>
+        <p:nvSpPr>
+          <p:cNvPr id="41" name="Elipse 40">
+            <a:extLst>
+              <a:ext uri="{FF2B5EF4-FFF2-40B4-BE49-F238E27FC236}">
+                <a16:creationId xmlns:a16="http://schemas.microsoft.com/office/drawing/2014/main" id="{EBE1CA10-386B-7E6C-C1AF-CBC1915E84EE}"/>
+              </a:ext>
+            </a:extLst>
+          </p:cNvPr>
+          <p:cNvSpPr/>
+          <p:nvPr/>
+        </p:nvSpPr>
+        <p:spPr>
+          <a:xfrm>
+            <a:off x="6391631" y="2646748"/>
+            <a:ext cx="1173600" cy="1171731"/>
+          </a:xfrm>
+          <a:prstGeom prst="ellipse">
+            <a:avLst/>
+          </a:prstGeom>
+          <a:solidFill>
+            <a:srgbClr val="FFB7B7"/>
+          </a:solidFill>
+          <a:ln>
+            <a:solidFill>
+              <a:srgbClr val="FF8181"/>
+            </a:solidFill>
+          </a:ln>
+        </p:spPr>
+        <p:style>
+          <a:lnRef idx="2">
+            <a:schemeClr val="accent1">
+              <a:shade val="50000"/>
+            </a:schemeClr>
+          </a:lnRef>
+          <a:fillRef idx="1">
+            <a:schemeClr val="accent1"/>
+          </a:fillRef>
+          <a:effectRef idx="0">
+            <a:schemeClr val="accent1"/>
+          </a:effectRef>
+          <a:fontRef idx="minor">
+            <a:schemeClr val="lt1"/>
+          </a:fontRef>
+        </p:style>
+        <p:txBody>
+          <a:bodyPr rtlCol="0" anchor="ctr"/>
+          <a:lstStyle/>
+          <a:p>
+            <a:pPr algn="ctr"/>
+            <a:r>
+              <a:rPr lang="es-ES" sz="1400" dirty="0">
+                <a:solidFill>
+                  <a:schemeClr val="tx1"/>
+                </a:solidFill>
+              </a:rPr>
+              <a:t>Posibles </a:t>
+            </a:r>
+            <a:r>
+              <a:rPr lang="es-ES" sz="1400" b="1" dirty="0">
+                <a:solidFill>
+                  <a:schemeClr val="tx1"/>
+                </a:solidFill>
+              </a:rPr>
+              <a:t>CAUSAS</a:t>
+            </a:r>
+          </a:p>
+        </p:txBody>
+      </p:sp>
+      <p:sp>
+        <p:nvSpPr>
+          <p:cNvPr id="42" name="Elipse 41">
+            <a:extLst>
+              <a:ext uri="{FF2B5EF4-FFF2-40B4-BE49-F238E27FC236}">
+                <a16:creationId xmlns:a16="http://schemas.microsoft.com/office/drawing/2014/main" id="{807290C0-F38E-C165-76F9-7D9A5C71E072}"/>
+              </a:ext>
+            </a:extLst>
+          </p:cNvPr>
+          <p:cNvSpPr/>
+          <p:nvPr/>
+        </p:nvSpPr>
+        <p:spPr>
+          <a:xfrm>
+            <a:off x="6371770" y="4735858"/>
+            <a:ext cx="1173600" cy="1171731"/>
+          </a:xfrm>
+          <a:prstGeom prst="ellipse">
+            <a:avLst/>
+          </a:prstGeom>
+          <a:solidFill>
+            <a:srgbClr val="D2ECB6"/>
+          </a:solidFill>
+          <a:ln>
+            <a:solidFill>
+              <a:srgbClr val="92D050"/>
+            </a:solidFill>
+          </a:ln>
+        </p:spPr>
+        <p:style>
+          <a:lnRef idx="2">
+            <a:schemeClr val="accent1">
+              <a:shade val="50000"/>
+            </a:schemeClr>
+          </a:lnRef>
+          <a:fillRef idx="1">
+            <a:schemeClr val="accent1"/>
+          </a:fillRef>
+          <a:effectRef idx="0">
+            <a:schemeClr val="accent1"/>
+          </a:effectRef>
+          <a:fontRef idx="minor">
+            <a:schemeClr val="lt1"/>
+          </a:fontRef>
+        </p:style>
+        <p:txBody>
+          <a:bodyPr rtlCol="0" anchor="ctr"/>
+          <a:lstStyle/>
+          <a:p>
+            <a:pPr algn="ctr"/>
+            <a:r>
+              <a:rPr lang="es-ES" sz="1400" b="1" dirty="0">
+                <a:solidFill>
+                  <a:schemeClr val="tx1"/>
+                </a:solidFill>
+              </a:rPr>
+              <a:t>RECO-MENDA-CIONES</a:t>
+            </a:r>
+          </a:p>
+        </p:txBody>
+      </p:sp>
+      <p:sp>
+        <p:nvSpPr>
+          <p:cNvPr id="43" name="Elipse 42">
+            <a:extLst>
+              <a:ext uri="{FF2B5EF4-FFF2-40B4-BE49-F238E27FC236}">
+                <a16:creationId xmlns:a16="http://schemas.microsoft.com/office/drawing/2014/main" id="{CEE29C46-E71A-57CD-0B9E-5BD8FA295929}"/>
+              </a:ext>
+            </a:extLst>
+          </p:cNvPr>
+          <p:cNvSpPr/>
+          <p:nvPr/>
+        </p:nvSpPr>
+        <p:spPr>
+          <a:xfrm>
+            <a:off x="622361" y="4735856"/>
+            <a:ext cx="1173600" cy="1171731"/>
+          </a:xfrm>
+          <a:prstGeom prst="ellipse">
+            <a:avLst/>
+          </a:prstGeom>
+          <a:solidFill>
+            <a:srgbClr val="D2ECB6"/>
+          </a:solidFill>
+          <a:ln>
+            <a:solidFill>
+              <a:srgbClr val="92D050"/>
+            </a:solidFill>
+          </a:ln>
+        </p:spPr>
+        <p:style>
+          <a:lnRef idx="2">
+            <a:schemeClr val="accent1">
+              <a:shade val="50000"/>
+            </a:schemeClr>
+          </a:lnRef>
+          <a:fillRef idx="1">
+            <a:schemeClr val="accent1"/>
+          </a:fillRef>
+          <a:effectRef idx="0">
+            <a:schemeClr val="accent1"/>
+          </a:effectRef>
+          <a:fontRef idx="minor">
+            <a:schemeClr val="lt1"/>
+          </a:fontRef>
+        </p:style>
+        <p:txBody>
+          <a:bodyPr rtlCol="0" anchor="ctr"/>
+          <a:lstStyle/>
+          <a:p>
+            <a:pPr algn="ctr"/>
+            <a:r>
+              <a:rPr lang="es-ES" sz="1400" b="1" dirty="0">
+                <a:solidFill>
+                  <a:schemeClr val="tx1"/>
+                </a:solidFill>
+              </a:rPr>
+              <a:t>RECO-MENDA-CIONES</a:t>
+            </a:r>
+          </a:p>
+        </p:txBody>
+      </p:sp>
+      <p:sp>
+        <p:nvSpPr>
+          <p:cNvPr id="44" name="Elipse 43">
+            <a:extLst>
+              <a:ext uri="{FF2B5EF4-FFF2-40B4-BE49-F238E27FC236}">
+                <a16:creationId xmlns:a16="http://schemas.microsoft.com/office/drawing/2014/main" id="{ECC5AFA2-2A78-BE0F-028B-542C5F713CFD}"/>
+              </a:ext>
+            </a:extLst>
+          </p:cNvPr>
+          <p:cNvSpPr/>
+          <p:nvPr/>
+        </p:nvSpPr>
+        <p:spPr>
+          <a:xfrm>
+            <a:off x="642280" y="2301973"/>
+            <a:ext cx="1173600" cy="1171731"/>
+          </a:xfrm>
+          <a:prstGeom prst="ellipse">
+            <a:avLst/>
+          </a:prstGeom>
+          <a:solidFill>
+            <a:srgbClr val="FFB7B7"/>
+          </a:solidFill>
+          <a:ln>
+            <a:solidFill>
+              <a:srgbClr val="FF8181"/>
+            </a:solidFill>
+          </a:ln>
+        </p:spPr>
+        <p:style>
+          <a:lnRef idx="2">
+            <a:schemeClr val="accent1">
+              <a:shade val="50000"/>
+            </a:schemeClr>
+          </a:lnRef>
+          <a:fillRef idx="1">
+            <a:schemeClr val="accent1"/>
+          </a:fillRef>
+          <a:effectRef idx="0">
+            <a:schemeClr val="accent1"/>
+          </a:effectRef>
+          <a:fontRef idx="minor">
+            <a:schemeClr val="lt1"/>
+          </a:fontRef>
+        </p:style>
+        <p:txBody>
+          <a:bodyPr rtlCol="0" anchor="ctr"/>
+          <a:lstStyle/>
+          <a:p>
+            <a:pPr algn="ctr"/>
+            <a:r>
+              <a:rPr lang="es-ES" sz="1400" dirty="0">
+                <a:solidFill>
+                  <a:schemeClr val="tx1"/>
+                </a:solidFill>
+              </a:rPr>
+              <a:t>Posibles </a:t>
+            </a:r>
+            <a:r>
+              <a:rPr lang="es-ES" sz="1400" b="1" dirty="0">
+                <a:solidFill>
+                  <a:schemeClr val="tx1"/>
+                </a:solidFill>
+              </a:rPr>
+              <a:t>CAUSAS</a:t>
+            </a:r>
+          </a:p>
+        </p:txBody>
+      </p:sp>
+    </p:spTree>
+    <p:extLst>
+      <p:ext uri="{BB962C8B-B14F-4D97-AF65-F5344CB8AC3E}">
+        <p14:creationId xmlns:p14="http://schemas.microsoft.com/office/powerpoint/2010/main" val="1135837949"/>
+      </p:ext>
+    </p:extLst>
+  </p:cSld>
+  <p:clrMapOvr>
+    <a:masterClrMapping/>
+  </p:clrMapOvr>
+</p:sld>
+</file>
+
+<file path=ppt/slides/slide11.xml><?xml version="1.0" encoding="utf-8"?>
+<p:sld xmlns:a="http://schemas.openxmlformats.org/drawingml/2006/main" xmlns:r="http://schemas.openxmlformats.org/officeDocument/2006/relationships" xmlns:p="http://schemas.openxmlformats.org/presentationml/2006/main">
+  <p:cSld>
     <p:bg>
       <p:bgPr>
         <a:blipFill dpi="0" rotWithShape="1">
@@ -10489,10 +11566,10 @@
       </p:grpSpPr>
       <p:sp>
         <p:nvSpPr>
-          <p:cNvPr id="5" name="Rectángulo 4">
-            <a:extLst>
-              <a:ext uri="{FF2B5EF4-FFF2-40B4-BE49-F238E27FC236}">
-                <a16:creationId xmlns:a16="http://schemas.microsoft.com/office/drawing/2014/main" id="{895C9FE2-B074-D064-504E-A89066AF19B7}"/>
+          <p:cNvPr id="42" name="Rectangle: cantonades arrodonides 41">
+            <a:extLst>
+              <a:ext uri="{FF2B5EF4-FFF2-40B4-BE49-F238E27FC236}">
+                <a16:creationId xmlns:a16="http://schemas.microsoft.com/office/drawing/2014/main" id="{1EE36EEB-42C5-EA25-7888-14FF0663B3A0}"/>
               </a:ext>
             </a:extLst>
           </p:cNvPr>
@@ -10501,16 +11578,14 @@
         </p:nvSpPr>
         <p:spPr>
           <a:xfrm>
-            <a:off x="0" y="6400800"/>
-            <a:ext cx="2557670" cy="457200"/>
-          </a:xfrm>
-          <a:prstGeom prst="rect">
+            <a:off x="5958112" y="4143017"/>
+            <a:ext cx="4557486" cy="2548069"/>
+          </a:xfrm>
+          <a:prstGeom prst="roundRect">
             <a:avLst/>
           </a:prstGeom>
           <a:solidFill>
-            <a:schemeClr val="bg1">
-              <a:lumMod val="95000"/>
-            </a:schemeClr>
+            <a:schemeClr val="bg1"/>
           </a:solidFill>
           <a:ln>
             <a:noFill/>
@@ -10537,7 +11612,111 @@
           <a:lstStyle/>
           <a:p>
             <a:pPr algn="ctr"/>
-            <a:endParaRPr lang="es-ES"/>
+            <a:endParaRPr lang="ca-ES"/>
+          </a:p>
+        </p:txBody>
+      </p:sp>
+      <p:sp>
+        <p:nvSpPr>
+          <p:cNvPr id="41" name="Rectangle: cantonades arrodonides 40">
+            <a:extLst>
+              <a:ext uri="{FF2B5EF4-FFF2-40B4-BE49-F238E27FC236}">
+                <a16:creationId xmlns:a16="http://schemas.microsoft.com/office/drawing/2014/main" id="{E2A445D9-7651-2151-B535-ED30DD1CB4D5}"/>
+              </a:ext>
+            </a:extLst>
+          </p:cNvPr>
+          <p:cNvSpPr/>
+          <p:nvPr/>
+        </p:nvSpPr>
+        <p:spPr>
+          <a:xfrm>
+            <a:off x="199764" y="4121496"/>
+            <a:ext cx="5227481" cy="2637473"/>
+          </a:xfrm>
+          <a:prstGeom prst="roundRect">
+            <a:avLst/>
+          </a:prstGeom>
+          <a:solidFill>
+            <a:schemeClr val="bg1"/>
+          </a:solidFill>
+          <a:ln>
+            <a:noFill/>
+          </a:ln>
+        </p:spPr>
+        <p:style>
+          <a:lnRef idx="2">
+            <a:schemeClr val="accent1">
+              <a:shade val="50000"/>
+            </a:schemeClr>
+          </a:lnRef>
+          <a:fillRef idx="1">
+            <a:schemeClr val="accent1"/>
+          </a:fillRef>
+          <a:effectRef idx="0">
+            <a:schemeClr val="accent1"/>
+          </a:effectRef>
+          <a:fontRef idx="minor">
+            <a:schemeClr val="lt1"/>
+          </a:fontRef>
+        </p:style>
+        <p:txBody>
+          <a:bodyPr rtlCol="0" anchor="ctr"/>
+          <a:lstStyle/>
+          <a:p>
+            <a:pPr algn="ctr"/>
+            <a:endParaRPr lang="ca-ES"/>
+          </a:p>
+        </p:txBody>
+      </p:sp>
+      <p:sp>
+        <p:nvSpPr>
+          <p:cNvPr id="40" name="Rectangle: cantonades arrodonides 39">
+            <a:extLst>
+              <a:ext uri="{FF2B5EF4-FFF2-40B4-BE49-F238E27FC236}">
+                <a16:creationId xmlns:a16="http://schemas.microsoft.com/office/drawing/2014/main" id="{1FC58542-1498-8858-9E1F-C81C7BA387FC}"/>
+              </a:ext>
+            </a:extLst>
+          </p:cNvPr>
+          <p:cNvSpPr/>
+          <p:nvPr/>
+        </p:nvSpPr>
+        <p:spPr>
+          <a:xfrm>
+            <a:off x="159637" y="1100614"/>
+            <a:ext cx="4557486" cy="2778270"/>
+          </a:xfrm>
+          <a:prstGeom prst="roundRect">
+            <a:avLst/>
+          </a:prstGeom>
+          <a:solidFill>
+            <a:schemeClr val="bg1"/>
+          </a:solidFill>
+          <a:ln>
+            <a:noFill/>
+          </a:ln>
+        </p:spPr>
+        <p:style>
+          <a:lnRef idx="2">
+            <a:schemeClr val="accent1">
+              <a:shade val="50000"/>
+            </a:schemeClr>
+          </a:lnRef>
+          <a:fillRef idx="1">
+            <a:schemeClr val="accent1"/>
+          </a:fillRef>
+          <a:effectRef idx="0">
+            <a:schemeClr val="accent1"/>
+          </a:effectRef>
+          <a:fontRef idx="minor">
+            <a:schemeClr val="lt1"/>
+          </a:fontRef>
+        </p:style>
+        <p:txBody>
+          <a:bodyPr rtlCol="0" anchor="ctr"/>
+          <a:lstStyle/>
+          <a:p>
+            <a:pPr algn="ctr"/>
+            <a:endParaRPr lang="ca-ES"/>
           </a:p>
         </p:txBody>
       </p:sp>
@@ -10631,36 +11810,6 @@
           </a:p>
         </p:txBody>
       </p:sp>
-      <p:pic>
-        <p:nvPicPr>
-          <p:cNvPr id="15" name="Imatge 14">
-            <a:extLst>
-              <a:ext uri="{FF2B5EF4-FFF2-40B4-BE49-F238E27FC236}">
-                <a16:creationId xmlns:a16="http://schemas.microsoft.com/office/drawing/2014/main" id="{28742E00-0B0A-FFC4-17B6-109CB7A9F6C0}"/>
-              </a:ext>
-            </a:extLst>
-          </p:cNvPr>
-          <p:cNvPicPr>
-            <a:picLocks noChangeAspect="1"/>
-          </p:cNvPicPr>
-          <p:nvPr/>
-        </p:nvPicPr>
-        <p:blipFill>
-          <a:blip r:embed="rId2"/>
-          <a:stretch>
-            <a:fillRect/>
-          </a:stretch>
-        </p:blipFill>
-        <p:spPr>
-          <a:xfrm>
-            <a:off x="697606" y="4277955"/>
-            <a:ext cx="6544235" cy="2177438"/>
-          </a:xfrm>
-          <a:prstGeom prst="rect">
-            <a:avLst/>
-          </a:prstGeom>
-        </p:spPr>
-      </p:pic>
       <p:sp>
         <p:nvSpPr>
           <p:cNvPr id="22" name="QuadreDeText 16">
@@ -10675,8 +11824,8 @@
         </p:nvSpPr>
         <p:spPr>
           <a:xfrm>
-            <a:off x="2790359" y="1232543"/>
-            <a:ext cx="1297548" cy="2214324"/>
+            <a:off x="2778760" y="1586064"/>
+            <a:ext cx="1583689" cy="1637080"/>
           </a:xfrm>
           <a:prstGeom prst="roundRect">
             <a:avLst/>
@@ -10699,14 +11848,24 @@
           </a:bodyPr>
           <a:lstStyle/>
           <a:p>
-            <a:pPr algn="ctr"/>
+            <a:pPr marL="285750" indent="-285750">
+              <a:buFont typeface="Wingdings" panose="05000000000000000000" pitchFamily="2" charset="2"/>
+              <a:buChar char="§"/>
+            </a:pPr>
             <a:r>
               <a:rPr lang="es-ES" sz="1300" dirty="0"/>
-              <a:t>Distribución asimétrica entre los dos estados. </a:t>
-            </a:r>
-          </a:p>
-          <a:p>
-            <a:pPr algn="ctr"/>
+              <a:t>Distribución </a:t>
+            </a:r>
+            <a:r>
+              <a:rPr lang="es-ES" sz="1300" b="1" dirty="0"/>
+              <a:t>muy asimétrica </a:t>
+            </a:r>
+          </a:p>
+          <a:p>
+            <a:pPr marL="285750" indent="-285750">
+              <a:buFont typeface="Wingdings" panose="05000000000000000000" pitchFamily="2" charset="2"/>
+              <a:buChar char="§"/>
+            </a:pPr>
             <a:r>
               <a:rPr lang="es-ES" sz="1300" dirty="0"/>
               <a:t>El </a:t>
@@ -10717,79 +11876,16 @@
             </a:r>
             <a:r>
               <a:rPr lang="es-ES" sz="1300" dirty="0"/>
-              <a:t> de los clientes se encuentran </a:t>
+              <a:t> de los clientes en estado de </a:t>
             </a:r>
             <a:r>
               <a:rPr lang="es-ES" sz="1300" b="1" dirty="0"/>
-              <a:t>en estado de morosidad</a:t>
-            </a:r>
-            <a:r>
-              <a:rPr lang="es-ES" sz="1300" dirty="0"/>
-              <a:t> con el banco.</a:t>
-            </a:r>
-          </a:p>
-        </p:txBody>
-      </p:sp>
-      <p:pic>
-        <p:nvPicPr>
-          <p:cNvPr id="25" name="Imatge 24">
-            <a:extLst>
-              <a:ext uri="{FF2B5EF4-FFF2-40B4-BE49-F238E27FC236}">
-                <a16:creationId xmlns:a16="http://schemas.microsoft.com/office/drawing/2014/main" id="{39E2D32D-3D58-8845-0C35-67F559BD10A3}"/>
-              </a:ext>
-            </a:extLst>
-          </p:cNvPr>
-          <p:cNvPicPr>
-            <a:picLocks noChangeAspect="1"/>
-          </p:cNvPicPr>
-          <p:nvPr/>
-        </p:nvPicPr>
-        <p:blipFill>
-          <a:blip r:embed="rId3"/>
-          <a:stretch>
-            <a:fillRect/>
-          </a:stretch>
-        </p:blipFill>
-        <p:spPr>
-          <a:xfrm>
-            <a:off x="697606" y="1263219"/>
-            <a:ext cx="2092753" cy="2214324"/>
-          </a:xfrm>
-          <a:prstGeom prst="rect">
-            <a:avLst/>
-          </a:prstGeom>
-        </p:spPr>
-      </p:pic>
-      <p:pic>
-        <p:nvPicPr>
-          <p:cNvPr id="28" name="Imatge 27">
-            <a:extLst>
-              <a:ext uri="{FF2B5EF4-FFF2-40B4-BE49-F238E27FC236}">
-                <a16:creationId xmlns:a16="http://schemas.microsoft.com/office/drawing/2014/main" id="{7EC74F6E-D518-9000-7686-D600982DC003}"/>
-              </a:ext>
-            </a:extLst>
-          </p:cNvPr>
-          <p:cNvPicPr>
-            <a:picLocks noChangeAspect="1"/>
-          </p:cNvPicPr>
-          <p:nvPr/>
-        </p:nvPicPr>
-        <p:blipFill>
-          <a:blip r:embed="rId4"/>
-          <a:stretch>
-            <a:fillRect/>
-          </a:stretch>
-        </p:blipFill>
-        <p:spPr>
-          <a:xfrm>
-            <a:off x="7743201" y="1215597"/>
-            <a:ext cx="5506983" cy="2448530"/>
-          </a:xfrm>
-          <a:prstGeom prst="rect">
-            <a:avLst/>
-          </a:prstGeom>
-        </p:spPr>
-      </p:pic>
+              <a:t>morosidad.</a:t>
+            </a:r>
+            <a:endParaRPr lang="es-ES" sz="1300" dirty="0"/>
+          </a:p>
+        </p:txBody>
+      </p:sp>
       <p:sp>
         <p:nvSpPr>
           <p:cNvPr id="29" name="QuadreDeText 16">
@@ -10804,8 +11900,8 @@
         </p:nvSpPr>
         <p:spPr>
           <a:xfrm>
-            <a:off x="8524456" y="1378507"/>
-            <a:ext cx="1297548" cy="323493"/>
+            <a:off x="8585050" y="4653236"/>
+            <a:ext cx="1521187" cy="1637080"/>
           </a:xfrm>
           <a:prstGeom prst="roundRect">
             <a:avLst/>
@@ -10828,20 +11924,214 @@
           </a:bodyPr>
           <a:lstStyle/>
           <a:p>
-            <a:pPr algn="ctr"/>
+            <a:pPr marL="285750" indent="-285750">
+              <a:buFont typeface="Wingdings" panose="05000000000000000000" pitchFamily="2" charset="2"/>
+              <a:buChar char="§"/>
+            </a:pPr>
             <a:r>
               <a:rPr lang="es-ES" sz="1300" dirty="0"/>
               <a:t>Distribución</a:t>
             </a:r>
+            <a:r>
+              <a:rPr lang="es-ES" sz="1300" b="1" dirty="0"/>
+              <a:t> simétrica </a:t>
+            </a:r>
+          </a:p>
+          <a:p>
+            <a:pPr marL="285750" indent="-285750">
+              <a:buFont typeface="Wingdings" panose="05000000000000000000" pitchFamily="2" charset="2"/>
+              <a:buChar char="§"/>
+            </a:pPr>
+            <a:r>
+              <a:rPr lang="es-ES" sz="1300" dirty="0"/>
+              <a:t>Casi </a:t>
+            </a:r>
+            <a:r>
+              <a:rPr lang="es-ES" sz="1300" b="1" dirty="0"/>
+              <a:t>la mitad </a:t>
+            </a:r>
+            <a:r>
+              <a:rPr lang="es-ES" sz="1300" dirty="0"/>
+              <a:t>de clientes tienen contratada una </a:t>
+            </a:r>
+            <a:r>
+              <a:rPr lang="es-ES" sz="1300" b="1" dirty="0"/>
+              <a:t>hipoteca</a:t>
+            </a:r>
           </a:p>
         </p:txBody>
       </p:sp>
       <p:pic>
         <p:nvPicPr>
-          <p:cNvPr id="38" name="Imatge 37">
-            <a:extLst>
-              <a:ext uri="{FF2B5EF4-FFF2-40B4-BE49-F238E27FC236}">
-                <a16:creationId xmlns:a16="http://schemas.microsoft.com/office/drawing/2014/main" id="{0629B78E-28D3-A2F6-5AB5-968273B61CAC}"/>
+          <p:cNvPr id="21" name="Imatge 20">
+            <a:extLst>
+              <a:ext uri="{FF2B5EF4-FFF2-40B4-BE49-F238E27FC236}">
+                <a16:creationId xmlns:a16="http://schemas.microsoft.com/office/drawing/2014/main" id="{24ACB22C-EE12-F5A8-7836-DC16296619D0}"/>
+              </a:ext>
+            </a:extLst>
+          </p:cNvPr>
+          <p:cNvPicPr>
+            <a:picLocks noChangeAspect="1"/>
+          </p:cNvPicPr>
+          <p:nvPr/>
+        </p:nvPicPr>
+        <p:blipFill>
+          <a:blip r:embed="rId2"/>
+          <a:stretch>
+            <a:fillRect/>
+          </a:stretch>
+        </p:blipFill>
+        <p:spPr>
+          <a:xfrm>
+            <a:off x="341984" y="4355202"/>
+            <a:ext cx="3085551" cy="2187389"/>
+          </a:xfrm>
+          <a:prstGeom prst="rect">
+            <a:avLst/>
+          </a:prstGeom>
+        </p:spPr>
+      </p:pic>
+      <p:pic>
+        <p:nvPicPr>
+          <p:cNvPr id="24" name="Imatge 23">
+            <a:extLst>
+              <a:ext uri="{FF2B5EF4-FFF2-40B4-BE49-F238E27FC236}">
+                <a16:creationId xmlns:a16="http://schemas.microsoft.com/office/drawing/2014/main" id="{83E3E9C1-16C8-63A4-BAF2-2D383A5E814A}"/>
+              </a:ext>
+            </a:extLst>
+          </p:cNvPr>
+          <p:cNvPicPr>
+            <a:picLocks noChangeAspect="1"/>
+          </p:cNvPicPr>
+          <p:nvPr/>
+        </p:nvPicPr>
+        <p:blipFill>
+          <a:blip r:embed="rId3"/>
+          <a:stretch>
+            <a:fillRect/>
+          </a:stretch>
+        </p:blipFill>
+        <p:spPr>
+          <a:xfrm>
+            <a:off x="319466" y="1409103"/>
+            <a:ext cx="2118914" cy="2161293"/>
+          </a:xfrm>
+          <a:prstGeom prst="rect">
+            <a:avLst/>
+          </a:prstGeom>
+        </p:spPr>
+      </p:pic>
+      <p:pic>
+        <p:nvPicPr>
+          <p:cNvPr id="27" name="Imatge 26">
+            <a:extLst>
+              <a:ext uri="{FF2B5EF4-FFF2-40B4-BE49-F238E27FC236}">
+                <a16:creationId xmlns:a16="http://schemas.microsoft.com/office/drawing/2014/main" id="{F455FC50-8417-A071-6191-854D12934891}"/>
+              </a:ext>
+            </a:extLst>
+          </p:cNvPr>
+          <p:cNvPicPr>
+            <a:picLocks noChangeAspect="1"/>
+          </p:cNvPicPr>
+          <p:nvPr/>
+        </p:nvPicPr>
+        <p:blipFill>
+          <a:blip r:embed="rId4"/>
+          <a:stretch>
+            <a:fillRect/>
+          </a:stretch>
+        </p:blipFill>
+        <p:spPr>
+          <a:xfrm>
+            <a:off x="6338777" y="4346539"/>
+            <a:ext cx="2063008" cy="2187389"/>
+          </a:xfrm>
+          <a:prstGeom prst="rect">
+            <a:avLst/>
+          </a:prstGeom>
+        </p:spPr>
+      </p:pic>
+      <p:sp>
+        <p:nvSpPr>
+          <p:cNvPr id="31" name="QuadreDeText 16">
+            <a:extLst>
+              <a:ext uri="{FF2B5EF4-FFF2-40B4-BE49-F238E27FC236}">
+                <a16:creationId xmlns:a16="http://schemas.microsoft.com/office/drawing/2014/main" id="{B9AC0A04-68BA-775D-CE8A-7765C264F07E}"/>
+              </a:ext>
+            </a:extLst>
+          </p:cNvPr>
+          <p:cNvSpPr txBox="1"/>
+          <p:nvPr/>
+        </p:nvSpPr>
+        <p:spPr>
+          <a:xfrm>
+            <a:off x="3570604" y="4653236"/>
+            <a:ext cx="1583689" cy="1637080"/>
+          </a:xfrm>
+          <a:prstGeom prst="roundRect">
+            <a:avLst/>
+          </a:prstGeom>
+          <a:solidFill>
+            <a:schemeClr val="accent5">
+              <a:lumMod val="25000"/>
+              <a:lumOff val="75000"/>
+            </a:schemeClr>
+          </a:solidFill>
+          <a:ln>
+            <a:solidFill>
+              <a:schemeClr val="bg1"/>
+            </a:solidFill>
+          </a:ln>
+        </p:spPr>
+        <p:txBody>
+          <a:bodyPr wrap="square">
+            <a:spAutoFit/>
+          </a:bodyPr>
+          <a:lstStyle/>
+          <a:p>
+            <a:pPr marL="285750" indent="-285750">
+              <a:buFont typeface="Wingdings" panose="05000000000000000000" pitchFamily="2" charset="2"/>
+              <a:buChar char="§"/>
+            </a:pPr>
+            <a:r>
+              <a:rPr lang="es-ES" sz="1300" dirty="0"/>
+              <a:t>Distribución</a:t>
+            </a:r>
+            <a:r>
+              <a:rPr lang="es-ES" sz="1300" b="1" dirty="0"/>
+              <a:t> asimétrica </a:t>
+            </a:r>
+          </a:p>
+          <a:p>
+            <a:pPr marL="285750" indent="-285750">
+              <a:buFont typeface="Wingdings" panose="05000000000000000000" pitchFamily="2" charset="2"/>
+              <a:buChar char="§"/>
+            </a:pPr>
+            <a:r>
+              <a:rPr lang="es-ES" sz="1300" dirty="0"/>
+              <a:t>Solo el </a:t>
+            </a:r>
+            <a:r>
+              <a:rPr lang="es-ES" sz="1300" b="1" dirty="0"/>
+              <a:t>13,3%</a:t>
+            </a:r>
+            <a:r>
+              <a:rPr lang="es-ES" sz="1300" dirty="0"/>
+              <a:t> de los clientes tienen préstamo.</a:t>
+            </a:r>
+          </a:p>
+          <a:p>
+            <a:pPr algn="ctr"/>
+            <a:endParaRPr lang="es-ES" sz="1300" dirty="0"/>
+          </a:p>
+        </p:txBody>
+      </p:sp>
+      <p:pic>
+        <p:nvPicPr>
+          <p:cNvPr id="39" name="Imatge 38">
+            <a:extLst>
+              <a:ext uri="{FF2B5EF4-FFF2-40B4-BE49-F238E27FC236}">
+                <a16:creationId xmlns:a16="http://schemas.microsoft.com/office/drawing/2014/main" id="{F9818CA1-6A2C-778B-FC56-2DEF3AB7029F}"/>
               </a:ext>
             </a:extLst>
           </p:cNvPr>
@@ -10858,44 +12148,101 @@
         </p:blipFill>
         <p:spPr>
           <a:xfrm>
-            <a:off x="4546128" y="1232543"/>
-            <a:ext cx="2092753" cy="2214576"/>
+            <a:off x="5573835" y="1074427"/>
+            <a:ext cx="6298699" cy="2804457"/>
           </a:xfrm>
           <a:prstGeom prst="rect">
             <a:avLst/>
           </a:prstGeom>
         </p:spPr>
       </p:pic>
-      <p:pic>
-        <p:nvPicPr>
-          <p:cNvPr id="3" name="Imatge 2">
-            <a:extLst>
-              <a:ext uri="{FF2B5EF4-FFF2-40B4-BE49-F238E27FC236}">
-                <a16:creationId xmlns:a16="http://schemas.microsoft.com/office/drawing/2014/main" id="{49D93354-FF93-8AEA-0553-6618F5BAC77A}"/>
-              </a:ext>
-            </a:extLst>
-          </p:cNvPr>
-          <p:cNvPicPr>
-            <a:picLocks noChangeAspect="1"/>
-          </p:cNvPicPr>
+      <p:sp>
+        <p:nvSpPr>
+          <p:cNvPr id="32" name="QuadreDeText 16">
+            <a:extLst>
+              <a:ext uri="{FF2B5EF4-FFF2-40B4-BE49-F238E27FC236}">
+                <a16:creationId xmlns:a16="http://schemas.microsoft.com/office/drawing/2014/main" id="{1B834422-9FE5-8140-9C4E-E5E5CF16B4C3}"/>
+              </a:ext>
+            </a:extLst>
+          </p:cNvPr>
+          <p:cNvSpPr txBox="1"/>
           <p:nvPr/>
-        </p:nvPicPr>
-        <p:blipFill>
-          <a:blip r:embed="rId6"/>
-          <a:stretch>
-            <a:fillRect/>
-          </a:stretch>
-        </p:blipFill>
-        <p:spPr>
-          <a:xfrm>
-            <a:off x="5782255" y="4277955"/>
-            <a:ext cx="4714438" cy="2157793"/>
-          </a:xfrm>
-          <a:prstGeom prst="rect">
+        </p:nvSpPr>
+        <p:spPr>
+          <a:xfrm>
+            <a:off x="9495530" y="1586064"/>
+            <a:ext cx="1520761" cy="1637080"/>
+          </a:xfrm>
+          <a:prstGeom prst="roundRect">
             <a:avLst/>
           </a:prstGeom>
-        </p:spPr>
-      </p:pic>
+          <a:solidFill>
+            <a:schemeClr val="accent5">
+              <a:lumMod val="25000"/>
+              <a:lumOff val="75000"/>
+            </a:schemeClr>
+          </a:solidFill>
+          <a:ln>
+            <a:solidFill>
+              <a:schemeClr val="bg1"/>
+            </a:solidFill>
+          </a:ln>
+        </p:spPr>
+        <p:txBody>
+          <a:bodyPr wrap="square">
+            <a:spAutoFit/>
+          </a:bodyPr>
+          <a:lstStyle/>
+          <a:p>
+            <a:pPr marL="285750" indent="-285750">
+              <a:buFont typeface="Wingdings" panose="05000000000000000000" pitchFamily="2" charset="2"/>
+              <a:buChar char="§"/>
+            </a:pPr>
+            <a:r>
+              <a:rPr lang="es-ES" sz="1300" dirty="0"/>
+              <a:t>Distribución </a:t>
+            </a:r>
+            <a:r>
+              <a:rPr lang="es-ES" sz="1300" b="1" dirty="0"/>
+              <a:t>asimétrica</a:t>
+            </a:r>
+            <a:r>
+              <a:rPr lang="es-ES" sz="1300" dirty="0"/>
+              <a:t> con cola a la derecha.</a:t>
+            </a:r>
+          </a:p>
+          <a:p>
+            <a:pPr marL="285750" indent="-285750">
+              <a:buFont typeface="Wingdings" panose="05000000000000000000" pitchFamily="2" charset="2"/>
+              <a:buChar char="§"/>
+            </a:pPr>
+            <a:r>
+              <a:rPr lang="es-ES" sz="1300" dirty="0"/>
+              <a:t>Con un gran </a:t>
+            </a:r>
+            <a:r>
+              <a:rPr lang="es-ES" sz="1300" b="1" dirty="0"/>
+              <a:t>pico</a:t>
+            </a:r>
+            <a:r>
+              <a:rPr lang="es-ES" sz="1300" dirty="0"/>
+              <a:t> entre </a:t>
+            </a:r>
+            <a:r>
+              <a:rPr lang="es-ES" sz="1300" b="1" dirty="0"/>
+              <a:t>0</a:t>
+            </a:r>
+            <a:r>
+              <a:rPr lang="es-ES" sz="1300" dirty="0"/>
+              <a:t> y </a:t>
+            </a:r>
+            <a:r>
+              <a:rPr lang="es-ES" sz="1300" b="1" dirty="0"/>
+              <a:t>1000</a:t>
+            </a:r>
+          </a:p>
+        </p:txBody>
+      </p:sp>
     </p:spTree>
     <p:extLst>
       <p:ext uri="{BB962C8B-B14F-4D97-AF65-F5344CB8AC3E}">
@@ -10926,69 +12273,12 @@
           <a:chExt cx="0" cy="0"/>
         </a:xfrm>
       </p:grpSpPr>
-      <p:sp>
-        <p:nvSpPr>
-          <p:cNvPr id="8" name="QuadreDeText 3">
-            <a:extLst>
-              <a:ext uri="{FF2B5EF4-FFF2-40B4-BE49-F238E27FC236}">
-                <a16:creationId xmlns:a16="http://schemas.microsoft.com/office/drawing/2014/main" id="{78D010E2-8BBA-ADEF-B461-AD829F6EB078}"/>
-              </a:ext>
-            </a:extLst>
-          </p:cNvPr>
-          <p:cNvSpPr txBox="1"/>
-          <p:nvPr/>
-        </p:nvSpPr>
-        <p:spPr>
-          <a:xfrm>
-            <a:off x="505958" y="250347"/>
-            <a:ext cx="11230211" cy="677108"/>
-          </a:xfrm>
-          <a:prstGeom prst="rect">
-            <a:avLst/>
-          </a:prstGeom>
-          <a:noFill/>
-        </p:spPr>
-        <p:txBody>
-          <a:bodyPr wrap="square">
-            <a:spAutoFit/>
-          </a:bodyPr>
-          <a:lstStyle/>
-          <a:p>
-            <a:r>
-              <a:rPr lang="es-ES" sz="2400" b="1" i="1" dirty="0">
-                <a:solidFill>
-                  <a:schemeClr val="accent3">
-                    <a:lumMod val="50000"/>
-                  </a:schemeClr>
-                </a:solidFill>
-                <a:latin typeface="+mj-lt"/>
-              </a:rPr>
-              <a:t>CATEGORIZACIÓN DE LAS VARIABLES</a:t>
-            </a:r>
-            <a:endParaRPr lang="es-ES" sz="2400" b="1" i="1" dirty="0">
-              <a:solidFill>
-                <a:schemeClr val="accent3">
-                  <a:lumMod val="50000"/>
-                </a:schemeClr>
-              </a:solidFill>
-              <a:effectLst/>
-              <a:latin typeface="+mj-lt"/>
-            </a:endParaRPr>
-          </a:p>
-          <a:p>
-            <a:r>
-              <a:rPr lang="es-ES" sz="1400" b="1" dirty="0"/>
-              <a:t>Definimos 4 categorías para clasificar los clientes</a:t>
-            </a:r>
-          </a:p>
-        </p:txBody>
-      </p:sp>
       <p:pic>
         <p:nvPicPr>
-          <p:cNvPr id="3" name="Imatge 2">
-            <a:extLst>
-              <a:ext uri="{FF2B5EF4-FFF2-40B4-BE49-F238E27FC236}">
-                <a16:creationId xmlns:a16="http://schemas.microsoft.com/office/drawing/2014/main" id="{FB3103D1-E2AF-3B36-C9CC-E6E3D33C9C81}"/>
+          <p:cNvPr id="11" name="Imatge 10">
+            <a:extLst>
+              <a:ext uri="{FF2B5EF4-FFF2-40B4-BE49-F238E27FC236}">
+                <a16:creationId xmlns:a16="http://schemas.microsoft.com/office/drawing/2014/main" id="{D7B93189-8F91-E8F7-9C13-DB5294834AF8}"/>
               </a:ext>
             </a:extLst>
           </p:cNvPr>
@@ -11005,8 +12295,357 @@
         </p:blipFill>
         <p:spPr>
           <a:xfrm>
-            <a:off x="900404" y="1760717"/>
-            <a:ext cx="8654736" cy="3725684"/>
+            <a:off x="680130" y="1078451"/>
+            <a:ext cx="6127071" cy="2693966"/>
+          </a:xfrm>
+          <a:prstGeom prst="rect">
+            <a:avLst/>
+          </a:prstGeom>
+        </p:spPr>
+      </p:pic>
+      <p:sp>
+        <p:nvSpPr>
+          <p:cNvPr id="9" name="QuadreDeText 16">
+            <a:extLst>
+              <a:ext uri="{FF2B5EF4-FFF2-40B4-BE49-F238E27FC236}">
+                <a16:creationId xmlns:a16="http://schemas.microsoft.com/office/drawing/2014/main" id="{D2813547-6674-7DF2-D117-20EF6DF6D976}"/>
+              </a:ext>
+            </a:extLst>
+          </p:cNvPr>
+          <p:cNvSpPr txBox="1"/>
+          <p:nvPr/>
+        </p:nvSpPr>
+        <p:spPr>
+          <a:xfrm>
+            <a:off x="7241152" y="1481959"/>
+            <a:ext cx="2309248" cy="766167"/>
+          </a:xfrm>
+          <a:prstGeom prst="roundRect">
+            <a:avLst/>
+          </a:prstGeom>
+          <a:solidFill>
+            <a:schemeClr val="accent5">
+              <a:lumMod val="25000"/>
+              <a:lumOff val="75000"/>
+            </a:schemeClr>
+          </a:solidFill>
+          <a:ln>
+            <a:solidFill>
+              <a:schemeClr val="bg1"/>
+            </a:solidFill>
+          </a:ln>
+        </p:spPr>
+        <p:txBody>
+          <a:bodyPr wrap="square">
+            <a:spAutoFit/>
+          </a:bodyPr>
+          <a:lstStyle/>
+          <a:p>
+            <a:pPr algn="ctr"/>
+            <a:r>
+              <a:rPr lang="es-ES" sz="1300" dirty="0"/>
+              <a:t>La distribución del </a:t>
+            </a:r>
+            <a:r>
+              <a:rPr lang="es-ES" sz="1300" b="1" dirty="0"/>
+              <a:t>Saldo</a:t>
+            </a:r>
+            <a:r>
+              <a:rPr lang="es-ES" sz="1300" dirty="0"/>
+              <a:t> </a:t>
+            </a:r>
+            <a:r>
+              <a:rPr lang="es-ES" sz="1300" b="1" dirty="0"/>
+              <a:t>no varía </a:t>
+            </a:r>
+            <a:r>
+              <a:rPr lang="es-ES" sz="1300" dirty="0"/>
+              <a:t>sustancialmente entre categorías de </a:t>
+            </a:r>
+            <a:r>
+              <a:rPr lang="es-ES" sz="1300" b="1" dirty="0"/>
+              <a:t>Crédito</a:t>
+            </a:r>
+          </a:p>
+        </p:txBody>
+      </p:sp>
+      <p:sp>
+        <p:nvSpPr>
+          <p:cNvPr id="12" name="QuadreDeText 3">
+            <a:extLst>
+              <a:ext uri="{FF2B5EF4-FFF2-40B4-BE49-F238E27FC236}">
+                <a16:creationId xmlns:a16="http://schemas.microsoft.com/office/drawing/2014/main" id="{7DAF1F8F-4CB6-2F1E-2E93-4A5517472364}"/>
+              </a:ext>
+            </a:extLst>
+          </p:cNvPr>
+          <p:cNvSpPr txBox="1"/>
+          <p:nvPr/>
+        </p:nvSpPr>
+        <p:spPr>
+          <a:xfrm>
+            <a:off x="505958" y="250347"/>
+            <a:ext cx="11230211" cy="677108"/>
+          </a:xfrm>
+          <a:prstGeom prst="rect">
+            <a:avLst/>
+          </a:prstGeom>
+          <a:noFill/>
+        </p:spPr>
+        <p:txBody>
+          <a:bodyPr wrap="square">
+            <a:spAutoFit/>
+          </a:bodyPr>
+          <a:lstStyle/>
+          <a:p>
+            <a:r>
+              <a:rPr lang="es-ES" sz="2400" b="1" dirty="0">
+                <a:solidFill>
+                  <a:schemeClr val="accent3">
+                    <a:lumMod val="50000"/>
+                  </a:schemeClr>
+                </a:solidFill>
+                <a:effectLst/>
+                <a:latin typeface="+mj-lt"/>
+              </a:rPr>
+              <a:t>ANÁLISIS EXPLORATORI</a:t>
+            </a:r>
+            <a:r>
+              <a:rPr lang="es-ES" sz="2400" b="1" dirty="0">
+                <a:solidFill>
+                  <a:schemeClr val="accent3">
+                    <a:lumMod val="50000"/>
+                  </a:schemeClr>
+                </a:solidFill>
+                <a:latin typeface="+mj-lt"/>
+              </a:rPr>
+              <a:t>O</a:t>
+            </a:r>
+            <a:endParaRPr lang="es-ES" sz="2400" b="1" i="1" dirty="0">
+              <a:solidFill>
+                <a:schemeClr val="accent3">
+                  <a:lumMod val="50000"/>
+                </a:schemeClr>
+              </a:solidFill>
+              <a:effectLst/>
+              <a:latin typeface="+mj-lt"/>
+            </a:endParaRPr>
+          </a:p>
+          <a:p>
+            <a:r>
+              <a:rPr lang="es-ES" sz="1400" b="1" i="1" dirty="0"/>
+              <a:t>Analizamos la distribución de “Balance” segmentado por categorías de préstamo e hipoteca</a:t>
+            </a:r>
+            <a:endParaRPr lang="es-ES" sz="1400" b="1" dirty="0"/>
+          </a:p>
+        </p:txBody>
+      </p:sp>
+      <p:sp>
+        <p:nvSpPr>
+          <p:cNvPr id="15" name="QuadreDeText 16">
+            <a:extLst>
+              <a:ext uri="{FF2B5EF4-FFF2-40B4-BE49-F238E27FC236}">
+                <a16:creationId xmlns:a16="http://schemas.microsoft.com/office/drawing/2014/main" id="{C77B49C0-780A-3ABE-9623-435FD3F63D0E}"/>
+              </a:ext>
+            </a:extLst>
+          </p:cNvPr>
+          <p:cNvSpPr txBox="1"/>
+          <p:nvPr/>
+        </p:nvSpPr>
+        <p:spPr>
+          <a:xfrm>
+            <a:off x="9190041" y="4278029"/>
+            <a:ext cx="2145616" cy="766167"/>
+          </a:xfrm>
+          <a:prstGeom prst="roundRect">
+            <a:avLst/>
+          </a:prstGeom>
+          <a:solidFill>
+            <a:schemeClr val="accent5">
+              <a:lumMod val="25000"/>
+              <a:lumOff val="75000"/>
+            </a:schemeClr>
+          </a:solidFill>
+          <a:ln>
+            <a:solidFill>
+              <a:schemeClr val="bg1"/>
+            </a:solidFill>
+          </a:ln>
+        </p:spPr>
+        <p:txBody>
+          <a:bodyPr wrap="square">
+            <a:spAutoFit/>
+          </a:bodyPr>
+          <a:lstStyle/>
+          <a:p>
+            <a:pPr algn="ctr"/>
+            <a:r>
+              <a:rPr lang="es-ES" sz="1300" dirty="0"/>
+              <a:t>La distribución del </a:t>
+            </a:r>
+            <a:r>
+              <a:rPr lang="es-ES" sz="1300" b="1" dirty="0"/>
+              <a:t>Saldo no</a:t>
+            </a:r>
+            <a:r>
+              <a:rPr lang="es-ES" sz="1300" dirty="0"/>
+              <a:t> </a:t>
+            </a:r>
+            <a:r>
+              <a:rPr lang="es-ES" sz="1300" b="1" dirty="0"/>
+              <a:t>varía</a:t>
+            </a:r>
+            <a:r>
+              <a:rPr lang="es-ES" sz="1300" dirty="0"/>
+              <a:t> sustancialmente entre categorías de </a:t>
+            </a:r>
+            <a:r>
+              <a:rPr lang="es-ES" sz="1300" b="1" dirty="0"/>
+              <a:t>Hipoteca</a:t>
+            </a:r>
+          </a:p>
+        </p:txBody>
+      </p:sp>
+      <p:pic>
+        <p:nvPicPr>
+          <p:cNvPr id="17" name="Imatge 16">
+            <a:extLst>
+              <a:ext uri="{FF2B5EF4-FFF2-40B4-BE49-F238E27FC236}">
+                <a16:creationId xmlns:a16="http://schemas.microsoft.com/office/drawing/2014/main" id="{FB53CFBC-67AE-9E1C-C73E-559BDFB603D5}"/>
+              </a:ext>
+            </a:extLst>
+          </p:cNvPr>
+          <p:cNvPicPr>
+            <a:picLocks noChangeAspect="1"/>
+          </p:cNvPicPr>
+          <p:nvPr/>
+        </p:nvPicPr>
+        <p:blipFill>
+          <a:blip r:embed="rId4"/>
+          <a:stretch>
+            <a:fillRect/>
+          </a:stretch>
+        </p:blipFill>
+        <p:spPr>
+          <a:xfrm>
+            <a:off x="2596015" y="3913687"/>
+            <a:ext cx="6149271" cy="2693966"/>
+          </a:xfrm>
+          <a:prstGeom prst="rect">
+            <a:avLst/>
+          </a:prstGeom>
+        </p:spPr>
+      </p:pic>
+    </p:spTree>
+    <p:extLst>
+      <p:ext uri="{BB962C8B-B14F-4D97-AF65-F5344CB8AC3E}">
+        <p14:creationId xmlns:p14="http://schemas.microsoft.com/office/powerpoint/2010/main" val="4231894271"/>
+      </p:ext>
+    </p:extLst>
+  </p:cSld>
+  <p:clrMapOvr>
+    <a:masterClrMapping/>
+  </p:clrMapOvr>
+</p:sld>
+</file>
+
+<file path=ppt/slides/slide5.xml><?xml version="1.0" encoding="utf-8"?>
+<p:sld xmlns:a="http://schemas.openxmlformats.org/drawingml/2006/main" xmlns:r="http://schemas.openxmlformats.org/officeDocument/2006/relationships" xmlns:p="http://schemas.openxmlformats.org/presentationml/2006/main">
+  <p:cSld>
+    <p:spTree>
+      <p:nvGrpSpPr>
+        <p:cNvPr id="1" name=""/>
+        <p:cNvGrpSpPr/>
+        <p:nvPr/>
+      </p:nvGrpSpPr>
+      <p:grpSpPr>
+        <a:xfrm>
+          <a:off x="0" y="0"/>
+          <a:ext cx="0" cy="0"/>
+          <a:chOff x="0" y="0"/>
+          <a:chExt cx="0" cy="0"/>
+        </a:xfrm>
+      </p:grpSpPr>
+      <p:sp>
+        <p:nvSpPr>
+          <p:cNvPr id="8" name="QuadreDeText 3">
+            <a:extLst>
+              <a:ext uri="{FF2B5EF4-FFF2-40B4-BE49-F238E27FC236}">
+                <a16:creationId xmlns:a16="http://schemas.microsoft.com/office/drawing/2014/main" id="{78D010E2-8BBA-ADEF-B461-AD829F6EB078}"/>
+              </a:ext>
+            </a:extLst>
+          </p:cNvPr>
+          <p:cNvSpPr txBox="1"/>
+          <p:nvPr/>
+        </p:nvSpPr>
+        <p:spPr>
+          <a:xfrm>
+            <a:off x="505958" y="250347"/>
+            <a:ext cx="11230211" cy="677108"/>
+          </a:xfrm>
+          <a:prstGeom prst="rect">
+            <a:avLst/>
+          </a:prstGeom>
+          <a:noFill/>
+        </p:spPr>
+        <p:txBody>
+          <a:bodyPr wrap="square">
+            <a:spAutoFit/>
+          </a:bodyPr>
+          <a:lstStyle/>
+          <a:p>
+            <a:r>
+              <a:rPr lang="es-ES" sz="2400" b="1" i="1" dirty="0">
+                <a:solidFill>
+                  <a:schemeClr val="accent3">
+                    <a:lumMod val="50000"/>
+                  </a:schemeClr>
+                </a:solidFill>
+                <a:latin typeface="+mj-lt"/>
+              </a:rPr>
+              <a:t>CATEGORIZACIÓN DE LAS VARIABLES</a:t>
+            </a:r>
+            <a:endParaRPr lang="es-ES" sz="2400" b="1" i="1" dirty="0">
+              <a:solidFill>
+                <a:schemeClr val="accent3">
+                  <a:lumMod val="50000"/>
+                </a:schemeClr>
+              </a:solidFill>
+              <a:effectLst/>
+              <a:latin typeface="+mj-lt"/>
+            </a:endParaRPr>
+          </a:p>
+          <a:p>
+            <a:r>
+              <a:rPr lang="es-ES" sz="1400" b="1" dirty="0"/>
+              <a:t>Definimos 4 categorías para clasificar los clientes</a:t>
+            </a:r>
+          </a:p>
+        </p:txBody>
+      </p:sp>
+      <p:pic>
+        <p:nvPicPr>
+          <p:cNvPr id="3" name="Imatge 2">
+            <a:extLst>
+              <a:ext uri="{FF2B5EF4-FFF2-40B4-BE49-F238E27FC236}">
+                <a16:creationId xmlns:a16="http://schemas.microsoft.com/office/drawing/2014/main" id="{FB3103D1-E2AF-3B36-C9CC-E6E3D33C9C81}"/>
+              </a:ext>
+            </a:extLst>
+          </p:cNvPr>
+          <p:cNvPicPr>
+            <a:picLocks noChangeAspect="1"/>
+          </p:cNvPicPr>
+          <p:nvPr/>
+        </p:nvPicPr>
+        <p:blipFill>
+          <a:blip r:embed="rId3"/>
+          <a:stretch>
+            <a:fillRect/>
+          </a:stretch>
+        </p:blipFill>
+        <p:spPr>
+          <a:xfrm>
+            <a:off x="1025909" y="1399950"/>
+            <a:ext cx="9426937" cy="4058100"/>
           </a:xfrm>
           <a:prstGeom prst="rect">
             <a:avLst/>
@@ -11026,7 +12665,7 @@
 </p:sld>
 </file>
 
-<file path=ppt/slides/slide5.xml><?xml version="1.0" encoding="utf-8"?>
+<file path=ppt/slides/slide6.xml><?xml version="1.0" encoding="utf-8"?>
 <p:sld xmlns:a="http://schemas.openxmlformats.org/drawingml/2006/main" xmlns:r="http://schemas.openxmlformats.org/officeDocument/2006/relationships" xmlns:p="http://schemas.openxmlformats.org/presentationml/2006/main">
   <p:cSld>
     <p:spTree>
@@ -11247,7 +12886,7 @@
 </p:sld>
 </file>
 
-<file path=ppt/slides/slide6.xml><?xml version="1.0" encoding="utf-8"?>
+<file path=ppt/slides/slide7.xml><?xml version="1.0" encoding="utf-8"?>
 <p:sld xmlns:a="http://schemas.openxmlformats.org/drawingml/2006/main" xmlns:r="http://schemas.openxmlformats.org/officeDocument/2006/relationships" xmlns:p="http://schemas.openxmlformats.org/presentationml/2006/main">
   <p:cSld>
     <p:spTree>
@@ -11449,7 +13088,7 @@
 </p:sld>
 </file>
 
-<file path=ppt/slides/slide7.xml><?xml version="1.0" encoding="utf-8"?>
+<file path=ppt/slides/slide8.xml><?xml version="1.0" encoding="utf-8"?>
 <p:sld xmlns:a="http://schemas.openxmlformats.org/drawingml/2006/main" xmlns:r="http://schemas.openxmlformats.org/officeDocument/2006/relationships" xmlns:p="http://schemas.openxmlformats.org/presentationml/2006/main">
   <p:cSld>
     <p:spTree>
@@ -11559,13 +13198,13 @@
           <p:nvPr>
             <p:extLst>
               <p:ext uri="{D42A27DB-BD31-4B8C-83A1-F6EECF244321}">
-                <p14:modId xmlns:p14="http://schemas.microsoft.com/office/powerpoint/2010/main" val="3404877017"/>
+                <p14:modId xmlns:p14="http://schemas.microsoft.com/office/powerpoint/2010/main" val="1495543935"/>
               </p:ext>
             </p:extLst>
           </p:nvPr>
         </p:nvGraphicFramePr>
         <p:xfrm>
-          <a:off x="505958" y="1349187"/>
+          <a:off x="505958" y="1334673"/>
           <a:ext cx="3420582" cy="1923600"/>
         </p:xfrm>
         <a:graphic>
@@ -11643,9 +13282,7 @@
                   </a:txBody>
                   <a:tcPr>
                     <a:lnL w="12700" cap="flat" cmpd="sng" algn="ctr">
-                      <a:solidFill>
-                        <a:schemeClr val="tx1"/>
-                      </a:solidFill>
+                      <a:noFill/>
                       <a:prstDash val="solid"/>
                       <a:round/>
                       <a:headEnd type="none" w="med" len="med"/>
@@ -11661,9 +13298,7 @@
                       <a:tailEnd type="none" w="med" len="med"/>
                     </a:lnR>
                     <a:lnT w="12700" cap="flat" cmpd="sng" algn="ctr">
-                      <a:solidFill>
-                        <a:schemeClr val="tx1"/>
-                      </a:solidFill>
+                      <a:noFill/>
                       <a:prstDash val="solid"/>
                       <a:round/>
                       <a:headEnd type="none" w="med" len="med"/>
@@ -11748,6 +13383,9 @@
                       <a:noFill/>
                       <a:prstDash val="solid"/>
                     </a:lnBlToTr>
+                    <a:solidFill>
+                      <a:srgbClr val="81D185"/>
+                    </a:solidFill>
                   </a:tcPr>
                 </a:tc>
                 <a:tc>
@@ -11807,6 +13445,9 @@
                       <a:noFill/>
                       <a:prstDash val="solid"/>
                     </a:lnBlToTr>
+                    <a:solidFill>
+                      <a:srgbClr val="81D185"/>
+                    </a:solidFill>
                   </a:tcPr>
                 </a:tc>
                 <a:extLst>
@@ -12283,14 +13924,14 @@
           <p:nvPr>
             <p:extLst>
               <p:ext uri="{D42A27DB-BD31-4B8C-83A1-F6EECF244321}">
-                <p14:modId xmlns:p14="http://schemas.microsoft.com/office/powerpoint/2010/main" val="303346833"/>
+                <p14:modId xmlns:p14="http://schemas.microsoft.com/office/powerpoint/2010/main" val="3900208990"/>
               </p:ext>
             </p:extLst>
           </p:nvPr>
         </p:nvGraphicFramePr>
         <p:xfrm>
-          <a:off x="505959" y="3975846"/>
-          <a:ext cx="3420582" cy="2255520"/>
+          <a:off x="505958" y="3990359"/>
+          <a:ext cx="3420582" cy="2193744"/>
         </p:xfrm>
         <a:graphic>
           <a:graphicData uri="http://schemas.openxmlformats.org/drawingml/2006/table">
@@ -12321,7 +13962,7 @@
                   </a:extLst>
                 </a:gridCol>
               </a:tblGrid>
-              <a:tr h="793378">
+              <a:tr h="770326">
                 <a:tc>
                   <a:txBody>
                     <a:bodyPr/>
@@ -12334,7 +13975,7 @@
                             <a:schemeClr val="tx1"/>
                           </a:solidFill>
                         </a:rPr>
-                        <a:t>% INCUMPLIMIENTO</a:t>
+                        <a:t>INCUMPLIMIENTO</a:t>
                       </a:r>
                     </a:p>
                     <a:p>
@@ -12361,15 +14002,13 @@
                             <a:schemeClr val="tx1"/>
                           </a:solidFill>
                         </a:rPr>
-                        <a:t>PRESTAMO E HIPOTECA</a:t>
+                        <a:t>PRÉSTAMO E HIPOTECA</a:t>
                       </a:r>
                     </a:p>
                   </a:txBody>
                   <a:tcPr>
                     <a:lnL w="12700" cap="flat" cmpd="sng" algn="ctr">
-                      <a:solidFill>
-                        <a:schemeClr val="tx1"/>
-                      </a:solidFill>
+                      <a:noFill/>
                       <a:prstDash val="solid"/>
                       <a:round/>
                       <a:headEnd type="none" w="med" len="med"/>
@@ -12385,9 +14024,7 @@
                       <a:tailEnd type="none" w="med" len="med"/>
                     </a:lnR>
                     <a:lnT w="12700" cap="flat" cmpd="sng" algn="ctr">
-                      <a:solidFill>
-                        <a:schemeClr val="tx1"/>
-                      </a:solidFill>
+                      <a:noFill/>
                       <a:prstDash val="solid"/>
                       <a:round/>
                       <a:headEnd type="none" w="med" len="med"/>
@@ -12472,6 +14109,9 @@
                       <a:noFill/>
                       <a:prstDash val="solid"/>
                     </a:lnBlToTr>
+                    <a:solidFill>
+                      <a:srgbClr val="81D185"/>
+                    </a:solidFill>
                   </a:tcPr>
                 </a:tc>
                 <a:tc>
@@ -12531,6 +14171,9 @@
                       <a:noFill/>
                       <a:prstDash val="solid"/>
                     </a:lnBlToTr>
+                    <a:solidFill>
+                      <a:srgbClr val="81D185"/>
+                    </a:solidFill>
                   </a:tcPr>
                 </a:tc>
                 <a:extLst>
@@ -12539,7 +14182,7 @@
                   </a:ext>
                 </a:extLst>
               </a:tr>
-              <a:tr h="518163">
+              <a:tr h="711709">
                 <a:tc>
                   <a:txBody>
                     <a:bodyPr/>
@@ -12782,7 +14425,7 @@
                   </a:ext>
                 </a:extLst>
               </a:tr>
-              <a:tr h="518163">
+              <a:tr h="711709">
                 <a:tc>
                   <a:txBody>
                     <a:bodyPr/>
@@ -13048,66 +14691,6 @@
           </a:graphicData>
         </a:graphic>
       </p:graphicFrame>
-      <p:pic>
-        <p:nvPicPr>
-          <p:cNvPr id="11" name="Imatge 10">
-            <a:extLst>
-              <a:ext uri="{FF2B5EF4-FFF2-40B4-BE49-F238E27FC236}">
-                <a16:creationId xmlns:a16="http://schemas.microsoft.com/office/drawing/2014/main" id="{43E4E525-49B1-9BDF-05FB-D260227C996D}"/>
-              </a:ext>
-            </a:extLst>
-          </p:cNvPr>
-          <p:cNvPicPr>
-            <a:picLocks noChangeAspect="1"/>
-          </p:cNvPicPr>
-          <p:nvPr/>
-        </p:nvPicPr>
-        <p:blipFill>
-          <a:blip r:embed="rId3"/>
-          <a:stretch>
-            <a:fillRect/>
-          </a:stretch>
-        </p:blipFill>
-        <p:spPr>
-          <a:xfrm>
-            <a:off x="7223520" y="3975846"/>
-            <a:ext cx="1702222" cy="2048436"/>
-          </a:xfrm>
-          <a:prstGeom prst="rect">
-            <a:avLst/>
-          </a:prstGeom>
-        </p:spPr>
-      </p:pic>
-      <p:pic>
-        <p:nvPicPr>
-          <p:cNvPr id="13" name="Imatge 12">
-            <a:extLst>
-              <a:ext uri="{FF2B5EF4-FFF2-40B4-BE49-F238E27FC236}">
-                <a16:creationId xmlns:a16="http://schemas.microsoft.com/office/drawing/2014/main" id="{5722C7E0-813C-75DA-2442-CB4A462438F2}"/>
-              </a:ext>
-            </a:extLst>
-          </p:cNvPr>
-          <p:cNvPicPr>
-            <a:picLocks noChangeAspect="1"/>
-          </p:cNvPicPr>
-          <p:nvPr/>
-        </p:nvPicPr>
-        <p:blipFill>
-          <a:blip r:embed="rId3"/>
-          <a:stretch>
-            <a:fillRect/>
-          </a:stretch>
-        </p:blipFill>
-        <p:spPr>
-          <a:xfrm>
-            <a:off x="7219789" y="1281048"/>
-            <a:ext cx="1676930" cy="2189132"/>
-          </a:xfrm>
-          <a:prstGeom prst="rect">
-            <a:avLst/>
-          </a:prstGeom>
-        </p:spPr>
-      </p:pic>
       <p:sp>
         <p:nvSpPr>
           <p:cNvPr id="16" name="QuadreDeText 16">
@@ -13122,8 +14705,136 @@
         </p:nvSpPr>
         <p:spPr>
           <a:xfrm>
-            <a:off x="4411984" y="958233"/>
-            <a:ext cx="2186885" cy="2685871"/>
+            <a:off x="4194778" y="1249378"/>
+            <a:ext cx="2482302" cy="2094190"/>
+          </a:xfrm>
+          <a:prstGeom prst="roundRect">
+            <a:avLst/>
+          </a:prstGeom>
+          <a:solidFill>
+            <a:schemeClr val="bg1"/>
+          </a:solidFill>
+          <a:ln>
+            <a:noFill/>
+          </a:ln>
+        </p:spPr>
+        <p:txBody>
+          <a:bodyPr wrap="square">
+            <a:spAutoFit/>
+          </a:bodyPr>
+          <a:lstStyle/>
+          <a:p>
+            <a:pPr marL="285750" indent="-285750">
+              <a:buFont typeface="Wingdings" panose="05000000000000000000" pitchFamily="2" charset="2"/>
+              <a:buChar char="§"/>
+            </a:pPr>
+            <a:r>
+              <a:rPr lang="es-ES" sz="1300" dirty="0"/>
+              <a:t>Los clientes sin préstamo ni hipoteca son los que mayor saldo tienen</a:t>
+            </a:r>
+          </a:p>
+          <a:p>
+            <a:pPr marL="285750" indent="-285750">
+              <a:buFont typeface="Wingdings" panose="05000000000000000000" pitchFamily="2" charset="2"/>
+              <a:buChar char="§"/>
+            </a:pPr>
+            <a:r>
+              <a:rPr lang="es-ES" sz="1300" dirty="0"/>
+              <a:t>Le siguen con un -27,2% los que tienen hipoteca pero no préstamo </a:t>
+            </a:r>
+          </a:p>
+          <a:p>
+            <a:pPr marL="285750" indent="-285750">
+              <a:buFont typeface="Wingdings" panose="05000000000000000000" pitchFamily="2" charset="2"/>
+              <a:buChar char="§"/>
+            </a:pPr>
+            <a:r>
+              <a:rPr lang="es-ES" sz="1300" dirty="0"/>
+              <a:t>Cierran, con menos de la mitad de saldo las categorías con préstamo</a:t>
+            </a:r>
+          </a:p>
+        </p:txBody>
+      </p:sp>
+      <p:sp>
+        <p:nvSpPr>
+          <p:cNvPr id="19" name="QuadreDeText 16">
+            <a:extLst>
+              <a:ext uri="{FF2B5EF4-FFF2-40B4-BE49-F238E27FC236}">
+                <a16:creationId xmlns:a16="http://schemas.microsoft.com/office/drawing/2014/main" id="{8357148E-8755-3F47-94F0-1A7F261AD548}"/>
+              </a:ext>
+            </a:extLst>
+          </p:cNvPr>
+          <p:cNvSpPr txBox="1"/>
+          <p:nvPr/>
+        </p:nvSpPr>
+        <p:spPr>
+          <a:xfrm>
+            <a:off x="4318149" y="3732240"/>
+            <a:ext cx="2358931" cy="2709982"/>
+          </a:xfrm>
+          <a:prstGeom prst="roundRect">
+            <a:avLst/>
+          </a:prstGeom>
+          <a:solidFill>
+            <a:schemeClr val="bg1"/>
+          </a:solidFill>
+          <a:ln>
+            <a:noFill/>
+          </a:ln>
+        </p:spPr>
+        <p:txBody>
+          <a:bodyPr wrap="square">
+            <a:spAutoFit/>
+          </a:bodyPr>
+          <a:lstStyle/>
+          <a:p>
+            <a:pPr marL="285750" indent="-285750">
+              <a:buFont typeface="Wingdings" panose="05000000000000000000" pitchFamily="2" charset="2"/>
+              <a:buChar char="§"/>
+            </a:pPr>
+            <a:r>
+              <a:rPr lang="es-ES" sz="1300" dirty="0"/>
+              <a:t>Los clientes sin préstamo ni hipoteca son los que menor incumplimiento tienen</a:t>
+            </a:r>
+          </a:p>
+          <a:p>
+            <a:pPr marL="285750" indent="-285750">
+              <a:buFont typeface="Wingdings" panose="05000000000000000000" pitchFamily="2" charset="2"/>
+              <a:buChar char="§"/>
+            </a:pPr>
+            <a:r>
+              <a:rPr lang="es-ES" sz="1300" dirty="0"/>
+              <a:t>Le siguen con +48,9% los que tienen hipoteca pero no préstamo </a:t>
+            </a:r>
+          </a:p>
+          <a:p>
+            <a:pPr marL="285750" indent="-285750">
+              <a:buFont typeface="Wingdings" panose="05000000000000000000" pitchFamily="2" charset="2"/>
+              <a:buChar char="§"/>
+            </a:pPr>
+            <a:r>
+              <a:rPr lang="es-ES" sz="1300" dirty="0"/>
+              <a:t>Las categorías con préstamo incumplen 2 veces más (con Hipoteca) y casi 5 veces más (sin hipoteca)</a:t>
+            </a:r>
+          </a:p>
+        </p:txBody>
+      </p:sp>
+      <p:sp>
+        <p:nvSpPr>
+          <p:cNvPr id="6" name="QuadreDeText 16">
+            <a:extLst>
+              <a:ext uri="{FF2B5EF4-FFF2-40B4-BE49-F238E27FC236}">
+                <a16:creationId xmlns:a16="http://schemas.microsoft.com/office/drawing/2014/main" id="{EF99FA2A-F60F-BE70-6E49-2ACDF671DFA1}"/>
+              </a:ext>
+            </a:extLst>
+          </p:cNvPr>
+          <p:cNvSpPr txBox="1"/>
+          <p:nvPr/>
+        </p:nvSpPr>
+        <p:spPr>
+          <a:xfrm>
+            <a:off x="7769307" y="1470715"/>
+            <a:ext cx="4116991" cy="1651516"/>
           </a:xfrm>
           <a:prstGeom prst="roundRect">
             <a:avLst/>
@@ -13152,7 +14863,7 @@
             </a:pPr>
             <a:r>
               <a:rPr lang="es-ES" sz="1300" dirty="0"/>
-              <a:t>Los clientes sin préstamo ni hipoteca son los que mayor saldo tienen</a:t>
+              <a:t>A MAYOR NUMERO DE PRODUCTOS CONTRATADOS MAYOR SALDO</a:t>
             </a:r>
           </a:p>
           <a:p>
@@ -13162,7 +14873,19 @@
             </a:pPr>
             <a:r>
               <a:rPr lang="es-ES" sz="1300" dirty="0"/>
-              <a:t>Le siguen con un -27,2% los que tienen hipoteca pero no préstamo </a:t>
+              <a:t>LOS CLIENTES </a:t>
+            </a:r>
+            <a:r>
+              <a:rPr lang="es-ES" sz="1300" b="1" dirty="0"/>
+              <a:t>SIN PRÉSTAMO </a:t>
+            </a:r>
+            <a:r>
+              <a:rPr lang="es-ES" sz="1300" dirty="0"/>
+              <a:t>TIENEN EL </a:t>
+            </a:r>
+            <a:r>
+              <a:rPr lang="es-ES" sz="1300" b="1" dirty="0"/>
+              <a:t>DOBLE DE SALDO </a:t>
             </a:r>
           </a:p>
           <a:p>
@@ -13172,17 +14895,33 @@
             </a:pPr>
             <a:r>
               <a:rPr lang="es-ES" sz="1300" dirty="0"/>
-              <a:t>Cierran, con menos de la mitad de saldo las categorías con préstamo</a:t>
-            </a:r>
-          </a:p>
-        </p:txBody>
-      </p:sp>
-      <p:sp>
-        <p:nvSpPr>
-          <p:cNvPr id="19" name="QuadreDeText 16">
-            <a:extLst>
-              <a:ext uri="{FF2B5EF4-FFF2-40B4-BE49-F238E27FC236}">
-                <a16:creationId xmlns:a16="http://schemas.microsoft.com/office/drawing/2014/main" id="{8357148E-8755-3F47-94F0-1A7F261AD548}"/>
+              <a:t>LOS QUE TIENEN </a:t>
+            </a:r>
+            <a:r>
+              <a:rPr lang="es-ES" sz="1300" b="1" dirty="0"/>
+              <a:t>HIPOTECA</a:t>
+            </a:r>
+            <a:r>
+              <a:rPr lang="es-ES" sz="1300" dirty="0"/>
+              <a:t>  TIENEN TAMBIEN </a:t>
+            </a:r>
+            <a:r>
+              <a:rPr lang="es-ES" sz="1300" b="1" dirty="0"/>
+              <a:t>MENOR SALDO </a:t>
+            </a:r>
+            <a:r>
+              <a:rPr lang="es-ES" sz="1300" dirty="0"/>
+              <a:t>PERO EN MENOR MEDIDA(-10,8% Y -27,2%)</a:t>
+            </a:r>
+          </a:p>
+        </p:txBody>
+      </p:sp>
+      <p:sp>
+        <p:nvSpPr>
+          <p:cNvPr id="10" name="QuadreDeText 16">
+            <a:extLst>
+              <a:ext uri="{FF2B5EF4-FFF2-40B4-BE49-F238E27FC236}">
+                <a16:creationId xmlns:a16="http://schemas.microsoft.com/office/drawing/2014/main" id="{D713CB26-A822-A73F-B004-5F330F89EDD0}"/>
               </a:ext>
             </a:extLst>
           </p:cNvPr>
@@ -13191,8 +14930,8 @@
         </p:nvSpPr>
         <p:spPr>
           <a:xfrm>
-            <a:off x="4411984" y="3673755"/>
-            <a:ext cx="2186885" cy="3088958"/>
+            <a:off x="7844823" y="4333410"/>
+            <a:ext cx="3907902" cy="1208842"/>
           </a:xfrm>
           <a:prstGeom prst="roundRect">
             <a:avLst/>
@@ -13221,7 +14960,19 @@
             </a:pPr>
             <a:r>
               <a:rPr lang="es-ES" sz="1300" dirty="0"/>
-              <a:t>Los clientes sin préstamo ni hipoteca son los que menor incumplimiento tienen</a:t>
+              <a:t>LOS CLIENTES </a:t>
+            </a:r>
+            <a:r>
+              <a:rPr lang="es-ES" sz="1300" b="1" dirty="0"/>
+              <a:t>CON PRÉSTAMO  INCUMPLEN</a:t>
+            </a:r>
+            <a:r>
+              <a:rPr lang="es-ES" sz="1300" dirty="0"/>
+              <a:t> ENTRE UN 50,9% Y 472,8% </a:t>
+            </a:r>
+            <a:r>
+              <a:rPr lang="es-ES" sz="1300" b="1" dirty="0"/>
+              <a:t>MÁS</a:t>
             </a:r>
           </a:p>
           <a:p>
@@ -13231,206 +14982,168 @@
             </a:pPr>
             <a:r>
               <a:rPr lang="es-ES" sz="1300" dirty="0"/>
-              <a:t>Le siguen con +48,9% los que tienen hipoteca pero no préstamo </a:t>
-            </a:r>
-          </a:p>
-          <a:p>
-            <a:pPr marL="285750" indent="-285750">
-              <a:buFont typeface="Wingdings" panose="05000000000000000000" pitchFamily="2" charset="2"/>
-              <a:buChar char="§"/>
-            </a:pPr>
+              <a:t>EL FACTOR </a:t>
+            </a:r>
+            <a:r>
+              <a:rPr lang="es-ES" sz="1300" b="1" dirty="0"/>
+              <a:t>HIPOTECA AUMENTA </a:t>
+            </a:r>
             <a:r>
               <a:rPr lang="es-ES" sz="1300" dirty="0"/>
-              <a:t>Las categorías con préstamo incumplen 2 veces más (con Hipoteca) y casi 5 veces más (sin hipoteca)</a:t>
-            </a:r>
-          </a:p>
-        </p:txBody>
-      </p:sp>
-      <p:pic>
-        <p:nvPicPr>
-          <p:cNvPr id="3" name="Imatge 2">
-            <a:extLst>
-              <a:ext uri="{FF2B5EF4-FFF2-40B4-BE49-F238E27FC236}">
-                <a16:creationId xmlns:a16="http://schemas.microsoft.com/office/drawing/2014/main" id="{00A598EB-D5CB-2466-4CCD-18D1E4CAB4C8}"/>
-              </a:ext>
-            </a:extLst>
-          </p:cNvPr>
-          <p:cNvPicPr>
-            <a:picLocks noChangeAspect="1"/>
-          </p:cNvPicPr>
+              <a:t>EL </a:t>
+            </a:r>
+            <a:r>
+              <a:rPr lang="es-ES" sz="1300" b="1" dirty="0"/>
+              <a:t>RIESGO </a:t>
+            </a:r>
+            <a:r>
+              <a:rPr lang="es-ES" sz="1300" dirty="0"/>
+              <a:t>EN UN 48,9% EN LOS </a:t>
+            </a:r>
+            <a:r>
+              <a:rPr lang="es-ES" sz="1300" b="1" dirty="0"/>
+              <a:t>SIN PRÉSTAMO</a:t>
+            </a:r>
+            <a:r>
+              <a:rPr lang="es-ES" sz="1300" dirty="0"/>
+              <a:t>  PERO </a:t>
+            </a:r>
+            <a:r>
+              <a:rPr lang="es-ES" sz="1300" b="1" dirty="0"/>
+              <a:t>LO DECRECE </a:t>
+            </a:r>
+            <a:r>
+              <a:rPr lang="es-ES" sz="1300" dirty="0"/>
+              <a:t>-47,1% </a:t>
+            </a:r>
+            <a:r>
+              <a:rPr lang="es-ES" sz="1300" b="1" dirty="0"/>
+              <a:t>EN</a:t>
+            </a:r>
+            <a:r>
+              <a:rPr lang="es-ES" sz="1300" dirty="0"/>
+              <a:t> LOS QUE TIENEN </a:t>
+            </a:r>
+            <a:r>
+              <a:rPr lang="es-ES" sz="1300" b="1" dirty="0"/>
+              <a:t>PRESTAMO</a:t>
+            </a:r>
+          </a:p>
+        </p:txBody>
+      </p:sp>
+      <p:sp>
+        <p:nvSpPr>
+          <p:cNvPr id="2" name="Clau de tancament 1">
+            <a:extLst>
+              <a:ext uri="{FF2B5EF4-FFF2-40B4-BE49-F238E27FC236}">
+                <a16:creationId xmlns:a16="http://schemas.microsoft.com/office/drawing/2014/main" id="{4E1D170D-4DA2-A2AE-48B7-FB8D00E60211}"/>
+              </a:ext>
+            </a:extLst>
+          </p:cNvPr>
+          <p:cNvSpPr/>
           <p:nvPr/>
-        </p:nvPicPr>
-        <p:blipFill>
-          <a:blip r:embed="rId4"/>
-          <a:stretch>
-            <a:fillRect/>
-          </a:stretch>
-        </p:blipFill>
-        <p:spPr>
-          <a:xfrm>
-            <a:off x="11152681" y="86307"/>
-            <a:ext cx="1676930" cy="657688"/>
-          </a:xfrm>
-          <a:prstGeom prst="rect">
+        </p:nvSpPr>
+        <p:spPr>
+          <a:xfrm>
+            <a:off x="6945318" y="1249378"/>
+            <a:ext cx="638629" cy="2094190"/>
+          </a:xfrm>
+          <a:prstGeom prst="rightBrace">
             <a:avLst/>
           </a:prstGeom>
-        </p:spPr>
-      </p:pic>
-      <p:pic>
-        <p:nvPicPr>
-          <p:cNvPr id="5" name="Imatge 4">
-            <a:extLst>
-              <a:ext uri="{FF2B5EF4-FFF2-40B4-BE49-F238E27FC236}">
-                <a16:creationId xmlns:a16="http://schemas.microsoft.com/office/drawing/2014/main" id="{17414A71-537B-8B38-74BA-38A392A4C888}"/>
-              </a:ext>
-            </a:extLst>
-          </p:cNvPr>
-          <p:cNvPicPr>
-            <a:picLocks noChangeAspect="1"/>
-          </p:cNvPicPr>
+          <a:ln w="28575"/>
+        </p:spPr>
+        <p:style>
+          <a:lnRef idx="1">
+            <a:schemeClr val="accent1"/>
+          </a:lnRef>
+          <a:fillRef idx="0">
+            <a:schemeClr val="accent1"/>
+          </a:fillRef>
+          <a:effectRef idx="0">
+            <a:schemeClr val="accent1"/>
+          </a:effectRef>
+          <a:fontRef idx="minor">
+            <a:schemeClr val="tx1"/>
+          </a:fontRef>
+        </p:style>
+        <p:txBody>
+          <a:bodyPr rtlCol="0" anchor="ctr"/>
+          <a:lstStyle/>
+          <a:p>
+            <a:pPr algn="ctr"/>
+            <a:endParaRPr lang="ca-ES" b="1">
+              <a:ln w="22225">
+                <a:solidFill>
+                  <a:schemeClr val="accent2"/>
+                </a:solidFill>
+                <a:prstDash val="solid"/>
+              </a:ln>
+              <a:solidFill>
+                <a:schemeClr val="accent2">
+                  <a:lumMod val="40000"/>
+                  <a:lumOff val="60000"/>
+                </a:schemeClr>
+              </a:solidFill>
+            </a:endParaRPr>
+          </a:p>
+        </p:txBody>
+      </p:sp>
+      <p:sp>
+        <p:nvSpPr>
+          <p:cNvPr id="12" name="Clau de tancament 11">
+            <a:extLst>
+              <a:ext uri="{FF2B5EF4-FFF2-40B4-BE49-F238E27FC236}">
+                <a16:creationId xmlns:a16="http://schemas.microsoft.com/office/drawing/2014/main" id="{7DEC1563-ACD2-1BCF-4E71-88010A01050B}"/>
+              </a:ext>
+            </a:extLst>
+          </p:cNvPr>
+          <p:cNvSpPr/>
           <p:nvPr/>
-        </p:nvPicPr>
-        <p:blipFill>
-          <a:blip r:embed="rId5"/>
-          <a:stretch>
-            <a:fillRect/>
-          </a:stretch>
-        </p:blipFill>
-        <p:spPr>
-          <a:xfrm>
-            <a:off x="11152681" y="1013924"/>
-            <a:ext cx="2186885" cy="605199"/>
-          </a:xfrm>
-          <a:prstGeom prst="rect">
+        </p:nvSpPr>
+        <p:spPr>
+          <a:xfrm>
+            <a:off x="6956151" y="3948792"/>
+            <a:ext cx="638629" cy="2094190"/>
+          </a:xfrm>
+          <a:prstGeom prst="rightBrace">
             <a:avLst/>
           </a:prstGeom>
-        </p:spPr>
-      </p:pic>
-      <p:sp>
-        <p:nvSpPr>
-          <p:cNvPr id="6" name="QuadreDeText 16">
-            <a:extLst>
-              <a:ext uri="{FF2B5EF4-FFF2-40B4-BE49-F238E27FC236}">
-                <a16:creationId xmlns:a16="http://schemas.microsoft.com/office/drawing/2014/main" id="{EF99FA2A-F60F-BE70-6E49-2ACDF671DFA1}"/>
-              </a:ext>
-            </a:extLst>
-          </p:cNvPr>
-          <p:cNvSpPr txBox="1"/>
-          <p:nvPr/>
-        </p:nvSpPr>
-        <p:spPr>
-          <a:xfrm>
-            <a:off x="9505384" y="958233"/>
-            <a:ext cx="2473508" cy="2734092"/>
-          </a:xfrm>
-          <a:prstGeom prst="roundRect">
-            <a:avLst/>
-          </a:prstGeom>
-          <a:solidFill>
-            <a:schemeClr val="accent5">
-              <a:lumMod val="25000"/>
-              <a:lumOff val="75000"/>
-            </a:schemeClr>
-          </a:solidFill>
-          <a:ln>
-            <a:solidFill>
-              <a:schemeClr val="bg1"/>
-            </a:solidFill>
-          </a:ln>
-        </p:spPr>
-        <p:txBody>
-          <a:bodyPr wrap="square">
-            <a:spAutoFit/>
-          </a:bodyPr>
+          <a:ln w="28575"/>
+        </p:spPr>
+        <p:style>
+          <a:lnRef idx="1">
+            <a:schemeClr val="accent1"/>
+          </a:lnRef>
+          <a:fillRef idx="0">
+            <a:schemeClr val="accent1"/>
+          </a:fillRef>
+          <a:effectRef idx="0">
+            <a:schemeClr val="accent1"/>
+          </a:effectRef>
+          <a:fontRef idx="minor">
+            <a:schemeClr val="tx1"/>
+          </a:fontRef>
+        </p:style>
+        <p:txBody>
+          <a:bodyPr rtlCol="0" anchor="ctr"/>
           <a:lstStyle/>
           <a:p>
-            <a:pPr marL="285750" indent="-285750">
-              <a:buFont typeface="Wingdings" panose="05000000000000000000" pitchFamily="2" charset="2"/>
-              <a:buChar char="§"/>
-            </a:pPr>
-            <a:r>
-              <a:rPr lang="es-ES" sz="1300" dirty="0"/>
-              <a:t>A MAYOR NUMERO DE PRODUCTOS CONTRATADOS MAYOR SALDO</a:t>
-            </a:r>
-          </a:p>
-          <a:p>
-            <a:pPr marL="285750" indent="-285750">
-              <a:buFont typeface="Wingdings" panose="05000000000000000000" pitchFamily="2" charset="2"/>
-              <a:buChar char="§"/>
-            </a:pPr>
-            <a:r>
-              <a:rPr lang="es-ES" sz="1300" dirty="0"/>
-              <a:t>LOS CLIENTES SIN PRÉSTAMO TIENEN EL DOBLE DE SALDO </a:t>
-            </a:r>
-          </a:p>
-          <a:p>
-            <a:pPr marL="285750" indent="-285750">
-              <a:buFont typeface="Wingdings" panose="05000000000000000000" pitchFamily="2" charset="2"/>
-              <a:buChar char="§"/>
-            </a:pPr>
-            <a:r>
-              <a:rPr lang="es-ES" sz="1300" dirty="0"/>
-              <a:t>LOS QUE TIENEN HIPOTECA  TIENEN TAMBIEN MENOR SALDO PERO EN MENOR MEDIDA(-10,8% Y -27,2%)</a:t>
-            </a:r>
-          </a:p>
-        </p:txBody>
-      </p:sp>
-      <p:sp>
-        <p:nvSpPr>
-          <p:cNvPr id="10" name="QuadreDeText 16">
-            <a:extLst>
-              <a:ext uri="{FF2B5EF4-FFF2-40B4-BE49-F238E27FC236}">
-                <a16:creationId xmlns:a16="http://schemas.microsoft.com/office/drawing/2014/main" id="{D713CB26-A822-A73F-B004-5F330F89EDD0}"/>
-              </a:ext>
-            </a:extLst>
-          </p:cNvPr>
-          <p:cNvSpPr txBox="1"/>
-          <p:nvPr/>
-        </p:nvSpPr>
-        <p:spPr>
-          <a:xfrm>
-            <a:off x="9550393" y="3748016"/>
-            <a:ext cx="2473508" cy="2315528"/>
-          </a:xfrm>
-          <a:prstGeom prst="roundRect">
-            <a:avLst/>
-          </a:prstGeom>
-          <a:solidFill>
-            <a:schemeClr val="accent5">
-              <a:lumMod val="25000"/>
-              <a:lumOff val="75000"/>
-            </a:schemeClr>
-          </a:solidFill>
-          <a:ln>
-            <a:solidFill>
-              <a:schemeClr val="bg1"/>
-            </a:solidFill>
-          </a:ln>
-        </p:spPr>
-        <p:txBody>
-          <a:bodyPr wrap="square">
-            <a:spAutoFit/>
-          </a:bodyPr>
-          <a:lstStyle/>
-          <a:p>
-            <a:pPr marL="285750" indent="-285750">
-              <a:buFont typeface="Wingdings" panose="05000000000000000000" pitchFamily="2" charset="2"/>
-              <a:buChar char="§"/>
-            </a:pPr>
-            <a:r>
-              <a:rPr lang="es-ES" sz="1300" dirty="0"/>
-              <a:t>LOS CLIENTES CON PRÉSTAMO  INCUMPLEN ENTRE UN 50,9% Y 472,8% MÁS</a:t>
-            </a:r>
-          </a:p>
-          <a:p>
-            <a:pPr marL="285750" indent="-285750">
-              <a:buFont typeface="Wingdings" panose="05000000000000000000" pitchFamily="2" charset="2"/>
-              <a:buChar char="§"/>
-            </a:pPr>
-            <a:r>
-              <a:rPr lang="es-ES" sz="1300" dirty="0"/>
-              <a:t>EL FACTOR HIPOTECA AUMENTA EL RIESGO EN UN 48,9% EN LOS SIN PRÉSTAMO  PERO LO DECRECE -47,1% EN LOS QUE TIENEN PRESTAMO</a:t>
-            </a:r>
+            <a:pPr algn="ctr"/>
+            <a:endParaRPr lang="ca-ES" b="1">
+              <a:ln w="22225">
+                <a:solidFill>
+                  <a:schemeClr val="accent2"/>
+                </a:solidFill>
+                <a:prstDash val="solid"/>
+              </a:ln>
+              <a:solidFill>
+                <a:schemeClr val="accent2">
+                  <a:lumMod val="40000"/>
+                  <a:lumOff val="60000"/>
+                </a:schemeClr>
+              </a:solidFill>
+            </a:endParaRPr>
           </a:p>
         </p:txBody>
       </p:sp>
@@ -13447,7 +15160,7 @@
 </p:sld>
 </file>
 
-<file path=ppt/slides/slide8.xml><?xml version="1.0" encoding="utf-8"?>
+<file path=ppt/slides/slide9.xml><?xml version="1.0" encoding="utf-8"?>
 <p:sld xmlns:a="http://schemas.openxmlformats.org/drawingml/2006/main" xmlns:r="http://schemas.openxmlformats.org/officeDocument/2006/relationships" xmlns:p="http://schemas.openxmlformats.org/presentationml/2006/main">
   <p:cSld>
     <p:spTree>
@@ -13621,994 +15334,6 @@
     <p:extLst>
       <p:ext uri="{BB962C8B-B14F-4D97-AF65-F5344CB8AC3E}">
         <p14:creationId xmlns:p14="http://schemas.microsoft.com/office/powerpoint/2010/main" val="2582763781"/>
-      </p:ext>
-    </p:extLst>
-  </p:cSld>
-  <p:clrMapOvr>
-    <a:masterClrMapping/>
-  </p:clrMapOvr>
-</p:sld>
-</file>
-
-<file path=ppt/slides/slide9.xml><?xml version="1.0" encoding="utf-8"?>
-<p:sld xmlns:a="http://schemas.openxmlformats.org/drawingml/2006/main" xmlns:r="http://schemas.openxmlformats.org/officeDocument/2006/relationships" xmlns:p="http://schemas.openxmlformats.org/presentationml/2006/main">
-  <p:cSld>
-    <p:spTree>
-      <p:nvGrpSpPr>
-        <p:cNvPr id="1" name="">
-          <a:extLst>
-            <a:ext uri="{FF2B5EF4-FFF2-40B4-BE49-F238E27FC236}">
-              <a16:creationId xmlns:a16="http://schemas.microsoft.com/office/drawing/2014/main" id="{2E8AFFAE-1245-19B5-3C60-58AC8A5EA54D}"/>
-            </a:ext>
-          </a:extLst>
-        </p:cNvPr>
-        <p:cNvGrpSpPr/>
-        <p:nvPr/>
-      </p:nvGrpSpPr>
-      <p:grpSpPr>
-        <a:xfrm>
-          <a:off x="0" y="0"/>
-          <a:ext cx="0" cy="0"/>
-          <a:chOff x="0" y="0"/>
-          <a:chExt cx="0" cy="0"/>
-        </a:xfrm>
-      </p:grpSpPr>
-      <p:sp>
-        <p:nvSpPr>
-          <p:cNvPr id="6" name="Rectángulo 5">
-            <a:extLst>
-              <a:ext uri="{FF2B5EF4-FFF2-40B4-BE49-F238E27FC236}">
-                <a16:creationId xmlns:a16="http://schemas.microsoft.com/office/drawing/2014/main" id="{82C12619-B1CF-D3F7-B28B-32652C0F05E3}"/>
-              </a:ext>
-            </a:extLst>
-          </p:cNvPr>
-          <p:cNvSpPr/>
-          <p:nvPr/>
-        </p:nvSpPr>
-        <p:spPr>
-          <a:xfrm>
-            <a:off x="0" y="6400800"/>
-            <a:ext cx="2557670" cy="457200"/>
-          </a:xfrm>
-          <a:prstGeom prst="rect">
-            <a:avLst/>
-          </a:prstGeom>
-          <a:solidFill>
-            <a:schemeClr val="bg1">
-              <a:lumMod val="95000"/>
-            </a:schemeClr>
-          </a:solidFill>
-          <a:ln>
-            <a:noFill/>
-          </a:ln>
-        </p:spPr>
-        <p:style>
-          <a:lnRef idx="2">
-            <a:schemeClr val="accent1">
-              <a:shade val="50000"/>
-            </a:schemeClr>
-          </a:lnRef>
-          <a:fillRef idx="1">
-            <a:schemeClr val="accent1"/>
-          </a:fillRef>
-          <a:effectRef idx="0">
-            <a:schemeClr val="accent1"/>
-          </a:effectRef>
-          <a:fontRef idx="minor">
-            <a:schemeClr val="lt1"/>
-          </a:fontRef>
-        </p:style>
-        <p:txBody>
-          <a:bodyPr rtlCol="0" anchor="ctr"/>
-          <a:lstStyle/>
-          <a:p>
-            <a:pPr algn="ctr"/>
-            <a:endParaRPr lang="es-ES"/>
-          </a:p>
-        </p:txBody>
-      </p:sp>
-      <p:sp>
-        <p:nvSpPr>
-          <p:cNvPr id="4" name="Rectángulo: esquinas redondeadas 3">
-            <a:extLst>
-              <a:ext uri="{FF2B5EF4-FFF2-40B4-BE49-F238E27FC236}">
-                <a16:creationId xmlns:a16="http://schemas.microsoft.com/office/drawing/2014/main" id="{0EF04D99-B7F8-3573-2F18-E88215F913F3}"/>
-              </a:ext>
-            </a:extLst>
-          </p:cNvPr>
-          <p:cNvSpPr/>
-          <p:nvPr/>
-        </p:nvSpPr>
-        <p:spPr>
-          <a:xfrm>
-            <a:off x="505958" y="1104371"/>
-            <a:ext cx="5508000" cy="5324706"/>
-          </a:xfrm>
-          <a:prstGeom prst="roundRect">
-            <a:avLst>
-              <a:gd name="adj" fmla="val 7845"/>
-            </a:avLst>
-          </a:prstGeom>
-          <a:solidFill>
-            <a:schemeClr val="bg1"/>
-          </a:solidFill>
-          <a:ln>
-            <a:noFill/>
-          </a:ln>
-        </p:spPr>
-        <p:style>
-          <a:lnRef idx="2">
-            <a:schemeClr val="accent1">
-              <a:shade val="50000"/>
-            </a:schemeClr>
-          </a:lnRef>
-          <a:fillRef idx="1">
-            <a:schemeClr val="accent1"/>
-          </a:fillRef>
-          <a:effectRef idx="0">
-            <a:schemeClr val="accent1"/>
-          </a:effectRef>
-          <a:fontRef idx="minor">
-            <a:schemeClr val="lt1"/>
-          </a:fontRef>
-        </p:style>
-        <p:txBody>
-          <a:bodyPr rtlCol="0" anchor="ctr"/>
-          <a:lstStyle/>
-          <a:p>
-            <a:pPr algn="ctr"/>
-            <a:endParaRPr lang="es-ES"/>
-          </a:p>
-        </p:txBody>
-      </p:sp>
-      <p:sp>
-        <p:nvSpPr>
-          <p:cNvPr id="5" name="QuadreDeText 3">
-            <a:extLst>
-              <a:ext uri="{FF2B5EF4-FFF2-40B4-BE49-F238E27FC236}">
-                <a16:creationId xmlns:a16="http://schemas.microsoft.com/office/drawing/2014/main" id="{8D4C57D9-90FA-1254-9EC5-207A0AEE2D7F}"/>
-              </a:ext>
-            </a:extLst>
-          </p:cNvPr>
-          <p:cNvSpPr txBox="1"/>
-          <p:nvPr/>
-        </p:nvSpPr>
-        <p:spPr>
-          <a:xfrm>
-            <a:off x="505958" y="250347"/>
-            <a:ext cx="11230211" cy="677108"/>
-          </a:xfrm>
-          <a:prstGeom prst="rect">
-            <a:avLst/>
-          </a:prstGeom>
-          <a:noFill/>
-        </p:spPr>
-        <p:txBody>
-          <a:bodyPr wrap="square">
-            <a:spAutoFit/>
-          </a:bodyPr>
-          <a:lstStyle/>
-          <a:p>
-            <a:r>
-              <a:rPr lang="es-ES" sz="2400" b="1" dirty="0">
-                <a:solidFill>
-                  <a:schemeClr val="accent3">
-                    <a:lumMod val="50000"/>
-                  </a:schemeClr>
-                </a:solidFill>
-                <a:effectLst/>
-                <a:latin typeface="+mj-lt"/>
-              </a:rPr>
-              <a:t>PROPUESTAS DE XXXX</a:t>
-            </a:r>
-          </a:p>
-          <a:p>
-            <a:r>
-              <a:rPr lang="es-ES" sz="1400" b="1" dirty="0"/>
-              <a:t>¿XXXXXXXXXX?</a:t>
-            </a:r>
-          </a:p>
-        </p:txBody>
-      </p:sp>
-      <p:sp>
-        <p:nvSpPr>
-          <p:cNvPr id="12" name="QuadreDeText 4">
-            <a:extLst>
-              <a:ext uri="{FF2B5EF4-FFF2-40B4-BE49-F238E27FC236}">
-                <a16:creationId xmlns:a16="http://schemas.microsoft.com/office/drawing/2014/main" id="{F8DAB84A-1803-6DAD-0E57-B92FF80BE70E}"/>
-              </a:ext>
-            </a:extLst>
-          </p:cNvPr>
-          <p:cNvSpPr txBox="1"/>
-          <p:nvPr/>
-        </p:nvSpPr>
-        <p:spPr>
-          <a:xfrm>
-            <a:off x="642280" y="1237507"/>
-            <a:ext cx="5041470" cy="646331"/>
-          </a:xfrm>
-          <a:prstGeom prst="rect">
-            <a:avLst/>
-          </a:prstGeom>
-          <a:noFill/>
-        </p:spPr>
-        <p:txBody>
-          <a:bodyPr wrap="square" rtlCol="0">
-            <a:spAutoFit/>
-          </a:bodyPr>
-          <a:lstStyle/>
-          <a:p>
-            <a:r>
-              <a:rPr lang="es-ES" altLang="es-ES" sz="1200" dirty="0"/>
-              <a:t>Los clientes con </a:t>
-            </a:r>
-            <a:r>
-              <a:rPr lang="es-ES" altLang="es-ES" sz="1200" b="1" dirty="0"/>
-              <a:t>préstamos</a:t>
-            </a:r>
-            <a:r>
-              <a:rPr lang="es-ES" altLang="es-ES" sz="1200" dirty="0"/>
-              <a:t>:</a:t>
-            </a:r>
-          </a:p>
-          <a:p>
-            <a:r>
-              <a:rPr lang="es-ES" altLang="es-ES" sz="1200" dirty="0"/>
-              <a:t>Tienden a tener mucho menor saldo</a:t>
-            </a:r>
-          </a:p>
-          <a:p>
-            <a:r>
-              <a:rPr lang="es-ES" altLang="es-ES" sz="1200" dirty="0"/>
-              <a:t>Tienden a tener mucho más riesgo de incumplimiento</a:t>
-            </a:r>
-          </a:p>
-        </p:txBody>
-      </p:sp>
-      <p:sp>
-        <p:nvSpPr>
-          <p:cNvPr id="20" name="CuadroTexto 19">
-            <a:extLst>
-              <a:ext uri="{FF2B5EF4-FFF2-40B4-BE49-F238E27FC236}">
-                <a16:creationId xmlns:a16="http://schemas.microsoft.com/office/drawing/2014/main" id="{896210D7-3C0F-3AC0-DC70-37297C05C01C}"/>
-              </a:ext>
-            </a:extLst>
-          </p:cNvPr>
-          <p:cNvSpPr txBox="1"/>
-          <p:nvPr/>
-        </p:nvSpPr>
-        <p:spPr>
-          <a:xfrm>
-            <a:off x="1967779" y="2159980"/>
-            <a:ext cx="3874361" cy="1455718"/>
-          </a:xfrm>
-          <a:prstGeom prst="roundRect">
-            <a:avLst/>
-          </a:prstGeom>
-          <a:noFill/>
-          <a:ln w="19050">
-            <a:solidFill>
-              <a:srgbClr val="FF8181"/>
-            </a:solidFill>
-            <a:prstDash val="sysDash"/>
-          </a:ln>
-        </p:spPr>
-        <p:txBody>
-          <a:bodyPr wrap="square">
-            <a:spAutoFit/>
-          </a:bodyPr>
-          <a:lstStyle/>
-          <a:p>
-            <a:pPr marL="171450" indent="-171450" algn="just">
-              <a:spcBef>
-                <a:spcPts val="300"/>
-              </a:spcBef>
-              <a:buFont typeface="Arial" panose="020B0604020202020204" pitchFamily="34" charset="0"/>
-              <a:buChar char="•"/>
-            </a:pPr>
-            <a:r>
-              <a:rPr lang="es-ES" sz="1200" dirty="0"/>
-              <a:t>Se piden más préstamos por necesidad que para artículos de lujo o para emprender</a:t>
-            </a:r>
-          </a:p>
-          <a:p>
-            <a:pPr marL="171450" indent="-171450" algn="just">
-              <a:spcBef>
-                <a:spcPts val="300"/>
-              </a:spcBef>
-              <a:buFont typeface="Arial" panose="020B0604020202020204" pitchFamily="34" charset="0"/>
-              <a:buChar char="•"/>
-            </a:pPr>
-            <a:endParaRPr lang="es-ES" sz="1200" dirty="0"/>
-          </a:p>
-          <a:p>
-            <a:pPr marL="171450" indent="-171450" algn="just">
-              <a:spcBef>
-                <a:spcPts val="300"/>
-              </a:spcBef>
-              <a:buFont typeface="Arial" panose="020B0604020202020204" pitchFamily="34" charset="0"/>
-              <a:buChar char="•"/>
-            </a:pPr>
-            <a:r>
-              <a:rPr lang="es-ES" sz="1200" dirty="0"/>
-              <a:t>Su flujo de efectivo es más frágil, al no tener mayor saldo  pueden incumplir con facilidad.</a:t>
-            </a:r>
-          </a:p>
-          <a:p>
-            <a:pPr marL="171450" indent="-171450" algn="just">
-              <a:spcBef>
-                <a:spcPts val="300"/>
-              </a:spcBef>
-              <a:buFont typeface="Arial" panose="020B0604020202020204" pitchFamily="34" charset="0"/>
-              <a:buChar char="•"/>
-            </a:pPr>
-            <a:endParaRPr lang="es-ES" sz="1200" dirty="0"/>
-          </a:p>
-        </p:txBody>
-      </p:sp>
-      <p:sp>
-        <p:nvSpPr>
-          <p:cNvPr id="30" name="CuadroTexto 29">
-            <a:extLst>
-              <a:ext uri="{FF2B5EF4-FFF2-40B4-BE49-F238E27FC236}">
-                <a16:creationId xmlns:a16="http://schemas.microsoft.com/office/drawing/2014/main" id="{6B0A3DF6-5B8C-C82E-4007-09D066866A92}"/>
-              </a:ext>
-            </a:extLst>
-          </p:cNvPr>
-          <p:cNvSpPr txBox="1"/>
-          <p:nvPr/>
-        </p:nvSpPr>
-        <p:spPr>
-          <a:xfrm>
-            <a:off x="1939561" y="4529914"/>
-            <a:ext cx="3874360" cy="1660029"/>
-          </a:xfrm>
-          <a:prstGeom prst="roundRect">
-            <a:avLst/>
-          </a:prstGeom>
-          <a:noFill/>
-          <a:ln w="19050">
-            <a:solidFill>
-              <a:srgbClr val="92D050"/>
-            </a:solidFill>
-            <a:prstDash val="sysDash"/>
-          </a:ln>
-        </p:spPr>
-        <p:txBody>
-          <a:bodyPr wrap="square">
-            <a:spAutoFit/>
-          </a:bodyPr>
-          <a:lstStyle/>
-          <a:p>
-            <a:pPr marL="171450" indent="-171450" algn="just">
-              <a:spcBef>
-                <a:spcPts val="300"/>
-              </a:spcBef>
-              <a:buFont typeface="Arial" panose="020B0604020202020204" pitchFamily="34" charset="0"/>
-              <a:buChar char="•"/>
-            </a:pPr>
-            <a:r>
-              <a:rPr lang="es-ES" sz="1200" dirty="0"/>
-              <a:t>Incentivar los préstamos para coches, </a:t>
-            </a:r>
-            <a:r>
-              <a:rPr lang="es-ES" sz="1200" dirty="0" err="1"/>
-              <a:t>etc</a:t>
-            </a:r>
-            <a:r>
-              <a:rPr lang="es-ES" sz="1200" dirty="0"/>
-              <a:t> entre los que tienen mayor saldo con intereses menores</a:t>
-            </a:r>
-          </a:p>
-          <a:p>
-            <a:pPr marL="171450" indent="-171450" algn="just">
-              <a:spcBef>
-                <a:spcPts val="300"/>
-              </a:spcBef>
-              <a:buFont typeface="Arial" panose="020B0604020202020204" pitchFamily="34" charset="0"/>
-              <a:buChar char="•"/>
-            </a:pPr>
-            <a:endParaRPr lang="es-ES" sz="1200" dirty="0"/>
-          </a:p>
-          <a:p>
-            <a:pPr marL="171450" indent="-171450" algn="just">
-              <a:spcBef>
-                <a:spcPts val="300"/>
-              </a:spcBef>
-              <a:buFont typeface="Arial" panose="020B0604020202020204" pitchFamily="34" charset="0"/>
-              <a:buChar char="•"/>
-            </a:pPr>
-            <a:r>
-              <a:rPr lang="es-ES" sz="1200" dirty="0"/>
-              <a:t>Revisar las condiciones de acceso a los préstamos:  Revisar el histórico de saldo del cliente y darle más o menos préstamo en función de eso.</a:t>
-            </a:r>
-          </a:p>
-          <a:p>
-            <a:pPr marL="171450" indent="-171450" algn="just">
-              <a:spcBef>
-                <a:spcPts val="300"/>
-              </a:spcBef>
-              <a:buFont typeface="Arial" panose="020B0604020202020204" pitchFamily="34" charset="0"/>
-              <a:buChar char="•"/>
-            </a:pPr>
-            <a:endParaRPr lang="es-ES" sz="1200" dirty="0"/>
-          </a:p>
-        </p:txBody>
-      </p:sp>
-      <p:sp>
-        <p:nvSpPr>
-          <p:cNvPr id="31" name="Rectángulo: esquinas redondeadas 30">
-            <a:extLst>
-              <a:ext uri="{FF2B5EF4-FFF2-40B4-BE49-F238E27FC236}">
-                <a16:creationId xmlns:a16="http://schemas.microsoft.com/office/drawing/2014/main" id="{2A86DF7C-2112-699E-12B5-9B66B3CC713C}"/>
-              </a:ext>
-            </a:extLst>
-          </p:cNvPr>
-          <p:cNvSpPr/>
-          <p:nvPr/>
-        </p:nvSpPr>
-        <p:spPr>
-          <a:xfrm>
-            <a:off x="6228170" y="1104371"/>
-            <a:ext cx="5508000" cy="5324706"/>
-          </a:xfrm>
-          <a:prstGeom prst="roundRect">
-            <a:avLst>
-              <a:gd name="adj" fmla="val 7845"/>
-            </a:avLst>
-          </a:prstGeom>
-          <a:solidFill>
-            <a:schemeClr val="bg1"/>
-          </a:solidFill>
-          <a:ln>
-            <a:noFill/>
-          </a:ln>
-        </p:spPr>
-        <p:style>
-          <a:lnRef idx="2">
-            <a:schemeClr val="accent1">
-              <a:shade val="50000"/>
-            </a:schemeClr>
-          </a:lnRef>
-          <a:fillRef idx="1">
-            <a:schemeClr val="accent1"/>
-          </a:fillRef>
-          <a:effectRef idx="0">
-            <a:schemeClr val="accent1"/>
-          </a:effectRef>
-          <a:fontRef idx="minor">
-            <a:schemeClr val="lt1"/>
-          </a:fontRef>
-        </p:style>
-        <p:txBody>
-          <a:bodyPr rtlCol="0" anchor="ctr"/>
-          <a:lstStyle/>
-          <a:p>
-            <a:pPr algn="ctr"/>
-            <a:endParaRPr lang="es-ES"/>
-          </a:p>
-        </p:txBody>
-      </p:sp>
-      <p:sp>
-        <p:nvSpPr>
-          <p:cNvPr id="34" name="QuadreDeText 4">
-            <a:extLst>
-              <a:ext uri="{FF2B5EF4-FFF2-40B4-BE49-F238E27FC236}">
-                <a16:creationId xmlns:a16="http://schemas.microsoft.com/office/drawing/2014/main" id="{9874C9EE-0936-735C-C6CA-805DA41B69D7}"/>
-              </a:ext>
-            </a:extLst>
-          </p:cNvPr>
-          <p:cNvSpPr txBox="1"/>
-          <p:nvPr/>
-        </p:nvSpPr>
-        <p:spPr>
-          <a:xfrm>
-            <a:off x="6539829" y="1237507"/>
-            <a:ext cx="5041470" cy="1015663"/>
-          </a:xfrm>
-          <a:prstGeom prst="rect">
-            <a:avLst/>
-          </a:prstGeom>
-          <a:noFill/>
-        </p:spPr>
-        <p:txBody>
-          <a:bodyPr wrap="square" rtlCol="0">
-            <a:spAutoFit/>
-          </a:bodyPr>
-          <a:lstStyle/>
-          <a:p>
-            <a:r>
-              <a:rPr lang="es-ES" altLang="es-ES" sz="1200" dirty="0"/>
-              <a:t>Los clientes con </a:t>
-            </a:r>
-            <a:r>
-              <a:rPr lang="es-ES" altLang="es-ES" sz="1200" b="1" dirty="0"/>
-              <a:t>hipotecas</a:t>
-            </a:r>
-            <a:r>
-              <a:rPr lang="es-ES" altLang="es-ES" sz="1200" dirty="0"/>
-              <a:t>: </a:t>
-            </a:r>
-          </a:p>
-          <a:p>
-            <a:r>
-              <a:rPr lang="es-ES" altLang="es-ES" sz="1200" dirty="0"/>
-              <a:t>Tienden a tener un saldo un poco menor</a:t>
-            </a:r>
-          </a:p>
-          <a:p>
-            <a:r>
-              <a:rPr lang="es-ES" altLang="es-ES" sz="1200" dirty="0"/>
-              <a:t>Tienden a tener un poco más de riesgo en los que no tienen préstamo</a:t>
-            </a:r>
-          </a:p>
-          <a:p>
-            <a:r>
-              <a:rPr lang="es-ES" altLang="es-ES" sz="1200" dirty="0"/>
-              <a:t>Tienden a tener menor riesgo en los que tienen también préstamo</a:t>
-            </a:r>
-          </a:p>
-          <a:p>
-            <a:endParaRPr lang="es-ES" sz="1200" dirty="0"/>
-          </a:p>
-        </p:txBody>
-      </p:sp>
-      <p:sp>
-        <p:nvSpPr>
-          <p:cNvPr id="36" name="CuadroTexto 35">
-            <a:extLst>
-              <a:ext uri="{FF2B5EF4-FFF2-40B4-BE49-F238E27FC236}">
-                <a16:creationId xmlns:a16="http://schemas.microsoft.com/office/drawing/2014/main" id="{33B35FA5-2039-2EB9-8968-020B51A4D1FB}"/>
-              </a:ext>
-            </a:extLst>
-          </p:cNvPr>
-          <p:cNvSpPr txBox="1"/>
-          <p:nvPr/>
-        </p:nvSpPr>
-        <p:spPr>
-          <a:xfrm>
-            <a:off x="7779443" y="2159980"/>
-            <a:ext cx="3873600" cy="2145268"/>
-          </a:xfrm>
-          <a:prstGeom prst="roundRect">
-            <a:avLst/>
-          </a:prstGeom>
-          <a:noFill/>
-          <a:ln w="19050">
-            <a:solidFill>
-              <a:srgbClr val="FF8181"/>
-            </a:solidFill>
-            <a:prstDash val="sysDash"/>
-          </a:ln>
-        </p:spPr>
-        <p:txBody>
-          <a:bodyPr wrap="square">
-            <a:spAutoFit/>
-          </a:bodyPr>
-          <a:lstStyle>
-            <a:defPPr rtl="0">
-              <a:defRPr lang="es-es"/>
-            </a:defPPr>
-            <a:lvl1pPr algn="just">
-              <a:spcBef>
-                <a:spcPts val="300"/>
-              </a:spcBef>
-              <a:defRPr sz="1200" b="1"/>
-            </a:lvl1pPr>
-          </a:lstStyle>
-          <a:p>
-            <a:pPr marL="171450" indent="-171450">
-              <a:spcBef>
-                <a:spcPts val="0"/>
-              </a:spcBef>
-              <a:buFont typeface="Arial" panose="020B0604020202020204" pitchFamily="34" charset="0"/>
-              <a:buChar char="•"/>
-            </a:pPr>
-            <a:r>
-              <a:rPr lang="es-ES" b="0" dirty="0"/>
-              <a:t>Los clientes con hipotecas destinan gran parte de sus ingresos a estas y por ello su saldo es menor y tienen mayor peligro de incumplimiento</a:t>
-            </a:r>
-          </a:p>
-          <a:p>
-            <a:pPr marL="171450" indent="-171450">
-              <a:spcBef>
-                <a:spcPts val="0"/>
-              </a:spcBef>
-              <a:buFont typeface="Arial" panose="020B0604020202020204" pitchFamily="34" charset="0"/>
-              <a:buChar char="•"/>
-            </a:pPr>
-            <a:endParaRPr lang="es-ES" b="0" dirty="0"/>
-          </a:p>
-          <a:p>
-            <a:pPr marL="171450" indent="-171450">
-              <a:spcBef>
-                <a:spcPts val="0"/>
-              </a:spcBef>
-              <a:buFont typeface="Arial" panose="020B0604020202020204" pitchFamily="34" charset="0"/>
-              <a:buChar char="•"/>
-            </a:pPr>
-            <a:endParaRPr lang="es-ES" b="0" dirty="0"/>
-          </a:p>
-          <a:p>
-            <a:pPr marL="171450" indent="-171450">
-              <a:spcBef>
-                <a:spcPts val="0"/>
-              </a:spcBef>
-              <a:buFont typeface="Arial" panose="020B0604020202020204" pitchFamily="34" charset="0"/>
-              <a:buChar char="•"/>
-            </a:pPr>
-            <a:r>
-              <a:rPr lang="es-ES" b="0" dirty="0"/>
-              <a:t>Los que también tienen préstamo puede que lo hayan pedido para reformar la casa y eso sea una señal de que tienen más ingresos</a:t>
-            </a:r>
-          </a:p>
-          <a:p>
-            <a:pPr marL="171450" indent="-171450">
-              <a:spcBef>
-                <a:spcPts val="0"/>
-              </a:spcBef>
-              <a:buFont typeface="Arial" panose="020B0604020202020204" pitchFamily="34" charset="0"/>
-              <a:buChar char="•"/>
-            </a:pPr>
-            <a:endParaRPr lang="es-ES" b="0" dirty="0"/>
-          </a:p>
-          <a:p>
-            <a:pPr marL="171450" indent="-171450">
-              <a:spcBef>
-                <a:spcPts val="0"/>
-              </a:spcBef>
-              <a:buFont typeface="Arial" panose="020B0604020202020204" pitchFamily="34" charset="0"/>
-              <a:buChar char="•"/>
-            </a:pPr>
-            <a:endParaRPr lang="es-ES" b="0" dirty="0"/>
-          </a:p>
-        </p:txBody>
-      </p:sp>
-      <p:sp>
-        <p:nvSpPr>
-          <p:cNvPr id="38" name="CuadroTexto 37">
-            <a:extLst>
-              <a:ext uri="{FF2B5EF4-FFF2-40B4-BE49-F238E27FC236}">
-                <a16:creationId xmlns:a16="http://schemas.microsoft.com/office/drawing/2014/main" id="{51C5112F-8DED-1D76-83A1-4C093E8C564D}"/>
-              </a:ext>
-            </a:extLst>
-          </p:cNvPr>
-          <p:cNvSpPr txBox="1"/>
-          <p:nvPr/>
-        </p:nvSpPr>
-        <p:spPr>
-          <a:xfrm>
-            <a:off x="7688970" y="4453401"/>
-            <a:ext cx="3873600" cy="1532334"/>
-          </a:xfrm>
-          <a:prstGeom prst="roundRect">
-            <a:avLst/>
-          </a:prstGeom>
-          <a:noFill/>
-          <a:ln w="19050">
-            <a:solidFill>
-              <a:srgbClr val="92D050"/>
-            </a:solidFill>
-            <a:prstDash val="sysDash"/>
-          </a:ln>
-        </p:spPr>
-        <p:txBody>
-          <a:bodyPr wrap="square">
-            <a:spAutoFit/>
-          </a:bodyPr>
-          <a:lstStyle>
-            <a:defPPr rtl="0">
-              <a:defRPr lang="es-es"/>
-            </a:defPPr>
-            <a:lvl1pPr algn="just">
-              <a:spcBef>
-                <a:spcPts val="300"/>
-              </a:spcBef>
-              <a:defRPr sz="1200" b="1"/>
-            </a:lvl1pPr>
-          </a:lstStyle>
-          <a:p>
-            <a:pPr marL="171450" indent="-171450">
-              <a:spcBef>
-                <a:spcPts val="0"/>
-              </a:spcBef>
-              <a:buFont typeface="Arial" panose="020B0604020202020204" pitchFamily="34" charset="0"/>
-              <a:buChar char="•"/>
-            </a:pPr>
-            <a:r>
-              <a:rPr lang="es-ES" b="0" dirty="0"/>
-              <a:t>Ajustar las condiciones de las hipotecas a los ingresos reales de los clientes</a:t>
-            </a:r>
-          </a:p>
-          <a:p>
-            <a:pPr marL="171450" indent="-171450">
-              <a:spcBef>
-                <a:spcPts val="0"/>
-              </a:spcBef>
-              <a:buFont typeface="Arial" panose="020B0604020202020204" pitchFamily="34" charset="0"/>
-              <a:buChar char="•"/>
-            </a:pPr>
-            <a:endParaRPr lang="es-ES" b="0" dirty="0"/>
-          </a:p>
-          <a:p>
-            <a:pPr marL="171450" indent="-171450">
-              <a:spcBef>
-                <a:spcPts val="0"/>
-              </a:spcBef>
-              <a:buFont typeface="Arial" panose="020B0604020202020204" pitchFamily="34" charset="0"/>
-              <a:buChar char="•"/>
-            </a:pPr>
-            <a:r>
-              <a:rPr lang="es-ES" b="0" dirty="0"/>
-              <a:t>Poder suavizar las condiciones puntualmente en caso de necesidad para que no caigan en impago: Congelar el pago de intereses y así bajar las cuotas por un determinado tiempo o alargar el periodo de pago.</a:t>
-            </a:r>
-          </a:p>
-        </p:txBody>
-      </p:sp>
-      <p:sp>
-        <p:nvSpPr>
-          <p:cNvPr id="41" name="Elipse 40">
-            <a:extLst>
-              <a:ext uri="{FF2B5EF4-FFF2-40B4-BE49-F238E27FC236}">
-                <a16:creationId xmlns:a16="http://schemas.microsoft.com/office/drawing/2014/main" id="{EBE1CA10-386B-7E6C-C1AF-CBC1915E84EE}"/>
-              </a:ext>
-            </a:extLst>
-          </p:cNvPr>
-          <p:cNvSpPr/>
-          <p:nvPr/>
-        </p:nvSpPr>
-        <p:spPr>
-          <a:xfrm>
-            <a:off x="6391631" y="2646748"/>
-            <a:ext cx="1173600" cy="1171731"/>
-          </a:xfrm>
-          <a:prstGeom prst="ellipse">
-            <a:avLst/>
-          </a:prstGeom>
-          <a:solidFill>
-            <a:srgbClr val="FFB7B7"/>
-          </a:solidFill>
-          <a:ln>
-            <a:solidFill>
-              <a:srgbClr val="FF8181"/>
-            </a:solidFill>
-          </a:ln>
-        </p:spPr>
-        <p:style>
-          <a:lnRef idx="2">
-            <a:schemeClr val="accent1">
-              <a:shade val="50000"/>
-            </a:schemeClr>
-          </a:lnRef>
-          <a:fillRef idx="1">
-            <a:schemeClr val="accent1"/>
-          </a:fillRef>
-          <a:effectRef idx="0">
-            <a:schemeClr val="accent1"/>
-          </a:effectRef>
-          <a:fontRef idx="minor">
-            <a:schemeClr val="lt1"/>
-          </a:fontRef>
-        </p:style>
-        <p:txBody>
-          <a:bodyPr rtlCol="0" anchor="ctr"/>
-          <a:lstStyle/>
-          <a:p>
-            <a:pPr algn="ctr"/>
-            <a:r>
-              <a:rPr lang="es-ES" sz="1400" dirty="0">
-                <a:solidFill>
-                  <a:schemeClr val="tx1"/>
-                </a:solidFill>
-              </a:rPr>
-              <a:t>Posibles </a:t>
-            </a:r>
-            <a:r>
-              <a:rPr lang="es-ES" sz="1400" b="1" dirty="0">
-                <a:solidFill>
-                  <a:schemeClr val="tx1"/>
-                </a:solidFill>
-              </a:rPr>
-              <a:t>CAUSAS</a:t>
-            </a:r>
-          </a:p>
-        </p:txBody>
-      </p:sp>
-      <p:sp>
-        <p:nvSpPr>
-          <p:cNvPr id="42" name="Elipse 41">
-            <a:extLst>
-              <a:ext uri="{FF2B5EF4-FFF2-40B4-BE49-F238E27FC236}">
-                <a16:creationId xmlns:a16="http://schemas.microsoft.com/office/drawing/2014/main" id="{807290C0-F38E-C165-76F9-7D9A5C71E072}"/>
-              </a:ext>
-            </a:extLst>
-          </p:cNvPr>
-          <p:cNvSpPr/>
-          <p:nvPr/>
-        </p:nvSpPr>
-        <p:spPr>
-          <a:xfrm>
-            <a:off x="6371770" y="4735858"/>
-            <a:ext cx="1173600" cy="1171731"/>
-          </a:xfrm>
-          <a:prstGeom prst="ellipse">
-            <a:avLst/>
-          </a:prstGeom>
-          <a:solidFill>
-            <a:srgbClr val="D2ECB6"/>
-          </a:solidFill>
-          <a:ln>
-            <a:solidFill>
-              <a:srgbClr val="92D050"/>
-            </a:solidFill>
-          </a:ln>
-        </p:spPr>
-        <p:style>
-          <a:lnRef idx="2">
-            <a:schemeClr val="accent1">
-              <a:shade val="50000"/>
-            </a:schemeClr>
-          </a:lnRef>
-          <a:fillRef idx="1">
-            <a:schemeClr val="accent1"/>
-          </a:fillRef>
-          <a:effectRef idx="0">
-            <a:schemeClr val="accent1"/>
-          </a:effectRef>
-          <a:fontRef idx="minor">
-            <a:schemeClr val="lt1"/>
-          </a:fontRef>
-        </p:style>
-        <p:txBody>
-          <a:bodyPr rtlCol="0" anchor="ctr"/>
-          <a:lstStyle/>
-          <a:p>
-            <a:pPr algn="ctr"/>
-            <a:r>
-              <a:rPr lang="es-ES" sz="1400" b="1" dirty="0">
-                <a:solidFill>
-                  <a:schemeClr val="tx1"/>
-                </a:solidFill>
-              </a:rPr>
-              <a:t>RECO-MENDA-CIONES</a:t>
-            </a:r>
-          </a:p>
-        </p:txBody>
-      </p:sp>
-      <p:sp>
-        <p:nvSpPr>
-          <p:cNvPr id="43" name="Elipse 42">
-            <a:extLst>
-              <a:ext uri="{FF2B5EF4-FFF2-40B4-BE49-F238E27FC236}">
-                <a16:creationId xmlns:a16="http://schemas.microsoft.com/office/drawing/2014/main" id="{CEE29C46-E71A-57CD-0B9E-5BD8FA295929}"/>
-              </a:ext>
-            </a:extLst>
-          </p:cNvPr>
-          <p:cNvSpPr/>
-          <p:nvPr/>
-        </p:nvSpPr>
-        <p:spPr>
-          <a:xfrm>
-            <a:off x="622361" y="4735856"/>
-            <a:ext cx="1173600" cy="1171731"/>
-          </a:xfrm>
-          <a:prstGeom prst="ellipse">
-            <a:avLst/>
-          </a:prstGeom>
-          <a:solidFill>
-            <a:srgbClr val="D2ECB6"/>
-          </a:solidFill>
-          <a:ln>
-            <a:solidFill>
-              <a:srgbClr val="92D050"/>
-            </a:solidFill>
-          </a:ln>
-        </p:spPr>
-        <p:style>
-          <a:lnRef idx="2">
-            <a:schemeClr val="accent1">
-              <a:shade val="50000"/>
-            </a:schemeClr>
-          </a:lnRef>
-          <a:fillRef idx="1">
-            <a:schemeClr val="accent1"/>
-          </a:fillRef>
-          <a:effectRef idx="0">
-            <a:schemeClr val="accent1"/>
-          </a:effectRef>
-          <a:fontRef idx="minor">
-            <a:schemeClr val="lt1"/>
-          </a:fontRef>
-        </p:style>
-        <p:txBody>
-          <a:bodyPr rtlCol="0" anchor="ctr"/>
-          <a:lstStyle/>
-          <a:p>
-            <a:pPr algn="ctr"/>
-            <a:r>
-              <a:rPr lang="es-ES" sz="1400" b="1" dirty="0">
-                <a:solidFill>
-                  <a:schemeClr val="tx1"/>
-                </a:solidFill>
-              </a:rPr>
-              <a:t>RECO-MENDA-CIONES</a:t>
-            </a:r>
-          </a:p>
-        </p:txBody>
-      </p:sp>
-      <p:sp>
-        <p:nvSpPr>
-          <p:cNvPr id="44" name="Elipse 43">
-            <a:extLst>
-              <a:ext uri="{FF2B5EF4-FFF2-40B4-BE49-F238E27FC236}">
-                <a16:creationId xmlns:a16="http://schemas.microsoft.com/office/drawing/2014/main" id="{ECC5AFA2-2A78-BE0F-028B-542C5F713CFD}"/>
-              </a:ext>
-            </a:extLst>
-          </p:cNvPr>
-          <p:cNvSpPr/>
-          <p:nvPr/>
-        </p:nvSpPr>
-        <p:spPr>
-          <a:xfrm>
-            <a:off x="642280" y="2607742"/>
-            <a:ext cx="1173600" cy="1171731"/>
-          </a:xfrm>
-          <a:prstGeom prst="ellipse">
-            <a:avLst/>
-          </a:prstGeom>
-          <a:solidFill>
-            <a:srgbClr val="FFB7B7"/>
-          </a:solidFill>
-          <a:ln>
-            <a:solidFill>
-              <a:srgbClr val="FF8181"/>
-            </a:solidFill>
-          </a:ln>
-        </p:spPr>
-        <p:style>
-          <a:lnRef idx="2">
-            <a:schemeClr val="accent1">
-              <a:shade val="50000"/>
-            </a:schemeClr>
-          </a:lnRef>
-          <a:fillRef idx="1">
-            <a:schemeClr val="accent1"/>
-          </a:fillRef>
-          <a:effectRef idx="0">
-            <a:schemeClr val="accent1"/>
-          </a:effectRef>
-          <a:fontRef idx="minor">
-            <a:schemeClr val="lt1"/>
-          </a:fontRef>
-        </p:style>
-        <p:txBody>
-          <a:bodyPr rtlCol="0" anchor="ctr"/>
-          <a:lstStyle/>
-          <a:p>
-            <a:pPr algn="ctr"/>
-            <a:r>
-              <a:rPr lang="es-ES" sz="1400" dirty="0">
-                <a:solidFill>
-                  <a:schemeClr val="tx1"/>
-                </a:solidFill>
-              </a:rPr>
-              <a:t>Posibles </a:t>
-            </a:r>
-            <a:r>
-              <a:rPr lang="es-ES" sz="1400" b="1" dirty="0">
-                <a:solidFill>
-                  <a:schemeClr val="tx1"/>
-                </a:solidFill>
-              </a:rPr>
-              <a:t>CAUSAS</a:t>
-            </a:r>
-          </a:p>
-        </p:txBody>
-      </p:sp>
-    </p:spTree>
-    <p:extLst>
-      <p:ext uri="{BB962C8B-B14F-4D97-AF65-F5344CB8AC3E}">
-        <p14:creationId xmlns:p14="http://schemas.microsoft.com/office/powerpoint/2010/main" val="1135837949"/>
       </p:ext>
     </p:extLst>
   </p:cSld>
@@ -15440,15 +16165,6 @@
 </file>
 
 <file path=customXml/item1.xml><?xml version="1.0" encoding="utf-8"?>
-<?mso-contentType ?>
-<FormTemplates xmlns="http://schemas.microsoft.com/sharepoint/v3/contenttype/forms">
-  <Display>DocumentLibraryForm</Display>
-  <Edit>DocumentLibraryForm</Edit>
-  <New>DocumentLibraryForm</New>
-</FormTemplates>
-</file>
-
-<file path=customXml/item2.xml><?xml version="1.0" encoding="utf-8"?>
 <ct:contentTypeSchema xmlns:ct="http://schemas.microsoft.com/office/2006/metadata/contentType" xmlns:ma="http://schemas.microsoft.com/office/2006/metadata/properties/metaAttributes" ct:_="" ma:_="" ma:contentTypeName="Document" ma:contentTypeID="0x01010079F111ED35F8CC479449609E8A0923A6" ma:contentTypeVersion="12" ma:contentTypeDescription="Create a new document." ma:contentTypeScope="" ma:versionID="426e97fa315356fffbdcd9876fe988c2">
   <xsd:schema xmlns:xsd="http://www.w3.org/2001/XMLSchema" xmlns:xs="http://www.w3.org/2001/XMLSchema" xmlns:p="http://schemas.microsoft.com/office/2006/metadata/properties" xmlns:ns2="71af3243-3dd4-4a8d-8c0d-dd76da1f02a5" xmlns:ns3="16c05727-aa75-4e4a-9b5f-8a80a1165891" targetNamespace="http://schemas.microsoft.com/office/2006/metadata/properties" ma:root="true" ma:fieldsID="14b8f0def80e6d70ce3def20c90759ae" ns2:_="" ns3:_="">
     <xsd:import namespace="71af3243-3dd4-4a8d-8c0d-dd76da1f02a5"/>
@@ -15669,6 +16385,15 @@
 </ct:contentTypeSchema>
 </file>
 
+<file path=customXml/item2.xml><?xml version="1.0" encoding="utf-8"?>
+<?mso-contentType ?>
+<FormTemplates xmlns="http://schemas.microsoft.com/sharepoint/v3/contenttype/forms">
+  <Display>DocumentLibraryForm</Display>
+  <Edit>DocumentLibraryForm</Edit>
+  <New>DocumentLibraryForm</New>
+</FormTemplates>
+</file>
+
 <file path=customXml/item3.xml><?xml version="1.0" encoding="utf-8"?>
 <p:properties xmlns:p="http://schemas.microsoft.com/office/2006/metadata/properties" xmlns:xsi="http://www.w3.org/2001/XMLSchema-instance" xmlns:pc="http://schemas.microsoft.com/office/infopath/2007/PartnerControls">
   <documentManagement>
@@ -15679,14 +16404,6 @@
 </file>
 
 <file path=customXml/itemProps1.xml><?xml version="1.0" encoding="utf-8"?>
-<ds:datastoreItem xmlns:ds="http://schemas.openxmlformats.org/officeDocument/2006/customXml" ds:itemID="{05D99ABA-76CE-4A8E-B5F0-C051B96628DE}">
-  <ds:schemaRefs>
-    <ds:schemaRef ds:uri="http://schemas.microsoft.com/sharepoint/v3/contenttype/forms"/>
-  </ds:schemaRefs>
-</ds:datastoreItem>
-</file>
-
-<file path=customXml/itemProps2.xml><?xml version="1.0" encoding="utf-8"?>
 <ds:datastoreItem xmlns:ds="http://schemas.openxmlformats.org/officeDocument/2006/customXml" ds:itemID="{B19EB750-A6DA-4BE8-B87B-FC499FE73360}">
   <ds:schemaRefs>
     <ds:schemaRef ds:uri="http://schemas.microsoft.com/office/2006/metadata/contentType"/>
@@ -15705,6 +16422,14 @@
 </ds:datastoreItem>
 </file>
 
+<file path=customXml/itemProps2.xml><?xml version="1.0" encoding="utf-8"?>
+<ds:datastoreItem xmlns:ds="http://schemas.openxmlformats.org/officeDocument/2006/customXml" ds:itemID="{05D99ABA-76CE-4A8E-B5F0-C051B96628DE}">
+  <ds:schemaRefs>
+    <ds:schemaRef ds:uri="http://schemas.microsoft.com/sharepoint/v3/contenttype/forms"/>
+  </ds:schemaRefs>
+</ds:datastoreItem>
+</file>
+
 <file path=customXml/itemProps3.xml><?xml version="1.0" encoding="utf-8"?>
 <ds:datastoreItem xmlns:ds="http://schemas.openxmlformats.org/officeDocument/2006/customXml" ds:itemID="{4DEA9014-ED64-4558-B1E1-D03F0EE32BEB}">
   <ds:schemaRefs>

--- a/Equip_B/results/S2_Presentacion_Finanzas.pptx
+++ b/Equip_B/results/S2_Presentacion_Finanzas.pptx
@@ -253,7 +253,7 @@
             <a:pPr rtl="0"/>
             <a:fld id="{75725A15-8D86-497D-8EAD-2EB1176C54F6}" type="datetime1">
               <a:rPr lang="es-ES" smtClean="0"/>
-              <a:t>17/10/2024</a:t>
+              <a:t>18/10/2024</a:t>
             </a:fld>
             <a:endParaRPr lang="es-ES"/>
           </a:p>
@@ -333,7 +333,7 @@
             <a:pPr rtl="0"/>
             <a:fld id="{682C0B10-7CAE-41E4-AB02-7E8B1FF2B898}" type="slidenum">
               <a:rPr lang="es-ES" smtClean="0"/>
-              <a:t>‹#›</a:t>
+              <a:t>‹Nº›</a:t>
             </a:fld>
             <a:endParaRPr lang="es-ES"/>
           </a:p>
@@ -435,7 +435,7 @@
             <a:fld id="{B958D509-07EE-4A09-900B-403023880868}" type="datetime1">
               <a:rPr lang="es-ES" smtClean="0"/>
               <a:pPr/>
-              <a:t>17/10/2024</a:t>
+              <a:t>18/10/2024</a:t>
             </a:fld>
             <a:endParaRPr lang="es-ES" dirty="0"/>
           </a:p>
@@ -596,7 +596,7 @@
             <a:pPr rtl="0"/>
             <a:fld id="{8530193B-564F-4854-8A52-728F3FB19C85}" type="slidenum">
               <a:rPr lang="es-ES" noProof="0" smtClean="0"/>
-              <a:t>‹#›</a:t>
+              <a:t>‹Nº›</a:t>
             </a:fld>
             <a:endParaRPr lang="es-ES" noProof="0"/>
           </a:p>
@@ -8494,7 +8494,7 @@
                   <a:schemeClr val="accent2"/>
                 </a:solidFill>
               </a:rPr>
-              <a:t>17/10/2024</a:t>
+              <a:t>18/10/2024</a:t>
             </a:fld>
             <a:endParaRPr lang="es-ES" sz="1100" noProof="0" dirty="0">
               <a:solidFill>
@@ -8766,7 +8766,7 @@
                 </a:solidFill>
               </a:rPr>
               <a:pPr algn="r" rtl="0"/>
-              <a:t>‹#›</a:t>
+              <a:t>‹Nº›</a:t>
             </a:fld>
             <a:endParaRPr lang="es-ES" sz="1100" noProof="0">
               <a:solidFill>
@@ -9768,13 +9768,21 @@
           </a:p>
           <a:p>
             <a:r>
-              <a:rPr lang="es-ES" altLang="es-ES" sz="1200" dirty="0"/>
+              <a:rPr lang="es-ES" altLang="es-ES" sz="1200" i="1" dirty="0">
+                <a:solidFill>
+                  <a:srgbClr val="FF0000"/>
+                </a:solidFill>
+              </a:rPr>
               <a:t>Tienden a tener mucho menor saldo</a:t>
             </a:r>
           </a:p>
           <a:p>
             <a:r>
-              <a:rPr lang="es-ES" altLang="es-ES" sz="1200" dirty="0"/>
+              <a:rPr lang="es-ES" altLang="es-ES" sz="1200" i="1" dirty="0">
+                <a:solidFill>
+                  <a:srgbClr val="FF0000"/>
+                </a:solidFill>
+              </a:rPr>
               <a:t>Tienden a tener mucho más riesgo de incumplimiento</a:t>
             </a:r>
           </a:p>
@@ -9794,8 +9802,8 @@
         </p:nvSpPr>
         <p:spPr>
           <a:xfrm>
-            <a:off x="1967779" y="2159980"/>
-            <a:ext cx="3874361" cy="1455718"/>
+            <a:off x="1977738" y="2283417"/>
+            <a:ext cx="3874361" cy="1208842"/>
           </a:xfrm>
           <a:prstGeom prst="roundRect">
             <a:avLst/>
@@ -9823,7 +9831,7 @@
             </a:pPr>
             <a:r>
               <a:rPr lang="es-ES" sz="1200" dirty="0"/>
-              <a:t>Se piden más préstamos por necesidad que para artículos de lujo o para emprender</a:t>
+              <a:t>Se piden más préstamos por necesidad que para artículos de lujo o para emprender.</a:t>
             </a:r>
           </a:p>
           <a:p>
@@ -9846,7 +9854,55 @@
             </a:pPr>
             <a:r>
               <a:rPr lang="es-ES" sz="1200" dirty="0"/>
-              <a:t>Su flujo de efectivo es más frágil, al no tener mayor saldo  pueden incumplir con facilidad.</a:t>
+              <a:t>Su flujo de efectivo es más frágil; al no tener mayor saldo, pueden incumplir con facilidad.</a:t>
+            </a:r>
+          </a:p>
+        </p:txBody>
+      </p:sp>
+      <p:sp>
+        <p:nvSpPr>
+          <p:cNvPr id="30" name="CuadroTexto 29">
+            <a:extLst>
+              <a:ext uri="{FF2B5EF4-FFF2-40B4-BE49-F238E27FC236}">
+                <a16:creationId xmlns:a16="http://schemas.microsoft.com/office/drawing/2014/main" id="{6B0A3DF6-5B8C-C82E-4007-09D066866A92}"/>
+              </a:ext>
+            </a:extLst>
+          </p:cNvPr>
+          <p:cNvSpPr txBox="1"/>
+          <p:nvPr/>
+        </p:nvSpPr>
+        <p:spPr>
+          <a:xfrm>
+            <a:off x="1939561" y="4615144"/>
+            <a:ext cx="3874360" cy="1413153"/>
+          </a:xfrm>
+          <a:prstGeom prst="roundRect">
+            <a:avLst/>
+          </a:prstGeom>
+          <a:noFill/>
+          <a:ln w="19050">
+            <a:solidFill>
+              <a:srgbClr val="92D050"/>
+            </a:solidFill>
+            <a:prstDash val="sysDash"/>
+          </a:ln>
+        </p:spPr>
+        <p:txBody>
+          <a:bodyPr wrap="square">
+            <a:spAutoFit/>
+          </a:bodyPr>
+          <a:lstStyle/>
+          <a:p>
+            <a:pPr marL="171450" indent="-171450" algn="just">
+              <a:spcBef>
+                <a:spcPts val="300"/>
+              </a:spcBef>
+              <a:buFont typeface="Arial" panose="020B0604020202020204" pitchFamily="34" charset="0"/>
+              <a:buChar char="•"/>
+            </a:pPr>
+            <a:r>
+              <a:rPr lang="es-ES" sz="1200" dirty="0"/>
+              <a:t>Incentivar los préstamos para coches, etc. entre los que tienen mayor saldo con intereses menores.</a:t>
             </a:r>
           </a:p>
           <a:p>
@@ -9859,41 +9915,6 @@
             </a:pPr>
             <a:endParaRPr lang="es-ES" sz="1200" dirty="0"/>
           </a:p>
-        </p:txBody>
-      </p:sp>
-      <p:sp>
-        <p:nvSpPr>
-          <p:cNvPr id="30" name="CuadroTexto 29">
-            <a:extLst>
-              <a:ext uri="{FF2B5EF4-FFF2-40B4-BE49-F238E27FC236}">
-                <a16:creationId xmlns:a16="http://schemas.microsoft.com/office/drawing/2014/main" id="{6B0A3DF6-5B8C-C82E-4007-09D066866A92}"/>
-              </a:ext>
-            </a:extLst>
-          </p:cNvPr>
-          <p:cNvSpPr txBox="1"/>
-          <p:nvPr/>
-        </p:nvSpPr>
-        <p:spPr>
-          <a:xfrm>
-            <a:off x="1939561" y="4529914"/>
-            <a:ext cx="3874360" cy="1660029"/>
-          </a:xfrm>
-          <a:prstGeom prst="roundRect">
-            <a:avLst/>
-          </a:prstGeom>
-          <a:noFill/>
-          <a:ln w="19050">
-            <a:solidFill>
-              <a:srgbClr val="92D050"/>
-            </a:solidFill>
-            <a:prstDash val="sysDash"/>
-          </a:ln>
-        </p:spPr>
-        <p:txBody>
-          <a:bodyPr wrap="square">
-            <a:spAutoFit/>
-          </a:bodyPr>
-          <a:lstStyle/>
           <a:p>
             <a:pPr marL="171450" indent="-171450" algn="just">
               <a:spcBef>
@@ -9904,49 +9925,8 @@
             </a:pPr>
             <a:r>
               <a:rPr lang="es-ES" sz="1200" dirty="0"/>
-              <a:t>Incentivar los préstamos para coches, </a:t>
-            </a:r>
-            <a:r>
-              <a:rPr lang="es-ES" sz="1200" dirty="0" err="1"/>
-              <a:t>etc</a:t>
-            </a:r>
-            <a:r>
-              <a:rPr lang="es-ES" sz="1200" dirty="0"/>
-              <a:t> entre los que tienen mayor saldo con intereses menores</a:t>
-            </a:r>
-          </a:p>
-          <a:p>
-            <a:pPr marL="171450" indent="-171450" algn="just">
-              <a:spcBef>
-                <a:spcPts val="300"/>
-              </a:spcBef>
-              <a:buFont typeface="Arial" panose="020B0604020202020204" pitchFamily="34" charset="0"/>
-              <a:buChar char="•"/>
-            </a:pPr>
-            <a:endParaRPr lang="es-ES" sz="1200" dirty="0"/>
-          </a:p>
-          <a:p>
-            <a:pPr marL="171450" indent="-171450" algn="just">
-              <a:spcBef>
-                <a:spcPts val="300"/>
-              </a:spcBef>
-              <a:buFont typeface="Arial" panose="020B0604020202020204" pitchFamily="34" charset="0"/>
-              <a:buChar char="•"/>
-            </a:pPr>
-            <a:r>
-              <a:rPr lang="es-ES" sz="1200" dirty="0"/>
               <a:t>Revisar las condiciones de acceso a los préstamos:  Revisar el histórico de saldo del cliente y darle más o menos préstamo en función de eso.</a:t>
             </a:r>
-          </a:p>
-          <a:p>
-            <a:pPr marL="171450" indent="-171450" algn="just">
-              <a:spcBef>
-                <a:spcPts val="300"/>
-              </a:spcBef>
-              <a:buFont typeface="Arial" panose="020B0604020202020204" pitchFamily="34" charset="0"/>
-              <a:buChar char="•"/>
-            </a:pPr>
-            <a:endParaRPr lang="es-ES" sz="1200" dirty="0"/>
           </a:p>
         </p:txBody>
       </p:sp>
@@ -10047,19 +10027,31 @@
           </a:p>
           <a:p>
             <a:r>
-              <a:rPr lang="es-ES" altLang="es-ES" sz="1200" dirty="0"/>
+              <a:rPr lang="es-ES" altLang="es-ES" sz="1200" i="1" dirty="0">
+                <a:solidFill>
+                  <a:srgbClr val="FF0000"/>
+                </a:solidFill>
+              </a:rPr>
               <a:t>Tienden a tener un saldo un poco menor</a:t>
             </a:r>
           </a:p>
           <a:p>
             <a:r>
-              <a:rPr lang="es-ES" altLang="es-ES" sz="1200" dirty="0"/>
+              <a:rPr lang="es-ES" altLang="es-ES" sz="1200" i="1" dirty="0">
+                <a:solidFill>
+                  <a:srgbClr val="FF0000"/>
+                </a:solidFill>
+              </a:rPr>
               <a:t>Tienden a tener un poco más de riesgo en los que no tienen préstamo</a:t>
             </a:r>
           </a:p>
           <a:p>
             <a:r>
-              <a:rPr lang="es-ES" altLang="es-ES" sz="1200" dirty="0"/>
+              <a:rPr lang="es-ES" altLang="es-ES" sz="1200" i="1" dirty="0">
+                <a:solidFill>
+                  <a:srgbClr val="FF0000"/>
+                </a:solidFill>
+              </a:rPr>
               <a:t>Tienden a tener menor riesgo en los que tienen también préstamo</a:t>
             </a:r>
           </a:p>
@@ -10082,8 +10074,8 @@
         </p:nvSpPr>
         <p:spPr>
           <a:xfrm>
-            <a:off x="7779443" y="2159980"/>
-            <a:ext cx="3873600" cy="2145268"/>
+            <a:off x="7696039" y="2364290"/>
+            <a:ext cx="3873600" cy="1736646"/>
           </a:xfrm>
           <a:prstGeom prst="roundRect">
             <a:avLst/>
@@ -10121,7 +10113,7 @@
             </a:pPr>
             <a:r>
               <a:rPr lang="es-ES" b="0" dirty="0"/>
-              <a:t>Los clientes con hipotecas destinan gran parte de sus ingresos a estas y por ello su saldo es menor y tienen mayor peligro de incumplimiento</a:t>
+              <a:t>Los clientes con hipotecas destinan gran parte de sus ingresos a éstas y, por ello, su saldo es menor y tienen mayor peligro de incumplimiento.</a:t>
             </a:r>
           </a:p>
           <a:p>
@@ -10154,28 +10146,8 @@
             </a:pPr>
             <a:r>
               <a:rPr lang="es-ES" b="0" dirty="0"/>
-              <a:t>Los que también tienen préstamo puede que lo hayan pedido para reformar la casa y eso sea una señal de que tienen más ingresos</a:t>
-            </a:r>
-          </a:p>
-          <a:p>
-            <a:pPr marL="171450" indent="-171450">
-              <a:spcBef>
-                <a:spcPts val="0"/>
-              </a:spcBef>
-              <a:buFont typeface="Arial" panose="020B0604020202020204" pitchFamily="34" charset="0"/>
-              <a:buChar char="•"/>
-            </a:pPr>
-            <a:endParaRPr lang="es-ES" b="0" dirty="0"/>
-          </a:p>
-          <a:p>
-            <a:pPr marL="171450" indent="-171450">
-              <a:spcBef>
-                <a:spcPts val="0"/>
-              </a:spcBef>
-              <a:buFont typeface="Arial" panose="020B0604020202020204" pitchFamily="34" charset="0"/>
-              <a:buChar char="•"/>
-            </a:pPr>
-            <a:endParaRPr lang="es-ES" b="0" dirty="0"/>
+              <a:t>Los que también tienen préstamo puede que lo hayan pedido para reformar la casa y eso sea una señal de que tienen más ingresos.</a:t>
+            </a:r>
           </a:p>
         </p:txBody>
       </p:sp>
@@ -10193,7 +10165,7 @@
         </p:nvSpPr>
         <p:spPr>
           <a:xfrm>
-            <a:off x="7688970" y="4453401"/>
+            <a:off x="7696039" y="4555553"/>
             <a:ext cx="3873600" cy="1532334"/>
           </a:xfrm>
           <a:prstGeom prst="roundRect">
@@ -10232,7 +10204,7 @@
             </a:pPr>
             <a:r>
               <a:rPr lang="es-ES" b="0" dirty="0"/>
-              <a:t>Ajustar las condiciones de las hipotecas a los ingresos reales de los clientes</a:t>
+              <a:t>Ajustar las condiciones de las hipotecas a los ingresos reales de los clientes.</a:t>
             </a:r>
           </a:p>
           <a:p>
@@ -11200,7 +11172,7 @@
           <a:p>
             <a:r>
               <a:rPr lang="es-ES" altLang="es-ES" dirty="0"/>
-              <a:t>Los clientes con préstamos e hipotecas tienden a tener un ¿saldo medio más bajo o más riesgo de incumplimiento? </a:t>
+              <a:t>¿Los clientes con préstamos e hipotecas tienden a tener un saldo medio más bajo o más riesgo de incumplimiento? </a:t>
             </a:r>
           </a:p>
           <a:p>
@@ -11445,95 +11417,6 @@
           <a:noFill/>
         </p:spPr>
       </p:pic>
-      <p:sp>
-        <p:nvSpPr>
-          <p:cNvPr id="7" name="Rectangle 4">
-            <a:extLst>
-              <a:ext uri="{FF2B5EF4-FFF2-40B4-BE49-F238E27FC236}">
-                <a16:creationId xmlns:a16="http://schemas.microsoft.com/office/drawing/2014/main" id="{985F4877-9E0C-E090-B705-69DF4829BCC0}"/>
-              </a:ext>
-            </a:extLst>
-          </p:cNvPr>
-          <p:cNvSpPr>
-            <a:spLocks noChangeArrowheads="1"/>
-          </p:cNvSpPr>
-          <p:nvPr/>
-        </p:nvSpPr>
-        <p:spPr bwMode="auto">
-          <a:xfrm>
-            <a:off x="0" y="109330"/>
-            <a:ext cx="65" cy="238539"/>
-          </a:xfrm>
-          <a:prstGeom prst="rect">
-            <a:avLst/>
-          </a:prstGeom>
-          <a:solidFill>
-            <a:srgbClr val="303134"/>
-          </a:solidFill>
-          <a:ln>
-            <a:noFill/>
-          </a:ln>
-          <a:effectLst/>
-          <a:extLst>
-            <a:ext uri="{91240B29-F687-4F45-9708-019B960494DF}">
-              <a14:hiddenLine xmlns:a14="http://schemas.microsoft.com/office/drawing/2010/main" w="9525">
-                <a:solidFill>
-                  <a:schemeClr val="tx1"/>
-                </a:solidFill>
-                <a:miter lim="800000"/>
-                <a:headEnd/>
-                <a:tailEnd/>
-              </a14:hiddenLine>
-            </a:ext>
-            <a:ext uri="{AF507438-7753-43E0-B8FC-AC1667EBCBE1}">
-              <a14:hiddenEffects xmlns:a14="http://schemas.microsoft.com/office/drawing/2010/main">
-                <a:effectLst>
-                  <a:outerShdw dist="35921" dir="2700000" algn="ctr" rotWithShape="0">
-                    <a:schemeClr val="bg2"/>
-                  </a:outerShdw>
-                </a:effectLst>
-              </a14:hiddenEffects>
-            </a:ext>
-          </a:extLst>
-        </p:spPr>
-        <p:txBody>
-          <a:bodyPr vert="horz" wrap="none" lIns="0" tIns="-19044" rIns="0" bIns="-19044" numCol="1" anchor="ctr" anchorCtr="0" compatLnSpc="1">
-            <a:prstTxWarp prst="textNoShape">
-              <a:avLst/>
-            </a:prstTxWarp>
-            <a:spAutoFit/>
-          </a:bodyPr>
-          <a:lstStyle/>
-          <a:p>
-            <a:pPr marL="0" marR="0" lvl="0" indent="0" algn="l" defTabSz="914400" rtl="0" eaLnBrk="0" fontAlgn="base" latinLnBrk="0" hangingPunct="0">
-              <a:lnSpc>
-                <a:spcPct val="100000"/>
-              </a:lnSpc>
-              <a:spcBef>
-                <a:spcPct val="0"/>
-              </a:spcBef>
-              <a:spcAft>
-                <a:spcPct val="0"/>
-              </a:spcAft>
-              <a:buClrTx/>
-              <a:buSzTx/>
-              <a:buFontTx/>
-              <a:buNone/>
-              <a:tabLst/>
-            </a:pPr>
-            <a:endParaRPr kumimoji="0" lang="es-ES" altLang="es-ES" sz="1800" b="0" i="0" u="none" strike="noStrike" cap="none" normalizeH="0" baseline="0" dirty="0">
-              <a:ln>
-                <a:noFill/>
-              </a:ln>
-              <a:solidFill>
-                <a:schemeClr val="tx1"/>
-              </a:solidFill>
-              <a:effectLst/>
-              <a:latin typeface="Arial" panose="020B0604020202020204" pitchFamily="34" charset="0"/>
-            </a:endParaRPr>
-          </a:p>
-        </p:txBody>
-      </p:sp>
     </p:spTree>
     <p:extLst>
       <p:ext uri="{BB962C8B-B14F-4D97-AF65-F5344CB8AC3E}">
@@ -11566,10 +11449,10 @@
       </p:grpSpPr>
       <p:sp>
         <p:nvSpPr>
-          <p:cNvPr id="42" name="Rectangle: cantonades arrodonides 41">
-            <a:extLst>
-              <a:ext uri="{FF2B5EF4-FFF2-40B4-BE49-F238E27FC236}">
-                <a16:creationId xmlns:a16="http://schemas.microsoft.com/office/drawing/2014/main" id="{1EE36EEB-42C5-EA25-7888-14FF0663B3A0}"/>
+          <p:cNvPr id="3" name="Rectangle: cantonades arrodonides 40">
+            <a:extLst>
+              <a:ext uri="{FF2B5EF4-FFF2-40B4-BE49-F238E27FC236}">
+                <a16:creationId xmlns:a16="http://schemas.microsoft.com/office/drawing/2014/main" id="{235A4C7E-E694-5590-5D1B-1D6599E4D8E4}"/>
               </a:ext>
             </a:extLst>
           </p:cNvPr>
@@ -11578,8 +11461,8 @@
         </p:nvSpPr>
         <p:spPr>
           <a:xfrm>
-            <a:off x="5958112" y="4143017"/>
-            <a:ext cx="4557486" cy="2548069"/>
+            <a:off x="4964249" y="1100615"/>
+            <a:ext cx="6771920" cy="2807358"/>
           </a:xfrm>
           <a:prstGeom prst="roundRect">
             <a:avLst/>
@@ -11618,10 +11501,10 @@
       </p:sp>
       <p:sp>
         <p:nvSpPr>
-          <p:cNvPr id="41" name="Rectangle: cantonades arrodonides 40">
-            <a:extLst>
-              <a:ext uri="{FF2B5EF4-FFF2-40B4-BE49-F238E27FC236}">
-                <a16:creationId xmlns:a16="http://schemas.microsoft.com/office/drawing/2014/main" id="{E2A445D9-7651-2151-B535-ED30DD1CB4D5}"/>
+          <p:cNvPr id="2" name="Rectángulo 1">
+            <a:extLst>
+              <a:ext uri="{FF2B5EF4-FFF2-40B4-BE49-F238E27FC236}">
+                <a16:creationId xmlns:a16="http://schemas.microsoft.com/office/drawing/2014/main" id="{54B13196-BB04-8449-0B65-1E92E6A6F4DB}"/>
               </a:ext>
             </a:extLst>
           </p:cNvPr>
@@ -11630,14 +11513,16 @@
         </p:nvSpPr>
         <p:spPr>
           <a:xfrm>
-            <a:off x="199764" y="4121496"/>
-            <a:ext cx="5227481" cy="2637473"/>
-          </a:xfrm>
-          <a:prstGeom prst="roundRect">
+            <a:off x="0" y="6400800"/>
+            <a:ext cx="2557670" cy="457200"/>
+          </a:xfrm>
+          <a:prstGeom prst="rect">
             <a:avLst/>
           </a:prstGeom>
           <a:solidFill>
-            <a:schemeClr val="bg1"/>
+            <a:schemeClr val="bg1">
+              <a:lumMod val="95000"/>
+            </a:schemeClr>
           </a:solidFill>
           <a:ln>
             <a:noFill/>
@@ -11664,16 +11549,16 @@
           <a:lstStyle/>
           <a:p>
             <a:pPr algn="ctr"/>
-            <a:endParaRPr lang="ca-ES"/>
-          </a:p>
-        </p:txBody>
-      </p:sp>
-      <p:sp>
-        <p:nvSpPr>
-          <p:cNvPr id="40" name="Rectangle: cantonades arrodonides 39">
-            <a:extLst>
-              <a:ext uri="{FF2B5EF4-FFF2-40B4-BE49-F238E27FC236}">
-                <a16:creationId xmlns:a16="http://schemas.microsoft.com/office/drawing/2014/main" id="{1FC58542-1498-8858-9E1F-C81C7BA387FC}"/>
+            <a:endParaRPr lang="es-ES"/>
+          </a:p>
+        </p:txBody>
+      </p:sp>
+      <p:sp>
+        <p:nvSpPr>
+          <p:cNvPr id="42" name="Rectangle: cantonades arrodonides 41">
+            <a:extLst>
+              <a:ext uri="{FF2B5EF4-FFF2-40B4-BE49-F238E27FC236}">
+                <a16:creationId xmlns:a16="http://schemas.microsoft.com/office/drawing/2014/main" id="{1EE36EEB-42C5-EA25-7888-14FF0663B3A0}"/>
               </a:ext>
             </a:extLst>
           </p:cNvPr>
@@ -11682,8 +11567,8 @@
         </p:nvSpPr>
         <p:spPr>
           <a:xfrm>
-            <a:off x="159637" y="1100614"/>
-            <a:ext cx="4557486" cy="2778270"/>
+            <a:off x="6096000" y="4143017"/>
+            <a:ext cx="5640168" cy="2548069"/>
           </a:xfrm>
           <a:prstGeom prst="roundRect">
             <a:avLst/>
@@ -11722,6 +11607,110 @@
       </p:sp>
       <p:sp>
         <p:nvSpPr>
+          <p:cNvPr id="41" name="Rectangle: cantonades arrodonides 40">
+            <a:extLst>
+              <a:ext uri="{FF2B5EF4-FFF2-40B4-BE49-F238E27FC236}">
+                <a16:creationId xmlns:a16="http://schemas.microsoft.com/office/drawing/2014/main" id="{E2A445D9-7651-2151-B535-ED30DD1CB4D5}"/>
+              </a:ext>
+            </a:extLst>
+          </p:cNvPr>
+          <p:cNvSpPr/>
+          <p:nvPr/>
+        </p:nvSpPr>
+        <p:spPr>
+          <a:xfrm>
+            <a:off x="199764" y="4121496"/>
+            <a:ext cx="5561939" cy="2637473"/>
+          </a:xfrm>
+          <a:prstGeom prst="roundRect">
+            <a:avLst/>
+          </a:prstGeom>
+          <a:solidFill>
+            <a:schemeClr val="bg1"/>
+          </a:solidFill>
+          <a:ln>
+            <a:noFill/>
+          </a:ln>
+        </p:spPr>
+        <p:style>
+          <a:lnRef idx="2">
+            <a:schemeClr val="accent1">
+              <a:shade val="50000"/>
+            </a:schemeClr>
+          </a:lnRef>
+          <a:fillRef idx="1">
+            <a:schemeClr val="accent1"/>
+          </a:fillRef>
+          <a:effectRef idx="0">
+            <a:schemeClr val="accent1"/>
+          </a:effectRef>
+          <a:fontRef idx="minor">
+            <a:schemeClr val="lt1"/>
+          </a:fontRef>
+        </p:style>
+        <p:txBody>
+          <a:bodyPr rtlCol="0" anchor="ctr"/>
+          <a:lstStyle/>
+          <a:p>
+            <a:pPr algn="ctr"/>
+            <a:endParaRPr lang="ca-ES"/>
+          </a:p>
+        </p:txBody>
+      </p:sp>
+      <p:sp>
+        <p:nvSpPr>
+          <p:cNvPr id="40" name="Rectangle: cantonades arrodonides 39">
+            <a:extLst>
+              <a:ext uri="{FF2B5EF4-FFF2-40B4-BE49-F238E27FC236}">
+                <a16:creationId xmlns:a16="http://schemas.microsoft.com/office/drawing/2014/main" id="{1FC58542-1498-8858-9E1F-C81C7BA387FC}"/>
+              </a:ext>
+            </a:extLst>
+          </p:cNvPr>
+          <p:cNvSpPr/>
+          <p:nvPr/>
+        </p:nvSpPr>
+        <p:spPr>
+          <a:xfrm>
+            <a:off x="159637" y="1100614"/>
+            <a:ext cx="4557486" cy="2778270"/>
+          </a:xfrm>
+          <a:prstGeom prst="roundRect">
+            <a:avLst/>
+          </a:prstGeom>
+          <a:solidFill>
+            <a:schemeClr val="bg1"/>
+          </a:solidFill>
+          <a:ln>
+            <a:noFill/>
+          </a:ln>
+        </p:spPr>
+        <p:style>
+          <a:lnRef idx="2">
+            <a:schemeClr val="accent1">
+              <a:shade val="50000"/>
+            </a:schemeClr>
+          </a:lnRef>
+          <a:fillRef idx="1">
+            <a:schemeClr val="accent1"/>
+          </a:fillRef>
+          <a:effectRef idx="0">
+            <a:schemeClr val="accent1"/>
+          </a:effectRef>
+          <a:fontRef idx="minor">
+            <a:schemeClr val="lt1"/>
+          </a:fontRef>
+        </p:style>
+        <p:txBody>
+          <a:bodyPr rtlCol="0" anchor="ctr"/>
+          <a:lstStyle/>
+          <a:p>
+            <a:pPr algn="ctr"/>
+            <a:endParaRPr lang="ca-ES"/>
+          </a:p>
+        </p:txBody>
+      </p:sp>
+      <p:sp>
+        <p:nvSpPr>
           <p:cNvPr id="9" name="QuadreDeText 3">
             <a:extLst>
               <a:ext uri="{FF2B5EF4-FFF2-40B4-BE49-F238E27FC236}">
@@ -11824,8 +11813,8 @@
         </p:nvSpPr>
         <p:spPr>
           <a:xfrm>
-            <a:off x="2778760" y="1586064"/>
-            <a:ext cx="1583689" cy="1637080"/>
+            <a:off x="2729130" y="1422195"/>
+            <a:ext cx="1874335" cy="1208842"/>
           </a:xfrm>
           <a:prstGeom prst="roundRect">
             <a:avLst/>
@@ -11880,7 +11869,7 @@
             </a:r>
             <a:r>
               <a:rPr lang="es-ES" sz="1300" b="1" dirty="0"/>
-              <a:t>morosidad.</a:t>
+              <a:t>morosidad</a:t>
             </a:r>
             <a:endParaRPr lang="es-ES" sz="1300" dirty="0"/>
           </a:p>
@@ -11900,8 +11889,8 @@
         </p:nvSpPr>
         <p:spPr>
           <a:xfrm>
-            <a:off x="8585050" y="4653236"/>
-            <a:ext cx="1521187" cy="1637080"/>
+            <a:off x="9576618" y="4701961"/>
+            <a:ext cx="1920561" cy="1430179"/>
           </a:xfrm>
           <a:prstGeom prst="roundRect">
             <a:avLst/>
@@ -11952,7 +11941,7 @@
             </a:r>
             <a:r>
               <a:rPr lang="es-ES" sz="1300" dirty="0"/>
-              <a:t>de clientes tienen contratada una </a:t>
+              <a:t>de los clientes tienen contratada una </a:t>
             </a:r>
             <a:r>
               <a:rPr lang="es-ES" sz="1300" b="1" dirty="0"/>
@@ -12013,7 +12002,7 @@
         </p:blipFill>
         <p:spPr>
           <a:xfrm>
-            <a:off x="319466" y="1409103"/>
+            <a:off x="336416" y="1422195"/>
             <a:ext cx="2118914" cy="2161293"/>
           </a:xfrm>
           <a:prstGeom prst="rect">
@@ -12043,7 +12032,7 @@
         </p:blipFill>
         <p:spPr>
           <a:xfrm>
-            <a:off x="6338777" y="4346539"/>
+            <a:off x="6664638" y="4355202"/>
             <a:ext cx="2063008" cy="2187389"/>
           </a:xfrm>
           <a:prstGeom prst="rect">
@@ -12065,8 +12054,8 @@
         </p:nvSpPr>
         <p:spPr>
           <a:xfrm>
-            <a:off x="3570604" y="4653236"/>
-            <a:ext cx="1583689" cy="1637080"/>
+            <a:off x="3666298" y="4844475"/>
+            <a:ext cx="1856641" cy="1208842"/>
           </a:xfrm>
           <a:prstGeom prst="roundRect">
             <a:avLst/>
@@ -12117,12 +12106,8 @@
             </a:r>
             <a:r>
               <a:rPr lang="es-ES" sz="1300" dirty="0"/>
-              <a:t> de los clientes tienen préstamo.</a:t>
-            </a:r>
-          </a:p>
-          <a:p>
-            <a:pPr algn="ctr"/>
-            <a:endParaRPr lang="es-ES" sz="1300" dirty="0"/>
+              <a:t> de los clientes tienen préstamo</a:t>
+            </a:r>
           </a:p>
         </p:txBody>
       </p:sp>
@@ -12148,11 +12133,13 @@
         </p:blipFill>
         <p:spPr>
           <a:xfrm>
-            <a:off x="5573835" y="1074427"/>
+            <a:off x="5183761" y="1100614"/>
             <a:ext cx="6298699" cy="2804457"/>
           </a:xfrm>
-          <a:prstGeom prst="rect">
-            <a:avLst/>
+          <a:prstGeom prst="roundRect">
+            <a:avLst>
+              <a:gd name="adj" fmla="val 8917"/>
+            </a:avLst>
           </a:prstGeom>
         </p:spPr>
       </p:pic>
@@ -12170,8 +12157,8 @@
         </p:nvSpPr>
         <p:spPr>
           <a:xfrm>
-            <a:off x="9495530" y="1586064"/>
-            <a:ext cx="1520761" cy="1637080"/>
+            <a:off x="9431706" y="1422195"/>
+            <a:ext cx="1862281" cy="1208842"/>
           </a:xfrm>
           <a:prstGeom prst="roundRect">
             <a:avLst/>
@@ -12208,7 +12195,7 @@
             </a:r>
             <a:r>
               <a:rPr lang="es-ES" sz="1300" dirty="0"/>
-              <a:t> con cola a la derecha.</a:t>
+              <a:t> con cola a la derecha</a:t>
             </a:r>
           </a:p>
           <a:p>
@@ -12273,6 +12260,60 @@
           <a:chExt cx="0" cy="0"/>
         </a:xfrm>
       </p:grpSpPr>
+      <p:sp>
+        <p:nvSpPr>
+          <p:cNvPr id="2" name="Rectángulo 1">
+            <a:extLst>
+              <a:ext uri="{FF2B5EF4-FFF2-40B4-BE49-F238E27FC236}">
+                <a16:creationId xmlns:a16="http://schemas.microsoft.com/office/drawing/2014/main" id="{8A5DC175-DF49-1548-D52D-E815D895A6D5}"/>
+              </a:ext>
+            </a:extLst>
+          </p:cNvPr>
+          <p:cNvSpPr/>
+          <p:nvPr/>
+        </p:nvSpPr>
+        <p:spPr>
+          <a:xfrm>
+            <a:off x="0" y="6400800"/>
+            <a:ext cx="2557670" cy="457200"/>
+          </a:xfrm>
+          <a:prstGeom prst="rect">
+            <a:avLst/>
+          </a:prstGeom>
+          <a:solidFill>
+            <a:schemeClr val="bg1">
+              <a:lumMod val="95000"/>
+            </a:schemeClr>
+          </a:solidFill>
+          <a:ln>
+            <a:noFill/>
+          </a:ln>
+        </p:spPr>
+        <p:style>
+          <a:lnRef idx="2">
+            <a:schemeClr val="accent1">
+              <a:shade val="50000"/>
+            </a:schemeClr>
+          </a:lnRef>
+          <a:fillRef idx="1">
+            <a:schemeClr val="accent1"/>
+          </a:fillRef>
+          <a:effectRef idx="0">
+            <a:schemeClr val="accent1"/>
+          </a:effectRef>
+          <a:fontRef idx="minor">
+            <a:schemeClr val="lt1"/>
+          </a:fontRef>
+        </p:style>
+        <p:txBody>
+          <a:bodyPr rtlCol="0" anchor="ctr"/>
+          <a:lstStyle/>
+          <a:p>
+            <a:pPr algn="ctr"/>
+            <a:endParaRPr lang="es-ES"/>
+          </a:p>
+        </p:txBody>
+      </p:sp>
       <p:pic>
         <p:nvPicPr>
           <p:cNvPr id="11" name="Imatge 10">
@@ -12298,8 +12339,10 @@
             <a:off x="680130" y="1078451"/>
             <a:ext cx="6127071" cy="2693966"/>
           </a:xfrm>
-          <a:prstGeom prst="rect">
-            <a:avLst/>
+          <a:prstGeom prst="roundRect">
+            <a:avLst>
+              <a:gd name="adj" fmla="val 8544"/>
+            </a:avLst>
           </a:prstGeom>
         </p:spPr>
       </p:pic>
@@ -12432,10 +12475,9 @@
           </a:p>
           <a:p>
             <a:r>
-              <a:rPr lang="es-ES" sz="1400" b="1" i="1" dirty="0"/>
+              <a:rPr lang="es-ES" sz="1400" b="1" dirty="0"/>
               <a:t>Analizamos la distribución de “Balance” segmentado por categorías de préstamo e hipoteca</a:t>
             </a:r>
-            <a:endParaRPr lang="es-ES" sz="1400" b="1" dirty="0"/>
           </a:p>
         </p:txBody>
       </p:sp>
@@ -12453,7 +12495,7 @@
         </p:nvSpPr>
         <p:spPr>
           <a:xfrm>
-            <a:off x="9190041" y="4278029"/>
+            <a:off x="9190041" y="4424333"/>
             <a:ext cx="2145616" cy="766167"/>
           </a:xfrm>
           <a:prstGeom prst="roundRect">
@@ -12507,10 +12549,10 @@
       </p:sp>
       <p:pic>
         <p:nvPicPr>
-          <p:cNvPr id="17" name="Imatge 16">
-            <a:extLst>
-              <a:ext uri="{FF2B5EF4-FFF2-40B4-BE49-F238E27FC236}">
-                <a16:creationId xmlns:a16="http://schemas.microsoft.com/office/drawing/2014/main" id="{FB53CFBC-67AE-9E1C-C73E-559BDFB603D5}"/>
+          <p:cNvPr id="3" name="Imagen 2">
+            <a:extLst>
+              <a:ext uri="{FF2B5EF4-FFF2-40B4-BE49-F238E27FC236}">
+                <a16:creationId xmlns:a16="http://schemas.microsoft.com/office/drawing/2014/main" id="{E700ADE4-66EA-75EA-17E5-52F854682610}"/>
               </a:ext>
             </a:extLst>
           </p:cNvPr>
@@ -12527,11 +12569,13 @@
         </p:blipFill>
         <p:spPr>
           <a:xfrm>
-            <a:off x="2596015" y="3913687"/>
-            <a:ext cx="6149271" cy="2693966"/>
-          </a:xfrm>
-          <a:prstGeom prst="rect">
-            <a:avLst/>
+            <a:off x="2682509" y="3923413"/>
+            <a:ext cx="6146609" cy="2692800"/>
+          </a:xfrm>
+          <a:prstGeom prst="roundRect">
+            <a:avLst>
+              <a:gd name="adj" fmla="val 7670"/>
+            </a:avLst>
           </a:prstGeom>
         </p:spPr>
       </p:pic>
@@ -12567,6 +12611,60 @@
       </p:grpSpPr>
       <p:sp>
         <p:nvSpPr>
+          <p:cNvPr id="6" name="Rectángulo 5">
+            <a:extLst>
+              <a:ext uri="{FF2B5EF4-FFF2-40B4-BE49-F238E27FC236}">
+                <a16:creationId xmlns:a16="http://schemas.microsoft.com/office/drawing/2014/main" id="{38B9AF7B-C57C-9801-9EB9-A0412495DF23}"/>
+              </a:ext>
+            </a:extLst>
+          </p:cNvPr>
+          <p:cNvSpPr/>
+          <p:nvPr/>
+        </p:nvSpPr>
+        <p:spPr>
+          <a:xfrm>
+            <a:off x="0" y="6400800"/>
+            <a:ext cx="2557670" cy="457200"/>
+          </a:xfrm>
+          <a:prstGeom prst="rect">
+            <a:avLst/>
+          </a:prstGeom>
+          <a:solidFill>
+            <a:schemeClr val="bg1">
+              <a:lumMod val="95000"/>
+            </a:schemeClr>
+          </a:solidFill>
+          <a:ln>
+            <a:noFill/>
+          </a:ln>
+        </p:spPr>
+        <p:style>
+          <a:lnRef idx="2">
+            <a:schemeClr val="accent1">
+              <a:shade val="50000"/>
+            </a:schemeClr>
+          </a:lnRef>
+          <a:fillRef idx="1">
+            <a:schemeClr val="accent1"/>
+          </a:fillRef>
+          <a:effectRef idx="0">
+            <a:schemeClr val="accent1"/>
+          </a:effectRef>
+          <a:fontRef idx="minor">
+            <a:schemeClr val="lt1"/>
+          </a:fontRef>
+        </p:style>
+        <p:txBody>
+          <a:bodyPr rtlCol="0" anchor="ctr"/>
+          <a:lstStyle/>
+          <a:p>
+            <a:pPr algn="ctr"/>
+            <a:endParaRPr lang="es-ES"/>
+          </a:p>
+        </p:txBody>
+      </p:sp>
+      <p:sp>
+        <p:nvSpPr>
           <p:cNvPr id="8" name="QuadreDeText 3">
             <a:extLst>
               <a:ext uri="{FF2B5EF4-FFF2-40B4-BE49-F238E27FC236}">
@@ -12594,7 +12692,7 @@
           <a:lstStyle/>
           <a:p>
             <a:r>
-              <a:rPr lang="es-ES" sz="2400" b="1" i="1" dirty="0">
+              <a:rPr lang="es-ES" sz="2400" b="1" dirty="0">
                 <a:solidFill>
                   <a:schemeClr val="accent3">
                     <a:lumMod val="50000"/>
@@ -12604,7 +12702,7 @@
               </a:rPr>
               <a:t>CATEGORIZACIÓN DE LAS VARIABLES</a:t>
             </a:r>
-            <a:endParaRPr lang="es-ES" sz="2400" b="1" i="1" dirty="0">
+            <a:endParaRPr lang="es-ES" sz="2400" b="1" dirty="0">
               <a:solidFill>
                 <a:schemeClr val="accent3">
                   <a:lumMod val="50000"/>
@@ -12624,10 +12722,10 @@
       </p:sp>
       <p:pic>
         <p:nvPicPr>
-          <p:cNvPr id="3" name="Imatge 2">
-            <a:extLst>
-              <a:ext uri="{FF2B5EF4-FFF2-40B4-BE49-F238E27FC236}">
-                <a16:creationId xmlns:a16="http://schemas.microsoft.com/office/drawing/2014/main" id="{FB3103D1-E2AF-3B36-C9CC-E6E3D33C9C81}"/>
+          <p:cNvPr id="4" name="Imagen 3">
+            <a:extLst>
+              <a:ext uri="{FF2B5EF4-FFF2-40B4-BE49-F238E27FC236}">
+                <a16:creationId xmlns:a16="http://schemas.microsoft.com/office/drawing/2014/main" id="{9CA62B71-F395-3312-6D5C-46A2DF79F7FD}"/>
               </a:ext>
             </a:extLst>
           </p:cNvPr>
@@ -12638,20 +12736,346 @@
         </p:nvPicPr>
         <p:blipFill>
           <a:blip r:embed="rId3"/>
-          <a:stretch>
-            <a:fillRect/>
-          </a:stretch>
+          <a:srcRect l="50000"/>
+          <a:stretch/>
         </p:blipFill>
         <p:spPr>
           <a:xfrm>
-            <a:off x="1025909" y="1399950"/>
-            <a:ext cx="9426937" cy="4058100"/>
-          </a:xfrm>
-          <a:prstGeom prst="rect">
-            <a:avLst/>
+            <a:off x="6096000" y="1621080"/>
+            <a:ext cx="5308456" cy="4086095"/>
+          </a:xfrm>
+          <a:prstGeom prst="roundRect">
+            <a:avLst>
+              <a:gd name="adj" fmla="val 18905"/>
+            </a:avLst>
           </a:prstGeom>
         </p:spPr>
       </p:pic>
+      <p:graphicFrame>
+        <p:nvGraphicFramePr>
+          <p:cNvPr id="2" name="Tabla 1">
+            <a:extLst>
+              <a:ext uri="{FF2B5EF4-FFF2-40B4-BE49-F238E27FC236}">
+                <a16:creationId xmlns:a16="http://schemas.microsoft.com/office/drawing/2014/main" id="{307E84A5-E1E6-9576-DB73-1FC26C588FA3}"/>
+              </a:ext>
+            </a:extLst>
+          </p:cNvPr>
+          <p:cNvGraphicFramePr>
+            <a:graphicFrameLocks noGrp="1"/>
+          </p:cNvGraphicFramePr>
+          <p:nvPr>
+            <p:extLst>
+              <p:ext uri="{D42A27DB-BD31-4B8C-83A1-F6EECF244321}">
+                <p14:modId xmlns:p14="http://schemas.microsoft.com/office/powerpoint/2010/main" val="1280608759"/>
+              </p:ext>
+            </p:extLst>
+          </p:nvPr>
+        </p:nvGraphicFramePr>
+        <p:xfrm>
+          <a:off x="1596302" y="1796616"/>
+          <a:ext cx="3672006" cy="2485200"/>
+        </p:xfrm>
+        <a:graphic>
+          <a:graphicData uri="http://schemas.openxmlformats.org/drawingml/2006/table">
+            <a:tbl>
+              <a:tblPr firstRow="1" bandRow="1">
+                <a:tableStyleId>{3B4B98B0-60AC-42C2-AFA5-B58CD77FA1E5}</a:tableStyleId>
+              </a:tblPr>
+              <a:tblGrid>
+                <a:gridCol w="1731098">
+                  <a:extLst>
+                    <a:ext uri="{9D8B030D-6E8A-4147-A177-3AD203B41FA5}">
+                      <a16:colId xmlns:a16="http://schemas.microsoft.com/office/drawing/2014/main" val="1156508243"/>
+                    </a:ext>
+                  </a:extLst>
+                </a:gridCol>
+                <a:gridCol w="1940908">
+                  <a:extLst>
+                    <a:ext uri="{9D8B030D-6E8A-4147-A177-3AD203B41FA5}">
+                      <a16:colId xmlns:a16="http://schemas.microsoft.com/office/drawing/2014/main" val="588162770"/>
+                    </a:ext>
+                  </a:extLst>
+                </a:gridCol>
+              </a:tblGrid>
+              <a:tr h="482960">
+                <a:tc>
+                  <a:txBody>
+                    <a:bodyPr/>
+                    <a:lstStyle/>
+                    <a:p>
+                      <a:pPr algn="ctr"/>
+                      <a:r>
+                        <a:rPr lang="es-ES" sz="1400" b="1" dirty="0">
+                          <a:solidFill>
+                            <a:schemeClr val="tx1"/>
+                          </a:solidFill>
+                        </a:rPr>
+                        <a:t>Categoría</a:t>
+                      </a:r>
+                    </a:p>
+                  </a:txBody>
+                  <a:tcPr anchor="ctr"/>
+                </a:tc>
+                <a:tc>
+                  <a:txBody>
+                    <a:bodyPr/>
+                    <a:lstStyle/>
+                    <a:p>
+                      <a:pPr algn="ctr"/>
+                      <a:r>
+                        <a:rPr lang="es-ES" sz="1400" b="1" dirty="0">
+                          <a:solidFill>
+                            <a:schemeClr val="tx1"/>
+                          </a:solidFill>
+                        </a:rPr>
+                        <a:t>Cantidad de Clientes</a:t>
+                      </a:r>
+                    </a:p>
+                  </a:txBody>
+                  <a:tcPr anchor="ctr"/>
+                </a:tc>
+                <a:extLst>
+                  <a:ext uri="{0D108BD9-81ED-4DB2-BD59-A6C34878D82A}">
+                    <a16:rowId xmlns:a16="http://schemas.microsoft.com/office/drawing/2014/main" val="3001908817"/>
+                  </a:ext>
+                </a:extLst>
+              </a:tr>
+              <a:tr h="482960">
+                <a:tc>
+                  <a:txBody>
+                    <a:bodyPr/>
+                    <a:lstStyle/>
+                    <a:p>
+                      <a:pPr algn="ctr"/>
+                      <a:r>
+                        <a:rPr lang="es-ES" sz="1400" b="0" dirty="0"/>
+                        <a:t>SIN Préstamo, </a:t>
+                      </a:r>
+                    </a:p>
+                    <a:p>
+                      <a:pPr algn="ctr"/>
+                      <a:r>
+                        <a:rPr lang="es-ES" sz="1400" b="0" dirty="0"/>
+                        <a:t>SIN Hipoteca</a:t>
+                      </a:r>
+                    </a:p>
+                  </a:txBody>
+                  <a:tcPr anchor="ctr">
+                    <a:solidFill>
+                      <a:srgbClr val="009900">
+                        <a:alpha val="20000"/>
+                      </a:srgbClr>
+                    </a:solidFill>
+                  </a:tcPr>
+                </a:tc>
+                <a:tc>
+                  <a:txBody>
+                    <a:bodyPr/>
+                    <a:lstStyle/>
+                    <a:p>
+                      <a:pPr algn="ctr"/>
+                      <a:r>
+                        <a:rPr lang="es-ES" sz="1400" b="1" dirty="0"/>
+                        <a:t>7590</a:t>
+                      </a:r>
+                    </a:p>
+                  </a:txBody>
+                  <a:tcPr anchor="ctr">
+                    <a:noFill/>
+                  </a:tcPr>
+                </a:tc>
+                <a:extLst>
+                  <a:ext uri="{0D108BD9-81ED-4DB2-BD59-A6C34878D82A}">
+                    <a16:rowId xmlns:a16="http://schemas.microsoft.com/office/drawing/2014/main" val="1515654919"/>
+                  </a:ext>
+                </a:extLst>
+              </a:tr>
+              <a:tr h="482960">
+                <a:tc>
+                  <a:txBody>
+                    <a:bodyPr/>
+                    <a:lstStyle/>
+                    <a:p>
+                      <a:pPr algn="ctr"/>
+                      <a:r>
+                        <a:rPr lang="es-ES" sz="1400" dirty="0"/>
+                        <a:t>CON Hipoteca</a:t>
+                      </a:r>
+                    </a:p>
+                  </a:txBody>
+                  <a:tcPr anchor="ctr">
+                    <a:solidFill>
+                      <a:schemeClr val="accent5">
+                        <a:lumMod val="25000"/>
+                        <a:lumOff val="75000"/>
+                      </a:schemeClr>
+                    </a:solidFill>
+                  </a:tcPr>
+                </a:tc>
+                <a:tc>
+                  <a:txBody>
+                    <a:bodyPr/>
+                    <a:lstStyle/>
+                    <a:p>
+                      <a:pPr algn="ctr"/>
+                      <a:r>
+                        <a:rPr lang="es-ES" sz="1400" b="1" dirty="0"/>
+                        <a:t>6427</a:t>
+                      </a:r>
+                    </a:p>
+                  </a:txBody>
+                  <a:tcPr anchor="ctr">
+                    <a:noFill/>
+                  </a:tcPr>
+                </a:tc>
+                <a:extLst>
+                  <a:ext uri="{0D108BD9-81ED-4DB2-BD59-A6C34878D82A}">
+                    <a16:rowId xmlns:a16="http://schemas.microsoft.com/office/drawing/2014/main" val="3320199619"/>
+                  </a:ext>
+                </a:extLst>
+              </a:tr>
+              <a:tr h="482960">
+                <a:tc>
+                  <a:txBody>
+                    <a:bodyPr/>
+                    <a:lstStyle/>
+                    <a:p>
+                      <a:pPr algn="ctr"/>
+                      <a:r>
+                        <a:rPr lang="es-ES" sz="1400" b="0" dirty="0"/>
+                        <a:t>CON Préstamo,</a:t>
+                      </a:r>
+                    </a:p>
+                    <a:p>
+                      <a:pPr algn="ctr"/>
+                      <a:r>
+                        <a:rPr lang="es-ES" sz="1400" b="0" dirty="0"/>
+                        <a:t>CON Hipoteca</a:t>
+                      </a:r>
+                    </a:p>
+                  </a:txBody>
+                  <a:tcPr anchor="ctr">
+                    <a:solidFill>
+                      <a:srgbClr val="FFB7B7"/>
+                    </a:solidFill>
+                  </a:tcPr>
+                </a:tc>
+                <a:tc>
+                  <a:txBody>
+                    <a:bodyPr/>
+                    <a:lstStyle/>
+                    <a:p>
+                      <a:pPr algn="ctr"/>
+                      <a:r>
+                        <a:rPr lang="es-ES" sz="1400" b="1" dirty="0"/>
+                        <a:t>1217</a:t>
+                      </a:r>
+                    </a:p>
+                  </a:txBody>
+                  <a:tcPr anchor="ctr">
+                    <a:noFill/>
+                  </a:tcPr>
+                </a:tc>
+                <a:extLst>
+                  <a:ext uri="{0D108BD9-81ED-4DB2-BD59-A6C34878D82A}">
+                    <a16:rowId xmlns:a16="http://schemas.microsoft.com/office/drawing/2014/main" val="3551464006"/>
+                  </a:ext>
+                </a:extLst>
+              </a:tr>
+              <a:tr h="482960">
+                <a:tc>
+                  <a:txBody>
+                    <a:bodyPr/>
+                    <a:lstStyle/>
+                    <a:p>
+                      <a:pPr algn="ctr"/>
+                      <a:r>
+                        <a:rPr lang="es-ES" sz="1400" dirty="0"/>
+                        <a:t>CON Préstamo</a:t>
+                      </a:r>
+                    </a:p>
+                  </a:txBody>
+                  <a:tcPr anchor="ctr">
+                    <a:solidFill>
+                      <a:srgbClr val="CFAFE7"/>
+                    </a:solidFill>
+                  </a:tcPr>
+                </a:tc>
+                <a:tc>
+                  <a:txBody>
+                    <a:bodyPr/>
+                    <a:lstStyle/>
+                    <a:p>
+                      <a:pPr algn="ctr"/>
+                      <a:r>
+                        <a:rPr lang="es-ES" sz="1400" b="1" dirty="0"/>
+                        <a:t>929</a:t>
+                      </a:r>
+                    </a:p>
+                  </a:txBody>
+                  <a:tcPr anchor="ctr">
+                    <a:noFill/>
+                  </a:tcPr>
+                </a:tc>
+                <a:extLst>
+                  <a:ext uri="{0D108BD9-81ED-4DB2-BD59-A6C34878D82A}">
+                    <a16:rowId xmlns:a16="http://schemas.microsoft.com/office/drawing/2014/main" val="1381154443"/>
+                  </a:ext>
+                </a:extLst>
+              </a:tr>
+            </a:tbl>
+          </a:graphicData>
+        </a:graphic>
+      </p:graphicFrame>
+      <p:sp>
+        <p:nvSpPr>
+          <p:cNvPr id="3" name="QuadreDeText 16">
+            <a:extLst>
+              <a:ext uri="{FF2B5EF4-FFF2-40B4-BE49-F238E27FC236}">
+                <a16:creationId xmlns:a16="http://schemas.microsoft.com/office/drawing/2014/main" id="{16FE336F-AFDD-12BF-59D2-CAAF5C872532}"/>
+              </a:ext>
+            </a:extLst>
+          </p:cNvPr>
+          <p:cNvSpPr txBox="1"/>
+          <p:nvPr/>
+        </p:nvSpPr>
+        <p:spPr>
+          <a:xfrm>
+            <a:off x="1712631" y="4847556"/>
+            <a:ext cx="3439348" cy="987504"/>
+          </a:xfrm>
+          <a:prstGeom prst="roundRect">
+            <a:avLst/>
+          </a:prstGeom>
+          <a:solidFill>
+            <a:schemeClr val="accent5">
+              <a:lumMod val="25000"/>
+              <a:lumOff val="75000"/>
+            </a:schemeClr>
+          </a:solidFill>
+          <a:ln>
+            <a:solidFill>
+              <a:schemeClr val="bg1"/>
+            </a:solidFill>
+          </a:ln>
+        </p:spPr>
+        <p:txBody>
+          <a:bodyPr wrap="square">
+            <a:spAutoFit/>
+          </a:bodyPr>
+          <a:lstStyle/>
+          <a:p>
+            <a:r>
+              <a:rPr lang="es-ES" sz="1300" b="1" dirty="0"/>
+              <a:t>La mayoría de los clientes no tiene deudas pendientes</a:t>
+            </a:r>
+            <a:r>
+              <a:rPr lang="es-ES" sz="1300" dirty="0"/>
+              <a:t>, mientras que el resto mantiene algún compromiso con el banco en forma de hipoteca, préstamo personal o ambos.</a:t>
+            </a:r>
+          </a:p>
+        </p:txBody>
+      </p:sp>
     </p:spTree>
     <p:extLst>
       <p:ext uri="{BB962C8B-B14F-4D97-AF65-F5344CB8AC3E}">
@@ -12690,77 +13114,6 @@
       </p:grpSpPr>
       <p:sp>
         <p:nvSpPr>
-          <p:cNvPr id="8" name="QuadreDeText 3">
-            <a:extLst>
-              <a:ext uri="{FF2B5EF4-FFF2-40B4-BE49-F238E27FC236}">
-                <a16:creationId xmlns:a16="http://schemas.microsoft.com/office/drawing/2014/main" id="{66399F4B-15E9-BE41-EAE5-3BE6E2DD57B6}"/>
-              </a:ext>
-            </a:extLst>
-          </p:cNvPr>
-          <p:cNvSpPr txBox="1"/>
-          <p:nvPr/>
-        </p:nvSpPr>
-        <p:spPr>
-          <a:xfrm>
-            <a:off x="466166" y="250347"/>
-            <a:ext cx="11270004" cy="1046440"/>
-          </a:xfrm>
-          <a:prstGeom prst="rect">
-            <a:avLst/>
-          </a:prstGeom>
-          <a:noFill/>
-        </p:spPr>
-        <p:txBody>
-          <a:bodyPr wrap="square">
-            <a:spAutoFit/>
-          </a:bodyPr>
-          <a:lstStyle/>
-          <a:p>
-            <a:r>
-              <a:rPr lang="es-ES" sz="2400" b="1" dirty="0">
-                <a:solidFill>
-                  <a:schemeClr val="accent3">
-                    <a:lumMod val="50000"/>
-                  </a:schemeClr>
-                </a:solidFill>
-                <a:effectLst/>
-                <a:latin typeface="+mj-lt"/>
-              </a:rPr>
-              <a:t>RELACIÓN ENTRE VARIABLES:  </a:t>
-            </a:r>
-          </a:p>
-          <a:p>
-            <a:r>
-              <a:rPr lang="es-ES" sz="2400" b="1" dirty="0">
-                <a:solidFill>
-                  <a:schemeClr val="accent3">
-                    <a:lumMod val="50000"/>
-                  </a:schemeClr>
-                </a:solidFill>
-                <a:effectLst/>
-                <a:latin typeface="+mj-lt"/>
-              </a:rPr>
-              <a:t>SALDO vs CATEGORIAS DE PRÉSTAMOS/HIPOTECA</a:t>
-            </a:r>
-          </a:p>
-          <a:p>
-            <a:r>
-              <a:rPr lang="es-ES" sz="1400" b="1" dirty="0"/>
-              <a:t>Tras categorizar </a:t>
-            </a:r>
-            <a:r>
-              <a:rPr lang="es-ES" sz="1400" b="1" dirty="0" err="1"/>
-              <a:t>x,x,x,x</a:t>
-            </a:r>
-            <a:r>
-              <a:rPr lang="es-ES" sz="1400" b="1" dirty="0"/>
-              <a:t> relacionamos las dos variables</a:t>
-            </a:r>
-          </a:p>
-        </p:txBody>
-      </p:sp>
-      <p:sp>
-        <p:nvSpPr>
           <p:cNvPr id="2" name="Rectángulo 1">
             <a:extLst>
               <a:ext uri="{FF2B5EF4-FFF2-40B4-BE49-F238E27FC236}">
@@ -12813,12 +13166,129 @@
           </a:p>
         </p:txBody>
       </p:sp>
+      <p:sp>
+        <p:nvSpPr>
+          <p:cNvPr id="4" name="Rectángulo: esquinas redondeadas 3">
+            <a:extLst>
+              <a:ext uri="{FF2B5EF4-FFF2-40B4-BE49-F238E27FC236}">
+                <a16:creationId xmlns:a16="http://schemas.microsoft.com/office/drawing/2014/main" id="{A5B93BA9-C903-7348-8FD3-6F21A3741BDB}"/>
+              </a:ext>
+            </a:extLst>
+          </p:cNvPr>
+          <p:cNvSpPr/>
+          <p:nvPr/>
+        </p:nvSpPr>
+        <p:spPr>
+          <a:xfrm>
+            <a:off x="505959" y="1411111"/>
+            <a:ext cx="11230210" cy="5017966"/>
+          </a:xfrm>
+          <a:prstGeom prst="roundRect">
+            <a:avLst>
+              <a:gd name="adj" fmla="val 7845"/>
+            </a:avLst>
+          </a:prstGeom>
+          <a:solidFill>
+            <a:schemeClr val="bg1"/>
+          </a:solidFill>
+          <a:ln>
+            <a:noFill/>
+          </a:ln>
+        </p:spPr>
+        <p:style>
+          <a:lnRef idx="2">
+            <a:schemeClr val="accent1">
+              <a:shade val="50000"/>
+            </a:schemeClr>
+          </a:lnRef>
+          <a:fillRef idx="1">
+            <a:schemeClr val="accent1"/>
+          </a:fillRef>
+          <a:effectRef idx="0">
+            <a:schemeClr val="accent1"/>
+          </a:effectRef>
+          <a:fontRef idx="minor">
+            <a:schemeClr val="lt1"/>
+          </a:fontRef>
+        </p:style>
+        <p:txBody>
+          <a:bodyPr rtlCol="0" anchor="ctr"/>
+          <a:lstStyle/>
+          <a:p>
+            <a:pPr algn="ctr"/>
+            <a:endParaRPr lang="es-ES"/>
+          </a:p>
+        </p:txBody>
+      </p:sp>
+      <p:sp>
+        <p:nvSpPr>
+          <p:cNvPr id="8" name="QuadreDeText 3">
+            <a:extLst>
+              <a:ext uri="{FF2B5EF4-FFF2-40B4-BE49-F238E27FC236}">
+                <a16:creationId xmlns:a16="http://schemas.microsoft.com/office/drawing/2014/main" id="{66399F4B-15E9-BE41-EAE5-3BE6E2DD57B6}"/>
+              </a:ext>
+            </a:extLst>
+          </p:cNvPr>
+          <p:cNvSpPr txBox="1"/>
+          <p:nvPr/>
+        </p:nvSpPr>
+        <p:spPr>
+          <a:xfrm>
+            <a:off x="466166" y="250347"/>
+            <a:ext cx="11270004" cy="1046440"/>
+          </a:xfrm>
+          <a:prstGeom prst="rect">
+            <a:avLst/>
+          </a:prstGeom>
+          <a:noFill/>
+        </p:spPr>
+        <p:txBody>
+          <a:bodyPr wrap="square">
+            <a:spAutoFit/>
+          </a:bodyPr>
+          <a:lstStyle/>
+          <a:p>
+            <a:r>
+              <a:rPr lang="es-ES" sz="2400" b="1" dirty="0">
+                <a:solidFill>
+                  <a:schemeClr val="accent3">
+                    <a:lumMod val="50000"/>
+                  </a:schemeClr>
+                </a:solidFill>
+                <a:effectLst/>
+                <a:latin typeface="+mj-lt"/>
+              </a:rPr>
+              <a:t>RELACIÓN ENTRE VARIABLES:  </a:t>
+            </a:r>
+          </a:p>
+          <a:p>
+            <a:r>
+              <a:rPr lang="es-ES" sz="2400" b="1" dirty="0">
+                <a:solidFill>
+                  <a:schemeClr val="accent3">
+                    <a:lumMod val="50000"/>
+                  </a:schemeClr>
+                </a:solidFill>
+                <a:effectLst/>
+                <a:latin typeface="+mj-lt"/>
+              </a:rPr>
+              <a:t>SALDO vs CATEGORIAS DE PRÉSTAMO/HIPOTECA</a:t>
+            </a:r>
+          </a:p>
+          <a:p>
+            <a:r>
+              <a:rPr lang="es-ES" sz="1400" b="1" dirty="0"/>
+              <a:t>Tras categorizar a los clientes, relacionamos las dos variables</a:t>
+            </a:r>
+          </a:p>
+        </p:txBody>
+      </p:sp>
       <p:pic>
         <p:nvPicPr>
-          <p:cNvPr id="4" name="Imatge 3">
-            <a:extLst>
-              <a:ext uri="{FF2B5EF4-FFF2-40B4-BE49-F238E27FC236}">
-                <a16:creationId xmlns:a16="http://schemas.microsoft.com/office/drawing/2014/main" id="{BBC6EBBB-7BA2-EEC7-3704-9636D56FFE94}"/>
+          <p:cNvPr id="5" name="Imagen 4">
+            <a:extLst>
+              <a:ext uri="{FF2B5EF4-FFF2-40B4-BE49-F238E27FC236}">
+                <a16:creationId xmlns:a16="http://schemas.microsoft.com/office/drawing/2014/main" id="{2F18ABCD-8170-67F6-9D19-2180F5B023CF}"/>
               </a:ext>
             </a:extLst>
           </p:cNvPr>
@@ -12835,8 +13305,8 @@
         </p:blipFill>
         <p:spPr>
           <a:xfrm>
-            <a:off x="1144400" y="4776407"/>
-            <a:ext cx="8946776" cy="1852993"/>
+            <a:off x="804832" y="1617142"/>
+            <a:ext cx="6231460" cy="3429104"/>
           </a:xfrm>
           <a:prstGeom prst="rect">
             <a:avLst/>
@@ -12845,10 +13315,10 @@
       </p:pic>
       <p:pic>
         <p:nvPicPr>
-          <p:cNvPr id="6" name="Imatge 5">
-            <a:extLst>
-              <a:ext uri="{FF2B5EF4-FFF2-40B4-BE49-F238E27FC236}">
-                <a16:creationId xmlns:a16="http://schemas.microsoft.com/office/drawing/2014/main" id="{3BDEC8E5-7303-128A-4A27-00C37B5DBA8B}"/>
+          <p:cNvPr id="11" name="Imagen 10">
+            <a:extLst>
+              <a:ext uri="{FF2B5EF4-FFF2-40B4-BE49-F238E27FC236}">
+                <a16:creationId xmlns:a16="http://schemas.microsoft.com/office/drawing/2014/main" id="{A53D4C21-8E97-4FA3-295B-421558433F00}"/>
               </a:ext>
             </a:extLst>
           </p:cNvPr>
@@ -12859,20 +13329,252 @@
         </p:nvPicPr>
         <p:blipFill>
           <a:blip r:embed="rId4"/>
-          <a:stretch>
-            <a:fillRect/>
-          </a:stretch>
+          <a:srcRect t="4863"/>
+          <a:stretch/>
         </p:blipFill>
         <p:spPr>
           <a:xfrm>
-            <a:off x="1144400" y="2136121"/>
-            <a:ext cx="4234423" cy="2321785"/>
+            <a:off x="7335165" y="1799814"/>
+            <a:ext cx="4052003" cy="4417461"/>
           </a:xfrm>
           <a:prstGeom prst="rect">
             <a:avLst/>
           </a:prstGeom>
         </p:spPr>
       </p:pic>
+      <p:sp>
+        <p:nvSpPr>
+          <p:cNvPr id="6" name="QuadreDeText 16">
+            <a:extLst>
+              <a:ext uri="{FF2B5EF4-FFF2-40B4-BE49-F238E27FC236}">
+                <a16:creationId xmlns:a16="http://schemas.microsoft.com/office/drawing/2014/main" id="{AFF1D886-C0A0-985D-72DD-0BF94964D965}"/>
+              </a:ext>
+            </a:extLst>
+          </p:cNvPr>
+          <p:cNvSpPr txBox="1"/>
+          <p:nvPr/>
+        </p:nvSpPr>
+        <p:spPr>
+          <a:xfrm>
+            <a:off x="804832" y="5229771"/>
+            <a:ext cx="6231460" cy="987504"/>
+          </a:xfrm>
+          <a:prstGeom prst="roundRect">
+            <a:avLst/>
+          </a:prstGeom>
+          <a:solidFill>
+            <a:schemeClr val="accent5">
+              <a:lumMod val="25000"/>
+              <a:lumOff val="75000"/>
+            </a:schemeClr>
+          </a:solidFill>
+          <a:ln>
+            <a:solidFill>
+              <a:schemeClr val="bg1"/>
+            </a:solidFill>
+          </a:ln>
+        </p:spPr>
+        <p:txBody>
+          <a:bodyPr wrap="square">
+            <a:spAutoFit/>
+          </a:bodyPr>
+          <a:lstStyle/>
+          <a:p>
+            <a:pPr marL="285750" indent="-285750" algn="just">
+              <a:buFont typeface="Wingdings" panose="05000000000000000000" pitchFamily="2" charset="2"/>
+              <a:buChar char="§"/>
+            </a:pPr>
+            <a:r>
+              <a:rPr lang="es-ES" sz="1300" b="1" dirty="0"/>
+              <a:t>Clientes sin deudas tienen el saldo promedio más alto</a:t>
+            </a:r>
+            <a:r>
+              <a:rPr lang="es-ES" sz="1300" dirty="0"/>
+              <a:t>, reflejando mayor estabilidad financiera. </a:t>
+            </a:r>
+          </a:p>
+          <a:p>
+            <a:pPr marL="285750" indent="-285750" algn="just">
+              <a:buFont typeface="Wingdings" panose="05000000000000000000" pitchFamily="2" charset="2"/>
+              <a:buChar char="§"/>
+            </a:pPr>
+            <a:r>
+              <a:rPr lang="es-ES" sz="1300" b="1" dirty="0"/>
+              <a:t>Clientes con algún tipo de deuda</a:t>
+            </a:r>
+            <a:r>
+              <a:rPr lang="es-ES" sz="1300" dirty="0"/>
+              <a:t>, ya sea préstamo, hipoteca o ambos, </a:t>
+            </a:r>
+            <a:r>
+              <a:rPr lang="es-ES" sz="1300" b="1" dirty="0"/>
+              <a:t>presentan saldos más bajos</a:t>
+            </a:r>
+            <a:r>
+              <a:rPr lang="es-ES" sz="1300" dirty="0"/>
+              <a:t>, indicando una mayor presión financiera. </a:t>
+            </a:r>
+          </a:p>
+        </p:txBody>
+      </p:sp>
+      <p:cxnSp>
+        <p:nvCxnSpPr>
+          <p:cNvPr id="13" name="Conector recto 12">
+            <a:extLst>
+              <a:ext uri="{FF2B5EF4-FFF2-40B4-BE49-F238E27FC236}">
+                <a16:creationId xmlns:a16="http://schemas.microsoft.com/office/drawing/2014/main" id="{D7DBE600-7D97-1A5D-689F-357252C109C2}"/>
+              </a:ext>
+            </a:extLst>
+          </p:cNvPr>
+          <p:cNvCxnSpPr/>
+          <p:nvPr/>
+        </p:nvCxnSpPr>
+        <p:spPr>
+          <a:xfrm>
+            <a:off x="7541110" y="2436608"/>
+            <a:ext cx="1516828" cy="0"/>
+          </a:xfrm>
+          <a:prstGeom prst="line">
+            <a:avLst/>
+          </a:prstGeom>
+          <a:ln w="19050">
+            <a:solidFill>
+              <a:srgbClr val="009900"/>
+            </a:solidFill>
+          </a:ln>
+        </p:spPr>
+        <p:style>
+          <a:lnRef idx="1">
+            <a:schemeClr val="accent1"/>
+          </a:lnRef>
+          <a:fillRef idx="0">
+            <a:schemeClr val="accent1"/>
+          </a:fillRef>
+          <a:effectRef idx="0">
+            <a:schemeClr val="accent1"/>
+          </a:effectRef>
+          <a:fontRef idx="minor">
+            <a:schemeClr val="tx1"/>
+          </a:fontRef>
+        </p:style>
+      </p:cxnSp>
+      <p:cxnSp>
+        <p:nvCxnSpPr>
+          <p:cNvPr id="14" name="Conector recto 13">
+            <a:extLst>
+              <a:ext uri="{FF2B5EF4-FFF2-40B4-BE49-F238E27FC236}">
+                <a16:creationId xmlns:a16="http://schemas.microsoft.com/office/drawing/2014/main" id="{231555E5-FF4B-B83B-7F44-781EDA96A77B}"/>
+              </a:ext>
+            </a:extLst>
+          </p:cNvPr>
+          <p:cNvCxnSpPr>
+            <a:cxnSpLocks/>
+          </p:cNvCxnSpPr>
+          <p:nvPr/>
+        </p:nvCxnSpPr>
+        <p:spPr>
+          <a:xfrm>
+            <a:off x="8283388" y="4520006"/>
+            <a:ext cx="774550" cy="0"/>
+          </a:xfrm>
+          <a:prstGeom prst="line">
+            <a:avLst/>
+          </a:prstGeom>
+          <a:ln w="19050"/>
+        </p:spPr>
+        <p:style>
+          <a:lnRef idx="1">
+            <a:schemeClr val="accent1"/>
+          </a:lnRef>
+          <a:fillRef idx="0">
+            <a:schemeClr val="accent1"/>
+          </a:fillRef>
+          <a:effectRef idx="0">
+            <a:schemeClr val="accent1"/>
+          </a:effectRef>
+          <a:fontRef idx="minor">
+            <a:schemeClr val="tx1"/>
+          </a:fontRef>
+        </p:style>
+      </p:cxnSp>
+      <p:cxnSp>
+        <p:nvCxnSpPr>
+          <p:cNvPr id="15" name="Conector recto 14">
+            <a:extLst>
+              <a:ext uri="{FF2B5EF4-FFF2-40B4-BE49-F238E27FC236}">
+                <a16:creationId xmlns:a16="http://schemas.microsoft.com/office/drawing/2014/main" id="{4908429C-531B-C98A-C0F9-BB4278BE20DD}"/>
+              </a:ext>
+            </a:extLst>
+          </p:cNvPr>
+          <p:cNvCxnSpPr>
+            <a:cxnSpLocks/>
+          </p:cNvCxnSpPr>
+          <p:nvPr/>
+        </p:nvCxnSpPr>
+        <p:spPr>
+          <a:xfrm>
+            <a:off x="7415604" y="5548385"/>
+            <a:ext cx="1642334" cy="0"/>
+          </a:xfrm>
+          <a:prstGeom prst="line">
+            <a:avLst/>
+          </a:prstGeom>
+          <a:ln w="19050"/>
+        </p:spPr>
+        <p:style>
+          <a:lnRef idx="1">
+            <a:schemeClr val="accent1"/>
+          </a:lnRef>
+          <a:fillRef idx="0">
+            <a:schemeClr val="accent1"/>
+          </a:fillRef>
+          <a:effectRef idx="0">
+            <a:schemeClr val="accent1"/>
+          </a:effectRef>
+          <a:fontRef idx="minor">
+            <a:schemeClr val="tx1"/>
+          </a:fontRef>
+        </p:style>
+      </p:cxnSp>
+      <p:cxnSp>
+        <p:nvCxnSpPr>
+          <p:cNvPr id="18" name="Conector recto 17">
+            <a:extLst>
+              <a:ext uri="{FF2B5EF4-FFF2-40B4-BE49-F238E27FC236}">
+                <a16:creationId xmlns:a16="http://schemas.microsoft.com/office/drawing/2014/main" id="{9C330646-1500-FEC9-5B70-033C6C3603C0}"/>
+              </a:ext>
+            </a:extLst>
+          </p:cNvPr>
+          <p:cNvCxnSpPr>
+            <a:cxnSpLocks/>
+          </p:cNvCxnSpPr>
+          <p:nvPr/>
+        </p:nvCxnSpPr>
+        <p:spPr>
+          <a:xfrm>
+            <a:off x="8234979" y="3483686"/>
+            <a:ext cx="822959" cy="0"/>
+          </a:xfrm>
+          <a:prstGeom prst="line">
+            <a:avLst/>
+          </a:prstGeom>
+          <a:ln w="19050"/>
+        </p:spPr>
+        <p:style>
+          <a:lnRef idx="1">
+            <a:schemeClr val="accent1"/>
+          </a:lnRef>
+          <a:fillRef idx="0">
+            <a:schemeClr val="accent1"/>
+          </a:fillRef>
+          <a:effectRef idx="0">
+            <a:schemeClr val="accent1"/>
+          </a:effectRef>
+          <a:fontRef idx="minor">
+            <a:schemeClr val="tx1"/>
+          </a:fontRef>
+        </p:style>
+      </p:cxnSp>
     </p:spTree>
     <p:extLst>
       <p:ext uri="{BB962C8B-B14F-4D97-AF65-F5344CB8AC3E}">
@@ -12911,88 +13613,6 @@
       </p:grpSpPr>
       <p:sp>
         <p:nvSpPr>
-          <p:cNvPr id="8" name="QuadreDeText 3">
-            <a:extLst>
-              <a:ext uri="{FF2B5EF4-FFF2-40B4-BE49-F238E27FC236}">
-                <a16:creationId xmlns:a16="http://schemas.microsoft.com/office/drawing/2014/main" id="{0B9963A2-303C-C0E0-3B8A-E49DF8308095}"/>
-              </a:ext>
-            </a:extLst>
-          </p:cNvPr>
-          <p:cNvSpPr txBox="1"/>
-          <p:nvPr/>
-        </p:nvSpPr>
-        <p:spPr>
-          <a:xfrm>
-            <a:off x="466166" y="250347"/>
-            <a:ext cx="11270004" cy="1046440"/>
-          </a:xfrm>
-          <a:prstGeom prst="rect">
-            <a:avLst/>
-          </a:prstGeom>
-          <a:noFill/>
-        </p:spPr>
-        <p:txBody>
-          <a:bodyPr wrap="square">
-            <a:spAutoFit/>
-          </a:bodyPr>
-          <a:lstStyle/>
-          <a:p>
-            <a:r>
-              <a:rPr lang="es-ES" sz="2400" b="1" dirty="0">
-                <a:solidFill>
-                  <a:schemeClr val="accent3">
-                    <a:lumMod val="50000"/>
-                  </a:schemeClr>
-                </a:solidFill>
-                <a:effectLst/>
-                <a:latin typeface="+mj-lt"/>
-              </a:rPr>
-              <a:t>RELACIÓN ENTRE VARIABLES:  </a:t>
-            </a:r>
-          </a:p>
-          <a:p>
-            <a:r>
-              <a:rPr lang="es-ES" sz="2400" b="1" dirty="0">
-                <a:solidFill>
-                  <a:schemeClr val="accent3">
-                    <a:lumMod val="50000"/>
-                  </a:schemeClr>
-                </a:solidFill>
-                <a:latin typeface="+mj-lt"/>
-              </a:rPr>
-              <a:t>INCUMPLIMIENTO</a:t>
-            </a:r>
-            <a:r>
-              <a:rPr lang="es-ES" sz="2400" b="1" dirty="0">
-                <a:solidFill>
-                  <a:schemeClr val="accent3">
-                    <a:lumMod val="50000"/>
-                  </a:schemeClr>
-                </a:solidFill>
-                <a:effectLst/>
-                <a:latin typeface="+mj-lt"/>
-              </a:rPr>
-              <a:t> vs CATEGORIAS DE PRÉSTAMOS/HIPOTECA</a:t>
-            </a:r>
-          </a:p>
-          <a:p>
-            <a:r>
-              <a:rPr lang="es-ES" sz="1400" b="1" dirty="0"/>
-              <a:t>Tras categorizar </a:t>
-            </a:r>
-            <a:r>
-              <a:rPr lang="es-ES" sz="1400" b="1" dirty="0" err="1"/>
-              <a:t>x,x,x,x</a:t>
-            </a:r>
-            <a:r>
-              <a:rPr lang="es-ES" sz="1400" b="1" dirty="0"/>
-              <a:t> relacionamos las dos variables</a:t>
-            </a:r>
-          </a:p>
-        </p:txBody>
-      </p:sp>
-      <p:sp>
-        <p:nvSpPr>
           <p:cNvPr id="2" name="Rectángulo 1">
             <a:extLst>
               <a:ext uri="{FF2B5EF4-FFF2-40B4-BE49-F238E27FC236}">
@@ -13045,12 +13665,140 @@
           </a:p>
         </p:txBody>
       </p:sp>
+      <p:sp>
+        <p:nvSpPr>
+          <p:cNvPr id="4" name="Rectángulo: esquinas redondeadas 3">
+            <a:extLst>
+              <a:ext uri="{FF2B5EF4-FFF2-40B4-BE49-F238E27FC236}">
+                <a16:creationId xmlns:a16="http://schemas.microsoft.com/office/drawing/2014/main" id="{A75F9B45-3A77-61A7-D6BA-82347D99EA30}"/>
+              </a:ext>
+            </a:extLst>
+          </p:cNvPr>
+          <p:cNvSpPr/>
+          <p:nvPr/>
+        </p:nvSpPr>
+        <p:spPr>
+          <a:xfrm>
+            <a:off x="505959" y="1411111"/>
+            <a:ext cx="11230210" cy="5017966"/>
+          </a:xfrm>
+          <a:prstGeom prst="roundRect">
+            <a:avLst>
+              <a:gd name="adj" fmla="val 7845"/>
+            </a:avLst>
+          </a:prstGeom>
+          <a:solidFill>
+            <a:schemeClr val="bg1"/>
+          </a:solidFill>
+          <a:ln>
+            <a:noFill/>
+          </a:ln>
+        </p:spPr>
+        <p:style>
+          <a:lnRef idx="2">
+            <a:schemeClr val="accent1">
+              <a:shade val="50000"/>
+            </a:schemeClr>
+          </a:lnRef>
+          <a:fillRef idx="1">
+            <a:schemeClr val="accent1"/>
+          </a:fillRef>
+          <a:effectRef idx="0">
+            <a:schemeClr val="accent1"/>
+          </a:effectRef>
+          <a:fontRef idx="minor">
+            <a:schemeClr val="lt1"/>
+          </a:fontRef>
+        </p:style>
+        <p:txBody>
+          <a:bodyPr rtlCol="0" anchor="ctr"/>
+          <a:lstStyle/>
+          <a:p>
+            <a:pPr algn="ctr"/>
+            <a:endParaRPr lang="es-ES"/>
+          </a:p>
+        </p:txBody>
+      </p:sp>
+      <p:sp>
+        <p:nvSpPr>
+          <p:cNvPr id="8" name="QuadreDeText 3">
+            <a:extLst>
+              <a:ext uri="{FF2B5EF4-FFF2-40B4-BE49-F238E27FC236}">
+                <a16:creationId xmlns:a16="http://schemas.microsoft.com/office/drawing/2014/main" id="{0B9963A2-303C-C0E0-3B8A-E49DF8308095}"/>
+              </a:ext>
+            </a:extLst>
+          </p:cNvPr>
+          <p:cNvSpPr txBox="1"/>
+          <p:nvPr/>
+        </p:nvSpPr>
+        <p:spPr>
+          <a:xfrm>
+            <a:off x="466166" y="250347"/>
+            <a:ext cx="11270004" cy="1046440"/>
+          </a:xfrm>
+          <a:prstGeom prst="rect">
+            <a:avLst/>
+          </a:prstGeom>
+          <a:noFill/>
+        </p:spPr>
+        <p:txBody>
+          <a:bodyPr wrap="square">
+            <a:spAutoFit/>
+          </a:bodyPr>
+          <a:lstStyle/>
+          <a:p>
+            <a:r>
+              <a:rPr lang="es-ES" sz="2400" b="1" dirty="0">
+                <a:solidFill>
+                  <a:schemeClr val="accent3">
+                    <a:lumMod val="50000"/>
+                  </a:schemeClr>
+                </a:solidFill>
+                <a:effectLst/>
+                <a:latin typeface="+mj-lt"/>
+              </a:rPr>
+              <a:t>RELACIÓN ENTRE VARIABLES: </a:t>
+            </a:r>
+          </a:p>
+          <a:p>
+            <a:r>
+              <a:rPr lang="es-ES" sz="2400" b="1" dirty="0">
+                <a:solidFill>
+                  <a:schemeClr val="accent3">
+                    <a:lumMod val="50000"/>
+                  </a:schemeClr>
+                </a:solidFill>
+                <a:latin typeface="+mj-lt"/>
+              </a:rPr>
+              <a:t>INCUMPLIMIENTO</a:t>
+            </a:r>
+            <a:r>
+              <a:rPr lang="es-ES" sz="2400" b="1" dirty="0">
+                <a:solidFill>
+                  <a:schemeClr val="accent3">
+                    <a:lumMod val="50000"/>
+                  </a:schemeClr>
+                </a:solidFill>
+                <a:effectLst/>
+                <a:latin typeface="+mj-lt"/>
+              </a:rPr>
+              <a:t> vs CATEGORIAS DE PRÉSTAMO/HIPOTECA</a:t>
+            </a:r>
+          </a:p>
+          <a:p>
+            <a:r>
+              <a:rPr lang="es-ES" sz="1400" b="1" dirty="0"/>
+              <a:t>Tras categorizar a los clientes, relacionamos las dos variables</a:t>
+            </a:r>
+          </a:p>
+        </p:txBody>
+      </p:sp>
       <p:pic>
         <p:nvPicPr>
-          <p:cNvPr id="3" name="Imatge 2">
-            <a:extLst>
-              <a:ext uri="{FF2B5EF4-FFF2-40B4-BE49-F238E27FC236}">
-                <a16:creationId xmlns:a16="http://schemas.microsoft.com/office/drawing/2014/main" id="{4D972B1F-FC8E-E7EE-E400-05721EA86A7F}"/>
+          <p:cNvPr id="5" name="Imagen 4">
+            <a:extLst>
+              <a:ext uri="{FF2B5EF4-FFF2-40B4-BE49-F238E27FC236}">
+                <a16:creationId xmlns:a16="http://schemas.microsoft.com/office/drawing/2014/main" id="{0ED755C1-4DB6-C380-337C-9C4DDC73D677}"/>
               </a:ext>
             </a:extLst>
           </p:cNvPr>
@@ -13067,14 +13815,276 @@
         </p:blipFill>
         <p:spPr>
           <a:xfrm>
-            <a:off x="748271" y="1709037"/>
-            <a:ext cx="4720200" cy="2668924"/>
+            <a:off x="896989" y="1615446"/>
+            <a:ext cx="6047145" cy="3430800"/>
           </a:xfrm>
           <a:prstGeom prst="rect">
             <a:avLst/>
           </a:prstGeom>
         </p:spPr>
       </p:pic>
+      <p:pic>
+        <p:nvPicPr>
+          <p:cNvPr id="7" name="Imagen 6">
+            <a:extLst>
+              <a:ext uri="{FF2B5EF4-FFF2-40B4-BE49-F238E27FC236}">
+                <a16:creationId xmlns:a16="http://schemas.microsoft.com/office/drawing/2014/main" id="{DADD356F-BE36-8AA1-B099-C46BF0352360}"/>
+              </a:ext>
+            </a:extLst>
+          </p:cNvPr>
+          <p:cNvPicPr>
+            <a:picLocks noChangeAspect="1"/>
+          </p:cNvPicPr>
+          <p:nvPr/>
+        </p:nvPicPr>
+        <p:blipFill>
+          <a:blip r:embed="rId4"/>
+          <a:srcRect t="5008"/>
+          <a:stretch/>
+        </p:blipFill>
+        <p:spPr>
+          <a:xfrm>
+            <a:off x="7308529" y="1806637"/>
+            <a:ext cx="4444979" cy="4401759"/>
+          </a:xfrm>
+          <a:prstGeom prst="rect">
+            <a:avLst/>
+          </a:prstGeom>
+        </p:spPr>
+      </p:pic>
+      <p:sp>
+        <p:nvSpPr>
+          <p:cNvPr id="6" name="QuadreDeText 16">
+            <a:extLst>
+              <a:ext uri="{FF2B5EF4-FFF2-40B4-BE49-F238E27FC236}">
+                <a16:creationId xmlns:a16="http://schemas.microsoft.com/office/drawing/2014/main" id="{F64AB401-A83A-CF05-16C7-1B43F325C485}"/>
+              </a:ext>
+            </a:extLst>
+          </p:cNvPr>
+          <p:cNvSpPr txBox="1"/>
+          <p:nvPr/>
+        </p:nvSpPr>
+        <p:spPr>
+          <a:xfrm>
+            <a:off x="804831" y="5229771"/>
+            <a:ext cx="6231460" cy="987504"/>
+          </a:xfrm>
+          <a:prstGeom prst="roundRect">
+            <a:avLst/>
+          </a:prstGeom>
+          <a:solidFill>
+            <a:schemeClr val="accent5">
+              <a:lumMod val="25000"/>
+              <a:lumOff val="75000"/>
+            </a:schemeClr>
+          </a:solidFill>
+          <a:ln>
+            <a:solidFill>
+              <a:schemeClr val="bg1"/>
+            </a:solidFill>
+          </a:ln>
+        </p:spPr>
+        <p:txBody>
+          <a:bodyPr wrap="square">
+            <a:spAutoFit/>
+          </a:bodyPr>
+          <a:lstStyle/>
+          <a:p>
+            <a:pPr marL="285750" indent="-285750" algn="just">
+              <a:buFont typeface="Wingdings" panose="05000000000000000000" pitchFamily="2" charset="2"/>
+              <a:buChar char="§"/>
+            </a:pPr>
+            <a:r>
+              <a:rPr lang="es-ES" sz="1300" b="1" dirty="0"/>
+              <a:t>Clientes sin deudas tienen el porcentaje de incumplimiento más bajo</a:t>
+            </a:r>
+            <a:r>
+              <a:rPr lang="es-ES" sz="1300" dirty="0"/>
+              <a:t>, reflejando mayor estabilidad financiera.</a:t>
+            </a:r>
+          </a:p>
+          <a:p>
+            <a:pPr marL="285750" indent="-285750" algn="just">
+              <a:buFont typeface="Wingdings" panose="05000000000000000000" pitchFamily="2" charset="2"/>
+              <a:buChar char="§"/>
+            </a:pPr>
+            <a:r>
+              <a:rPr lang="es-ES" sz="1300" b="1" dirty="0"/>
+              <a:t>Clientes con algún tipo de deuda</a:t>
+            </a:r>
+            <a:r>
+              <a:rPr lang="es-ES" sz="1300" dirty="0"/>
+              <a:t>, ya sea préstamo, hipoteca o ambos, </a:t>
+            </a:r>
+            <a:r>
+              <a:rPr lang="es-ES" sz="1300" b="1" dirty="0"/>
+              <a:t>muestran porcentajes de incumplimiento más altos</a:t>
+            </a:r>
+            <a:r>
+              <a:rPr lang="es-ES" sz="1300" dirty="0"/>
+              <a:t>, lo que indica un mayor riesgo financiero.</a:t>
+            </a:r>
+          </a:p>
+        </p:txBody>
+      </p:sp>
+      <p:cxnSp>
+        <p:nvCxnSpPr>
+          <p:cNvPr id="16" name="Conector recto 15">
+            <a:extLst>
+              <a:ext uri="{FF2B5EF4-FFF2-40B4-BE49-F238E27FC236}">
+                <a16:creationId xmlns:a16="http://schemas.microsoft.com/office/drawing/2014/main" id="{57F0A2FD-A337-C538-5EE1-745407BE6E08}"/>
+              </a:ext>
+            </a:extLst>
+          </p:cNvPr>
+          <p:cNvCxnSpPr/>
+          <p:nvPr/>
+        </p:nvCxnSpPr>
+        <p:spPr>
+          <a:xfrm>
+            <a:off x="7541110" y="2436608"/>
+            <a:ext cx="1516828" cy="0"/>
+          </a:xfrm>
+          <a:prstGeom prst="line">
+            <a:avLst/>
+          </a:prstGeom>
+          <a:ln w="19050">
+            <a:solidFill>
+              <a:srgbClr val="009900"/>
+            </a:solidFill>
+          </a:ln>
+        </p:spPr>
+        <p:style>
+          <a:lnRef idx="1">
+            <a:schemeClr val="accent1"/>
+          </a:lnRef>
+          <a:fillRef idx="0">
+            <a:schemeClr val="accent1"/>
+          </a:fillRef>
+          <a:effectRef idx="0">
+            <a:schemeClr val="accent1"/>
+          </a:effectRef>
+          <a:fontRef idx="minor">
+            <a:schemeClr val="tx1"/>
+          </a:fontRef>
+        </p:style>
+      </p:cxnSp>
+      <p:cxnSp>
+        <p:nvCxnSpPr>
+          <p:cNvPr id="17" name="Conector recto 16">
+            <a:extLst>
+              <a:ext uri="{FF2B5EF4-FFF2-40B4-BE49-F238E27FC236}">
+                <a16:creationId xmlns:a16="http://schemas.microsoft.com/office/drawing/2014/main" id="{B1BCBD78-0DB0-B35A-EB86-8A2F4950308B}"/>
+              </a:ext>
+            </a:extLst>
+          </p:cNvPr>
+          <p:cNvCxnSpPr>
+            <a:cxnSpLocks/>
+          </p:cNvCxnSpPr>
+          <p:nvPr/>
+        </p:nvCxnSpPr>
+        <p:spPr>
+          <a:xfrm>
+            <a:off x="8283388" y="4520006"/>
+            <a:ext cx="774550" cy="0"/>
+          </a:xfrm>
+          <a:prstGeom prst="line">
+            <a:avLst/>
+          </a:prstGeom>
+          <a:ln w="19050"/>
+        </p:spPr>
+        <p:style>
+          <a:lnRef idx="1">
+            <a:schemeClr val="accent1"/>
+          </a:lnRef>
+          <a:fillRef idx="0">
+            <a:schemeClr val="accent1"/>
+          </a:fillRef>
+          <a:effectRef idx="0">
+            <a:schemeClr val="accent1"/>
+          </a:effectRef>
+          <a:fontRef idx="minor">
+            <a:schemeClr val="tx1"/>
+          </a:fontRef>
+        </p:style>
+      </p:cxnSp>
+      <p:cxnSp>
+        <p:nvCxnSpPr>
+          <p:cNvPr id="18" name="Conector recto 17">
+            <a:extLst>
+              <a:ext uri="{FF2B5EF4-FFF2-40B4-BE49-F238E27FC236}">
+                <a16:creationId xmlns:a16="http://schemas.microsoft.com/office/drawing/2014/main" id="{C5A6D88B-F91C-2952-8EBE-12D14535957D}"/>
+              </a:ext>
+            </a:extLst>
+          </p:cNvPr>
+          <p:cNvCxnSpPr>
+            <a:cxnSpLocks/>
+          </p:cNvCxnSpPr>
+          <p:nvPr/>
+        </p:nvCxnSpPr>
+        <p:spPr>
+          <a:xfrm>
+            <a:off x="7415604" y="5548385"/>
+            <a:ext cx="1642334" cy="0"/>
+          </a:xfrm>
+          <a:prstGeom prst="line">
+            <a:avLst/>
+          </a:prstGeom>
+          <a:ln w="19050"/>
+        </p:spPr>
+        <p:style>
+          <a:lnRef idx="1">
+            <a:schemeClr val="accent1"/>
+          </a:lnRef>
+          <a:fillRef idx="0">
+            <a:schemeClr val="accent1"/>
+          </a:fillRef>
+          <a:effectRef idx="0">
+            <a:schemeClr val="accent1"/>
+          </a:effectRef>
+          <a:fontRef idx="minor">
+            <a:schemeClr val="tx1"/>
+          </a:fontRef>
+        </p:style>
+      </p:cxnSp>
+      <p:cxnSp>
+        <p:nvCxnSpPr>
+          <p:cNvPr id="19" name="Conector recto 18">
+            <a:extLst>
+              <a:ext uri="{FF2B5EF4-FFF2-40B4-BE49-F238E27FC236}">
+                <a16:creationId xmlns:a16="http://schemas.microsoft.com/office/drawing/2014/main" id="{D3D9F57E-6671-45CA-487D-E036B00A3F1A}"/>
+              </a:ext>
+            </a:extLst>
+          </p:cNvPr>
+          <p:cNvCxnSpPr>
+            <a:cxnSpLocks/>
+          </p:cNvCxnSpPr>
+          <p:nvPr/>
+        </p:nvCxnSpPr>
+        <p:spPr>
+          <a:xfrm>
+            <a:off x="8234979" y="3483686"/>
+            <a:ext cx="822959" cy="0"/>
+          </a:xfrm>
+          <a:prstGeom prst="line">
+            <a:avLst/>
+          </a:prstGeom>
+          <a:ln w="19050"/>
+        </p:spPr>
+        <p:style>
+          <a:lnRef idx="1">
+            <a:schemeClr val="accent1"/>
+          </a:lnRef>
+          <a:fillRef idx="0">
+            <a:schemeClr val="accent1"/>
+          </a:fillRef>
+          <a:effectRef idx="0">
+            <a:schemeClr val="accent1"/>
+          </a:effectRef>
+          <a:fontRef idx="minor">
+            <a:schemeClr val="tx1"/>
+          </a:fontRef>
+        </p:style>
+      </p:cxnSp>
     </p:spTree>
     <p:extLst>
       <p:ext uri="{BB962C8B-B14F-4D97-AF65-F5344CB8AC3E}">
@@ -13113,6 +14123,60 @@
       </p:grpSpPr>
       <p:sp>
         <p:nvSpPr>
+          <p:cNvPr id="3" name="Rectángulo 2">
+            <a:extLst>
+              <a:ext uri="{FF2B5EF4-FFF2-40B4-BE49-F238E27FC236}">
+                <a16:creationId xmlns:a16="http://schemas.microsoft.com/office/drawing/2014/main" id="{17EC3F3D-8106-CC52-2EA3-50800AC43833}"/>
+              </a:ext>
+            </a:extLst>
+          </p:cNvPr>
+          <p:cNvSpPr/>
+          <p:nvPr/>
+        </p:nvSpPr>
+        <p:spPr>
+          <a:xfrm>
+            <a:off x="0" y="6400800"/>
+            <a:ext cx="2557670" cy="457200"/>
+          </a:xfrm>
+          <a:prstGeom prst="rect">
+            <a:avLst/>
+          </a:prstGeom>
+          <a:solidFill>
+            <a:schemeClr val="bg1">
+              <a:lumMod val="95000"/>
+            </a:schemeClr>
+          </a:solidFill>
+          <a:ln>
+            <a:noFill/>
+          </a:ln>
+        </p:spPr>
+        <p:style>
+          <a:lnRef idx="2">
+            <a:schemeClr val="accent1">
+              <a:shade val="50000"/>
+            </a:schemeClr>
+          </a:lnRef>
+          <a:fillRef idx="1">
+            <a:schemeClr val="accent1"/>
+          </a:fillRef>
+          <a:effectRef idx="0">
+            <a:schemeClr val="accent1"/>
+          </a:effectRef>
+          <a:fontRef idx="minor">
+            <a:schemeClr val="lt1"/>
+          </a:fontRef>
+        </p:style>
+        <p:txBody>
+          <a:bodyPr rtlCol="0" anchor="ctr"/>
+          <a:lstStyle/>
+          <a:p>
+            <a:pPr algn="ctr"/>
+            <a:endParaRPr lang="es-ES"/>
+          </a:p>
+        </p:txBody>
+      </p:sp>
+      <p:sp>
+        <p:nvSpPr>
           <p:cNvPr id="8" name="QuadreDeText 3">
             <a:extLst>
               <a:ext uri="{FF2B5EF4-FFF2-40B4-BE49-F238E27FC236}">
@@ -13177,8 +14241,12 @@
           </a:p>
           <a:p>
             <a:r>
+              <a:rPr lang="es-ES" altLang="es-ES" sz="1600" b="1" dirty="0"/>
+              <a:t>¿Los clientes con préstamos e hipotecas tienden a tener un saldo medio más bajo o más riesgo de incumplimiento?</a:t>
+            </a:r>
+            <a:r>
               <a:rPr lang="es-ES" altLang="es-ES" sz="1600" dirty="0"/>
-              <a:t>¿Los clientes con préstamos e hipotecas tienden a tener un ¿saldo medio más bajo o más riesgo de incumplimiento? </a:t>
+              <a:t> </a:t>
             </a:r>
           </a:p>
         </p:txBody>
@@ -13198,7 +14266,7 @@
           <p:nvPr>
             <p:extLst>
               <p:ext uri="{D42A27DB-BD31-4B8C-83A1-F6EECF244321}">
-                <p14:modId xmlns:p14="http://schemas.microsoft.com/office/powerpoint/2010/main" val="1495543935"/>
+                <p14:modId xmlns:p14="http://schemas.microsoft.com/office/powerpoint/2010/main" val="4025258182"/>
               </p:ext>
             </p:extLst>
           </p:nvPr>
@@ -13249,18 +14317,15 @@
                             <a:schemeClr val="tx1"/>
                           </a:solidFill>
                         </a:rPr>
-                        <a:t>SALDO MEDIO</a:t>
+                        <a:t>Saldo </a:t>
                       </a:r>
-                    </a:p>
-                    <a:p>
-                      <a:pPr algn="ctr"/>
                       <a:r>
                         <a:rPr lang="ca-ES" sz="1000" dirty="0" err="1">
                           <a:solidFill>
                             <a:schemeClr val="tx1"/>
                           </a:solidFill>
                         </a:rPr>
-                        <a:t>Vs</a:t>
+                        <a:t>Medio</a:t>
                       </a:r>
                       <a:endParaRPr lang="ca-ES" sz="1000" dirty="0">
                         <a:solidFill>
@@ -13276,11 +14341,30 @@
                             <a:schemeClr val="tx1"/>
                           </a:solidFill>
                         </a:rPr>
-                        <a:t>PRESTAMO E HIPOTECA</a:t>
+                        <a:t>vs.</a:t>
+                      </a:r>
+                    </a:p>
+                    <a:p>
+                      <a:pPr algn="ctr"/>
+                      <a:r>
+                        <a:rPr lang="ca-ES" sz="1000" dirty="0" err="1">
+                          <a:solidFill>
+                            <a:schemeClr val="tx1"/>
+                          </a:solidFill>
+                        </a:rPr>
+                        <a:t>Préstamo</a:t>
+                      </a:r>
+                      <a:r>
+                        <a:rPr lang="ca-ES" sz="1000" dirty="0">
+                          <a:solidFill>
+                            <a:schemeClr val="tx1"/>
+                          </a:solidFill>
+                        </a:rPr>
+                        <a:t> e Hipoteca</a:t>
                       </a:r>
                     </a:p>
                   </a:txBody>
-                  <a:tcPr>
+                  <a:tcPr anchor="ctr">
                     <a:lnL w="12700" cap="flat" cmpd="sng" algn="ctr">
                       <a:noFill/>
                       <a:prstDash val="solid"/>
@@ -13321,9 +14405,7 @@
                       <a:noFill/>
                       <a:prstDash val="solid"/>
                     </a:lnBlToTr>
-                    <a:solidFill>
-                      <a:schemeClr val="bg1"/>
-                    </a:solidFill>
+                    <a:noFill/>
                   </a:tcPr>
                 </a:tc>
                 <a:tc>
@@ -13333,8 +14415,12 @@
                     <a:p>
                       <a:pPr algn="ctr"/>
                       <a:r>
-                        <a:rPr lang="ca-ES" sz="1000" dirty="0"/>
-                        <a:t>SIN PRESTAMO</a:t>
+                        <a:rPr lang="ca-ES" sz="1200" dirty="0"/>
+                        <a:t>SIN </a:t>
+                      </a:r>
+                      <a:r>
+                        <a:rPr lang="es-ES" sz="1200" noProof="0" dirty="0"/>
+                        <a:t>Préstamo</a:t>
                       </a:r>
                     </a:p>
                   </a:txBody>
@@ -13384,7 +14470,7 @@
                       <a:prstDash val="solid"/>
                     </a:lnBlToTr>
                     <a:solidFill>
-                      <a:srgbClr val="81D185"/>
+                      <a:srgbClr val="00B050"/>
                     </a:solidFill>
                   </a:tcPr>
                 </a:tc>
@@ -13395,9 +14481,14 @@
                     <a:p>
                       <a:pPr algn="ctr"/>
                       <a:r>
-                        <a:rPr lang="ca-ES" sz="1000" dirty="0"/>
-                        <a:t>CON PRESTAMO</a:t>
+                        <a:rPr lang="ca-ES" sz="1200" dirty="0"/>
+                        <a:t>CON </a:t>
                       </a:r>
+                      <a:r>
+                        <a:rPr lang="ca-ES" sz="1200" dirty="0" err="1"/>
+                        <a:t>Préstamo</a:t>
+                      </a:r>
+                      <a:endParaRPr lang="ca-ES" sz="1200" dirty="0"/>
                     </a:p>
                   </a:txBody>
                   <a:tcPr anchor="ctr">
@@ -13446,7 +14537,7 @@
                       <a:prstDash val="solid"/>
                     </a:lnBlToTr>
                     <a:solidFill>
-                      <a:srgbClr val="81D185"/>
+                      <a:srgbClr val="00B050"/>
                     </a:solidFill>
                   </a:tcPr>
                 </a:tc>
@@ -13464,7 +14555,7 @@
                     <a:p>
                       <a:pPr marL="0" algn="ctr" defTabSz="914400" rtl="0" eaLnBrk="1" latinLnBrk="0" hangingPunct="1"/>
                       <a:r>
-                        <a:rPr lang="ca-ES" sz="1000" b="1" kern="1200" dirty="0">
+                        <a:rPr lang="ca-ES" sz="1200" b="1" kern="1200" dirty="0">
                           <a:solidFill>
                             <a:schemeClr val="lt1"/>
                           </a:solidFill>
@@ -13472,7 +14563,7 @@
                           <a:ea typeface="+mn-ea"/>
                           <a:cs typeface="+mn-cs"/>
                         </a:rPr>
-                        <a:t>SIN HIPOTECA</a:t>
+                        <a:t>SIN Hipoteca</a:t>
                       </a:r>
                     </a:p>
                   </a:txBody>
@@ -13683,7 +14774,7 @@
                     <a:p>
                       <a:pPr marL="0" algn="ctr" defTabSz="914400" rtl="0" eaLnBrk="1" latinLnBrk="0" hangingPunct="1"/>
                       <a:r>
-                        <a:rPr lang="ca-ES" sz="1000" b="1" kern="1200" dirty="0">
+                        <a:rPr lang="ca-ES" sz="1200" b="1" kern="1200" dirty="0">
                           <a:solidFill>
                             <a:schemeClr val="lt1"/>
                           </a:solidFill>
@@ -13691,7 +14782,7 @@
                           <a:ea typeface="+mn-ea"/>
                           <a:cs typeface="+mn-cs"/>
                         </a:rPr>
-                        <a:t>CON HIPOTECA</a:t>
+                        <a:t>CON Hipoteca</a:t>
                       </a:r>
                     </a:p>
                   </a:txBody>
@@ -13924,7 +15015,7 @@
           <p:nvPr>
             <p:extLst>
               <p:ext uri="{D42A27DB-BD31-4B8C-83A1-F6EECF244321}">
-                <p14:modId xmlns:p14="http://schemas.microsoft.com/office/powerpoint/2010/main" val="3900208990"/>
+                <p14:modId xmlns:p14="http://schemas.microsoft.com/office/powerpoint/2010/main" val="26873882"/>
               </p:ext>
             </p:extLst>
           </p:nvPr>
@@ -13970,39 +15061,34 @@
                     <a:p>
                       <a:pPr algn="ctr"/>
                       <a:r>
-                        <a:rPr lang="ca-ES" sz="1000" dirty="0">
+                        <a:rPr lang="es-ES" sz="1000" noProof="0" dirty="0">
                           <a:solidFill>
                             <a:schemeClr val="tx1"/>
                           </a:solidFill>
                         </a:rPr>
-                        <a:t>INCUMPLIMIENTO</a:t>
+                        <a:t>Incumplimiento</a:t>
                       </a:r>
                     </a:p>
                     <a:p>
                       <a:pPr algn="ctr"/>
                       <a:r>
-                        <a:rPr lang="ca-ES" sz="1000" dirty="0" err="1">
+                        <a:rPr lang="es-ES" sz="1000" noProof="0" dirty="0">
                           <a:solidFill>
                             <a:schemeClr val="tx1"/>
                           </a:solidFill>
                         </a:rPr>
-                        <a:t>Vs</a:t>
+                        <a:t>vs.</a:t>
                       </a:r>
-                      <a:endParaRPr lang="ca-ES" sz="1000" dirty="0">
-                        <a:solidFill>
-                          <a:schemeClr val="tx1"/>
-                        </a:solidFill>
-                      </a:endParaRPr>
                     </a:p>
                     <a:p>
                       <a:pPr algn="ctr"/>
                       <a:r>
-                        <a:rPr lang="ca-ES" sz="1000" dirty="0">
+                        <a:rPr lang="es-ES" sz="1000" noProof="0" dirty="0">
                           <a:solidFill>
                             <a:schemeClr val="tx1"/>
                           </a:solidFill>
                         </a:rPr>
-                        <a:t>PRÉSTAMO E HIPOTECA</a:t>
+                        <a:t>Préstamo e Hipoteca</a:t>
                       </a:r>
                     </a:p>
                   </a:txBody>
@@ -14047,9 +15133,7 @@
                       <a:noFill/>
                       <a:prstDash val="solid"/>
                     </a:lnBlToTr>
-                    <a:solidFill>
-                      <a:schemeClr val="bg1"/>
-                    </a:solidFill>
+                    <a:noFill/>
                   </a:tcPr>
                 </a:tc>
                 <a:tc>
@@ -14059,8 +15143,8 @@
                     <a:p>
                       <a:pPr algn="ctr"/>
                       <a:r>
-                        <a:rPr lang="ca-ES" sz="1000" dirty="0"/>
-                        <a:t>SIN PRESTAMO</a:t>
+                        <a:rPr lang="es-ES" sz="1200" noProof="0" dirty="0"/>
+                        <a:t>SIN Préstamo</a:t>
                       </a:r>
                     </a:p>
                   </a:txBody>
@@ -14110,7 +15194,7 @@
                       <a:prstDash val="solid"/>
                     </a:lnBlToTr>
                     <a:solidFill>
-                      <a:srgbClr val="81D185"/>
+                      <a:srgbClr val="00B050"/>
                     </a:solidFill>
                   </a:tcPr>
                 </a:tc>
@@ -14121,8 +15205,8 @@
                     <a:p>
                       <a:pPr algn="ctr"/>
                       <a:r>
-                        <a:rPr lang="ca-ES" sz="1000" dirty="0"/>
-                        <a:t>CON PRESTAMO</a:t>
+                        <a:rPr lang="es-ES" sz="1200" noProof="0" dirty="0"/>
+                        <a:t>CON Préstamo</a:t>
                       </a:r>
                     </a:p>
                   </a:txBody>
@@ -14172,7 +15256,7 @@
                       <a:prstDash val="solid"/>
                     </a:lnBlToTr>
                     <a:solidFill>
-                      <a:srgbClr val="81D185"/>
+                      <a:srgbClr val="00B050"/>
                     </a:solidFill>
                   </a:tcPr>
                 </a:tc>
@@ -14190,7 +15274,7 @@
                     <a:p>
                       <a:pPr marL="0" algn="ctr" defTabSz="914400" rtl="0" eaLnBrk="1" latinLnBrk="0" hangingPunct="1"/>
                       <a:r>
-                        <a:rPr lang="ca-ES" sz="1000" b="1" kern="1200" dirty="0">
+                        <a:rPr lang="es-ES" sz="1200" b="1" kern="1200" noProof="0" dirty="0">
                           <a:solidFill>
                             <a:schemeClr val="lt1"/>
                           </a:solidFill>
@@ -14198,7 +15282,7 @@
                           <a:ea typeface="+mn-ea"/>
                           <a:cs typeface="+mn-cs"/>
                         </a:rPr>
-                        <a:t>SIN HIPOTECA</a:t>
+                        <a:t>SIN Hipoteca</a:t>
                       </a:r>
                     </a:p>
                   </a:txBody>
@@ -14259,7 +15343,7 @@
                     <a:p>
                       <a:pPr algn="ctr"/>
                       <a:r>
-                        <a:rPr lang="ca-ES" sz="1400" b="1" dirty="0">
+                        <a:rPr lang="es-ES" sz="1400" b="1" noProof="0" dirty="0">
                           <a:solidFill>
                             <a:schemeClr val="tx1"/>
                           </a:solidFill>
@@ -14325,7 +15409,7 @@
                     <a:p>
                       <a:pPr algn="ctr"/>
                       <a:r>
-                        <a:rPr lang="ca-ES" sz="1400" b="1" dirty="0">
+                        <a:rPr lang="es-ES" sz="1400" b="1" noProof="0" dirty="0">
                           <a:solidFill>
                             <a:schemeClr val="tx1"/>
                           </a:solidFill>
@@ -14352,21 +15436,13 @@
                         <a:defRPr/>
                       </a:pPr>
                       <a:r>
-                        <a:rPr lang="ca-ES" sz="1200" b="1" dirty="0">
+                        <a:rPr lang="es-ES" sz="1200" b="1" noProof="0" dirty="0">
                           <a:solidFill>
                             <a:srgbClr val="00B050"/>
                           </a:solidFill>
                         </a:rPr>
                         <a:t>+472,8%</a:t>
                       </a:r>
-                    </a:p>
-                    <a:p>
-                      <a:pPr algn="ctr"/>
-                      <a:endParaRPr lang="ca-ES" sz="1400" b="1" dirty="0">
-                        <a:solidFill>
-                          <a:schemeClr val="tx1"/>
-                        </a:solidFill>
-                      </a:endParaRPr>
                     </a:p>
                   </a:txBody>
                   <a:tcPr anchor="ctr">
@@ -14433,7 +15509,7 @@
                     <a:p>
                       <a:pPr marL="0" algn="ctr" defTabSz="914400" rtl="0" eaLnBrk="1" latinLnBrk="0" hangingPunct="1"/>
                       <a:r>
-                        <a:rPr lang="ca-ES" sz="1000" b="1" kern="1200" dirty="0">
+                        <a:rPr lang="es-ES" sz="1200" b="1" kern="1200" noProof="0" dirty="0">
                           <a:solidFill>
                             <a:schemeClr val="lt1"/>
                           </a:solidFill>
@@ -14441,7 +15517,7 @@
                           <a:ea typeface="+mn-ea"/>
                           <a:cs typeface="+mn-cs"/>
                         </a:rPr>
-                        <a:t>CON HIPOTECA</a:t>
+                        <a:t>CON Hipoteca</a:t>
                       </a:r>
                     </a:p>
                   </a:txBody>
@@ -14502,7 +15578,7 @@
                     <a:p>
                       <a:pPr algn="ctr"/>
                       <a:r>
-                        <a:rPr lang="ca-ES" sz="1400" b="1" dirty="0">
+                        <a:rPr lang="es-ES" sz="1400" b="1" noProof="0" dirty="0">
                           <a:solidFill>
                             <a:schemeClr val="tx1"/>
                           </a:solidFill>
@@ -14529,21 +15605,13 @@
                         <a:defRPr/>
                       </a:pPr>
                       <a:r>
-                        <a:rPr lang="ca-ES" sz="1200" b="1" dirty="0">
+                        <a:rPr lang="es-ES" sz="1200" b="1" noProof="0" dirty="0">
                           <a:solidFill>
                             <a:srgbClr val="00B050"/>
                           </a:solidFill>
                         </a:rPr>
                         <a:t>+48,9%</a:t>
                       </a:r>
-                    </a:p>
-                    <a:p>
-                      <a:pPr algn="ctr"/>
-                      <a:endParaRPr lang="ca-ES" sz="1400" b="1" dirty="0">
-                        <a:solidFill>
-                          <a:schemeClr val="tx1"/>
-                        </a:solidFill>
-                      </a:endParaRPr>
                     </a:p>
                   </a:txBody>
                   <a:tcPr anchor="ctr">
@@ -14603,7 +15671,7 @@
                     <a:p>
                       <a:pPr algn="ctr"/>
                       <a:r>
-                        <a:rPr lang="ca-ES" sz="1400" b="1" dirty="0">
+                        <a:rPr lang="es-ES" sz="1400" b="1" noProof="0" dirty="0">
                           <a:solidFill>
                             <a:schemeClr val="tx1"/>
                           </a:solidFill>
@@ -14614,21 +15682,13 @@
                     <a:p>
                       <a:pPr algn="ctr"/>
                       <a:r>
-                        <a:rPr lang="ca-ES" sz="1200" b="1" dirty="0">
+                        <a:rPr lang="es-ES" sz="1200" b="1" noProof="0" dirty="0">
                           <a:solidFill>
                             <a:srgbClr val="00B050"/>
                           </a:solidFill>
                         </a:rPr>
                         <a:t>+203,3%</a:t>
                       </a:r>
-                    </a:p>
-                    <a:p>
-                      <a:pPr algn="ctr"/>
-                      <a:endParaRPr lang="ca-ES" sz="1400" b="1" dirty="0">
-                        <a:solidFill>
-                          <a:schemeClr val="tx1"/>
-                        </a:solidFill>
-                      </a:endParaRPr>
                     </a:p>
                   </a:txBody>
                   <a:tcPr anchor="ctr">
@@ -14740,7 +15800,7 @@
             </a:pPr>
             <a:r>
               <a:rPr lang="es-ES" sz="1300" dirty="0"/>
-              <a:t>Le siguen con un -27,2% los que tienen hipoteca pero no préstamo </a:t>
+              <a:t>Le siguen con un -27,2% los que tienen hipoteca, pero no préstamo </a:t>
             </a:r>
           </a:p>
           <a:p>
@@ -14750,7 +15810,7 @@
             </a:pPr>
             <a:r>
               <a:rPr lang="es-ES" sz="1300" dirty="0"/>
-              <a:t>Cierran, con menos de la mitad de saldo las categorías con préstamo</a:t>
+              <a:t>Cierran, con menos de la mitad de saldo, las categorías con préstamo</a:t>
             </a:r>
           </a:p>
         </p:txBody>
@@ -14769,8 +15829,8 @@
         </p:nvSpPr>
         <p:spPr>
           <a:xfrm>
-            <a:off x="4318149" y="3732240"/>
-            <a:ext cx="2358931" cy="2709982"/>
+            <a:off x="4194779" y="3732240"/>
+            <a:ext cx="2482302" cy="2734092"/>
           </a:xfrm>
           <a:prstGeom prst="roundRect">
             <a:avLst/>
@@ -14804,7 +15864,7 @@
             </a:pPr>
             <a:r>
               <a:rPr lang="es-ES" sz="1300" dirty="0"/>
-              <a:t>Le siguen con +48,9% los que tienen hipoteca pero no préstamo </a:t>
+              <a:t>Le siguen con un +48,9% los que tienen hipoteca, pero no préstamo </a:t>
             </a:r>
           </a:p>
           <a:p>
@@ -14814,7 +15874,7 @@
             </a:pPr>
             <a:r>
               <a:rPr lang="es-ES" sz="1300" dirty="0"/>
-              <a:t>Las categorías con préstamo incumplen 2 veces más (con Hipoteca) y casi 5 veces más (sin hipoteca)</a:t>
+              <a:t>Las categorías con préstamo incumplen 2 veces más (con hipoteca) y casi 5 veces más (sin hipoteca)</a:t>
             </a:r>
           </a:p>
         </p:txBody>
@@ -14833,8 +15893,8 @@
         </p:nvSpPr>
         <p:spPr>
           <a:xfrm>
-            <a:off x="7769307" y="1470715"/>
-            <a:ext cx="4116991" cy="1651516"/>
+            <a:off x="7844824" y="1692052"/>
+            <a:ext cx="3891346" cy="1208842"/>
           </a:xfrm>
           <a:prstGeom prst="roundRect">
             <a:avLst/>
@@ -14863,7 +15923,7 @@
             </a:pPr>
             <a:r>
               <a:rPr lang="es-ES" sz="1300" dirty="0"/>
-              <a:t>A MAYOR NUMERO DE PRODUCTOS CONTRATADOS MAYOR SALDO</a:t>
+              <a:t>A mayor número de productos contratados, menor saldo medio</a:t>
             </a:r>
           </a:p>
           <a:p>
@@ -14873,19 +15933,19 @@
             </a:pPr>
             <a:r>
               <a:rPr lang="es-ES" sz="1300" dirty="0"/>
-              <a:t>LOS CLIENTES </a:t>
+              <a:t>Los clientes </a:t>
             </a:r>
             <a:r>
               <a:rPr lang="es-ES" sz="1300" b="1" dirty="0"/>
-              <a:t>SIN PRÉSTAMO </a:t>
+              <a:t>sin préstamo </a:t>
             </a:r>
             <a:r>
               <a:rPr lang="es-ES" sz="1300" dirty="0"/>
-              <a:t>TIENEN EL </a:t>
+              <a:t>tienen el </a:t>
             </a:r>
             <a:r>
               <a:rPr lang="es-ES" sz="1300" b="1" dirty="0"/>
-              <a:t>DOBLE DE SALDO </a:t>
+              <a:t>doble de saldo </a:t>
             </a:r>
           </a:p>
           <a:p>
@@ -14895,23 +15955,35 @@
             </a:pPr>
             <a:r>
               <a:rPr lang="es-ES" sz="1300" dirty="0"/>
-              <a:t>LOS QUE TIENEN </a:t>
+              <a:t>Los que tienen </a:t>
             </a:r>
             <a:r>
               <a:rPr lang="es-ES" sz="1300" b="1" dirty="0"/>
-              <a:t>HIPOTECA</a:t>
+              <a:t>hipoteca</a:t>
             </a:r>
             <a:r>
               <a:rPr lang="es-ES" sz="1300" dirty="0"/>
-              <a:t>  TIENEN TAMBIEN </a:t>
+              <a:t> también tienen </a:t>
             </a:r>
             <a:r>
               <a:rPr lang="es-ES" sz="1300" b="1" dirty="0"/>
-              <a:t>MENOR SALDO </a:t>
+              <a:t>menor saldo, </a:t>
             </a:r>
             <a:r>
               <a:rPr lang="es-ES" sz="1300" dirty="0"/>
-              <a:t>PERO EN MENOR MEDIDA(-10,8% Y -27,2%)</a:t>
+              <a:t>pero en menor medida </a:t>
+            </a:r>
+            <a:r>
+              <a:rPr lang="es-ES" sz="1300" dirty="0">
+                <a:highlight>
+                  <a:srgbClr val="FFFF00"/>
+                </a:highlight>
+              </a:rPr>
+              <a:t>(-10,8% </a:t>
+            </a:r>
+            <a:r>
+              <a:rPr lang="es-ES" sz="1300" dirty="0"/>
+              <a:t>y -27,2%)</a:t>
             </a:r>
           </a:p>
         </p:txBody>
@@ -14930,7 +16002,7 @@
         </p:nvSpPr>
         <p:spPr>
           <a:xfrm>
-            <a:off x="7844823" y="4333410"/>
+            <a:off x="7844824" y="4482810"/>
             <a:ext cx="3907902" cy="1208842"/>
           </a:xfrm>
           <a:prstGeom prst="roundRect">
@@ -14960,19 +16032,31 @@
             </a:pPr>
             <a:r>
               <a:rPr lang="es-ES" sz="1300" dirty="0"/>
-              <a:t>LOS CLIENTES </a:t>
+              <a:t>Los clientes </a:t>
             </a:r>
             <a:r>
               <a:rPr lang="es-ES" sz="1300" b="1" dirty="0"/>
-              <a:t>CON PRÉSTAMO  INCUMPLEN</a:t>
+              <a:t>con préstamo incumplen</a:t>
             </a:r>
             <a:r>
               <a:rPr lang="es-ES" sz="1300" dirty="0"/>
-              <a:t> ENTRE UN 50,9% Y 472,8% </a:t>
+              <a:t> entre un </a:t>
+            </a:r>
+            <a:r>
+              <a:rPr lang="es-ES" sz="1300" dirty="0">
+                <a:highlight>
+                  <a:srgbClr val="FFFF00"/>
+                </a:highlight>
+              </a:rPr>
+              <a:t>50,9%</a:t>
+            </a:r>
+            <a:r>
+              <a:rPr lang="es-ES" sz="1300" dirty="0"/>
+              <a:t> y 472,8% </a:t>
             </a:r>
             <a:r>
               <a:rPr lang="es-ES" sz="1300" b="1" dirty="0"/>
-              <a:t>MÁS</a:t>
+              <a:t>más</a:t>
             </a:r>
           </a:p>
           <a:p>
@@ -14982,51 +16066,55 @@
             </a:pPr>
             <a:r>
               <a:rPr lang="es-ES" sz="1300" dirty="0"/>
-              <a:t>EL FACTOR </a:t>
+              <a:t>El factor </a:t>
             </a:r>
             <a:r>
               <a:rPr lang="es-ES" sz="1300" b="1" dirty="0"/>
-              <a:t>HIPOTECA AUMENTA </a:t>
+              <a:t>hipoteca aumenta </a:t>
             </a:r>
             <a:r>
               <a:rPr lang="es-ES" sz="1300" dirty="0"/>
-              <a:t>EL </a:t>
+              <a:t>el </a:t>
             </a:r>
             <a:r>
               <a:rPr lang="es-ES" sz="1300" b="1" dirty="0"/>
-              <a:t>RIESGO </a:t>
+              <a:t>riesgo </a:t>
             </a:r>
             <a:r>
               <a:rPr lang="es-ES" sz="1300" dirty="0"/>
-              <a:t>EN UN 48,9% EN LOS </a:t>
+              <a:t>en un 48,9% en los </a:t>
             </a:r>
             <a:r>
               <a:rPr lang="es-ES" sz="1300" b="1" dirty="0"/>
-              <a:t>SIN PRÉSTAMO</a:t>
+              <a:t>sin préstamos,</a:t>
             </a:r>
             <a:r>
               <a:rPr lang="es-ES" sz="1300" dirty="0"/>
-              <a:t>  PERO </a:t>
+              <a:t>  pero </a:t>
             </a:r>
             <a:r>
               <a:rPr lang="es-ES" sz="1300" b="1" dirty="0"/>
-              <a:t>LO DECRECE </a:t>
+              <a:t>lo decrece </a:t>
+            </a:r>
+            <a:r>
+              <a:rPr lang="es-ES" sz="1300" dirty="0">
+                <a:highlight>
+                  <a:srgbClr val="FFFF00"/>
+                </a:highlight>
+              </a:rPr>
+              <a:t>-47,1% </a:t>
+            </a:r>
+            <a:r>
+              <a:rPr lang="es-ES" sz="1300" b="1" dirty="0"/>
+              <a:t>en</a:t>
             </a:r>
             <a:r>
               <a:rPr lang="es-ES" sz="1300" dirty="0"/>
-              <a:t>-47,1% </a:t>
+              <a:t> los que tienen </a:t>
             </a:r>
             <a:r>
               <a:rPr lang="es-ES" sz="1300" b="1" dirty="0"/>
-              <a:t>EN</a:t>
-            </a:r>
-            <a:r>
-              <a:rPr lang="es-ES" sz="1300" dirty="0"/>
-              <a:t> LOS QUE TIENEN </a:t>
-            </a:r>
-            <a:r>
-              <a:rPr lang="es-ES" sz="1300" b="1" dirty="0"/>
-              <a:t>PRESTAMO</a:t>
+              <a:t>préstamo</a:t>
             </a:r>
           </a:p>
         </p:txBody>
@@ -15049,7 +16137,10 @@
             <a:ext cx="638629" cy="2094190"/>
           </a:xfrm>
           <a:prstGeom prst="rightBrace">
-            <a:avLst/>
+            <a:avLst>
+              <a:gd name="adj1" fmla="val 26556"/>
+              <a:gd name="adj2" fmla="val 50000"/>
+            </a:avLst>
           </a:prstGeom>
           <a:ln w="28575"/>
         </p:spPr>
@@ -15091,10 +16182,10 @@
       </p:sp>
       <p:sp>
         <p:nvSpPr>
-          <p:cNvPr id="12" name="Clau de tancament 11">
-            <a:extLst>
-              <a:ext uri="{FF2B5EF4-FFF2-40B4-BE49-F238E27FC236}">
-                <a16:creationId xmlns:a16="http://schemas.microsoft.com/office/drawing/2014/main" id="{7DEC1563-ACD2-1BCF-4E71-88010A01050B}"/>
+          <p:cNvPr id="4" name="Clau de tancament 1">
+            <a:extLst>
+              <a:ext uri="{FF2B5EF4-FFF2-40B4-BE49-F238E27FC236}">
+                <a16:creationId xmlns:a16="http://schemas.microsoft.com/office/drawing/2014/main" id="{2EF53453-D9B5-EB57-21E2-3C1D6A58085E}"/>
               </a:ext>
             </a:extLst>
           </p:cNvPr>
@@ -15103,11 +16194,14 @@
         </p:nvSpPr>
         <p:spPr>
           <a:xfrm>
-            <a:off x="6956151" y="3948792"/>
-            <a:ext cx="638629" cy="2094190"/>
+            <a:off x="6945318" y="3732240"/>
+            <a:ext cx="638629" cy="2709982"/>
           </a:xfrm>
           <a:prstGeom prst="rightBrace">
-            <a:avLst/>
+            <a:avLst>
+              <a:gd name="adj1" fmla="val 26556"/>
+              <a:gd name="adj2" fmla="val 50000"/>
+            </a:avLst>
           </a:prstGeom>
           <a:ln w="28575"/>
         </p:spPr>
@@ -15179,6 +16273,60 @@
       </p:grpSpPr>
       <p:sp>
         <p:nvSpPr>
+          <p:cNvPr id="2" name="Rectángulo 1">
+            <a:extLst>
+              <a:ext uri="{FF2B5EF4-FFF2-40B4-BE49-F238E27FC236}">
+                <a16:creationId xmlns:a16="http://schemas.microsoft.com/office/drawing/2014/main" id="{AE075C58-333E-B20B-FF4A-C0CCDF7254CF}"/>
+              </a:ext>
+            </a:extLst>
+          </p:cNvPr>
+          <p:cNvSpPr/>
+          <p:nvPr/>
+        </p:nvSpPr>
+        <p:spPr>
+          <a:xfrm>
+            <a:off x="0" y="6400800"/>
+            <a:ext cx="2557670" cy="457200"/>
+          </a:xfrm>
+          <a:prstGeom prst="rect">
+            <a:avLst/>
+          </a:prstGeom>
+          <a:solidFill>
+            <a:schemeClr val="bg1">
+              <a:lumMod val="95000"/>
+            </a:schemeClr>
+          </a:solidFill>
+          <a:ln>
+            <a:noFill/>
+          </a:ln>
+        </p:spPr>
+        <p:style>
+          <a:lnRef idx="2">
+            <a:schemeClr val="accent1">
+              <a:shade val="50000"/>
+            </a:schemeClr>
+          </a:lnRef>
+          <a:fillRef idx="1">
+            <a:schemeClr val="accent1"/>
+          </a:fillRef>
+          <a:effectRef idx="0">
+            <a:schemeClr val="accent1"/>
+          </a:effectRef>
+          <a:fontRef idx="minor">
+            <a:schemeClr val="lt1"/>
+          </a:fontRef>
+        </p:style>
+        <p:txBody>
+          <a:bodyPr rtlCol="0" anchor="ctr"/>
+          <a:lstStyle/>
+          <a:p>
+            <a:pPr algn="ctr"/>
+            <a:endParaRPr lang="es-ES"/>
+          </a:p>
+        </p:txBody>
+      </p:sp>
+      <p:sp>
+        <p:nvSpPr>
           <p:cNvPr id="5" name="QuadreDeText 3">
             <a:extLst>
               <a:ext uri="{FF2B5EF4-FFF2-40B4-BE49-F238E27FC236}">
@@ -15219,12 +16367,8 @@
           </a:p>
           <a:p>
             <a:r>
-              <a:rPr lang="es-ES" altLang="es-ES" sz="1400" dirty="0"/>
-              <a:t>¿</a:t>
-            </a:r>
-            <a:r>
               <a:rPr lang="es-ES" altLang="es-ES" sz="1400" b="1" dirty="0"/>
-              <a:t>Los clientes con préstamos e hipotecas tienden a tener un ¿saldo medio más bajo o más riesgo de incumplimiento? </a:t>
+              <a:t>¿Los clientes con préstamos e hipotecas tienden a tener un saldo medio más bajo o más riesgo de incumplimiento? </a:t>
             </a:r>
           </a:p>
         </p:txBody>
@@ -15243,8 +16387,215 @@
         </p:nvSpPr>
         <p:spPr>
           <a:xfrm>
-            <a:off x="505958" y="1662385"/>
-            <a:ext cx="6669740" cy="2585323"/>
+            <a:off x="3950972" y="2066657"/>
+            <a:ext cx="5636045" cy="880369"/>
+          </a:xfrm>
+          <a:prstGeom prst="rect">
+            <a:avLst/>
+          </a:prstGeom>
+          <a:noFill/>
+        </p:spPr>
+        <p:txBody>
+          <a:bodyPr wrap="square">
+            <a:spAutoFit/>
+          </a:bodyPr>
+          <a:lstStyle>
+            <a:defPPr rtl="0">
+              <a:defRPr lang="es-es"/>
+            </a:defPPr>
+            <a:lvl1pPr>
+              <a:lnSpc>
+                <a:spcPct val="150000"/>
+              </a:lnSpc>
+              <a:defRPr/>
+            </a:lvl1pPr>
+          </a:lstStyle>
+          <a:p>
+            <a:r>
+              <a:rPr lang="es-ES" altLang="es-ES" dirty="0"/>
+              <a:t>Tienden a tener mucho menor saldo</a:t>
+            </a:r>
+          </a:p>
+          <a:p>
+            <a:r>
+              <a:rPr lang="es-ES" altLang="es-ES" dirty="0"/>
+              <a:t>Tienden a tener mucho más riesgo de incumplimiento</a:t>
+            </a:r>
+          </a:p>
+        </p:txBody>
+      </p:sp>
+      <p:sp>
+        <p:nvSpPr>
+          <p:cNvPr id="3" name="Elipse 2">
+            <a:extLst>
+              <a:ext uri="{FF2B5EF4-FFF2-40B4-BE49-F238E27FC236}">
+                <a16:creationId xmlns:a16="http://schemas.microsoft.com/office/drawing/2014/main" id="{50BAAC89-F0EF-0DB5-A040-D3620F9E5BB4}"/>
+              </a:ext>
+            </a:extLst>
+          </p:cNvPr>
+          <p:cNvSpPr/>
+          <p:nvPr/>
+        </p:nvSpPr>
+        <p:spPr>
+          <a:xfrm>
+            <a:off x="1584671" y="1696842"/>
+            <a:ext cx="1620000" cy="1620000"/>
+          </a:xfrm>
+          <a:prstGeom prst="ellipse">
+            <a:avLst/>
+          </a:prstGeom>
+          <a:solidFill>
+            <a:schemeClr val="accent5">
+              <a:lumMod val="25000"/>
+              <a:lumOff val="75000"/>
+            </a:schemeClr>
+          </a:solidFill>
+          <a:ln>
+            <a:solidFill>
+              <a:schemeClr val="accent5">
+                <a:lumMod val="50000"/>
+                <a:lumOff val="50000"/>
+              </a:schemeClr>
+            </a:solidFill>
+          </a:ln>
+        </p:spPr>
+        <p:style>
+          <a:lnRef idx="2">
+            <a:schemeClr val="accent1">
+              <a:shade val="50000"/>
+            </a:schemeClr>
+          </a:lnRef>
+          <a:fillRef idx="1">
+            <a:schemeClr val="accent1"/>
+          </a:fillRef>
+          <a:effectRef idx="0">
+            <a:schemeClr val="accent1"/>
+          </a:effectRef>
+          <a:fontRef idx="minor">
+            <a:schemeClr val="lt1"/>
+          </a:fontRef>
+        </p:style>
+        <p:txBody>
+          <a:bodyPr rtlCol="0" anchor="ctr"/>
+          <a:lstStyle/>
+          <a:p>
+            <a:pPr algn="ctr"/>
+            <a:r>
+              <a:rPr lang="es-ES" sz="1400" dirty="0">
+                <a:solidFill>
+                  <a:schemeClr val="tx1"/>
+                </a:solidFill>
+              </a:rPr>
+              <a:t>Clientes con</a:t>
+            </a:r>
+          </a:p>
+          <a:p>
+            <a:pPr algn="ctr"/>
+            <a:r>
+              <a:rPr lang="es-ES" sz="1400" b="1" dirty="0">
+                <a:solidFill>
+                  <a:schemeClr val="tx1"/>
+                </a:solidFill>
+              </a:rPr>
+              <a:t>PRÉSTAMOS</a:t>
+            </a:r>
+          </a:p>
+        </p:txBody>
+      </p:sp>
+      <p:sp>
+        <p:nvSpPr>
+          <p:cNvPr id="4" name="Elipse 3">
+            <a:extLst>
+              <a:ext uri="{FF2B5EF4-FFF2-40B4-BE49-F238E27FC236}">
+                <a16:creationId xmlns:a16="http://schemas.microsoft.com/office/drawing/2014/main" id="{71BD2C71-4A01-264A-FBBC-D82911106B4A}"/>
+              </a:ext>
+            </a:extLst>
+          </p:cNvPr>
+          <p:cNvSpPr/>
+          <p:nvPr/>
+        </p:nvSpPr>
+        <p:spPr>
+          <a:xfrm>
+            <a:off x="1584671" y="4123667"/>
+            <a:ext cx="1620000" cy="1620000"/>
+          </a:xfrm>
+          <a:prstGeom prst="ellipse">
+            <a:avLst/>
+          </a:prstGeom>
+          <a:solidFill>
+            <a:schemeClr val="accent5">
+              <a:lumMod val="25000"/>
+              <a:lumOff val="75000"/>
+            </a:schemeClr>
+          </a:solidFill>
+          <a:ln>
+            <a:solidFill>
+              <a:schemeClr val="accent5">
+                <a:lumMod val="50000"/>
+                <a:lumOff val="50000"/>
+              </a:schemeClr>
+            </a:solidFill>
+          </a:ln>
+        </p:spPr>
+        <p:style>
+          <a:lnRef idx="2">
+            <a:schemeClr val="accent1">
+              <a:shade val="50000"/>
+            </a:schemeClr>
+          </a:lnRef>
+          <a:fillRef idx="1">
+            <a:schemeClr val="accent1"/>
+          </a:fillRef>
+          <a:effectRef idx="0">
+            <a:schemeClr val="accent1"/>
+          </a:effectRef>
+          <a:fontRef idx="minor">
+            <a:schemeClr val="lt1"/>
+          </a:fontRef>
+        </p:style>
+        <p:txBody>
+          <a:bodyPr rtlCol="0" anchor="ctr"/>
+          <a:lstStyle/>
+          <a:p>
+            <a:pPr algn="ctr"/>
+            <a:r>
+              <a:rPr lang="es-ES" sz="1400" dirty="0">
+                <a:solidFill>
+                  <a:schemeClr val="tx1"/>
+                </a:solidFill>
+              </a:rPr>
+              <a:t>Clientes con</a:t>
+            </a:r>
+          </a:p>
+          <a:p>
+            <a:pPr algn="ctr"/>
+            <a:r>
+              <a:rPr lang="es-ES" sz="1400" b="1" dirty="0">
+                <a:solidFill>
+                  <a:schemeClr val="tx1"/>
+                </a:solidFill>
+              </a:rPr>
+              <a:t>HIPOTECAS</a:t>
+            </a:r>
+          </a:p>
+        </p:txBody>
+      </p:sp>
+      <p:sp>
+        <p:nvSpPr>
+          <p:cNvPr id="7" name="CuadroTexto 6">
+            <a:extLst>
+              <a:ext uri="{FF2B5EF4-FFF2-40B4-BE49-F238E27FC236}">
+                <a16:creationId xmlns:a16="http://schemas.microsoft.com/office/drawing/2014/main" id="{292295D7-A0AA-6FFD-C472-DE7035C28F3B}"/>
+              </a:ext>
+            </a:extLst>
+          </p:cNvPr>
+          <p:cNvSpPr txBox="1"/>
+          <p:nvPr/>
+        </p:nvSpPr>
+        <p:spPr>
+          <a:xfrm>
+            <a:off x="3950972" y="4285733"/>
+            <a:ext cx="7049063" cy="1295868"/>
           </a:xfrm>
           <a:prstGeom prst="rect">
             <a:avLst/>
@@ -15257,50 +16608,11 @@
           </a:bodyPr>
           <a:lstStyle/>
           <a:p>
-            <a:r>
-              <a:rPr lang="es-ES" altLang="es-ES" sz="1800" dirty="0"/>
-              <a:t>Los clientes con </a:t>
-            </a:r>
-            <a:r>
-              <a:rPr lang="es-ES" altLang="es-ES" sz="1800" b="1" dirty="0"/>
-              <a:t>préstamos</a:t>
-            </a:r>
-            <a:r>
-              <a:rPr lang="es-ES" altLang="es-ES" dirty="0"/>
-              <a:t>:</a:t>
-            </a:r>
-          </a:p>
-          <a:p>
-            <a:r>
-              <a:rPr lang="es-ES" altLang="es-ES" sz="1800" dirty="0"/>
-              <a:t>Tienden a tener mucho menor saldo</a:t>
-            </a:r>
-          </a:p>
-          <a:p>
-            <a:r>
-              <a:rPr lang="es-ES" altLang="es-ES" dirty="0"/>
-              <a:t>Tienden a tener mucho más riesgo de incumplimiento</a:t>
-            </a:r>
-            <a:endParaRPr lang="es-ES" altLang="es-ES" sz="1800" dirty="0"/>
-          </a:p>
-          <a:p>
-            <a:endParaRPr lang="es-ES" altLang="es-ES" dirty="0"/>
-          </a:p>
-          <a:p>
-            <a:r>
-              <a:rPr lang="es-ES" altLang="es-ES" sz="1800" dirty="0"/>
-              <a:t>Los clientes con </a:t>
-            </a:r>
-            <a:r>
-              <a:rPr lang="es-ES" altLang="es-ES" sz="1800" b="1" dirty="0"/>
-              <a:t>hipotecas</a:t>
-            </a:r>
-            <a:r>
-              <a:rPr lang="es-ES" altLang="es-ES" sz="1800" dirty="0"/>
-              <a:t>: </a:t>
-            </a:r>
-          </a:p>
-          <a:p>
+            <a:pPr>
+              <a:lnSpc>
+                <a:spcPct val="150000"/>
+              </a:lnSpc>
+            </a:pPr>
             <a:r>
               <a:rPr lang="es-ES" altLang="es-ES" dirty="0"/>
               <a:t>T</a:t>
@@ -15311,21 +16623,25 @@
             </a:r>
           </a:p>
           <a:p>
+            <a:pPr>
+              <a:lnSpc>
+                <a:spcPct val="150000"/>
+              </a:lnSpc>
+            </a:pPr>
             <a:r>
               <a:rPr lang="es-ES" altLang="es-ES" dirty="0"/>
-              <a:t>Tienden a tener un poco más de riesgo en los que no tienen préstamo</a:t>
-            </a:r>
-          </a:p>
-          <a:p>
+              <a:t>Tienden a tener un poco más de riesgo que los que no tienen préstamo</a:t>
+            </a:r>
+          </a:p>
+          <a:p>
+            <a:pPr>
+              <a:lnSpc>
+                <a:spcPct val="150000"/>
+              </a:lnSpc>
+            </a:pPr>
             <a:r>
               <a:rPr lang="es-ES" altLang="es-ES" dirty="0"/>
               <a:t>Tienden a tener menor riesgo en los que tienen también préstamo</a:t>
-            </a:r>
-          </a:p>
-          <a:p>
-            <a:r>
-              <a:rPr lang="es-ES" altLang="es-ES" sz="1800" dirty="0"/>
-              <a:t> </a:t>
             </a:r>
           </a:p>
         </p:txBody>

--- a/Equip_B/results/S2_Presentacion_Finanzas.pptx
+++ b/Equip_B/results/S2_Presentacion_Finanzas.pptx
@@ -5,10 +5,10 @@
     <p:sldMasterId id="2147483648" r:id="rId4"/>
   </p:sldMasterIdLst>
   <p:notesMasterIdLst>
-    <p:notesMasterId r:id="rId16"/>
+    <p:notesMasterId r:id="rId17"/>
   </p:notesMasterIdLst>
   <p:handoutMasterIdLst>
-    <p:handoutMasterId r:id="rId17"/>
+    <p:handoutMasterId r:id="rId18"/>
   </p:handoutMasterIdLst>
   <p:sldIdLst>
     <p:sldId id="324" r:id="rId5"/>
@@ -21,7 +21,8 @@
     <p:sldId id="333" r:id="rId12"/>
     <p:sldId id="334" r:id="rId13"/>
     <p:sldId id="349" r:id="rId14"/>
-    <p:sldId id="335" r:id="rId15"/>
+    <p:sldId id="352" r:id="rId15"/>
+    <p:sldId id="335" r:id="rId16"/>
   </p:sldIdLst>
   <p:sldSz cx="12192000" cy="6858000"/>
   <p:notesSz cx="6858000" cy="9144000"/>
@@ -253,7 +254,7 @@
             <a:pPr rtl="0"/>
             <a:fld id="{75725A15-8D86-497D-8EAD-2EB1176C54F6}" type="datetime1">
               <a:rPr lang="es-ES" smtClean="0"/>
-              <a:t>18/10/2024</a:t>
+              <a:t>19/10/2024</a:t>
             </a:fld>
             <a:endParaRPr lang="es-ES"/>
           </a:p>
@@ -333,7 +334,7 @@
             <a:pPr rtl="0"/>
             <a:fld id="{682C0B10-7CAE-41E4-AB02-7E8B1FF2B898}" type="slidenum">
               <a:rPr lang="es-ES" smtClean="0"/>
-              <a:t>‹Nº›</a:t>
+              <a:t>‹#›</a:t>
             </a:fld>
             <a:endParaRPr lang="es-ES"/>
           </a:p>
@@ -435,7 +436,7 @@
             <a:fld id="{B958D509-07EE-4A09-900B-403023880868}" type="datetime1">
               <a:rPr lang="es-ES" smtClean="0"/>
               <a:pPr/>
-              <a:t>18/10/2024</a:t>
+              <a:t>19/10/2024</a:t>
             </a:fld>
             <a:endParaRPr lang="es-ES" dirty="0"/>
           </a:p>
@@ -596,7 +597,7 @@
             <a:pPr rtl="0"/>
             <a:fld id="{8530193B-564F-4854-8A52-728F3FB19C85}" type="slidenum">
               <a:rPr lang="es-ES" noProof="0" smtClean="0"/>
-              <a:t>‹Nº›</a:t>
+              <a:t>‹#›</a:t>
             </a:fld>
             <a:endParaRPr lang="es-ES" noProof="0"/>
           </a:p>
@@ -800,6 +801,115 @@
         <p:cNvPr id="1" name="">
           <a:extLst>
             <a:ext uri="{FF2B5EF4-FFF2-40B4-BE49-F238E27FC236}">
+              <a16:creationId xmlns:a16="http://schemas.microsoft.com/office/drawing/2014/main" id="{5DA7D38E-33F9-D49A-4C5B-F7F4AA3A60A3}"/>
+            </a:ext>
+          </a:extLst>
+        </p:cNvPr>
+        <p:cNvGrpSpPr/>
+        <p:nvPr/>
+      </p:nvGrpSpPr>
+      <p:grpSpPr>
+        <a:xfrm>
+          <a:off x="0" y="0"/>
+          <a:ext cx="0" cy="0"/>
+          <a:chOff x="0" y="0"/>
+          <a:chExt cx="0" cy="0"/>
+        </a:xfrm>
+      </p:grpSpPr>
+      <p:sp>
+        <p:nvSpPr>
+          <p:cNvPr id="2" name="Marcador de imagen de diapositiva 1">
+            <a:extLst>
+              <a:ext uri="{FF2B5EF4-FFF2-40B4-BE49-F238E27FC236}">
+                <a16:creationId xmlns:a16="http://schemas.microsoft.com/office/drawing/2014/main" id="{54781FF0-7926-B6A7-820F-74452805D43A}"/>
+              </a:ext>
+            </a:extLst>
+          </p:cNvPr>
+          <p:cNvSpPr>
+            <a:spLocks noGrp="1" noRot="1" noChangeAspect="1"/>
+          </p:cNvSpPr>
+          <p:nvPr>
+            <p:ph type="sldImg"/>
+          </p:nvPr>
+        </p:nvSpPr>
+        <p:spPr/>
+      </p:sp>
+      <p:sp>
+        <p:nvSpPr>
+          <p:cNvPr id="3" name="Marcador de notas 2">
+            <a:extLst>
+              <a:ext uri="{FF2B5EF4-FFF2-40B4-BE49-F238E27FC236}">
+                <a16:creationId xmlns:a16="http://schemas.microsoft.com/office/drawing/2014/main" id="{4CCA55E2-F3E4-D350-3FCD-595B858CB721}"/>
+              </a:ext>
+            </a:extLst>
+          </p:cNvPr>
+          <p:cNvSpPr>
+            <a:spLocks noGrp="1"/>
+          </p:cNvSpPr>
+          <p:nvPr>
+            <p:ph type="body" idx="1"/>
+          </p:nvPr>
+        </p:nvSpPr>
+        <p:spPr/>
+        <p:txBody>
+          <a:bodyPr/>
+          <a:lstStyle/>
+          <a:p>
+            <a:endParaRPr lang="es-ES" dirty="0"/>
+          </a:p>
+        </p:txBody>
+      </p:sp>
+      <p:sp>
+        <p:nvSpPr>
+          <p:cNvPr id="4" name="Marcador de número de diapositiva 3">
+            <a:extLst>
+              <a:ext uri="{FF2B5EF4-FFF2-40B4-BE49-F238E27FC236}">
+                <a16:creationId xmlns:a16="http://schemas.microsoft.com/office/drawing/2014/main" id="{020D89AD-27A1-4AF4-3B31-3F707F5DD491}"/>
+              </a:ext>
+            </a:extLst>
+          </p:cNvPr>
+          <p:cNvSpPr>
+            <a:spLocks noGrp="1"/>
+          </p:cNvSpPr>
+          <p:nvPr>
+            <p:ph type="sldNum" sz="quarter" idx="5"/>
+          </p:nvPr>
+        </p:nvSpPr>
+        <p:spPr/>
+        <p:txBody>
+          <a:bodyPr/>
+          <a:lstStyle/>
+          <a:p>
+            <a:pPr rtl="0"/>
+            <a:fld id="{8530193B-564F-4854-8A52-728F3FB19C85}" type="slidenum">
+              <a:rPr lang="es-ES" noProof="0" smtClean="0"/>
+              <a:t>11</a:t>
+            </a:fld>
+            <a:endParaRPr lang="es-ES" noProof="0"/>
+          </a:p>
+        </p:txBody>
+      </p:sp>
+    </p:spTree>
+    <p:extLst>
+      <p:ext uri="{BB962C8B-B14F-4D97-AF65-F5344CB8AC3E}">
+        <p14:creationId xmlns:p14="http://schemas.microsoft.com/office/powerpoint/2010/main" val="2605541255"/>
+      </p:ext>
+    </p:extLst>
+  </p:cSld>
+  <p:clrMapOvr>
+    <a:masterClrMapping/>
+  </p:clrMapOvr>
+</p:notes>
+</file>
+
+<file path=ppt/notesSlides/notesSlide11.xml><?xml version="1.0" encoding="utf-8"?>
+<p:notes xmlns:a="http://schemas.openxmlformats.org/drawingml/2006/main" xmlns:r="http://schemas.openxmlformats.org/officeDocument/2006/relationships" xmlns:p="http://schemas.openxmlformats.org/presentationml/2006/main">
+  <p:cSld>
+    <p:spTree>
+      <p:nvGrpSpPr>
+        <p:cNvPr id="1" name="">
+          <a:extLst>
+            <a:ext uri="{FF2B5EF4-FFF2-40B4-BE49-F238E27FC236}">
               <a16:creationId xmlns:a16="http://schemas.microsoft.com/office/drawing/2014/main" id="{B009C85F-EC1B-CFD1-A657-E7902541FA4B}"/>
             </a:ext>
           </a:extLst>
@@ -883,7 +993,7 @@
             <a:pPr rtl="0"/>
             <a:fld id="{8530193B-564F-4854-8A52-728F3FB19C85}" type="slidenum">
               <a:rPr lang="es-ES" smtClean="0"/>
-              <a:t>11</a:t>
+              <a:t>12</a:t>
             </a:fld>
             <a:endParaRPr lang="es-ES"/>
           </a:p>
@@ -8494,7 +8604,7 @@
                   <a:schemeClr val="accent2"/>
                 </a:solidFill>
               </a:rPr>
-              <a:t>18/10/2024</a:t>
+              <a:t>19/10/2024</a:t>
             </a:fld>
             <a:endParaRPr lang="es-ES" sz="1100" noProof="0" dirty="0">
               <a:solidFill>
@@ -8766,7 +8876,7 @@
                 </a:solidFill>
               </a:rPr>
               <a:pPr algn="r" rtl="0"/>
-              <a:t>‹Nº›</a:t>
+              <a:t>‹#›</a:t>
             </a:fld>
             <a:endParaRPr lang="es-ES" sz="1100" noProof="0">
               <a:solidFill>
@@ -10506,6 +10616,1099 @@
 </file>
 
 <file path=ppt/slides/slide11.xml><?xml version="1.0" encoding="utf-8"?>
+<p:sld xmlns:a="http://schemas.openxmlformats.org/drawingml/2006/main" xmlns:r="http://schemas.openxmlformats.org/officeDocument/2006/relationships" xmlns:p="http://schemas.openxmlformats.org/presentationml/2006/main">
+  <p:cSld>
+    <p:spTree>
+      <p:nvGrpSpPr>
+        <p:cNvPr id="1" name="">
+          <a:extLst>
+            <a:ext uri="{FF2B5EF4-FFF2-40B4-BE49-F238E27FC236}">
+              <a16:creationId xmlns:a16="http://schemas.microsoft.com/office/drawing/2014/main" id="{812C789B-ED9E-6552-3C89-2A37E2185E24}"/>
+            </a:ext>
+          </a:extLst>
+        </p:cNvPr>
+        <p:cNvGrpSpPr/>
+        <p:nvPr/>
+      </p:nvGrpSpPr>
+      <p:grpSpPr>
+        <a:xfrm>
+          <a:off x="0" y="0"/>
+          <a:ext cx="0" cy="0"/>
+          <a:chOff x="0" y="0"/>
+          <a:chExt cx="0" cy="0"/>
+        </a:xfrm>
+      </p:grpSpPr>
+      <p:sp>
+        <p:nvSpPr>
+          <p:cNvPr id="6" name="Rectángulo 5">
+            <a:extLst>
+              <a:ext uri="{FF2B5EF4-FFF2-40B4-BE49-F238E27FC236}">
+                <a16:creationId xmlns:a16="http://schemas.microsoft.com/office/drawing/2014/main" id="{DBABB88C-863F-A051-B92B-419C48D98DF8}"/>
+              </a:ext>
+            </a:extLst>
+          </p:cNvPr>
+          <p:cNvSpPr/>
+          <p:nvPr/>
+        </p:nvSpPr>
+        <p:spPr>
+          <a:xfrm>
+            <a:off x="0" y="6400800"/>
+            <a:ext cx="2557670" cy="457200"/>
+          </a:xfrm>
+          <a:prstGeom prst="rect">
+            <a:avLst/>
+          </a:prstGeom>
+          <a:solidFill>
+            <a:schemeClr val="bg1">
+              <a:lumMod val="95000"/>
+            </a:schemeClr>
+          </a:solidFill>
+          <a:ln>
+            <a:noFill/>
+          </a:ln>
+        </p:spPr>
+        <p:style>
+          <a:lnRef idx="2">
+            <a:schemeClr val="accent1">
+              <a:shade val="50000"/>
+            </a:schemeClr>
+          </a:lnRef>
+          <a:fillRef idx="1">
+            <a:schemeClr val="accent1"/>
+          </a:fillRef>
+          <a:effectRef idx="0">
+            <a:schemeClr val="accent1"/>
+          </a:effectRef>
+          <a:fontRef idx="minor">
+            <a:schemeClr val="lt1"/>
+          </a:fontRef>
+        </p:style>
+        <p:txBody>
+          <a:bodyPr rtlCol="0" anchor="ctr"/>
+          <a:lstStyle/>
+          <a:p>
+            <a:pPr algn="ctr"/>
+            <a:endParaRPr lang="es-ES"/>
+          </a:p>
+        </p:txBody>
+      </p:sp>
+      <p:sp>
+        <p:nvSpPr>
+          <p:cNvPr id="4" name="Rectángulo: esquinas redondeadas 3">
+            <a:extLst>
+              <a:ext uri="{FF2B5EF4-FFF2-40B4-BE49-F238E27FC236}">
+                <a16:creationId xmlns:a16="http://schemas.microsoft.com/office/drawing/2014/main" id="{1832CEF4-4A09-C457-448E-CAD422E89525}"/>
+              </a:ext>
+            </a:extLst>
+          </p:cNvPr>
+          <p:cNvSpPr/>
+          <p:nvPr/>
+        </p:nvSpPr>
+        <p:spPr>
+          <a:xfrm>
+            <a:off x="505958" y="1104371"/>
+            <a:ext cx="5508000" cy="5324706"/>
+          </a:xfrm>
+          <a:prstGeom prst="roundRect">
+            <a:avLst>
+              <a:gd name="adj" fmla="val 7845"/>
+            </a:avLst>
+          </a:prstGeom>
+          <a:solidFill>
+            <a:schemeClr val="bg1"/>
+          </a:solidFill>
+          <a:ln>
+            <a:noFill/>
+          </a:ln>
+        </p:spPr>
+        <p:style>
+          <a:lnRef idx="2">
+            <a:schemeClr val="accent1">
+              <a:shade val="50000"/>
+            </a:schemeClr>
+          </a:lnRef>
+          <a:fillRef idx="1">
+            <a:schemeClr val="accent1"/>
+          </a:fillRef>
+          <a:effectRef idx="0">
+            <a:schemeClr val="accent1"/>
+          </a:effectRef>
+          <a:fontRef idx="minor">
+            <a:schemeClr val="lt1"/>
+          </a:fontRef>
+        </p:style>
+        <p:txBody>
+          <a:bodyPr rtlCol="0" anchor="ctr"/>
+          <a:lstStyle/>
+          <a:p>
+            <a:pPr algn="ctr"/>
+            <a:endParaRPr lang="es-ES"/>
+          </a:p>
+        </p:txBody>
+      </p:sp>
+      <p:sp>
+        <p:nvSpPr>
+          <p:cNvPr id="5" name="QuadreDeText 3">
+            <a:extLst>
+              <a:ext uri="{FF2B5EF4-FFF2-40B4-BE49-F238E27FC236}">
+                <a16:creationId xmlns:a16="http://schemas.microsoft.com/office/drawing/2014/main" id="{88BB37F3-E934-9179-5238-8C55B40B1B06}"/>
+              </a:ext>
+            </a:extLst>
+          </p:cNvPr>
+          <p:cNvSpPr txBox="1"/>
+          <p:nvPr/>
+        </p:nvSpPr>
+        <p:spPr>
+          <a:xfrm>
+            <a:off x="505958" y="250347"/>
+            <a:ext cx="11230211" cy="923330"/>
+          </a:xfrm>
+          <a:prstGeom prst="rect">
+            <a:avLst/>
+          </a:prstGeom>
+          <a:noFill/>
+        </p:spPr>
+        <p:txBody>
+          <a:bodyPr wrap="square">
+            <a:spAutoFit/>
+          </a:bodyPr>
+          <a:lstStyle/>
+          <a:p>
+            <a:r>
+              <a:rPr lang="es-ES" sz="2400" b="1" dirty="0">
+                <a:solidFill>
+                  <a:schemeClr val="accent3">
+                    <a:lumMod val="50000"/>
+                  </a:schemeClr>
+                </a:solidFill>
+                <a:effectLst/>
+                <a:latin typeface="+mj-lt"/>
+              </a:rPr>
+              <a:t>PROPUESTAS DE AJUSTES DE GESTIÓN DE RIESGOS</a:t>
+            </a:r>
+          </a:p>
+          <a:p>
+            <a:r>
+              <a:rPr lang="es-ES" altLang="es-ES" sz="1400" b="1" dirty="0"/>
+              <a:t>¿Cómo deberíamos ajustar nuestras ofertas y estrategias de gestión de riesgos en función de estos hallazgos? </a:t>
+            </a:r>
+          </a:p>
+          <a:p>
+            <a:endParaRPr lang="es-ES" sz="1400" b="1" dirty="0"/>
+          </a:p>
+        </p:txBody>
+      </p:sp>
+      <p:sp>
+        <p:nvSpPr>
+          <p:cNvPr id="20" name="CuadroTexto 19">
+            <a:extLst>
+              <a:ext uri="{FF2B5EF4-FFF2-40B4-BE49-F238E27FC236}">
+                <a16:creationId xmlns:a16="http://schemas.microsoft.com/office/drawing/2014/main" id="{8D4C4ABA-8C4D-3D1B-ADF0-41CF01169476}"/>
+              </a:ext>
+            </a:extLst>
+          </p:cNvPr>
+          <p:cNvSpPr txBox="1"/>
+          <p:nvPr/>
+        </p:nvSpPr>
+        <p:spPr>
+          <a:xfrm>
+            <a:off x="1977738" y="2935451"/>
+            <a:ext cx="3874361" cy="1208842"/>
+          </a:xfrm>
+          <a:prstGeom prst="roundRect">
+            <a:avLst/>
+          </a:prstGeom>
+          <a:noFill/>
+          <a:ln w="19050">
+            <a:solidFill>
+              <a:srgbClr val="FF8181"/>
+            </a:solidFill>
+            <a:prstDash val="sysDash"/>
+          </a:ln>
+        </p:spPr>
+        <p:txBody>
+          <a:bodyPr wrap="square">
+            <a:spAutoFit/>
+          </a:bodyPr>
+          <a:lstStyle/>
+          <a:p>
+            <a:pPr marL="171450" indent="-171450" algn="just">
+              <a:spcBef>
+                <a:spcPts val="300"/>
+              </a:spcBef>
+              <a:buFont typeface="Arial" panose="020B0604020202020204" pitchFamily="34" charset="0"/>
+              <a:buChar char="•"/>
+            </a:pPr>
+            <a:r>
+              <a:rPr lang="es-ES" sz="1200" dirty="0"/>
+              <a:t>Se piden más préstamos por necesidad que para artículos de lujo o para emprender.</a:t>
+            </a:r>
+          </a:p>
+          <a:p>
+            <a:pPr marL="171450" indent="-171450" algn="just">
+              <a:spcBef>
+                <a:spcPts val="300"/>
+              </a:spcBef>
+              <a:buFont typeface="Arial" panose="020B0604020202020204" pitchFamily="34" charset="0"/>
+              <a:buChar char="•"/>
+            </a:pPr>
+            <a:endParaRPr lang="es-ES" sz="1200" dirty="0"/>
+          </a:p>
+          <a:p>
+            <a:pPr marL="171450" indent="-171450" algn="just">
+              <a:spcBef>
+                <a:spcPts val="300"/>
+              </a:spcBef>
+              <a:buFont typeface="Arial" panose="020B0604020202020204" pitchFamily="34" charset="0"/>
+              <a:buChar char="•"/>
+            </a:pPr>
+            <a:r>
+              <a:rPr lang="es-ES" sz="1200" dirty="0"/>
+              <a:t>Su flujo de efectivo es más frágil; al no tener mayor saldo, pueden incumplir con facilidad.</a:t>
+            </a:r>
+          </a:p>
+        </p:txBody>
+      </p:sp>
+      <p:sp>
+        <p:nvSpPr>
+          <p:cNvPr id="30" name="CuadroTexto 29">
+            <a:extLst>
+              <a:ext uri="{FF2B5EF4-FFF2-40B4-BE49-F238E27FC236}">
+                <a16:creationId xmlns:a16="http://schemas.microsoft.com/office/drawing/2014/main" id="{402A32AE-3750-DF58-DF17-E9552C34F130}"/>
+              </a:ext>
+            </a:extLst>
+          </p:cNvPr>
+          <p:cNvSpPr txBox="1"/>
+          <p:nvPr/>
+        </p:nvSpPr>
+        <p:spPr>
+          <a:xfrm>
+            <a:off x="1939561" y="4615144"/>
+            <a:ext cx="3874360" cy="1413153"/>
+          </a:xfrm>
+          <a:prstGeom prst="roundRect">
+            <a:avLst/>
+          </a:prstGeom>
+          <a:noFill/>
+          <a:ln w="19050">
+            <a:solidFill>
+              <a:srgbClr val="92D050"/>
+            </a:solidFill>
+            <a:prstDash val="sysDash"/>
+          </a:ln>
+        </p:spPr>
+        <p:txBody>
+          <a:bodyPr wrap="square">
+            <a:spAutoFit/>
+          </a:bodyPr>
+          <a:lstStyle/>
+          <a:p>
+            <a:pPr marL="171450" indent="-171450" algn="just">
+              <a:spcBef>
+                <a:spcPts val="300"/>
+              </a:spcBef>
+              <a:buFont typeface="Arial" panose="020B0604020202020204" pitchFamily="34" charset="0"/>
+              <a:buChar char="•"/>
+            </a:pPr>
+            <a:r>
+              <a:rPr lang="es-ES" sz="1200" dirty="0"/>
+              <a:t>Incentivar los préstamos para coches, etc. entre los que tienen mayor saldo con intereses menores.</a:t>
+            </a:r>
+          </a:p>
+          <a:p>
+            <a:pPr marL="171450" indent="-171450" algn="just">
+              <a:spcBef>
+                <a:spcPts val="300"/>
+              </a:spcBef>
+              <a:buFont typeface="Arial" panose="020B0604020202020204" pitchFamily="34" charset="0"/>
+              <a:buChar char="•"/>
+            </a:pPr>
+            <a:endParaRPr lang="es-ES" sz="1200" dirty="0"/>
+          </a:p>
+          <a:p>
+            <a:pPr marL="171450" indent="-171450" algn="just">
+              <a:spcBef>
+                <a:spcPts val="300"/>
+              </a:spcBef>
+              <a:buFont typeface="Arial" panose="020B0604020202020204" pitchFamily="34" charset="0"/>
+              <a:buChar char="•"/>
+            </a:pPr>
+            <a:r>
+              <a:rPr lang="es-ES" sz="1200" dirty="0"/>
+              <a:t>Revisar las condiciones de acceso a los préstamos:  Revisar el histórico de saldo del cliente y darle más o menos préstamo en función de eso.</a:t>
+            </a:r>
+          </a:p>
+        </p:txBody>
+      </p:sp>
+      <p:sp>
+        <p:nvSpPr>
+          <p:cNvPr id="31" name="Rectángulo: esquinas redondeadas 30">
+            <a:extLst>
+              <a:ext uri="{FF2B5EF4-FFF2-40B4-BE49-F238E27FC236}">
+                <a16:creationId xmlns:a16="http://schemas.microsoft.com/office/drawing/2014/main" id="{D6B14624-1CAA-6254-8320-9749CAB8ED3F}"/>
+              </a:ext>
+            </a:extLst>
+          </p:cNvPr>
+          <p:cNvSpPr/>
+          <p:nvPr/>
+        </p:nvSpPr>
+        <p:spPr>
+          <a:xfrm>
+            <a:off x="6228170" y="1104371"/>
+            <a:ext cx="5508000" cy="5324706"/>
+          </a:xfrm>
+          <a:prstGeom prst="roundRect">
+            <a:avLst>
+              <a:gd name="adj" fmla="val 7845"/>
+            </a:avLst>
+          </a:prstGeom>
+          <a:solidFill>
+            <a:schemeClr val="bg1"/>
+          </a:solidFill>
+          <a:ln>
+            <a:noFill/>
+          </a:ln>
+        </p:spPr>
+        <p:style>
+          <a:lnRef idx="2">
+            <a:schemeClr val="accent1">
+              <a:shade val="50000"/>
+            </a:schemeClr>
+          </a:lnRef>
+          <a:fillRef idx="1">
+            <a:schemeClr val="accent1"/>
+          </a:fillRef>
+          <a:effectRef idx="0">
+            <a:schemeClr val="accent1"/>
+          </a:effectRef>
+          <a:fontRef idx="minor">
+            <a:schemeClr val="lt1"/>
+          </a:fontRef>
+        </p:style>
+        <p:txBody>
+          <a:bodyPr rtlCol="0" anchor="ctr"/>
+          <a:lstStyle/>
+          <a:p>
+            <a:pPr algn="ctr"/>
+            <a:endParaRPr lang="es-ES"/>
+          </a:p>
+        </p:txBody>
+      </p:sp>
+      <p:sp>
+        <p:nvSpPr>
+          <p:cNvPr id="36" name="CuadroTexto 35">
+            <a:extLst>
+              <a:ext uri="{FF2B5EF4-FFF2-40B4-BE49-F238E27FC236}">
+                <a16:creationId xmlns:a16="http://schemas.microsoft.com/office/drawing/2014/main" id="{12B785AF-6D8C-51D9-4FE5-2410EE4A9C56}"/>
+              </a:ext>
+            </a:extLst>
+          </p:cNvPr>
+          <p:cNvSpPr txBox="1"/>
+          <p:nvPr/>
+        </p:nvSpPr>
+        <p:spPr>
+          <a:xfrm>
+            <a:off x="7732857" y="2671549"/>
+            <a:ext cx="3873600" cy="1736646"/>
+          </a:xfrm>
+          <a:prstGeom prst="roundRect">
+            <a:avLst/>
+          </a:prstGeom>
+          <a:noFill/>
+          <a:ln w="19050">
+            <a:solidFill>
+              <a:srgbClr val="FF8181"/>
+            </a:solidFill>
+            <a:prstDash val="sysDash"/>
+          </a:ln>
+        </p:spPr>
+        <p:txBody>
+          <a:bodyPr wrap="square">
+            <a:spAutoFit/>
+          </a:bodyPr>
+          <a:lstStyle>
+            <a:defPPr rtl="0">
+              <a:defRPr lang="es-es"/>
+            </a:defPPr>
+            <a:lvl1pPr algn="just">
+              <a:spcBef>
+                <a:spcPts val="300"/>
+              </a:spcBef>
+              <a:defRPr sz="1200" b="1"/>
+            </a:lvl1pPr>
+          </a:lstStyle>
+          <a:p>
+            <a:pPr marL="171450" indent="-171450">
+              <a:spcBef>
+                <a:spcPts val="0"/>
+              </a:spcBef>
+              <a:buFont typeface="Arial" panose="020B0604020202020204" pitchFamily="34" charset="0"/>
+              <a:buChar char="•"/>
+            </a:pPr>
+            <a:r>
+              <a:rPr lang="es-ES" b="0" dirty="0"/>
+              <a:t>Los clientes con hipotecas destinan gran parte de sus ingresos a éstas y, por ello, su saldo es menor y tienen mayor peligro de incumplimiento.</a:t>
+            </a:r>
+          </a:p>
+          <a:p>
+            <a:pPr marL="171450" indent="-171450">
+              <a:spcBef>
+                <a:spcPts val="0"/>
+              </a:spcBef>
+              <a:buFont typeface="Arial" panose="020B0604020202020204" pitchFamily="34" charset="0"/>
+              <a:buChar char="•"/>
+            </a:pPr>
+            <a:endParaRPr lang="es-ES" b="0" dirty="0"/>
+          </a:p>
+          <a:p>
+            <a:pPr marL="171450" indent="-171450">
+              <a:spcBef>
+                <a:spcPts val="0"/>
+              </a:spcBef>
+              <a:buFont typeface="Arial" panose="020B0604020202020204" pitchFamily="34" charset="0"/>
+              <a:buChar char="•"/>
+            </a:pPr>
+            <a:endParaRPr lang="es-ES" b="0" dirty="0"/>
+          </a:p>
+          <a:p>
+            <a:pPr marL="171450" indent="-171450">
+              <a:spcBef>
+                <a:spcPts val="0"/>
+              </a:spcBef>
+              <a:buFont typeface="Arial" panose="020B0604020202020204" pitchFamily="34" charset="0"/>
+              <a:buChar char="•"/>
+            </a:pPr>
+            <a:r>
+              <a:rPr lang="es-ES" b="0" dirty="0"/>
+              <a:t>Los que también tienen préstamo puede que lo hayan pedido para reformar la casa y eso sea una señal de que tienen más ingresos.</a:t>
+            </a:r>
+          </a:p>
+        </p:txBody>
+      </p:sp>
+      <p:sp>
+        <p:nvSpPr>
+          <p:cNvPr id="38" name="CuadroTexto 37">
+            <a:extLst>
+              <a:ext uri="{FF2B5EF4-FFF2-40B4-BE49-F238E27FC236}">
+                <a16:creationId xmlns:a16="http://schemas.microsoft.com/office/drawing/2014/main" id="{69CA13D8-495C-9FBC-E443-F90156725376}"/>
+              </a:ext>
+            </a:extLst>
+          </p:cNvPr>
+          <p:cNvSpPr txBox="1"/>
+          <p:nvPr/>
+        </p:nvSpPr>
+        <p:spPr>
+          <a:xfrm>
+            <a:off x="7696039" y="4555553"/>
+            <a:ext cx="3873600" cy="1532334"/>
+          </a:xfrm>
+          <a:prstGeom prst="roundRect">
+            <a:avLst/>
+          </a:prstGeom>
+          <a:noFill/>
+          <a:ln w="19050">
+            <a:solidFill>
+              <a:srgbClr val="92D050"/>
+            </a:solidFill>
+            <a:prstDash val="sysDash"/>
+          </a:ln>
+        </p:spPr>
+        <p:txBody>
+          <a:bodyPr wrap="square">
+            <a:spAutoFit/>
+          </a:bodyPr>
+          <a:lstStyle>
+            <a:defPPr rtl="0">
+              <a:defRPr lang="es-es"/>
+            </a:defPPr>
+            <a:lvl1pPr algn="just">
+              <a:spcBef>
+                <a:spcPts val="300"/>
+              </a:spcBef>
+              <a:defRPr sz="1200" b="1"/>
+            </a:lvl1pPr>
+          </a:lstStyle>
+          <a:p>
+            <a:pPr marL="171450" indent="-171450">
+              <a:spcBef>
+                <a:spcPts val="0"/>
+              </a:spcBef>
+              <a:buFont typeface="Arial" panose="020B0604020202020204" pitchFamily="34" charset="0"/>
+              <a:buChar char="•"/>
+            </a:pPr>
+            <a:r>
+              <a:rPr lang="es-ES" b="0" dirty="0"/>
+              <a:t>Ajustar las condiciones de las hipotecas a los ingresos reales de los clientes.</a:t>
+            </a:r>
+          </a:p>
+          <a:p>
+            <a:pPr marL="171450" indent="-171450">
+              <a:spcBef>
+                <a:spcPts val="0"/>
+              </a:spcBef>
+              <a:buFont typeface="Arial" panose="020B0604020202020204" pitchFamily="34" charset="0"/>
+              <a:buChar char="•"/>
+            </a:pPr>
+            <a:endParaRPr lang="es-ES" b="0" dirty="0"/>
+          </a:p>
+          <a:p>
+            <a:pPr marL="171450" indent="-171450">
+              <a:spcBef>
+                <a:spcPts val="0"/>
+              </a:spcBef>
+              <a:buFont typeface="Arial" panose="020B0604020202020204" pitchFamily="34" charset="0"/>
+              <a:buChar char="•"/>
+            </a:pPr>
+            <a:r>
+              <a:rPr lang="es-ES" b="0" dirty="0"/>
+              <a:t>Poder suavizar las condiciones puntualmente en caso de necesidad para que no caigan en impago: Congelar el pago de intereses y así bajar las cuotas por un determinado tiempo o alargar el periodo de pago.</a:t>
+            </a:r>
+          </a:p>
+        </p:txBody>
+      </p:sp>
+      <p:sp>
+        <p:nvSpPr>
+          <p:cNvPr id="41" name="Elipse 40">
+            <a:extLst>
+              <a:ext uri="{FF2B5EF4-FFF2-40B4-BE49-F238E27FC236}">
+                <a16:creationId xmlns:a16="http://schemas.microsoft.com/office/drawing/2014/main" id="{726B6686-6E30-955D-B112-5001E3992DB0}"/>
+              </a:ext>
+            </a:extLst>
+          </p:cNvPr>
+          <p:cNvSpPr/>
+          <p:nvPr/>
+        </p:nvSpPr>
+        <p:spPr>
+          <a:xfrm>
+            <a:off x="6429545" y="2843134"/>
+            <a:ext cx="1173600" cy="1171731"/>
+          </a:xfrm>
+          <a:prstGeom prst="ellipse">
+            <a:avLst/>
+          </a:prstGeom>
+          <a:solidFill>
+            <a:srgbClr val="FFB7B7"/>
+          </a:solidFill>
+          <a:ln>
+            <a:solidFill>
+              <a:srgbClr val="FF8181"/>
+            </a:solidFill>
+          </a:ln>
+        </p:spPr>
+        <p:style>
+          <a:lnRef idx="2">
+            <a:schemeClr val="accent1">
+              <a:shade val="50000"/>
+            </a:schemeClr>
+          </a:lnRef>
+          <a:fillRef idx="1">
+            <a:schemeClr val="accent1"/>
+          </a:fillRef>
+          <a:effectRef idx="0">
+            <a:schemeClr val="accent1"/>
+          </a:effectRef>
+          <a:fontRef idx="minor">
+            <a:schemeClr val="lt1"/>
+          </a:fontRef>
+        </p:style>
+        <p:txBody>
+          <a:bodyPr rtlCol="0" anchor="ctr"/>
+          <a:lstStyle/>
+          <a:p>
+            <a:pPr algn="ctr"/>
+            <a:r>
+              <a:rPr lang="es-ES" sz="1400" dirty="0">
+                <a:solidFill>
+                  <a:schemeClr val="tx1"/>
+                </a:solidFill>
+              </a:rPr>
+              <a:t>Posibles </a:t>
+            </a:r>
+            <a:r>
+              <a:rPr lang="es-ES" sz="1400" b="1" dirty="0">
+                <a:solidFill>
+                  <a:schemeClr val="tx1"/>
+                </a:solidFill>
+              </a:rPr>
+              <a:t>CAUSAS</a:t>
+            </a:r>
+          </a:p>
+        </p:txBody>
+      </p:sp>
+      <p:sp>
+        <p:nvSpPr>
+          <p:cNvPr id="42" name="Elipse 41">
+            <a:extLst>
+              <a:ext uri="{FF2B5EF4-FFF2-40B4-BE49-F238E27FC236}">
+                <a16:creationId xmlns:a16="http://schemas.microsoft.com/office/drawing/2014/main" id="{AEF366BB-8534-D16B-88EC-C0A8213619CC}"/>
+              </a:ext>
+            </a:extLst>
+          </p:cNvPr>
+          <p:cNvSpPr/>
+          <p:nvPr/>
+        </p:nvSpPr>
+        <p:spPr>
+          <a:xfrm>
+            <a:off x="6371770" y="4735858"/>
+            <a:ext cx="1173600" cy="1171731"/>
+          </a:xfrm>
+          <a:prstGeom prst="ellipse">
+            <a:avLst/>
+          </a:prstGeom>
+          <a:solidFill>
+            <a:srgbClr val="D2ECB6"/>
+          </a:solidFill>
+          <a:ln>
+            <a:solidFill>
+              <a:srgbClr val="92D050"/>
+            </a:solidFill>
+          </a:ln>
+        </p:spPr>
+        <p:style>
+          <a:lnRef idx="2">
+            <a:schemeClr val="accent1">
+              <a:shade val="50000"/>
+            </a:schemeClr>
+          </a:lnRef>
+          <a:fillRef idx="1">
+            <a:schemeClr val="accent1"/>
+          </a:fillRef>
+          <a:effectRef idx="0">
+            <a:schemeClr val="accent1"/>
+          </a:effectRef>
+          <a:fontRef idx="minor">
+            <a:schemeClr val="lt1"/>
+          </a:fontRef>
+        </p:style>
+        <p:txBody>
+          <a:bodyPr rtlCol="0" anchor="ctr"/>
+          <a:lstStyle/>
+          <a:p>
+            <a:pPr algn="ctr"/>
+            <a:r>
+              <a:rPr lang="es-ES" sz="1400" b="1" dirty="0">
+                <a:solidFill>
+                  <a:schemeClr val="tx1"/>
+                </a:solidFill>
+              </a:rPr>
+              <a:t>RECO-MENDA-CIONES</a:t>
+            </a:r>
+          </a:p>
+        </p:txBody>
+      </p:sp>
+      <p:sp>
+        <p:nvSpPr>
+          <p:cNvPr id="43" name="Elipse 42">
+            <a:extLst>
+              <a:ext uri="{FF2B5EF4-FFF2-40B4-BE49-F238E27FC236}">
+                <a16:creationId xmlns:a16="http://schemas.microsoft.com/office/drawing/2014/main" id="{4DA4281C-F29A-6A7D-C796-6AFA6C3869FF}"/>
+              </a:ext>
+            </a:extLst>
+          </p:cNvPr>
+          <p:cNvSpPr/>
+          <p:nvPr/>
+        </p:nvSpPr>
+        <p:spPr>
+          <a:xfrm>
+            <a:off x="622361" y="4735856"/>
+            <a:ext cx="1173600" cy="1171731"/>
+          </a:xfrm>
+          <a:prstGeom prst="ellipse">
+            <a:avLst/>
+          </a:prstGeom>
+          <a:solidFill>
+            <a:srgbClr val="D2ECB6"/>
+          </a:solidFill>
+          <a:ln>
+            <a:solidFill>
+              <a:srgbClr val="92D050"/>
+            </a:solidFill>
+          </a:ln>
+        </p:spPr>
+        <p:style>
+          <a:lnRef idx="2">
+            <a:schemeClr val="accent1">
+              <a:shade val="50000"/>
+            </a:schemeClr>
+          </a:lnRef>
+          <a:fillRef idx="1">
+            <a:schemeClr val="accent1"/>
+          </a:fillRef>
+          <a:effectRef idx="0">
+            <a:schemeClr val="accent1"/>
+          </a:effectRef>
+          <a:fontRef idx="minor">
+            <a:schemeClr val="lt1"/>
+          </a:fontRef>
+        </p:style>
+        <p:txBody>
+          <a:bodyPr rtlCol="0" anchor="ctr"/>
+          <a:lstStyle/>
+          <a:p>
+            <a:pPr algn="ctr"/>
+            <a:r>
+              <a:rPr lang="es-ES" sz="1400" b="1" dirty="0">
+                <a:solidFill>
+                  <a:schemeClr val="tx1"/>
+                </a:solidFill>
+              </a:rPr>
+              <a:t>RECO-MENDA-CIONES</a:t>
+            </a:r>
+          </a:p>
+        </p:txBody>
+      </p:sp>
+      <p:sp>
+        <p:nvSpPr>
+          <p:cNvPr id="44" name="Elipse 43">
+            <a:extLst>
+              <a:ext uri="{FF2B5EF4-FFF2-40B4-BE49-F238E27FC236}">
+                <a16:creationId xmlns:a16="http://schemas.microsoft.com/office/drawing/2014/main" id="{B3D7F275-3643-5356-F0BB-4663C892B949}"/>
+              </a:ext>
+            </a:extLst>
+          </p:cNvPr>
+          <p:cNvSpPr/>
+          <p:nvPr/>
+        </p:nvSpPr>
+        <p:spPr>
+          <a:xfrm>
+            <a:off x="551159" y="2972562"/>
+            <a:ext cx="1173600" cy="1171731"/>
+          </a:xfrm>
+          <a:prstGeom prst="ellipse">
+            <a:avLst/>
+          </a:prstGeom>
+          <a:solidFill>
+            <a:srgbClr val="FFB7B7"/>
+          </a:solidFill>
+          <a:ln>
+            <a:solidFill>
+              <a:srgbClr val="FF8181"/>
+            </a:solidFill>
+          </a:ln>
+        </p:spPr>
+        <p:style>
+          <a:lnRef idx="2">
+            <a:schemeClr val="accent1">
+              <a:shade val="50000"/>
+            </a:schemeClr>
+          </a:lnRef>
+          <a:fillRef idx="1">
+            <a:schemeClr val="accent1"/>
+          </a:fillRef>
+          <a:effectRef idx="0">
+            <a:schemeClr val="accent1"/>
+          </a:effectRef>
+          <a:fontRef idx="minor">
+            <a:schemeClr val="lt1"/>
+          </a:fontRef>
+        </p:style>
+        <p:txBody>
+          <a:bodyPr rtlCol="0" anchor="ctr"/>
+          <a:lstStyle/>
+          <a:p>
+            <a:pPr algn="ctr"/>
+            <a:r>
+              <a:rPr lang="es-ES" sz="1400" dirty="0">
+                <a:solidFill>
+                  <a:schemeClr val="tx1"/>
+                </a:solidFill>
+              </a:rPr>
+              <a:t>Posibles </a:t>
+            </a:r>
+            <a:r>
+              <a:rPr lang="es-ES" sz="1400" b="1" dirty="0">
+                <a:solidFill>
+                  <a:schemeClr val="tx1"/>
+                </a:solidFill>
+              </a:rPr>
+              <a:t>CAUSAS</a:t>
+            </a:r>
+          </a:p>
+        </p:txBody>
+      </p:sp>
+      <p:sp>
+        <p:nvSpPr>
+          <p:cNvPr id="2" name="QuadreDeText 1">
+            <a:extLst>
+              <a:ext uri="{FF2B5EF4-FFF2-40B4-BE49-F238E27FC236}">
+                <a16:creationId xmlns:a16="http://schemas.microsoft.com/office/drawing/2014/main" id="{80D1F29C-338D-A3A0-399C-DA986318401D}"/>
+              </a:ext>
+            </a:extLst>
+          </p:cNvPr>
+          <p:cNvSpPr txBox="1"/>
+          <p:nvPr/>
+        </p:nvSpPr>
+        <p:spPr>
+          <a:xfrm>
+            <a:off x="1987466" y="1546180"/>
+            <a:ext cx="3933561" cy="617733"/>
+          </a:xfrm>
+          <a:prstGeom prst="rect">
+            <a:avLst/>
+          </a:prstGeom>
+          <a:noFill/>
+        </p:spPr>
+        <p:txBody>
+          <a:bodyPr wrap="square">
+            <a:spAutoFit/>
+          </a:bodyPr>
+          <a:lstStyle>
+            <a:defPPr rtl="0">
+              <a:defRPr lang="es-es"/>
+            </a:defPPr>
+            <a:lvl1pPr>
+              <a:lnSpc>
+                <a:spcPct val="150000"/>
+              </a:lnSpc>
+              <a:defRPr/>
+            </a:lvl1pPr>
+          </a:lstStyle>
+          <a:p>
+            <a:r>
+              <a:rPr lang="es-ES" altLang="es-ES" sz="1200" b="1" dirty="0"/>
+              <a:t>Tienden a tener mucho menor saldo</a:t>
+            </a:r>
+          </a:p>
+          <a:p>
+            <a:r>
+              <a:rPr lang="es-ES" altLang="es-ES" sz="1200" b="1" dirty="0"/>
+              <a:t>Tienden a tener mucho más riesgo de incumplimiento</a:t>
+            </a:r>
+          </a:p>
+        </p:txBody>
+      </p:sp>
+      <p:sp>
+        <p:nvSpPr>
+          <p:cNvPr id="3" name="Elipse 2">
+            <a:extLst>
+              <a:ext uri="{FF2B5EF4-FFF2-40B4-BE49-F238E27FC236}">
+                <a16:creationId xmlns:a16="http://schemas.microsoft.com/office/drawing/2014/main" id="{2CAA5F33-D214-CC8B-A2D4-F415FAD0B231}"/>
+              </a:ext>
+            </a:extLst>
+          </p:cNvPr>
+          <p:cNvSpPr/>
+          <p:nvPr/>
+        </p:nvSpPr>
+        <p:spPr>
+          <a:xfrm>
+            <a:off x="599654" y="1296907"/>
+            <a:ext cx="1173600" cy="1120646"/>
+          </a:xfrm>
+          <a:prstGeom prst="ellipse">
+            <a:avLst/>
+          </a:prstGeom>
+          <a:solidFill>
+            <a:schemeClr val="accent5">
+              <a:lumMod val="25000"/>
+              <a:lumOff val="75000"/>
+            </a:schemeClr>
+          </a:solidFill>
+          <a:ln>
+            <a:solidFill>
+              <a:schemeClr val="accent5">
+                <a:lumMod val="50000"/>
+                <a:lumOff val="50000"/>
+              </a:schemeClr>
+            </a:solidFill>
+          </a:ln>
+        </p:spPr>
+        <p:style>
+          <a:lnRef idx="2">
+            <a:schemeClr val="accent1">
+              <a:shade val="50000"/>
+            </a:schemeClr>
+          </a:lnRef>
+          <a:fillRef idx="1">
+            <a:schemeClr val="accent1"/>
+          </a:fillRef>
+          <a:effectRef idx="0">
+            <a:schemeClr val="accent1"/>
+          </a:effectRef>
+          <a:fontRef idx="minor">
+            <a:schemeClr val="lt1"/>
+          </a:fontRef>
+        </p:style>
+        <p:txBody>
+          <a:bodyPr rtlCol="0" anchor="ctr"/>
+          <a:lstStyle/>
+          <a:p>
+            <a:pPr algn="ctr"/>
+            <a:r>
+              <a:rPr lang="es-ES" sz="1400" dirty="0">
+                <a:solidFill>
+                  <a:schemeClr val="tx1"/>
+                </a:solidFill>
+              </a:rPr>
+              <a:t>Clientes con</a:t>
+            </a:r>
+          </a:p>
+          <a:p>
+            <a:pPr algn="ctr"/>
+            <a:r>
+              <a:rPr lang="es-ES" sz="1400" b="1" dirty="0">
+                <a:solidFill>
+                  <a:schemeClr val="tx1"/>
+                </a:solidFill>
+              </a:rPr>
+              <a:t>PRÉSTAMOS</a:t>
+            </a:r>
+          </a:p>
+        </p:txBody>
+      </p:sp>
+      <p:sp>
+        <p:nvSpPr>
+          <p:cNvPr id="7" name="Elipse 3">
+            <a:extLst>
+              <a:ext uri="{FF2B5EF4-FFF2-40B4-BE49-F238E27FC236}">
+                <a16:creationId xmlns:a16="http://schemas.microsoft.com/office/drawing/2014/main" id="{B2B7A681-6DC4-190D-D9BA-75D280946319}"/>
+              </a:ext>
+            </a:extLst>
+          </p:cNvPr>
+          <p:cNvSpPr/>
+          <p:nvPr/>
+        </p:nvSpPr>
+        <p:spPr>
+          <a:xfrm>
+            <a:off x="6391631" y="1230248"/>
+            <a:ext cx="1173600" cy="1171731"/>
+          </a:xfrm>
+          <a:prstGeom prst="ellipse">
+            <a:avLst/>
+          </a:prstGeom>
+          <a:solidFill>
+            <a:schemeClr val="accent5">
+              <a:lumMod val="25000"/>
+              <a:lumOff val="75000"/>
+            </a:schemeClr>
+          </a:solidFill>
+          <a:ln>
+            <a:solidFill>
+              <a:schemeClr val="accent5">
+                <a:lumMod val="50000"/>
+                <a:lumOff val="50000"/>
+              </a:schemeClr>
+            </a:solidFill>
+          </a:ln>
+        </p:spPr>
+        <p:style>
+          <a:lnRef idx="2">
+            <a:schemeClr val="accent1">
+              <a:shade val="50000"/>
+            </a:schemeClr>
+          </a:lnRef>
+          <a:fillRef idx="1">
+            <a:schemeClr val="accent1"/>
+          </a:fillRef>
+          <a:effectRef idx="0">
+            <a:schemeClr val="accent1"/>
+          </a:effectRef>
+          <a:fontRef idx="minor">
+            <a:schemeClr val="lt1"/>
+          </a:fontRef>
+        </p:style>
+        <p:txBody>
+          <a:bodyPr rtlCol="0" anchor="ctr"/>
+          <a:lstStyle/>
+          <a:p>
+            <a:pPr algn="ctr"/>
+            <a:r>
+              <a:rPr lang="es-ES" sz="1400" dirty="0">
+                <a:solidFill>
+                  <a:schemeClr val="tx1"/>
+                </a:solidFill>
+              </a:rPr>
+              <a:t>Clientes con</a:t>
+            </a:r>
+          </a:p>
+          <a:p>
+            <a:pPr algn="ctr"/>
+            <a:r>
+              <a:rPr lang="es-ES" sz="1400" b="1" dirty="0">
+                <a:solidFill>
+                  <a:schemeClr val="tx1"/>
+                </a:solidFill>
+              </a:rPr>
+              <a:t>HIPOTECAS</a:t>
+            </a:r>
+          </a:p>
+        </p:txBody>
+      </p:sp>
+      <p:sp>
+        <p:nvSpPr>
+          <p:cNvPr id="8" name="CuadroTexto 6">
+            <a:extLst>
+              <a:ext uri="{FF2B5EF4-FFF2-40B4-BE49-F238E27FC236}">
+                <a16:creationId xmlns:a16="http://schemas.microsoft.com/office/drawing/2014/main" id="{153DFE94-1372-87D5-0DA0-DA5787B5D984}"/>
+              </a:ext>
+            </a:extLst>
+          </p:cNvPr>
+          <p:cNvSpPr txBox="1"/>
+          <p:nvPr/>
+        </p:nvSpPr>
+        <p:spPr>
+          <a:xfrm>
+            <a:off x="7603145" y="1245822"/>
+            <a:ext cx="4347237" cy="1171731"/>
+          </a:xfrm>
+          <a:prstGeom prst="rect">
+            <a:avLst/>
+          </a:prstGeom>
+          <a:noFill/>
+        </p:spPr>
+        <p:txBody>
+          <a:bodyPr wrap="square">
+            <a:spAutoFit/>
+          </a:bodyPr>
+          <a:lstStyle/>
+          <a:p>
+            <a:pPr>
+              <a:lnSpc>
+                <a:spcPct val="150000"/>
+              </a:lnSpc>
+            </a:pPr>
+            <a:r>
+              <a:rPr lang="es-ES" altLang="es-ES" sz="1200" b="1" dirty="0"/>
+              <a:t>Tienden a tener un saldo un poco menor</a:t>
+            </a:r>
+          </a:p>
+          <a:p>
+            <a:pPr>
+              <a:lnSpc>
+                <a:spcPct val="150000"/>
+              </a:lnSpc>
+            </a:pPr>
+            <a:r>
+              <a:rPr lang="es-ES" altLang="es-ES" sz="1200" b="1" dirty="0"/>
+              <a:t>Tienden a tener un poco más de riesgo que los que no tienen préstamo</a:t>
+            </a:r>
+          </a:p>
+          <a:p>
+            <a:pPr>
+              <a:lnSpc>
+                <a:spcPct val="150000"/>
+              </a:lnSpc>
+            </a:pPr>
+            <a:r>
+              <a:rPr lang="es-ES" altLang="es-ES" sz="1200" b="1" dirty="0"/>
+              <a:t>Tienden a tener menor riesgo en los que tienen también préstamo</a:t>
+            </a:r>
+          </a:p>
+        </p:txBody>
+      </p:sp>
+    </p:spTree>
+    <p:extLst>
+      <p:ext uri="{BB962C8B-B14F-4D97-AF65-F5344CB8AC3E}">
+        <p14:creationId xmlns:p14="http://schemas.microsoft.com/office/powerpoint/2010/main" val="1103751901"/>
+      </p:ext>
+    </p:extLst>
+  </p:cSld>
+  <p:clrMapOvr>
+    <a:masterClrMapping/>
+  </p:clrMapOvr>
+</p:sld>
+</file>
+
+<file path=ppt/slides/slide12.xml><?xml version="1.0" encoding="utf-8"?>
 <p:sld xmlns:a="http://schemas.openxmlformats.org/drawingml/2006/main" xmlns:r="http://schemas.openxmlformats.org/officeDocument/2006/relationships" xmlns:p="http://schemas.openxmlformats.org/presentationml/2006/main">
   <p:cSld>
     <p:bg>
@@ -17481,6 +18684,15 @@
 </file>
 
 <file path=customXml/item1.xml><?xml version="1.0" encoding="utf-8"?>
+<?mso-contentType ?>
+<FormTemplates xmlns="http://schemas.microsoft.com/sharepoint/v3/contenttype/forms">
+  <Display>DocumentLibraryForm</Display>
+  <Edit>DocumentLibraryForm</Edit>
+  <New>DocumentLibraryForm</New>
+</FormTemplates>
+</file>
+
+<file path=customXml/item2.xml><?xml version="1.0" encoding="utf-8"?>
 <ct:contentTypeSchema xmlns:ct="http://schemas.microsoft.com/office/2006/metadata/contentType" xmlns:ma="http://schemas.microsoft.com/office/2006/metadata/properties/metaAttributes" ct:_="" ma:_="" ma:contentTypeName="Document" ma:contentTypeID="0x01010079F111ED35F8CC479449609E8A0923A6" ma:contentTypeVersion="12" ma:contentTypeDescription="Create a new document." ma:contentTypeScope="" ma:versionID="426e97fa315356fffbdcd9876fe988c2">
   <xsd:schema xmlns:xsd="http://www.w3.org/2001/XMLSchema" xmlns:xs="http://www.w3.org/2001/XMLSchema" xmlns:p="http://schemas.microsoft.com/office/2006/metadata/properties" xmlns:ns2="71af3243-3dd4-4a8d-8c0d-dd76da1f02a5" xmlns:ns3="16c05727-aa75-4e4a-9b5f-8a80a1165891" targetNamespace="http://schemas.microsoft.com/office/2006/metadata/properties" ma:root="true" ma:fieldsID="14b8f0def80e6d70ce3def20c90759ae" ns2:_="" ns3:_="">
     <xsd:import namespace="71af3243-3dd4-4a8d-8c0d-dd76da1f02a5"/>
@@ -17701,15 +18913,6 @@
 </ct:contentTypeSchema>
 </file>
 
-<file path=customXml/item2.xml><?xml version="1.0" encoding="utf-8"?>
-<?mso-contentType ?>
-<FormTemplates xmlns="http://schemas.microsoft.com/sharepoint/v3/contenttype/forms">
-  <Display>DocumentLibraryForm</Display>
-  <Edit>DocumentLibraryForm</Edit>
-  <New>DocumentLibraryForm</New>
-</FormTemplates>
-</file>
-
 <file path=customXml/item3.xml><?xml version="1.0" encoding="utf-8"?>
 <p:properties xmlns:p="http://schemas.microsoft.com/office/2006/metadata/properties" xmlns:xsi="http://www.w3.org/2001/XMLSchema-instance" xmlns:pc="http://schemas.microsoft.com/office/infopath/2007/PartnerControls">
   <documentManagement>
@@ -17720,6 +18923,14 @@
 </file>
 
 <file path=customXml/itemProps1.xml><?xml version="1.0" encoding="utf-8"?>
+<ds:datastoreItem xmlns:ds="http://schemas.openxmlformats.org/officeDocument/2006/customXml" ds:itemID="{05D99ABA-76CE-4A8E-B5F0-C051B96628DE}">
+  <ds:schemaRefs>
+    <ds:schemaRef ds:uri="http://schemas.microsoft.com/sharepoint/v3/contenttype/forms"/>
+  </ds:schemaRefs>
+</ds:datastoreItem>
+</file>
+
+<file path=customXml/itemProps2.xml><?xml version="1.0" encoding="utf-8"?>
 <ds:datastoreItem xmlns:ds="http://schemas.openxmlformats.org/officeDocument/2006/customXml" ds:itemID="{B19EB750-A6DA-4BE8-B87B-FC499FE73360}">
   <ds:schemaRefs>
     <ds:schemaRef ds:uri="http://schemas.microsoft.com/office/2006/metadata/contentType"/>
@@ -17738,14 +18949,6 @@
 </ds:datastoreItem>
 </file>
 
-<file path=customXml/itemProps2.xml><?xml version="1.0" encoding="utf-8"?>
-<ds:datastoreItem xmlns:ds="http://schemas.openxmlformats.org/officeDocument/2006/customXml" ds:itemID="{05D99ABA-76CE-4A8E-B5F0-C051B96628DE}">
-  <ds:schemaRefs>
-    <ds:schemaRef ds:uri="http://schemas.microsoft.com/sharepoint/v3/contenttype/forms"/>
-  </ds:schemaRefs>
-</ds:datastoreItem>
-</file>
-
 <file path=customXml/itemProps3.xml><?xml version="1.0" encoding="utf-8"?>
 <ds:datastoreItem xmlns:ds="http://schemas.openxmlformats.org/officeDocument/2006/customXml" ds:itemID="{4DEA9014-ED64-4558-B1E1-D03F0EE32BEB}">
   <ds:schemaRefs>

--- a/Equip_B/results/S2_Presentacion_Finanzas.pptx
+++ b/Equip_B/results/S2_Presentacion_Finanzas.pptx
@@ -5,10 +5,10 @@
     <p:sldMasterId id="2147483648" r:id="rId4"/>
   </p:sldMasterIdLst>
   <p:notesMasterIdLst>
-    <p:notesMasterId r:id="rId17"/>
+    <p:notesMasterId r:id="rId15"/>
   </p:notesMasterIdLst>
   <p:handoutMasterIdLst>
-    <p:handoutMasterId r:id="rId18"/>
+    <p:handoutMasterId r:id="rId16"/>
   </p:handoutMasterIdLst>
   <p:sldIdLst>
     <p:sldId id="324" r:id="rId5"/>
@@ -19,10 +19,8 @@
     <p:sldId id="332" r:id="rId10"/>
     <p:sldId id="350" r:id="rId11"/>
     <p:sldId id="333" r:id="rId12"/>
-    <p:sldId id="334" r:id="rId13"/>
-    <p:sldId id="349" r:id="rId14"/>
-    <p:sldId id="352" r:id="rId15"/>
-    <p:sldId id="335" r:id="rId16"/>
+    <p:sldId id="352" r:id="rId13"/>
+    <p:sldId id="335" r:id="rId14"/>
   </p:sldIdLst>
   <p:sldSz cx="12192000" cy="6858000"/>
   <p:notesSz cx="6858000" cy="9144000"/>
@@ -254,7 +252,7 @@
             <a:pPr rtl="0"/>
             <a:fld id="{75725A15-8D86-497D-8EAD-2EB1176C54F6}" type="datetime1">
               <a:rPr lang="es-ES" smtClean="0"/>
-              <a:t>19/10/2024</a:t>
+              <a:t>20/10/2024</a:t>
             </a:fld>
             <a:endParaRPr lang="es-ES"/>
           </a:p>
@@ -334,7 +332,7 @@
             <a:pPr rtl="0"/>
             <a:fld id="{682C0B10-7CAE-41E4-AB02-7E8B1FF2B898}" type="slidenum">
               <a:rPr lang="es-ES" smtClean="0"/>
-              <a:t>‹#›</a:t>
+              <a:t>‹Nº›</a:t>
             </a:fld>
             <a:endParaRPr lang="es-ES"/>
           </a:p>
@@ -436,7 +434,7 @@
             <a:fld id="{B958D509-07EE-4A09-900B-403023880868}" type="datetime1">
               <a:rPr lang="es-ES" smtClean="0"/>
               <a:pPr/>
-              <a:t>19/10/2024</a:t>
+              <a:t>20/10/2024</a:t>
             </a:fld>
             <a:endParaRPr lang="es-ES" dirty="0"/>
           </a:p>
@@ -597,7 +595,7 @@
             <a:pPr rtl="0"/>
             <a:fld id="{8530193B-564F-4854-8A52-728F3FB19C85}" type="slidenum">
               <a:rPr lang="es-ES" noProof="0" smtClean="0"/>
-              <a:t>‹#›</a:t>
+              <a:t>‹Nº›</a:t>
             </a:fld>
             <a:endParaRPr lang="es-ES" noProof="0"/>
           </a:p>
@@ -793,225 +791,6 @@
 </p:notes>
 </file>
 
-<file path=ppt/notesSlides/notesSlide10.xml><?xml version="1.0" encoding="utf-8"?>
-<p:notes xmlns:a="http://schemas.openxmlformats.org/drawingml/2006/main" xmlns:r="http://schemas.openxmlformats.org/officeDocument/2006/relationships" xmlns:p="http://schemas.openxmlformats.org/presentationml/2006/main">
-  <p:cSld>
-    <p:spTree>
-      <p:nvGrpSpPr>
-        <p:cNvPr id="1" name="">
-          <a:extLst>
-            <a:ext uri="{FF2B5EF4-FFF2-40B4-BE49-F238E27FC236}">
-              <a16:creationId xmlns:a16="http://schemas.microsoft.com/office/drawing/2014/main" id="{5DA7D38E-33F9-D49A-4C5B-F7F4AA3A60A3}"/>
-            </a:ext>
-          </a:extLst>
-        </p:cNvPr>
-        <p:cNvGrpSpPr/>
-        <p:nvPr/>
-      </p:nvGrpSpPr>
-      <p:grpSpPr>
-        <a:xfrm>
-          <a:off x="0" y="0"/>
-          <a:ext cx="0" cy="0"/>
-          <a:chOff x="0" y="0"/>
-          <a:chExt cx="0" cy="0"/>
-        </a:xfrm>
-      </p:grpSpPr>
-      <p:sp>
-        <p:nvSpPr>
-          <p:cNvPr id="2" name="Marcador de imagen de diapositiva 1">
-            <a:extLst>
-              <a:ext uri="{FF2B5EF4-FFF2-40B4-BE49-F238E27FC236}">
-                <a16:creationId xmlns:a16="http://schemas.microsoft.com/office/drawing/2014/main" id="{54781FF0-7926-B6A7-820F-74452805D43A}"/>
-              </a:ext>
-            </a:extLst>
-          </p:cNvPr>
-          <p:cNvSpPr>
-            <a:spLocks noGrp="1" noRot="1" noChangeAspect="1"/>
-          </p:cNvSpPr>
-          <p:nvPr>
-            <p:ph type="sldImg"/>
-          </p:nvPr>
-        </p:nvSpPr>
-        <p:spPr/>
-      </p:sp>
-      <p:sp>
-        <p:nvSpPr>
-          <p:cNvPr id="3" name="Marcador de notas 2">
-            <a:extLst>
-              <a:ext uri="{FF2B5EF4-FFF2-40B4-BE49-F238E27FC236}">
-                <a16:creationId xmlns:a16="http://schemas.microsoft.com/office/drawing/2014/main" id="{4CCA55E2-F3E4-D350-3FCD-595B858CB721}"/>
-              </a:ext>
-            </a:extLst>
-          </p:cNvPr>
-          <p:cNvSpPr>
-            <a:spLocks noGrp="1"/>
-          </p:cNvSpPr>
-          <p:nvPr>
-            <p:ph type="body" idx="1"/>
-          </p:nvPr>
-        </p:nvSpPr>
-        <p:spPr/>
-        <p:txBody>
-          <a:bodyPr/>
-          <a:lstStyle/>
-          <a:p>
-            <a:endParaRPr lang="es-ES" dirty="0"/>
-          </a:p>
-        </p:txBody>
-      </p:sp>
-      <p:sp>
-        <p:nvSpPr>
-          <p:cNvPr id="4" name="Marcador de número de diapositiva 3">
-            <a:extLst>
-              <a:ext uri="{FF2B5EF4-FFF2-40B4-BE49-F238E27FC236}">
-                <a16:creationId xmlns:a16="http://schemas.microsoft.com/office/drawing/2014/main" id="{020D89AD-27A1-4AF4-3B31-3F707F5DD491}"/>
-              </a:ext>
-            </a:extLst>
-          </p:cNvPr>
-          <p:cNvSpPr>
-            <a:spLocks noGrp="1"/>
-          </p:cNvSpPr>
-          <p:nvPr>
-            <p:ph type="sldNum" sz="quarter" idx="5"/>
-          </p:nvPr>
-        </p:nvSpPr>
-        <p:spPr/>
-        <p:txBody>
-          <a:bodyPr/>
-          <a:lstStyle/>
-          <a:p>
-            <a:pPr rtl="0"/>
-            <a:fld id="{8530193B-564F-4854-8A52-728F3FB19C85}" type="slidenum">
-              <a:rPr lang="es-ES" noProof="0" smtClean="0"/>
-              <a:t>11</a:t>
-            </a:fld>
-            <a:endParaRPr lang="es-ES" noProof="0"/>
-          </a:p>
-        </p:txBody>
-      </p:sp>
-    </p:spTree>
-    <p:extLst>
-      <p:ext uri="{BB962C8B-B14F-4D97-AF65-F5344CB8AC3E}">
-        <p14:creationId xmlns:p14="http://schemas.microsoft.com/office/powerpoint/2010/main" val="2605541255"/>
-      </p:ext>
-    </p:extLst>
-  </p:cSld>
-  <p:clrMapOvr>
-    <a:masterClrMapping/>
-  </p:clrMapOvr>
-</p:notes>
-</file>
-
-<file path=ppt/notesSlides/notesSlide11.xml><?xml version="1.0" encoding="utf-8"?>
-<p:notes xmlns:a="http://schemas.openxmlformats.org/drawingml/2006/main" xmlns:r="http://schemas.openxmlformats.org/officeDocument/2006/relationships" xmlns:p="http://schemas.openxmlformats.org/presentationml/2006/main">
-  <p:cSld>
-    <p:spTree>
-      <p:nvGrpSpPr>
-        <p:cNvPr id="1" name="">
-          <a:extLst>
-            <a:ext uri="{FF2B5EF4-FFF2-40B4-BE49-F238E27FC236}">
-              <a16:creationId xmlns:a16="http://schemas.microsoft.com/office/drawing/2014/main" id="{B009C85F-EC1B-CFD1-A657-E7902541FA4B}"/>
-            </a:ext>
-          </a:extLst>
-        </p:cNvPr>
-        <p:cNvGrpSpPr/>
-        <p:nvPr/>
-      </p:nvGrpSpPr>
-      <p:grpSpPr>
-        <a:xfrm>
-          <a:off x="0" y="0"/>
-          <a:ext cx="0" cy="0"/>
-          <a:chOff x="0" y="0"/>
-          <a:chExt cx="0" cy="0"/>
-        </a:xfrm>
-      </p:grpSpPr>
-      <p:sp>
-        <p:nvSpPr>
-          <p:cNvPr id="2" name="Marcador de imagen de diapositiva 1">
-            <a:extLst>
-              <a:ext uri="{FF2B5EF4-FFF2-40B4-BE49-F238E27FC236}">
-                <a16:creationId xmlns:a16="http://schemas.microsoft.com/office/drawing/2014/main" id="{1AFF142F-1FC3-8081-0C22-8E98D74940CE}"/>
-              </a:ext>
-            </a:extLst>
-          </p:cNvPr>
-          <p:cNvSpPr>
-            <a:spLocks noGrp="1" noRot="1" noChangeAspect="1"/>
-          </p:cNvSpPr>
-          <p:nvPr>
-            <p:ph type="sldImg"/>
-          </p:nvPr>
-        </p:nvSpPr>
-        <p:spPr/>
-      </p:sp>
-      <p:sp>
-        <p:nvSpPr>
-          <p:cNvPr id="3" name="Marcador de notas 2">
-            <a:extLst>
-              <a:ext uri="{FF2B5EF4-FFF2-40B4-BE49-F238E27FC236}">
-                <a16:creationId xmlns:a16="http://schemas.microsoft.com/office/drawing/2014/main" id="{546EE938-C74C-25D5-628C-C9B03E86980E}"/>
-              </a:ext>
-            </a:extLst>
-          </p:cNvPr>
-          <p:cNvSpPr>
-            <a:spLocks noGrp="1"/>
-          </p:cNvSpPr>
-          <p:nvPr>
-            <p:ph type="body" idx="1"/>
-          </p:nvPr>
-        </p:nvSpPr>
-        <p:spPr/>
-        <p:txBody>
-          <a:bodyPr rtlCol="0"/>
-          <a:lstStyle/>
-          <a:p>
-            <a:pPr rtl="0"/>
-            <a:endParaRPr lang="es-ES"/>
-          </a:p>
-        </p:txBody>
-      </p:sp>
-      <p:sp>
-        <p:nvSpPr>
-          <p:cNvPr id="4" name="Marcador de número de diapositiva 3">
-            <a:extLst>
-              <a:ext uri="{FF2B5EF4-FFF2-40B4-BE49-F238E27FC236}">
-                <a16:creationId xmlns:a16="http://schemas.microsoft.com/office/drawing/2014/main" id="{0A613478-0ACE-0074-01E5-8217CC3C0DB5}"/>
-              </a:ext>
-            </a:extLst>
-          </p:cNvPr>
-          <p:cNvSpPr>
-            <a:spLocks noGrp="1"/>
-          </p:cNvSpPr>
-          <p:nvPr>
-            <p:ph type="sldNum" sz="quarter" idx="5"/>
-          </p:nvPr>
-        </p:nvSpPr>
-        <p:spPr/>
-        <p:txBody>
-          <a:bodyPr rtlCol="0"/>
-          <a:lstStyle/>
-          <a:p>
-            <a:pPr rtl="0"/>
-            <a:fld id="{8530193B-564F-4854-8A52-728F3FB19C85}" type="slidenum">
-              <a:rPr lang="es-ES" smtClean="0"/>
-              <a:t>12</a:t>
-            </a:fld>
-            <a:endParaRPr lang="es-ES"/>
-          </a:p>
-        </p:txBody>
-      </p:sp>
-    </p:spTree>
-    <p:extLst>
-      <p:ext uri="{BB962C8B-B14F-4D97-AF65-F5344CB8AC3E}">
-        <p14:creationId xmlns:p14="http://schemas.microsoft.com/office/powerpoint/2010/main" val="78472006"/>
-      </p:ext>
-    </p:extLst>
-  </p:cSld>
-  <p:clrMapOvr>
-    <a:masterClrMapping/>
-  </p:clrMapOvr>
-</p:notes>
-</file>
-
 <file path=ppt/notesSlides/notesSlide2.xml><?xml version="1.0" encoding="utf-8"?>
 <p:notes xmlns:a="http://schemas.openxmlformats.org/drawingml/2006/main" xmlns:r="http://schemas.openxmlformats.org/officeDocument/2006/relationships" xmlns:p="http://schemas.openxmlformats.org/presentationml/2006/main">
   <p:cSld>
@@ -1624,7 +1403,13 @@
   <p:cSld>
     <p:spTree>
       <p:nvGrpSpPr>
-        <p:cNvPr id="1" name=""/>
+        <p:cNvPr id="1" name="">
+          <a:extLst>
+            <a:ext uri="{FF2B5EF4-FFF2-40B4-BE49-F238E27FC236}">
+              <a16:creationId xmlns:a16="http://schemas.microsoft.com/office/drawing/2014/main" id="{5DA7D38E-33F9-D49A-4C5B-F7F4AA3A60A3}"/>
+            </a:ext>
+          </a:extLst>
+        </p:cNvPr>
         <p:cNvGrpSpPr/>
         <p:nvPr/>
       </p:nvGrpSpPr>
@@ -1638,7 +1423,13 @@
       </p:grpSpPr>
       <p:sp>
         <p:nvSpPr>
-          <p:cNvPr id="2" name="Marcador de imagen de diapositiva 1"/>
+          <p:cNvPr id="2" name="Marcador de imagen de diapositiva 1">
+            <a:extLst>
+              <a:ext uri="{FF2B5EF4-FFF2-40B4-BE49-F238E27FC236}">
+                <a16:creationId xmlns:a16="http://schemas.microsoft.com/office/drawing/2014/main" id="{54781FF0-7926-B6A7-820F-74452805D43A}"/>
+              </a:ext>
+            </a:extLst>
+          </p:cNvPr>
           <p:cNvSpPr>
             <a:spLocks noGrp="1" noRot="1" noChangeAspect="1"/>
           </p:cNvSpPr>
@@ -1650,7 +1441,13 @@
       </p:sp>
       <p:sp>
         <p:nvSpPr>
-          <p:cNvPr id="3" name="Marcador de notas 2"/>
+          <p:cNvPr id="3" name="Marcador de notas 2">
+            <a:extLst>
+              <a:ext uri="{FF2B5EF4-FFF2-40B4-BE49-F238E27FC236}">
+                <a16:creationId xmlns:a16="http://schemas.microsoft.com/office/drawing/2014/main" id="{4CCA55E2-F3E4-D350-3FCD-595B858CB721}"/>
+              </a:ext>
+            </a:extLst>
+          </p:cNvPr>
           <p:cNvSpPr>
             <a:spLocks noGrp="1"/>
           </p:cNvSpPr>
@@ -1669,7 +1466,13 @@
       </p:sp>
       <p:sp>
         <p:nvSpPr>
-          <p:cNvPr id="4" name="Marcador de número de diapositiva 3"/>
+          <p:cNvPr id="4" name="Marcador de número de diapositiva 3">
+            <a:extLst>
+              <a:ext uri="{FF2B5EF4-FFF2-40B4-BE49-F238E27FC236}">
+                <a16:creationId xmlns:a16="http://schemas.microsoft.com/office/drawing/2014/main" id="{020D89AD-27A1-4AF4-3B31-3F707F5DD491}"/>
+              </a:ext>
+            </a:extLst>
+          </p:cNvPr>
           <p:cNvSpPr>
             <a:spLocks noGrp="1"/>
           </p:cNvSpPr>
@@ -1694,7 +1497,7 @@
     </p:spTree>
     <p:extLst>
       <p:ext uri="{BB962C8B-B14F-4D97-AF65-F5344CB8AC3E}">
-        <p14:creationId xmlns:p14="http://schemas.microsoft.com/office/powerpoint/2010/main" val="306567150"/>
+        <p14:creationId xmlns:p14="http://schemas.microsoft.com/office/powerpoint/2010/main" val="2605541255"/>
       </p:ext>
     </p:extLst>
   </p:cSld>
@@ -1712,7 +1515,7 @@
         <p:cNvPr id="1" name="">
           <a:extLst>
             <a:ext uri="{FF2B5EF4-FFF2-40B4-BE49-F238E27FC236}">
-              <a16:creationId xmlns:a16="http://schemas.microsoft.com/office/drawing/2014/main" id="{05DB5F8B-C47F-E364-FF4F-0710957ADB2F}"/>
+              <a16:creationId xmlns:a16="http://schemas.microsoft.com/office/drawing/2014/main" id="{B009C85F-EC1B-CFD1-A657-E7902541FA4B}"/>
             </a:ext>
           </a:extLst>
         </p:cNvPr>
@@ -1732,7 +1535,7 @@
           <p:cNvPr id="2" name="Marcador de imagen de diapositiva 1">
             <a:extLst>
               <a:ext uri="{FF2B5EF4-FFF2-40B4-BE49-F238E27FC236}">
-                <a16:creationId xmlns:a16="http://schemas.microsoft.com/office/drawing/2014/main" id="{B43889D0-0E6B-1C3E-A08A-481B08938A4E}"/>
+                <a16:creationId xmlns:a16="http://schemas.microsoft.com/office/drawing/2014/main" id="{1AFF142F-1FC3-8081-0C22-8E98D74940CE}"/>
               </a:ext>
             </a:extLst>
           </p:cNvPr>
@@ -1750,7 +1553,7 @@
           <p:cNvPr id="3" name="Marcador de notas 2">
             <a:extLst>
               <a:ext uri="{FF2B5EF4-FFF2-40B4-BE49-F238E27FC236}">
-                <a16:creationId xmlns:a16="http://schemas.microsoft.com/office/drawing/2014/main" id="{F62FB440-6DD3-AE5B-8243-49CB15AF8730}"/>
+                <a16:creationId xmlns:a16="http://schemas.microsoft.com/office/drawing/2014/main" id="{546EE938-C74C-25D5-628C-C9B03E86980E}"/>
               </a:ext>
             </a:extLst>
           </p:cNvPr>
@@ -1763,10 +1566,11 @@
         </p:nvSpPr>
         <p:spPr/>
         <p:txBody>
-          <a:bodyPr/>
+          <a:bodyPr rtlCol="0"/>
           <a:lstStyle/>
           <a:p>
-            <a:endParaRPr lang="es-ES" dirty="0"/>
+            <a:pPr rtl="0"/>
+            <a:endParaRPr lang="es-ES"/>
           </a:p>
         </p:txBody>
       </p:sp>
@@ -1775,7 +1579,7 @@
           <p:cNvPr id="4" name="Marcador de número de diapositiva 3">
             <a:extLst>
               <a:ext uri="{FF2B5EF4-FFF2-40B4-BE49-F238E27FC236}">
-                <a16:creationId xmlns:a16="http://schemas.microsoft.com/office/drawing/2014/main" id="{95581750-F2D6-8825-E734-274E3CA2386C}"/>
+                <a16:creationId xmlns:a16="http://schemas.microsoft.com/office/drawing/2014/main" id="{0A613478-0ACE-0074-01E5-8217CC3C0DB5}"/>
               </a:ext>
             </a:extLst>
           </p:cNvPr>
@@ -1788,22 +1592,22 @@
         </p:nvSpPr>
         <p:spPr/>
         <p:txBody>
-          <a:bodyPr/>
+          <a:bodyPr rtlCol="0"/>
           <a:lstStyle/>
           <a:p>
             <a:pPr rtl="0"/>
             <a:fld id="{8530193B-564F-4854-8A52-728F3FB19C85}" type="slidenum">
-              <a:rPr lang="es-ES" noProof="0" smtClean="0"/>
+              <a:rPr lang="es-ES" smtClean="0"/>
               <a:t>10</a:t>
             </a:fld>
-            <a:endParaRPr lang="es-ES" noProof="0"/>
+            <a:endParaRPr lang="es-ES"/>
           </a:p>
         </p:txBody>
       </p:sp>
     </p:spTree>
     <p:extLst>
       <p:ext uri="{BB962C8B-B14F-4D97-AF65-F5344CB8AC3E}">
-        <p14:creationId xmlns:p14="http://schemas.microsoft.com/office/powerpoint/2010/main" val="746271655"/>
+        <p14:creationId xmlns:p14="http://schemas.microsoft.com/office/powerpoint/2010/main" val="78472006"/>
       </p:ext>
     </p:extLst>
   </p:cSld>
@@ -8604,7 +8408,7 @@
                   <a:schemeClr val="accent2"/>
                 </a:solidFill>
               </a:rPr>
-              <a:t>19/10/2024</a:t>
+              <a:t>20/10/2024</a:t>
             </a:fld>
             <a:endParaRPr lang="es-ES" sz="1100" noProof="0" dirty="0">
               <a:solidFill>
@@ -8876,7 +8680,7 @@
                 </a:solidFill>
               </a:rPr>
               <a:pPr algn="r" rtl="0"/>
-              <a:t>‹#›</a:t>
+              <a:t>‹Nº›</a:t>
             </a:fld>
             <a:endParaRPr lang="es-ES" sz="1100" noProof="0">
               <a:solidFill>
@@ -9655,2062 +9459,6 @@
 <file path=ppt/slides/slide10.xml><?xml version="1.0" encoding="utf-8"?>
 <p:sld xmlns:a="http://schemas.openxmlformats.org/drawingml/2006/main" xmlns:r="http://schemas.openxmlformats.org/officeDocument/2006/relationships" xmlns:p="http://schemas.openxmlformats.org/presentationml/2006/main">
   <p:cSld>
-    <p:spTree>
-      <p:nvGrpSpPr>
-        <p:cNvPr id="1" name="">
-          <a:extLst>
-            <a:ext uri="{FF2B5EF4-FFF2-40B4-BE49-F238E27FC236}">
-              <a16:creationId xmlns:a16="http://schemas.microsoft.com/office/drawing/2014/main" id="{2E8AFFAE-1245-19B5-3C60-58AC8A5EA54D}"/>
-            </a:ext>
-          </a:extLst>
-        </p:cNvPr>
-        <p:cNvGrpSpPr/>
-        <p:nvPr/>
-      </p:nvGrpSpPr>
-      <p:grpSpPr>
-        <a:xfrm>
-          <a:off x="0" y="0"/>
-          <a:ext cx="0" cy="0"/>
-          <a:chOff x="0" y="0"/>
-          <a:chExt cx="0" cy="0"/>
-        </a:xfrm>
-      </p:grpSpPr>
-      <p:sp>
-        <p:nvSpPr>
-          <p:cNvPr id="6" name="Rectángulo 5">
-            <a:extLst>
-              <a:ext uri="{FF2B5EF4-FFF2-40B4-BE49-F238E27FC236}">
-                <a16:creationId xmlns:a16="http://schemas.microsoft.com/office/drawing/2014/main" id="{82C12619-B1CF-D3F7-B28B-32652C0F05E3}"/>
-              </a:ext>
-            </a:extLst>
-          </p:cNvPr>
-          <p:cNvSpPr/>
-          <p:nvPr/>
-        </p:nvSpPr>
-        <p:spPr>
-          <a:xfrm>
-            <a:off x="0" y="6400800"/>
-            <a:ext cx="2557670" cy="457200"/>
-          </a:xfrm>
-          <a:prstGeom prst="rect">
-            <a:avLst/>
-          </a:prstGeom>
-          <a:solidFill>
-            <a:schemeClr val="bg1">
-              <a:lumMod val="95000"/>
-            </a:schemeClr>
-          </a:solidFill>
-          <a:ln>
-            <a:noFill/>
-          </a:ln>
-        </p:spPr>
-        <p:style>
-          <a:lnRef idx="2">
-            <a:schemeClr val="accent1">
-              <a:shade val="50000"/>
-            </a:schemeClr>
-          </a:lnRef>
-          <a:fillRef idx="1">
-            <a:schemeClr val="accent1"/>
-          </a:fillRef>
-          <a:effectRef idx="0">
-            <a:schemeClr val="accent1"/>
-          </a:effectRef>
-          <a:fontRef idx="minor">
-            <a:schemeClr val="lt1"/>
-          </a:fontRef>
-        </p:style>
-        <p:txBody>
-          <a:bodyPr rtlCol="0" anchor="ctr"/>
-          <a:lstStyle/>
-          <a:p>
-            <a:pPr algn="ctr"/>
-            <a:endParaRPr lang="es-ES"/>
-          </a:p>
-        </p:txBody>
-      </p:sp>
-      <p:sp>
-        <p:nvSpPr>
-          <p:cNvPr id="4" name="Rectángulo: esquinas redondeadas 3">
-            <a:extLst>
-              <a:ext uri="{FF2B5EF4-FFF2-40B4-BE49-F238E27FC236}">
-                <a16:creationId xmlns:a16="http://schemas.microsoft.com/office/drawing/2014/main" id="{0EF04D99-B7F8-3573-2F18-E88215F913F3}"/>
-              </a:ext>
-            </a:extLst>
-          </p:cNvPr>
-          <p:cNvSpPr/>
-          <p:nvPr/>
-        </p:nvSpPr>
-        <p:spPr>
-          <a:xfrm>
-            <a:off x="505958" y="1104371"/>
-            <a:ext cx="5508000" cy="5324706"/>
-          </a:xfrm>
-          <a:prstGeom prst="roundRect">
-            <a:avLst>
-              <a:gd name="adj" fmla="val 7845"/>
-            </a:avLst>
-          </a:prstGeom>
-          <a:solidFill>
-            <a:schemeClr val="bg1"/>
-          </a:solidFill>
-          <a:ln>
-            <a:noFill/>
-          </a:ln>
-        </p:spPr>
-        <p:style>
-          <a:lnRef idx="2">
-            <a:schemeClr val="accent1">
-              <a:shade val="50000"/>
-            </a:schemeClr>
-          </a:lnRef>
-          <a:fillRef idx="1">
-            <a:schemeClr val="accent1"/>
-          </a:fillRef>
-          <a:effectRef idx="0">
-            <a:schemeClr val="accent1"/>
-          </a:effectRef>
-          <a:fontRef idx="minor">
-            <a:schemeClr val="lt1"/>
-          </a:fontRef>
-        </p:style>
-        <p:txBody>
-          <a:bodyPr rtlCol="0" anchor="ctr"/>
-          <a:lstStyle/>
-          <a:p>
-            <a:pPr algn="ctr"/>
-            <a:endParaRPr lang="es-ES"/>
-          </a:p>
-        </p:txBody>
-      </p:sp>
-      <p:sp>
-        <p:nvSpPr>
-          <p:cNvPr id="5" name="QuadreDeText 3">
-            <a:extLst>
-              <a:ext uri="{FF2B5EF4-FFF2-40B4-BE49-F238E27FC236}">
-                <a16:creationId xmlns:a16="http://schemas.microsoft.com/office/drawing/2014/main" id="{8D4C57D9-90FA-1254-9EC5-207A0AEE2D7F}"/>
-              </a:ext>
-            </a:extLst>
-          </p:cNvPr>
-          <p:cNvSpPr txBox="1"/>
-          <p:nvPr/>
-        </p:nvSpPr>
-        <p:spPr>
-          <a:xfrm>
-            <a:off x="505958" y="250347"/>
-            <a:ext cx="11230211" cy="923330"/>
-          </a:xfrm>
-          <a:prstGeom prst="rect">
-            <a:avLst/>
-          </a:prstGeom>
-          <a:noFill/>
-        </p:spPr>
-        <p:txBody>
-          <a:bodyPr wrap="square">
-            <a:spAutoFit/>
-          </a:bodyPr>
-          <a:lstStyle/>
-          <a:p>
-            <a:r>
-              <a:rPr lang="es-ES" sz="2400" b="1" dirty="0">
-                <a:solidFill>
-                  <a:schemeClr val="accent3">
-                    <a:lumMod val="50000"/>
-                  </a:schemeClr>
-                </a:solidFill>
-                <a:effectLst/>
-                <a:latin typeface="+mj-lt"/>
-              </a:rPr>
-              <a:t>PROPUESTAS DE AJUSTES DE GESTIÓN DE RIESGOS</a:t>
-            </a:r>
-          </a:p>
-          <a:p>
-            <a:r>
-              <a:rPr lang="es-ES" altLang="es-ES" sz="1400" b="1" dirty="0"/>
-              <a:t>¿Cómo deberíamos ajustar nuestras ofertas y estrategias de gestión de riesgos en función de estos hallazgos? </a:t>
-            </a:r>
-          </a:p>
-          <a:p>
-            <a:endParaRPr lang="es-ES" sz="1400" b="1" dirty="0"/>
-          </a:p>
-        </p:txBody>
-      </p:sp>
-      <p:sp>
-        <p:nvSpPr>
-          <p:cNvPr id="12" name="QuadreDeText 4">
-            <a:extLst>
-              <a:ext uri="{FF2B5EF4-FFF2-40B4-BE49-F238E27FC236}">
-                <a16:creationId xmlns:a16="http://schemas.microsoft.com/office/drawing/2014/main" id="{F8DAB84A-1803-6DAD-0E57-B92FF80BE70E}"/>
-              </a:ext>
-            </a:extLst>
-          </p:cNvPr>
-          <p:cNvSpPr txBox="1"/>
-          <p:nvPr/>
-        </p:nvSpPr>
-        <p:spPr>
-          <a:xfrm>
-            <a:off x="642280" y="1237507"/>
-            <a:ext cx="5041470" cy="646331"/>
-          </a:xfrm>
-          <a:prstGeom prst="rect">
-            <a:avLst/>
-          </a:prstGeom>
-          <a:noFill/>
-        </p:spPr>
-        <p:txBody>
-          <a:bodyPr wrap="square" rtlCol="0">
-            <a:spAutoFit/>
-          </a:bodyPr>
-          <a:lstStyle/>
-          <a:p>
-            <a:r>
-              <a:rPr lang="es-ES" altLang="es-ES" sz="1200" dirty="0"/>
-              <a:t>Los clientes con </a:t>
-            </a:r>
-            <a:r>
-              <a:rPr lang="es-ES" altLang="es-ES" sz="1200" b="1" dirty="0"/>
-              <a:t>préstamos</a:t>
-            </a:r>
-            <a:r>
-              <a:rPr lang="es-ES" altLang="es-ES" sz="1200" dirty="0"/>
-              <a:t>:</a:t>
-            </a:r>
-          </a:p>
-          <a:p>
-            <a:r>
-              <a:rPr lang="es-ES" altLang="es-ES" sz="1200" i="1" dirty="0">
-                <a:solidFill>
-                  <a:srgbClr val="FF0000"/>
-                </a:solidFill>
-              </a:rPr>
-              <a:t>Tienden a tener mucho menor saldo</a:t>
-            </a:r>
-          </a:p>
-          <a:p>
-            <a:r>
-              <a:rPr lang="es-ES" altLang="es-ES" sz="1200" i="1" dirty="0">
-                <a:solidFill>
-                  <a:srgbClr val="FF0000"/>
-                </a:solidFill>
-              </a:rPr>
-              <a:t>Tienden a tener mucho más riesgo de incumplimiento</a:t>
-            </a:r>
-          </a:p>
-        </p:txBody>
-      </p:sp>
-      <p:sp>
-        <p:nvSpPr>
-          <p:cNvPr id="20" name="CuadroTexto 19">
-            <a:extLst>
-              <a:ext uri="{FF2B5EF4-FFF2-40B4-BE49-F238E27FC236}">
-                <a16:creationId xmlns:a16="http://schemas.microsoft.com/office/drawing/2014/main" id="{896210D7-3C0F-3AC0-DC70-37297C05C01C}"/>
-              </a:ext>
-            </a:extLst>
-          </p:cNvPr>
-          <p:cNvSpPr txBox="1"/>
-          <p:nvPr/>
-        </p:nvSpPr>
-        <p:spPr>
-          <a:xfrm>
-            <a:off x="1977738" y="2283417"/>
-            <a:ext cx="3874361" cy="1208842"/>
-          </a:xfrm>
-          <a:prstGeom prst="roundRect">
-            <a:avLst/>
-          </a:prstGeom>
-          <a:noFill/>
-          <a:ln w="19050">
-            <a:solidFill>
-              <a:srgbClr val="FF8181"/>
-            </a:solidFill>
-            <a:prstDash val="sysDash"/>
-          </a:ln>
-        </p:spPr>
-        <p:txBody>
-          <a:bodyPr wrap="square">
-            <a:spAutoFit/>
-          </a:bodyPr>
-          <a:lstStyle/>
-          <a:p>
-            <a:pPr marL="171450" indent="-171450" algn="just">
-              <a:spcBef>
-                <a:spcPts val="300"/>
-              </a:spcBef>
-              <a:buFont typeface="Arial" panose="020B0604020202020204" pitchFamily="34" charset="0"/>
-              <a:buChar char="•"/>
-            </a:pPr>
-            <a:r>
-              <a:rPr lang="es-ES" sz="1200" dirty="0"/>
-              <a:t>Se piden más préstamos por necesidad que para artículos de lujo o para emprender.</a:t>
-            </a:r>
-          </a:p>
-          <a:p>
-            <a:pPr marL="171450" indent="-171450" algn="just">
-              <a:spcBef>
-                <a:spcPts val="300"/>
-              </a:spcBef>
-              <a:buFont typeface="Arial" panose="020B0604020202020204" pitchFamily="34" charset="0"/>
-              <a:buChar char="•"/>
-            </a:pPr>
-            <a:endParaRPr lang="es-ES" sz="1200" dirty="0"/>
-          </a:p>
-          <a:p>
-            <a:pPr marL="171450" indent="-171450" algn="just">
-              <a:spcBef>
-                <a:spcPts val="300"/>
-              </a:spcBef>
-              <a:buFont typeface="Arial" panose="020B0604020202020204" pitchFamily="34" charset="0"/>
-              <a:buChar char="•"/>
-            </a:pPr>
-            <a:r>
-              <a:rPr lang="es-ES" sz="1200" dirty="0"/>
-              <a:t>Su flujo de efectivo es más frágil; al no tener mayor saldo, pueden incumplir con facilidad.</a:t>
-            </a:r>
-          </a:p>
-        </p:txBody>
-      </p:sp>
-      <p:sp>
-        <p:nvSpPr>
-          <p:cNvPr id="30" name="CuadroTexto 29">
-            <a:extLst>
-              <a:ext uri="{FF2B5EF4-FFF2-40B4-BE49-F238E27FC236}">
-                <a16:creationId xmlns:a16="http://schemas.microsoft.com/office/drawing/2014/main" id="{6B0A3DF6-5B8C-C82E-4007-09D066866A92}"/>
-              </a:ext>
-            </a:extLst>
-          </p:cNvPr>
-          <p:cNvSpPr txBox="1"/>
-          <p:nvPr/>
-        </p:nvSpPr>
-        <p:spPr>
-          <a:xfrm>
-            <a:off x="1939561" y="4615144"/>
-            <a:ext cx="3874360" cy="1413153"/>
-          </a:xfrm>
-          <a:prstGeom prst="roundRect">
-            <a:avLst/>
-          </a:prstGeom>
-          <a:noFill/>
-          <a:ln w="19050">
-            <a:solidFill>
-              <a:srgbClr val="92D050"/>
-            </a:solidFill>
-            <a:prstDash val="sysDash"/>
-          </a:ln>
-        </p:spPr>
-        <p:txBody>
-          <a:bodyPr wrap="square">
-            <a:spAutoFit/>
-          </a:bodyPr>
-          <a:lstStyle/>
-          <a:p>
-            <a:pPr marL="171450" indent="-171450" algn="just">
-              <a:spcBef>
-                <a:spcPts val="300"/>
-              </a:spcBef>
-              <a:buFont typeface="Arial" panose="020B0604020202020204" pitchFamily="34" charset="0"/>
-              <a:buChar char="•"/>
-            </a:pPr>
-            <a:r>
-              <a:rPr lang="es-ES" sz="1200" dirty="0"/>
-              <a:t>Incentivar los préstamos para coches, etc. entre los que tienen mayor saldo con intereses menores.</a:t>
-            </a:r>
-          </a:p>
-          <a:p>
-            <a:pPr marL="171450" indent="-171450" algn="just">
-              <a:spcBef>
-                <a:spcPts val="300"/>
-              </a:spcBef>
-              <a:buFont typeface="Arial" panose="020B0604020202020204" pitchFamily="34" charset="0"/>
-              <a:buChar char="•"/>
-            </a:pPr>
-            <a:endParaRPr lang="es-ES" sz="1200" dirty="0"/>
-          </a:p>
-          <a:p>
-            <a:pPr marL="171450" indent="-171450" algn="just">
-              <a:spcBef>
-                <a:spcPts val="300"/>
-              </a:spcBef>
-              <a:buFont typeface="Arial" panose="020B0604020202020204" pitchFamily="34" charset="0"/>
-              <a:buChar char="•"/>
-            </a:pPr>
-            <a:r>
-              <a:rPr lang="es-ES" sz="1200" dirty="0"/>
-              <a:t>Revisar las condiciones de acceso a los préstamos:  Revisar el histórico de saldo del cliente y darle más o menos préstamo en función de eso.</a:t>
-            </a:r>
-          </a:p>
-        </p:txBody>
-      </p:sp>
-      <p:sp>
-        <p:nvSpPr>
-          <p:cNvPr id="31" name="Rectángulo: esquinas redondeadas 30">
-            <a:extLst>
-              <a:ext uri="{FF2B5EF4-FFF2-40B4-BE49-F238E27FC236}">
-                <a16:creationId xmlns:a16="http://schemas.microsoft.com/office/drawing/2014/main" id="{2A86DF7C-2112-699E-12B5-9B66B3CC713C}"/>
-              </a:ext>
-            </a:extLst>
-          </p:cNvPr>
-          <p:cNvSpPr/>
-          <p:nvPr/>
-        </p:nvSpPr>
-        <p:spPr>
-          <a:xfrm>
-            <a:off x="6228170" y="1104371"/>
-            <a:ext cx="5508000" cy="5324706"/>
-          </a:xfrm>
-          <a:prstGeom prst="roundRect">
-            <a:avLst>
-              <a:gd name="adj" fmla="val 7845"/>
-            </a:avLst>
-          </a:prstGeom>
-          <a:solidFill>
-            <a:schemeClr val="bg1"/>
-          </a:solidFill>
-          <a:ln>
-            <a:noFill/>
-          </a:ln>
-        </p:spPr>
-        <p:style>
-          <a:lnRef idx="2">
-            <a:schemeClr val="accent1">
-              <a:shade val="50000"/>
-            </a:schemeClr>
-          </a:lnRef>
-          <a:fillRef idx="1">
-            <a:schemeClr val="accent1"/>
-          </a:fillRef>
-          <a:effectRef idx="0">
-            <a:schemeClr val="accent1"/>
-          </a:effectRef>
-          <a:fontRef idx="minor">
-            <a:schemeClr val="lt1"/>
-          </a:fontRef>
-        </p:style>
-        <p:txBody>
-          <a:bodyPr rtlCol="0" anchor="ctr"/>
-          <a:lstStyle/>
-          <a:p>
-            <a:pPr algn="ctr"/>
-            <a:endParaRPr lang="es-ES"/>
-          </a:p>
-        </p:txBody>
-      </p:sp>
-      <p:sp>
-        <p:nvSpPr>
-          <p:cNvPr id="34" name="QuadreDeText 4">
-            <a:extLst>
-              <a:ext uri="{FF2B5EF4-FFF2-40B4-BE49-F238E27FC236}">
-                <a16:creationId xmlns:a16="http://schemas.microsoft.com/office/drawing/2014/main" id="{9874C9EE-0936-735C-C6CA-805DA41B69D7}"/>
-              </a:ext>
-            </a:extLst>
-          </p:cNvPr>
-          <p:cNvSpPr txBox="1"/>
-          <p:nvPr/>
-        </p:nvSpPr>
-        <p:spPr>
-          <a:xfrm>
-            <a:off x="6539829" y="1237507"/>
-            <a:ext cx="5041470" cy="1015663"/>
-          </a:xfrm>
-          <a:prstGeom prst="rect">
-            <a:avLst/>
-          </a:prstGeom>
-          <a:noFill/>
-        </p:spPr>
-        <p:txBody>
-          <a:bodyPr wrap="square" rtlCol="0">
-            <a:spAutoFit/>
-          </a:bodyPr>
-          <a:lstStyle/>
-          <a:p>
-            <a:r>
-              <a:rPr lang="es-ES" altLang="es-ES" sz="1200" dirty="0"/>
-              <a:t>Los clientes con </a:t>
-            </a:r>
-            <a:r>
-              <a:rPr lang="es-ES" altLang="es-ES" sz="1200" b="1" dirty="0"/>
-              <a:t>hipotecas</a:t>
-            </a:r>
-            <a:r>
-              <a:rPr lang="es-ES" altLang="es-ES" sz="1200" dirty="0"/>
-              <a:t>: </a:t>
-            </a:r>
-          </a:p>
-          <a:p>
-            <a:r>
-              <a:rPr lang="es-ES" altLang="es-ES" sz="1200" i="1" dirty="0">
-                <a:solidFill>
-                  <a:srgbClr val="FF0000"/>
-                </a:solidFill>
-              </a:rPr>
-              <a:t>Tienden a tener un saldo un poco menor</a:t>
-            </a:r>
-          </a:p>
-          <a:p>
-            <a:r>
-              <a:rPr lang="es-ES" altLang="es-ES" sz="1200" i="1" dirty="0">
-                <a:solidFill>
-                  <a:srgbClr val="FF0000"/>
-                </a:solidFill>
-              </a:rPr>
-              <a:t>Tienden a tener un poco más de riesgo en los que no tienen préstamo</a:t>
-            </a:r>
-          </a:p>
-          <a:p>
-            <a:r>
-              <a:rPr lang="es-ES" altLang="es-ES" sz="1200" i="1" dirty="0">
-                <a:solidFill>
-                  <a:srgbClr val="FF0000"/>
-                </a:solidFill>
-              </a:rPr>
-              <a:t>Tienden a tener menor riesgo en los que tienen también préstamo</a:t>
-            </a:r>
-          </a:p>
-          <a:p>
-            <a:endParaRPr lang="es-ES" sz="1200" dirty="0"/>
-          </a:p>
-        </p:txBody>
-      </p:sp>
-      <p:sp>
-        <p:nvSpPr>
-          <p:cNvPr id="36" name="CuadroTexto 35">
-            <a:extLst>
-              <a:ext uri="{FF2B5EF4-FFF2-40B4-BE49-F238E27FC236}">
-                <a16:creationId xmlns:a16="http://schemas.microsoft.com/office/drawing/2014/main" id="{33B35FA5-2039-2EB9-8968-020B51A4D1FB}"/>
-              </a:ext>
-            </a:extLst>
-          </p:cNvPr>
-          <p:cNvSpPr txBox="1"/>
-          <p:nvPr/>
-        </p:nvSpPr>
-        <p:spPr>
-          <a:xfrm>
-            <a:off x="7696039" y="2364290"/>
-            <a:ext cx="3873600" cy="1736646"/>
-          </a:xfrm>
-          <a:prstGeom prst="roundRect">
-            <a:avLst/>
-          </a:prstGeom>
-          <a:noFill/>
-          <a:ln w="19050">
-            <a:solidFill>
-              <a:srgbClr val="FF8181"/>
-            </a:solidFill>
-            <a:prstDash val="sysDash"/>
-          </a:ln>
-        </p:spPr>
-        <p:txBody>
-          <a:bodyPr wrap="square">
-            <a:spAutoFit/>
-          </a:bodyPr>
-          <a:lstStyle>
-            <a:defPPr rtl="0">
-              <a:defRPr lang="es-es"/>
-            </a:defPPr>
-            <a:lvl1pPr algn="just">
-              <a:spcBef>
-                <a:spcPts val="300"/>
-              </a:spcBef>
-              <a:defRPr sz="1200" b="1"/>
-            </a:lvl1pPr>
-          </a:lstStyle>
-          <a:p>
-            <a:pPr marL="171450" indent="-171450">
-              <a:spcBef>
-                <a:spcPts val="0"/>
-              </a:spcBef>
-              <a:buFont typeface="Arial" panose="020B0604020202020204" pitchFamily="34" charset="0"/>
-              <a:buChar char="•"/>
-            </a:pPr>
-            <a:r>
-              <a:rPr lang="es-ES" b="0" dirty="0"/>
-              <a:t>Los clientes con hipotecas destinan gran parte de sus ingresos a éstas y, por ello, su saldo es menor y tienen mayor peligro de incumplimiento.</a:t>
-            </a:r>
-          </a:p>
-          <a:p>
-            <a:pPr marL="171450" indent="-171450">
-              <a:spcBef>
-                <a:spcPts val="0"/>
-              </a:spcBef>
-              <a:buFont typeface="Arial" panose="020B0604020202020204" pitchFamily="34" charset="0"/>
-              <a:buChar char="•"/>
-            </a:pPr>
-            <a:endParaRPr lang="es-ES" b="0" dirty="0"/>
-          </a:p>
-          <a:p>
-            <a:pPr marL="171450" indent="-171450">
-              <a:spcBef>
-                <a:spcPts val="0"/>
-              </a:spcBef>
-              <a:buFont typeface="Arial" panose="020B0604020202020204" pitchFamily="34" charset="0"/>
-              <a:buChar char="•"/>
-            </a:pPr>
-            <a:endParaRPr lang="es-ES" b="0" dirty="0"/>
-          </a:p>
-          <a:p>
-            <a:pPr marL="171450" indent="-171450">
-              <a:spcBef>
-                <a:spcPts val="0"/>
-              </a:spcBef>
-              <a:buFont typeface="Arial" panose="020B0604020202020204" pitchFamily="34" charset="0"/>
-              <a:buChar char="•"/>
-            </a:pPr>
-            <a:r>
-              <a:rPr lang="es-ES" b="0" dirty="0"/>
-              <a:t>Los que también tienen préstamo puede que lo hayan pedido para reformar la casa y eso sea una señal de que tienen más ingresos.</a:t>
-            </a:r>
-          </a:p>
-        </p:txBody>
-      </p:sp>
-      <p:sp>
-        <p:nvSpPr>
-          <p:cNvPr id="38" name="CuadroTexto 37">
-            <a:extLst>
-              <a:ext uri="{FF2B5EF4-FFF2-40B4-BE49-F238E27FC236}">
-                <a16:creationId xmlns:a16="http://schemas.microsoft.com/office/drawing/2014/main" id="{51C5112F-8DED-1D76-83A1-4C093E8C564D}"/>
-              </a:ext>
-            </a:extLst>
-          </p:cNvPr>
-          <p:cNvSpPr txBox="1"/>
-          <p:nvPr/>
-        </p:nvSpPr>
-        <p:spPr>
-          <a:xfrm>
-            <a:off x="7696039" y="4555553"/>
-            <a:ext cx="3873600" cy="1532334"/>
-          </a:xfrm>
-          <a:prstGeom prst="roundRect">
-            <a:avLst/>
-          </a:prstGeom>
-          <a:noFill/>
-          <a:ln w="19050">
-            <a:solidFill>
-              <a:srgbClr val="92D050"/>
-            </a:solidFill>
-            <a:prstDash val="sysDash"/>
-          </a:ln>
-        </p:spPr>
-        <p:txBody>
-          <a:bodyPr wrap="square">
-            <a:spAutoFit/>
-          </a:bodyPr>
-          <a:lstStyle>
-            <a:defPPr rtl="0">
-              <a:defRPr lang="es-es"/>
-            </a:defPPr>
-            <a:lvl1pPr algn="just">
-              <a:spcBef>
-                <a:spcPts val="300"/>
-              </a:spcBef>
-              <a:defRPr sz="1200" b="1"/>
-            </a:lvl1pPr>
-          </a:lstStyle>
-          <a:p>
-            <a:pPr marL="171450" indent="-171450">
-              <a:spcBef>
-                <a:spcPts val="0"/>
-              </a:spcBef>
-              <a:buFont typeface="Arial" panose="020B0604020202020204" pitchFamily="34" charset="0"/>
-              <a:buChar char="•"/>
-            </a:pPr>
-            <a:r>
-              <a:rPr lang="es-ES" b="0" dirty="0"/>
-              <a:t>Ajustar las condiciones de las hipotecas a los ingresos reales de los clientes.</a:t>
-            </a:r>
-          </a:p>
-          <a:p>
-            <a:pPr marL="171450" indent="-171450">
-              <a:spcBef>
-                <a:spcPts val="0"/>
-              </a:spcBef>
-              <a:buFont typeface="Arial" panose="020B0604020202020204" pitchFamily="34" charset="0"/>
-              <a:buChar char="•"/>
-            </a:pPr>
-            <a:endParaRPr lang="es-ES" b="0" dirty="0"/>
-          </a:p>
-          <a:p>
-            <a:pPr marL="171450" indent="-171450">
-              <a:spcBef>
-                <a:spcPts val="0"/>
-              </a:spcBef>
-              <a:buFont typeface="Arial" panose="020B0604020202020204" pitchFamily="34" charset="0"/>
-              <a:buChar char="•"/>
-            </a:pPr>
-            <a:r>
-              <a:rPr lang="es-ES" b="0" dirty="0"/>
-              <a:t>Poder suavizar las condiciones puntualmente en caso de necesidad para que no caigan en impago: Congelar el pago de intereses y así bajar las cuotas por un determinado tiempo o alargar el periodo de pago.</a:t>
-            </a:r>
-          </a:p>
-        </p:txBody>
-      </p:sp>
-      <p:sp>
-        <p:nvSpPr>
-          <p:cNvPr id="41" name="Elipse 40">
-            <a:extLst>
-              <a:ext uri="{FF2B5EF4-FFF2-40B4-BE49-F238E27FC236}">
-                <a16:creationId xmlns:a16="http://schemas.microsoft.com/office/drawing/2014/main" id="{EBE1CA10-386B-7E6C-C1AF-CBC1915E84EE}"/>
-              </a:ext>
-            </a:extLst>
-          </p:cNvPr>
-          <p:cNvSpPr/>
-          <p:nvPr/>
-        </p:nvSpPr>
-        <p:spPr>
-          <a:xfrm>
-            <a:off x="6391631" y="2646748"/>
-            <a:ext cx="1173600" cy="1171731"/>
-          </a:xfrm>
-          <a:prstGeom prst="ellipse">
-            <a:avLst/>
-          </a:prstGeom>
-          <a:solidFill>
-            <a:srgbClr val="FFB7B7"/>
-          </a:solidFill>
-          <a:ln>
-            <a:solidFill>
-              <a:srgbClr val="FF8181"/>
-            </a:solidFill>
-          </a:ln>
-        </p:spPr>
-        <p:style>
-          <a:lnRef idx="2">
-            <a:schemeClr val="accent1">
-              <a:shade val="50000"/>
-            </a:schemeClr>
-          </a:lnRef>
-          <a:fillRef idx="1">
-            <a:schemeClr val="accent1"/>
-          </a:fillRef>
-          <a:effectRef idx="0">
-            <a:schemeClr val="accent1"/>
-          </a:effectRef>
-          <a:fontRef idx="minor">
-            <a:schemeClr val="lt1"/>
-          </a:fontRef>
-        </p:style>
-        <p:txBody>
-          <a:bodyPr rtlCol="0" anchor="ctr"/>
-          <a:lstStyle/>
-          <a:p>
-            <a:pPr algn="ctr"/>
-            <a:r>
-              <a:rPr lang="es-ES" sz="1400" dirty="0">
-                <a:solidFill>
-                  <a:schemeClr val="tx1"/>
-                </a:solidFill>
-              </a:rPr>
-              <a:t>Posibles </a:t>
-            </a:r>
-            <a:r>
-              <a:rPr lang="es-ES" sz="1400" b="1" dirty="0">
-                <a:solidFill>
-                  <a:schemeClr val="tx1"/>
-                </a:solidFill>
-              </a:rPr>
-              <a:t>CAUSAS</a:t>
-            </a:r>
-          </a:p>
-        </p:txBody>
-      </p:sp>
-      <p:sp>
-        <p:nvSpPr>
-          <p:cNvPr id="42" name="Elipse 41">
-            <a:extLst>
-              <a:ext uri="{FF2B5EF4-FFF2-40B4-BE49-F238E27FC236}">
-                <a16:creationId xmlns:a16="http://schemas.microsoft.com/office/drawing/2014/main" id="{807290C0-F38E-C165-76F9-7D9A5C71E072}"/>
-              </a:ext>
-            </a:extLst>
-          </p:cNvPr>
-          <p:cNvSpPr/>
-          <p:nvPr/>
-        </p:nvSpPr>
-        <p:spPr>
-          <a:xfrm>
-            <a:off x="6371770" y="4735858"/>
-            <a:ext cx="1173600" cy="1171731"/>
-          </a:xfrm>
-          <a:prstGeom prst="ellipse">
-            <a:avLst/>
-          </a:prstGeom>
-          <a:solidFill>
-            <a:srgbClr val="D2ECB6"/>
-          </a:solidFill>
-          <a:ln>
-            <a:solidFill>
-              <a:srgbClr val="92D050"/>
-            </a:solidFill>
-          </a:ln>
-        </p:spPr>
-        <p:style>
-          <a:lnRef idx="2">
-            <a:schemeClr val="accent1">
-              <a:shade val="50000"/>
-            </a:schemeClr>
-          </a:lnRef>
-          <a:fillRef idx="1">
-            <a:schemeClr val="accent1"/>
-          </a:fillRef>
-          <a:effectRef idx="0">
-            <a:schemeClr val="accent1"/>
-          </a:effectRef>
-          <a:fontRef idx="minor">
-            <a:schemeClr val="lt1"/>
-          </a:fontRef>
-        </p:style>
-        <p:txBody>
-          <a:bodyPr rtlCol="0" anchor="ctr"/>
-          <a:lstStyle/>
-          <a:p>
-            <a:pPr algn="ctr"/>
-            <a:r>
-              <a:rPr lang="es-ES" sz="1400" b="1" dirty="0">
-                <a:solidFill>
-                  <a:schemeClr val="tx1"/>
-                </a:solidFill>
-              </a:rPr>
-              <a:t>RECO-MENDA-CIONES</a:t>
-            </a:r>
-          </a:p>
-        </p:txBody>
-      </p:sp>
-      <p:sp>
-        <p:nvSpPr>
-          <p:cNvPr id="43" name="Elipse 42">
-            <a:extLst>
-              <a:ext uri="{FF2B5EF4-FFF2-40B4-BE49-F238E27FC236}">
-                <a16:creationId xmlns:a16="http://schemas.microsoft.com/office/drawing/2014/main" id="{CEE29C46-E71A-57CD-0B9E-5BD8FA295929}"/>
-              </a:ext>
-            </a:extLst>
-          </p:cNvPr>
-          <p:cNvSpPr/>
-          <p:nvPr/>
-        </p:nvSpPr>
-        <p:spPr>
-          <a:xfrm>
-            <a:off x="622361" y="4735856"/>
-            <a:ext cx="1173600" cy="1171731"/>
-          </a:xfrm>
-          <a:prstGeom prst="ellipse">
-            <a:avLst/>
-          </a:prstGeom>
-          <a:solidFill>
-            <a:srgbClr val="D2ECB6"/>
-          </a:solidFill>
-          <a:ln>
-            <a:solidFill>
-              <a:srgbClr val="92D050"/>
-            </a:solidFill>
-          </a:ln>
-        </p:spPr>
-        <p:style>
-          <a:lnRef idx="2">
-            <a:schemeClr val="accent1">
-              <a:shade val="50000"/>
-            </a:schemeClr>
-          </a:lnRef>
-          <a:fillRef idx="1">
-            <a:schemeClr val="accent1"/>
-          </a:fillRef>
-          <a:effectRef idx="0">
-            <a:schemeClr val="accent1"/>
-          </a:effectRef>
-          <a:fontRef idx="minor">
-            <a:schemeClr val="lt1"/>
-          </a:fontRef>
-        </p:style>
-        <p:txBody>
-          <a:bodyPr rtlCol="0" anchor="ctr"/>
-          <a:lstStyle/>
-          <a:p>
-            <a:pPr algn="ctr"/>
-            <a:r>
-              <a:rPr lang="es-ES" sz="1400" b="1" dirty="0">
-                <a:solidFill>
-                  <a:schemeClr val="tx1"/>
-                </a:solidFill>
-              </a:rPr>
-              <a:t>RECO-MENDA-CIONES</a:t>
-            </a:r>
-          </a:p>
-        </p:txBody>
-      </p:sp>
-      <p:sp>
-        <p:nvSpPr>
-          <p:cNvPr id="44" name="Elipse 43">
-            <a:extLst>
-              <a:ext uri="{FF2B5EF4-FFF2-40B4-BE49-F238E27FC236}">
-                <a16:creationId xmlns:a16="http://schemas.microsoft.com/office/drawing/2014/main" id="{ECC5AFA2-2A78-BE0F-028B-542C5F713CFD}"/>
-              </a:ext>
-            </a:extLst>
-          </p:cNvPr>
-          <p:cNvSpPr/>
-          <p:nvPr/>
-        </p:nvSpPr>
-        <p:spPr>
-          <a:xfrm>
-            <a:off x="642280" y="2301973"/>
-            <a:ext cx="1173600" cy="1171731"/>
-          </a:xfrm>
-          <a:prstGeom prst="ellipse">
-            <a:avLst/>
-          </a:prstGeom>
-          <a:solidFill>
-            <a:srgbClr val="FFB7B7"/>
-          </a:solidFill>
-          <a:ln>
-            <a:solidFill>
-              <a:srgbClr val="FF8181"/>
-            </a:solidFill>
-          </a:ln>
-        </p:spPr>
-        <p:style>
-          <a:lnRef idx="2">
-            <a:schemeClr val="accent1">
-              <a:shade val="50000"/>
-            </a:schemeClr>
-          </a:lnRef>
-          <a:fillRef idx="1">
-            <a:schemeClr val="accent1"/>
-          </a:fillRef>
-          <a:effectRef idx="0">
-            <a:schemeClr val="accent1"/>
-          </a:effectRef>
-          <a:fontRef idx="minor">
-            <a:schemeClr val="lt1"/>
-          </a:fontRef>
-        </p:style>
-        <p:txBody>
-          <a:bodyPr rtlCol="0" anchor="ctr"/>
-          <a:lstStyle/>
-          <a:p>
-            <a:pPr algn="ctr"/>
-            <a:r>
-              <a:rPr lang="es-ES" sz="1400" dirty="0">
-                <a:solidFill>
-                  <a:schemeClr val="tx1"/>
-                </a:solidFill>
-              </a:rPr>
-              <a:t>Posibles </a:t>
-            </a:r>
-            <a:r>
-              <a:rPr lang="es-ES" sz="1400" b="1" dirty="0">
-                <a:solidFill>
-                  <a:schemeClr val="tx1"/>
-                </a:solidFill>
-              </a:rPr>
-              <a:t>CAUSAS</a:t>
-            </a:r>
-          </a:p>
-        </p:txBody>
-      </p:sp>
-    </p:spTree>
-    <p:extLst>
-      <p:ext uri="{BB962C8B-B14F-4D97-AF65-F5344CB8AC3E}">
-        <p14:creationId xmlns:p14="http://schemas.microsoft.com/office/powerpoint/2010/main" val="1135837949"/>
-      </p:ext>
-    </p:extLst>
-  </p:cSld>
-  <p:clrMapOvr>
-    <a:masterClrMapping/>
-  </p:clrMapOvr>
-</p:sld>
-</file>
-
-<file path=ppt/slides/slide11.xml><?xml version="1.0" encoding="utf-8"?>
-<p:sld xmlns:a="http://schemas.openxmlformats.org/drawingml/2006/main" xmlns:r="http://schemas.openxmlformats.org/officeDocument/2006/relationships" xmlns:p="http://schemas.openxmlformats.org/presentationml/2006/main">
-  <p:cSld>
-    <p:spTree>
-      <p:nvGrpSpPr>
-        <p:cNvPr id="1" name="">
-          <a:extLst>
-            <a:ext uri="{FF2B5EF4-FFF2-40B4-BE49-F238E27FC236}">
-              <a16:creationId xmlns:a16="http://schemas.microsoft.com/office/drawing/2014/main" id="{812C789B-ED9E-6552-3C89-2A37E2185E24}"/>
-            </a:ext>
-          </a:extLst>
-        </p:cNvPr>
-        <p:cNvGrpSpPr/>
-        <p:nvPr/>
-      </p:nvGrpSpPr>
-      <p:grpSpPr>
-        <a:xfrm>
-          <a:off x="0" y="0"/>
-          <a:ext cx="0" cy="0"/>
-          <a:chOff x="0" y="0"/>
-          <a:chExt cx="0" cy="0"/>
-        </a:xfrm>
-      </p:grpSpPr>
-      <p:sp>
-        <p:nvSpPr>
-          <p:cNvPr id="6" name="Rectángulo 5">
-            <a:extLst>
-              <a:ext uri="{FF2B5EF4-FFF2-40B4-BE49-F238E27FC236}">
-                <a16:creationId xmlns:a16="http://schemas.microsoft.com/office/drawing/2014/main" id="{DBABB88C-863F-A051-B92B-419C48D98DF8}"/>
-              </a:ext>
-            </a:extLst>
-          </p:cNvPr>
-          <p:cNvSpPr/>
-          <p:nvPr/>
-        </p:nvSpPr>
-        <p:spPr>
-          <a:xfrm>
-            <a:off x="0" y="6400800"/>
-            <a:ext cx="2557670" cy="457200"/>
-          </a:xfrm>
-          <a:prstGeom prst="rect">
-            <a:avLst/>
-          </a:prstGeom>
-          <a:solidFill>
-            <a:schemeClr val="bg1">
-              <a:lumMod val="95000"/>
-            </a:schemeClr>
-          </a:solidFill>
-          <a:ln>
-            <a:noFill/>
-          </a:ln>
-        </p:spPr>
-        <p:style>
-          <a:lnRef idx="2">
-            <a:schemeClr val="accent1">
-              <a:shade val="50000"/>
-            </a:schemeClr>
-          </a:lnRef>
-          <a:fillRef idx="1">
-            <a:schemeClr val="accent1"/>
-          </a:fillRef>
-          <a:effectRef idx="0">
-            <a:schemeClr val="accent1"/>
-          </a:effectRef>
-          <a:fontRef idx="minor">
-            <a:schemeClr val="lt1"/>
-          </a:fontRef>
-        </p:style>
-        <p:txBody>
-          <a:bodyPr rtlCol="0" anchor="ctr"/>
-          <a:lstStyle/>
-          <a:p>
-            <a:pPr algn="ctr"/>
-            <a:endParaRPr lang="es-ES"/>
-          </a:p>
-        </p:txBody>
-      </p:sp>
-      <p:sp>
-        <p:nvSpPr>
-          <p:cNvPr id="4" name="Rectángulo: esquinas redondeadas 3">
-            <a:extLst>
-              <a:ext uri="{FF2B5EF4-FFF2-40B4-BE49-F238E27FC236}">
-                <a16:creationId xmlns:a16="http://schemas.microsoft.com/office/drawing/2014/main" id="{1832CEF4-4A09-C457-448E-CAD422E89525}"/>
-              </a:ext>
-            </a:extLst>
-          </p:cNvPr>
-          <p:cNvSpPr/>
-          <p:nvPr/>
-        </p:nvSpPr>
-        <p:spPr>
-          <a:xfrm>
-            <a:off x="505958" y="1104371"/>
-            <a:ext cx="5508000" cy="5324706"/>
-          </a:xfrm>
-          <a:prstGeom prst="roundRect">
-            <a:avLst>
-              <a:gd name="adj" fmla="val 7845"/>
-            </a:avLst>
-          </a:prstGeom>
-          <a:solidFill>
-            <a:schemeClr val="bg1"/>
-          </a:solidFill>
-          <a:ln>
-            <a:noFill/>
-          </a:ln>
-        </p:spPr>
-        <p:style>
-          <a:lnRef idx="2">
-            <a:schemeClr val="accent1">
-              <a:shade val="50000"/>
-            </a:schemeClr>
-          </a:lnRef>
-          <a:fillRef idx="1">
-            <a:schemeClr val="accent1"/>
-          </a:fillRef>
-          <a:effectRef idx="0">
-            <a:schemeClr val="accent1"/>
-          </a:effectRef>
-          <a:fontRef idx="minor">
-            <a:schemeClr val="lt1"/>
-          </a:fontRef>
-        </p:style>
-        <p:txBody>
-          <a:bodyPr rtlCol="0" anchor="ctr"/>
-          <a:lstStyle/>
-          <a:p>
-            <a:pPr algn="ctr"/>
-            <a:endParaRPr lang="es-ES"/>
-          </a:p>
-        </p:txBody>
-      </p:sp>
-      <p:sp>
-        <p:nvSpPr>
-          <p:cNvPr id="5" name="QuadreDeText 3">
-            <a:extLst>
-              <a:ext uri="{FF2B5EF4-FFF2-40B4-BE49-F238E27FC236}">
-                <a16:creationId xmlns:a16="http://schemas.microsoft.com/office/drawing/2014/main" id="{88BB37F3-E934-9179-5238-8C55B40B1B06}"/>
-              </a:ext>
-            </a:extLst>
-          </p:cNvPr>
-          <p:cNvSpPr txBox="1"/>
-          <p:nvPr/>
-        </p:nvSpPr>
-        <p:spPr>
-          <a:xfrm>
-            <a:off x="505958" y="250347"/>
-            <a:ext cx="11230211" cy="923330"/>
-          </a:xfrm>
-          <a:prstGeom prst="rect">
-            <a:avLst/>
-          </a:prstGeom>
-          <a:noFill/>
-        </p:spPr>
-        <p:txBody>
-          <a:bodyPr wrap="square">
-            <a:spAutoFit/>
-          </a:bodyPr>
-          <a:lstStyle/>
-          <a:p>
-            <a:r>
-              <a:rPr lang="es-ES" sz="2400" b="1" dirty="0">
-                <a:solidFill>
-                  <a:schemeClr val="accent3">
-                    <a:lumMod val="50000"/>
-                  </a:schemeClr>
-                </a:solidFill>
-                <a:effectLst/>
-                <a:latin typeface="+mj-lt"/>
-              </a:rPr>
-              <a:t>PROPUESTAS DE AJUSTES DE GESTIÓN DE RIESGOS</a:t>
-            </a:r>
-          </a:p>
-          <a:p>
-            <a:r>
-              <a:rPr lang="es-ES" altLang="es-ES" sz="1400" b="1" dirty="0"/>
-              <a:t>¿Cómo deberíamos ajustar nuestras ofertas y estrategias de gestión de riesgos en función de estos hallazgos? </a:t>
-            </a:r>
-          </a:p>
-          <a:p>
-            <a:endParaRPr lang="es-ES" sz="1400" b="1" dirty="0"/>
-          </a:p>
-        </p:txBody>
-      </p:sp>
-      <p:sp>
-        <p:nvSpPr>
-          <p:cNvPr id="20" name="CuadroTexto 19">
-            <a:extLst>
-              <a:ext uri="{FF2B5EF4-FFF2-40B4-BE49-F238E27FC236}">
-                <a16:creationId xmlns:a16="http://schemas.microsoft.com/office/drawing/2014/main" id="{8D4C4ABA-8C4D-3D1B-ADF0-41CF01169476}"/>
-              </a:ext>
-            </a:extLst>
-          </p:cNvPr>
-          <p:cNvSpPr txBox="1"/>
-          <p:nvPr/>
-        </p:nvSpPr>
-        <p:spPr>
-          <a:xfrm>
-            <a:off x="1977738" y="2935451"/>
-            <a:ext cx="3874361" cy="1208842"/>
-          </a:xfrm>
-          <a:prstGeom prst="roundRect">
-            <a:avLst/>
-          </a:prstGeom>
-          <a:noFill/>
-          <a:ln w="19050">
-            <a:solidFill>
-              <a:srgbClr val="FF8181"/>
-            </a:solidFill>
-            <a:prstDash val="sysDash"/>
-          </a:ln>
-        </p:spPr>
-        <p:txBody>
-          <a:bodyPr wrap="square">
-            <a:spAutoFit/>
-          </a:bodyPr>
-          <a:lstStyle/>
-          <a:p>
-            <a:pPr marL="171450" indent="-171450" algn="just">
-              <a:spcBef>
-                <a:spcPts val="300"/>
-              </a:spcBef>
-              <a:buFont typeface="Arial" panose="020B0604020202020204" pitchFamily="34" charset="0"/>
-              <a:buChar char="•"/>
-            </a:pPr>
-            <a:r>
-              <a:rPr lang="es-ES" sz="1200" dirty="0"/>
-              <a:t>Se piden más préstamos por necesidad que para artículos de lujo o para emprender.</a:t>
-            </a:r>
-          </a:p>
-          <a:p>
-            <a:pPr marL="171450" indent="-171450" algn="just">
-              <a:spcBef>
-                <a:spcPts val="300"/>
-              </a:spcBef>
-              <a:buFont typeface="Arial" panose="020B0604020202020204" pitchFamily="34" charset="0"/>
-              <a:buChar char="•"/>
-            </a:pPr>
-            <a:endParaRPr lang="es-ES" sz="1200" dirty="0"/>
-          </a:p>
-          <a:p>
-            <a:pPr marL="171450" indent="-171450" algn="just">
-              <a:spcBef>
-                <a:spcPts val="300"/>
-              </a:spcBef>
-              <a:buFont typeface="Arial" panose="020B0604020202020204" pitchFamily="34" charset="0"/>
-              <a:buChar char="•"/>
-            </a:pPr>
-            <a:r>
-              <a:rPr lang="es-ES" sz="1200" dirty="0"/>
-              <a:t>Su flujo de efectivo es más frágil; al no tener mayor saldo, pueden incumplir con facilidad.</a:t>
-            </a:r>
-          </a:p>
-        </p:txBody>
-      </p:sp>
-      <p:sp>
-        <p:nvSpPr>
-          <p:cNvPr id="30" name="CuadroTexto 29">
-            <a:extLst>
-              <a:ext uri="{FF2B5EF4-FFF2-40B4-BE49-F238E27FC236}">
-                <a16:creationId xmlns:a16="http://schemas.microsoft.com/office/drawing/2014/main" id="{402A32AE-3750-DF58-DF17-E9552C34F130}"/>
-              </a:ext>
-            </a:extLst>
-          </p:cNvPr>
-          <p:cNvSpPr txBox="1"/>
-          <p:nvPr/>
-        </p:nvSpPr>
-        <p:spPr>
-          <a:xfrm>
-            <a:off x="1939561" y="4615144"/>
-            <a:ext cx="3874360" cy="1413153"/>
-          </a:xfrm>
-          <a:prstGeom prst="roundRect">
-            <a:avLst/>
-          </a:prstGeom>
-          <a:noFill/>
-          <a:ln w="19050">
-            <a:solidFill>
-              <a:srgbClr val="92D050"/>
-            </a:solidFill>
-            <a:prstDash val="sysDash"/>
-          </a:ln>
-        </p:spPr>
-        <p:txBody>
-          <a:bodyPr wrap="square">
-            <a:spAutoFit/>
-          </a:bodyPr>
-          <a:lstStyle/>
-          <a:p>
-            <a:pPr marL="171450" indent="-171450" algn="just">
-              <a:spcBef>
-                <a:spcPts val="300"/>
-              </a:spcBef>
-              <a:buFont typeface="Arial" panose="020B0604020202020204" pitchFamily="34" charset="0"/>
-              <a:buChar char="•"/>
-            </a:pPr>
-            <a:r>
-              <a:rPr lang="es-ES" sz="1200" dirty="0"/>
-              <a:t>Incentivar los préstamos para coches, etc. entre los que tienen mayor saldo con intereses menores.</a:t>
-            </a:r>
-          </a:p>
-          <a:p>
-            <a:pPr marL="171450" indent="-171450" algn="just">
-              <a:spcBef>
-                <a:spcPts val="300"/>
-              </a:spcBef>
-              <a:buFont typeface="Arial" panose="020B0604020202020204" pitchFamily="34" charset="0"/>
-              <a:buChar char="•"/>
-            </a:pPr>
-            <a:endParaRPr lang="es-ES" sz="1200" dirty="0"/>
-          </a:p>
-          <a:p>
-            <a:pPr marL="171450" indent="-171450" algn="just">
-              <a:spcBef>
-                <a:spcPts val="300"/>
-              </a:spcBef>
-              <a:buFont typeface="Arial" panose="020B0604020202020204" pitchFamily="34" charset="0"/>
-              <a:buChar char="•"/>
-            </a:pPr>
-            <a:r>
-              <a:rPr lang="es-ES" sz="1200" dirty="0"/>
-              <a:t>Revisar las condiciones de acceso a los préstamos:  Revisar el histórico de saldo del cliente y darle más o menos préstamo en función de eso.</a:t>
-            </a:r>
-          </a:p>
-        </p:txBody>
-      </p:sp>
-      <p:sp>
-        <p:nvSpPr>
-          <p:cNvPr id="31" name="Rectángulo: esquinas redondeadas 30">
-            <a:extLst>
-              <a:ext uri="{FF2B5EF4-FFF2-40B4-BE49-F238E27FC236}">
-                <a16:creationId xmlns:a16="http://schemas.microsoft.com/office/drawing/2014/main" id="{D6B14624-1CAA-6254-8320-9749CAB8ED3F}"/>
-              </a:ext>
-            </a:extLst>
-          </p:cNvPr>
-          <p:cNvSpPr/>
-          <p:nvPr/>
-        </p:nvSpPr>
-        <p:spPr>
-          <a:xfrm>
-            <a:off x="6228170" y="1104371"/>
-            <a:ext cx="5508000" cy="5324706"/>
-          </a:xfrm>
-          <a:prstGeom prst="roundRect">
-            <a:avLst>
-              <a:gd name="adj" fmla="val 7845"/>
-            </a:avLst>
-          </a:prstGeom>
-          <a:solidFill>
-            <a:schemeClr val="bg1"/>
-          </a:solidFill>
-          <a:ln>
-            <a:noFill/>
-          </a:ln>
-        </p:spPr>
-        <p:style>
-          <a:lnRef idx="2">
-            <a:schemeClr val="accent1">
-              <a:shade val="50000"/>
-            </a:schemeClr>
-          </a:lnRef>
-          <a:fillRef idx="1">
-            <a:schemeClr val="accent1"/>
-          </a:fillRef>
-          <a:effectRef idx="0">
-            <a:schemeClr val="accent1"/>
-          </a:effectRef>
-          <a:fontRef idx="minor">
-            <a:schemeClr val="lt1"/>
-          </a:fontRef>
-        </p:style>
-        <p:txBody>
-          <a:bodyPr rtlCol="0" anchor="ctr"/>
-          <a:lstStyle/>
-          <a:p>
-            <a:pPr algn="ctr"/>
-            <a:endParaRPr lang="es-ES"/>
-          </a:p>
-        </p:txBody>
-      </p:sp>
-      <p:sp>
-        <p:nvSpPr>
-          <p:cNvPr id="36" name="CuadroTexto 35">
-            <a:extLst>
-              <a:ext uri="{FF2B5EF4-FFF2-40B4-BE49-F238E27FC236}">
-                <a16:creationId xmlns:a16="http://schemas.microsoft.com/office/drawing/2014/main" id="{12B785AF-6D8C-51D9-4FE5-2410EE4A9C56}"/>
-              </a:ext>
-            </a:extLst>
-          </p:cNvPr>
-          <p:cNvSpPr txBox="1"/>
-          <p:nvPr/>
-        </p:nvSpPr>
-        <p:spPr>
-          <a:xfrm>
-            <a:off x="7732857" y="2671549"/>
-            <a:ext cx="3873600" cy="1736646"/>
-          </a:xfrm>
-          <a:prstGeom prst="roundRect">
-            <a:avLst/>
-          </a:prstGeom>
-          <a:noFill/>
-          <a:ln w="19050">
-            <a:solidFill>
-              <a:srgbClr val="FF8181"/>
-            </a:solidFill>
-            <a:prstDash val="sysDash"/>
-          </a:ln>
-        </p:spPr>
-        <p:txBody>
-          <a:bodyPr wrap="square">
-            <a:spAutoFit/>
-          </a:bodyPr>
-          <a:lstStyle>
-            <a:defPPr rtl="0">
-              <a:defRPr lang="es-es"/>
-            </a:defPPr>
-            <a:lvl1pPr algn="just">
-              <a:spcBef>
-                <a:spcPts val="300"/>
-              </a:spcBef>
-              <a:defRPr sz="1200" b="1"/>
-            </a:lvl1pPr>
-          </a:lstStyle>
-          <a:p>
-            <a:pPr marL="171450" indent="-171450">
-              <a:spcBef>
-                <a:spcPts val="0"/>
-              </a:spcBef>
-              <a:buFont typeface="Arial" panose="020B0604020202020204" pitchFamily="34" charset="0"/>
-              <a:buChar char="•"/>
-            </a:pPr>
-            <a:r>
-              <a:rPr lang="es-ES" b="0" dirty="0"/>
-              <a:t>Los clientes con hipotecas destinan gran parte de sus ingresos a éstas y, por ello, su saldo es menor y tienen mayor peligro de incumplimiento.</a:t>
-            </a:r>
-          </a:p>
-          <a:p>
-            <a:pPr marL="171450" indent="-171450">
-              <a:spcBef>
-                <a:spcPts val="0"/>
-              </a:spcBef>
-              <a:buFont typeface="Arial" panose="020B0604020202020204" pitchFamily="34" charset="0"/>
-              <a:buChar char="•"/>
-            </a:pPr>
-            <a:endParaRPr lang="es-ES" b="0" dirty="0"/>
-          </a:p>
-          <a:p>
-            <a:pPr marL="171450" indent="-171450">
-              <a:spcBef>
-                <a:spcPts val="0"/>
-              </a:spcBef>
-              <a:buFont typeface="Arial" panose="020B0604020202020204" pitchFamily="34" charset="0"/>
-              <a:buChar char="•"/>
-            </a:pPr>
-            <a:endParaRPr lang="es-ES" b="0" dirty="0"/>
-          </a:p>
-          <a:p>
-            <a:pPr marL="171450" indent="-171450">
-              <a:spcBef>
-                <a:spcPts val="0"/>
-              </a:spcBef>
-              <a:buFont typeface="Arial" panose="020B0604020202020204" pitchFamily="34" charset="0"/>
-              <a:buChar char="•"/>
-            </a:pPr>
-            <a:r>
-              <a:rPr lang="es-ES" b="0" dirty="0"/>
-              <a:t>Los que también tienen préstamo puede que lo hayan pedido para reformar la casa y eso sea una señal de que tienen más ingresos.</a:t>
-            </a:r>
-          </a:p>
-        </p:txBody>
-      </p:sp>
-      <p:sp>
-        <p:nvSpPr>
-          <p:cNvPr id="38" name="CuadroTexto 37">
-            <a:extLst>
-              <a:ext uri="{FF2B5EF4-FFF2-40B4-BE49-F238E27FC236}">
-                <a16:creationId xmlns:a16="http://schemas.microsoft.com/office/drawing/2014/main" id="{69CA13D8-495C-9FBC-E443-F90156725376}"/>
-              </a:ext>
-            </a:extLst>
-          </p:cNvPr>
-          <p:cNvSpPr txBox="1"/>
-          <p:nvPr/>
-        </p:nvSpPr>
-        <p:spPr>
-          <a:xfrm>
-            <a:off x="7696039" y="4555553"/>
-            <a:ext cx="3873600" cy="1532334"/>
-          </a:xfrm>
-          <a:prstGeom prst="roundRect">
-            <a:avLst/>
-          </a:prstGeom>
-          <a:noFill/>
-          <a:ln w="19050">
-            <a:solidFill>
-              <a:srgbClr val="92D050"/>
-            </a:solidFill>
-            <a:prstDash val="sysDash"/>
-          </a:ln>
-        </p:spPr>
-        <p:txBody>
-          <a:bodyPr wrap="square">
-            <a:spAutoFit/>
-          </a:bodyPr>
-          <a:lstStyle>
-            <a:defPPr rtl="0">
-              <a:defRPr lang="es-es"/>
-            </a:defPPr>
-            <a:lvl1pPr algn="just">
-              <a:spcBef>
-                <a:spcPts val="300"/>
-              </a:spcBef>
-              <a:defRPr sz="1200" b="1"/>
-            </a:lvl1pPr>
-          </a:lstStyle>
-          <a:p>
-            <a:pPr marL="171450" indent="-171450">
-              <a:spcBef>
-                <a:spcPts val="0"/>
-              </a:spcBef>
-              <a:buFont typeface="Arial" panose="020B0604020202020204" pitchFamily="34" charset="0"/>
-              <a:buChar char="•"/>
-            </a:pPr>
-            <a:r>
-              <a:rPr lang="es-ES" b="0" dirty="0"/>
-              <a:t>Ajustar las condiciones de las hipotecas a los ingresos reales de los clientes.</a:t>
-            </a:r>
-          </a:p>
-          <a:p>
-            <a:pPr marL="171450" indent="-171450">
-              <a:spcBef>
-                <a:spcPts val="0"/>
-              </a:spcBef>
-              <a:buFont typeface="Arial" panose="020B0604020202020204" pitchFamily="34" charset="0"/>
-              <a:buChar char="•"/>
-            </a:pPr>
-            <a:endParaRPr lang="es-ES" b="0" dirty="0"/>
-          </a:p>
-          <a:p>
-            <a:pPr marL="171450" indent="-171450">
-              <a:spcBef>
-                <a:spcPts val="0"/>
-              </a:spcBef>
-              <a:buFont typeface="Arial" panose="020B0604020202020204" pitchFamily="34" charset="0"/>
-              <a:buChar char="•"/>
-            </a:pPr>
-            <a:r>
-              <a:rPr lang="es-ES" b="0" dirty="0"/>
-              <a:t>Poder suavizar las condiciones puntualmente en caso de necesidad para que no caigan en impago: Congelar el pago de intereses y así bajar las cuotas por un determinado tiempo o alargar el periodo de pago.</a:t>
-            </a:r>
-          </a:p>
-        </p:txBody>
-      </p:sp>
-      <p:sp>
-        <p:nvSpPr>
-          <p:cNvPr id="41" name="Elipse 40">
-            <a:extLst>
-              <a:ext uri="{FF2B5EF4-FFF2-40B4-BE49-F238E27FC236}">
-                <a16:creationId xmlns:a16="http://schemas.microsoft.com/office/drawing/2014/main" id="{726B6686-6E30-955D-B112-5001E3992DB0}"/>
-              </a:ext>
-            </a:extLst>
-          </p:cNvPr>
-          <p:cNvSpPr/>
-          <p:nvPr/>
-        </p:nvSpPr>
-        <p:spPr>
-          <a:xfrm>
-            <a:off x="6429545" y="2843134"/>
-            <a:ext cx="1173600" cy="1171731"/>
-          </a:xfrm>
-          <a:prstGeom prst="ellipse">
-            <a:avLst/>
-          </a:prstGeom>
-          <a:solidFill>
-            <a:srgbClr val="FFB7B7"/>
-          </a:solidFill>
-          <a:ln>
-            <a:solidFill>
-              <a:srgbClr val="FF8181"/>
-            </a:solidFill>
-          </a:ln>
-        </p:spPr>
-        <p:style>
-          <a:lnRef idx="2">
-            <a:schemeClr val="accent1">
-              <a:shade val="50000"/>
-            </a:schemeClr>
-          </a:lnRef>
-          <a:fillRef idx="1">
-            <a:schemeClr val="accent1"/>
-          </a:fillRef>
-          <a:effectRef idx="0">
-            <a:schemeClr val="accent1"/>
-          </a:effectRef>
-          <a:fontRef idx="minor">
-            <a:schemeClr val="lt1"/>
-          </a:fontRef>
-        </p:style>
-        <p:txBody>
-          <a:bodyPr rtlCol="0" anchor="ctr"/>
-          <a:lstStyle/>
-          <a:p>
-            <a:pPr algn="ctr"/>
-            <a:r>
-              <a:rPr lang="es-ES" sz="1400" dirty="0">
-                <a:solidFill>
-                  <a:schemeClr val="tx1"/>
-                </a:solidFill>
-              </a:rPr>
-              <a:t>Posibles </a:t>
-            </a:r>
-            <a:r>
-              <a:rPr lang="es-ES" sz="1400" b="1" dirty="0">
-                <a:solidFill>
-                  <a:schemeClr val="tx1"/>
-                </a:solidFill>
-              </a:rPr>
-              <a:t>CAUSAS</a:t>
-            </a:r>
-          </a:p>
-        </p:txBody>
-      </p:sp>
-      <p:sp>
-        <p:nvSpPr>
-          <p:cNvPr id="42" name="Elipse 41">
-            <a:extLst>
-              <a:ext uri="{FF2B5EF4-FFF2-40B4-BE49-F238E27FC236}">
-                <a16:creationId xmlns:a16="http://schemas.microsoft.com/office/drawing/2014/main" id="{AEF366BB-8534-D16B-88EC-C0A8213619CC}"/>
-              </a:ext>
-            </a:extLst>
-          </p:cNvPr>
-          <p:cNvSpPr/>
-          <p:nvPr/>
-        </p:nvSpPr>
-        <p:spPr>
-          <a:xfrm>
-            <a:off x="6371770" y="4735858"/>
-            <a:ext cx="1173600" cy="1171731"/>
-          </a:xfrm>
-          <a:prstGeom prst="ellipse">
-            <a:avLst/>
-          </a:prstGeom>
-          <a:solidFill>
-            <a:srgbClr val="D2ECB6"/>
-          </a:solidFill>
-          <a:ln>
-            <a:solidFill>
-              <a:srgbClr val="92D050"/>
-            </a:solidFill>
-          </a:ln>
-        </p:spPr>
-        <p:style>
-          <a:lnRef idx="2">
-            <a:schemeClr val="accent1">
-              <a:shade val="50000"/>
-            </a:schemeClr>
-          </a:lnRef>
-          <a:fillRef idx="1">
-            <a:schemeClr val="accent1"/>
-          </a:fillRef>
-          <a:effectRef idx="0">
-            <a:schemeClr val="accent1"/>
-          </a:effectRef>
-          <a:fontRef idx="minor">
-            <a:schemeClr val="lt1"/>
-          </a:fontRef>
-        </p:style>
-        <p:txBody>
-          <a:bodyPr rtlCol="0" anchor="ctr"/>
-          <a:lstStyle/>
-          <a:p>
-            <a:pPr algn="ctr"/>
-            <a:r>
-              <a:rPr lang="es-ES" sz="1400" b="1" dirty="0">
-                <a:solidFill>
-                  <a:schemeClr val="tx1"/>
-                </a:solidFill>
-              </a:rPr>
-              <a:t>RECO-MENDA-CIONES</a:t>
-            </a:r>
-          </a:p>
-        </p:txBody>
-      </p:sp>
-      <p:sp>
-        <p:nvSpPr>
-          <p:cNvPr id="43" name="Elipse 42">
-            <a:extLst>
-              <a:ext uri="{FF2B5EF4-FFF2-40B4-BE49-F238E27FC236}">
-                <a16:creationId xmlns:a16="http://schemas.microsoft.com/office/drawing/2014/main" id="{4DA4281C-F29A-6A7D-C796-6AFA6C3869FF}"/>
-              </a:ext>
-            </a:extLst>
-          </p:cNvPr>
-          <p:cNvSpPr/>
-          <p:nvPr/>
-        </p:nvSpPr>
-        <p:spPr>
-          <a:xfrm>
-            <a:off x="622361" y="4735856"/>
-            <a:ext cx="1173600" cy="1171731"/>
-          </a:xfrm>
-          <a:prstGeom prst="ellipse">
-            <a:avLst/>
-          </a:prstGeom>
-          <a:solidFill>
-            <a:srgbClr val="D2ECB6"/>
-          </a:solidFill>
-          <a:ln>
-            <a:solidFill>
-              <a:srgbClr val="92D050"/>
-            </a:solidFill>
-          </a:ln>
-        </p:spPr>
-        <p:style>
-          <a:lnRef idx="2">
-            <a:schemeClr val="accent1">
-              <a:shade val="50000"/>
-            </a:schemeClr>
-          </a:lnRef>
-          <a:fillRef idx="1">
-            <a:schemeClr val="accent1"/>
-          </a:fillRef>
-          <a:effectRef idx="0">
-            <a:schemeClr val="accent1"/>
-          </a:effectRef>
-          <a:fontRef idx="minor">
-            <a:schemeClr val="lt1"/>
-          </a:fontRef>
-        </p:style>
-        <p:txBody>
-          <a:bodyPr rtlCol="0" anchor="ctr"/>
-          <a:lstStyle/>
-          <a:p>
-            <a:pPr algn="ctr"/>
-            <a:r>
-              <a:rPr lang="es-ES" sz="1400" b="1" dirty="0">
-                <a:solidFill>
-                  <a:schemeClr val="tx1"/>
-                </a:solidFill>
-              </a:rPr>
-              <a:t>RECO-MENDA-CIONES</a:t>
-            </a:r>
-          </a:p>
-        </p:txBody>
-      </p:sp>
-      <p:sp>
-        <p:nvSpPr>
-          <p:cNvPr id="44" name="Elipse 43">
-            <a:extLst>
-              <a:ext uri="{FF2B5EF4-FFF2-40B4-BE49-F238E27FC236}">
-                <a16:creationId xmlns:a16="http://schemas.microsoft.com/office/drawing/2014/main" id="{B3D7F275-3643-5356-F0BB-4663C892B949}"/>
-              </a:ext>
-            </a:extLst>
-          </p:cNvPr>
-          <p:cNvSpPr/>
-          <p:nvPr/>
-        </p:nvSpPr>
-        <p:spPr>
-          <a:xfrm>
-            <a:off x="551159" y="2972562"/>
-            <a:ext cx="1173600" cy="1171731"/>
-          </a:xfrm>
-          <a:prstGeom prst="ellipse">
-            <a:avLst/>
-          </a:prstGeom>
-          <a:solidFill>
-            <a:srgbClr val="FFB7B7"/>
-          </a:solidFill>
-          <a:ln>
-            <a:solidFill>
-              <a:srgbClr val="FF8181"/>
-            </a:solidFill>
-          </a:ln>
-        </p:spPr>
-        <p:style>
-          <a:lnRef idx="2">
-            <a:schemeClr val="accent1">
-              <a:shade val="50000"/>
-            </a:schemeClr>
-          </a:lnRef>
-          <a:fillRef idx="1">
-            <a:schemeClr val="accent1"/>
-          </a:fillRef>
-          <a:effectRef idx="0">
-            <a:schemeClr val="accent1"/>
-          </a:effectRef>
-          <a:fontRef idx="minor">
-            <a:schemeClr val="lt1"/>
-          </a:fontRef>
-        </p:style>
-        <p:txBody>
-          <a:bodyPr rtlCol="0" anchor="ctr"/>
-          <a:lstStyle/>
-          <a:p>
-            <a:pPr algn="ctr"/>
-            <a:r>
-              <a:rPr lang="es-ES" sz="1400" dirty="0">
-                <a:solidFill>
-                  <a:schemeClr val="tx1"/>
-                </a:solidFill>
-              </a:rPr>
-              <a:t>Posibles </a:t>
-            </a:r>
-            <a:r>
-              <a:rPr lang="es-ES" sz="1400" b="1" dirty="0">
-                <a:solidFill>
-                  <a:schemeClr val="tx1"/>
-                </a:solidFill>
-              </a:rPr>
-              <a:t>CAUSAS</a:t>
-            </a:r>
-          </a:p>
-        </p:txBody>
-      </p:sp>
-      <p:sp>
-        <p:nvSpPr>
-          <p:cNvPr id="2" name="QuadreDeText 1">
-            <a:extLst>
-              <a:ext uri="{FF2B5EF4-FFF2-40B4-BE49-F238E27FC236}">
-                <a16:creationId xmlns:a16="http://schemas.microsoft.com/office/drawing/2014/main" id="{80D1F29C-338D-A3A0-399C-DA986318401D}"/>
-              </a:ext>
-            </a:extLst>
-          </p:cNvPr>
-          <p:cNvSpPr txBox="1"/>
-          <p:nvPr/>
-        </p:nvSpPr>
-        <p:spPr>
-          <a:xfrm>
-            <a:off x="1987466" y="1546180"/>
-            <a:ext cx="3933561" cy="617733"/>
-          </a:xfrm>
-          <a:prstGeom prst="rect">
-            <a:avLst/>
-          </a:prstGeom>
-          <a:noFill/>
-        </p:spPr>
-        <p:txBody>
-          <a:bodyPr wrap="square">
-            <a:spAutoFit/>
-          </a:bodyPr>
-          <a:lstStyle>
-            <a:defPPr rtl="0">
-              <a:defRPr lang="es-es"/>
-            </a:defPPr>
-            <a:lvl1pPr>
-              <a:lnSpc>
-                <a:spcPct val="150000"/>
-              </a:lnSpc>
-              <a:defRPr/>
-            </a:lvl1pPr>
-          </a:lstStyle>
-          <a:p>
-            <a:r>
-              <a:rPr lang="es-ES" altLang="es-ES" sz="1200" b="1" dirty="0"/>
-              <a:t>Tienden a tener mucho menor saldo</a:t>
-            </a:r>
-          </a:p>
-          <a:p>
-            <a:r>
-              <a:rPr lang="es-ES" altLang="es-ES" sz="1200" b="1" dirty="0"/>
-              <a:t>Tienden a tener mucho más riesgo de incumplimiento</a:t>
-            </a:r>
-          </a:p>
-        </p:txBody>
-      </p:sp>
-      <p:sp>
-        <p:nvSpPr>
-          <p:cNvPr id="3" name="Elipse 2">
-            <a:extLst>
-              <a:ext uri="{FF2B5EF4-FFF2-40B4-BE49-F238E27FC236}">
-                <a16:creationId xmlns:a16="http://schemas.microsoft.com/office/drawing/2014/main" id="{2CAA5F33-D214-CC8B-A2D4-F415FAD0B231}"/>
-              </a:ext>
-            </a:extLst>
-          </p:cNvPr>
-          <p:cNvSpPr/>
-          <p:nvPr/>
-        </p:nvSpPr>
-        <p:spPr>
-          <a:xfrm>
-            <a:off x="599654" y="1296907"/>
-            <a:ext cx="1173600" cy="1120646"/>
-          </a:xfrm>
-          <a:prstGeom prst="ellipse">
-            <a:avLst/>
-          </a:prstGeom>
-          <a:solidFill>
-            <a:schemeClr val="accent5">
-              <a:lumMod val="25000"/>
-              <a:lumOff val="75000"/>
-            </a:schemeClr>
-          </a:solidFill>
-          <a:ln>
-            <a:solidFill>
-              <a:schemeClr val="accent5">
-                <a:lumMod val="50000"/>
-                <a:lumOff val="50000"/>
-              </a:schemeClr>
-            </a:solidFill>
-          </a:ln>
-        </p:spPr>
-        <p:style>
-          <a:lnRef idx="2">
-            <a:schemeClr val="accent1">
-              <a:shade val="50000"/>
-            </a:schemeClr>
-          </a:lnRef>
-          <a:fillRef idx="1">
-            <a:schemeClr val="accent1"/>
-          </a:fillRef>
-          <a:effectRef idx="0">
-            <a:schemeClr val="accent1"/>
-          </a:effectRef>
-          <a:fontRef idx="minor">
-            <a:schemeClr val="lt1"/>
-          </a:fontRef>
-        </p:style>
-        <p:txBody>
-          <a:bodyPr rtlCol="0" anchor="ctr"/>
-          <a:lstStyle/>
-          <a:p>
-            <a:pPr algn="ctr"/>
-            <a:r>
-              <a:rPr lang="es-ES" sz="1400" dirty="0">
-                <a:solidFill>
-                  <a:schemeClr val="tx1"/>
-                </a:solidFill>
-              </a:rPr>
-              <a:t>Clientes con</a:t>
-            </a:r>
-          </a:p>
-          <a:p>
-            <a:pPr algn="ctr"/>
-            <a:r>
-              <a:rPr lang="es-ES" sz="1400" b="1" dirty="0">
-                <a:solidFill>
-                  <a:schemeClr val="tx1"/>
-                </a:solidFill>
-              </a:rPr>
-              <a:t>PRÉSTAMOS</a:t>
-            </a:r>
-          </a:p>
-        </p:txBody>
-      </p:sp>
-      <p:sp>
-        <p:nvSpPr>
-          <p:cNvPr id="7" name="Elipse 3">
-            <a:extLst>
-              <a:ext uri="{FF2B5EF4-FFF2-40B4-BE49-F238E27FC236}">
-                <a16:creationId xmlns:a16="http://schemas.microsoft.com/office/drawing/2014/main" id="{B2B7A681-6DC4-190D-D9BA-75D280946319}"/>
-              </a:ext>
-            </a:extLst>
-          </p:cNvPr>
-          <p:cNvSpPr/>
-          <p:nvPr/>
-        </p:nvSpPr>
-        <p:spPr>
-          <a:xfrm>
-            <a:off x="6391631" y="1230248"/>
-            <a:ext cx="1173600" cy="1171731"/>
-          </a:xfrm>
-          <a:prstGeom prst="ellipse">
-            <a:avLst/>
-          </a:prstGeom>
-          <a:solidFill>
-            <a:schemeClr val="accent5">
-              <a:lumMod val="25000"/>
-              <a:lumOff val="75000"/>
-            </a:schemeClr>
-          </a:solidFill>
-          <a:ln>
-            <a:solidFill>
-              <a:schemeClr val="accent5">
-                <a:lumMod val="50000"/>
-                <a:lumOff val="50000"/>
-              </a:schemeClr>
-            </a:solidFill>
-          </a:ln>
-        </p:spPr>
-        <p:style>
-          <a:lnRef idx="2">
-            <a:schemeClr val="accent1">
-              <a:shade val="50000"/>
-            </a:schemeClr>
-          </a:lnRef>
-          <a:fillRef idx="1">
-            <a:schemeClr val="accent1"/>
-          </a:fillRef>
-          <a:effectRef idx="0">
-            <a:schemeClr val="accent1"/>
-          </a:effectRef>
-          <a:fontRef idx="minor">
-            <a:schemeClr val="lt1"/>
-          </a:fontRef>
-        </p:style>
-        <p:txBody>
-          <a:bodyPr rtlCol="0" anchor="ctr"/>
-          <a:lstStyle/>
-          <a:p>
-            <a:pPr algn="ctr"/>
-            <a:r>
-              <a:rPr lang="es-ES" sz="1400" dirty="0">
-                <a:solidFill>
-                  <a:schemeClr val="tx1"/>
-                </a:solidFill>
-              </a:rPr>
-              <a:t>Clientes con</a:t>
-            </a:r>
-          </a:p>
-          <a:p>
-            <a:pPr algn="ctr"/>
-            <a:r>
-              <a:rPr lang="es-ES" sz="1400" b="1" dirty="0">
-                <a:solidFill>
-                  <a:schemeClr val="tx1"/>
-                </a:solidFill>
-              </a:rPr>
-              <a:t>HIPOTECAS</a:t>
-            </a:r>
-          </a:p>
-        </p:txBody>
-      </p:sp>
-      <p:sp>
-        <p:nvSpPr>
-          <p:cNvPr id="8" name="CuadroTexto 6">
-            <a:extLst>
-              <a:ext uri="{FF2B5EF4-FFF2-40B4-BE49-F238E27FC236}">
-                <a16:creationId xmlns:a16="http://schemas.microsoft.com/office/drawing/2014/main" id="{153DFE94-1372-87D5-0DA0-DA5787B5D984}"/>
-              </a:ext>
-            </a:extLst>
-          </p:cNvPr>
-          <p:cNvSpPr txBox="1"/>
-          <p:nvPr/>
-        </p:nvSpPr>
-        <p:spPr>
-          <a:xfrm>
-            <a:off x="7603145" y="1245822"/>
-            <a:ext cx="4347237" cy="1171731"/>
-          </a:xfrm>
-          <a:prstGeom prst="rect">
-            <a:avLst/>
-          </a:prstGeom>
-          <a:noFill/>
-        </p:spPr>
-        <p:txBody>
-          <a:bodyPr wrap="square">
-            <a:spAutoFit/>
-          </a:bodyPr>
-          <a:lstStyle/>
-          <a:p>
-            <a:pPr>
-              <a:lnSpc>
-                <a:spcPct val="150000"/>
-              </a:lnSpc>
-            </a:pPr>
-            <a:r>
-              <a:rPr lang="es-ES" altLang="es-ES" sz="1200" b="1" dirty="0"/>
-              <a:t>Tienden a tener un saldo un poco menor</a:t>
-            </a:r>
-          </a:p>
-          <a:p>
-            <a:pPr>
-              <a:lnSpc>
-                <a:spcPct val="150000"/>
-              </a:lnSpc>
-            </a:pPr>
-            <a:r>
-              <a:rPr lang="es-ES" altLang="es-ES" sz="1200" b="1" dirty="0"/>
-              <a:t>Tienden a tener un poco más de riesgo que los que no tienen préstamo</a:t>
-            </a:r>
-          </a:p>
-          <a:p>
-            <a:pPr>
-              <a:lnSpc>
-                <a:spcPct val="150000"/>
-              </a:lnSpc>
-            </a:pPr>
-            <a:r>
-              <a:rPr lang="es-ES" altLang="es-ES" sz="1200" b="1" dirty="0"/>
-              <a:t>Tienden a tener menor riesgo en los que tienen también préstamo</a:t>
-            </a:r>
-          </a:p>
-        </p:txBody>
-      </p:sp>
-    </p:spTree>
-    <p:extLst>
-      <p:ext uri="{BB962C8B-B14F-4D97-AF65-F5344CB8AC3E}">
-        <p14:creationId xmlns:p14="http://schemas.microsoft.com/office/powerpoint/2010/main" val="1103751901"/>
-      </p:ext>
-    </p:extLst>
-  </p:cSld>
-  <p:clrMapOvr>
-    <a:masterClrMapping/>
-  </p:clrMapOvr>
-</p:sld>
-</file>
-
-<file path=ppt/slides/slide12.xml><?xml version="1.0" encoding="utf-8"?>
-<p:sld xmlns:a="http://schemas.openxmlformats.org/drawingml/2006/main" xmlns:r="http://schemas.openxmlformats.org/officeDocument/2006/relationships" xmlns:p="http://schemas.openxmlformats.org/presentationml/2006/main">
-  <p:cSld>
     <p:bg>
       <p:bgPr>
         <a:blipFill dpi="0" rotWithShape="1">
@@ -15469,14 +13217,14 @@
           <p:nvPr>
             <p:extLst>
               <p:ext uri="{D42A27DB-BD31-4B8C-83A1-F6EECF244321}">
-                <p14:modId xmlns:p14="http://schemas.microsoft.com/office/powerpoint/2010/main" val="4025258182"/>
+                <p14:modId xmlns:p14="http://schemas.microsoft.com/office/powerpoint/2010/main" val="2721419558"/>
               </p:ext>
             </p:extLst>
           </p:nvPr>
         </p:nvGraphicFramePr>
         <p:xfrm>
           <a:off x="505958" y="1334673"/>
-          <a:ext cx="3420582" cy="1923600"/>
+          <a:ext cx="3420582" cy="1984560"/>
         </p:xfrm>
         <a:graphic>
           <a:graphicData uri="http://schemas.openxmlformats.org/drawingml/2006/table">
@@ -15515,7 +13263,7 @@
                     <a:p>
                       <a:pPr algn="ctr"/>
                       <a:r>
-                        <a:rPr lang="ca-ES" sz="1000" dirty="0">
+                        <a:rPr lang="ca-ES" sz="1100" dirty="0">
                           <a:solidFill>
                             <a:schemeClr val="tx1"/>
                           </a:solidFill>
@@ -15523,14 +13271,14 @@
                         <a:t>Saldo </a:t>
                       </a:r>
                       <a:r>
-                        <a:rPr lang="ca-ES" sz="1000" dirty="0" err="1">
+                        <a:rPr lang="ca-ES" sz="1100" dirty="0" err="1">
                           <a:solidFill>
                             <a:schemeClr val="tx1"/>
                           </a:solidFill>
                         </a:rPr>
                         <a:t>Medio</a:t>
                       </a:r>
-                      <a:endParaRPr lang="ca-ES" sz="1000" dirty="0">
+                      <a:endParaRPr lang="ca-ES" sz="1100" dirty="0">
                         <a:solidFill>
                           <a:schemeClr val="tx1"/>
                         </a:solidFill>
@@ -15539,7 +13287,7 @@
                     <a:p>
                       <a:pPr algn="ctr"/>
                       <a:r>
-                        <a:rPr lang="ca-ES" sz="1000" dirty="0">
+                        <a:rPr lang="ca-ES" sz="1100" dirty="0">
                           <a:solidFill>
                             <a:schemeClr val="tx1"/>
                           </a:solidFill>
@@ -15550,7 +13298,7 @@
                     <a:p>
                       <a:pPr algn="ctr"/>
                       <a:r>
-                        <a:rPr lang="ca-ES" sz="1000" dirty="0" err="1">
+                        <a:rPr lang="ca-ES" sz="1100" dirty="0" err="1">
                           <a:solidFill>
                             <a:schemeClr val="tx1"/>
                           </a:solidFill>
@@ -15558,7 +13306,7 @@
                         <a:t>Préstamo</a:t>
                       </a:r>
                       <a:r>
-                        <a:rPr lang="ca-ES" sz="1000" dirty="0">
+                        <a:rPr lang="ca-ES" sz="1100" dirty="0">
                           <a:solidFill>
                             <a:schemeClr val="tx1"/>
                           </a:solidFill>
@@ -16218,7 +13966,7 @@
           <p:nvPr>
             <p:extLst>
               <p:ext uri="{D42A27DB-BD31-4B8C-83A1-F6EECF244321}">
-                <p14:modId xmlns:p14="http://schemas.microsoft.com/office/powerpoint/2010/main" val="26873882"/>
+                <p14:modId xmlns:p14="http://schemas.microsoft.com/office/powerpoint/2010/main" val="975278084"/>
               </p:ext>
             </p:extLst>
           </p:nvPr>
@@ -16264,7 +14012,7 @@
                     <a:p>
                       <a:pPr algn="ctr"/>
                       <a:r>
-                        <a:rPr lang="es-ES" sz="1000" noProof="0" dirty="0">
+                        <a:rPr lang="es-ES" sz="1100" noProof="0" dirty="0">
                           <a:solidFill>
                             <a:schemeClr val="tx1"/>
                           </a:solidFill>
@@ -16275,7 +14023,7 @@
                     <a:p>
                       <a:pPr algn="ctr"/>
                       <a:r>
-                        <a:rPr lang="es-ES" sz="1000" noProof="0" dirty="0">
+                        <a:rPr lang="es-ES" sz="1100" noProof="0" dirty="0">
                           <a:solidFill>
                             <a:schemeClr val="tx1"/>
                           </a:solidFill>
@@ -16286,7 +14034,7 @@
                     <a:p>
                       <a:pPr algn="ctr"/>
                       <a:r>
-                        <a:rPr lang="es-ES" sz="1000" noProof="0" dirty="0">
+                        <a:rPr lang="es-ES" sz="1100" noProof="0" dirty="0">
                           <a:solidFill>
                             <a:schemeClr val="tx1"/>
                           </a:solidFill>
@@ -17174,19 +14922,7 @@
             </a:r>
             <a:r>
               <a:rPr lang="es-ES" sz="1300" dirty="0"/>
-              <a:t>pero en menor medida </a:t>
-            </a:r>
-            <a:r>
-              <a:rPr lang="es-ES" sz="1300" dirty="0">
-                <a:highlight>
-                  <a:srgbClr val="FFFF00"/>
-                </a:highlight>
-              </a:rPr>
-              <a:t>(-10,8% </a:t>
-            </a:r>
-            <a:r>
-              <a:rPr lang="es-ES" sz="1300" dirty="0"/>
-              <a:t>y -27,2%)</a:t>
+              <a:t>pero en menor medida (-10,8% y -27,2%)</a:t>
             </a:r>
           </a:p>
         </p:txBody>
@@ -17243,19 +14979,7 @@
             </a:r>
             <a:r>
               <a:rPr lang="es-ES" sz="1300" dirty="0"/>
-              <a:t> entre un </a:t>
-            </a:r>
-            <a:r>
-              <a:rPr lang="es-ES" sz="1300" dirty="0">
-                <a:highlight>
-                  <a:srgbClr val="FFFF00"/>
-                </a:highlight>
-              </a:rPr>
-              <a:t>50,9%</a:t>
-            </a:r>
-            <a:r>
-              <a:rPr lang="es-ES" sz="1300" dirty="0"/>
-              <a:t> y 472,8% </a:t>
+              <a:t> entre un 50,9% y 472,8% </a:t>
             </a:r>
             <a:r>
               <a:rPr lang="es-ES" sz="1300" b="1" dirty="0"/>
@@ -17300,11 +15024,7 @@
               <a:t>lo decrece </a:t>
             </a:r>
             <a:r>
-              <a:rPr lang="es-ES" sz="1300" dirty="0">
-                <a:highlight>
-                  <a:srgbClr val="FFFF00"/>
-                </a:highlight>
-              </a:rPr>
+              <a:rPr lang="es-ES" sz="1300" dirty="0"/>
               <a:t>-47,1% </a:t>
             </a:r>
             <a:r>
@@ -17462,7 +15182,13 @@
   <p:cSld>
     <p:spTree>
       <p:nvGrpSpPr>
-        <p:cNvPr id="1" name=""/>
+        <p:cNvPr id="1" name="">
+          <a:extLst>
+            <a:ext uri="{FF2B5EF4-FFF2-40B4-BE49-F238E27FC236}">
+              <a16:creationId xmlns:a16="http://schemas.microsoft.com/office/drawing/2014/main" id="{812C789B-ED9E-6552-3C89-2A37E2185E24}"/>
+            </a:ext>
+          </a:extLst>
+        </p:cNvPr>
         <p:cNvGrpSpPr/>
         <p:nvPr/>
       </p:nvGrpSpPr>
@@ -17476,10 +15202,10 @@
       </p:grpSpPr>
       <p:sp>
         <p:nvSpPr>
-          <p:cNvPr id="2" name="Rectángulo 1">
-            <a:extLst>
-              <a:ext uri="{FF2B5EF4-FFF2-40B4-BE49-F238E27FC236}">
-                <a16:creationId xmlns:a16="http://schemas.microsoft.com/office/drawing/2014/main" id="{AE075C58-333E-B20B-FF4A-C0CCDF7254CF}"/>
+          <p:cNvPr id="6" name="Rectángulo 5">
+            <a:extLst>
+              <a:ext uri="{FF2B5EF4-FFF2-40B4-BE49-F238E27FC236}">
+                <a16:creationId xmlns:a16="http://schemas.microsoft.com/office/drawing/2014/main" id="{DBABB88C-863F-A051-B92B-419C48D98DF8}"/>
               </a:ext>
             </a:extLst>
           </p:cNvPr>
@@ -17530,109 +15256,10 @@
       </p:sp>
       <p:sp>
         <p:nvSpPr>
-          <p:cNvPr id="5" name="QuadreDeText 3">
-            <a:extLst>
-              <a:ext uri="{FF2B5EF4-FFF2-40B4-BE49-F238E27FC236}">
-                <a16:creationId xmlns:a16="http://schemas.microsoft.com/office/drawing/2014/main" id="{DB2F1EA4-1C0B-78BF-E2EA-8AB81F4C9702}"/>
-              </a:ext>
-            </a:extLst>
-          </p:cNvPr>
-          <p:cNvSpPr txBox="1"/>
-          <p:nvPr/>
-        </p:nvSpPr>
-        <p:spPr>
-          <a:xfrm>
-            <a:off x="505958" y="250347"/>
-            <a:ext cx="11230211" cy="677108"/>
-          </a:xfrm>
-          <a:prstGeom prst="rect">
-            <a:avLst/>
-          </a:prstGeom>
-          <a:noFill/>
-        </p:spPr>
-        <p:txBody>
-          <a:bodyPr wrap="square">
-            <a:spAutoFit/>
-          </a:bodyPr>
-          <a:lstStyle/>
-          <a:p>
-            <a:r>
-              <a:rPr lang="es-ES" sz="2400" b="1" dirty="0">
-                <a:solidFill>
-                  <a:schemeClr val="accent3">
-                    <a:lumMod val="50000"/>
-                  </a:schemeClr>
-                </a:solidFill>
-                <a:latin typeface="+mj-lt"/>
-              </a:rPr>
-              <a:t>RESPUESTAS</a:t>
-            </a:r>
-          </a:p>
-          <a:p>
-            <a:r>
-              <a:rPr lang="es-ES" altLang="es-ES" sz="1400" b="1" dirty="0"/>
-              <a:t>¿Los clientes con préstamos e hipotecas tienden a tener un saldo medio más bajo o más riesgo de incumplimiento? </a:t>
-            </a:r>
-          </a:p>
-        </p:txBody>
-      </p:sp>
-      <p:sp>
-        <p:nvSpPr>
-          <p:cNvPr id="14" name="QuadreDeText 13">
-            <a:extLst>
-              <a:ext uri="{FF2B5EF4-FFF2-40B4-BE49-F238E27FC236}">
-                <a16:creationId xmlns:a16="http://schemas.microsoft.com/office/drawing/2014/main" id="{25E84E95-7FB0-143A-D04B-1F6F4040721D}"/>
-              </a:ext>
-            </a:extLst>
-          </p:cNvPr>
-          <p:cNvSpPr txBox="1"/>
-          <p:nvPr/>
-        </p:nvSpPr>
-        <p:spPr>
-          <a:xfrm>
-            <a:off x="3950972" y="2066657"/>
-            <a:ext cx="5636045" cy="880369"/>
-          </a:xfrm>
-          <a:prstGeom prst="rect">
-            <a:avLst/>
-          </a:prstGeom>
-          <a:noFill/>
-        </p:spPr>
-        <p:txBody>
-          <a:bodyPr wrap="square">
-            <a:spAutoFit/>
-          </a:bodyPr>
-          <a:lstStyle>
-            <a:defPPr rtl="0">
-              <a:defRPr lang="es-es"/>
-            </a:defPPr>
-            <a:lvl1pPr>
-              <a:lnSpc>
-                <a:spcPct val="150000"/>
-              </a:lnSpc>
-              <a:defRPr/>
-            </a:lvl1pPr>
-          </a:lstStyle>
-          <a:p>
-            <a:r>
-              <a:rPr lang="es-ES" altLang="es-ES" dirty="0"/>
-              <a:t>Tienden a tener mucho menor saldo</a:t>
-            </a:r>
-          </a:p>
-          <a:p>
-            <a:r>
-              <a:rPr lang="es-ES" altLang="es-ES" dirty="0"/>
-              <a:t>Tienden a tener mucho más riesgo de incumplimiento</a:t>
-            </a:r>
-          </a:p>
-        </p:txBody>
-      </p:sp>
-      <p:sp>
-        <p:nvSpPr>
-          <p:cNvPr id="3" name="Elipse 2">
-            <a:extLst>
-              <a:ext uri="{FF2B5EF4-FFF2-40B4-BE49-F238E27FC236}">
-                <a16:creationId xmlns:a16="http://schemas.microsoft.com/office/drawing/2014/main" id="{50BAAC89-F0EF-0DB5-A040-D3620F9E5BB4}"/>
+          <p:cNvPr id="4" name="Rectángulo: esquinas redondeadas 3">
+            <a:extLst>
+              <a:ext uri="{FF2B5EF4-FFF2-40B4-BE49-F238E27FC236}">
+                <a16:creationId xmlns:a16="http://schemas.microsoft.com/office/drawing/2014/main" id="{1832CEF4-4A09-C457-448E-CAD422E89525}"/>
               </a:ext>
             </a:extLst>
           </p:cNvPr>
@@ -17641,25 +15268,19 @@
         </p:nvSpPr>
         <p:spPr>
           <a:xfrm>
-            <a:off x="1584671" y="1696842"/>
-            <a:ext cx="1620000" cy="1620000"/>
-          </a:xfrm>
-          <a:prstGeom prst="ellipse">
-            <a:avLst/>
+            <a:off x="505958" y="1104371"/>
+            <a:ext cx="5508000" cy="5324706"/>
+          </a:xfrm>
+          <a:prstGeom prst="roundRect">
+            <a:avLst>
+              <a:gd name="adj" fmla="val 7845"/>
+            </a:avLst>
           </a:prstGeom>
           <a:solidFill>
-            <a:schemeClr val="accent5">
-              <a:lumMod val="25000"/>
-              <a:lumOff val="75000"/>
-            </a:schemeClr>
+            <a:schemeClr val="bg1"/>
           </a:solidFill>
           <a:ln>
-            <a:solidFill>
-              <a:schemeClr val="accent5">
-                <a:lumMod val="50000"/>
-                <a:lumOff val="50000"/>
-              </a:schemeClr>
-            </a:solidFill>
+            <a:noFill/>
           </a:ln>
         </p:spPr>
         <p:style>
@@ -17683,34 +15304,208 @@
           <a:lstStyle/>
           <a:p>
             <a:pPr algn="ctr"/>
-            <a:r>
-              <a:rPr lang="es-ES" sz="1400" dirty="0">
+            <a:endParaRPr lang="es-ES"/>
+          </a:p>
+        </p:txBody>
+      </p:sp>
+      <p:sp>
+        <p:nvSpPr>
+          <p:cNvPr id="5" name="QuadreDeText 3">
+            <a:extLst>
+              <a:ext uri="{FF2B5EF4-FFF2-40B4-BE49-F238E27FC236}">
+                <a16:creationId xmlns:a16="http://schemas.microsoft.com/office/drawing/2014/main" id="{88BB37F3-E934-9179-5238-8C55B40B1B06}"/>
+              </a:ext>
+            </a:extLst>
+          </p:cNvPr>
+          <p:cNvSpPr txBox="1"/>
+          <p:nvPr/>
+        </p:nvSpPr>
+        <p:spPr>
+          <a:xfrm>
+            <a:off x="505958" y="250347"/>
+            <a:ext cx="11230211" cy="923330"/>
+          </a:xfrm>
+          <a:prstGeom prst="rect">
+            <a:avLst/>
+          </a:prstGeom>
+          <a:noFill/>
+        </p:spPr>
+        <p:txBody>
+          <a:bodyPr wrap="square">
+            <a:spAutoFit/>
+          </a:bodyPr>
+          <a:lstStyle/>
+          <a:p>
+            <a:r>
+              <a:rPr lang="es-ES" sz="2400" b="1" dirty="0">
                 <a:solidFill>
-                  <a:schemeClr val="tx1"/>
+                  <a:schemeClr val="accent3">
+                    <a:lumMod val="50000"/>
+                  </a:schemeClr>
                 </a:solidFill>
+                <a:effectLst/>
+                <a:latin typeface="+mj-lt"/>
               </a:rPr>
-              <a:t>Clientes con</a:t>
-            </a:r>
-          </a:p>
-          <a:p>
-            <a:pPr algn="ctr"/>
-            <a:r>
-              <a:rPr lang="es-ES" sz="1400" b="1" dirty="0">
-                <a:solidFill>
-                  <a:schemeClr val="tx1"/>
-                </a:solidFill>
-              </a:rPr>
-              <a:t>PRÉSTAMOS</a:t>
-            </a:r>
-          </a:p>
-        </p:txBody>
-      </p:sp>
-      <p:sp>
-        <p:nvSpPr>
-          <p:cNvPr id="4" name="Elipse 3">
-            <a:extLst>
-              <a:ext uri="{FF2B5EF4-FFF2-40B4-BE49-F238E27FC236}">
-                <a16:creationId xmlns:a16="http://schemas.microsoft.com/office/drawing/2014/main" id="{71BD2C71-4A01-264A-FBBC-D82911106B4A}"/>
+              <a:t>PROPUESTAS DE AJUSTES DE GESTIÓN DE RIESGOS</a:t>
+            </a:r>
+          </a:p>
+          <a:p>
+            <a:r>
+              <a:rPr lang="es-ES" altLang="es-ES" sz="1400" b="1" dirty="0"/>
+              <a:t>¿Cómo deberíamos ajustar nuestras ofertas y estrategias de gestión de riesgos en función de estos hallazgos? </a:t>
+            </a:r>
+          </a:p>
+          <a:p>
+            <a:endParaRPr lang="es-ES" sz="1400" b="1" dirty="0"/>
+          </a:p>
+        </p:txBody>
+      </p:sp>
+      <p:sp>
+        <p:nvSpPr>
+          <p:cNvPr id="20" name="CuadroTexto 19">
+            <a:extLst>
+              <a:ext uri="{FF2B5EF4-FFF2-40B4-BE49-F238E27FC236}">
+                <a16:creationId xmlns:a16="http://schemas.microsoft.com/office/drawing/2014/main" id="{8D4C4ABA-8C4D-3D1B-ADF0-41CF01169476}"/>
+              </a:ext>
+            </a:extLst>
+          </p:cNvPr>
+          <p:cNvSpPr txBox="1"/>
+          <p:nvPr/>
+        </p:nvSpPr>
+        <p:spPr>
+          <a:xfrm>
+            <a:off x="1977738" y="2935451"/>
+            <a:ext cx="3874361" cy="1208842"/>
+          </a:xfrm>
+          <a:prstGeom prst="roundRect">
+            <a:avLst/>
+          </a:prstGeom>
+          <a:noFill/>
+          <a:ln w="19050">
+            <a:solidFill>
+              <a:srgbClr val="FF8181"/>
+            </a:solidFill>
+            <a:prstDash val="sysDash"/>
+          </a:ln>
+        </p:spPr>
+        <p:txBody>
+          <a:bodyPr wrap="square">
+            <a:spAutoFit/>
+          </a:bodyPr>
+          <a:lstStyle/>
+          <a:p>
+            <a:pPr marL="171450" indent="-171450" algn="just">
+              <a:spcBef>
+                <a:spcPts val="300"/>
+              </a:spcBef>
+              <a:buFont typeface="Arial" panose="020B0604020202020204" pitchFamily="34" charset="0"/>
+              <a:buChar char="•"/>
+            </a:pPr>
+            <a:r>
+              <a:rPr lang="es-ES" sz="1200" dirty="0"/>
+              <a:t>Se piden más préstamos por necesidad que para artículos de lujo o para emprender.</a:t>
+            </a:r>
+          </a:p>
+          <a:p>
+            <a:pPr algn="just">
+              <a:spcBef>
+                <a:spcPts val="300"/>
+              </a:spcBef>
+            </a:pPr>
+            <a:endParaRPr lang="es-ES" sz="1200" dirty="0"/>
+          </a:p>
+          <a:p>
+            <a:pPr marL="171450" indent="-171450" algn="just">
+              <a:spcBef>
+                <a:spcPts val="300"/>
+              </a:spcBef>
+              <a:buFont typeface="Arial" panose="020B0604020202020204" pitchFamily="34" charset="0"/>
+              <a:buChar char="•"/>
+            </a:pPr>
+            <a:r>
+              <a:rPr lang="es-ES" sz="1200" dirty="0"/>
+              <a:t>Su flujo de efectivo es más frágil; al no tener mayor saldo, pueden incumplir con facilidad.</a:t>
+            </a:r>
+          </a:p>
+        </p:txBody>
+      </p:sp>
+      <p:sp>
+        <p:nvSpPr>
+          <p:cNvPr id="30" name="CuadroTexto 29">
+            <a:extLst>
+              <a:ext uri="{FF2B5EF4-FFF2-40B4-BE49-F238E27FC236}">
+                <a16:creationId xmlns:a16="http://schemas.microsoft.com/office/drawing/2014/main" id="{402A32AE-3750-DF58-DF17-E9552C34F130}"/>
+              </a:ext>
+            </a:extLst>
+          </p:cNvPr>
+          <p:cNvSpPr txBox="1"/>
+          <p:nvPr/>
+        </p:nvSpPr>
+        <p:spPr>
+          <a:xfrm>
+            <a:off x="1977738" y="4615143"/>
+            <a:ext cx="3874360" cy="1413153"/>
+          </a:xfrm>
+          <a:prstGeom prst="roundRect">
+            <a:avLst/>
+          </a:prstGeom>
+          <a:noFill/>
+          <a:ln w="19050">
+            <a:solidFill>
+              <a:srgbClr val="92D050"/>
+            </a:solidFill>
+            <a:prstDash val="sysDash"/>
+          </a:ln>
+        </p:spPr>
+        <p:txBody>
+          <a:bodyPr wrap="square">
+            <a:spAutoFit/>
+          </a:bodyPr>
+          <a:lstStyle/>
+          <a:p>
+            <a:pPr marL="171450" indent="-171450" algn="just">
+              <a:spcBef>
+                <a:spcPts val="300"/>
+              </a:spcBef>
+              <a:buFont typeface="Arial" panose="020B0604020202020204" pitchFamily="34" charset="0"/>
+              <a:buChar char="•"/>
+            </a:pPr>
+            <a:r>
+              <a:rPr lang="es-ES" sz="1200" dirty="0"/>
+              <a:t>Incentivar los préstamos para coches, etc. entre los que tienen mayor saldo con intereses menores.</a:t>
+            </a:r>
+          </a:p>
+          <a:p>
+            <a:pPr marL="171450" indent="-171450" algn="just">
+              <a:spcBef>
+                <a:spcPts val="300"/>
+              </a:spcBef>
+              <a:buFont typeface="Arial" panose="020B0604020202020204" pitchFamily="34" charset="0"/>
+              <a:buChar char="•"/>
+            </a:pPr>
+            <a:endParaRPr lang="es-ES" sz="1200" dirty="0"/>
+          </a:p>
+          <a:p>
+            <a:pPr marL="171450" indent="-171450" algn="just">
+              <a:spcBef>
+                <a:spcPts val="300"/>
+              </a:spcBef>
+              <a:buFont typeface="Arial" panose="020B0604020202020204" pitchFamily="34" charset="0"/>
+              <a:buChar char="•"/>
+            </a:pPr>
+            <a:r>
+              <a:rPr lang="es-ES" sz="1200" dirty="0"/>
+              <a:t>Revisar las condiciones de acceso a los préstamos:  Revisar el histórico de saldo del cliente y darle más o menos préstamo en función de eso.</a:t>
+            </a:r>
+          </a:p>
+        </p:txBody>
+      </p:sp>
+      <p:sp>
+        <p:nvSpPr>
+          <p:cNvPr id="31" name="Rectángulo: esquinas redondeadas 30">
+            <a:extLst>
+              <a:ext uri="{FF2B5EF4-FFF2-40B4-BE49-F238E27FC236}">
+                <a16:creationId xmlns:a16="http://schemas.microsoft.com/office/drawing/2014/main" id="{D6B14624-1CAA-6254-8320-9749CAB8ED3F}"/>
               </a:ext>
             </a:extLst>
           </p:cNvPr>
@@ -17719,25 +15514,19 @@
         </p:nvSpPr>
         <p:spPr>
           <a:xfrm>
-            <a:off x="1584671" y="4123667"/>
-            <a:ext cx="1620000" cy="1620000"/>
-          </a:xfrm>
-          <a:prstGeom prst="ellipse">
-            <a:avLst/>
+            <a:off x="6178044" y="1104371"/>
+            <a:ext cx="5508000" cy="5324706"/>
+          </a:xfrm>
+          <a:prstGeom prst="roundRect">
+            <a:avLst>
+              <a:gd name="adj" fmla="val 7845"/>
+            </a:avLst>
           </a:prstGeom>
           <a:solidFill>
-            <a:schemeClr val="accent5">
-              <a:lumMod val="25000"/>
-              <a:lumOff val="75000"/>
-            </a:schemeClr>
+            <a:schemeClr val="bg1"/>
           </a:solidFill>
           <a:ln>
-            <a:solidFill>
-              <a:schemeClr val="accent5">
-                <a:lumMod val="50000"/>
-                <a:lumOff val="50000"/>
-              </a:schemeClr>
-            </a:solidFill>
+            <a:noFill/>
           </a:ln>
         </p:spPr>
         <p:style>
@@ -17761,6 +15550,537 @@
           <a:lstStyle/>
           <a:p>
             <a:pPr algn="ctr"/>
+            <a:endParaRPr lang="es-ES"/>
+          </a:p>
+        </p:txBody>
+      </p:sp>
+      <p:sp>
+        <p:nvSpPr>
+          <p:cNvPr id="36" name="CuadroTexto 35">
+            <a:extLst>
+              <a:ext uri="{FF2B5EF4-FFF2-40B4-BE49-F238E27FC236}">
+                <a16:creationId xmlns:a16="http://schemas.microsoft.com/office/drawing/2014/main" id="{12B785AF-6D8C-51D9-4FE5-2410EE4A9C56}"/>
+              </a:ext>
+            </a:extLst>
+          </p:cNvPr>
+          <p:cNvSpPr txBox="1"/>
+          <p:nvPr/>
+        </p:nvSpPr>
+        <p:spPr>
+          <a:xfrm>
+            <a:off x="7696039" y="2773705"/>
+            <a:ext cx="3873600" cy="1532334"/>
+          </a:xfrm>
+          <a:prstGeom prst="roundRect">
+            <a:avLst/>
+          </a:prstGeom>
+          <a:noFill/>
+          <a:ln w="19050">
+            <a:solidFill>
+              <a:srgbClr val="FF8181"/>
+            </a:solidFill>
+            <a:prstDash val="sysDash"/>
+          </a:ln>
+        </p:spPr>
+        <p:txBody>
+          <a:bodyPr wrap="square">
+            <a:spAutoFit/>
+          </a:bodyPr>
+          <a:lstStyle>
+            <a:defPPr rtl="0">
+              <a:defRPr lang="es-es"/>
+            </a:defPPr>
+            <a:lvl1pPr algn="just">
+              <a:spcBef>
+                <a:spcPts val="300"/>
+              </a:spcBef>
+              <a:defRPr sz="1200" b="1"/>
+            </a:lvl1pPr>
+          </a:lstStyle>
+          <a:p>
+            <a:pPr marL="171450" indent="-171450">
+              <a:spcBef>
+                <a:spcPts val="0"/>
+              </a:spcBef>
+              <a:buFont typeface="Arial" panose="020B0604020202020204" pitchFamily="34" charset="0"/>
+              <a:buChar char="•"/>
+            </a:pPr>
+            <a:r>
+              <a:rPr lang="es-ES" b="0" dirty="0"/>
+              <a:t>Los clientes con hipotecas destinan gran parte de sus ingresos a éstas y, por ello, su saldo es menor y tienen mayor peligro de incumplimiento.</a:t>
+            </a:r>
+          </a:p>
+          <a:p>
+            <a:pPr>
+              <a:spcBef>
+                <a:spcPts val="0"/>
+              </a:spcBef>
+            </a:pPr>
+            <a:endParaRPr lang="es-ES" b="0" dirty="0"/>
+          </a:p>
+          <a:p>
+            <a:pPr marL="171450" indent="-171450">
+              <a:spcBef>
+                <a:spcPts val="0"/>
+              </a:spcBef>
+              <a:buFont typeface="Arial" panose="020B0604020202020204" pitchFamily="34" charset="0"/>
+              <a:buChar char="•"/>
+            </a:pPr>
+            <a:r>
+              <a:rPr lang="es-ES" b="0" dirty="0"/>
+              <a:t>Los que también tienen préstamo puede que lo hayan pedido para reformar la casa y eso sea una señal de que tienen más ingresos.</a:t>
+            </a:r>
+          </a:p>
+        </p:txBody>
+      </p:sp>
+      <p:sp>
+        <p:nvSpPr>
+          <p:cNvPr id="38" name="CuadroTexto 37">
+            <a:extLst>
+              <a:ext uri="{FF2B5EF4-FFF2-40B4-BE49-F238E27FC236}">
+                <a16:creationId xmlns:a16="http://schemas.microsoft.com/office/drawing/2014/main" id="{69CA13D8-495C-9FBC-E443-F90156725376}"/>
+              </a:ext>
+            </a:extLst>
+          </p:cNvPr>
+          <p:cNvSpPr txBox="1"/>
+          <p:nvPr/>
+        </p:nvSpPr>
+        <p:spPr>
+          <a:xfrm>
+            <a:off x="7696039" y="4555553"/>
+            <a:ext cx="3873600" cy="1532334"/>
+          </a:xfrm>
+          <a:prstGeom prst="roundRect">
+            <a:avLst/>
+          </a:prstGeom>
+          <a:noFill/>
+          <a:ln w="19050">
+            <a:solidFill>
+              <a:srgbClr val="92D050"/>
+            </a:solidFill>
+            <a:prstDash val="sysDash"/>
+          </a:ln>
+        </p:spPr>
+        <p:txBody>
+          <a:bodyPr wrap="square">
+            <a:spAutoFit/>
+          </a:bodyPr>
+          <a:lstStyle>
+            <a:defPPr rtl="0">
+              <a:defRPr lang="es-es"/>
+            </a:defPPr>
+            <a:lvl1pPr algn="just">
+              <a:spcBef>
+                <a:spcPts val="300"/>
+              </a:spcBef>
+              <a:defRPr sz="1200" b="1"/>
+            </a:lvl1pPr>
+          </a:lstStyle>
+          <a:p>
+            <a:pPr marL="171450" indent="-171450">
+              <a:spcBef>
+                <a:spcPts val="0"/>
+              </a:spcBef>
+              <a:buFont typeface="Arial" panose="020B0604020202020204" pitchFamily="34" charset="0"/>
+              <a:buChar char="•"/>
+            </a:pPr>
+            <a:r>
+              <a:rPr lang="es-ES" b="0" dirty="0"/>
+              <a:t>Ajustar las condiciones de las hipotecas a los ingresos reales de los clientes.</a:t>
+            </a:r>
+          </a:p>
+          <a:p>
+            <a:pPr marL="171450" indent="-171450">
+              <a:spcBef>
+                <a:spcPts val="0"/>
+              </a:spcBef>
+              <a:buFont typeface="Arial" panose="020B0604020202020204" pitchFamily="34" charset="0"/>
+              <a:buChar char="•"/>
+            </a:pPr>
+            <a:endParaRPr lang="es-ES" b="0" dirty="0"/>
+          </a:p>
+          <a:p>
+            <a:pPr marL="171450" indent="-171450">
+              <a:spcBef>
+                <a:spcPts val="0"/>
+              </a:spcBef>
+              <a:buFont typeface="Arial" panose="020B0604020202020204" pitchFamily="34" charset="0"/>
+              <a:buChar char="•"/>
+            </a:pPr>
+            <a:r>
+              <a:rPr lang="es-ES" b="0" dirty="0"/>
+              <a:t>Poder suavizar las condiciones puntualmente en caso de necesidad para que no caigan en impago: Congelar el pago de intereses y así bajar las cuotas por un determinado tiempo o alargar el periodo de pago.</a:t>
+            </a:r>
+          </a:p>
+        </p:txBody>
+      </p:sp>
+      <p:sp>
+        <p:nvSpPr>
+          <p:cNvPr id="41" name="Elipse 40">
+            <a:extLst>
+              <a:ext uri="{FF2B5EF4-FFF2-40B4-BE49-F238E27FC236}">
+                <a16:creationId xmlns:a16="http://schemas.microsoft.com/office/drawing/2014/main" id="{726B6686-6E30-955D-B112-5001E3992DB0}"/>
+              </a:ext>
+            </a:extLst>
+          </p:cNvPr>
+          <p:cNvSpPr/>
+          <p:nvPr/>
+        </p:nvSpPr>
+        <p:spPr>
+          <a:xfrm>
+            <a:off x="6371770" y="2954006"/>
+            <a:ext cx="1173600" cy="1171731"/>
+          </a:xfrm>
+          <a:prstGeom prst="ellipse">
+            <a:avLst/>
+          </a:prstGeom>
+          <a:solidFill>
+            <a:srgbClr val="FFB7B7"/>
+          </a:solidFill>
+          <a:ln>
+            <a:solidFill>
+              <a:srgbClr val="FF8181"/>
+            </a:solidFill>
+          </a:ln>
+        </p:spPr>
+        <p:style>
+          <a:lnRef idx="2">
+            <a:schemeClr val="accent1">
+              <a:shade val="50000"/>
+            </a:schemeClr>
+          </a:lnRef>
+          <a:fillRef idx="1">
+            <a:schemeClr val="accent1"/>
+          </a:fillRef>
+          <a:effectRef idx="0">
+            <a:schemeClr val="accent1"/>
+          </a:effectRef>
+          <a:fontRef idx="minor">
+            <a:schemeClr val="lt1"/>
+          </a:fontRef>
+        </p:style>
+        <p:txBody>
+          <a:bodyPr rtlCol="0" anchor="ctr"/>
+          <a:lstStyle/>
+          <a:p>
+            <a:pPr algn="ctr"/>
+            <a:r>
+              <a:rPr lang="es-ES" sz="1400" dirty="0">
+                <a:solidFill>
+                  <a:schemeClr val="tx1"/>
+                </a:solidFill>
+              </a:rPr>
+              <a:t>Posibles </a:t>
+            </a:r>
+            <a:r>
+              <a:rPr lang="es-ES" sz="1400" b="1" dirty="0">
+                <a:solidFill>
+                  <a:schemeClr val="tx1"/>
+                </a:solidFill>
+              </a:rPr>
+              <a:t>CAUSAS</a:t>
+            </a:r>
+          </a:p>
+        </p:txBody>
+      </p:sp>
+      <p:sp>
+        <p:nvSpPr>
+          <p:cNvPr id="42" name="Elipse 41">
+            <a:extLst>
+              <a:ext uri="{FF2B5EF4-FFF2-40B4-BE49-F238E27FC236}">
+                <a16:creationId xmlns:a16="http://schemas.microsoft.com/office/drawing/2014/main" id="{AEF366BB-8534-D16B-88EC-C0A8213619CC}"/>
+              </a:ext>
+            </a:extLst>
+          </p:cNvPr>
+          <p:cNvSpPr/>
+          <p:nvPr/>
+        </p:nvSpPr>
+        <p:spPr>
+          <a:xfrm>
+            <a:off x="6371770" y="4735858"/>
+            <a:ext cx="1173600" cy="1171731"/>
+          </a:xfrm>
+          <a:prstGeom prst="ellipse">
+            <a:avLst/>
+          </a:prstGeom>
+          <a:solidFill>
+            <a:srgbClr val="D2ECB6"/>
+          </a:solidFill>
+          <a:ln>
+            <a:solidFill>
+              <a:srgbClr val="92D050"/>
+            </a:solidFill>
+          </a:ln>
+        </p:spPr>
+        <p:style>
+          <a:lnRef idx="2">
+            <a:schemeClr val="accent1">
+              <a:shade val="50000"/>
+            </a:schemeClr>
+          </a:lnRef>
+          <a:fillRef idx="1">
+            <a:schemeClr val="accent1"/>
+          </a:fillRef>
+          <a:effectRef idx="0">
+            <a:schemeClr val="accent1"/>
+          </a:effectRef>
+          <a:fontRef idx="minor">
+            <a:schemeClr val="lt1"/>
+          </a:fontRef>
+        </p:style>
+        <p:txBody>
+          <a:bodyPr rtlCol="0" anchor="ctr"/>
+          <a:lstStyle/>
+          <a:p>
+            <a:pPr algn="ctr"/>
+            <a:r>
+              <a:rPr lang="es-ES" sz="1400" b="1" dirty="0">
+                <a:solidFill>
+                  <a:schemeClr val="tx1"/>
+                </a:solidFill>
+              </a:rPr>
+              <a:t>RECO-MENDA-CIONES</a:t>
+            </a:r>
+          </a:p>
+        </p:txBody>
+      </p:sp>
+      <p:sp>
+        <p:nvSpPr>
+          <p:cNvPr id="43" name="Elipse 42">
+            <a:extLst>
+              <a:ext uri="{FF2B5EF4-FFF2-40B4-BE49-F238E27FC236}">
+                <a16:creationId xmlns:a16="http://schemas.microsoft.com/office/drawing/2014/main" id="{4DA4281C-F29A-6A7D-C796-6AFA6C3869FF}"/>
+              </a:ext>
+            </a:extLst>
+          </p:cNvPr>
+          <p:cNvSpPr/>
+          <p:nvPr/>
+        </p:nvSpPr>
+        <p:spPr>
+          <a:xfrm>
+            <a:off x="622361" y="4735856"/>
+            <a:ext cx="1173600" cy="1171731"/>
+          </a:xfrm>
+          <a:prstGeom prst="ellipse">
+            <a:avLst/>
+          </a:prstGeom>
+          <a:solidFill>
+            <a:srgbClr val="D2ECB6"/>
+          </a:solidFill>
+          <a:ln>
+            <a:solidFill>
+              <a:srgbClr val="92D050"/>
+            </a:solidFill>
+          </a:ln>
+        </p:spPr>
+        <p:style>
+          <a:lnRef idx="2">
+            <a:schemeClr val="accent1">
+              <a:shade val="50000"/>
+            </a:schemeClr>
+          </a:lnRef>
+          <a:fillRef idx="1">
+            <a:schemeClr val="accent1"/>
+          </a:fillRef>
+          <a:effectRef idx="0">
+            <a:schemeClr val="accent1"/>
+          </a:effectRef>
+          <a:fontRef idx="minor">
+            <a:schemeClr val="lt1"/>
+          </a:fontRef>
+        </p:style>
+        <p:txBody>
+          <a:bodyPr rtlCol="0" anchor="ctr"/>
+          <a:lstStyle/>
+          <a:p>
+            <a:pPr algn="ctr"/>
+            <a:r>
+              <a:rPr lang="es-ES" sz="1400" b="1" dirty="0">
+                <a:solidFill>
+                  <a:schemeClr val="tx1"/>
+                </a:solidFill>
+              </a:rPr>
+              <a:t>RECO-MENDA-CIONES</a:t>
+            </a:r>
+          </a:p>
+        </p:txBody>
+      </p:sp>
+      <p:sp>
+        <p:nvSpPr>
+          <p:cNvPr id="44" name="Elipse 43">
+            <a:extLst>
+              <a:ext uri="{FF2B5EF4-FFF2-40B4-BE49-F238E27FC236}">
+                <a16:creationId xmlns:a16="http://schemas.microsoft.com/office/drawing/2014/main" id="{B3D7F275-3643-5356-F0BB-4663C892B949}"/>
+              </a:ext>
+            </a:extLst>
+          </p:cNvPr>
+          <p:cNvSpPr/>
+          <p:nvPr/>
+        </p:nvSpPr>
+        <p:spPr>
+          <a:xfrm>
+            <a:off x="618011" y="2954006"/>
+            <a:ext cx="1173600" cy="1171731"/>
+          </a:xfrm>
+          <a:prstGeom prst="ellipse">
+            <a:avLst/>
+          </a:prstGeom>
+          <a:solidFill>
+            <a:srgbClr val="FFB7B7"/>
+          </a:solidFill>
+          <a:ln>
+            <a:solidFill>
+              <a:srgbClr val="FF8181"/>
+            </a:solidFill>
+          </a:ln>
+        </p:spPr>
+        <p:style>
+          <a:lnRef idx="2">
+            <a:schemeClr val="accent1">
+              <a:shade val="50000"/>
+            </a:schemeClr>
+          </a:lnRef>
+          <a:fillRef idx="1">
+            <a:schemeClr val="accent1"/>
+          </a:fillRef>
+          <a:effectRef idx="0">
+            <a:schemeClr val="accent1"/>
+          </a:effectRef>
+          <a:fontRef idx="minor">
+            <a:schemeClr val="lt1"/>
+          </a:fontRef>
+        </p:style>
+        <p:txBody>
+          <a:bodyPr rtlCol="0" anchor="ctr"/>
+          <a:lstStyle/>
+          <a:p>
+            <a:pPr algn="ctr"/>
+            <a:r>
+              <a:rPr lang="es-ES" sz="1400" dirty="0">
+                <a:solidFill>
+                  <a:schemeClr val="tx1"/>
+                </a:solidFill>
+              </a:rPr>
+              <a:t>Posibles </a:t>
+            </a:r>
+            <a:r>
+              <a:rPr lang="es-ES" sz="1400" b="1" dirty="0">
+                <a:solidFill>
+                  <a:schemeClr val="tx1"/>
+                </a:solidFill>
+              </a:rPr>
+              <a:t>CAUSAS</a:t>
+            </a:r>
+          </a:p>
+        </p:txBody>
+      </p:sp>
+      <p:sp>
+        <p:nvSpPr>
+          <p:cNvPr id="2" name="QuadreDeText 1">
+            <a:extLst>
+              <a:ext uri="{FF2B5EF4-FFF2-40B4-BE49-F238E27FC236}">
+                <a16:creationId xmlns:a16="http://schemas.microsoft.com/office/drawing/2014/main" id="{80D1F29C-338D-A3A0-399C-DA986318401D}"/>
+              </a:ext>
+            </a:extLst>
+          </p:cNvPr>
+          <p:cNvSpPr txBox="1"/>
+          <p:nvPr/>
+        </p:nvSpPr>
+        <p:spPr>
+          <a:xfrm>
+            <a:off x="1977738" y="1546180"/>
+            <a:ext cx="3874361" cy="617733"/>
+          </a:xfrm>
+          <a:prstGeom prst="rect">
+            <a:avLst/>
+          </a:prstGeom>
+          <a:noFill/>
+        </p:spPr>
+        <p:txBody>
+          <a:bodyPr wrap="square">
+            <a:spAutoFit/>
+          </a:bodyPr>
+          <a:lstStyle>
+            <a:defPPr rtl="0">
+              <a:defRPr lang="es-es"/>
+            </a:defPPr>
+            <a:lvl1pPr>
+              <a:lnSpc>
+                <a:spcPct val="150000"/>
+              </a:lnSpc>
+              <a:defRPr/>
+            </a:lvl1pPr>
+          </a:lstStyle>
+          <a:p>
+            <a:r>
+              <a:rPr lang="es-ES" altLang="es-ES" sz="1200" b="1" dirty="0"/>
+              <a:t>Tienden a tener mucho menor saldo</a:t>
+            </a:r>
+          </a:p>
+          <a:p>
+            <a:r>
+              <a:rPr lang="es-ES" altLang="es-ES" sz="1200" b="1" dirty="0"/>
+              <a:t>Tienden a tener mucho más riesgo de incumplimiento</a:t>
+            </a:r>
+          </a:p>
+        </p:txBody>
+      </p:sp>
+      <p:sp>
+        <p:nvSpPr>
+          <p:cNvPr id="3" name="Elipse 2">
+            <a:extLst>
+              <a:ext uri="{FF2B5EF4-FFF2-40B4-BE49-F238E27FC236}">
+                <a16:creationId xmlns:a16="http://schemas.microsoft.com/office/drawing/2014/main" id="{2CAA5F33-D214-CC8B-A2D4-F415FAD0B231}"/>
+              </a:ext>
+            </a:extLst>
+          </p:cNvPr>
+          <p:cNvSpPr/>
+          <p:nvPr/>
+        </p:nvSpPr>
+        <p:spPr>
+          <a:xfrm>
+            <a:off x="618011" y="1296922"/>
+            <a:ext cx="1173600" cy="1120646"/>
+          </a:xfrm>
+          <a:prstGeom prst="ellipse">
+            <a:avLst/>
+          </a:prstGeom>
+          <a:solidFill>
+            <a:schemeClr val="accent5">
+              <a:lumMod val="25000"/>
+              <a:lumOff val="75000"/>
+            </a:schemeClr>
+          </a:solidFill>
+          <a:ln>
+            <a:solidFill>
+              <a:schemeClr val="accent5">
+                <a:lumMod val="50000"/>
+                <a:lumOff val="50000"/>
+              </a:schemeClr>
+            </a:solidFill>
+          </a:ln>
+        </p:spPr>
+        <p:style>
+          <a:lnRef idx="2">
+            <a:schemeClr val="accent1">
+              <a:shade val="50000"/>
+            </a:schemeClr>
+          </a:lnRef>
+          <a:fillRef idx="1">
+            <a:schemeClr val="accent1"/>
+          </a:fillRef>
+          <a:effectRef idx="0">
+            <a:schemeClr val="accent1"/>
+          </a:effectRef>
+          <a:fontRef idx="minor">
+            <a:schemeClr val="lt1"/>
+          </a:fontRef>
+        </p:style>
+        <p:txBody>
+          <a:bodyPr rtlCol="0" anchor="ctr"/>
+          <a:lstStyle/>
+          <a:p>
+            <a:pPr algn="ctr"/>
             <a:r>
               <a:rPr lang="es-ES" sz="1400" dirty="0">
                 <a:solidFill>
@@ -17778,17 +16098,95 @@
                   <a:schemeClr val="tx1"/>
                 </a:solidFill>
               </a:rPr>
-              <a:t>HIPOTECAS</a:t>
-            </a:r>
-          </a:p>
-        </p:txBody>
-      </p:sp>
-      <p:sp>
-        <p:nvSpPr>
-          <p:cNvPr id="7" name="CuadroTexto 6">
-            <a:extLst>
-              <a:ext uri="{FF2B5EF4-FFF2-40B4-BE49-F238E27FC236}">
-                <a16:creationId xmlns:a16="http://schemas.microsoft.com/office/drawing/2014/main" id="{292295D7-A0AA-6FFD-C472-DE7035C28F3B}"/>
+              <a:t>PRÉSTA-MOS</a:t>
+            </a:r>
+          </a:p>
+        </p:txBody>
+      </p:sp>
+      <p:sp>
+        <p:nvSpPr>
+          <p:cNvPr id="7" name="Elipse 3">
+            <a:extLst>
+              <a:ext uri="{FF2B5EF4-FFF2-40B4-BE49-F238E27FC236}">
+                <a16:creationId xmlns:a16="http://schemas.microsoft.com/office/drawing/2014/main" id="{B2B7A681-6DC4-190D-D9BA-75D280946319}"/>
+              </a:ext>
+            </a:extLst>
+          </p:cNvPr>
+          <p:cNvSpPr/>
+          <p:nvPr/>
+        </p:nvSpPr>
+        <p:spPr>
+          <a:xfrm>
+            <a:off x="6352873" y="1270070"/>
+            <a:ext cx="1186198" cy="1171731"/>
+          </a:xfrm>
+          <a:prstGeom prst="ellipse">
+            <a:avLst/>
+          </a:prstGeom>
+          <a:solidFill>
+            <a:schemeClr val="accent5">
+              <a:lumMod val="25000"/>
+              <a:lumOff val="75000"/>
+            </a:schemeClr>
+          </a:solidFill>
+          <a:ln>
+            <a:solidFill>
+              <a:schemeClr val="accent5">
+                <a:lumMod val="50000"/>
+                <a:lumOff val="50000"/>
+              </a:schemeClr>
+            </a:solidFill>
+          </a:ln>
+        </p:spPr>
+        <p:style>
+          <a:lnRef idx="2">
+            <a:schemeClr val="accent1">
+              <a:shade val="50000"/>
+            </a:schemeClr>
+          </a:lnRef>
+          <a:fillRef idx="1">
+            <a:schemeClr val="accent1"/>
+          </a:fillRef>
+          <a:effectRef idx="0">
+            <a:schemeClr val="accent1"/>
+          </a:effectRef>
+          <a:fontRef idx="minor">
+            <a:schemeClr val="lt1"/>
+          </a:fontRef>
+        </p:style>
+        <p:txBody>
+          <a:bodyPr rtlCol="0" anchor="ctr"/>
+          <a:lstStyle/>
+          <a:p>
+            <a:pPr algn="ctr"/>
+            <a:r>
+              <a:rPr lang="es-ES" sz="1400" dirty="0">
+                <a:solidFill>
+                  <a:schemeClr val="tx1"/>
+                </a:solidFill>
+              </a:rPr>
+              <a:t>Clientes con</a:t>
+            </a:r>
+          </a:p>
+          <a:p>
+            <a:pPr algn="ctr"/>
+            <a:r>
+              <a:rPr lang="es-ES" sz="1400" b="1" dirty="0">
+                <a:solidFill>
+                  <a:schemeClr val="tx1"/>
+                </a:solidFill>
+              </a:rPr>
+              <a:t>HIPOTE-CAS</a:t>
+            </a:r>
+          </a:p>
+        </p:txBody>
+      </p:sp>
+      <p:sp>
+        <p:nvSpPr>
+          <p:cNvPr id="8" name="CuadroTexto 6">
+            <a:extLst>
+              <a:ext uri="{FF2B5EF4-FFF2-40B4-BE49-F238E27FC236}">
+                <a16:creationId xmlns:a16="http://schemas.microsoft.com/office/drawing/2014/main" id="{153DFE94-1372-87D5-0DA0-DA5787B5D984}"/>
               </a:ext>
             </a:extLst>
           </p:cNvPr>
@@ -17797,8 +16195,8 @@
         </p:nvSpPr>
         <p:spPr>
           <a:xfrm>
-            <a:off x="3950972" y="4285733"/>
-            <a:ext cx="7049063" cy="1295868"/>
+            <a:off x="7713900" y="1347214"/>
+            <a:ext cx="3873600" cy="1015663"/>
           </a:xfrm>
           <a:prstGeom prst="rect">
             <a:avLst/>
@@ -17811,39 +16209,23 @@
           </a:bodyPr>
           <a:lstStyle/>
           <a:p>
-            <a:pPr>
-              <a:lnSpc>
-                <a:spcPct val="150000"/>
-              </a:lnSpc>
-            </a:pPr>
-            <a:r>
-              <a:rPr lang="es-ES" altLang="es-ES" dirty="0"/>
-              <a:t>T</a:t>
-            </a:r>
-            <a:r>
-              <a:rPr lang="es-ES" altLang="es-ES" sz="1800" dirty="0"/>
-              <a:t>ienden a tener un saldo un poco menor</a:t>
-            </a:r>
-          </a:p>
-          <a:p>
-            <a:pPr>
-              <a:lnSpc>
-                <a:spcPct val="150000"/>
-              </a:lnSpc>
-            </a:pPr>
-            <a:r>
-              <a:rPr lang="es-ES" altLang="es-ES" dirty="0"/>
+            <a:pPr algn="just"/>
+            <a:r>
+              <a:rPr lang="es-ES" altLang="es-ES" sz="1200" b="1" dirty="0"/>
+              <a:t>Tienden a tener un saldo un poco menor</a:t>
+            </a:r>
+          </a:p>
+          <a:p>
+            <a:pPr algn="just"/>
+            <a:r>
+              <a:rPr lang="es-ES" altLang="es-ES" sz="1200" b="1" dirty="0"/>
               <a:t>Tienden a tener un poco más de riesgo que los que no tienen préstamo</a:t>
             </a:r>
           </a:p>
           <a:p>
-            <a:pPr>
-              <a:lnSpc>
-                <a:spcPct val="150000"/>
-              </a:lnSpc>
-            </a:pPr>
-            <a:r>
-              <a:rPr lang="es-ES" altLang="es-ES" dirty="0"/>
+            <a:pPr algn="just"/>
+            <a:r>
+              <a:rPr lang="es-ES" altLang="es-ES" sz="1200" b="1" dirty="0"/>
               <a:t>Tienden a tener menor riesgo en los que tienen también préstamo</a:t>
             </a:r>
           </a:p>
@@ -17852,7 +16234,7 @@
     </p:spTree>
     <p:extLst>
       <p:ext uri="{BB962C8B-B14F-4D97-AF65-F5344CB8AC3E}">
-        <p14:creationId xmlns:p14="http://schemas.microsoft.com/office/powerpoint/2010/main" val="2582763781"/>
+        <p14:creationId xmlns:p14="http://schemas.microsoft.com/office/powerpoint/2010/main" val="1103751901"/>
       </p:ext>
     </p:extLst>
   </p:cSld>

--- a/Equip_B/results/S2_Presentacion_Finanzas.pptx
+++ b/Equip_B/results/S2_Presentacion_Finanzas.pptx
@@ -19,7 +19,7 @@
     <p:sldId id="332" r:id="rId10"/>
     <p:sldId id="350" r:id="rId11"/>
     <p:sldId id="333" r:id="rId12"/>
-    <p:sldId id="352" r:id="rId13"/>
+    <p:sldId id="353" r:id="rId13"/>
     <p:sldId id="335" r:id="rId14"/>
   </p:sldIdLst>
   <p:sldSz cx="12192000" cy="6858000"/>
@@ -252,7 +252,7 @@
             <a:pPr rtl="0"/>
             <a:fld id="{75725A15-8D86-497D-8EAD-2EB1176C54F6}" type="datetime1">
               <a:rPr lang="es-ES" smtClean="0"/>
-              <a:t>20/10/2024</a:t>
+              <a:t>21/10/2024</a:t>
             </a:fld>
             <a:endParaRPr lang="es-ES"/>
           </a:p>
@@ -332,7 +332,7 @@
             <a:pPr rtl="0"/>
             <a:fld id="{682C0B10-7CAE-41E4-AB02-7E8B1FF2B898}" type="slidenum">
               <a:rPr lang="es-ES" smtClean="0"/>
-              <a:t>‹Nº›</a:t>
+              <a:t>‹#›</a:t>
             </a:fld>
             <a:endParaRPr lang="es-ES"/>
           </a:p>
@@ -434,7 +434,7 @@
             <a:fld id="{B958D509-07EE-4A09-900B-403023880868}" type="datetime1">
               <a:rPr lang="es-ES" smtClean="0"/>
               <a:pPr/>
-              <a:t>20/10/2024</a:t>
+              <a:t>21/10/2024</a:t>
             </a:fld>
             <a:endParaRPr lang="es-ES" dirty="0"/>
           </a:p>
@@ -595,7 +595,7 @@
             <a:pPr rtl="0"/>
             <a:fld id="{8530193B-564F-4854-8A52-728F3FB19C85}" type="slidenum">
               <a:rPr lang="es-ES" noProof="0" smtClean="0"/>
-              <a:t>‹Nº›</a:t>
+              <a:t>‹#›</a:t>
             </a:fld>
             <a:endParaRPr lang="es-ES" noProof="0"/>
           </a:p>
@@ -8408,7 +8408,7 @@
                   <a:schemeClr val="accent2"/>
                 </a:solidFill>
               </a:rPr>
-              <a:t>20/10/2024</a:t>
+              <a:t>21/10/2024</a:t>
             </a:fld>
             <a:endParaRPr lang="es-ES" sz="1100" noProof="0" dirty="0">
               <a:solidFill>
@@ -8680,7 +8680,7 @@
                 </a:solidFill>
               </a:rPr>
               <a:pPr algn="r" rtl="0"/>
-              <a:t>‹Nº›</a:t>
+              <a:t>‹#›</a:t>
             </a:fld>
             <a:endParaRPr lang="es-ES" sz="1100" noProof="0">
               <a:solidFill>
@@ -15444,7 +15444,7 @@
         <p:spPr>
           <a:xfrm>
             <a:off x="1977738" y="4615143"/>
-            <a:ext cx="3874360" cy="1413153"/>
+            <a:ext cx="3874360" cy="2026087"/>
           </a:xfrm>
           <a:prstGeom prst="roundRect">
             <a:avLst/>
@@ -15483,6 +15483,10 @@
               <a:buFont typeface="Arial" panose="020B0604020202020204" pitchFamily="34" charset="0"/>
               <a:buChar char="•"/>
             </a:pPr>
+            <a:r>
+              <a:rPr lang="es-ES" sz="1200" b="0" dirty="0"/>
+              <a:t>Mejorar las condiciones puntualmente en caso de necesidad para que no caigan en impago: Bajar las cuotas por un determinado tiempo o alargar el periodo de pago.</a:t>
+            </a:r>
             <a:endParaRPr lang="es-ES" sz="1200" dirty="0"/>
           </a:p>
           <a:p>
@@ -15568,7 +15572,7 @@
         </p:nvSpPr>
         <p:spPr>
           <a:xfrm>
-            <a:off x="7696039" y="2773705"/>
+            <a:off x="7696039" y="2662833"/>
             <a:ext cx="3873600" cy="1532334"/>
           </a:xfrm>
           <a:prstGeom prst="roundRect">
@@ -15628,7 +15632,7 @@
             </a:pPr>
             <a:r>
               <a:rPr lang="es-ES" b="0" dirty="0"/>
-              <a:t>Los que también tienen préstamo puede que lo hayan pedido para reformar la casa y eso sea una señal de que tienen más ingresos.</a:t>
+              <a:t>Los que también tienen préstamo es porque tienen más ingresos y mayor salud financiera. Sino no se les hubiera concedido préstamo + hipoteca.</a:t>
             </a:r>
           </a:p>
         </p:txBody>
@@ -15647,8 +15651,8 @@
         </p:nvSpPr>
         <p:spPr>
           <a:xfrm>
-            <a:off x="7696039" y="4555553"/>
-            <a:ext cx="3873600" cy="1532334"/>
+            <a:off x="7696039" y="4335996"/>
+            <a:ext cx="3873600" cy="2145268"/>
           </a:xfrm>
           <a:prstGeom prst="roundRect">
             <a:avLst/>
@@ -15697,7 +15701,10 @@
               <a:buFont typeface="Arial" panose="020B0604020202020204" pitchFamily="34" charset="0"/>
               <a:buChar char="•"/>
             </a:pPr>
-            <a:endParaRPr lang="es-ES" b="0" dirty="0"/>
+            <a:r>
+              <a:rPr lang="es-ES" b="0" dirty="0"/>
+              <a:t>Poder suavizar las condiciones puntualmente en caso de necesidad para que no caigan en impago: Bajar las cuotas por un determinado tiempo o alargar el periodo de pago.</a:t>
+            </a:r>
           </a:p>
           <a:p>
             <a:pPr marL="171450" indent="-171450">
@@ -15709,7 +15716,7 @@
             </a:pPr>
             <a:r>
               <a:rPr lang="es-ES" b="0" dirty="0"/>
-              <a:t>Poder suavizar las condiciones puntualmente en caso de necesidad para que no caigan en impago: Congelar el pago de intereses y así bajar las cuotas por un determinado tiempo o alargar el periodo de pago.</a:t>
+              <a:t>Para aquellos con hipotecas, ofrecer líneas de crédito adicionales respaldadas por la propiedad que puedan ser utilizadas para la consolidación de deudas o la realización de mejoras en su situación financiera.</a:t>
             </a:r>
           </a:p>
         </p:txBody>
@@ -15728,7 +15735,7 @@
         </p:nvSpPr>
         <p:spPr>
           <a:xfrm>
-            <a:off x="6371770" y="2954006"/>
+            <a:off x="6373870" y="2843134"/>
             <a:ext cx="1173600" cy="1171731"/>
           </a:xfrm>
           <a:prstGeom prst="ellipse">
@@ -16234,7 +16241,7 @@
     </p:spTree>
     <p:extLst>
       <p:ext uri="{BB962C8B-B14F-4D97-AF65-F5344CB8AC3E}">
-        <p14:creationId xmlns:p14="http://schemas.microsoft.com/office/powerpoint/2010/main" val="1103751901"/>
+        <p14:creationId xmlns:p14="http://schemas.microsoft.com/office/powerpoint/2010/main" val="3460482030"/>
       </p:ext>
     </p:extLst>
   </p:cSld>
@@ -17066,12 +17073,12 @@
 </file>
 
 <file path=customXml/item1.xml><?xml version="1.0" encoding="utf-8"?>
-<?mso-contentType ?>
-<FormTemplates xmlns="http://schemas.microsoft.com/sharepoint/v3/contenttype/forms">
-  <Display>DocumentLibraryForm</Display>
-  <Edit>DocumentLibraryForm</Edit>
-  <New>DocumentLibraryForm</New>
-</FormTemplates>
+<p:properties xmlns:p="http://schemas.microsoft.com/office/2006/metadata/properties" xmlns:xsi="http://www.w3.org/2001/XMLSchema-instance" xmlns:pc="http://schemas.microsoft.com/office/infopath/2007/PartnerControls">
+  <documentManagement>
+    <Status xmlns="71af3243-3dd4-4a8d-8c0d-dd76da1f02a5">Not started</Status>
+    <MediaServiceKeyPoints xmlns="71af3243-3dd4-4a8d-8c0d-dd76da1f02a5" xsi:nil="true"/>
+  </documentManagement>
+</p:properties>
 </file>
 
 <file path=customXml/item2.xml><?xml version="1.0" encoding="utf-8"?>
@@ -17296,18 +17303,20 @@
 </file>
 
 <file path=customXml/item3.xml><?xml version="1.0" encoding="utf-8"?>
-<p:properties xmlns:p="http://schemas.microsoft.com/office/2006/metadata/properties" xmlns:xsi="http://www.w3.org/2001/XMLSchema-instance" xmlns:pc="http://schemas.microsoft.com/office/infopath/2007/PartnerControls">
-  <documentManagement>
-    <Status xmlns="71af3243-3dd4-4a8d-8c0d-dd76da1f02a5">Not started</Status>
-    <MediaServiceKeyPoints xmlns="71af3243-3dd4-4a8d-8c0d-dd76da1f02a5" xsi:nil="true"/>
-  </documentManagement>
-</p:properties>
+<?mso-contentType ?>
+<FormTemplates xmlns="http://schemas.microsoft.com/sharepoint/v3/contenttype/forms">
+  <Display>DocumentLibraryForm</Display>
+  <Edit>DocumentLibraryForm</Edit>
+  <New>DocumentLibraryForm</New>
+</FormTemplates>
 </file>
 
 <file path=customXml/itemProps1.xml><?xml version="1.0" encoding="utf-8"?>
-<ds:datastoreItem xmlns:ds="http://schemas.openxmlformats.org/officeDocument/2006/customXml" ds:itemID="{05D99ABA-76CE-4A8E-B5F0-C051B96628DE}">
+<ds:datastoreItem xmlns:ds="http://schemas.openxmlformats.org/officeDocument/2006/customXml" ds:itemID="{4DEA9014-ED64-4558-B1E1-D03F0EE32BEB}">
   <ds:schemaRefs>
-    <ds:schemaRef ds:uri="http://schemas.microsoft.com/sharepoint/v3/contenttype/forms"/>
+    <ds:schemaRef ds:uri="http://schemas.microsoft.com/office/2006/metadata/properties"/>
+    <ds:schemaRef ds:uri="http://schemas.microsoft.com/office/infopath/2007/PartnerControls"/>
+    <ds:schemaRef ds:uri="71af3243-3dd4-4a8d-8c0d-dd76da1f02a5"/>
   </ds:schemaRefs>
 </ds:datastoreItem>
 </file>
@@ -17332,11 +17341,9 @@
 </file>
 
 <file path=customXml/itemProps3.xml><?xml version="1.0" encoding="utf-8"?>
-<ds:datastoreItem xmlns:ds="http://schemas.openxmlformats.org/officeDocument/2006/customXml" ds:itemID="{4DEA9014-ED64-4558-B1E1-D03F0EE32BEB}">
+<ds:datastoreItem xmlns:ds="http://schemas.openxmlformats.org/officeDocument/2006/customXml" ds:itemID="{05D99ABA-76CE-4A8E-B5F0-C051B96628DE}">
   <ds:schemaRefs>
-    <ds:schemaRef ds:uri="http://schemas.microsoft.com/office/2006/metadata/properties"/>
-    <ds:schemaRef ds:uri="http://schemas.microsoft.com/office/infopath/2007/PartnerControls"/>
-    <ds:schemaRef ds:uri="71af3243-3dd4-4a8d-8c0d-dd76da1f02a5"/>
+    <ds:schemaRef ds:uri="http://schemas.microsoft.com/sharepoint/v3/contenttype/forms"/>
   </ds:schemaRefs>
 </ds:datastoreItem>
 </file>
--- a/Equip_B/results/S2_Presentacion_Finanzas.pptx
+++ b/Equip_B/results/S2_Presentacion_Finanzas.pptx
@@ -15444,7 +15444,7 @@
         <p:spPr>
           <a:xfrm>
             <a:off x="1977738" y="4615143"/>
-            <a:ext cx="3874360" cy="2026087"/>
+            <a:ext cx="3874360" cy="1821775"/>
           </a:xfrm>
           <a:prstGeom prst="roundRect">
             <a:avLst/>
@@ -15485,7 +15485,7 @@
             </a:pPr>
             <a:r>
               <a:rPr lang="es-ES" sz="1200" b="0" dirty="0"/>
-              <a:t>Mejorar las condiciones puntualmente en caso de necesidad para que no caigan en impago: Bajar las cuotas por un determinado tiempo o alargar el periodo de pago.</a:t>
+              <a:t>Mejorar las condiciones puntualmente en caso de necesidad para que no caigan en impago: Bajar las cuotas por un tiempo o alargar el periodo de pago.</a:t>
             </a:r>
             <a:endParaRPr lang="es-ES" sz="1200" dirty="0"/>
           </a:p>
@@ -15652,7 +15652,7 @@
         <p:spPr>
           <a:xfrm>
             <a:off x="7696039" y="4335996"/>
-            <a:ext cx="3873600" cy="2145268"/>
+            <a:ext cx="3873600" cy="1940957"/>
           </a:xfrm>
           <a:prstGeom prst="roundRect">
             <a:avLst/>
@@ -15703,7 +15703,15 @@
             </a:pPr>
             <a:r>
               <a:rPr lang="es-ES" b="0" dirty="0"/>
-              <a:t>Poder suavizar las condiciones puntualmente en caso de necesidad para que no caigan en impago: Bajar las cuotas por un determinado tiempo o alargar el periodo de pago.</a:t>
+              <a:t>Poder suavizar las condiciones puntualmente en caso de necesidad para que no caigan en impago: Bajar las cuotas por </a:t>
+            </a:r>
+            <a:r>
+              <a:rPr lang="es-ES" b="0"/>
+              <a:t>un tiempo </a:t>
+            </a:r>
+            <a:r>
+              <a:rPr lang="es-ES" b="0" dirty="0"/>
+              <a:t>o alargar el periodo de pago.</a:t>
             </a:r>
           </a:p>
           <a:p>
@@ -17073,15 +17081,6 @@
 </file>
 
 <file path=customXml/item1.xml><?xml version="1.0" encoding="utf-8"?>
-<p:properties xmlns:p="http://schemas.microsoft.com/office/2006/metadata/properties" xmlns:xsi="http://www.w3.org/2001/XMLSchema-instance" xmlns:pc="http://schemas.microsoft.com/office/infopath/2007/PartnerControls">
-  <documentManagement>
-    <Status xmlns="71af3243-3dd4-4a8d-8c0d-dd76da1f02a5">Not started</Status>
-    <MediaServiceKeyPoints xmlns="71af3243-3dd4-4a8d-8c0d-dd76da1f02a5" xsi:nil="true"/>
-  </documentManagement>
-</p:properties>
-</file>
-
-<file path=customXml/item2.xml><?xml version="1.0" encoding="utf-8"?>
 <ct:contentTypeSchema xmlns:ct="http://schemas.microsoft.com/office/2006/metadata/contentType" xmlns:ma="http://schemas.microsoft.com/office/2006/metadata/properties/metaAttributes" ct:_="" ma:_="" ma:contentTypeName="Document" ma:contentTypeID="0x01010079F111ED35F8CC479449609E8A0923A6" ma:contentTypeVersion="12" ma:contentTypeDescription="Create a new document." ma:contentTypeScope="" ma:versionID="426e97fa315356fffbdcd9876fe988c2">
   <xsd:schema xmlns:xsd="http://www.w3.org/2001/XMLSchema" xmlns:xs="http://www.w3.org/2001/XMLSchema" xmlns:p="http://schemas.microsoft.com/office/2006/metadata/properties" xmlns:ns2="71af3243-3dd4-4a8d-8c0d-dd76da1f02a5" xmlns:ns3="16c05727-aa75-4e4a-9b5f-8a80a1165891" targetNamespace="http://schemas.microsoft.com/office/2006/metadata/properties" ma:root="true" ma:fieldsID="14b8f0def80e6d70ce3def20c90759ae" ns2:_="" ns3:_="">
     <xsd:import namespace="71af3243-3dd4-4a8d-8c0d-dd76da1f02a5"/>
@@ -17302,6 +17301,15 @@
 </ct:contentTypeSchema>
 </file>
 
+<file path=customXml/item2.xml><?xml version="1.0" encoding="utf-8"?>
+<p:properties xmlns:p="http://schemas.microsoft.com/office/2006/metadata/properties" xmlns:xsi="http://www.w3.org/2001/XMLSchema-instance" xmlns:pc="http://schemas.microsoft.com/office/infopath/2007/PartnerControls">
+  <documentManagement>
+    <Status xmlns="71af3243-3dd4-4a8d-8c0d-dd76da1f02a5">Not started</Status>
+    <MediaServiceKeyPoints xmlns="71af3243-3dd4-4a8d-8c0d-dd76da1f02a5" xsi:nil="true"/>
+  </documentManagement>
+</p:properties>
+</file>
+
 <file path=customXml/item3.xml><?xml version="1.0" encoding="utf-8"?>
 <?mso-contentType ?>
 <FormTemplates xmlns="http://schemas.microsoft.com/sharepoint/v3/contenttype/forms">
@@ -17312,16 +17320,6 @@
 </file>
 
 <file path=customXml/itemProps1.xml><?xml version="1.0" encoding="utf-8"?>
-<ds:datastoreItem xmlns:ds="http://schemas.openxmlformats.org/officeDocument/2006/customXml" ds:itemID="{4DEA9014-ED64-4558-B1E1-D03F0EE32BEB}">
-  <ds:schemaRefs>
-    <ds:schemaRef ds:uri="http://schemas.microsoft.com/office/2006/metadata/properties"/>
-    <ds:schemaRef ds:uri="http://schemas.microsoft.com/office/infopath/2007/PartnerControls"/>
-    <ds:schemaRef ds:uri="71af3243-3dd4-4a8d-8c0d-dd76da1f02a5"/>
-  </ds:schemaRefs>
-</ds:datastoreItem>
-</file>
-
-<file path=customXml/itemProps2.xml><?xml version="1.0" encoding="utf-8"?>
 <ds:datastoreItem xmlns:ds="http://schemas.openxmlformats.org/officeDocument/2006/customXml" ds:itemID="{B19EB750-A6DA-4BE8-B87B-FC499FE73360}">
   <ds:schemaRefs>
     <ds:schemaRef ds:uri="http://schemas.microsoft.com/office/2006/metadata/contentType"/>
@@ -17340,6 +17338,16 @@
 </ds:datastoreItem>
 </file>
 
+<file path=customXml/itemProps2.xml><?xml version="1.0" encoding="utf-8"?>
+<ds:datastoreItem xmlns:ds="http://schemas.openxmlformats.org/officeDocument/2006/customXml" ds:itemID="{4DEA9014-ED64-4558-B1E1-D03F0EE32BEB}">
+  <ds:schemaRefs>
+    <ds:schemaRef ds:uri="http://schemas.microsoft.com/office/2006/metadata/properties"/>
+    <ds:schemaRef ds:uri="http://schemas.microsoft.com/office/infopath/2007/PartnerControls"/>
+    <ds:schemaRef ds:uri="71af3243-3dd4-4a8d-8c0d-dd76da1f02a5"/>
+  </ds:schemaRefs>
+</ds:datastoreItem>
+</file>
+
 <file path=customXml/itemProps3.xml><?xml version="1.0" encoding="utf-8"?>
 <ds:datastoreItem xmlns:ds="http://schemas.openxmlformats.org/officeDocument/2006/customXml" ds:itemID="{05D99ABA-76CE-4A8E-B5F0-C051B96628DE}">
   <ds:schemaRefs>
